--- a/graphics/Workflow.pptx
+++ b/graphics/Workflow.pptx
@@ -244,7 +244,7 @@
           <a:p>
             <a:fld id="{7DEFB48F-6A8E-41E1-B486-D031BDFF61F3}" type="datetimeFigureOut">
               <a:rPr lang="en-US" smtClean="0"/>
-              <a:t>10/27/2020</a:t>
+              <a:t>11/2/2020</a:t>
             </a:fld>
             <a:endParaRPr lang="en-US"/>
           </a:p>
@@ -414,7 +414,7 @@
           <a:p>
             <a:fld id="{7DEFB48F-6A8E-41E1-B486-D031BDFF61F3}" type="datetimeFigureOut">
               <a:rPr lang="en-US" smtClean="0"/>
-              <a:t>10/27/2020</a:t>
+              <a:t>11/2/2020</a:t>
             </a:fld>
             <a:endParaRPr lang="en-US"/>
           </a:p>
@@ -594,7 +594,7 @@
           <a:p>
             <a:fld id="{7DEFB48F-6A8E-41E1-B486-D031BDFF61F3}" type="datetimeFigureOut">
               <a:rPr lang="en-US" smtClean="0"/>
-              <a:t>10/27/2020</a:t>
+              <a:t>11/2/2020</a:t>
             </a:fld>
             <a:endParaRPr lang="en-US"/>
           </a:p>
@@ -764,7 +764,7 @@
           <a:p>
             <a:fld id="{7DEFB48F-6A8E-41E1-B486-D031BDFF61F3}" type="datetimeFigureOut">
               <a:rPr lang="en-US" smtClean="0"/>
-              <a:t>10/27/2020</a:t>
+              <a:t>11/2/2020</a:t>
             </a:fld>
             <a:endParaRPr lang="en-US"/>
           </a:p>
@@ -1010,7 +1010,7 @@
           <a:p>
             <a:fld id="{7DEFB48F-6A8E-41E1-B486-D031BDFF61F3}" type="datetimeFigureOut">
               <a:rPr lang="en-US" smtClean="0"/>
-              <a:t>10/27/2020</a:t>
+              <a:t>11/2/2020</a:t>
             </a:fld>
             <a:endParaRPr lang="en-US"/>
           </a:p>
@@ -1242,7 +1242,7 @@
           <a:p>
             <a:fld id="{7DEFB48F-6A8E-41E1-B486-D031BDFF61F3}" type="datetimeFigureOut">
               <a:rPr lang="en-US" smtClean="0"/>
-              <a:t>10/27/2020</a:t>
+              <a:t>11/2/2020</a:t>
             </a:fld>
             <a:endParaRPr lang="en-US"/>
           </a:p>
@@ -1609,7 +1609,7 @@
           <a:p>
             <a:fld id="{7DEFB48F-6A8E-41E1-B486-D031BDFF61F3}" type="datetimeFigureOut">
               <a:rPr lang="en-US" smtClean="0"/>
-              <a:t>10/27/2020</a:t>
+              <a:t>11/2/2020</a:t>
             </a:fld>
             <a:endParaRPr lang="en-US"/>
           </a:p>
@@ -1727,7 +1727,7 @@
           <a:p>
             <a:fld id="{7DEFB48F-6A8E-41E1-B486-D031BDFF61F3}" type="datetimeFigureOut">
               <a:rPr lang="en-US" smtClean="0"/>
-              <a:t>10/27/2020</a:t>
+              <a:t>11/2/2020</a:t>
             </a:fld>
             <a:endParaRPr lang="en-US"/>
           </a:p>
@@ -1822,7 +1822,7 @@
           <a:p>
             <a:fld id="{7DEFB48F-6A8E-41E1-B486-D031BDFF61F3}" type="datetimeFigureOut">
               <a:rPr lang="en-US" smtClean="0"/>
-              <a:t>10/27/2020</a:t>
+              <a:t>11/2/2020</a:t>
             </a:fld>
             <a:endParaRPr lang="en-US"/>
           </a:p>
@@ -2099,7 +2099,7 @@
           <a:p>
             <a:fld id="{7DEFB48F-6A8E-41E1-B486-D031BDFF61F3}" type="datetimeFigureOut">
               <a:rPr lang="en-US" smtClean="0"/>
-              <a:t>10/27/2020</a:t>
+              <a:t>11/2/2020</a:t>
             </a:fld>
             <a:endParaRPr lang="en-US"/>
           </a:p>
@@ -2356,7 +2356,7 @@
           <a:p>
             <a:fld id="{7DEFB48F-6A8E-41E1-B486-D031BDFF61F3}" type="datetimeFigureOut">
               <a:rPr lang="en-US" smtClean="0"/>
-              <a:t>10/27/2020</a:t>
+              <a:t>11/2/2020</a:t>
             </a:fld>
             <a:endParaRPr lang="en-US"/>
           </a:p>
@@ -2569,7 +2569,7 @@
           <a:p>
             <a:fld id="{7DEFB48F-6A8E-41E1-B486-D031BDFF61F3}" type="datetimeFigureOut">
               <a:rPr lang="en-US" smtClean="0"/>
-              <a:t>10/27/2020</a:t>
+              <a:t>11/2/2020</a:t>
             </a:fld>
             <a:endParaRPr lang="en-US"/>
           </a:p>
@@ -2976,459 +2976,6 @@
       </p:grpSpPr>
       <p:sp>
         <p:nvSpPr>
-          <p:cNvPr id="2" name="Rectangle 1">
-            <a:extLst>
-              <a:ext uri="{FF2B5EF4-FFF2-40B4-BE49-F238E27FC236}">
-                <a16:creationId xmlns:a16="http://schemas.microsoft.com/office/drawing/2014/main" id="{971D62EB-829E-EE43-9AF8-2E88DA10C770}"/>
-              </a:ext>
-            </a:extLst>
-          </p:cNvPr>
-          <p:cNvSpPr/>
-          <p:nvPr/>
-        </p:nvSpPr>
-        <p:spPr>
-          <a:xfrm>
-            <a:off x="4565015" y="112426"/>
-            <a:ext cx="3061970" cy="176444"/>
-          </a:xfrm>
-          <a:prstGeom prst="rect">
-            <a:avLst/>
-          </a:prstGeom>
-        </p:spPr>
-        <p:style>
-          <a:lnRef idx="2">
-            <a:schemeClr val="accent1">
-              <a:shade val="50000"/>
-            </a:schemeClr>
-          </a:lnRef>
-          <a:fillRef idx="1">
-            <a:schemeClr val="accent1"/>
-          </a:fillRef>
-          <a:effectRef idx="0">
-            <a:schemeClr val="accent1"/>
-          </a:effectRef>
-          <a:fontRef idx="minor">
-            <a:schemeClr val="lt1"/>
-          </a:fontRef>
-        </p:style>
-        <p:txBody>
-          <a:bodyPr rtlCol="0" anchor="ctr"/>
-          <a:lstStyle/>
-          <a:p>
-            <a:pPr algn="ctr"/>
-            <a:r>
-              <a:rPr lang="en-US" sz="1200" i="1" dirty="0">
-                <a:solidFill>
-                  <a:schemeClr val="tx1"/>
-                </a:solidFill>
-              </a:rPr>
-              <a:t>Spatiotemporal MS density values from VAST</a:t>
-            </a:r>
-          </a:p>
-        </p:txBody>
-      </p:sp>
-      <p:sp>
-        <p:nvSpPr>
-          <p:cNvPr id="3" name="Rectangle 2">
-            <a:extLst>
-              <a:ext uri="{FF2B5EF4-FFF2-40B4-BE49-F238E27FC236}">
-                <a16:creationId xmlns:a16="http://schemas.microsoft.com/office/drawing/2014/main" id="{75075CF8-61C6-A24E-AE4E-B76C3E45F4A8}"/>
-              </a:ext>
-            </a:extLst>
-          </p:cNvPr>
-          <p:cNvSpPr/>
-          <p:nvPr/>
-        </p:nvSpPr>
-        <p:spPr>
-          <a:xfrm>
-            <a:off x="4565015" y="271926"/>
-            <a:ext cx="3061970" cy="170510"/>
-          </a:xfrm>
-          <a:prstGeom prst="rect">
-            <a:avLst/>
-          </a:prstGeom>
-          <a:solidFill>
-            <a:schemeClr val="accent4"/>
-          </a:solidFill>
-        </p:spPr>
-        <p:style>
-          <a:lnRef idx="2">
-            <a:schemeClr val="accent1">
-              <a:shade val="50000"/>
-            </a:schemeClr>
-          </a:lnRef>
-          <a:fillRef idx="1">
-            <a:schemeClr val="accent1"/>
-          </a:fillRef>
-          <a:effectRef idx="0">
-            <a:schemeClr val="accent1"/>
-          </a:effectRef>
-          <a:fontRef idx="minor">
-            <a:schemeClr val="lt1"/>
-          </a:fontRef>
-        </p:style>
-        <p:txBody>
-          <a:bodyPr rtlCol="0" anchor="ctr"/>
-          <a:lstStyle/>
-          <a:p>
-            <a:pPr algn="ctr"/>
-            <a:r>
-              <a:rPr lang="en-US" sz="825" i="1" dirty="0" err="1">
-                <a:solidFill>
-                  <a:schemeClr val="tx1"/>
-                </a:solidFill>
-              </a:rPr>
-              <a:t>Optimal_Allocation_GoA</a:t>
-            </a:r>
-            <a:r>
-              <a:rPr lang="en-US" sz="825" i="1" dirty="0">
-                <a:solidFill>
-                  <a:schemeClr val="tx1"/>
-                </a:solidFill>
-              </a:rPr>
-              <a:t>/</a:t>
-            </a:r>
-            <a:r>
-              <a:rPr lang="en-US" sz="825" i="1" dirty="0" err="1">
-                <a:solidFill>
-                  <a:schemeClr val="tx1"/>
-                </a:solidFill>
-              </a:rPr>
-              <a:t>analysis_scripts</a:t>
-            </a:r>
-            <a:r>
-              <a:rPr lang="en-US" sz="825" i="1" dirty="0">
-                <a:solidFill>
-                  <a:schemeClr val="tx1"/>
-                </a:solidFill>
-              </a:rPr>
-              <a:t>/</a:t>
-            </a:r>
-            <a:r>
-              <a:rPr lang="en-US" sz="825" i="1" dirty="0" err="1">
-                <a:solidFill>
-                  <a:schemeClr val="tx1"/>
-                </a:solidFill>
-              </a:rPr>
-              <a:t>optimization_data.R</a:t>
-            </a:r>
-            <a:endParaRPr lang="en-US" sz="825" i="1" dirty="0">
-              <a:solidFill>
-                <a:schemeClr val="tx1"/>
-              </a:solidFill>
-            </a:endParaRPr>
-          </a:p>
-        </p:txBody>
-      </p:sp>
-      <p:sp>
-        <p:nvSpPr>
-          <p:cNvPr id="70" name="Rectangle 69">
-            <a:extLst>
-              <a:ext uri="{FF2B5EF4-FFF2-40B4-BE49-F238E27FC236}">
-                <a16:creationId xmlns:a16="http://schemas.microsoft.com/office/drawing/2014/main" id="{CEB5BA32-6E66-44FD-B58E-85DE7C74FE72}"/>
-              </a:ext>
-            </a:extLst>
-          </p:cNvPr>
-          <p:cNvSpPr/>
-          <p:nvPr/>
-        </p:nvSpPr>
-        <p:spPr>
-          <a:xfrm>
-            <a:off x="7004101" y="989502"/>
-            <a:ext cx="2179227" cy="170510"/>
-          </a:xfrm>
-          <a:prstGeom prst="rect">
-            <a:avLst/>
-          </a:prstGeom>
-          <a:solidFill>
-            <a:schemeClr val="accent6"/>
-          </a:solidFill>
-        </p:spPr>
-        <p:style>
-          <a:lnRef idx="2">
-            <a:schemeClr val="accent1">
-              <a:shade val="50000"/>
-            </a:schemeClr>
-          </a:lnRef>
-          <a:fillRef idx="1">
-            <a:schemeClr val="accent1"/>
-          </a:fillRef>
-          <a:effectRef idx="0">
-            <a:schemeClr val="accent1"/>
-          </a:effectRef>
-          <a:fontRef idx="minor">
-            <a:schemeClr val="lt1"/>
-          </a:fontRef>
-        </p:style>
-        <p:txBody>
-          <a:bodyPr rtlCol="0" anchor="ctr"/>
-          <a:lstStyle/>
-          <a:p>
-            <a:pPr algn="ctr"/>
-            <a:r>
-              <a:rPr lang="en-US" sz="825" i="1" dirty="0">
-                <a:solidFill>
-                  <a:schemeClr val="tx1"/>
-                </a:solidFill>
-              </a:rPr>
-              <a:t>model_11/trawlable/</a:t>
-            </a:r>
-            <a:r>
-              <a:rPr lang="en-US" sz="825" i="1" dirty="0" err="1">
-                <a:solidFill>
-                  <a:schemeClr val="tx1"/>
-                </a:solidFill>
-              </a:rPr>
-              <a:t>optimization_data.RData</a:t>
-            </a:r>
-            <a:endParaRPr lang="en-US" sz="825" i="1" dirty="0">
-              <a:solidFill>
-                <a:schemeClr val="tx1"/>
-              </a:solidFill>
-            </a:endParaRPr>
-          </a:p>
-        </p:txBody>
-      </p:sp>
-      <p:cxnSp>
-        <p:nvCxnSpPr>
-          <p:cNvPr id="77" name="Straight Arrow Connector 76">
-            <a:extLst>
-              <a:ext uri="{FF2B5EF4-FFF2-40B4-BE49-F238E27FC236}">
-                <a16:creationId xmlns:a16="http://schemas.microsoft.com/office/drawing/2014/main" id="{E6706905-F93C-4C48-A295-5887E1983B8E}"/>
-              </a:ext>
-            </a:extLst>
-          </p:cNvPr>
-          <p:cNvCxnSpPr>
-            <a:cxnSpLocks/>
-            <a:stCxn id="3" idx="2"/>
-            <a:endCxn id="70" idx="0"/>
-          </p:cNvCxnSpPr>
-          <p:nvPr/>
-        </p:nvCxnSpPr>
-        <p:spPr>
-          <a:xfrm>
-            <a:off x="6096000" y="442436"/>
-            <a:ext cx="1997715" cy="547066"/>
-          </a:xfrm>
-          <a:prstGeom prst="straightConnector1">
-            <a:avLst/>
-          </a:prstGeom>
-          <a:ln w="38100">
-            <a:solidFill>
-              <a:schemeClr val="tx1"/>
-            </a:solidFill>
-            <a:tailEnd type="triangle"/>
-          </a:ln>
-        </p:spPr>
-        <p:style>
-          <a:lnRef idx="1">
-            <a:schemeClr val="accent1"/>
-          </a:lnRef>
-          <a:fillRef idx="0">
-            <a:schemeClr val="accent1"/>
-          </a:fillRef>
-          <a:effectRef idx="0">
-            <a:schemeClr val="accent1"/>
-          </a:effectRef>
-          <a:fontRef idx="minor">
-            <a:schemeClr val="tx1"/>
-          </a:fontRef>
-        </p:style>
-      </p:cxnSp>
-      <p:sp>
-        <p:nvSpPr>
-          <p:cNvPr id="4" name="Rectangle 3">
-            <a:extLst>
-              <a:ext uri="{FF2B5EF4-FFF2-40B4-BE49-F238E27FC236}">
-                <a16:creationId xmlns:a16="http://schemas.microsoft.com/office/drawing/2014/main" id="{54DD19FA-95DF-453C-8EC4-A97868B5C915}"/>
-              </a:ext>
-            </a:extLst>
-          </p:cNvPr>
-          <p:cNvSpPr/>
-          <p:nvPr/>
-        </p:nvSpPr>
-        <p:spPr>
-          <a:xfrm>
-            <a:off x="4565016" y="1547500"/>
-            <a:ext cx="3061970" cy="176444"/>
-          </a:xfrm>
-          <a:prstGeom prst="rect">
-            <a:avLst/>
-          </a:prstGeom>
-        </p:spPr>
-        <p:style>
-          <a:lnRef idx="2">
-            <a:schemeClr val="accent1">
-              <a:shade val="50000"/>
-            </a:schemeClr>
-          </a:lnRef>
-          <a:fillRef idx="1">
-            <a:schemeClr val="accent1"/>
-          </a:fillRef>
-          <a:effectRef idx="0">
-            <a:schemeClr val="accent1"/>
-          </a:effectRef>
-          <a:fontRef idx="minor">
-            <a:schemeClr val="lt1"/>
-          </a:fontRef>
-        </p:style>
-        <p:txBody>
-          <a:bodyPr rtlCol="0" anchor="ctr"/>
-          <a:lstStyle/>
-          <a:p>
-            <a:pPr algn="ctr"/>
-            <a:r>
-              <a:rPr lang="en-US" sz="1200" i="1" dirty="0">
-                <a:solidFill>
-                  <a:schemeClr val="tx1"/>
-                </a:solidFill>
-              </a:rPr>
-              <a:t>Survey Optimization</a:t>
-            </a:r>
-          </a:p>
-        </p:txBody>
-      </p:sp>
-      <p:sp>
-        <p:nvSpPr>
-          <p:cNvPr id="5" name="Rectangle 4">
-            <a:extLst>
-              <a:ext uri="{FF2B5EF4-FFF2-40B4-BE49-F238E27FC236}">
-                <a16:creationId xmlns:a16="http://schemas.microsoft.com/office/drawing/2014/main" id="{F4A723A7-4057-44E4-ABED-E887DFF90B9F}"/>
-              </a:ext>
-            </a:extLst>
-          </p:cNvPr>
-          <p:cNvSpPr/>
-          <p:nvPr/>
-        </p:nvSpPr>
-        <p:spPr>
-          <a:xfrm>
-            <a:off x="4565016" y="1707000"/>
-            <a:ext cx="3061970" cy="170510"/>
-          </a:xfrm>
-          <a:prstGeom prst="rect">
-            <a:avLst/>
-          </a:prstGeom>
-          <a:solidFill>
-            <a:schemeClr val="accent4"/>
-          </a:solidFill>
-        </p:spPr>
-        <p:style>
-          <a:lnRef idx="2">
-            <a:schemeClr val="accent1">
-              <a:shade val="50000"/>
-            </a:schemeClr>
-          </a:lnRef>
-          <a:fillRef idx="1">
-            <a:schemeClr val="accent1"/>
-          </a:fillRef>
-          <a:effectRef idx="0">
-            <a:schemeClr val="accent1"/>
-          </a:effectRef>
-          <a:fontRef idx="minor">
-            <a:schemeClr val="lt1"/>
-          </a:fontRef>
-        </p:style>
-        <p:txBody>
-          <a:bodyPr rtlCol="0" anchor="ctr"/>
-          <a:lstStyle/>
-          <a:p>
-            <a:pPr algn="ctr"/>
-            <a:r>
-              <a:rPr lang="en-US" sz="825" i="1" dirty="0" err="1">
-                <a:solidFill>
-                  <a:schemeClr val="tx1"/>
-                </a:solidFill>
-              </a:rPr>
-              <a:t>Optimal_Allocation_GoA</a:t>
-            </a:r>
-            <a:r>
-              <a:rPr lang="en-US" sz="825" i="1" dirty="0">
-                <a:solidFill>
-                  <a:schemeClr val="tx1"/>
-                </a:solidFill>
-              </a:rPr>
-              <a:t> /</a:t>
-            </a:r>
-            <a:r>
-              <a:rPr lang="en-US" sz="825" i="1" dirty="0" err="1">
-                <a:solidFill>
-                  <a:schemeClr val="tx1"/>
-                </a:solidFill>
-              </a:rPr>
-              <a:t>analysis_scripts</a:t>
-            </a:r>
-            <a:r>
-              <a:rPr lang="en-US" sz="825" i="1" dirty="0">
-                <a:solidFill>
-                  <a:schemeClr val="tx1"/>
-                </a:solidFill>
-              </a:rPr>
-              <a:t>/</a:t>
-            </a:r>
-            <a:r>
-              <a:rPr lang="en-US" sz="825" i="1" dirty="0" err="1">
-                <a:solidFill>
-                  <a:schemeClr val="tx1"/>
-                </a:solidFill>
-              </a:rPr>
-              <a:t>Survey_Optimization.R</a:t>
-            </a:r>
-            <a:endParaRPr lang="en-US" sz="825" i="1" dirty="0">
-              <a:solidFill>
-                <a:schemeClr val="tx1"/>
-              </a:solidFill>
-            </a:endParaRPr>
-          </a:p>
-        </p:txBody>
-      </p:sp>
-      <p:cxnSp>
-        <p:nvCxnSpPr>
-          <p:cNvPr id="10" name="Straight Arrow Connector 9">
-            <a:extLst>
-              <a:ext uri="{FF2B5EF4-FFF2-40B4-BE49-F238E27FC236}">
-                <a16:creationId xmlns:a16="http://schemas.microsoft.com/office/drawing/2014/main" id="{CD283A4E-E9B2-40F6-8EE4-D19A5BFCDFD6}"/>
-              </a:ext>
-            </a:extLst>
-          </p:cNvPr>
-          <p:cNvCxnSpPr>
-            <a:cxnSpLocks/>
-            <a:stCxn id="70" idx="2"/>
-            <a:endCxn id="4" idx="0"/>
-          </p:cNvCxnSpPr>
-          <p:nvPr/>
-        </p:nvCxnSpPr>
-        <p:spPr>
-          <a:xfrm flipH="1">
-            <a:off x="6096001" y="1160012"/>
-            <a:ext cx="1997714" cy="387488"/>
-          </a:xfrm>
-          <a:prstGeom prst="straightConnector1">
-            <a:avLst/>
-          </a:prstGeom>
-          <a:ln w="38100">
-            <a:solidFill>
-              <a:schemeClr val="tx1"/>
-            </a:solidFill>
-            <a:tailEnd type="triangle"/>
-          </a:ln>
-        </p:spPr>
-        <p:style>
-          <a:lnRef idx="1">
-            <a:schemeClr val="accent1"/>
-          </a:lnRef>
-          <a:fillRef idx="0">
-            <a:schemeClr val="accent1"/>
-          </a:fillRef>
-          <a:effectRef idx="0">
-            <a:schemeClr val="accent1"/>
-          </a:effectRef>
-          <a:fontRef idx="minor">
-            <a:schemeClr val="tx1"/>
-          </a:fontRef>
-        </p:style>
-      </p:cxnSp>
-      <p:sp>
-        <p:nvSpPr>
           <p:cNvPr id="8" name="Rectangle 7">
             <a:extLst>
               <a:ext uri="{FF2B5EF4-FFF2-40B4-BE49-F238E27FC236}">
@@ -3441,7 +2988,7 @@
         </p:nvSpPr>
         <p:spPr>
           <a:xfrm>
-            <a:off x="9988192" y="198281"/>
+            <a:off x="10267080" y="571602"/>
             <a:ext cx="1743074" cy="170510"/>
           </a:xfrm>
           <a:prstGeom prst="rect">
@@ -3498,167 +3045,6 @@
       </p:sp>
       <p:sp>
         <p:nvSpPr>
-          <p:cNvPr id="15" name="Rectangle 14">
-            <a:extLst>
-              <a:ext uri="{FF2B5EF4-FFF2-40B4-BE49-F238E27FC236}">
-                <a16:creationId xmlns:a16="http://schemas.microsoft.com/office/drawing/2014/main" id="{C8989077-596A-46C8-9854-6BD581786E3C}"/>
-              </a:ext>
-            </a:extLst>
-          </p:cNvPr>
-          <p:cNvSpPr/>
-          <p:nvPr/>
-        </p:nvSpPr>
-        <p:spPr>
-          <a:xfrm>
-            <a:off x="3369361" y="989463"/>
-            <a:ext cx="2179227" cy="170510"/>
-          </a:xfrm>
-          <a:prstGeom prst="rect">
-            <a:avLst/>
-          </a:prstGeom>
-          <a:solidFill>
-            <a:schemeClr val="accent6"/>
-          </a:solidFill>
-        </p:spPr>
-        <p:style>
-          <a:lnRef idx="2">
-            <a:schemeClr val="accent1">
-              <a:shade val="50000"/>
-            </a:schemeClr>
-          </a:lnRef>
-          <a:fillRef idx="1">
-            <a:schemeClr val="accent1"/>
-          </a:fillRef>
-          <a:effectRef idx="0">
-            <a:schemeClr val="accent1"/>
-          </a:effectRef>
-          <a:fontRef idx="minor">
-            <a:schemeClr val="lt1"/>
-          </a:fontRef>
-        </p:style>
-        <p:txBody>
-          <a:bodyPr rtlCol="0" anchor="ctr"/>
-          <a:lstStyle/>
-          <a:p>
-            <a:pPr algn="ctr"/>
-            <a:r>
-              <a:rPr lang="en-US" sz="825" i="1" dirty="0">
-                <a:solidFill>
-                  <a:schemeClr val="tx1"/>
-                </a:solidFill>
-              </a:rPr>
-              <a:t>model_11/trawlable/</a:t>
-            </a:r>
-            <a:r>
-              <a:rPr lang="en-US" sz="825" i="1" dirty="0" err="1">
-                <a:solidFill>
-                  <a:schemeClr val="tx1"/>
-                </a:solidFill>
-              </a:rPr>
-              <a:t>optimization_data.RData</a:t>
-            </a:r>
-            <a:endParaRPr lang="en-US" sz="825" i="1" dirty="0">
-              <a:solidFill>
-                <a:schemeClr val="tx1"/>
-              </a:solidFill>
-            </a:endParaRPr>
-          </a:p>
-        </p:txBody>
-      </p:sp>
-      <p:cxnSp>
-        <p:nvCxnSpPr>
-          <p:cNvPr id="36" name="Straight Arrow Connector 35">
-            <a:extLst>
-              <a:ext uri="{FF2B5EF4-FFF2-40B4-BE49-F238E27FC236}">
-                <a16:creationId xmlns:a16="http://schemas.microsoft.com/office/drawing/2014/main" id="{6F4EF2CE-6080-45E4-A57A-AE0ABCABF0FD}"/>
-              </a:ext>
-            </a:extLst>
-          </p:cNvPr>
-          <p:cNvCxnSpPr>
-            <a:cxnSpLocks/>
-            <a:stCxn id="3" idx="2"/>
-            <a:endCxn id="15" idx="0"/>
-          </p:cNvCxnSpPr>
-          <p:nvPr/>
-        </p:nvCxnSpPr>
-        <p:spPr>
-          <a:xfrm flipH="1">
-            <a:off x="4458975" y="442436"/>
-            <a:ext cx="1637025" cy="547027"/>
-          </a:xfrm>
-          <a:prstGeom prst="straightConnector1">
-            <a:avLst/>
-          </a:prstGeom>
-          <a:ln w="38100">
-            <a:solidFill>
-              <a:schemeClr val="tx1"/>
-            </a:solidFill>
-            <a:tailEnd type="triangle"/>
-          </a:ln>
-        </p:spPr>
-        <p:style>
-          <a:lnRef idx="1">
-            <a:schemeClr val="accent1"/>
-          </a:lnRef>
-          <a:fillRef idx="0">
-            <a:schemeClr val="accent1"/>
-          </a:fillRef>
-          <a:effectRef idx="0">
-            <a:schemeClr val="accent1"/>
-          </a:effectRef>
-          <a:fontRef idx="minor">
-            <a:schemeClr val="tx1"/>
-          </a:fontRef>
-        </p:style>
-      </p:cxnSp>
-      <p:cxnSp>
-        <p:nvCxnSpPr>
-          <p:cNvPr id="39" name="Straight Arrow Connector 38">
-            <a:extLst>
-              <a:ext uri="{FF2B5EF4-FFF2-40B4-BE49-F238E27FC236}">
-                <a16:creationId xmlns:a16="http://schemas.microsoft.com/office/drawing/2014/main" id="{9622F4AF-A251-4357-94A3-62B714313A00}"/>
-              </a:ext>
-            </a:extLst>
-          </p:cNvPr>
-          <p:cNvCxnSpPr>
-            <a:cxnSpLocks/>
-            <a:stCxn id="15" idx="2"/>
-            <a:endCxn id="4" idx="0"/>
-          </p:cNvCxnSpPr>
-          <p:nvPr/>
-        </p:nvCxnSpPr>
-        <p:spPr>
-          <a:xfrm>
-            <a:off x="4458975" y="1159973"/>
-            <a:ext cx="1637026" cy="387527"/>
-          </a:xfrm>
-          <a:prstGeom prst="straightConnector1">
-            <a:avLst/>
-          </a:prstGeom>
-          <a:ln w="38100">
-            <a:solidFill>
-              <a:schemeClr val="tx1"/>
-            </a:solidFill>
-            <a:tailEnd type="triangle"/>
-          </a:ln>
-        </p:spPr>
-        <p:style>
-          <a:lnRef idx="1">
-            <a:schemeClr val="accent1"/>
-          </a:lnRef>
-          <a:fillRef idx="0">
-            <a:schemeClr val="accent1"/>
-          </a:fillRef>
-          <a:effectRef idx="0">
-            <a:schemeClr val="accent1"/>
-          </a:effectRef>
-          <a:fontRef idx="minor">
-            <a:schemeClr val="tx1"/>
-          </a:fontRef>
-        </p:style>
-      </p:cxnSp>
-      <p:sp>
-        <p:nvSpPr>
           <p:cNvPr id="22" name="Rectangle 21">
             <a:extLst>
               <a:ext uri="{FF2B5EF4-FFF2-40B4-BE49-F238E27FC236}">
@@ -3671,7 +3057,7 @@
         </p:nvSpPr>
         <p:spPr>
           <a:xfrm>
-            <a:off x="9549325" y="1268481"/>
+            <a:off x="10267080" y="1231119"/>
             <a:ext cx="1743074" cy="170510"/>
           </a:xfrm>
           <a:prstGeom prst="rect">
@@ -3728,10 +3114,10 @@
       </p:sp>
       <p:grpSp>
         <p:nvGrpSpPr>
-          <p:cNvPr id="28" name="Group 27">
+          <p:cNvPr id="6" name="Group 5">
             <a:extLst>
               <a:ext uri="{FF2B5EF4-FFF2-40B4-BE49-F238E27FC236}">
-                <a16:creationId xmlns:a16="http://schemas.microsoft.com/office/drawing/2014/main" id="{9F305246-E7DB-4CB9-9CE3-EF948DF5099A}"/>
+                <a16:creationId xmlns:a16="http://schemas.microsoft.com/office/drawing/2014/main" id="{5FFC9CFC-1CCB-48C6-8598-00842C5630FA}"/>
               </a:ext>
             </a:extLst>
           </p:cNvPr>
@@ -3740,18 +3126,18 @@
         </p:nvGrpSpPr>
         <p:grpSpPr>
           <a:xfrm>
-            <a:off x="7004100" y="2319429"/>
-            <a:ext cx="3351479" cy="624666"/>
-            <a:chOff x="7004100" y="2747692"/>
-            <a:chExt cx="3351479" cy="624666"/>
+            <a:off x="1644191" y="112426"/>
+            <a:ext cx="9215538" cy="4336423"/>
+            <a:chOff x="1644191" y="112426"/>
+            <a:chExt cx="9215538" cy="4336423"/>
           </a:xfrm>
         </p:grpSpPr>
         <p:sp>
           <p:nvSpPr>
-            <p:cNvPr id="23" name="Rectangle 22">
+            <p:cNvPr id="2" name="Rectangle 1">
               <a:extLst>
                 <a:ext uri="{FF2B5EF4-FFF2-40B4-BE49-F238E27FC236}">
-                  <a16:creationId xmlns:a16="http://schemas.microsoft.com/office/drawing/2014/main" id="{62C7B09E-0A5D-41CD-BD34-AA26463C178A}"/>
+                  <a16:creationId xmlns:a16="http://schemas.microsoft.com/office/drawing/2014/main" id="{971D62EB-829E-EE43-9AF8-2E88DA10C770}"/>
                 </a:ext>
               </a:extLst>
             </p:cNvPr>
@@ -3760,8 +3146,1655 @@
           </p:nvSpPr>
           <p:spPr>
             <a:xfrm>
-              <a:off x="7004100" y="2747692"/>
-              <a:ext cx="3351479" cy="208222"/>
+              <a:off x="4565015" y="112426"/>
+              <a:ext cx="3061970" cy="176444"/>
+            </a:xfrm>
+            <a:prstGeom prst="rect">
+              <a:avLst/>
+            </a:prstGeom>
+          </p:spPr>
+          <p:style>
+            <a:lnRef idx="2">
+              <a:schemeClr val="accent1">
+                <a:shade val="50000"/>
+              </a:schemeClr>
+            </a:lnRef>
+            <a:fillRef idx="1">
+              <a:schemeClr val="accent1"/>
+            </a:fillRef>
+            <a:effectRef idx="0">
+              <a:schemeClr val="accent1"/>
+            </a:effectRef>
+            <a:fontRef idx="minor">
+              <a:schemeClr val="lt1"/>
+            </a:fontRef>
+          </p:style>
+          <p:txBody>
+            <a:bodyPr rtlCol="0" anchor="ctr"/>
+            <a:lstStyle/>
+            <a:p>
+              <a:pPr algn="ctr"/>
+              <a:r>
+                <a:rPr lang="en-US" sz="1200" i="1" dirty="0">
+                  <a:solidFill>
+                    <a:schemeClr val="tx1"/>
+                  </a:solidFill>
+                </a:rPr>
+                <a:t>Spatiotemporal MS density values from VAST</a:t>
+              </a:r>
+            </a:p>
+          </p:txBody>
+        </p:sp>
+        <p:sp>
+          <p:nvSpPr>
+            <p:cNvPr id="3" name="Rectangle 2">
+              <a:extLst>
+                <a:ext uri="{FF2B5EF4-FFF2-40B4-BE49-F238E27FC236}">
+                  <a16:creationId xmlns:a16="http://schemas.microsoft.com/office/drawing/2014/main" id="{75075CF8-61C6-A24E-AE4E-B76C3E45F4A8}"/>
+                </a:ext>
+              </a:extLst>
+            </p:cNvPr>
+            <p:cNvSpPr/>
+            <p:nvPr/>
+          </p:nvSpPr>
+          <p:spPr>
+            <a:xfrm>
+              <a:off x="4565015" y="271926"/>
+              <a:ext cx="3061970" cy="170510"/>
+            </a:xfrm>
+            <a:prstGeom prst="rect">
+              <a:avLst/>
+            </a:prstGeom>
+            <a:solidFill>
+              <a:schemeClr val="accent4"/>
+            </a:solidFill>
+          </p:spPr>
+          <p:style>
+            <a:lnRef idx="2">
+              <a:schemeClr val="accent1">
+                <a:shade val="50000"/>
+              </a:schemeClr>
+            </a:lnRef>
+            <a:fillRef idx="1">
+              <a:schemeClr val="accent1"/>
+            </a:fillRef>
+            <a:effectRef idx="0">
+              <a:schemeClr val="accent1"/>
+            </a:effectRef>
+            <a:fontRef idx="minor">
+              <a:schemeClr val="lt1"/>
+            </a:fontRef>
+          </p:style>
+          <p:txBody>
+            <a:bodyPr rtlCol="0" anchor="ctr"/>
+            <a:lstStyle/>
+            <a:p>
+              <a:pPr algn="ctr"/>
+              <a:r>
+                <a:rPr lang="en-US" sz="825" i="1" dirty="0" err="1">
+                  <a:solidFill>
+                    <a:schemeClr val="tx1"/>
+                  </a:solidFill>
+                </a:rPr>
+                <a:t>Optimal_Allocation_GoA</a:t>
+              </a:r>
+              <a:r>
+                <a:rPr lang="en-US" sz="825" i="1" dirty="0">
+                  <a:solidFill>
+                    <a:schemeClr val="tx1"/>
+                  </a:solidFill>
+                </a:rPr>
+                <a:t>/</a:t>
+              </a:r>
+              <a:r>
+                <a:rPr lang="en-US" sz="825" i="1" dirty="0" err="1">
+                  <a:solidFill>
+                    <a:schemeClr val="tx1"/>
+                  </a:solidFill>
+                </a:rPr>
+                <a:t>analysis_scripts</a:t>
+              </a:r>
+              <a:r>
+                <a:rPr lang="en-US" sz="825" i="1" dirty="0">
+                  <a:solidFill>
+                    <a:schemeClr val="tx1"/>
+                  </a:solidFill>
+                </a:rPr>
+                <a:t>/</a:t>
+              </a:r>
+              <a:r>
+                <a:rPr lang="en-US" sz="825" i="1" dirty="0" err="1">
+                  <a:solidFill>
+                    <a:schemeClr val="tx1"/>
+                  </a:solidFill>
+                </a:rPr>
+                <a:t>optimization_data.R</a:t>
+              </a:r>
+              <a:endParaRPr lang="en-US" sz="825" i="1" dirty="0">
+                <a:solidFill>
+                  <a:schemeClr val="tx1"/>
+                </a:solidFill>
+              </a:endParaRPr>
+            </a:p>
+          </p:txBody>
+        </p:sp>
+        <p:sp>
+          <p:nvSpPr>
+            <p:cNvPr id="70" name="Rectangle 69">
+              <a:extLst>
+                <a:ext uri="{FF2B5EF4-FFF2-40B4-BE49-F238E27FC236}">
+                  <a16:creationId xmlns:a16="http://schemas.microsoft.com/office/drawing/2014/main" id="{CEB5BA32-6E66-44FD-B58E-85DE7C74FE72}"/>
+                </a:ext>
+              </a:extLst>
+            </p:cNvPr>
+            <p:cNvSpPr/>
+            <p:nvPr/>
+          </p:nvSpPr>
+          <p:spPr>
+            <a:xfrm>
+              <a:off x="7004101" y="989502"/>
+              <a:ext cx="2179227" cy="170510"/>
+            </a:xfrm>
+            <a:prstGeom prst="rect">
+              <a:avLst/>
+            </a:prstGeom>
+            <a:solidFill>
+              <a:schemeClr val="accent6"/>
+            </a:solidFill>
+          </p:spPr>
+          <p:style>
+            <a:lnRef idx="2">
+              <a:schemeClr val="accent1">
+                <a:shade val="50000"/>
+              </a:schemeClr>
+            </a:lnRef>
+            <a:fillRef idx="1">
+              <a:schemeClr val="accent1"/>
+            </a:fillRef>
+            <a:effectRef idx="0">
+              <a:schemeClr val="accent1"/>
+            </a:effectRef>
+            <a:fontRef idx="minor">
+              <a:schemeClr val="lt1"/>
+            </a:fontRef>
+          </p:style>
+          <p:txBody>
+            <a:bodyPr rtlCol="0" anchor="ctr"/>
+            <a:lstStyle/>
+            <a:p>
+              <a:pPr algn="ctr"/>
+              <a:r>
+                <a:rPr lang="en-US" sz="825" i="1" dirty="0">
+                  <a:solidFill>
+                    <a:schemeClr val="tx1"/>
+                  </a:solidFill>
+                </a:rPr>
+                <a:t>model_11/trawlable/</a:t>
+              </a:r>
+              <a:r>
+                <a:rPr lang="en-US" sz="825" i="1" dirty="0" err="1">
+                  <a:solidFill>
+                    <a:schemeClr val="tx1"/>
+                  </a:solidFill>
+                </a:rPr>
+                <a:t>optimization_data.RData</a:t>
+              </a:r>
+              <a:endParaRPr lang="en-US" sz="825" i="1" dirty="0">
+                <a:solidFill>
+                  <a:schemeClr val="tx1"/>
+                </a:solidFill>
+              </a:endParaRPr>
+            </a:p>
+          </p:txBody>
+        </p:sp>
+        <p:cxnSp>
+          <p:nvCxnSpPr>
+            <p:cNvPr id="77" name="Straight Arrow Connector 76">
+              <a:extLst>
+                <a:ext uri="{FF2B5EF4-FFF2-40B4-BE49-F238E27FC236}">
+                  <a16:creationId xmlns:a16="http://schemas.microsoft.com/office/drawing/2014/main" id="{E6706905-F93C-4C48-A295-5887E1983B8E}"/>
+                </a:ext>
+              </a:extLst>
+            </p:cNvPr>
+            <p:cNvCxnSpPr>
+              <a:cxnSpLocks/>
+              <a:stCxn id="3" idx="2"/>
+              <a:endCxn id="70" idx="0"/>
+            </p:cNvCxnSpPr>
+            <p:nvPr/>
+          </p:nvCxnSpPr>
+          <p:spPr>
+            <a:xfrm>
+              <a:off x="6096000" y="442436"/>
+              <a:ext cx="1997715" cy="547066"/>
+            </a:xfrm>
+            <a:prstGeom prst="straightConnector1">
+              <a:avLst/>
+            </a:prstGeom>
+            <a:ln w="38100">
+              <a:solidFill>
+                <a:schemeClr val="tx1"/>
+              </a:solidFill>
+              <a:tailEnd type="triangle"/>
+            </a:ln>
+          </p:spPr>
+          <p:style>
+            <a:lnRef idx="1">
+              <a:schemeClr val="accent1"/>
+            </a:lnRef>
+            <a:fillRef idx="0">
+              <a:schemeClr val="accent1"/>
+            </a:fillRef>
+            <a:effectRef idx="0">
+              <a:schemeClr val="accent1"/>
+            </a:effectRef>
+            <a:fontRef idx="minor">
+              <a:schemeClr val="tx1"/>
+            </a:fontRef>
+          </p:style>
+        </p:cxnSp>
+        <p:sp>
+          <p:nvSpPr>
+            <p:cNvPr id="4" name="Rectangle 3">
+              <a:extLst>
+                <a:ext uri="{FF2B5EF4-FFF2-40B4-BE49-F238E27FC236}">
+                  <a16:creationId xmlns:a16="http://schemas.microsoft.com/office/drawing/2014/main" id="{54DD19FA-95DF-453C-8EC4-A97868B5C915}"/>
+                </a:ext>
+              </a:extLst>
+            </p:cNvPr>
+            <p:cNvSpPr/>
+            <p:nvPr/>
+          </p:nvSpPr>
+          <p:spPr>
+            <a:xfrm>
+              <a:off x="4565016" y="1547500"/>
+              <a:ext cx="3061970" cy="176444"/>
+            </a:xfrm>
+            <a:prstGeom prst="rect">
+              <a:avLst/>
+            </a:prstGeom>
+          </p:spPr>
+          <p:style>
+            <a:lnRef idx="2">
+              <a:schemeClr val="accent1">
+                <a:shade val="50000"/>
+              </a:schemeClr>
+            </a:lnRef>
+            <a:fillRef idx="1">
+              <a:schemeClr val="accent1"/>
+            </a:fillRef>
+            <a:effectRef idx="0">
+              <a:schemeClr val="accent1"/>
+            </a:effectRef>
+            <a:fontRef idx="minor">
+              <a:schemeClr val="lt1"/>
+            </a:fontRef>
+          </p:style>
+          <p:txBody>
+            <a:bodyPr rtlCol="0" anchor="ctr"/>
+            <a:lstStyle/>
+            <a:p>
+              <a:pPr algn="ctr"/>
+              <a:r>
+                <a:rPr lang="en-US" sz="1200" i="1" dirty="0">
+                  <a:solidFill>
+                    <a:schemeClr val="tx1"/>
+                  </a:solidFill>
+                </a:rPr>
+                <a:t>Survey Optimization</a:t>
+              </a:r>
+            </a:p>
+          </p:txBody>
+        </p:sp>
+        <p:sp>
+          <p:nvSpPr>
+            <p:cNvPr id="5" name="Rectangle 4">
+              <a:extLst>
+                <a:ext uri="{FF2B5EF4-FFF2-40B4-BE49-F238E27FC236}">
+                  <a16:creationId xmlns:a16="http://schemas.microsoft.com/office/drawing/2014/main" id="{F4A723A7-4057-44E4-ABED-E887DFF90B9F}"/>
+                </a:ext>
+              </a:extLst>
+            </p:cNvPr>
+            <p:cNvSpPr/>
+            <p:nvPr/>
+          </p:nvSpPr>
+          <p:spPr>
+            <a:xfrm>
+              <a:off x="4565016" y="1707000"/>
+              <a:ext cx="3061970" cy="170510"/>
+            </a:xfrm>
+            <a:prstGeom prst="rect">
+              <a:avLst/>
+            </a:prstGeom>
+            <a:solidFill>
+              <a:schemeClr val="accent4"/>
+            </a:solidFill>
+          </p:spPr>
+          <p:style>
+            <a:lnRef idx="2">
+              <a:schemeClr val="accent1">
+                <a:shade val="50000"/>
+              </a:schemeClr>
+            </a:lnRef>
+            <a:fillRef idx="1">
+              <a:schemeClr val="accent1"/>
+            </a:fillRef>
+            <a:effectRef idx="0">
+              <a:schemeClr val="accent1"/>
+            </a:effectRef>
+            <a:fontRef idx="minor">
+              <a:schemeClr val="lt1"/>
+            </a:fontRef>
+          </p:style>
+          <p:txBody>
+            <a:bodyPr rtlCol="0" anchor="ctr"/>
+            <a:lstStyle/>
+            <a:p>
+              <a:pPr algn="ctr"/>
+              <a:r>
+                <a:rPr lang="en-US" sz="825" i="1" dirty="0" err="1">
+                  <a:solidFill>
+                    <a:schemeClr val="tx1"/>
+                  </a:solidFill>
+                </a:rPr>
+                <a:t>Optimal_Allocation_GoA</a:t>
+              </a:r>
+              <a:r>
+                <a:rPr lang="en-US" sz="825" i="1" dirty="0">
+                  <a:solidFill>
+                    <a:schemeClr val="tx1"/>
+                  </a:solidFill>
+                </a:rPr>
+                <a:t> /</a:t>
+              </a:r>
+              <a:r>
+                <a:rPr lang="en-US" sz="825" i="1" dirty="0" err="1">
+                  <a:solidFill>
+                    <a:schemeClr val="tx1"/>
+                  </a:solidFill>
+                </a:rPr>
+                <a:t>analysis_scripts</a:t>
+              </a:r>
+              <a:r>
+                <a:rPr lang="en-US" sz="825" i="1" dirty="0">
+                  <a:solidFill>
+                    <a:schemeClr val="tx1"/>
+                  </a:solidFill>
+                </a:rPr>
+                <a:t>/</a:t>
+              </a:r>
+              <a:r>
+                <a:rPr lang="en-US" sz="825" i="1" dirty="0" err="1">
+                  <a:solidFill>
+                    <a:schemeClr val="tx1"/>
+                  </a:solidFill>
+                </a:rPr>
+                <a:t>Survey_Optimization.R</a:t>
+              </a:r>
+              <a:endParaRPr lang="en-US" sz="825" i="1" dirty="0">
+                <a:solidFill>
+                  <a:schemeClr val="tx1"/>
+                </a:solidFill>
+              </a:endParaRPr>
+            </a:p>
+          </p:txBody>
+        </p:sp>
+        <p:cxnSp>
+          <p:nvCxnSpPr>
+            <p:cNvPr id="10" name="Straight Arrow Connector 9">
+              <a:extLst>
+                <a:ext uri="{FF2B5EF4-FFF2-40B4-BE49-F238E27FC236}">
+                  <a16:creationId xmlns:a16="http://schemas.microsoft.com/office/drawing/2014/main" id="{CD283A4E-E9B2-40F6-8EE4-D19A5BFCDFD6}"/>
+                </a:ext>
+              </a:extLst>
+            </p:cNvPr>
+            <p:cNvCxnSpPr>
+              <a:cxnSpLocks/>
+              <a:stCxn id="70" idx="2"/>
+              <a:endCxn id="4" idx="0"/>
+            </p:cNvCxnSpPr>
+            <p:nvPr/>
+          </p:nvCxnSpPr>
+          <p:spPr>
+            <a:xfrm flipH="1">
+              <a:off x="6096001" y="1160012"/>
+              <a:ext cx="1997714" cy="387488"/>
+            </a:xfrm>
+            <a:prstGeom prst="straightConnector1">
+              <a:avLst/>
+            </a:prstGeom>
+            <a:ln w="38100">
+              <a:solidFill>
+                <a:schemeClr val="tx1"/>
+              </a:solidFill>
+              <a:tailEnd type="triangle"/>
+            </a:ln>
+          </p:spPr>
+          <p:style>
+            <a:lnRef idx="1">
+              <a:schemeClr val="accent1"/>
+            </a:lnRef>
+            <a:fillRef idx="0">
+              <a:schemeClr val="accent1"/>
+            </a:fillRef>
+            <a:effectRef idx="0">
+              <a:schemeClr val="accent1"/>
+            </a:effectRef>
+            <a:fontRef idx="minor">
+              <a:schemeClr val="tx1"/>
+            </a:fontRef>
+          </p:style>
+        </p:cxnSp>
+        <p:sp>
+          <p:nvSpPr>
+            <p:cNvPr id="15" name="Rectangle 14">
+              <a:extLst>
+                <a:ext uri="{FF2B5EF4-FFF2-40B4-BE49-F238E27FC236}">
+                  <a16:creationId xmlns:a16="http://schemas.microsoft.com/office/drawing/2014/main" id="{C8989077-596A-46C8-9854-6BD581786E3C}"/>
+                </a:ext>
+              </a:extLst>
+            </p:cNvPr>
+            <p:cNvSpPr/>
+            <p:nvPr/>
+          </p:nvSpPr>
+          <p:spPr>
+            <a:xfrm>
+              <a:off x="3369361" y="989463"/>
+              <a:ext cx="2179227" cy="170510"/>
+            </a:xfrm>
+            <a:prstGeom prst="rect">
+              <a:avLst/>
+            </a:prstGeom>
+            <a:solidFill>
+              <a:schemeClr val="accent6"/>
+            </a:solidFill>
+          </p:spPr>
+          <p:style>
+            <a:lnRef idx="2">
+              <a:schemeClr val="accent1">
+                <a:shade val="50000"/>
+              </a:schemeClr>
+            </a:lnRef>
+            <a:fillRef idx="1">
+              <a:schemeClr val="accent1"/>
+            </a:fillRef>
+            <a:effectRef idx="0">
+              <a:schemeClr val="accent1"/>
+            </a:effectRef>
+            <a:fontRef idx="minor">
+              <a:schemeClr val="lt1"/>
+            </a:fontRef>
+          </p:style>
+          <p:txBody>
+            <a:bodyPr rtlCol="0" anchor="ctr"/>
+            <a:lstStyle/>
+            <a:p>
+              <a:pPr algn="ctr"/>
+              <a:r>
+                <a:rPr lang="en-US" sz="825" i="1" dirty="0">
+                  <a:solidFill>
+                    <a:schemeClr val="tx1"/>
+                  </a:solidFill>
+                </a:rPr>
+                <a:t>model_11/trawlable/</a:t>
+              </a:r>
+              <a:r>
+                <a:rPr lang="en-US" sz="825" i="1" dirty="0" err="1">
+                  <a:solidFill>
+                    <a:schemeClr val="tx1"/>
+                  </a:solidFill>
+                </a:rPr>
+                <a:t>optimization_data.RData</a:t>
+              </a:r>
+              <a:endParaRPr lang="en-US" sz="825" i="1" dirty="0">
+                <a:solidFill>
+                  <a:schemeClr val="tx1"/>
+                </a:solidFill>
+              </a:endParaRPr>
+            </a:p>
+          </p:txBody>
+        </p:sp>
+        <p:cxnSp>
+          <p:nvCxnSpPr>
+            <p:cNvPr id="36" name="Straight Arrow Connector 35">
+              <a:extLst>
+                <a:ext uri="{FF2B5EF4-FFF2-40B4-BE49-F238E27FC236}">
+                  <a16:creationId xmlns:a16="http://schemas.microsoft.com/office/drawing/2014/main" id="{6F4EF2CE-6080-45E4-A57A-AE0ABCABF0FD}"/>
+                </a:ext>
+              </a:extLst>
+            </p:cNvPr>
+            <p:cNvCxnSpPr>
+              <a:cxnSpLocks/>
+              <a:stCxn id="3" idx="2"/>
+              <a:endCxn id="15" idx="0"/>
+            </p:cNvCxnSpPr>
+            <p:nvPr/>
+          </p:nvCxnSpPr>
+          <p:spPr>
+            <a:xfrm flipH="1">
+              <a:off x="4458975" y="442436"/>
+              <a:ext cx="1637025" cy="547027"/>
+            </a:xfrm>
+            <a:prstGeom prst="straightConnector1">
+              <a:avLst/>
+            </a:prstGeom>
+            <a:ln w="38100">
+              <a:solidFill>
+                <a:schemeClr val="tx1"/>
+              </a:solidFill>
+              <a:tailEnd type="triangle"/>
+            </a:ln>
+          </p:spPr>
+          <p:style>
+            <a:lnRef idx="1">
+              <a:schemeClr val="accent1"/>
+            </a:lnRef>
+            <a:fillRef idx="0">
+              <a:schemeClr val="accent1"/>
+            </a:fillRef>
+            <a:effectRef idx="0">
+              <a:schemeClr val="accent1"/>
+            </a:effectRef>
+            <a:fontRef idx="minor">
+              <a:schemeClr val="tx1"/>
+            </a:fontRef>
+          </p:style>
+        </p:cxnSp>
+        <p:cxnSp>
+          <p:nvCxnSpPr>
+            <p:cNvPr id="39" name="Straight Arrow Connector 38">
+              <a:extLst>
+                <a:ext uri="{FF2B5EF4-FFF2-40B4-BE49-F238E27FC236}">
+                  <a16:creationId xmlns:a16="http://schemas.microsoft.com/office/drawing/2014/main" id="{9622F4AF-A251-4357-94A3-62B714313A00}"/>
+                </a:ext>
+              </a:extLst>
+            </p:cNvPr>
+            <p:cNvCxnSpPr>
+              <a:cxnSpLocks/>
+              <a:stCxn id="15" idx="2"/>
+              <a:endCxn id="4" idx="0"/>
+            </p:cNvCxnSpPr>
+            <p:nvPr/>
+          </p:nvCxnSpPr>
+          <p:spPr>
+            <a:xfrm>
+              <a:off x="4458975" y="1159973"/>
+              <a:ext cx="1637026" cy="387527"/>
+            </a:xfrm>
+            <a:prstGeom prst="straightConnector1">
+              <a:avLst/>
+            </a:prstGeom>
+            <a:ln w="38100">
+              <a:solidFill>
+                <a:schemeClr val="tx1"/>
+              </a:solidFill>
+              <a:tailEnd type="triangle"/>
+            </a:ln>
+          </p:spPr>
+          <p:style>
+            <a:lnRef idx="1">
+              <a:schemeClr val="accent1"/>
+            </a:lnRef>
+            <a:fillRef idx="0">
+              <a:schemeClr val="accent1"/>
+            </a:fillRef>
+            <a:effectRef idx="0">
+              <a:schemeClr val="accent1"/>
+            </a:effectRef>
+            <a:fontRef idx="minor">
+              <a:schemeClr val="tx1"/>
+            </a:fontRef>
+          </p:style>
+        </p:cxnSp>
+        <p:grpSp>
+          <p:nvGrpSpPr>
+            <p:cNvPr id="28" name="Group 27">
+              <a:extLst>
+                <a:ext uri="{FF2B5EF4-FFF2-40B4-BE49-F238E27FC236}">
+                  <a16:creationId xmlns:a16="http://schemas.microsoft.com/office/drawing/2014/main" id="{9F305246-E7DB-4CB9-9CE3-EF948DF5099A}"/>
+                </a:ext>
+              </a:extLst>
+            </p:cNvPr>
+            <p:cNvGrpSpPr/>
+            <p:nvPr/>
+          </p:nvGrpSpPr>
+          <p:grpSpPr>
+            <a:xfrm>
+              <a:off x="7004100" y="2319429"/>
+              <a:ext cx="3351479" cy="624666"/>
+              <a:chOff x="7004100" y="2747692"/>
+              <a:chExt cx="3351479" cy="624666"/>
+            </a:xfrm>
+          </p:grpSpPr>
+          <p:sp>
+            <p:nvSpPr>
+              <p:cNvPr id="23" name="Rectangle 22">
+                <a:extLst>
+                  <a:ext uri="{FF2B5EF4-FFF2-40B4-BE49-F238E27FC236}">
+                    <a16:creationId xmlns:a16="http://schemas.microsoft.com/office/drawing/2014/main" id="{62C7B09E-0A5D-41CD-BD34-AA26463C178A}"/>
+                  </a:ext>
+                </a:extLst>
+              </p:cNvPr>
+              <p:cNvSpPr/>
+              <p:nvPr/>
+            </p:nvSpPr>
+            <p:spPr>
+              <a:xfrm>
+                <a:off x="7004100" y="2747692"/>
+                <a:ext cx="3351479" cy="208222"/>
+              </a:xfrm>
+              <a:prstGeom prst="rect">
+                <a:avLst/>
+              </a:prstGeom>
+              <a:solidFill>
+                <a:schemeClr val="accent6"/>
+              </a:solidFill>
+            </p:spPr>
+            <p:style>
+              <a:lnRef idx="2">
+                <a:schemeClr val="accent1">
+                  <a:shade val="50000"/>
+                </a:schemeClr>
+              </a:lnRef>
+              <a:fillRef idx="1">
+                <a:schemeClr val="accent1"/>
+              </a:fillRef>
+              <a:effectRef idx="0">
+                <a:schemeClr val="accent1"/>
+              </a:effectRef>
+              <a:fontRef idx="minor">
+                <a:schemeClr val="lt1"/>
+              </a:fontRef>
+            </p:style>
+            <p:txBody>
+              <a:bodyPr rtlCol="0" anchor="ctr"/>
+              <a:lstStyle/>
+              <a:p>
+                <a:pPr algn="ctr"/>
+                <a:r>
+                  <a:rPr lang="en-US" sz="825" i="1" dirty="0">
+                    <a:solidFill>
+                      <a:schemeClr val="tx1"/>
+                    </a:solidFill>
+                  </a:rPr>
+                  <a:t>model_11/</a:t>
+                </a:r>
+                <a:r>
+                  <a:rPr lang="en-US" sz="825" i="1" dirty="0" err="1">
+                    <a:solidFill>
+                      <a:schemeClr val="tx1"/>
+                    </a:solidFill>
+                  </a:rPr>
+                  <a:t>full_domain</a:t>
+                </a:r>
+                <a:r>
+                  <a:rPr lang="en-US" sz="825" i="1" dirty="0">
+                    <a:solidFill>
+                      <a:schemeClr val="tx1"/>
+                    </a:solidFill>
+                  </a:rPr>
+                  <a:t>/</a:t>
+                </a:r>
+                <a:r>
+                  <a:rPr lang="en-US" sz="825" i="1" dirty="0" err="1">
+                    <a:solidFill>
+                      <a:schemeClr val="tx1"/>
+                    </a:solidFill>
+                  </a:rPr>
+                  <a:t>Spatiotemporal_Optimization</a:t>
+                </a:r>
+                <a:r>
+                  <a:rPr lang="en-US" sz="825" i="1" dirty="0">
+                    <a:solidFill>
+                      <a:schemeClr val="tx1"/>
+                    </a:solidFill>
+                  </a:rPr>
+                  <a:t>/boat1/</a:t>
+                </a:r>
+                <a:r>
+                  <a:rPr lang="en-US" sz="825" i="1" dirty="0" err="1">
+                    <a:solidFill>
+                      <a:schemeClr val="tx1"/>
+                    </a:solidFill>
+                  </a:rPr>
+                  <a:t>XXStrXXRun</a:t>
+                </a:r>
+                <a:r>
+                  <a:rPr lang="en-US" sz="825" i="1" dirty="0">
+                    <a:solidFill>
+                      <a:schemeClr val="tx1"/>
+                    </a:solidFill>
+                  </a:rPr>
+                  <a:t>/</a:t>
+                </a:r>
+              </a:p>
+            </p:txBody>
+          </p:sp>
+          <p:sp>
+            <p:nvSpPr>
+              <p:cNvPr id="24" name="Rectangle 23">
+                <a:extLst>
+                  <a:ext uri="{FF2B5EF4-FFF2-40B4-BE49-F238E27FC236}">
+                    <a16:creationId xmlns:a16="http://schemas.microsoft.com/office/drawing/2014/main" id="{AC4CF66E-565D-4717-9CC8-A1F33CA019E0}"/>
+                  </a:ext>
+                </a:extLst>
+              </p:cNvPr>
+              <p:cNvSpPr/>
+              <p:nvPr/>
+            </p:nvSpPr>
+            <p:spPr>
+              <a:xfrm>
+                <a:off x="7004100" y="2955914"/>
+                <a:ext cx="3351479" cy="208222"/>
+              </a:xfrm>
+              <a:prstGeom prst="rect">
+                <a:avLst/>
+              </a:prstGeom>
+              <a:solidFill>
+                <a:schemeClr val="accent6"/>
+              </a:solidFill>
+            </p:spPr>
+            <p:style>
+              <a:lnRef idx="2">
+                <a:schemeClr val="accent1">
+                  <a:shade val="50000"/>
+                </a:schemeClr>
+              </a:lnRef>
+              <a:fillRef idx="1">
+                <a:schemeClr val="accent1"/>
+              </a:fillRef>
+              <a:effectRef idx="0">
+                <a:schemeClr val="accent1"/>
+              </a:effectRef>
+              <a:fontRef idx="minor">
+                <a:schemeClr val="lt1"/>
+              </a:fontRef>
+            </p:style>
+            <p:txBody>
+              <a:bodyPr rtlCol="0" anchor="ctr"/>
+              <a:lstStyle/>
+              <a:p>
+                <a:pPr algn="ctr"/>
+                <a:r>
+                  <a:rPr lang="en-US" sz="825" i="1" dirty="0">
+                    <a:solidFill>
+                      <a:schemeClr val="tx1"/>
+                    </a:solidFill>
+                  </a:rPr>
+                  <a:t>model_11/</a:t>
+                </a:r>
+                <a:r>
+                  <a:rPr lang="en-US" sz="825" i="1" dirty="0" err="1">
+                    <a:solidFill>
+                      <a:schemeClr val="tx1"/>
+                    </a:solidFill>
+                  </a:rPr>
+                  <a:t>full_domain</a:t>
+                </a:r>
+                <a:r>
+                  <a:rPr lang="en-US" sz="825" i="1" dirty="0">
+                    <a:solidFill>
+                      <a:schemeClr val="tx1"/>
+                    </a:solidFill>
+                  </a:rPr>
+                  <a:t>/</a:t>
+                </a:r>
+                <a:r>
+                  <a:rPr lang="en-US" sz="825" i="1" dirty="0" err="1">
+                    <a:solidFill>
+                      <a:schemeClr val="tx1"/>
+                    </a:solidFill>
+                  </a:rPr>
+                  <a:t>Spatiotemporal_Optimization</a:t>
+                </a:r>
+                <a:r>
+                  <a:rPr lang="en-US" sz="825" i="1" dirty="0">
+                    <a:solidFill>
+                      <a:schemeClr val="tx1"/>
+                    </a:solidFill>
+                  </a:rPr>
+                  <a:t>/boat2/</a:t>
+                </a:r>
+                <a:r>
+                  <a:rPr lang="en-US" sz="825" i="1" dirty="0" err="1">
+                    <a:solidFill>
+                      <a:schemeClr val="tx1"/>
+                    </a:solidFill>
+                  </a:rPr>
+                  <a:t>XXStrXXRun</a:t>
+                </a:r>
+                <a:r>
+                  <a:rPr lang="en-US" sz="825" i="1" dirty="0">
+                    <a:solidFill>
+                      <a:schemeClr val="tx1"/>
+                    </a:solidFill>
+                  </a:rPr>
+                  <a:t>/</a:t>
+                </a:r>
+              </a:p>
+            </p:txBody>
+          </p:sp>
+          <p:sp>
+            <p:nvSpPr>
+              <p:cNvPr id="27" name="Rectangle 26">
+                <a:extLst>
+                  <a:ext uri="{FF2B5EF4-FFF2-40B4-BE49-F238E27FC236}">
+                    <a16:creationId xmlns:a16="http://schemas.microsoft.com/office/drawing/2014/main" id="{10B4E3C3-5643-439F-8D4A-F791007FBA1D}"/>
+                  </a:ext>
+                </a:extLst>
+              </p:cNvPr>
+              <p:cNvSpPr/>
+              <p:nvPr/>
+            </p:nvSpPr>
+            <p:spPr>
+              <a:xfrm>
+                <a:off x="7004100" y="3164136"/>
+                <a:ext cx="3351479" cy="208222"/>
+              </a:xfrm>
+              <a:prstGeom prst="rect">
+                <a:avLst/>
+              </a:prstGeom>
+              <a:solidFill>
+                <a:schemeClr val="accent6"/>
+              </a:solidFill>
+            </p:spPr>
+            <p:style>
+              <a:lnRef idx="2">
+                <a:schemeClr val="accent1">
+                  <a:shade val="50000"/>
+                </a:schemeClr>
+              </a:lnRef>
+              <a:fillRef idx="1">
+                <a:schemeClr val="accent1"/>
+              </a:fillRef>
+              <a:effectRef idx="0">
+                <a:schemeClr val="accent1"/>
+              </a:effectRef>
+              <a:fontRef idx="minor">
+                <a:schemeClr val="lt1"/>
+              </a:fontRef>
+            </p:style>
+            <p:txBody>
+              <a:bodyPr rtlCol="0" anchor="ctr"/>
+              <a:lstStyle/>
+              <a:p>
+                <a:pPr algn="ctr"/>
+                <a:r>
+                  <a:rPr lang="en-US" sz="825" i="1" dirty="0">
+                    <a:solidFill>
+                      <a:schemeClr val="tx1"/>
+                    </a:solidFill>
+                  </a:rPr>
+                  <a:t>model_11/</a:t>
+                </a:r>
+                <a:r>
+                  <a:rPr lang="en-US" sz="825" i="1" dirty="0" err="1">
+                    <a:solidFill>
+                      <a:schemeClr val="tx1"/>
+                    </a:solidFill>
+                  </a:rPr>
+                  <a:t>full_domain</a:t>
+                </a:r>
+                <a:r>
+                  <a:rPr lang="en-US" sz="825" i="1" dirty="0">
+                    <a:solidFill>
+                      <a:schemeClr val="tx1"/>
+                    </a:solidFill>
+                  </a:rPr>
+                  <a:t>/</a:t>
+                </a:r>
+                <a:r>
+                  <a:rPr lang="en-US" sz="825" i="1" dirty="0" err="1">
+                    <a:solidFill>
+                      <a:schemeClr val="tx1"/>
+                    </a:solidFill>
+                  </a:rPr>
+                  <a:t>Spatiotemporal_Optimization</a:t>
+                </a:r>
+                <a:r>
+                  <a:rPr lang="en-US" sz="825" i="1" dirty="0">
+                    <a:solidFill>
+                      <a:schemeClr val="tx1"/>
+                    </a:solidFill>
+                  </a:rPr>
+                  <a:t>/boat3/</a:t>
+                </a:r>
+                <a:r>
+                  <a:rPr lang="en-US" sz="825" i="1" dirty="0" err="1">
+                    <a:solidFill>
+                      <a:schemeClr val="tx1"/>
+                    </a:solidFill>
+                  </a:rPr>
+                  <a:t>XXStrXXRun</a:t>
+                </a:r>
+                <a:r>
+                  <a:rPr lang="en-US" sz="825" i="1" dirty="0">
+                    <a:solidFill>
+                      <a:schemeClr val="tx1"/>
+                    </a:solidFill>
+                  </a:rPr>
+                  <a:t>/</a:t>
+                </a:r>
+              </a:p>
+            </p:txBody>
+          </p:sp>
+        </p:grpSp>
+        <p:grpSp>
+          <p:nvGrpSpPr>
+            <p:cNvPr id="87" name="Group 86">
+              <a:extLst>
+                <a:ext uri="{FF2B5EF4-FFF2-40B4-BE49-F238E27FC236}">
+                  <a16:creationId xmlns:a16="http://schemas.microsoft.com/office/drawing/2014/main" id="{5AF27BC9-D645-49CF-865A-62ECF20AE66D}"/>
+                </a:ext>
+              </a:extLst>
+            </p:cNvPr>
+            <p:cNvGrpSpPr/>
+            <p:nvPr/>
+          </p:nvGrpSpPr>
+          <p:grpSpPr>
+            <a:xfrm>
+              <a:off x="2119680" y="2319429"/>
+              <a:ext cx="3351479" cy="624666"/>
+              <a:chOff x="7004100" y="2747692"/>
+              <a:chExt cx="3351479" cy="624666"/>
+            </a:xfrm>
+          </p:grpSpPr>
+          <p:sp>
+            <p:nvSpPr>
+              <p:cNvPr id="88" name="Rectangle 87">
+                <a:extLst>
+                  <a:ext uri="{FF2B5EF4-FFF2-40B4-BE49-F238E27FC236}">
+                    <a16:creationId xmlns:a16="http://schemas.microsoft.com/office/drawing/2014/main" id="{D4041C4A-411E-4015-91C0-3BEE0EF5E682}"/>
+                  </a:ext>
+                </a:extLst>
+              </p:cNvPr>
+              <p:cNvSpPr/>
+              <p:nvPr/>
+            </p:nvSpPr>
+            <p:spPr>
+              <a:xfrm>
+                <a:off x="7004100" y="2747692"/>
+                <a:ext cx="3351479" cy="208222"/>
+              </a:xfrm>
+              <a:prstGeom prst="rect">
+                <a:avLst/>
+              </a:prstGeom>
+              <a:solidFill>
+                <a:schemeClr val="accent6"/>
+              </a:solidFill>
+            </p:spPr>
+            <p:style>
+              <a:lnRef idx="2">
+                <a:schemeClr val="accent1">
+                  <a:shade val="50000"/>
+                </a:schemeClr>
+              </a:lnRef>
+              <a:fillRef idx="1">
+                <a:schemeClr val="accent1"/>
+              </a:fillRef>
+              <a:effectRef idx="0">
+                <a:schemeClr val="accent1"/>
+              </a:effectRef>
+              <a:fontRef idx="minor">
+                <a:schemeClr val="lt1"/>
+              </a:fontRef>
+            </p:style>
+            <p:txBody>
+              <a:bodyPr rtlCol="0" anchor="ctr"/>
+              <a:lstStyle/>
+              <a:p>
+                <a:pPr algn="ctr"/>
+                <a:r>
+                  <a:rPr lang="en-US" sz="825" i="1" dirty="0">
+                    <a:solidFill>
+                      <a:schemeClr val="tx1"/>
+                    </a:solidFill>
+                  </a:rPr>
+                  <a:t>model_11/trawlable/</a:t>
+                </a:r>
+                <a:r>
+                  <a:rPr lang="en-US" sz="825" i="1" dirty="0" err="1">
+                    <a:solidFill>
+                      <a:schemeClr val="tx1"/>
+                    </a:solidFill>
+                  </a:rPr>
+                  <a:t>Spatiotemporal_Optimization</a:t>
+                </a:r>
+                <a:r>
+                  <a:rPr lang="en-US" sz="825" i="1" dirty="0">
+                    <a:solidFill>
+                      <a:schemeClr val="tx1"/>
+                    </a:solidFill>
+                  </a:rPr>
+                  <a:t>/boat1/</a:t>
+                </a:r>
+                <a:r>
+                  <a:rPr lang="en-US" sz="825" i="1" dirty="0" err="1">
+                    <a:solidFill>
+                      <a:schemeClr val="tx1"/>
+                    </a:solidFill>
+                  </a:rPr>
+                  <a:t>XXStrXXRun</a:t>
+                </a:r>
+                <a:r>
+                  <a:rPr lang="en-US" sz="825" i="1" dirty="0">
+                    <a:solidFill>
+                      <a:schemeClr val="tx1"/>
+                    </a:solidFill>
+                  </a:rPr>
+                  <a:t>/</a:t>
+                </a:r>
+              </a:p>
+            </p:txBody>
+          </p:sp>
+          <p:sp>
+            <p:nvSpPr>
+              <p:cNvPr id="89" name="Rectangle 88">
+                <a:extLst>
+                  <a:ext uri="{FF2B5EF4-FFF2-40B4-BE49-F238E27FC236}">
+                    <a16:creationId xmlns:a16="http://schemas.microsoft.com/office/drawing/2014/main" id="{DCE2E0D3-DE5A-4ED6-820D-2D37E28213A6}"/>
+                  </a:ext>
+                </a:extLst>
+              </p:cNvPr>
+              <p:cNvSpPr/>
+              <p:nvPr/>
+            </p:nvSpPr>
+            <p:spPr>
+              <a:xfrm>
+                <a:off x="7004100" y="2955914"/>
+                <a:ext cx="3351479" cy="208222"/>
+              </a:xfrm>
+              <a:prstGeom prst="rect">
+                <a:avLst/>
+              </a:prstGeom>
+              <a:solidFill>
+                <a:schemeClr val="accent6"/>
+              </a:solidFill>
+            </p:spPr>
+            <p:style>
+              <a:lnRef idx="2">
+                <a:schemeClr val="accent1">
+                  <a:shade val="50000"/>
+                </a:schemeClr>
+              </a:lnRef>
+              <a:fillRef idx="1">
+                <a:schemeClr val="accent1"/>
+              </a:fillRef>
+              <a:effectRef idx="0">
+                <a:schemeClr val="accent1"/>
+              </a:effectRef>
+              <a:fontRef idx="minor">
+                <a:schemeClr val="lt1"/>
+              </a:fontRef>
+            </p:style>
+            <p:txBody>
+              <a:bodyPr rtlCol="0" anchor="ctr"/>
+              <a:lstStyle/>
+              <a:p>
+                <a:pPr algn="ctr"/>
+                <a:r>
+                  <a:rPr lang="en-US" sz="825" i="1" dirty="0">
+                    <a:solidFill>
+                      <a:schemeClr val="tx1"/>
+                    </a:solidFill>
+                  </a:rPr>
+                  <a:t>model_11/trawlable/</a:t>
+                </a:r>
+                <a:r>
+                  <a:rPr lang="en-US" sz="825" i="1" dirty="0" err="1">
+                    <a:solidFill>
+                      <a:schemeClr val="tx1"/>
+                    </a:solidFill>
+                  </a:rPr>
+                  <a:t>Spatiotemporal_Optimization</a:t>
+                </a:r>
+                <a:r>
+                  <a:rPr lang="en-US" sz="825" i="1" dirty="0">
+                    <a:solidFill>
+                      <a:schemeClr val="tx1"/>
+                    </a:solidFill>
+                  </a:rPr>
+                  <a:t>/boat2/</a:t>
+                </a:r>
+                <a:r>
+                  <a:rPr lang="en-US" sz="825" i="1" dirty="0" err="1">
+                    <a:solidFill>
+                      <a:schemeClr val="tx1"/>
+                    </a:solidFill>
+                  </a:rPr>
+                  <a:t>XXStrXXRun</a:t>
+                </a:r>
+                <a:r>
+                  <a:rPr lang="en-US" sz="825" i="1" dirty="0">
+                    <a:solidFill>
+                      <a:schemeClr val="tx1"/>
+                    </a:solidFill>
+                  </a:rPr>
+                  <a:t>/</a:t>
+                </a:r>
+              </a:p>
+            </p:txBody>
+          </p:sp>
+          <p:sp>
+            <p:nvSpPr>
+              <p:cNvPr id="90" name="Rectangle 89">
+                <a:extLst>
+                  <a:ext uri="{FF2B5EF4-FFF2-40B4-BE49-F238E27FC236}">
+                    <a16:creationId xmlns:a16="http://schemas.microsoft.com/office/drawing/2014/main" id="{178D02DA-9EB8-484F-956C-9CE0384F4BA9}"/>
+                  </a:ext>
+                </a:extLst>
+              </p:cNvPr>
+              <p:cNvSpPr/>
+              <p:nvPr/>
+            </p:nvSpPr>
+            <p:spPr>
+              <a:xfrm>
+                <a:off x="7004100" y="3164136"/>
+                <a:ext cx="3351479" cy="208222"/>
+              </a:xfrm>
+              <a:prstGeom prst="rect">
+                <a:avLst/>
+              </a:prstGeom>
+              <a:solidFill>
+                <a:schemeClr val="accent6"/>
+              </a:solidFill>
+            </p:spPr>
+            <p:style>
+              <a:lnRef idx="2">
+                <a:schemeClr val="accent1">
+                  <a:shade val="50000"/>
+                </a:schemeClr>
+              </a:lnRef>
+              <a:fillRef idx="1">
+                <a:schemeClr val="accent1"/>
+              </a:fillRef>
+              <a:effectRef idx="0">
+                <a:schemeClr val="accent1"/>
+              </a:effectRef>
+              <a:fontRef idx="minor">
+                <a:schemeClr val="lt1"/>
+              </a:fontRef>
+            </p:style>
+            <p:txBody>
+              <a:bodyPr rtlCol="0" anchor="ctr"/>
+              <a:lstStyle/>
+              <a:p>
+                <a:pPr algn="ctr"/>
+                <a:r>
+                  <a:rPr lang="en-US" sz="825" i="1" dirty="0">
+                    <a:solidFill>
+                      <a:schemeClr val="tx1"/>
+                    </a:solidFill>
+                  </a:rPr>
+                  <a:t>model_11/trawlable/</a:t>
+                </a:r>
+                <a:r>
+                  <a:rPr lang="en-US" sz="825" i="1" dirty="0" err="1">
+                    <a:solidFill>
+                      <a:schemeClr val="tx1"/>
+                    </a:solidFill>
+                  </a:rPr>
+                  <a:t>Spatiotemporal_Optimization</a:t>
+                </a:r>
+                <a:r>
+                  <a:rPr lang="en-US" sz="825" i="1" dirty="0">
+                    <a:solidFill>
+                      <a:schemeClr val="tx1"/>
+                    </a:solidFill>
+                  </a:rPr>
+                  <a:t>/boat3/</a:t>
+                </a:r>
+                <a:r>
+                  <a:rPr lang="en-US" sz="825" i="1" dirty="0" err="1">
+                    <a:solidFill>
+                      <a:schemeClr val="tx1"/>
+                    </a:solidFill>
+                  </a:rPr>
+                  <a:t>XXStrXXRun</a:t>
+                </a:r>
+                <a:r>
+                  <a:rPr lang="en-US" sz="825" i="1" dirty="0">
+                    <a:solidFill>
+                      <a:schemeClr val="tx1"/>
+                    </a:solidFill>
+                  </a:rPr>
+                  <a:t>/</a:t>
+                </a:r>
+              </a:p>
+            </p:txBody>
+          </p:sp>
+        </p:grpSp>
+        <p:cxnSp>
+          <p:nvCxnSpPr>
+            <p:cNvPr id="91" name="Straight Arrow Connector 90">
+              <a:extLst>
+                <a:ext uri="{FF2B5EF4-FFF2-40B4-BE49-F238E27FC236}">
+                  <a16:creationId xmlns:a16="http://schemas.microsoft.com/office/drawing/2014/main" id="{6E509550-375E-4A88-BB54-B13505CE580C}"/>
+                </a:ext>
+              </a:extLst>
+            </p:cNvPr>
+            <p:cNvCxnSpPr>
+              <a:cxnSpLocks/>
+              <a:stCxn id="5" idx="2"/>
+              <a:endCxn id="88" idx="0"/>
+            </p:cNvCxnSpPr>
+            <p:nvPr/>
+          </p:nvCxnSpPr>
+          <p:spPr>
+            <a:xfrm flipH="1">
+              <a:off x="3795420" y="1877510"/>
+              <a:ext cx="2300581" cy="441919"/>
+            </a:xfrm>
+            <a:prstGeom prst="straightConnector1">
+              <a:avLst/>
+            </a:prstGeom>
+            <a:ln w="38100">
+              <a:solidFill>
+                <a:schemeClr val="tx1"/>
+              </a:solidFill>
+              <a:tailEnd type="triangle"/>
+            </a:ln>
+          </p:spPr>
+          <p:style>
+            <a:lnRef idx="1">
+              <a:schemeClr val="accent1"/>
+            </a:lnRef>
+            <a:fillRef idx="0">
+              <a:schemeClr val="accent1"/>
+            </a:fillRef>
+            <a:effectRef idx="0">
+              <a:schemeClr val="accent1"/>
+            </a:effectRef>
+            <a:fontRef idx="minor">
+              <a:schemeClr val="tx1"/>
+            </a:fontRef>
+          </p:style>
+        </p:cxnSp>
+        <p:cxnSp>
+          <p:nvCxnSpPr>
+            <p:cNvPr id="92" name="Straight Arrow Connector 91">
+              <a:extLst>
+                <a:ext uri="{FF2B5EF4-FFF2-40B4-BE49-F238E27FC236}">
+                  <a16:creationId xmlns:a16="http://schemas.microsoft.com/office/drawing/2014/main" id="{CD7A97BA-6BBB-4BFF-837C-5536D6DF18EF}"/>
+                </a:ext>
+              </a:extLst>
+            </p:cNvPr>
+            <p:cNvCxnSpPr>
+              <a:cxnSpLocks/>
+              <a:stCxn id="5" idx="2"/>
+              <a:endCxn id="23" idx="0"/>
+            </p:cNvCxnSpPr>
+            <p:nvPr/>
+          </p:nvCxnSpPr>
+          <p:spPr>
+            <a:xfrm>
+              <a:off x="6096001" y="1877510"/>
+              <a:ext cx="2583839" cy="441919"/>
+            </a:xfrm>
+            <a:prstGeom prst="straightConnector1">
+              <a:avLst/>
+            </a:prstGeom>
+            <a:ln w="38100">
+              <a:solidFill>
+                <a:schemeClr val="tx1"/>
+              </a:solidFill>
+              <a:tailEnd type="triangle"/>
+            </a:ln>
+          </p:spPr>
+          <p:style>
+            <a:lnRef idx="1">
+              <a:schemeClr val="accent1"/>
+            </a:lnRef>
+            <a:fillRef idx="0">
+              <a:schemeClr val="accent1"/>
+            </a:fillRef>
+            <a:effectRef idx="0">
+              <a:schemeClr val="accent1"/>
+            </a:effectRef>
+            <a:fontRef idx="minor">
+              <a:schemeClr val="tx1"/>
+            </a:fontRef>
+          </p:style>
+        </p:cxnSp>
+        <p:sp>
+          <p:nvSpPr>
+            <p:cNvPr id="40" name="Rectangle 39">
+              <a:extLst>
+                <a:ext uri="{FF2B5EF4-FFF2-40B4-BE49-F238E27FC236}">
+                  <a16:creationId xmlns:a16="http://schemas.microsoft.com/office/drawing/2014/main" id="{5360AFFE-1A63-443D-912E-4D6E807858F3}"/>
+                </a:ext>
+              </a:extLst>
+            </p:cNvPr>
+            <p:cNvSpPr/>
+            <p:nvPr/>
+          </p:nvSpPr>
+          <p:spPr>
+            <a:xfrm>
+              <a:off x="4565015" y="3437291"/>
+              <a:ext cx="3061970" cy="176444"/>
+            </a:xfrm>
+            <a:prstGeom prst="rect">
+              <a:avLst/>
+            </a:prstGeom>
+          </p:spPr>
+          <p:style>
+            <a:lnRef idx="2">
+              <a:schemeClr val="accent1">
+                <a:shade val="50000"/>
+              </a:schemeClr>
+            </a:lnRef>
+            <a:fillRef idx="1">
+              <a:schemeClr val="accent1"/>
+            </a:fillRef>
+            <a:effectRef idx="0">
+              <a:schemeClr val="accent1"/>
+            </a:effectRef>
+            <a:fontRef idx="minor">
+              <a:schemeClr val="lt1"/>
+            </a:fontRef>
+          </p:style>
+          <p:txBody>
+            <a:bodyPr rtlCol="0" anchor="ctr"/>
+            <a:lstStyle/>
+            <a:p>
+              <a:pPr algn="ctr"/>
+              <a:r>
+                <a:rPr lang="en-US" sz="1200" i="1" dirty="0">
+                  <a:solidFill>
+                    <a:schemeClr val="tx1"/>
+                  </a:solidFill>
+                </a:rPr>
+                <a:t>Knitting Results</a:t>
+              </a:r>
+            </a:p>
+          </p:txBody>
+        </p:sp>
+        <p:sp>
+          <p:nvSpPr>
+            <p:cNvPr id="41" name="Rectangle 40">
+              <a:extLst>
+                <a:ext uri="{FF2B5EF4-FFF2-40B4-BE49-F238E27FC236}">
+                  <a16:creationId xmlns:a16="http://schemas.microsoft.com/office/drawing/2014/main" id="{281FB2BF-3FD2-4DFD-AFE5-EB9DC00D9326}"/>
+                </a:ext>
+              </a:extLst>
+            </p:cNvPr>
+            <p:cNvSpPr/>
+            <p:nvPr/>
+          </p:nvSpPr>
+          <p:spPr>
+            <a:xfrm>
+              <a:off x="4565015" y="3596791"/>
+              <a:ext cx="3061970" cy="170510"/>
+            </a:xfrm>
+            <a:prstGeom prst="rect">
+              <a:avLst/>
+            </a:prstGeom>
+            <a:solidFill>
+              <a:schemeClr val="accent4"/>
+            </a:solidFill>
+          </p:spPr>
+          <p:style>
+            <a:lnRef idx="2">
+              <a:schemeClr val="accent1">
+                <a:shade val="50000"/>
+              </a:schemeClr>
+            </a:lnRef>
+            <a:fillRef idx="1">
+              <a:schemeClr val="accent1"/>
+            </a:fillRef>
+            <a:effectRef idx="0">
+              <a:schemeClr val="accent1"/>
+            </a:effectRef>
+            <a:fontRef idx="minor">
+              <a:schemeClr val="lt1"/>
+            </a:fontRef>
+          </p:style>
+          <p:txBody>
+            <a:bodyPr rtlCol="0" anchor="ctr"/>
+            <a:lstStyle/>
+            <a:p>
+              <a:pPr algn="ctr"/>
+              <a:r>
+                <a:rPr lang="en-US" sz="825" i="1" dirty="0" err="1">
+                  <a:solidFill>
+                    <a:schemeClr val="tx1"/>
+                  </a:solidFill>
+                </a:rPr>
+                <a:t>Optimal_Allocation_GoA</a:t>
+              </a:r>
+              <a:r>
+                <a:rPr lang="en-US" sz="825" i="1" dirty="0">
+                  <a:solidFill>
+                    <a:schemeClr val="tx1"/>
+                  </a:solidFill>
+                </a:rPr>
+                <a:t> /</a:t>
+              </a:r>
+              <a:r>
+                <a:rPr lang="en-US" sz="825" i="1" dirty="0" err="1">
+                  <a:solidFill>
+                    <a:schemeClr val="tx1"/>
+                  </a:solidFill>
+                </a:rPr>
+                <a:t>analysis_scripts</a:t>
+              </a:r>
+              <a:r>
+                <a:rPr lang="en-US" sz="825" i="1" dirty="0">
+                  <a:solidFill>
+                    <a:schemeClr val="tx1"/>
+                  </a:solidFill>
+                </a:rPr>
+                <a:t>/</a:t>
+              </a:r>
+              <a:r>
+                <a:rPr lang="en-US" sz="825" i="1" dirty="0" err="1">
+                  <a:solidFill>
+                    <a:schemeClr val="tx1"/>
+                  </a:solidFill>
+                </a:rPr>
+                <a:t>knitting_runs.R</a:t>
+              </a:r>
+              <a:endParaRPr lang="en-US" sz="825" i="1" dirty="0">
+                <a:solidFill>
+                  <a:schemeClr val="tx1"/>
+                </a:solidFill>
+              </a:endParaRPr>
+            </a:p>
+          </p:txBody>
+        </p:sp>
+        <p:cxnSp>
+          <p:nvCxnSpPr>
+            <p:cNvPr id="95" name="Straight Arrow Connector 94">
+              <a:extLst>
+                <a:ext uri="{FF2B5EF4-FFF2-40B4-BE49-F238E27FC236}">
+                  <a16:creationId xmlns:a16="http://schemas.microsoft.com/office/drawing/2014/main" id="{BA9394D8-B152-4C14-B0D7-8073D5743AC4}"/>
+                </a:ext>
+              </a:extLst>
+            </p:cNvPr>
+            <p:cNvCxnSpPr>
+              <a:cxnSpLocks/>
+              <a:stCxn id="27" idx="2"/>
+              <a:endCxn id="40" idx="0"/>
+            </p:cNvCxnSpPr>
+            <p:nvPr/>
+          </p:nvCxnSpPr>
+          <p:spPr>
+            <a:xfrm flipH="1">
+              <a:off x="6096000" y="2944095"/>
+              <a:ext cx="2583840" cy="493196"/>
+            </a:xfrm>
+            <a:prstGeom prst="straightConnector1">
+              <a:avLst/>
+            </a:prstGeom>
+            <a:ln w="38100">
+              <a:solidFill>
+                <a:schemeClr val="tx1"/>
+              </a:solidFill>
+              <a:tailEnd type="triangle"/>
+            </a:ln>
+          </p:spPr>
+          <p:style>
+            <a:lnRef idx="1">
+              <a:schemeClr val="accent1"/>
+            </a:lnRef>
+            <a:fillRef idx="0">
+              <a:schemeClr val="accent1"/>
+            </a:fillRef>
+            <a:effectRef idx="0">
+              <a:schemeClr val="accent1"/>
+            </a:effectRef>
+            <a:fontRef idx="minor">
+              <a:schemeClr val="tx1"/>
+            </a:fontRef>
+          </p:style>
+        </p:cxnSp>
+        <p:cxnSp>
+          <p:nvCxnSpPr>
+            <p:cNvPr id="96" name="Straight Arrow Connector 95">
+              <a:extLst>
+                <a:ext uri="{FF2B5EF4-FFF2-40B4-BE49-F238E27FC236}">
+                  <a16:creationId xmlns:a16="http://schemas.microsoft.com/office/drawing/2014/main" id="{076BA6C2-BCD2-4CD0-A627-3250E93EF5C6}"/>
+                </a:ext>
+              </a:extLst>
+            </p:cNvPr>
+            <p:cNvCxnSpPr>
+              <a:cxnSpLocks/>
+              <a:stCxn id="90" idx="2"/>
+              <a:endCxn id="40" idx="0"/>
+            </p:cNvCxnSpPr>
+            <p:nvPr/>
+          </p:nvCxnSpPr>
+          <p:spPr>
+            <a:xfrm>
+              <a:off x="3795420" y="2944095"/>
+              <a:ext cx="2300580" cy="493196"/>
+            </a:xfrm>
+            <a:prstGeom prst="straightConnector1">
+              <a:avLst/>
+            </a:prstGeom>
+            <a:ln w="38100">
+              <a:solidFill>
+                <a:schemeClr val="tx1"/>
+              </a:solidFill>
+              <a:tailEnd type="triangle"/>
+            </a:ln>
+          </p:spPr>
+          <p:style>
+            <a:lnRef idx="1">
+              <a:schemeClr val="accent1"/>
+            </a:lnRef>
+            <a:fillRef idx="0">
+              <a:schemeClr val="accent1"/>
+            </a:fillRef>
+            <a:effectRef idx="0">
+              <a:schemeClr val="accent1"/>
+            </a:effectRef>
+            <a:fontRef idx="minor">
+              <a:schemeClr val="tx1"/>
+            </a:fontRef>
+          </p:style>
+        </p:cxnSp>
+        <p:sp>
+          <p:nvSpPr>
+            <p:cNvPr id="100" name="Rectangle 99">
+              <a:extLst>
+                <a:ext uri="{FF2B5EF4-FFF2-40B4-BE49-F238E27FC236}">
+                  <a16:creationId xmlns:a16="http://schemas.microsoft.com/office/drawing/2014/main" id="{CD1A4958-1754-4168-9066-B341CE245782}"/>
+                </a:ext>
+              </a:extLst>
+            </p:cNvPr>
+            <p:cNvSpPr/>
+            <p:nvPr/>
+          </p:nvSpPr>
+          <p:spPr>
+            <a:xfrm>
+              <a:off x="1644191" y="4240627"/>
+              <a:ext cx="3976321" cy="208222"/>
+            </a:xfrm>
+            <a:prstGeom prst="rect">
+              <a:avLst/>
+            </a:prstGeom>
+            <a:solidFill>
+              <a:schemeClr val="accent6"/>
+            </a:solidFill>
+          </p:spPr>
+          <p:style>
+            <a:lnRef idx="2">
+              <a:schemeClr val="accent1">
+                <a:shade val="50000"/>
+              </a:schemeClr>
+            </a:lnRef>
+            <a:fillRef idx="1">
+              <a:schemeClr val="accent1"/>
+            </a:fillRef>
+            <a:effectRef idx="0">
+              <a:schemeClr val="accent1"/>
+            </a:effectRef>
+            <a:fontRef idx="minor">
+              <a:schemeClr val="lt1"/>
+            </a:fontRef>
+          </p:style>
+          <p:txBody>
+            <a:bodyPr rtlCol="0" anchor="ctr"/>
+            <a:lstStyle/>
+            <a:p>
+              <a:pPr algn="ctr"/>
+              <a:r>
+                <a:rPr lang="en-US" sz="825" i="1" dirty="0">
+                  <a:solidFill>
+                    <a:schemeClr val="tx1"/>
+                  </a:solidFill>
+                </a:rPr>
+                <a:t>model_11/trawlable/</a:t>
+              </a:r>
+              <a:r>
+                <a:rPr lang="en-US" sz="825" i="1" dirty="0" err="1">
+                  <a:solidFill>
+                    <a:schemeClr val="tx1"/>
+                  </a:solidFill>
+                </a:rPr>
+                <a:t>Spatiotemporal_Optimization</a:t>
+              </a:r>
+              <a:r>
+                <a:rPr lang="en-US" sz="825" i="1" dirty="0">
+                  <a:solidFill>
+                    <a:schemeClr val="tx1"/>
+                  </a:solidFill>
+                </a:rPr>
+                <a:t>/</a:t>
+              </a:r>
+              <a:r>
+                <a:rPr lang="en-US" sz="825" i="1" dirty="0" err="1">
+                  <a:solidFill>
+                    <a:schemeClr val="tx1"/>
+                  </a:solidFill>
+                </a:rPr>
+                <a:t>optimization_knitted_results.RData</a:t>
+              </a:r>
+              <a:endParaRPr lang="en-US" sz="825" i="1" dirty="0">
+                <a:solidFill>
+                  <a:schemeClr val="tx1"/>
+                </a:solidFill>
+              </a:endParaRPr>
+            </a:p>
+          </p:txBody>
+        </p:sp>
+        <p:sp>
+          <p:nvSpPr>
+            <p:cNvPr id="102" name="Rectangle 101">
+              <a:extLst>
+                <a:ext uri="{FF2B5EF4-FFF2-40B4-BE49-F238E27FC236}">
+                  <a16:creationId xmlns:a16="http://schemas.microsoft.com/office/drawing/2014/main" id="{1252C0D6-84AA-430B-98DF-AAB67D4343D0}"/>
+                </a:ext>
+              </a:extLst>
+            </p:cNvPr>
+            <p:cNvSpPr/>
+            <p:nvPr/>
+          </p:nvSpPr>
+          <p:spPr>
+            <a:xfrm>
+              <a:off x="6818082" y="4240627"/>
+              <a:ext cx="4041647" cy="208222"/>
             </a:xfrm>
             <a:prstGeom prst="rect">
               <a:avLst/>
@@ -3829,94 +4862,6 @@
                     <a:schemeClr val="tx1"/>
                   </a:solidFill>
                 </a:rPr>
-                <a:t>/boat1/</a:t>
-              </a:r>
-              <a:r>
-                <a:rPr lang="en-US" sz="825" i="1" dirty="0" err="1">
-                  <a:solidFill>
-                    <a:schemeClr val="tx1"/>
-                  </a:solidFill>
-                </a:rPr>
-                <a:t>XXStrXXRun</a:t>
-              </a:r>
-              <a:r>
-                <a:rPr lang="en-US" sz="825" i="1" dirty="0">
-                  <a:solidFill>
-                    <a:schemeClr val="tx1"/>
-                  </a:solidFill>
-                </a:rPr>
-                <a:t>/</a:t>
-              </a:r>
-            </a:p>
-          </p:txBody>
-        </p:sp>
-        <p:sp>
-          <p:nvSpPr>
-            <p:cNvPr id="24" name="Rectangle 23">
-              <a:extLst>
-                <a:ext uri="{FF2B5EF4-FFF2-40B4-BE49-F238E27FC236}">
-                  <a16:creationId xmlns:a16="http://schemas.microsoft.com/office/drawing/2014/main" id="{AC4CF66E-565D-4717-9CC8-A1F33CA019E0}"/>
-                </a:ext>
-              </a:extLst>
-            </p:cNvPr>
-            <p:cNvSpPr/>
-            <p:nvPr/>
-          </p:nvSpPr>
-          <p:spPr>
-            <a:xfrm>
-              <a:off x="7004100" y="2955914"/>
-              <a:ext cx="3351479" cy="208222"/>
-            </a:xfrm>
-            <a:prstGeom prst="rect">
-              <a:avLst/>
-            </a:prstGeom>
-            <a:solidFill>
-              <a:schemeClr val="accent6"/>
-            </a:solidFill>
-          </p:spPr>
-          <p:style>
-            <a:lnRef idx="2">
-              <a:schemeClr val="accent1">
-                <a:shade val="50000"/>
-              </a:schemeClr>
-            </a:lnRef>
-            <a:fillRef idx="1">
-              <a:schemeClr val="accent1"/>
-            </a:fillRef>
-            <a:effectRef idx="0">
-              <a:schemeClr val="accent1"/>
-            </a:effectRef>
-            <a:fontRef idx="minor">
-              <a:schemeClr val="lt1"/>
-            </a:fontRef>
-          </p:style>
-          <p:txBody>
-            <a:bodyPr rtlCol="0" anchor="ctr"/>
-            <a:lstStyle/>
-            <a:p>
-              <a:pPr algn="ctr"/>
-              <a:r>
-                <a:rPr lang="en-US" sz="825" i="1" dirty="0">
-                  <a:solidFill>
-                    <a:schemeClr val="tx1"/>
-                  </a:solidFill>
-                </a:rPr>
-                <a:t>model_11/</a:t>
-              </a:r>
-              <a:r>
-                <a:rPr lang="en-US" sz="825" i="1" dirty="0" err="1">
-                  <a:solidFill>
-                    <a:schemeClr val="tx1"/>
-                  </a:solidFill>
-                </a:rPr>
-                <a:t>full_domain</a:t>
-              </a:r>
-              <a:r>
-                <a:rPr lang="en-US" sz="825" i="1" dirty="0">
-                  <a:solidFill>
-                    <a:schemeClr val="tx1"/>
-                  </a:solidFill>
-                </a:rPr>
                 <a:t>/</a:t>
               </a:r>
               <a:r>
@@ -3925,1033 +4870,109 @@
                     <a:schemeClr val="tx1"/>
                   </a:solidFill>
                 </a:rPr>
-                <a:t>Spatiotemporal_Optimization</a:t>
+                <a:t>optimization_knitted_results.RData</a:t>
               </a:r>
-              <a:r>
-                <a:rPr lang="en-US" sz="825" i="1" dirty="0">
-                  <a:solidFill>
-                    <a:schemeClr val="tx1"/>
-                  </a:solidFill>
-                </a:rPr>
-                <a:t>/boat2/</a:t>
-              </a:r>
-              <a:r>
-                <a:rPr lang="en-US" sz="825" i="1" dirty="0" err="1">
-                  <a:solidFill>
-                    <a:schemeClr val="tx1"/>
-                  </a:solidFill>
-                </a:rPr>
-                <a:t>XXStrXXRun</a:t>
-              </a:r>
-              <a:r>
-                <a:rPr lang="en-US" sz="825" i="1" dirty="0">
-                  <a:solidFill>
-                    <a:schemeClr val="tx1"/>
-                  </a:solidFill>
-                </a:rPr>
-                <a:t>/</a:t>
-              </a:r>
+              <a:endParaRPr lang="en-US" sz="825" i="1" dirty="0">
+                <a:solidFill>
+                  <a:schemeClr val="tx1"/>
+                </a:solidFill>
+              </a:endParaRPr>
             </a:p>
           </p:txBody>
         </p:sp>
-        <p:sp>
-          <p:nvSpPr>
-            <p:cNvPr id="27" name="Rectangle 26">
+        <p:cxnSp>
+          <p:nvCxnSpPr>
+            <p:cNvPr id="103" name="Straight Arrow Connector 102">
               <a:extLst>
                 <a:ext uri="{FF2B5EF4-FFF2-40B4-BE49-F238E27FC236}">
-                  <a16:creationId xmlns:a16="http://schemas.microsoft.com/office/drawing/2014/main" id="{10B4E3C3-5643-439F-8D4A-F791007FBA1D}"/>
+                  <a16:creationId xmlns:a16="http://schemas.microsoft.com/office/drawing/2014/main" id="{69DE9178-2493-450A-B1C6-E25D3221BB6D}"/>
                 </a:ext>
               </a:extLst>
             </p:cNvPr>
-            <p:cNvSpPr/>
+            <p:cNvCxnSpPr>
+              <a:cxnSpLocks/>
+              <a:stCxn id="41" idx="2"/>
+              <a:endCxn id="102" idx="0"/>
+            </p:cNvCxnSpPr>
             <p:nvPr/>
-          </p:nvSpPr>
+          </p:nvCxnSpPr>
           <p:spPr>
             <a:xfrm>
-              <a:off x="7004100" y="3164136"/>
-              <a:ext cx="3351479" cy="208222"/>
+              <a:off x="6096000" y="3767301"/>
+              <a:ext cx="2742906" cy="473326"/>
             </a:xfrm>
-            <a:prstGeom prst="rect">
+            <a:prstGeom prst="straightConnector1">
               <a:avLst/>
             </a:prstGeom>
-            <a:solidFill>
-              <a:schemeClr val="accent6"/>
-            </a:solidFill>
+            <a:ln w="38100">
+              <a:solidFill>
+                <a:schemeClr val="tx1"/>
+              </a:solidFill>
+              <a:tailEnd type="triangle"/>
+            </a:ln>
           </p:spPr>
           <p:style>
-            <a:lnRef idx="2">
-              <a:schemeClr val="accent1">
-                <a:shade val="50000"/>
-              </a:schemeClr>
+            <a:lnRef idx="1">
+              <a:schemeClr val="accent1"/>
             </a:lnRef>
-            <a:fillRef idx="1">
+            <a:fillRef idx="0">
               <a:schemeClr val="accent1"/>
             </a:fillRef>
             <a:effectRef idx="0">
               <a:schemeClr val="accent1"/>
             </a:effectRef>
             <a:fontRef idx="minor">
-              <a:schemeClr val="lt1"/>
+              <a:schemeClr val="tx1"/>
             </a:fontRef>
           </p:style>
-          <p:txBody>
-            <a:bodyPr rtlCol="0" anchor="ctr"/>
-            <a:lstStyle/>
-            <a:p>
-              <a:pPr algn="ctr"/>
-              <a:r>
-                <a:rPr lang="en-US" sz="825" i="1" dirty="0">
-                  <a:solidFill>
-                    <a:schemeClr val="tx1"/>
-                  </a:solidFill>
-                </a:rPr>
-                <a:t>model_11/</a:t>
-              </a:r>
-              <a:r>
-                <a:rPr lang="en-US" sz="825" i="1" dirty="0" err="1">
-                  <a:solidFill>
-                    <a:schemeClr val="tx1"/>
-                  </a:solidFill>
-                </a:rPr>
-                <a:t>full_domain</a:t>
-              </a:r>
-              <a:r>
-                <a:rPr lang="en-US" sz="825" i="1" dirty="0">
-                  <a:solidFill>
-                    <a:schemeClr val="tx1"/>
-                  </a:solidFill>
-                </a:rPr>
-                <a:t>/</a:t>
-              </a:r>
-              <a:r>
-                <a:rPr lang="en-US" sz="825" i="1" dirty="0" err="1">
-                  <a:solidFill>
-                    <a:schemeClr val="tx1"/>
-                  </a:solidFill>
-                </a:rPr>
-                <a:t>Spatiotemporal_Optimization</a:t>
-              </a:r>
-              <a:r>
-                <a:rPr lang="en-US" sz="825" i="1" dirty="0">
-                  <a:solidFill>
-                    <a:schemeClr val="tx1"/>
-                  </a:solidFill>
-                </a:rPr>
-                <a:t>/boat3/</a:t>
-              </a:r>
-              <a:r>
-                <a:rPr lang="en-US" sz="825" i="1" dirty="0" err="1">
-                  <a:solidFill>
-                    <a:schemeClr val="tx1"/>
-                  </a:solidFill>
-                </a:rPr>
-                <a:t>XXStrXXRun</a:t>
-              </a:r>
-              <a:r>
-                <a:rPr lang="en-US" sz="825" i="1" dirty="0">
-                  <a:solidFill>
-                    <a:schemeClr val="tx1"/>
-                  </a:solidFill>
-                </a:rPr>
-                <a:t>/</a:t>
-              </a:r>
-            </a:p>
-          </p:txBody>
-        </p:sp>
-      </p:grpSp>
-      <p:grpSp>
-        <p:nvGrpSpPr>
-          <p:cNvPr id="87" name="Group 86">
-            <a:extLst>
-              <a:ext uri="{FF2B5EF4-FFF2-40B4-BE49-F238E27FC236}">
-                <a16:creationId xmlns:a16="http://schemas.microsoft.com/office/drawing/2014/main" id="{5AF27BC9-D645-49CF-865A-62ECF20AE66D}"/>
-              </a:ext>
-            </a:extLst>
-          </p:cNvPr>
-          <p:cNvGrpSpPr/>
-          <p:nvPr/>
-        </p:nvGrpSpPr>
-        <p:grpSpPr>
-          <a:xfrm>
-            <a:off x="2119680" y="2319429"/>
-            <a:ext cx="3351479" cy="624666"/>
-            <a:chOff x="7004100" y="2747692"/>
-            <a:chExt cx="3351479" cy="624666"/>
-          </a:xfrm>
-        </p:grpSpPr>
-        <p:sp>
-          <p:nvSpPr>
-            <p:cNvPr id="88" name="Rectangle 87">
+        </p:cxnSp>
+        <p:cxnSp>
+          <p:nvCxnSpPr>
+            <p:cNvPr id="106" name="Straight Arrow Connector 105">
               <a:extLst>
                 <a:ext uri="{FF2B5EF4-FFF2-40B4-BE49-F238E27FC236}">
-                  <a16:creationId xmlns:a16="http://schemas.microsoft.com/office/drawing/2014/main" id="{D4041C4A-411E-4015-91C0-3BEE0EF5E682}"/>
+                  <a16:creationId xmlns:a16="http://schemas.microsoft.com/office/drawing/2014/main" id="{579A38C2-597C-45D4-88E2-83D1317606E4}"/>
                 </a:ext>
               </a:extLst>
             </p:cNvPr>
-            <p:cNvSpPr/>
+            <p:cNvCxnSpPr>
+              <a:cxnSpLocks/>
+              <a:stCxn id="41" idx="2"/>
+              <a:endCxn id="100" idx="0"/>
+            </p:cNvCxnSpPr>
             <p:nvPr/>
-          </p:nvSpPr>
+          </p:nvCxnSpPr>
           <p:spPr>
-            <a:xfrm>
-              <a:off x="7004100" y="2747692"/>
-              <a:ext cx="3351479" cy="208222"/>
+            <a:xfrm flipH="1">
+              <a:off x="3632352" y="3767301"/>
+              <a:ext cx="2463648" cy="473326"/>
             </a:xfrm>
-            <a:prstGeom prst="rect">
+            <a:prstGeom prst="straightConnector1">
               <a:avLst/>
             </a:prstGeom>
-            <a:solidFill>
-              <a:schemeClr val="accent6"/>
-            </a:solidFill>
+            <a:ln w="38100">
+              <a:solidFill>
+                <a:schemeClr val="tx1"/>
+              </a:solidFill>
+              <a:tailEnd type="triangle"/>
+            </a:ln>
           </p:spPr>
           <p:style>
-            <a:lnRef idx="2">
-              <a:schemeClr val="accent1">
-                <a:shade val="50000"/>
-              </a:schemeClr>
+            <a:lnRef idx="1">
+              <a:schemeClr val="accent1"/>
             </a:lnRef>
-            <a:fillRef idx="1">
+            <a:fillRef idx="0">
               <a:schemeClr val="accent1"/>
             </a:fillRef>
             <a:effectRef idx="0">
               <a:schemeClr val="accent1"/>
             </a:effectRef>
             <a:fontRef idx="minor">
-              <a:schemeClr val="lt1"/>
+              <a:schemeClr val="tx1"/>
             </a:fontRef>
           </p:style>
-          <p:txBody>
-            <a:bodyPr rtlCol="0" anchor="ctr"/>
-            <a:lstStyle/>
-            <a:p>
-              <a:pPr algn="ctr"/>
-              <a:r>
-                <a:rPr lang="en-US" sz="825" i="1" dirty="0">
-                  <a:solidFill>
-                    <a:schemeClr val="tx1"/>
-                  </a:solidFill>
-                </a:rPr>
-                <a:t>model_11/trawlable/</a:t>
-              </a:r>
-              <a:r>
-                <a:rPr lang="en-US" sz="825" i="1" dirty="0" err="1">
-                  <a:solidFill>
-                    <a:schemeClr val="tx1"/>
-                  </a:solidFill>
-                </a:rPr>
-                <a:t>Spatiotemporal_Optimization</a:t>
-              </a:r>
-              <a:r>
-                <a:rPr lang="en-US" sz="825" i="1" dirty="0">
-                  <a:solidFill>
-                    <a:schemeClr val="tx1"/>
-                  </a:solidFill>
-                </a:rPr>
-                <a:t>/boat1/</a:t>
-              </a:r>
-              <a:r>
-                <a:rPr lang="en-US" sz="825" i="1" dirty="0" err="1">
-                  <a:solidFill>
-                    <a:schemeClr val="tx1"/>
-                  </a:solidFill>
-                </a:rPr>
-                <a:t>XXStrXXRun</a:t>
-              </a:r>
-              <a:r>
-                <a:rPr lang="en-US" sz="825" i="1" dirty="0">
-                  <a:solidFill>
-                    <a:schemeClr val="tx1"/>
-                  </a:solidFill>
-                </a:rPr>
-                <a:t>/</a:t>
-              </a:r>
-            </a:p>
-          </p:txBody>
-        </p:sp>
-        <p:sp>
-          <p:nvSpPr>
-            <p:cNvPr id="89" name="Rectangle 88">
-              <a:extLst>
-                <a:ext uri="{FF2B5EF4-FFF2-40B4-BE49-F238E27FC236}">
-                  <a16:creationId xmlns:a16="http://schemas.microsoft.com/office/drawing/2014/main" id="{DCE2E0D3-DE5A-4ED6-820D-2D37E28213A6}"/>
-                </a:ext>
-              </a:extLst>
-            </p:cNvPr>
-            <p:cNvSpPr/>
-            <p:nvPr/>
-          </p:nvSpPr>
-          <p:spPr>
-            <a:xfrm>
-              <a:off x="7004100" y="2955914"/>
-              <a:ext cx="3351479" cy="208222"/>
-            </a:xfrm>
-            <a:prstGeom prst="rect">
-              <a:avLst/>
-            </a:prstGeom>
-            <a:solidFill>
-              <a:schemeClr val="accent6"/>
-            </a:solidFill>
-          </p:spPr>
-          <p:style>
-            <a:lnRef idx="2">
-              <a:schemeClr val="accent1">
-                <a:shade val="50000"/>
-              </a:schemeClr>
-            </a:lnRef>
-            <a:fillRef idx="1">
-              <a:schemeClr val="accent1"/>
-            </a:fillRef>
-            <a:effectRef idx="0">
-              <a:schemeClr val="accent1"/>
-            </a:effectRef>
-            <a:fontRef idx="minor">
-              <a:schemeClr val="lt1"/>
-            </a:fontRef>
-          </p:style>
-          <p:txBody>
-            <a:bodyPr rtlCol="0" anchor="ctr"/>
-            <a:lstStyle/>
-            <a:p>
-              <a:pPr algn="ctr"/>
-              <a:r>
-                <a:rPr lang="en-US" sz="825" i="1" dirty="0">
-                  <a:solidFill>
-                    <a:schemeClr val="tx1"/>
-                  </a:solidFill>
-                </a:rPr>
-                <a:t>model_11/trawlable/</a:t>
-              </a:r>
-              <a:r>
-                <a:rPr lang="en-US" sz="825" i="1" dirty="0" err="1">
-                  <a:solidFill>
-                    <a:schemeClr val="tx1"/>
-                  </a:solidFill>
-                </a:rPr>
-                <a:t>Spatiotemporal_Optimization</a:t>
-              </a:r>
-              <a:r>
-                <a:rPr lang="en-US" sz="825" i="1" dirty="0">
-                  <a:solidFill>
-                    <a:schemeClr val="tx1"/>
-                  </a:solidFill>
-                </a:rPr>
-                <a:t>/boat2/</a:t>
-              </a:r>
-              <a:r>
-                <a:rPr lang="en-US" sz="825" i="1" dirty="0" err="1">
-                  <a:solidFill>
-                    <a:schemeClr val="tx1"/>
-                  </a:solidFill>
-                </a:rPr>
-                <a:t>XXStrXXRun</a:t>
-              </a:r>
-              <a:r>
-                <a:rPr lang="en-US" sz="825" i="1" dirty="0">
-                  <a:solidFill>
-                    <a:schemeClr val="tx1"/>
-                  </a:solidFill>
-                </a:rPr>
-                <a:t>/</a:t>
-              </a:r>
-            </a:p>
-          </p:txBody>
-        </p:sp>
-        <p:sp>
-          <p:nvSpPr>
-            <p:cNvPr id="90" name="Rectangle 89">
-              <a:extLst>
-                <a:ext uri="{FF2B5EF4-FFF2-40B4-BE49-F238E27FC236}">
-                  <a16:creationId xmlns:a16="http://schemas.microsoft.com/office/drawing/2014/main" id="{178D02DA-9EB8-484F-956C-9CE0384F4BA9}"/>
-                </a:ext>
-              </a:extLst>
-            </p:cNvPr>
-            <p:cNvSpPr/>
-            <p:nvPr/>
-          </p:nvSpPr>
-          <p:spPr>
-            <a:xfrm>
-              <a:off x="7004100" y="3164136"/>
-              <a:ext cx="3351479" cy="208222"/>
-            </a:xfrm>
-            <a:prstGeom prst="rect">
-              <a:avLst/>
-            </a:prstGeom>
-            <a:solidFill>
-              <a:schemeClr val="accent6"/>
-            </a:solidFill>
-          </p:spPr>
-          <p:style>
-            <a:lnRef idx="2">
-              <a:schemeClr val="accent1">
-                <a:shade val="50000"/>
-              </a:schemeClr>
-            </a:lnRef>
-            <a:fillRef idx="1">
-              <a:schemeClr val="accent1"/>
-            </a:fillRef>
-            <a:effectRef idx="0">
-              <a:schemeClr val="accent1"/>
-            </a:effectRef>
-            <a:fontRef idx="minor">
-              <a:schemeClr val="lt1"/>
-            </a:fontRef>
-          </p:style>
-          <p:txBody>
-            <a:bodyPr rtlCol="0" anchor="ctr"/>
-            <a:lstStyle/>
-            <a:p>
-              <a:pPr algn="ctr"/>
-              <a:r>
-                <a:rPr lang="en-US" sz="825" i="1" dirty="0">
-                  <a:solidFill>
-                    <a:schemeClr val="tx1"/>
-                  </a:solidFill>
-                </a:rPr>
-                <a:t>model_11/trawlable/</a:t>
-              </a:r>
-              <a:r>
-                <a:rPr lang="en-US" sz="825" i="1" dirty="0" err="1">
-                  <a:solidFill>
-                    <a:schemeClr val="tx1"/>
-                  </a:solidFill>
-                </a:rPr>
-                <a:t>Spatiotemporal_Optimization</a:t>
-              </a:r>
-              <a:r>
-                <a:rPr lang="en-US" sz="825" i="1" dirty="0">
-                  <a:solidFill>
-                    <a:schemeClr val="tx1"/>
-                  </a:solidFill>
-                </a:rPr>
-                <a:t>/boat3/</a:t>
-              </a:r>
-              <a:r>
-                <a:rPr lang="en-US" sz="825" i="1" dirty="0" err="1">
-                  <a:solidFill>
-                    <a:schemeClr val="tx1"/>
-                  </a:solidFill>
-                </a:rPr>
-                <a:t>XXStrXXRun</a:t>
-              </a:r>
-              <a:r>
-                <a:rPr lang="en-US" sz="825" i="1" dirty="0">
-                  <a:solidFill>
-                    <a:schemeClr val="tx1"/>
-                  </a:solidFill>
-                </a:rPr>
-                <a:t>/</a:t>
-              </a:r>
-            </a:p>
-          </p:txBody>
-        </p:sp>
+        </p:cxnSp>
       </p:grpSp>
-      <p:cxnSp>
-        <p:nvCxnSpPr>
-          <p:cNvPr id="91" name="Straight Arrow Connector 90">
-            <a:extLst>
-              <a:ext uri="{FF2B5EF4-FFF2-40B4-BE49-F238E27FC236}">
-                <a16:creationId xmlns:a16="http://schemas.microsoft.com/office/drawing/2014/main" id="{6E509550-375E-4A88-BB54-B13505CE580C}"/>
-              </a:ext>
-            </a:extLst>
-          </p:cNvPr>
-          <p:cNvCxnSpPr>
-            <a:cxnSpLocks/>
-            <a:stCxn id="5" idx="2"/>
-            <a:endCxn id="88" idx="0"/>
-          </p:cNvCxnSpPr>
-          <p:nvPr/>
-        </p:nvCxnSpPr>
-        <p:spPr>
-          <a:xfrm flipH="1">
-            <a:off x="3795420" y="1877510"/>
-            <a:ext cx="2300581" cy="441919"/>
-          </a:xfrm>
-          <a:prstGeom prst="straightConnector1">
-            <a:avLst/>
-          </a:prstGeom>
-          <a:ln w="38100">
-            <a:solidFill>
-              <a:schemeClr val="tx1"/>
-            </a:solidFill>
-            <a:tailEnd type="triangle"/>
-          </a:ln>
-        </p:spPr>
-        <p:style>
-          <a:lnRef idx="1">
-            <a:schemeClr val="accent1"/>
-          </a:lnRef>
-          <a:fillRef idx="0">
-            <a:schemeClr val="accent1"/>
-          </a:fillRef>
-          <a:effectRef idx="0">
-            <a:schemeClr val="accent1"/>
-          </a:effectRef>
-          <a:fontRef idx="minor">
-            <a:schemeClr val="tx1"/>
-          </a:fontRef>
-        </p:style>
-      </p:cxnSp>
-      <p:cxnSp>
-        <p:nvCxnSpPr>
-          <p:cNvPr id="92" name="Straight Arrow Connector 91">
-            <a:extLst>
-              <a:ext uri="{FF2B5EF4-FFF2-40B4-BE49-F238E27FC236}">
-                <a16:creationId xmlns:a16="http://schemas.microsoft.com/office/drawing/2014/main" id="{CD7A97BA-6BBB-4BFF-837C-5536D6DF18EF}"/>
-              </a:ext>
-            </a:extLst>
-          </p:cNvPr>
-          <p:cNvCxnSpPr>
-            <a:cxnSpLocks/>
-            <a:stCxn id="5" idx="2"/>
-            <a:endCxn id="23" idx="0"/>
-          </p:cNvCxnSpPr>
-          <p:nvPr/>
-        </p:nvCxnSpPr>
-        <p:spPr>
-          <a:xfrm>
-            <a:off x="6096001" y="1877510"/>
-            <a:ext cx="2583839" cy="441919"/>
-          </a:xfrm>
-          <a:prstGeom prst="straightConnector1">
-            <a:avLst/>
-          </a:prstGeom>
-          <a:ln w="38100">
-            <a:solidFill>
-              <a:schemeClr val="tx1"/>
-            </a:solidFill>
-            <a:tailEnd type="triangle"/>
-          </a:ln>
-        </p:spPr>
-        <p:style>
-          <a:lnRef idx="1">
-            <a:schemeClr val="accent1"/>
-          </a:lnRef>
-          <a:fillRef idx="0">
-            <a:schemeClr val="accent1"/>
-          </a:fillRef>
-          <a:effectRef idx="0">
-            <a:schemeClr val="accent1"/>
-          </a:effectRef>
-          <a:fontRef idx="minor">
-            <a:schemeClr val="tx1"/>
-          </a:fontRef>
-        </p:style>
-      </p:cxnSp>
-      <p:sp>
-        <p:nvSpPr>
-          <p:cNvPr id="40" name="Rectangle 39">
-            <a:extLst>
-              <a:ext uri="{FF2B5EF4-FFF2-40B4-BE49-F238E27FC236}">
-                <a16:creationId xmlns:a16="http://schemas.microsoft.com/office/drawing/2014/main" id="{5360AFFE-1A63-443D-912E-4D6E807858F3}"/>
-              </a:ext>
-            </a:extLst>
-          </p:cNvPr>
-          <p:cNvSpPr/>
-          <p:nvPr/>
-        </p:nvSpPr>
-        <p:spPr>
-          <a:xfrm>
-            <a:off x="4565015" y="3437291"/>
-            <a:ext cx="3061970" cy="176444"/>
-          </a:xfrm>
-          <a:prstGeom prst="rect">
-            <a:avLst/>
-          </a:prstGeom>
-        </p:spPr>
-        <p:style>
-          <a:lnRef idx="2">
-            <a:schemeClr val="accent1">
-              <a:shade val="50000"/>
-            </a:schemeClr>
-          </a:lnRef>
-          <a:fillRef idx="1">
-            <a:schemeClr val="accent1"/>
-          </a:fillRef>
-          <a:effectRef idx="0">
-            <a:schemeClr val="accent1"/>
-          </a:effectRef>
-          <a:fontRef idx="minor">
-            <a:schemeClr val="lt1"/>
-          </a:fontRef>
-        </p:style>
-        <p:txBody>
-          <a:bodyPr rtlCol="0" anchor="ctr"/>
-          <a:lstStyle/>
-          <a:p>
-            <a:pPr algn="ctr"/>
-            <a:r>
-              <a:rPr lang="en-US" sz="1200" i="1" dirty="0">
-                <a:solidFill>
-                  <a:schemeClr val="tx1"/>
-                </a:solidFill>
-              </a:rPr>
-              <a:t>Knitting Results</a:t>
-            </a:r>
-          </a:p>
-        </p:txBody>
-      </p:sp>
-      <p:sp>
-        <p:nvSpPr>
-          <p:cNvPr id="41" name="Rectangle 40">
-            <a:extLst>
-              <a:ext uri="{FF2B5EF4-FFF2-40B4-BE49-F238E27FC236}">
-                <a16:creationId xmlns:a16="http://schemas.microsoft.com/office/drawing/2014/main" id="{281FB2BF-3FD2-4DFD-AFE5-EB9DC00D9326}"/>
-              </a:ext>
-            </a:extLst>
-          </p:cNvPr>
-          <p:cNvSpPr/>
-          <p:nvPr/>
-        </p:nvSpPr>
-        <p:spPr>
-          <a:xfrm>
-            <a:off x="4565015" y="3596791"/>
-            <a:ext cx="3061970" cy="170510"/>
-          </a:xfrm>
-          <a:prstGeom prst="rect">
-            <a:avLst/>
-          </a:prstGeom>
-          <a:solidFill>
-            <a:schemeClr val="accent4"/>
-          </a:solidFill>
-        </p:spPr>
-        <p:style>
-          <a:lnRef idx="2">
-            <a:schemeClr val="accent1">
-              <a:shade val="50000"/>
-            </a:schemeClr>
-          </a:lnRef>
-          <a:fillRef idx="1">
-            <a:schemeClr val="accent1"/>
-          </a:fillRef>
-          <a:effectRef idx="0">
-            <a:schemeClr val="accent1"/>
-          </a:effectRef>
-          <a:fontRef idx="minor">
-            <a:schemeClr val="lt1"/>
-          </a:fontRef>
-        </p:style>
-        <p:txBody>
-          <a:bodyPr rtlCol="0" anchor="ctr"/>
-          <a:lstStyle/>
-          <a:p>
-            <a:pPr algn="ctr"/>
-            <a:r>
-              <a:rPr lang="en-US" sz="825" i="1" dirty="0" err="1">
-                <a:solidFill>
-                  <a:schemeClr val="tx1"/>
-                </a:solidFill>
-              </a:rPr>
-              <a:t>Optimal_Allocation_GoA</a:t>
-            </a:r>
-            <a:r>
-              <a:rPr lang="en-US" sz="825" i="1" dirty="0">
-                <a:solidFill>
-                  <a:schemeClr val="tx1"/>
-                </a:solidFill>
-              </a:rPr>
-              <a:t> /</a:t>
-            </a:r>
-            <a:r>
-              <a:rPr lang="en-US" sz="825" i="1" dirty="0" err="1">
-                <a:solidFill>
-                  <a:schemeClr val="tx1"/>
-                </a:solidFill>
-              </a:rPr>
-              <a:t>analysis_scripts</a:t>
-            </a:r>
-            <a:r>
-              <a:rPr lang="en-US" sz="825" i="1" dirty="0">
-                <a:solidFill>
-                  <a:schemeClr val="tx1"/>
-                </a:solidFill>
-              </a:rPr>
-              <a:t>/</a:t>
-            </a:r>
-            <a:r>
-              <a:rPr lang="en-US" sz="825" i="1" dirty="0" err="1">
-                <a:solidFill>
-                  <a:schemeClr val="tx1"/>
-                </a:solidFill>
-              </a:rPr>
-              <a:t>knitting_runs.R</a:t>
-            </a:r>
-            <a:endParaRPr lang="en-US" sz="825" i="1" dirty="0">
-              <a:solidFill>
-                <a:schemeClr val="tx1"/>
-              </a:solidFill>
-            </a:endParaRPr>
-          </a:p>
-        </p:txBody>
-      </p:sp>
-      <p:cxnSp>
-        <p:nvCxnSpPr>
-          <p:cNvPr id="95" name="Straight Arrow Connector 94">
-            <a:extLst>
-              <a:ext uri="{FF2B5EF4-FFF2-40B4-BE49-F238E27FC236}">
-                <a16:creationId xmlns:a16="http://schemas.microsoft.com/office/drawing/2014/main" id="{BA9394D8-B152-4C14-B0D7-8073D5743AC4}"/>
-              </a:ext>
-            </a:extLst>
-          </p:cNvPr>
-          <p:cNvCxnSpPr>
-            <a:cxnSpLocks/>
-            <a:stCxn id="27" idx="2"/>
-            <a:endCxn id="40" idx="0"/>
-          </p:cNvCxnSpPr>
-          <p:nvPr/>
-        </p:nvCxnSpPr>
-        <p:spPr>
-          <a:xfrm flipH="1">
-            <a:off x="6096000" y="2944095"/>
-            <a:ext cx="2583840" cy="493196"/>
-          </a:xfrm>
-          <a:prstGeom prst="straightConnector1">
-            <a:avLst/>
-          </a:prstGeom>
-          <a:ln w="38100">
-            <a:solidFill>
-              <a:schemeClr val="tx1"/>
-            </a:solidFill>
-            <a:tailEnd type="triangle"/>
-          </a:ln>
-        </p:spPr>
-        <p:style>
-          <a:lnRef idx="1">
-            <a:schemeClr val="accent1"/>
-          </a:lnRef>
-          <a:fillRef idx="0">
-            <a:schemeClr val="accent1"/>
-          </a:fillRef>
-          <a:effectRef idx="0">
-            <a:schemeClr val="accent1"/>
-          </a:effectRef>
-          <a:fontRef idx="minor">
-            <a:schemeClr val="tx1"/>
-          </a:fontRef>
-        </p:style>
-      </p:cxnSp>
-      <p:cxnSp>
-        <p:nvCxnSpPr>
-          <p:cNvPr id="96" name="Straight Arrow Connector 95">
-            <a:extLst>
-              <a:ext uri="{FF2B5EF4-FFF2-40B4-BE49-F238E27FC236}">
-                <a16:creationId xmlns:a16="http://schemas.microsoft.com/office/drawing/2014/main" id="{076BA6C2-BCD2-4CD0-A627-3250E93EF5C6}"/>
-              </a:ext>
-            </a:extLst>
-          </p:cNvPr>
-          <p:cNvCxnSpPr>
-            <a:cxnSpLocks/>
-            <a:stCxn id="90" idx="2"/>
-            <a:endCxn id="40" idx="0"/>
-          </p:cNvCxnSpPr>
-          <p:nvPr/>
-        </p:nvCxnSpPr>
-        <p:spPr>
-          <a:xfrm>
-            <a:off x="3795420" y="2944095"/>
-            <a:ext cx="2300580" cy="493196"/>
-          </a:xfrm>
-          <a:prstGeom prst="straightConnector1">
-            <a:avLst/>
-          </a:prstGeom>
-          <a:ln w="38100">
-            <a:solidFill>
-              <a:schemeClr val="tx1"/>
-            </a:solidFill>
-            <a:tailEnd type="triangle"/>
-          </a:ln>
-        </p:spPr>
-        <p:style>
-          <a:lnRef idx="1">
-            <a:schemeClr val="accent1"/>
-          </a:lnRef>
-          <a:fillRef idx="0">
-            <a:schemeClr val="accent1"/>
-          </a:fillRef>
-          <a:effectRef idx="0">
-            <a:schemeClr val="accent1"/>
-          </a:effectRef>
-          <a:fontRef idx="minor">
-            <a:schemeClr val="tx1"/>
-          </a:fontRef>
-        </p:style>
-      </p:cxnSp>
-      <p:sp>
-        <p:nvSpPr>
-          <p:cNvPr id="100" name="Rectangle 99">
-            <a:extLst>
-              <a:ext uri="{FF2B5EF4-FFF2-40B4-BE49-F238E27FC236}">
-                <a16:creationId xmlns:a16="http://schemas.microsoft.com/office/drawing/2014/main" id="{CD1A4958-1754-4168-9066-B341CE245782}"/>
-              </a:ext>
-            </a:extLst>
-          </p:cNvPr>
-          <p:cNvSpPr/>
-          <p:nvPr/>
-        </p:nvSpPr>
-        <p:spPr>
-          <a:xfrm>
-            <a:off x="1644191" y="4240627"/>
-            <a:ext cx="3976321" cy="208222"/>
-          </a:xfrm>
-          <a:prstGeom prst="rect">
-            <a:avLst/>
-          </a:prstGeom>
-          <a:solidFill>
-            <a:schemeClr val="accent6"/>
-          </a:solidFill>
-        </p:spPr>
-        <p:style>
-          <a:lnRef idx="2">
-            <a:schemeClr val="accent1">
-              <a:shade val="50000"/>
-            </a:schemeClr>
-          </a:lnRef>
-          <a:fillRef idx="1">
-            <a:schemeClr val="accent1"/>
-          </a:fillRef>
-          <a:effectRef idx="0">
-            <a:schemeClr val="accent1"/>
-          </a:effectRef>
-          <a:fontRef idx="minor">
-            <a:schemeClr val="lt1"/>
-          </a:fontRef>
-        </p:style>
-        <p:txBody>
-          <a:bodyPr rtlCol="0" anchor="ctr"/>
-          <a:lstStyle/>
-          <a:p>
-            <a:pPr algn="ctr"/>
-            <a:r>
-              <a:rPr lang="en-US" sz="825" i="1" dirty="0">
-                <a:solidFill>
-                  <a:schemeClr val="tx1"/>
-                </a:solidFill>
-              </a:rPr>
-              <a:t>model_11/trawlable/</a:t>
-            </a:r>
-            <a:r>
-              <a:rPr lang="en-US" sz="825" i="1" dirty="0" err="1">
-                <a:solidFill>
-                  <a:schemeClr val="tx1"/>
-                </a:solidFill>
-              </a:rPr>
-              <a:t>Spatiotemporal_Optimization</a:t>
-            </a:r>
-            <a:r>
-              <a:rPr lang="en-US" sz="825" i="1" dirty="0">
-                <a:solidFill>
-                  <a:schemeClr val="tx1"/>
-                </a:solidFill>
-              </a:rPr>
-              <a:t>/</a:t>
-            </a:r>
-            <a:r>
-              <a:rPr lang="en-US" sz="825" i="1" dirty="0" err="1">
-                <a:solidFill>
-                  <a:schemeClr val="tx1"/>
-                </a:solidFill>
-              </a:rPr>
-              <a:t>optimization_knitted_results.RData</a:t>
-            </a:r>
-            <a:endParaRPr lang="en-US" sz="825" i="1" dirty="0">
-              <a:solidFill>
-                <a:schemeClr val="tx1"/>
-              </a:solidFill>
-            </a:endParaRPr>
-          </a:p>
-        </p:txBody>
-      </p:sp>
-      <p:sp>
-        <p:nvSpPr>
-          <p:cNvPr id="102" name="Rectangle 101">
-            <a:extLst>
-              <a:ext uri="{FF2B5EF4-FFF2-40B4-BE49-F238E27FC236}">
-                <a16:creationId xmlns:a16="http://schemas.microsoft.com/office/drawing/2014/main" id="{1252C0D6-84AA-430B-98DF-AAB67D4343D0}"/>
-              </a:ext>
-            </a:extLst>
-          </p:cNvPr>
-          <p:cNvSpPr/>
-          <p:nvPr/>
-        </p:nvSpPr>
-        <p:spPr>
-          <a:xfrm>
-            <a:off x="6818082" y="4240627"/>
-            <a:ext cx="4041647" cy="208222"/>
-          </a:xfrm>
-          <a:prstGeom prst="rect">
-            <a:avLst/>
-          </a:prstGeom>
-          <a:solidFill>
-            <a:schemeClr val="accent6"/>
-          </a:solidFill>
-        </p:spPr>
-        <p:style>
-          <a:lnRef idx="2">
-            <a:schemeClr val="accent1">
-              <a:shade val="50000"/>
-            </a:schemeClr>
-          </a:lnRef>
-          <a:fillRef idx="1">
-            <a:schemeClr val="accent1"/>
-          </a:fillRef>
-          <a:effectRef idx="0">
-            <a:schemeClr val="accent1"/>
-          </a:effectRef>
-          <a:fontRef idx="minor">
-            <a:schemeClr val="lt1"/>
-          </a:fontRef>
-        </p:style>
-        <p:txBody>
-          <a:bodyPr rtlCol="0" anchor="ctr"/>
-          <a:lstStyle/>
-          <a:p>
-            <a:pPr algn="ctr"/>
-            <a:r>
-              <a:rPr lang="en-US" sz="825" i="1" dirty="0">
-                <a:solidFill>
-                  <a:schemeClr val="tx1"/>
-                </a:solidFill>
-              </a:rPr>
-              <a:t>model_11/</a:t>
-            </a:r>
-            <a:r>
-              <a:rPr lang="en-US" sz="825" i="1" dirty="0" err="1">
-                <a:solidFill>
-                  <a:schemeClr val="tx1"/>
-                </a:solidFill>
-              </a:rPr>
-              <a:t>full_domain</a:t>
-            </a:r>
-            <a:r>
-              <a:rPr lang="en-US" sz="825" i="1" dirty="0">
-                <a:solidFill>
-                  <a:schemeClr val="tx1"/>
-                </a:solidFill>
-              </a:rPr>
-              <a:t>/</a:t>
-            </a:r>
-            <a:r>
-              <a:rPr lang="en-US" sz="825" i="1" dirty="0" err="1">
-                <a:solidFill>
-                  <a:schemeClr val="tx1"/>
-                </a:solidFill>
-              </a:rPr>
-              <a:t>Spatiotemporal_Optimization</a:t>
-            </a:r>
-            <a:r>
-              <a:rPr lang="en-US" sz="825" i="1" dirty="0">
-                <a:solidFill>
-                  <a:schemeClr val="tx1"/>
-                </a:solidFill>
-              </a:rPr>
-              <a:t>/</a:t>
-            </a:r>
-            <a:r>
-              <a:rPr lang="en-US" sz="825" i="1" dirty="0" err="1">
-                <a:solidFill>
-                  <a:schemeClr val="tx1"/>
-                </a:solidFill>
-              </a:rPr>
-              <a:t>optimization_knitted_results.RData</a:t>
-            </a:r>
-            <a:endParaRPr lang="en-US" sz="825" i="1" dirty="0">
-              <a:solidFill>
-                <a:schemeClr val="tx1"/>
-              </a:solidFill>
-            </a:endParaRPr>
-          </a:p>
-        </p:txBody>
-      </p:sp>
-      <p:cxnSp>
-        <p:nvCxnSpPr>
-          <p:cNvPr id="103" name="Straight Arrow Connector 102">
-            <a:extLst>
-              <a:ext uri="{FF2B5EF4-FFF2-40B4-BE49-F238E27FC236}">
-                <a16:creationId xmlns:a16="http://schemas.microsoft.com/office/drawing/2014/main" id="{69DE9178-2493-450A-B1C6-E25D3221BB6D}"/>
-              </a:ext>
-            </a:extLst>
-          </p:cNvPr>
-          <p:cNvCxnSpPr>
-            <a:cxnSpLocks/>
-            <a:stCxn id="41" idx="2"/>
-            <a:endCxn id="102" idx="0"/>
-          </p:cNvCxnSpPr>
-          <p:nvPr/>
-        </p:nvCxnSpPr>
-        <p:spPr>
-          <a:xfrm>
-            <a:off x="6096000" y="3767301"/>
-            <a:ext cx="2742906" cy="473326"/>
-          </a:xfrm>
-          <a:prstGeom prst="straightConnector1">
-            <a:avLst/>
-          </a:prstGeom>
-          <a:ln w="38100">
-            <a:solidFill>
-              <a:schemeClr val="tx1"/>
-            </a:solidFill>
-            <a:tailEnd type="triangle"/>
-          </a:ln>
-        </p:spPr>
-        <p:style>
-          <a:lnRef idx="1">
-            <a:schemeClr val="accent1"/>
-          </a:lnRef>
-          <a:fillRef idx="0">
-            <a:schemeClr val="accent1"/>
-          </a:fillRef>
-          <a:effectRef idx="0">
-            <a:schemeClr val="accent1"/>
-          </a:effectRef>
-          <a:fontRef idx="minor">
-            <a:schemeClr val="tx1"/>
-          </a:fontRef>
-        </p:style>
-      </p:cxnSp>
-      <p:cxnSp>
-        <p:nvCxnSpPr>
-          <p:cNvPr id="106" name="Straight Arrow Connector 105">
-            <a:extLst>
-              <a:ext uri="{FF2B5EF4-FFF2-40B4-BE49-F238E27FC236}">
-                <a16:creationId xmlns:a16="http://schemas.microsoft.com/office/drawing/2014/main" id="{579A38C2-597C-45D4-88E2-83D1317606E4}"/>
-              </a:ext>
-            </a:extLst>
-          </p:cNvPr>
-          <p:cNvCxnSpPr>
-            <a:cxnSpLocks/>
-            <a:stCxn id="41" idx="2"/>
-            <a:endCxn id="100" idx="0"/>
-          </p:cNvCxnSpPr>
-          <p:nvPr/>
-        </p:nvCxnSpPr>
-        <p:spPr>
-          <a:xfrm flipH="1">
-            <a:off x="3632352" y="3767301"/>
-            <a:ext cx="2463648" cy="473326"/>
-          </a:xfrm>
-          <a:prstGeom prst="straightConnector1">
-            <a:avLst/>
-          </a:prstGeom>
-          <a:ln w="38100">
-            <a:solidFill>
-              <a:schemeClr val="tx1"/>
-            </a:solidFill>
-            <a:tailEnd type="triangle"/>
-          </a:ln>
-        </p:spPr>
-        <p:style>
-          <a:lnRef idx="1">
-            <a:schemeClr val="accent1"/>
-          </a:lnRef>
-          <a:fillRef idx="0">
-            <a:schemeClr val="accent1"/>
-          </a:fillRef>
-          <a:effectRef idx="0">
-            <a:schemeClr val="accent1"/>
-          </a:effectRef>
-          <a:fontRef idx="minor">
-            <a:schemeClr val="tx1"/>
-          </a:fontRef>
-        </p:style>
-      </p:cxnSp>
     </p:spTree>
     <p:extLst>
       <p:ext uri="{BB962C8B-B14F-4D97-AF65-F5344CB8AC3E}">

--- a/graphics/Workflow.pptx
+++ b/graphics/Workflow.pptx
@@ -5,14 +5,16 @@
     <p:sldMasterId id="2147483708" r:id="rId1"/>
   </p:sldMasterIdLst>
   <p:notesMasterIdLst>
-    <p:notesMasterId r:id="rId7"/>
+    <p:notesMasterId r:id="rId9"/>
   </p:notesMasterIdLst>
   <p:sldIdLst>
     <p:sldId id="308" r:id="rId2"/>
     <p:sldId id="309" r:id="rId3"/>
     <p:sldId id="310" r:id="rId4"/>
     <p:sldId id="311" r:id="rId5"/>
-    <p:sldId id="312" r:id="rId6"/>
+    <p:sldId id="313" r:id="rId6"/>
+    <p:sldId id="314" r:id="rId7"/>
+    <p:sldId id="312" r:id="rId8"/>
   </p:sldIdLst>
   <p:sldSz cx="8229600" cy="13716000"/>
   <p:notesSz cx="6858000" cy="9144000"/>
@@ -213,7 +215,7 @@
           <a:p>
             <a:fld id="{A4DA4F57-A2BF-4C31-A47E-3BBB18610A5C}" type="datetimeFigureOut">
               <a:rPr lang="en-US" smtClean="0"/>
-              <a:t>11/20/2020</a:t>
+              <a:t>11/21/20</a:t>
             </a:fld>
             <a:endParaRPr lang="en-US"/>
           </a:p>
@@ -703,7 +705,7 @@
           <a:p>
             <a:fld id="{940DD78A-3543-B642-AD3F-EDE834A6561E}" type="datetimeFigureOut">
               <a:rPr lang="en-US" smtClean="0"/>
-              <a:t>11/20/2020</a:t>
+              <a:t>11/21/20</a:t>
             </a:fld>
             <a:endParaRPr lang="en-US"/>
           </a:p>
@@ -873,7 +875,7 @@
           <a:p>
             <a:fld id="{940DD78A-3543-B642-AD3F-EDE834A6561E}" type="datetimeFigureOut">
               <a:rPr lang="en-US" smtClean="0"/>
-              <a:t>11/20/2020</a:t>
+              <a:t>11/21/20</a:t>
             </a:fld>
             <a:endParaRPr lang="en-US"/>
           </a:p>
@@ -1053,7 +1055,7 @@
           <a:p>
             <a:fld id="{940DD78A-3543-B642-AD3F-EDE834A6561E}" type="datetimeFigureOut">
               <a:rPr lang="en-US" smtClean="0"/>
-              <a:t>11/20/2020</a:t>
+              <a:t>11/21/20</a:t>
             </a:fld>
             <a:endParaRPr lang="en-US"/>
           </a:p>
@@ -1223,7 +1225,7 @@
           <a:p>
             <a:fld id="{940DD78A-3543-B642-AD3F-EDE834A6561E}" type="datetimeFigureOut">
               <a:rPr lang="en-US" smtClean="0"/>
-              <a:t>11/20/2020</a:t>
+              <a:t>11/21/20</a:t>
             </a:fld>
             <a:endParaRPr lang="en-US"/>
           </a:p>
@@ -1467,7 +1469,7 @@
           <a:p>
             <a:fld id="{940DD78A-3543-B642-AD3F-EDE834A6561E}" type="datetimeFigureOut">
               <a:rPr lang="en-US" smtClean="0"/>
-              <a:t>11/20/2020</a:t>
+              <a:t>11/21/20</a:t>
             </a:fld>
             <a:endParaRPr lang="en-US"/>
           </a:p>
@@ -1699,7 +1701,7 @@
           <a:p>
             <a:fld id="{940DD78A-3543-B642-AD3F-EDE834A6561E}" type="datetimeFigureOut">
               <a:rPr lang="en-US" smtClean="0"/>
-              <a:t>11/20/2020</a:t>
+              <a:t>11/21/20</a:t>
             </a:fld>
             <a:endParaRPr lang="en-US"/>
           </a:p>
@@ -2066,7 +2068,7 @@
           <a:p>
             <a:fld id="{940DD78A-3543-B642-AD3F-EDE834A6561E}" type="datetimeFigureOut">
               <a:rPr lang="en-US" smtClean="0"/>
-              <a:t>11/20/2020</a:t>
+              <a:t>11/21/20</a:t>
             </a:fld>
             <a:endParaRPr lang="en-US"/>
           </a:p>
@@ -2184,7 +2186,7 @@
           <a:p>
             <a:fld id="{940DD78A-3543-B642-AD3F-EDE834A6561E}" type="datetimeFigureOut">
               <a:rPr lang="en-US" smtClean="0"/>
-              <a:t>11/20/2020</a:t>
+              <a:t>11/21/20</a:t>
             </a:fld>
             <a:endParaRPr lang="en-US"/>
           </a:p>
@@ -2279,7 +2281,7 @@
           <a:p>
             <a:fld id="{940DD78A-3543-B642-AD3F-EDE834A6561E}" type="datetimeFigureOut">
               <a:rPr lang="en-US" smtClean="0"/>
-              <a:t>11/20/2020</a:t>
+              <a:t>11/21/20</a:t>
             </a:fld>
             <a:endParaRPr lang="en-US"/>
           </a:p>
@@ -2556,7 +2558,7 @@
           <a:p>
             <a:fld id="{940DD78A-3543-B642-AD3F-EDE834A6561E}" type="datetimeFigureOut">
               <a:rPr lang="en-US" smtClean="0"/>
-              <a:t>11/20/2020</a:t>
+              <a:t>11/21/20</a:t>
             </a:fld>
             <a:endParaRPr lang="en-US"/>
           </a:p>
@@ -2813,7 +2815,7 @@
           <a:p>
             <a:fld id="{940DD78A-3543-B642-AD3F-EDE834A6561E}" type="datetimeFigureOut">
               <a:rPr lang="en-US" smtClean="0"/>
-              <a:t>11/20/2020</a:t>
+              <a:t>11/21/20</a:t>
             </a:fld>
             <a:endParaRPr lang="en-US"/>
           </a:p>
@@ -3026,7 +3028,7 @@
           <a:p>
             <a:fld id="{940DD78A-3543-B642-AD3F-EDE834A6561E}" type="datetimeFigureOut">
               <a:rPr lang="en-US" smtClean="0"/>
-              <a:t>11/20/2020</a:t>
+              <a:t>11/21/20</a:t>
             </a:fld>
             <a:endParaRPr lang="en-US"/>
           </a:p>
@@ -7520,13 +7522,6 @@
   <p:clrMapOvr>
     <a:masterClrMapping/>
   </p:clrMapOvr>
-  <p:timing>
-    <p:tnLst>
-      <p:par>
-        <p:cTn id="1" dur="indefinite" restart="never" nodeType="tmRoot"/>
-      </p:par>
-    </p:tnLst>
-  </p:timing>
 </p:sld>
 </file>
 
@@ -8227,13 +8222,6 @@
   <p:clrMapOvr>
     <a:masterClrMapping/>
   </p:clrMapOvr>
-  <p:timing>
-    <p:tnLst>
-      <p:par>
-        <p:cTn id="1" dur="indefinite" restart="never" nodeType="tmRoot"/>
-      </p:par>
-    </p:tnLst>
-  </p:timing>
 </p:sld>
 </file>
 
@@ -8352,12 +8340,8 @@
             <a:p>
               <a:pPr algn="ctr"/>
               <a:r>
-                <a:rPr lang="en-US" sz="1200" i="1" dirty="0" smtClean="0"/>
-                <a:t>Single-Species Survey </a:t>
-              </a:r>
-              <a:r>
                 <a:rPr lang="en-US" sz="1200" i="1" dirty="0"/>
-                <a:t>optimization</a:t>
+                <a:t>Single-Species Survey optimization</a:t>
               </a:r>
             </a:p>
           </p:txBody>
@@ -8792,10 +8776,9 @@
               <a:p>
                 <a:pPr algn="ctr"/>
                 <a:r>
-                  <a:rPr lang="en-US" sz="1000" i="1" dirty="0" smtClean="0"/>
+                  <a:rPr lang="en-US" sz="1000" i="1" dirty="0"/>
                   <a:t>~data/</a:t>
                 </a:r>
-                <a:endParaRPr lang="en-US" sz="1000" i="1" dirty="0"/>
               </a:p>
             </p:txBody>
           </p:sp>
@@ -8916,7 +8899,7 @@
               <a:p>
                 <a:pPr algn="ctr"/>
                 <a:r>
-                  <a:rPr lang="en-US" sz="800" i="1" dirty="0" err="1" smtClean="0">
+                  <a:rPr lang="en-US" sz="800" i="1" dirty="0" err="1">
                     <a:solidFill>
                       <a:schemeClr val="tx1"/>
                     </a:solidFill>
@@ -9016,18 +8999,17 @@
             <a:p>
               <a:pPr algn="ctr"/>
               <a:r>
-                <a:rPr lang="en-US" sz="1000" i="1" dirty="0" smtClean="0"/>
+                <a:rPr lang="en-US" sz="1000" i="1" dirty="0"/>
                 <a:t>~</a:t>
               </a:r>
               <a:r>
-                <a:rPr lang="en-US" sz="1000" i="1" dirty="0" err="1" smtClean="0"/>
+                <a:rPr lang="en-US" sz="1000" i="1" dirty="0" err="1"/>
                 <a:t>analysis_scripts</a:t>
               </a:r>
               <a:r>
-                <a:rPr lang="en-US" sz="1000" i="1" dirty="0" smtClean="0"/>
+                <a:rPr lang="en-US" sz="1000" i="1" dirty="0"/>
                 <a:t>/</a:t>
               </a:r>
-              <a:endParaRPr lang="en-US" sz="1000" i="1" dirty="0"/>
             </a:p>
           </p:txBody>
         </p:sp>
@@ -9082,7 +9064,7 @@
             <a:p>
               <a:pPr algn="ctr"/>
               <a:r>
-                <a:rPr lang="en-US" sz="800" i="1" dirty="0" err="1" smtClean="0">
+                <a:rPr lang="en-US" sz="800" i="1" dirty="0" err="1">
                   <a:solidFill>
                     <a:schemeClr val="tx1"/>
                   </a:solidFill>
@@ -9240,7 +9222,7 @@
             <a:p>
               <a:pPr algn="ctr"/>
               <a:r>
-                <a:rPr lang="en-US" sz="800" i="1" dirty="0" err="1" smtClean="0">
+                <a:rPr lang="en-US" sz="800" i="1" dirty="0" err="1">
                   <a:solidFill>
                     <a:schemeClr val="tx1"/>
                   </a:solidFill>
@@ -9508,13 +9490,6 @@
   <p:clrMapOvr>
     <a:masterClrMapping/>
   </p:clrMapOvr>
-  <p:timing>
-    <p:tnLst>
-      <p:par>
-        <p:cTn id="1" dur="indefinite" restart="never" nodeType="tmRoot"/>
-      </p:par>
-    </p:tnLst>
-  </p:timing>
 </p:sld>
 </file>
 
@@ -9535,6 +9510,997 @@
           <a:chExt cx="0" cy="0"/>
         </a:xfrm>
       </p:grpSpPr>
+      <p:grpSp>
+        <p:nvGrpSpPr>
+          <p:cNvPr id="39" name="Group 38">
+            <a:extLst>
+              <a:ext uri="{FF2B5EF4-FFF2-40B4-BE49-F238E27FC236}">
+                <a16:creationId xmlns:a16="http://schemas.microsoft.com/office/drawing/2014/main" id="{FB7EB5EA-48D8-CB48-A267-B53B1297CA9C}"/>
+              </a:ext>
+            </a:extLst>
+          </p:cNvPr>
+          <p:cNvGrpSpPr/>
+          <p:nvPr/>
+        </p:nvGrpSpPr>
+        <p:grpSpPr>
+          <a:xfrm>
+            <a:off x="2242642" y="2347784"/>
+            <a:ext cx="3545661" cy="4333102"/>
+            <a:chOff x="2242642" y="2347784"/>
+            <a:chExt cx="3545661" cy="4333102"/>
+          </a:xfrm>
+        </p:grpSpPr>
+        <p:sp>
+          <p:nvSpPr>
+            <p:cNvPr id="2" name="Rectangle 1">
+              <a:extLst>
+                <a:ext uri="{FF2B5EF4-FFF2-40B4-BE49-F238E27FC236}">
+                  <a16:creationId xmlns:a16="http://schemas.microsoft.com/office/drawing/2014/main" id="{1C0B9374-0E1D-7B48-AC22-122B8E8484AC}"/>
+                </a:ext>
+              </a:extLst>
+            </p:cNvPr>
+            <p:cNvSpPr/>
+            <p:nvPr/>
+          </p:nvSpPr>
+          <p:spPr>
+            <a:xfrm>
+              <a:off x="2242642" y="2347784"/>
+              <a:ext cx="3545661" cy="4333102"/>
+            </a:xfrm>
+            <a:prstGeom prst="rect">
+              <a:avLst/>
+            </a:prstGeom>
+            <a:solidFill>
+              <a:srgbClr val="00B0F0"/>
+            </a:solidFill>
+            <a:ln>
+              <a:solidFill>
+                <a:schemeClr val="tx1"/>
+              </a:solidFill>
+            </a:ln>
+          </p:spPr>
+          <p:style>
+            <a:lnRef idx="2">
+              <a:schemeClr val="accent1">
+                <a:shade val="50000"/>
+              </a:schemeClr>
+            </a:lnRef>
+            <a:fillRef idx="1">
+              <a:schemeClr val="accent1"/>
+            </a:fillRef>
+            <a:effectRef idx="0">
+              <a:schemeClr val="accent1"/>
+            </a:effectRef>
+            <a:fontRef idx="minor">
+              <a:schemeClr val="lt1"/>
+            </a:fontRef>
+          </p:style>
+          <p:txBody>
+            <a:bodyPr rtlCol="0" anchor="ctr"/>
+            <a:lstStyle/>
+            <a:p>
+              <a:pPr algn="ctr"/>
+              <a:endParaRPr lang="en-US" sz="933" i="1" dirty="0"/>
+            </a:p>
+          </p:txBody>
+        </p:sp>
+        <p:sp>
+          <p:nvSpPr>
+            <p:cNvPr id="3" name="TextBox 2">
+              <a:extLst>
+                <a:ext uri="{FF2B5EF4-FFF2-40B4-BE49-F238E27FC236}">
+                  <a16:creationId xmlns:a16="http://schemas.microsoft.com/office/drawing/2014/main" id="{2984C706-5EF9-7449-AA22-2A1A4B11B9EE}"/>
+                </a:ext>
+              </a:extLst>
+            </p:cNvPr>
+            <p:cNvSpPr txBox="1"/>
+            <p:nvPr/>
+          </p:nvSpPr>
+          <p:spPr>
+            <a:xfrm>
+              <a:off x="2552030" y="2370445"/>
+              <a:ext cx="2140293" cy="276999"/>
+            </a:xfrm>
+            <a:prstGeom prst="rect">
+              <a:avLst/>
+            </a:prstGeom>
+            <a:noFill/>
+          </p:spPr>
+          <p:txBody>
+            <a:bodyPr wrap="square">
+              <a:spAutoFit/>
+            </a:bodyPr>
+            <a:lstStyle/>
+            <a:p>
+              <a:pPr algn="ctr"/>
+              <a:r>
+                <a:rPr lang="en-US" sz="1200" i="1" dirty="0"/>
+                <a:t>Calculate Population CVs</a:t>
+              </a:r>
+            </a:p>
+          </p:txBody>
+        </p:sp>
+        <p:sp>
+          <p:nvSpPr>
+            <p:cNvPr id="4" name="Rectangle 3">
+              <a:extLst>
+                <a:ext uri="{FF2B5EF4-FFF2-40B4-BE49-F238E27FC236}">
+                  <a16:creationId xmlns:a16="http://schemas.microsoft.com/office/drawing/2014/main" id="{914E4F8F-93B3-0240-8AD7-15767A58A8CB}"/>
+                </a:ext>
+              </a:extLst>
+            </p:cNvPr>
+            <p:cNvSpPr/>
+            <p:nvPr/>
+          </p:nvSpPr>
+          <p:spPr>
+            <a:xfrm>
+              <a:off x="3044499" y="5067523"/>
+              <a:ext cx="1906442" cy="366937"/>
+            </a:xfrm>
+            <a:prstGeom prst="rect">
+              <a:avLst/>
+            </a:prstGeom>
+            <a:solidFill>
+              <a:schemeClr val="accent4"/>
+            </a:solidFill>
+            <a:ln>
+              <a:solidFill>
+                <a:schemeClr val="tx1"/>
+              </a:solidFill>
+            </a:ln>
+          </p:spPr>
+          <p:style>
+            <a:lnRef idx="2">
+              <a:schemeClr val="accent1">
+                <a:shade val="50000"/>
+              </a:schemeClr>
+            </a:lnRef>
+            <a:fillRef idx="1">
+              <a:schemeClr val="accent1"/>
+            </a:fillRef>
+            <a:effectRef idx="0">
+              <a:schemeClr val="accent1"/>
+            </a:effectRef>
+            <a:fontRef idx="minor">
+              <a:schemeClr val="lt1"/>
+            </a:fontRef>
+          </p:style>
+          <p:txBody>
+            <a:bodyPr rtlCol="0" anchor="ctr"/>
+            <a:lstStyle/>
+            <a:p>
+              <a:pPr algn="ctr"/>
+              <a:r>
+                <a:rPr lang="en-US" sz="800" i="1" dirty="0">
+                  <a:solidFill>
+                    <a:schemeClr val="tx1"/>
+                  </a:solidFill>
+                </a:rPr>
+                <a:t>~/</a:t>
+              </a:r>
+              <a:r>
+                <a:rPr lang="en-US" sz="800" i="1" dirty="0" err="1">
+                  <a:solidFill>
+                    <a:schemeClr val="tx1"/>
+                  </a:solidFill>
+                </a:rPr>
+                <a:t>analysis_scripts</a:t>
+              </a:r>
+              <a:r>
+                <a:rPr lang="en-US" sz="800" i="1" dirty="0">
+                  <a:solidFill>
+                    <a:schemeClr val="tx1"/>
+                  </a:solidFill>
+                </a:rPr>
+                <a:t>/</a:t>
+              </a:r>
+              <a:r>
+                <a:rPr lang="en-US" sz="800" i="1" dirty="0" err="1">
+                  <a:solidFill>
+                    <a:schemeClr val="tx1"/>
+                  </a:solidFill>
+                </a:rPr>
+                <a:t>Calculate_Population_Variances.R</a:t>
+              </a:r>
+              <a:endParaRPr lang="en-US" sz="800" i="1" dirty="0">
+                <a:solidFill>
+                  <a:schemeClr val="tx1"/>
+                </a:solidFill>
+              </a:endParaRPr>
+            </a:p>
+          </p:txBody>
+        </p:sp>
+        <p:sp>
+          <p:nvSpPr>
+            <p:cNvPr id="5" name="Rectangle 4">
+              <a:extLst>
+                <a:ext uri="{FF2B5EF4-FFF2-40B4-BE49-F238E27FC236}">
+                  <a16:creationId xmlns:a16="http://schemas.microsoft.com/office/drawing/2014/main" id="{A63D29D0-A75F-184D-A0EF-11421241A5F4}"/>
+                </a:ext>
+              </a:extLst>
+            </p:cNvPr>
+            <p:cNvSpPr/>
+            <p:nvPr/>
+          </p:nvSpPr>
+          <p:spPr>
+            <a:xfrm>
+              <a:off x="3044499" y="6139491"/>
+              <a:ext cx="1906442" cy="366937"/>
+            </a:xfrm>
+            <a:prstGeom prst="rect">
+              <a:avLst/>
+            </a:prstGeom>
+            <a:solidFill>
+              <a:schemeClr val="accent6"/>
+            </a:solidFill>
+            <a:ln>
+              <a:solidFill>
+                <a:schemeClr val="tx1"/>
+              </a:solidFill>
+            </a:ln>
+          </p:spPr>
+          <p:style>
+            <a:lnRef idx="2">
+              <a:schemeClr val="accent1">
+                <a:shade val="50000"/>
+              </a:schemeClr>
+            </a:lnRef>
+            <a:fillRef idx="1">
+              <a:schemeClr val="accent1"/>
+            </a:fillRef>
+            <a:effectRef idx="0">
+              <a:schemeClr val="accent1"/>
+            </a:effectRef>
+            <a:fontRef idx="minor">
+              <a:schemeClr val="lt1"/>
+            </a:fontRef>
+          </p:style>
+          <p:txBody>
+            <a:bodyPr rtlCol="0" anchor="ctr"/>
+            <a:lstStyle/>
+            <a:p>
+              <a:pPr algn="ctr"/>
+              <a:r>
+                <a:rPr lang="en-US" sz="800" i="1" dirty="0">
+                  <a:solidFill>
+                    <a:schemeClr val="tx1"/>
+                  </a:solidFill>
+                </a:rPr>
+                <a:t>~/results/</a:t>
+              </a:r>
+              <a:r>
+                <a:rPr lang="en-US" sz="800" i="1" dirty="0" err="1">
+                  <a:solidFill>
+                    <a:schemeClr val="tx1"/>
+                  </a:solidFill>
+                </a:rPr>
+                <a:t>Population_Variances.RData</a:t>
+              </a:r>
+              <a:endParaRPr lang="en-US" sz="800" i="1" dirty="0">
+                <a:solidFill>
+                  <a:schemeClr val="tx1"/>
+                </a:solidFill>
+              </a:endParaRPr>
+            </a:p>
+          </p:txBody>
+        </p:sp>
+        <p:cxnSp>
+          <p:nvCxnSpPr>
+            <p:cNvPr id="6" name="Straight Arrow Connector 5">
+              <a:extLst>
+                <a:ext uri="{FF2B5EF4-FFF2-40B4-BE49-F238E27FC236}">
+                  <a16:creationId xmlns:a16="http://schemas.microsoft.com/office/drawing/2014/main" id="{56533509-1144-4444-947F-0741A356EB87}"/>
+                </a:ext>
+              </a:extLst>
+            </p:cNvPr>
+            <p:cNvCxnSpPr>
+              <a:cxnSpLocks/>
+              <a:stCxn id="4" idx="2"/>
+              <a:endCxn id="5" idx="0"/>
+            </p:cNvCxnSpPr>
+            <p:nvPr/>
+          </p:nvCxnSpPr>
+          <p:spPr>
+            <a:xfrm>
+              <a:off x="3997720" y="5434460"/>
+              <a:ext cx="0" cy="705031"/>
+            </a:xfrm>
+            <a:prstGeom prst="straightConnector1">
+              <a:avLst/>
+            </a:prstGeom>
+            <a:ln w="38100">
+              <a:solidFill>
+                <a:schemeClr val="tx1"/>
+              </a:solidFill>
+              <a:tailEnd type="triangle"/>
+            </a:ln>
+          </p:spPr>
+          <p:style>
+            <a:lnRef idx="1">
+              <a:schemeClr val="accent1"/>
+            </a:lnRef>
+            <a:fillRef idx="0">
+              <a:schemeClr val="accent1"/>
+            </a:fillRef>
+            <a:effectRef idx="0">
+              <a:schemeClr val="accent1"/>
+            </a:effectRef>
+            <a:fontRef idx="minor">
+              <a:schemeClr val="tx1"/>
+            </a:fontRef>
+          </p:style>
+        </p:cxnSp>
+        <p:sp>
+          <p:nvSpPr>
+            <p:cNvPr id="15" name="Rectangle 14">
+              <a:extLst>
+                <a:ext uri="{FF2B5EF4-FFF2-40B4-BE49-F238E27FC236}">
+                  <a16:creationId xmlns:a16="http://schemas.microsoft.com/office/drawing/2014/main" id="{B92D4DCD-61BE-634C-8035-DA847BEBE4C7}"/>
+                </a:ext>
+              </a:extLst>
+            </p:cNvPr>
+            <p:cNvSpPr/>
+            <p:nvPr/>
+          </p:nvSpPr>
+          <p:spPr>
+            <a:xfrm>
+              <a:off x="2304683" y="2700710"/>
+              <a:ext cx="1608328" cy="1661782"/>
+            </a:xfrm>
+            <a:prstGeom prst="rect">
+              <a:avLst/>
+            </a:prstGeom>
+            <a:solidFill>
+              <a:schemeClr val="accent2"/>
+            </a:solidFill>
+            <a:ln>
+              <a:solidFill>
+                <a:schemeClr val="tx1"/>
+              </a:solidFill>
+            </a:ln>
+          </p:spPr>
+          <p:style>
+            <a:lnRef idx="2">
+              <a:schemeClr val="accent1">
+                <a:shade val="50000"/>
+              </a:schemeClr>
+            </a:lnRef>
+            <a:fillRef idx="1">
+              <a:schemeClr val="accent1"/>
+            </a:fillRef>
+            <a:effectRef idx="0">
+              <a:schemeClr val="accent1"/>
+            </a:effectRef>
+            <a:fontRef idx="minor">
+              <a:schemeClr val="lt1"/>
+            </a:fontRef>
+          </p:style>
+          <p:txBody>
+            <a:bodyPr rtlCol="0" anchor="ctr"/>
+            <a:lstStyle/>
+            <a:p>
+              <a:pPr algn="ctr"/>
+              <a:endParaRPr lang="en-US" sz="1200"/>
+            </a:p>
+          </p:txBody>
+        </p:sp>
+        <p:sp>
+          <p:nvSpPr>
+            <p:cNvPr id="16" name="TextBox 15">
+              <a:extLst>
+                <a:ext uri="{FF2B5EF4-FFF2-40B4-BE49-F238E27FC236}">
+                  <a16:creationId xmlns:a16="http://schemas.microsoft.com/office/drawing/2014/main" id="{6534C075-3DD6-5349-8E24-9AC35FC6B270}"/>
+                </a:ext>
+              </a:extLst>
+            </p:cNvPr>
+            <p:cNvSpPr txBox="1"/>
+            <p:nvPr/>
+          </p:nvSpPr>
+          <p:spPr>
+            <a:xfrm>
+              <a:off x="2414158" y="2724848"/>
+              <a:ext cx="1407745" cy="246221"/>
+            </a:xfrm>
+            <a:prstGeom prst="rect">
+              <a:avLst/>
+            </a:prstGeom>
+            <a:noFill/>
+          </p:spPr>
+          <p:txBody>
+            <a:bodyPr wrap="square">
+              <a:spAutoFit/>
+            </a:bodyPr>
+            <a:lstStyle/>
+            <a:p>
+              <a:pPr algn="ctr"/>
+              <a:r>
+                <a:rPr lang="en-US" sz="1000" i="1" dirty="0"/>
+                <a:t>~data/</a:t>
+              </a:r>
+            </a:p>
+          </p:txBody>
+        </p:sp>
+        <p:sp>
+          <p:nvSpPr>
+            <p:cNvPr id="12" name="Rectangle 11">
+              <a:extLst>
+                <a:ext uri="{FF2B5EF4-FFF2-40B4-BE49-F238E27FC236}">
+                  <a16:creationId xmlns:a16="http://schemas.microsoft.com/office/drawing/2014/main" id="{754F0801-F9DD-864D-BD75-0E379C931CC3}"/>
+                </a:ext>
+              </a:extLst>
+            </p:cNvPr>
+            <p:cNvSpPr/>
+            <p:nvPr/>
+          </p:nvSpPr>
+          <p:spPr>
+            <a:xfrm>
+              <a:off x="2610851" y="4116621"/>
+              <a:ext cx="957114" cy="174800"/>
+            </a:xfrm>
+            <a:prstGeom prst="rect">
+              <a:avLst/>
+            </a:prstGeom>
+            <a:solidFill>
+              <a:schemeClr val="accent6"/>
+            </a:solidFill>
+            <a:ln>
+              <a:solidFill>
+                <a:schemeClr val="tx1"/>
+              </a:solidFill>
+            </a:ln>
+          </p:spPr>
+          <p:style>
+            <a:lnRef idx="2">
+              <a:schemeClr val="accent1">
+                <a:shade val="50000"/>
+              </a:schemeClr>
+            </a:lnRef>
+            <a:fillRef idx="1">
+              <a:schemeClr val="accent1"/>
+            </a:fillRef>
+            <a:effectRef idx="0">
+              <a:schemeClr val="accent1"/>
+            </a:effectRef>
+            <a:fontRef idx="minor">
+              <a:schemeClr val="lt1"/>
+            </a:fontRef>
+          </p:style>
+          <p:txBody>
+            <a:bodyPr rtlCol="0" anchor="ctr"/>
+            <a:lstStyle/>
+            <a:p>
+              <a:pPr algn="ctr"/>
+              <a:r>
+                <a:rPr lang="en-US" sz="800" i="1" dirty="0" err="1">
+                  <a:solidFill>
+                    <a:schemeClr val="tx1"/>
+                  </a:solidFill>
+                </a:rPr>
+                <a:t>fit_density.RData</a:t>
+              </a:r>
+              <a:endParaRPr lang="en-US" sz="800" i="1" dirty="0">
+                <a:solidFill>
+                  <a:schemeClr val="tx1"/>
+                </a:solidFill>
+              </a:endParaRPr>
+            </a:p>
+          </p:txBody>
+        </p:sp>
+        <p:sp>
+          <p:nvSpPr>
+            <p:cNvPr id="10" name="Rectangle 9">
+              <a:extLst>
+                <a:ext uri="{FF2B5EF4-FFF2-40B4-BE49-F238E27FC236}">
+                  <a16:creationId xmlns:a16="http://schemas.microsoft.com/office/drawing/2014/main" id="{A0E2538A-F64F-E74F-9DB4-0C117447004C}"/>
+                </a:ext>
+              </a:extLst>
+            </p:cNvPr>
+            <p:cNvSpPr/>
+            <p:nvPr/>
+          </p:nvSpPr>
+          <p:spPr>
+            <a:xfrm>
+              <a:off x="2466419" y="3927887"/>
+              <a:ext cx="1245978" cy="174800"/>
+            </a:xfrm>
+            <a:prstGeom prst="rect">
+              <a:avLst/>
+            </a:prstGeom>
+            <a:solidFill>
+              <a:schemeClr val="accent6"/>
+            </a:solidFill>
+            <a:ln>
+              <a:solidFill>
+                <a:schemeClr val="tx1"/>
+              </a:solidFill>
+            </a:ln>
+          </p:spPr>
+          <p:style>
+            <a:lnRef idx="2">
+              <a:schemeClr val="accent1">
+                <a:shade val="50000"/>
+              </a:schemeClr>
+            </a:lnRef>
+            <a:fillRef idx="1">
+              <a:schemeClr val="accent1"/>
+            </a:fillRef>
+            <a:effectRef idx="0">
+              <a:schemeClr val="accent1"/>
+            </a:effectRef>
+            <a:fontRef idx="minor">
+              <a:schemeClr val="lt1"/>
+            </a:fontRef>
+          </p:style>
+          <p:txBody>
+            <a:bodyPr rtlCol="0" anchor="ctr"/>
+            <a:lstStyle/>
+            <a:p>
+              <a:pPr algn="ctr"/>
+              <a:r>
+                <a:rPr lang="en-US" sz="800" i="1" dirty="0" err="1">
+                  <a:solidFill>
+                    <a:schemeClr val="tx1"/>
+                  </a:solidFill>
+                </a:rPr>
+                <a:t>optimization_data.RData</a:t>
+              </a:r>
+              <a:endParaRPr lang="en-US" sz="800" i="1" dirty="0">
+                <a:solidFill>
+                  <a:schemeClr val="tx1"/>
+                </a:solidFill>
+              </a:endParaRPr>
+            </a:p>
+          </p:txBody>
+        </p:sp>
+        <p:sp>
+          <p:nvSpPr>
+            <p:cNvPr id="13" name="Rectangle 12">
+              <a:extLst>
+                <a:ext uri="{FF2B5EF4-FFF2-40B4-BE49-F238E27FC236}">
+                  <a16:creationId xmlns:a16="http://schemas.microsoft.com/office/drawing/2014/main" id="{88F083D0-9803-314A-9BD0-BE59C281EAD5}"/>
+                </a:ext>
+              </a:extLst>
+            </p:cNvPr>
+            <p:cNvSpPr/>
+            <p:nvPr/>
+          </p:nvSpPr>
+          <p:spPr>
+            <a:xfrm>
+              <a:off x="2385536" y="3739154"/>
+              <a:ext cx="1425975" cy="174800"/>
+            </a:xfrm>
+            <a:prstGeom prst="rect">
+              <a:avLst/>
+            </a:prstGeom>
+            <a:solidFill>
+              <a:schemeClr val="accent6"/>
+            </a:solidFill>
+            <a:ln>
+              <a:solidFill>
+                <a:schemeClr val="tx1"/>
+              </a:solidFill>
+            </a:ln>
+          </p:spPr>
+          <p:style>
+            <a:lnRef idx="2">
+              <a:schemeClr val="accent1">
+                <a:shade val="50000"/>
+              </a:schemeClr>
+            </a:lnRef>
+            <a:fillRef idx="1">
+              <a:schemeClr val="accent1"/>
+            </a:fillRef>
+            <a:effectRef idx="0">
+              <a:schemeClr val="accent1"/>
+            </a:effectRef>
+            <a:fontRef idx="minor">
+              <a:schemeClr val="lt1"/>
+            </a:fontRef>
+          </p:style>
+          <p:txBody>
+            <a:bodyPr rtlCol="0" anchor="ctr"/>
+            <a:lstStyle/>
+            <a:p>
+              <a:pPr algn="ctr"/>
+              <a:r>
+                <a:rPr lang="en-US" sz="800" i="1" dirty="0" err="1">
+                  <a:solidFill>
+                    <a:schemeClr val="tx1"/>
+                  </a:solidFill>
+                </a:rPr>
+                <a:t>Extrapolation_depths.RData</a:t>
+              </a:r>
+              <a:endParaRPr lang="en-US" sz="800" i="1" dirty="0">
+                <a:solidFill>
+                  <a:schemeClr val="tx1"/>
+                </a:solidFill>
+              </a:endParaRPr>
+            </a:p>
+          </p:txBody>
+        </p:sp>
+        <p:sp>
+          <p:nvSpPr>
+            <p:cNvPr id="7" name="Rectangle 6">
+              <a:extLst>
+                <a:ext uri="{FF2B5EF4-FFF2-40B4-BE49-F238E27FC236}">
+                  <a16:creationId xmlns:a16="http://schemas.microsoft.com/office/drawing/2014/main" id="{84FF5BED-78EE-0D40-944B-F9FB8C48853F}"/>
+                </a:ext>
+              </a:extLst>
+            </p:cNvPr>
+            <p:cNvSpPr/>
+            <p:nvPr/>
+          </p:nvSpPr>
+          <p:spPr>
+            <a:xfrm>
+              <a:off x="2345874" y="3332578"/>
+              <a:ext cx="1506828" cy="310723"/>
+            </a:xfrm>
+            <a:prstGeom prst="rect">
+              <a:avLst/>
+            </a:prstGeom>
+            <a:solidFill>
+              <a:schemeClr val="accent6"/>
+            </a:solidFill>
+            <a:ln>
+              <a:solidFill>
+                <a:schemeClr val="tx1"/>
+              </a:solidFill>
+            </a:ln>
+          </p:spPr>
+          <p:style>
+            <a:lnRef idx="2">
+              <a:schemeClr val="accent1">
+                <a:shade val="50000"/>
+              </a:schemeClr>
+            </a:lnRef>
+            <a:fillRef idx="1">
+              <a:schemeClr val="accent1"/>
+            </a:fillRef>
+            <a:effectRef idx="0">
+              <a:schemeClr val="accent1"/>
+            </a:effectRef>
+            <a:fontRef idx="minor">
+              <a:schemeClr val="lt1"/>
+            </a:fontRef>
+          </p:style>
+          <p:txBody>
+            <a:bodyPr rtlCol="0" anchor="ctr"/>
+            <a:lstStyle/>
+            <a:p>
+              <a:pPr algn="ctr"/>
+              <a:r>
+                <a:rPr lang="en-US" sz="800" i="1" dirty="0">
+                  <a:solidFill>
+                    <a:schemeClr val="tx1"/>
+                  </a:solidFill>
+                </a:rPr>
+                <a:t>GOA2019_ 3 boat_825_RNDM_stations.xlsx</a:t>
+              </a:r>
+            </a:p>
+          </p:txBody>
+        </p:sp>
+        <p:sp>
+          <p:nvSpPr>
+            <p:cNvPr id="8" name="Rectangle 7">
+              <a:extLst>
+                <a:ext uri="{FF2B5EF4-FFF2-40B4-BE49-F238E27FC236}">
+                  <a16:creationId xmlns:a16="http://schemas.microsoft.com/office/drawing/2014/main" id="{AFA3CCA7-EE15-6447-A686-324F94AEF4DE}"/>
+                </a:ext>
+              </a:extLst>
+            </p:cNvPr>
+            <p:cNvSpPr/>
+            <p:nvPr/>
+          </p:nvSpPr>
+          <p:spPr>
+            <a:xfrm>
+              <a:off x="2345873" y="3014888"/>
+              <a:ext cx="1506827" cy="310723"/>
+            </a:xfrm>
+            <a:prstGeom prst="rect">
+              <a:avLst/>
+            </a:prstGeom>
+            <a:solidFill>
+              <a:schemeClr val="accent6"/>
+            </a:solidFill>
+            <a:ln>
+              <a:solidFill>
+                <a:schemeClr val="tx1"/>
+              </a:solidFill>
+            </a:ln>
+          </p:spPr>
+          <p:style>
+            <a:lnRef idx="2">
+              <a:schemeClr val="accent1">
+                <a:shade val="50000"/>
+              </a:schemeClr>
+            </a:lnRef>
+            <a:fillRef idx="1">
+              <a:schemeClr val="accent1"/>
+            </a:fillRef>
+            <a:effectRef idx="0">
+              <a:schemeClr val="accent1"/>
+            </a:effectRef>
+            <a:fontRef idx="minor">
+              <a:schemeClr val="lt1"/>
+            </a:fontRef>
+          </p:style>
+          <p:txBody>
+            <a:bodyPr rtlCol="0" anchor="ctr"/>
+            <a:lstStyle/>
+            <a:p>
+              <a:pPr algn="ctr"/>
+              <a:r>
+                <a:rPr lang="en-US" sz="800" i="1" dirty="0">
+                  <a:solidFill>
+                    <a:schemeClr val="tx1"/>
+                  </a:solidFill>
+                </a:rPr>
+                <a:t>GOA 2019 stations by stratum.xlsx</a:t>
+              </a:r>
+            </a:p>
+          </p:txBody>
+        </p:sp>
+        <p:sp>
+          <p:nvSpPr>
+            <p:cNvPr id="21" name="Rectangle 20">
+              <a:extLst>
+                <a:ext uri="{FF2B5EF4-FFF2-40B4-BE49-F238E27FC236}">
+                  <a16:creationId xmlns:a16="http://schemas.microsoft.com/office/drawing/2014/main" id="{50F3453D-DCA3-5C43-9491-2A3D114DCD81}"/>
+                </a:ext>
+              </a:extLst>
+            </p:cNvPr>
+            <p:cNvSpPr/>
+            <p:nvPr/>
+          </p:nvSpPr>
+          <p:spPr>
+            <a:xfrm>
+              <a:off x="4112192" y="3213324"/>
+              <a:ext cx="1608328" cy="1149167"/>
+            </a:xfrm>
+            <a:prstGeom prst="rect">
+              <a:avLst/>
+            </a:prstGeom>
+            <a:solidFill>
+              <a:schemeClr val="accent2"/>
+            </a:solidFill>
+            <a:ln>
+              <a:solidFill>
+                <a:schemeClr val="tx1"/>
+              </a:solidFill>
+            </a:ln>
+          </p:spPr>
+          <p:style>
+            <a:lnRef idx="2">
+              <a:schemeClr val="accent1">
+                <a:shade val="50000"/>
+              </a:schemeClr>
+            </a:lnRef>
+            <a:fillRef idx="1">
+              <a:schemeClr val="accent1"/>
+            </a:fillRef>
+            <a:effectRef idx="0">
+              <a:schemeClr val="accent1"/>
+            </a:effectRef>
+            <a:fontRef idx="minor">
+              <a:schemeClr val="lt1"/>
+            </a:fontRef>
+          </p:style>
+          <p:txBody>
+            <a:bodyPr rtlCol="0" anchor="ctr"/>
+            <a:lstStyle/>
+            <a:p>
+              <a:pPr algn="ctr"/>
+              <a:endParaRPr lang="en-US" sz="1200"/>
+            </a:p>
+          </p:txBody>
+        </p:sp>
+        <p:sp>
+          <p:nvSpPr>
+            <p:cNvPr id="22" name="TextBox 21">
+              <a:extLst>
+                <a:ext uri="{FF2B5EF4-FFF2-40B4-BE49-F238E27FC236}">
+                  <a16:creationId xmlns:a16="http://schemas.microsoft.com/office/drawing/2014/main" id="{1020A0C3-AA51-0540-B307-44B065663E19}"/>
+                </a:ext>
+              </a:extLst>
+            </p:cNvPr>
+            <p:cNvSpPr txBox="1"/>
+            <p:nvPr/>
+          </p:nvSpPr>
+          <p:spPr>
+            <a:xfrm>
+              <a:off x="4167468" y="3294537"/>
+              <a:ext cx="1497776" cy="553998"/>
+            </a:xfrm>
+            <a:prstGeom prst="rect">
+              <a:avLst/>
+            </a:prstGeom>
+            <a:noFill/>
+          </p:spPr>
+          <p:txBody>
+            <a:bodyPr wrap="square">
+              <a:spAutoFit/>
+            </a:bodyPr>
+            <a:lstStyle/>
+            <a:p>
+              <a:pPr algn="ctr"/>
+              <a:r>
+                <a:rPr lang="en-US" sz="1000" i="1" dirty="0"/>
+                <a:t>~results/</a:t>
+              </a:r>
+              <a:r>
+                <a:rPr lang="en-US" sz="1000" i="1" dirty="0" err="1"/>
+                <a:t>Single_Species_Optimization</a:t>
+              </a:r>
+              <a:r>
+                <a:rPr lang="en-US" sz="1000" i="1" dirty="0"/>
+                <a:t>/</a:t>
+              </a:r>
+            </a:p>
+            <a:p>
+              <a:pPr algn="ctr"/>
+              <a:endParaRPr lang="en-US" sz="1000" i="1" dirty="0"/>
+            </a:p>
+          </p:txBody>
+        </p:sp>
+        <p:sp>
+          <p:nvSpPr>
+            <p:cNvPr id="14" name="Rectangle 13">
+              <a:extLst>
+                <a:ext uri="{FF2B5EF4-FFF2-40B4-BE49-F238E27FC236}">
+                  <a16:creationId xmlns:a16="http://schemas.microsoft.com/office/drawing/2014/main" id="{464CF849-4E41-284A-8A9B-281C66BB8E29}"/>
+                </a:ext>
+              </a:extLst>
+            </p:cNvPr>
+            <p:cNvSpPr/>
+            <p:nvPr/>
+          </p:nvSpPr>
+          <p:spPr>
+            <a:xfrm>
+              <a:off x="4354269" y="3748298"/>
+              <a:ext cx="1105604" cy="457368"/>
+            </a:xfrm>
+            <a:prstGeom prst="rect">
+              <a:avLst/>
+            </a:prstGeom>
+            <a:solidFill>
+              <a:schemeClr val="accent6"/>
+            </a:solidFill>
+            <a:ln>
+              <a:solidFill>
+                <a:schemeClr val="tx1"/>
+              </a:solidFill>
+            </a:ln>
+          </p:spPr>
+          <p:style>
+            <a:lnRef idx="2">
+              <a:schemeClr val="accent1">
+                <a:shade val="50000"/>
+              </a:schemeClr>
+            </a:lnRef>
+            <a:fillRef idx="1">
+              <a:schemeClr val="accent1"/>
+            </a:fillRef>
+            <a:effectRef idx="0">
+              <a:schemeClr val="accent1"/>
+            </a:effectRef>
+            <a:fontRef idx="minor">
+              <a:schemeClr val="lt1"/>
+            </a:fontRef>
+          </p:style>
+          <p:txBody>
+            <a:bodyPr rtlCol="0" anchor="ctr"/>
+            <a:lstStyle/>
+            <a:p>
+              <a:pPr algn="ctr"/>
+              <a:r>
+                <a:rPr lang="en-US" sz="800" i="1" dirty="0" err="1">
+                  <a:solidFill>
+                    <a:schemeClr val="tx1"/>
+                  </a:solidFill>
+                </a:rPr>
+                <a:t>optimization_knitted_results.RData</a:t>
+              </a:r>
+              <a:endParaRPr lang="en-US" sz="800" i="1" dirty="0">
+                <a:solidFill>
+                  <a:schemeClr val="tx1"/>
+                </a:solidFill>
+              </a:endParaRPr>
+            </a:p>
+          </p:txBody>
+        </p:sp>
+        <p:cxnSp>
+          <p:nvCxnSpPr>
+            <p:cNvPr id="29" name="Straight Arrow Connector 28">
+              <a:extLst>
+                <a:ext uri="{FF2B5EF4-FFF2-40B4-BE49-F238E27FC236}">
+                  <a16:creationId xmlns:a16="http://schemas.microsoft.com/office/drawing/2014/main" id="{724FC8BA-CE24-E74C-AA33-A063C1851297}"/>
+                </a:ext>
+              </a:extLst>
+            </p:cNvPr>
+            <p:cNvCxnSpPr>
+              <a:cxnSpLocks/>
+              <a:stCxn id="21" idx="2"/>
+              <a:endCxn id="4" idx="0"/>
+            </p:cNvCxnSpPr>
+            <p:nvPr/>
+          </p:nvCxnSpPr>
+          <p:spPr>
+            <a:xfrm flipH="1">
+              <a:off x="3997720" y="4362491"/>
+              <a:ext cx="918636" cy="705032"/>
+            </a:xfrm>
+            <a:prstGeom prst="straightConnector1">
+              <a:avLst/>
+            </a:prstGeom>
+            <a:ln w="38100">
+              <a:solidFill>
+                <a:schemeClr val="tx1"/>
+              </a:solidFill>
+              <a:tailEnd type="triangle"/>
+            </a:ln>
+          </p:spPr>
+          <p:style>
+            <a:lnRef idx="1">
+              <a:schemeClr val="accent1"/>
+            </a:lnRef>
+            <a:fillRef idx="0">
+              <a:schemeClr val="accent1"/>
+            </a:fillRef>
+            <a:effectRef idx="0">
+              <a:schemeClr val="accent1"/>
+            </a:effectRef>
+            <a:fontRef idx="minor">
+              <a:schemeClr val="tx1"/>
+            </a:fontRef>
+          </p:style>
+        </p:cxnSp>
+        <p:cxnSp>
+          <p:nvCxnSpPr>
+            <p:cNvPr id="32" name="Straight Arrow Connector 31">
+              <a:extLst>
+                <a:ext uri="{FF2B5EF4-FFF2-40B4-BE49-F238E27FC236}">
+                  <a16:creationId xmlns:a16="http://schemas.microsoft.com/office/drawing/2014/main" id="{84676F0A-420D-DA47-9849-1EC62B729407}"/>
+                </a:ext>
+              </a:extLst>
+            </p:cNvPr>
+            <p:cNvCxnSpPr>
+              <a:cxnSpLocks/>
+              <a:stCxn id="15" idx="2"/>
+              <a:endCxn id="4" idx="0"/>
+            </p:cNvCxnSpPr>
+            <p:nvPr/>
+          </p:nvCxnSpPr>
+          <p:spPr>
+            <a:xfrm>
+              <a:off x="3108847" y="4362492"/>
+              <a:ext cx="888873" cy="705031"/>
+            </a:xfrm>
+            <a:prstGeom prst="straightConnector1">
+              <a:avLst/>
+            </a:prstGeom>
+            <a:ln w="38100">
+              <a:solidFill>
+                <a:schemeClr val="tx1"/>
+              </a:solidFill>
+              <a:tailEnd type="triangle"/>
+            </a:ln>
+          </p:spPr>
+          <p:style>
+            <a:lnRef idx="1">
+              <a:schemeClr val="accent1"/>
+            </a:lnRef>
+            <a:fillRef idx="0">
+              <a:schemeClr val="accent1"/>
+            </a:fillRef>
+            <a:effectRef idx="0">
+              <a:schemeClr val="accent1"/>
+            </a:effectRef>
+            <a:fontRef idx="minor">
+              <a:schemeClr val="tx1"/>
+            </a:fontRef>
+          </p:style>
+        </p:cxnSp>
+      </p:grpSp>
     </p:spTree>
     <p:extLst>
       <p:ext uri="{BB962C8B-B14F-4D97-AF65-F5344CB8AC3E}">
@@ -9545,17 +10511,1231 @@
   <p:clrMapOvr>
     <a:masterClrMapping/>
   </p:clrMapOvr>
-  <p:timing>
-    <p:tnLst>
-      <p:par>
-        <p:cTn id="1" dur="indefinite" restart="never" nodeType="tmRoot"/>
-      </p:par>
-    </p:tnLst>
-  </p:timing>
 </p:sld>
 </file>
 
 <file path=ppt/slides/slide5.xml><?xml version="1.0" encoding="utf-8"?>
+<p:sld xmlns:a="http://schemas.openxmlformats.org/drawingml/2006/main" xmlns:r="http://schemas.openxmlformats.org/officeDocument/2006/relationships" xmlns:p="http://schemas.openxmlformats.org/presentationml/2006/main">
+  <p:cSld>
+    <p:spTree>
+      <p:nvGrpSpPr>
+        <p:cNvPr id="1" name=""/>
+        <p:cNvGrpSpPr/>
+        <p:nvPr/>
+      </p:nvGrpSpPr>
+      <p:grpSpPr>
+        <a:xfrm>
+          <a:off x="0" y="0"/>
+          <a:ext cx="0" cy="0"/>
+          <a:chOff x="0" y="0"/>
+          <a:chExt cx="0" cy="0"/>
+        </a:xfrm>
+      </p:grpSpPr>
+      <p:grpSp>
+        <p:nvGrpSpPr>
+          <p:cNvPr id="45" name="Group 44">
+            <a:extLst>
+              <a:ext uri="{FF2B5EF4-FFF2-40B4-BE49-F238E27FC236}">
+                <a16:creationId xmlns:a16="http://schemas.microsoft.com/office/drawing/2014/main" id="{F6C0AB6A-0C71-7145-9E4A-662A7DCEA9A2}"/>
+              </a:ext>
+            </a:extLst>
+          </p:cNvPr>
+          <p:cNvGrpSpPr/>
+          <p:nvPr/>
+        </p:nvGrpSpPr>
+        <p:grpSpPr>
+          <a:xfrm>
+            <a:off x="2543951" y="5472300"/>
+            <a:ext cx="3603196" cy="3280518"/>
+            <a:chOff x="2543951" y="5472300"/>
+            <a:chExt cx="3603196" cy="3280518"/>
+          </a:xfrm>
+        </p:grpSpPr>
+        <p:sp>
+          <p:nvSpPr>
+            <p:cNvPr id="3" name="Rectangle 2">
+              <a:extLst>
+                <a:ext uri="{FF2B5EF4-FFF2-40B4-BE49-F238E27FC236}">
+                  <a16:creationId xmlns:a16="http://schemas.microsoft.com/office/drawing/2014/main" id="{94443DDE-0053-164C-B011-C6478BF395DF}"/>
+                </a:ext>
+              </a:extLst>
+            </p:cNvPr>
+            <p:cNvSpPr/>
+            <p:nvPr/>
+          </p:nvSpPr>
+          <p:spPr>
+            <a:xfrm>
+              <a:off x="2543951" y="5472300"/>
+              <a:ext cx="3603196" cy="3280518"/>
+            </a:xfrm>
+            <a:prstGeom prst="rect">
+              <a:avLst/>
+            </a:prstGeom>
+            <a:solidFill>
+              <a:srgbClr val="00B0F0"/>
+            </a:solidFill>
+            <a:ln>
+              <a:solidFill>
+                <a:schemeClr val="tx1"/>
+              </a:solidFill>
+            </a:ln>
+          </p:spPr>
+          <p:style>
+            <a:lnRef idx="2">
+              <a:schemeClr val="accent1">
+                <a:shade val="50000"/>
+              </a:schemeClr>
+            </a:lnRef>
+            <a:fillRef idx="1">
+              <a:schemeClr val="accent1"/>
+            </a:fillRef>
+            <a:effectRef idx="0">
+              <a:schemeClr val="accent1"/>
+            </a:effectRef>
+            <a:fontRef idx="minor">
+              <a:schemeClr val="lt1"/>
+            </a:fontRef>
+          </p:style>
+          <p:txBody>
+            <a:bodyPr rtlCol="0" anchor="ctr"/>
+            <a:lstStyle/>
+            <a:p>
+              <a:pPr algn="ctr"/>
+              <a:endParaRPr lang="en-US" sz="933" i="1" dirty="0"/>
+            </a:p>
+          </p:txBody>
+        </p:sp>
+        <p:sp>
+          <p:nvSpPr>
+            <p:cNvPr id="4" name="TextBox 3">
+              <a:extLst>
+                <a:ext uri="{FF2B5EF4-FFF2-40B4-BE49-F238E27FC236}">
+                  <a16:creationId xmlns:a16="http://schemas.microsoft.com/office/drawing/2014/main" id="{D1C535EE-B9B2-9F4E-B196-332436BEE5A3}"/>
+                </a:ext>
+              </a:extLst>
+            </p:cNvPr>
+            <p:cNvSpPr txBox="1"/>
+            <p:nvPr/>
+          </p:nvSpPr>
+          <p:spPr>
+            <a:xfrm>
+              <a:off x="3778794" y="8475818"/>
+              <a:ext cx="2308352" cy="276999"/>
+            </a:xfrm>
+            <a:prstGeom prst="rect">
+              <a:avLst/>
+            </a:prstGeom>
+            <a:noFill/>
+          </p:spPr>
+          <p:txBody>
+            <a:bodyPr wrap="square">
+              <a:spAutoFit/>
+            </a:bodyPr>
+            <a:lstStyle/>
+            <a:p>
+              <a:pPr algn="ctr"/>
+              <a:r>
+                <a:rPr lang="en-US" sz="1200" i="1" dirty="0"/>
+                <a:t>Multi-Species Survey Optimization</a:t>
+              </a:r>
+            </a:p>
+          </p:txBody>
+        </p:sp>
+        <p:sp>
+          <p:nvSpPr>
+            <p:cNvPr id="5" name="Rectangle 4">
+              <a:extLst>
+                <a:ext uri="{FF2B5EF4-FFF2-40B4-BE49-F238E27FC236}">
+                  <a16:creationId xmlns:a16="http://schemas.microsoft.com/office/drawing/2014/main" id="{22B98232-34CA-9B49-BF49-D05CEFDABE54}"/>
+                </a:ext>
+              </a:extLst>
+            </p:cNvPr>
+            <p:cNvSpPr/>
+            <p:nvPr/>
+          </p:nvSpPr>
+          <p:spPr>
+            <a:xfrm>
+              <a:off x="2630868" y="7121786"/>
+              <a:ext cx="2295853" cy="1355038"/>
+            </a:xfrm>
+            <a:prstGeom prst="rect">
+              <a:avLst/>
+            </a:prstGeom>
+            <a:solidFill>
+              <a:schemeClr val="accent2"/>
+            </a:solidFill>
+            <a:ln>
+              <a:solidFill>
+                <a:schemeClr val="tx1"/>
+              </a:solidFill>
+            </a:ln>
+          </p:spPr>
+          <p:style>
+            <a:lnRef idx="2">
+              <a:schemeClr val="accent1">
+                <a:shade val="50000"/>
+              </a:schemeClr>
+            </a:lnRef>
+            <a:fillRef idx="1">
+              <a:schemeClr val="accent1"/>
+            </a:fillRef>
+            <a:effectRef idx="0">
+              <a:schemeClr val="accent1"/>
+            </a:effectRef>
+            <a:fontRef idx="minor">
+              <a:schemeClr val="lt1"/>
+            </a:fontRef>
+          </p:style>
+          <p:txBody>
+            <a:bodyPr rtlCol="0" anchor="ctr"/>
+            <a:lstStyle/>
+            <a:p>
+              <a:pPr algn="ctr"/>
+              <a:endParaRPr lang="en-US" sz="1200"/>
+            </a:p>
+          </p:txBody>
+        </p:sp>
+        <p:sp>
+          <p:nvSpPr>
+            <p:cNvPr id="6" name="TextBox 5">
+              <a:extLst>
+                <a:ext uri="{FF2B5EF4-FFF2-40B4-BE49-F238E27FC236}">
+                  <a16:creationId xmlns:a16="http://schemas.microsoft.com/office/drawing/2014/main" id="{27B30603-9009-2645-B79F-46600BFF7907}"/>
+                </a:ext>
+              </a:extLst>
+            </p:cNvPr>
+            <p:cNvSpPr txBox="1"/>
+            <p:nvPr/>
+          </p:nvSpPr>
+          <p:spPr>
+            <a:xfrm>
+              <a:off x="2591229" y="8168326"/>
+              <a:ext cx="2360206" cy="253916"/>
+            </a:xfrm>
+            <a:prstGeom prst="rect">
+              <a:avLst/>
+            </a:prstGeom>
+            <a:noFill/>
+          </p:spPr>
+          <p:txBody>
+            <a:bodyPr wrap="square">
+              <a:spAutoFit/>
+            </a:bodyPr>
+            <a:lstStyle/>
+            <a:p>
+              <a:pPr algn="ctr"/>
+              <a:r>
+                <a:rPr lang="en-US" sz="1050" i="1" dirty="0"/>
+                <a:t>~results/</a:t>
+              </a:r>
+              <a:r>
+                <a:rPr lang="en-US" sz="1050" i="1" dirty="0" err="1"/>
+                <a:t>Spatiotemporal_Optimization</a:t>
+              </a:r>
+              <a:r>
+                <a:rPr lang="en-US" sz="1050" i="1" dirty="0"/>
+                <a:t>/</a:t>
+              </a:r>
+            </a:p>
+          </p:txBody>
+        </p:sp>
+        <p:sp>
+          <p:nvSpPr>
+            <p:cNvPr id="7" name="Rectangle 6">
+              <a:extLst>
+                <a:ext uri="{FF2B5EF4-FFF2-40B4-BE49-F238E27FC236}">
+                  <a16:creationId xmlns:a16="http://schemas.microsoft.com/office/drawing/2014/main" id="{AF914E5D-E73B-2E49-B9BC-1D67306168FD}"/>
+                </a:ext>
+              </a:extLst>
+            </p:cNvPr>
+            <p:cNvSpPr/>
+            <p:nvPr/>
+          </p:nvSpPr>
+          <p:spPr>
+            <a:xfrm>
+              <a:off x="2945152" y="7378088"/>
+              <a:ext cx="553790" cy="220736"/>
+            </a:xfrm>
+            <a:prstGeom prst="rect">
+              <a:avLst/>
+            </a:prstGeom>
+            <a:solidFill>
+              <a:schemeClr val="accent6"/>
+            </a:solidFill>
+            <a:ln>
+              <a:solidFill>
+                <a:schemeClr val="tx1"/>
+              </a:solidFill>
+            </a:ln>
+          </p:spPr>
+          <p:style>
+            <a:lnRef idx="2">
+              <a:schemeClr val="accent1">
+                <a:shade val="50000"/>
+              </a:schemeClr>
+            </a:lnRef>
+            <a:fillRef idx="1">
+              <a:schemeClr val="accent1"/>
+            </a:fillRef>
+            <a:effectRef idx="0">
+              <a:schemeClr val="accent1"/>
+            </a:effectRef>
+            <a:fontRef idx="minor">
+              <a:schemeClr val="lt1"/>
+            </a:fontRef>
+          </p:style>
+          <p:txBody>
+            <a:bodyPr rtlCol="0" anchor="ctr"/>
+            <a:lstStyle/>
+            <a:p>
+              <a:pPr algn="ctr"/>
+              <a:r>
+                <a:rPr lang="en-US" sz="800" i="1" dirty="0">
+                  <a:solidFill>
+                    <a:schemeClr val="tx1"/>
+                  </a:solidFill>
+                </a:rPr>
+                <a:t>boat1</a:t>
+              </a:r>
+            </a:p>
+          </p:txBody>
+        </p:sp>
+        <p:sp>
+          <p:nvSpPr>
+            <p:cNvPr id="8" name="Rectangle 7">
+              <a:extLst>
+                <a:ext uri="{FF2B5EF4-FFF2-40B4-BE49-F238E27FC236}">
+                  <a16:creationId xmlns:a16="http://schemas.microsoft.com/office/drawing/2014/main" id="{A4C2C62E-4928-A142-B53D-42565785801A}"/>
+                </a:ext>
+              </a:extLst>
+            </p:cNvPr>
+            <p:cNvSpPr/>
+            <p:nvPr/>
+          </p:nvSpPr>
+          <p:spPr>
+            <a:xfrm>
+              <a:off x="2945151" y="7600799"/>
+              <a:ext cx="553790" cy="220736"/>
+            </a:xfrm>
+            <a:prstGeom prst="rect">
+              <a:avLst/>
+            </a:prstGeom>
+            <a:solidFill>
+              <a:schemeClr val="accent6"/>
+            </a:solidFill>
+            <a:ln>
+              <a:solidFill>
+                <a:schemeClr val="tx1"/>
+              </a:solidFill>
+            </a:ln>
+          </p:spPr>
+          <p:style>
+            <a:lnRef idx="2">
+              <a:schemeClr val="accent1">
+                <a:shade val="50000"/>
+              </a:schemeClr>
+            </a:lnRef>
+            <a:fillRef idx="1">
+              <a:schemeClr val="accent1"/>
+            </a:fillRef>
+            <a:effectRef idx="0">
+              <a:schemeClr val="accent1"/>
+            </a:effectRef>
+            <a:fontRef idx="minor">
+              <a:schemeClr val="lt1"/>
+            </a:fontRef>
+          </p:style>
+          <p:txBody>
+            <a:bodyPr rtlCol="0" anchor="ctr"/>
+            <a:lstStyle/>
+            <a:p>
+              <a:pPr algn="ctr"/>
+              <a:r>
+                <a:rPr lang="en-US" sz="800" i="1" dirty="0">
+                  <a:solidFill>
+                    <a:schemeClr val="tx1"/>
+                  </a:solidFill>
+                </a:rPr>
+                <a:t>boat2</a:t>
+              </a:r>
+            </a:p>
+          </p:txBody>
+        </p:sp>
+        <p:sp>
+          <p:nvSpPr>
+            <p:cNvPr id="9" name="Rectangle 8">
+              <a:extLst>
+                <a:ext uri="{FF2B5EF4-FFF2-40B4-BE49-F238E27FC236}">
+                  <a16:creationId xmlns:a16="http://schemas.microsoft.com/office/drawing/2014/main" id="{4079472E-B725-3F4E-A7DA-CD797F6433C1}"/>
+                </a:ext>
+              </a:extLst>
+            </p:cNvPr>
+            <p:cNvSpPr/>
+            <p:nvPr/>
+          </p:nvSpPr>
+          <p:spPr>
+            <a:xfrm>
+              <a:off x="2945152" y="7821782"/>
+              <a:ext cx="553790" cy="220736"/>
+            </a:xfrm>
+            <a:prstGeom prst="rect">
+              <a:avLst/>
+            </a:prstGeom>
+            <a:solidFill>
+              <a:schemeClr val="accent6"/>
+            </a:solidFill>
+            <a:ln>
+              <a:solidFill>
+                <a:schemeClr val="tx1"/>
+              </a:solidFill>
+            </a:ln>
+          </p:spPr>
+          <p:style>
+            <a:lnRef idx="2">
+              <a:schemeClr val="accent1">
+                <a:shade val="50000"/>
+              </a:schemeClr>
+            </a:lnRef>
+            <a:fillRef idx="1">
+              <a:schemeClr val="accent1"/>
+            </a:fillRef>
+            <a:effectRef idx="0">
+              <a:schemeClr val="accent1"/>
+            </a:effectRef>
+            <a:fontRef idx="minor">
+              <a:schemeClr val="lt1"/>
+            </a:fontRef>
+          </p:style>
+          <p:txBody>
+            <a:bodyPr rtlCol="0" anchor="ctr"/>
+            <a:lstStyle/>
+            <a:p>
+              <a:pPr algn="ctr"/>
+              <a:r>
+                <a:rPr lang="en-US" sz="800" i="1" dirty="0">
+                  <a:solidFill>
+                    <a:schemeClr val="tx1"/>
+                  </a:solidFill>
+                </a:rPr>
+                <a:t>boat3</a:t>
+              </a:r>
+            </a:p>
+          </p:txBody>
+        </p:sp>
+        <p:grpSp>
+          <p:nvGrpSpPr>
+            <p:cNvPr id="11" name="Group 10">
+              <a:extLst>
+                <a:ext uri="{FF2B5EF4-FFF2-40B4-BE49-F238E27FC236}">
+                  <a16:creationId xmlns:a16="http://schemas.microsoft.com/office/drawing/2014/main" id="{7B00CB09-0648-7648-9A9C-6629FDEABCDF}"/>
+                </a:ext>
+              </a:extLst>
+            </p:cNvPr>
+            <p:cNvGrpSpPr/>
+            <p:nvPr/>
+          </p:nvGrpSpPr>
+          <p:grpSpPr>
+            <a:xfrm>
+              <a:off x="2622469" y="5658232"/>
+              <a:ext cx="1510862" cy="1173914"/>
+              <a:chOff x="556447" y="6609080"/>
+              <a:chExt cx="1510862" cy="1173914"/>
+            </a:xfrm>
+          </p:grpSpPr>
+          <p:sp>
+            <p:nvSpPr>
+              <p:cNvPr id="23" name="Rectangle 22">
+                <a:extLst>
+                  <a:ext uri="{FF2B5EF4-FFF2-40B4-BE49-F238E27FC236}">
+                    <a16:creationId xmlns:a16="http://schemas.microsoft.com/office/drawing/2014/main" id="{B30173BE-49EB-2840-93F6-5856AB9CD913}"/>
+                  </a:ext>
+                </a:extLst>
+              </p:cNvPr>
+              <p:cNvSpPr/>
+              <p:nvPr/>
+            </p:nvSpPr>
+            <p:spPr>
+              <a:xfrm>
+                <a:off x="621975" y="6609080"/>
+                <a:ext cx="1407745" cy="1173914"/>
+              </a:xfrm>
+              <a:prstGeom prst="rect">
+                <a:avLst/>
+              </a:prstGeom>
+              <a:solidFill>
+                <a:schemeClr val="accent2"/>
+              </a:solidFill>
+              <a:ln>
+                <a:solidFill>
+                  <a:schemeClr val="tx1"/>
+                </a:solidFill>
+              </a:ln>
+            </p:spPr>
+            <p:style>
+              <a:lnRef idx="2">
+                <a:schemeClr val="accent1">
+                  <a:shade val="50000"/>
+                </a:schemeClr>
+              </a:lnRef>
+              <a:fillRef idx="1">
+                <a:schemeClr val="accent1"/>
+              </a:fillRef>
+              <a:effectRef idx="0">
+                <a:schemeClr val="accent1"/>
+              </a:effectRef>
+              <a:fontRef idx="minor">
+                <a:schemeClr val="lt1"/>
+              </a:fontRef>
+            </p:style>
+            <p:txBody>
+              <a:bodyPr rtlCol="0" anchor="ctr"/>
+              <a:lstStyle/>
+              <a:p>
+                <a:pPr algn="ctr"/>
+                <a:endParaRPr lang="en-US" sz="1200"/>
+              </a:p>
+            </p:txBody>
+          </p:sp>
+          <p:sp>
+            <p:nvSpPr>
+              <p:cNvPr id="24" name="TextBox 23">
+                <a:extLst>
+                  <a:ext uri="{FF2B5EF4-FFF2-40B4-BE49-F238E27FC236}">
+                    <a16:creationId xmlns:a16="http://schemas.microsoft.com/office/drawing/2014/main" id="{64D48422-B685-8B40-96C2-B370084E9FAB}"/>
+                  </a:ext>
+                </a:extLst>
+              </p:cNvPr>
+              <p:cNvSpPr txBox="1"/>
+              <p:nvPr/>
+            </p:nvSpPr>
+            <p:spPr>
+              <a:xfrm>
+                <a:off x="556447" y="7536773"/>
+                <a:ext cx="1510862" cy="246221"/>
+              </a:xfrm>
+              <a:prstGeom prst="rect">
+                <a:avLst/>
+              </a:prstGeom>
+              <a:noFill/>
+            </p:spPr>
+            <p:txBody>
+              <a:bodyPr wrap="square">
+                <a:spAutoFit/>
+              </a:bodyPr>
+              <a:lstStyle/>
+              <a:p>
+                <a:pPr algn="ctr"/>
+                <a:r>
+                  <a:rPr lang="en-US" sz="1000" i="1" dirty="0"/>
+                  <a:t>~data/</a:t>
+                </a:r>
+              </a:p>
+            </p:txBody>
+          </p:sp>
+          <p:sp>
+            <p:nvSpPr>
+              <p:cNvPr id="25" name="Rectangle 24">
+                <a:extLst>
+                  <a:ext uri="{FF2B5EF4-FFF2-40B4-BE49-F238E27FC236}">
+                    <a16:creationId xmlns:a16="http://schemas.microsoft.com/office/drawing/2014/main" id="{F3EBD61A-125A-BD41-ACEA-35246ABAD349}"/>
+                  </a:ext>
+                </a:extLst>
+              </p:cNvPr>
+              <p:cNvSpPr/>
+              <p:nvPr/>
+            </p:nvSpPr>
+            <p:spPr>
+              <a:xfrm>
+                <a:off x="769845" y="7108485"/>
+                <a:ext cx="1112003" cy="394550"/>
+              </a:xfrm>
+              <a:prstGeom prst="rect">
+                <a:avLst/>
+              </a:prstGeom>
+              <a:solidFill>
+                <a:schemeClr val="accent6"/>
+              </a:solidFill>
+              <a:ln>
+                <a:solidFill>
+                  <a:schemeClr val="tx1"/>
+                </a:solidFill>
+              </a:ln>
+            </p:spPr>
+            <p:style>
+              <a:lnRef idx="2">
+                <a:schemeClr val="accent1">
+                  <a:shade val="50000"/>
+                </a:schemeClr>
+              </a:lnRef>
+              <a:fillRef idx="1">
+                <a:schemeClr val="accent1"/>
+              </a:fillRef>
+              <a:effectRef idx="0">
+                <a:schemeClr val="accent1"/>
+              </a:effectRef>
+              <a:fontRef idx="minor">
+                <a:schemeClr val="lt1"/>
+              </a:fontRef>
+            </p:style>
+            <p:txBody>
+              <a:bodyPr rtlCol="0" anchor="ctr"/>
+              <a:lstStyle/>
+              <a:p>
+                <a:pPr algn="ctr"/>
+                <a:r>
+                  <a:rPr lang="en-US" sz="800" i="1" dirty="0" err="1">
+                    <a:solidFill>
+                      <a:schemeClr val="tx1"/>
+                    </a:solidFill>
+                  </a:rPr>
+                  <a:t>optimization_knitted_results.RData</a:t>
+                </a:r>
+                <a:endParaRPr lang="en-US" sz="800" i="1" dirty="0">
+                  <a:solidFill>
+                    <a:schemeClr val="tx1"/>
+                  </a:solidFill>
+                </a:endParaRPr>
+              </a:p>
+            </p:txBody>
+          </p:sp>
+          <p:sp>
+            <p:nvSpPr>
+              <p:cNvPr id="26" name="Rectangle 25">
+                <a:extLst>
+                  <a:ext uri="{FF2B5EF4-FFF2-40B4-BE49-F238E27FC236}">
+                    <a16:creationId xmlns:a16="http://schemas.microsoft.com/office/drawing/2014/main" id="{212F333E-0038-1147-B95D-7783E5130B67}"/>
+                  </a:ext>
+                </a:extLst>
+              </p:cNvPr>
+              <p:cNvSpPr/>
+              <p:nvPr/>
+            </p:nvSpPr>
+            <p:spPr>
+              <a:xfrm>
+                <a:off x="769845" y="6775465"/>
+                <a:ext cx="1112003" cy="333020"/>
+              </a:xfrm>
+              <a:prstGeom prst="rect">
+                <a:avLst/>
+              </a:prstGeom>
+              <a:solidFill>
+                <a:schemeClr val="accent6"/>
+              </a:solidFill>
+              <a:ln>
+                <a:solidFill>
+                  <a:schemeClr val="tx1"/>
+                </a:solidFill>
+              </a:ln>
+            </p:spPr>
+            <p:style>
+              <a:lnRef idx="2">
+                <a:schemeClr val="accent1">
+                  <a:shade val="50000"/>
+                </a:schemeClr>
+              </a:lnRef>
+              <a:fillRef idx="1">
+                <a:schemeClr val="accent1"/>
+              </a:fillRef>
+              <a:effectRef idx="0">
+                <a:schemeClr val="accent1"/>
+              </a:effectRef>
+              <a:fontRef idx="minor">
+                <a:schemeClr val="lt1"/>
+              </a:fontRef>
+            </p:style>
+            <p:txBody>
+              <a:bodyPr rtlCol="0" anchor="ctr"/>
+              <a:lstStyle/>
+              <a:p>
+                <a:pPr algn="ctr"/>
+                <a:r>
+                  <a:rPr lang="en-US" sz="800" i="1" dirty="0" err="1">
+                    <a:solidFill>
+                      <a:schemeClr val="tx1"/>
+                    </a:solidFill>
+                  </a:rPr>
+                  <a:t>Extrapolation_depths.RData</a:t>
+                </a:r>
+                <a:endParaRPr lang="en-US" sz="800" i="1" dirty="0">
+                  <a:solidFill>
+                    <a:schemeClr val="tx1"/>
+                  </a:solidFill>
+                </a:endParaRPr>
+              </a:p>
+            </p:txBody>
+          </p:sp>
+        </p:grpSp>
+        <p:sp>
+          <p:nvSpPr>
+            <p:cNvPr id="12" name="Rectangle 11">
+              <a:extLst>
+                <a:ext uri="{FF2B5EF4-FFF2-40B4-BE49-F238E27FC236}">
+                  <a16:creationId xmlns:a16="http://schemas.microsoft.com/office/drawing/2014/main" id="{B85451B4-590E-AB49-9297-0C05D10482AB}"/>
+                </a:ext>
+              </a:extLst>
+            </p:cNvPr>
+            <p:cNvSpPr/>
+            <p:nvPr/>
+          </p:nvSpPr>
+          <p:spPr>
+            <a:xfrm>
+              <a:off x="4535127" y="5664067"/>
+              <a:ext cx="1489857" cy="1331910"/>
+            </a:xfrm>
+            <a:prstGeom prst="rect">
+              <a:avLst/>
+            </a:prstGeom>
+            <a:solidFill>
+              <a:schemeClr val="accent2"/>
+            </a:solidFill>
+            <a:ln>
+              <a:solidFill>
+                <a:schemeClr val="tx1"/>
+              </a:solidFill>
+            </a:ln>
+          </p:spPr>
+          <p:style>
+            <a:lnRef idx="2">
+              <a:schemeClr val="accent1">
+                <a:shade val="50000"/>
+              </a:schemeClr>
+            </a:lnRef>
+            <a:fillRef idx="1">
+              <a:schemeClr val="accent1"/>
+            </a:fillRef>
+            <a:effectRef idx="0">
+              <a:schemeClr val="accent1"/>
+            </a:effectRef>
+            <a:fontRef idx="minor">
+              <a:schemeClr val="lt1"/>
+            </a:fontRef>
+          </p:style>
+          <p:txBody>
+            <a:bodyPr rtlCol="0" anchor="ctr"/>
+            <a:lstStyle/>
+            <a:p>
+              <a:pPr algn="ctr"/>
+              <a:endParaRPr lang="en-US" sz="1200"/>
+            </a:p>
+          </p:txBody>
+        </p:sp>
+        <p:sp>
+          <p:nvSpPr>
+            <p:cNvPr id="13" name="TextBox 12">
+              <a:extLst>
+                <a:ext uri="{FF2B5EF4-FFF2-40B4-BE49-F238E27FC236}">
+                  <a16:creationId xmlns:a16="http://schemas.microsoft.com/office/drawing/2014/main" id="{448F8F25-9093-4148-A0ED-B3D6FF038DB2}"/>
+                </a:ext>
+              </a:extLst>
+            </p:cNvPr>
+            <p:cNvSpPr txBox="1"/>
+            <p:nvPr/>
+          </p:nvSpPr>
+          <p:spPr>
+            <a:xfrm>
+              <a:off x="4430419" y="5698658"/>
+              <a:ext cx="1598989" cy="246221"/>
+            </a:xfrm>
+            <a:prstGeom prst="rect">
+              <a:avLst/>
+            </a:prstGeom>
+            <a:noFill/>
+          </p:spPr>
+          <p:txBody>
+            <a:bodyPr wrap="square">
+              <a:spAutoFit/>
+            </a:bodyPr>
+            <a:lstStyle/>
+            <a:p>
+              <a:pPr algn="ctr"/>
+              <a:r>
+                <a:rPr lang="en-US" sz="1000" i="1" dirty="0"/>
+                <a:t>~</a:t>
+              </a:r>
+              <a:r>
+                <a:rPr lang="en-US" sz="1000" i="1" dirty="0" err="1"/>
+                <a:t>analysis_scripts</a:t>
+              </a:r>
+              <a:r>
+                <a:rPr lang="en-US" sz="1000" i="1" dirty="0"/>
+                <a:t>/</a:t>
+              </a:r>
+            </a:p>
+          </p:txBody>
+        </p:sp>
+        <p:sp>
+          <p:nvSpPr>
+            <p:cNvPr id="14" name="Rectangle 13">
+              <a:extLst>
+                <a:ext uri="{FF2B5EF4-FFF2-40B4-BE49-F238E27FC236}">
+                  <a16:creationId xmlns:a16="http://schemas.microsoft.com/office/drawing/2014/main" id="{6505EA49-02C3-4D4D-AC30-3F9784F59824}"/>
+                </a:ext>
+              </a:extLst>
+            </p:cNvPr>
+            <p:cNvSpPr/>
+            <p:nvPr/>
+          </p:nvSpPr>
+          <p:spPr>
+            <a:xfrm>
+              <a:off x="4758715" y="6144964"/>
+              <a:ext cx="1193800" cy="211165"/>
+            </a:xfrm>
+            <a:prstGeom prst="rect">
+              <a:avLst/>
+            </a:prstGeom>
+            <a:solidFill>
+              <a:schemeClr val="accent4"/>
+            </a:solidFill>
+            <a:ln>
+              <a:solidFill>
+                <a:schemeClr val="tx1"/>
+              </a:solidFill>
+            </a:ln>
+          </p:spPr>
+          <p:style>
+            <a:lnRef idx="2">
+              <a:schemeClr val="accent1">
+                <a:shade val="50000"/>
+              </a:schemeClr>
+            </a:lnRef>
+            <a:fillRef idx="1">
+              <a:schemeClr val="accent1"/>
+            </a:fillRef>
+            <a:effectRef idx="0">
+              <a:schemeClr val="accent1"/>
+            </a:effectRef>
+            <a:fontRef idx="minor">
+              <a:schemeClr val="lt1"/>
+            </a:fontRef>
+          </p:style>
+          <p:txBody>
+            <a:bodyPr rtlCol="0" anchor="ctr"/>
+            <a:lstStyle/>
+            <a:p>
+              <a:pPr algn="ctr"/>
+              <a:r>
+                <a:rPr lang="en-US" sz="800" i="1" dirty="0" err="1">
+                  <a:solidFill>
+                    <a:schemeClr val="tx1"/>
+                  </a:solidFill>
+                </a:rPr>
+                <a:t>Survey_Optimization.R</a:t>
+              </a:r>
+              <a:endParaRPr lang="en-US" sz="800" i="1" dirty="0">
+                <a:solidFill>
+                  <a:schemeClr val="tx1"/>
+                </a:solidFill>
+              </a:endParaRPr>
+            </a:p>
+          </p:txBody>
+        </p:sp>
+        <p:cxnSp>
+          <p:nvCxnSpPr>
+            <p:cNvPr id="15" name="Straight Arrow Connector 14">
+              <a:extLst>
+                <a:ext uri="{FF2B5EF4-FFF2-40B4-BE49-F238E27FC236}">
+                  <a16:creationId xmlns:a16="http://schemas.microsoft.com/office/drawing/2014/main" id="{286367D7-B95C-8C4A-A6AC-8E51F19D5782}"/>
+                </a:ext>
+              </a:extLst>
+            </p:cNvPr>
+            <p:cNvCxnSpPr>
+              <a:cxnSpLocks/>
+              <a:stCxn id="23" idx="3"/>
+              <a:endCxn id="14" idx="1"/>
+            </p:cNvCxnSpPr>
+            <p:nvPr/>
+          </p:nvCxnSpPr>
+          <p:spPr>
+            <a:xfrm>
+              <a:off x="4095742" y="6245189"/>
+              <a:ext cx="662973" cy="5358"/>
+            </a:xfrm>
+            <a:prstGeom prst="straightConnector1">
+              <a:avLst/>
+            </a:prstGeom>
+            <a:ln w="38100">
+              <a:solidFill>
+                <a:schemeClr val="tx1"/>
+              </a:solidFill>
+              <a:tailEnd type="triangle"/>
+            </a:ln>
+          </p:spPr>
+          <p:style>
+            <a:lnRef idx="1">
+              <a:schemeClr val="accent1"/>
+            </a:lnRef>
+            <a:fillRef idx="0">
+              <a:schemeClr val="accent1"/>
+            </a:fillRef>
+            <a:effectRef idx="0">
+              <a:schemeClr val="accent1"/>
+            </a:effectRef>
+            <a:fontRef idx="minor">
+              <a:schemeClr val="tx1"/>
+            </a:fontRef>
+          </p:style>
+        </p:cxnSp>
+        <p:cxnSp>
+          <p:nvCxnSpPr>
+            <p:cNvPr id="16" name="Straight Arrow Connector 15">
+              <a:extLst>
+                <a:ext uri="{FF2B5EF4-FFF2-40B4-BE49-F238E27FC236}">
+                  <a16:creationId xmlns:a16="http://schemas.microsoft.com/office/drawing/2014/main" id="{937BF907-D837-2B47-9915-72FED9B689D6}"/>
+                </a:ext>
+              </a:extLst>
+            </p:cNvPr>
+            <p:cNvCxnSpPr>
+              <a:cxnSpLocks/>
+              <a:stCxn id="14" idx="2"/>
+              <a:endCxn id="8" idx="3"/>
+            </p:cNvCxnSpPr>
+            <p:nvPr/>
+          </p:nvCxnSpPr>
+          <p:spPr>
+            <a:xfrm flipH="1">
+              <a:off x="3498941" y="6356129"/>
+              <a:ext cx="1856674" cy="1355038"/>
+            </a:xfrm>
+            <a:prstGeom prst="straightConnector1">
+              <a:avLst/>
+            </a:prstGeom>
+            <a:ln w="38100">
+              <a:solidFill>
+                <a:schemeClr val="tx1"/>
+              </a:solidFill>
+              <a:tailEnd type="triangle"/>
+            </a:ln>
+          </p:spPr>
+          <p:style>
+            <a:lnRef idx="1">
+              <a:schemeClr val="accent1"/>
+            </a:lnRef>
+            <a:fillRef idx="0">
+              <a:schemeClr val="accent1"/>
+            </a:fillRef>
+            <a:effectRef idx="0">
+              <a:schemeClr val="accent1"/>
+            </a:effectRef>
+            <a:fontRef idx="minor">
+              <a:schemeClr val="tx1"/>
+            </a:fontRef>
+          </p:style>
+        </p:cxnSp>
+        <p:sp>
+          <p:nvSpPr>
+            <p:cNvPr id="17" name="Rectangle 16">
+              <a:extLst>
+                <a:ext uri="{FF2B5EF4-FFF2-40B4-BE49-F238E27FC236}">
+                  <a16:creationId xmlns:a16="http://schemas.microsoft.com/office/drawing/2014/main" id="{E8507668-3471-3441-8A47-BFEB375E53AD}"/>
+                </a:ext>
+              </a:extLst>
+            </p:cNvPr>
+            <p:cNvSpPr/>
+            <p:nvPr/>
+          </p:nvSpPr>
+          <p:spPr>
+            <a:xfrm>
+              <a:off x="4969708" y="6698625"/>
+              <a:ext cx="981230" cy="223456"/>
+            </a:xfrm>
+            <a:prstGeom prst="rect">
+              <a:avLst/>
+            </a:prstGeom>
+            <a:solidFill>
+              <a:schemeClr val="accent4"/>
+            </a:solidFill>
+            <a:ln>
+              <a:solidFill>
+                <a:schemeClr val="tx1"/>
+              </a:solidFill>
+            </a:ln>
+          </p:spPr>
+          <p:style>
+            <a:lnRef idx="2">
+              <a:schemeClr val="accent1">
+                <a:shade val="50000"/>
+              </a:schemeClr>
+            </a:lnRef>
+            <a:fillRef idx="1">
+              <a:schemeClr val="accent1"/>
+            </a:fillRef>
+            <a:effectRef idx="0">
+              <a:schemeClr val="accent1"/>
+            </a:effectRef>
+            <a:fontRef idx="minor">
+              <a:schemeClr val="lt1"/>
+            </a:fontRef>
+          </p:style>
+          <p:txBody>
+            <a:bodyPr rtlCol="0" anchor="ctr"/>
+            <a:lstStyle/>
+            <a:p>
+              <a:pPr algn="ctr"/>
+              <a:r>
+                <a:rPr lang="en-US" sz="800" i="1" dirty="0" err="1">
+                  <a:solidFill>
+                    <a:schemeClr val="tx1"/>
+                  </a:solidFill>
+                </a:rPr>
+                <a:t>knitting_runs.R</a:t>
+              </a:r>
+              <a:endParaRPr lang="en-US" sz="800" i="1" dirty="0">
+                <a:solidFill>
+                  <a:schemeClr val="tx1"/>
+                </a:solidFill>
+              </a:endParaRPr>
+            </a:p>
+          </p:txBody>
+        </p:sp>
+        <p:cxnSp>
+          <p:nvCxnSpPr>
+            <p:cNvPr id="18" name="Straight Arrow Connector 17">
+              <a:extLst>
+                <a:ext uri="{FF2B5EF4-FFF2-40B4-BE49-F238E27FC236}">
+                  <a16:creationId xmlns:a16="http://schemas.microsoft.com/office/drawing/2014/main" id="{9D7039C5-C4C1-D64C-AE4C-C78F24E8328C}"/>
+                </a:ext>
+              </a:extLst>
+            </p:cNvPr>
+            <p:cNvCxnSpPr>
+              <a:cxnSpLocks/>
+              <a:stCxn id="8" idx="3"/>
+              <a:endCxn id="17" idx="2"/>
+            </p:cNvCxnSpPr>
+            <p:nvPr/>
+          </p:nvCxnSpPr>
+          <p:spPr>
+            <a:xfrm flipV="1">
+              <a:off x="3498941" y="6922081"/>
+              <a:ext cx="1961382" cy="789086"/>
+            </a:xfrm>
+            <a:prstGeom prst="straightConnector1">
+              <a:avLst/>
+            </a:prstGeom>
+            <a:ln w="38100">
+              <a:solidFill>
+                <a:schemeClr val="tx1"/>
+              </a:solidFill>
+              <a:tailEnd type="triangle"/>
+            </a:ln>
+          </p:spPr>
+          <p:style>
+            <a:lnRef idx="1">
+              <a:schemeClr val="accent1"/>
+            </a:lnRef>
+            <a:fillRef idx="0">
+              <a:schemeClr val="accent1"/>
+            </a:fillRef>
+            <a:effectRef idx="0">
+              <a:schemeClr val="accent1"/>
+            </a:effectRef>
+            <a:fontRef idx="minor">
+              <a:schemeClr val="tx1"/>
+            </a:fontRef>
+          </p:style>
+        </p:cxnSp>
+        <p:cxnSp>
+          <p:nvCxnSpPr>
+            <p:cNvPr id="19" name="Straight Arrow Connector 18">
+              <a:extLst>
+                <a:ext uri="{FF2B5EF4-FFF2-40B4-BE49-F238E27FC236}">
+                  <a16:creationId xmlns:a16="http://schemas.microsoft.com/office/drawing/2014/main" id="{880930A0-A183-4147-AFF9-AD192D054AD2}"/>
+                </a:ext>
+              </a:extLst>
+            </p:cNvPr>
+            <p:cNvCxnSpPr>
+              <a:cxnSpLocks/>
+              <a:stCxn id="25" idx="3"/>
+              <a:endCxn id="17" idx="1"/>
+            </p:cNvCxnSpPr>
+            <p:nvPr/>
+          </p:nvCxnSpPr>
+          <p:spPr>
+            <a:xfrm>
+              <a:off x="3947870" y="6354912"/>
+              <a:ext cx="1021838" cy="455441"/>
+            </a:xfrm>
+            <a:prstGeom prst="straightConnector1">
+              <a:avLst/>
+            </a:prstGeom>
+            <a:ln w="38100">
+              <a:solidFill>
+                <a:schemeClr val="tx1"/>
+              </a:solidFill>
+              <a:tailEnd type="triangle"/>
+            </a:ln>
+          </p:spPr>
+          <p:style>
+            <a:lnRef idx="1">
+              <a:schemeClr val="accent1"/>
+            </a:lnRef>
+            <a:fillRef idx="0">
+              <a:schemeClr val="accent1"/>
+            </a:fillRef>
+            <a:effectRef idx="0">
+              <a:schemeClr val="accent1"/>
+            </a:effectRef>
+            <a:fontRef idx="minor">
+              <a:schemeClr val="tx1"/>
+            </a:fontRef>
+          </p:style>
+        </p:cxnSp>
+        <p:sp>
+          <p:nvSpPr>
+            <p:cNvPr id="20" name="Rectangle 19">
+              <a:extLst>
+                <a:ext uri="{FF2B5EF4-FFF2-40B4-BE49-F238E27FC236}">
+                  <a16:creationId xmlns:a16="http://schemas.microsoft.com/office/drawing/2014/main" id="{10156270-F266-6A44-8532-91FC19756A3E}"/>
+                </a:ext>
+              </a:extLst>
+            </p:cNvPr>
+            <p:cNvSpPr/>
+            <p:nvPr/>
+          </p:nvSpPr>
+          <p:spPr>
+            <a:xfrm>
+              <a:off x="3792124" y="7757122"/>
+              <a:ext cx="933401" cy="381826"/>
+            </a:xfrm>
+            <a:prstGeom prst="rect">
+              <a:avLst/>
+            </a:prstGeom>
+            <a:solidFill>
+              <a:schemeClr val="accent6"/>
+            </a:solidFill>
+            <a:ln>
+              <a:solidFill>
+                <a:schemeClr val="tx1"/>
+              </a:solidFill>
+            </a:ln>
+          </p:spPr>
+          <p:style>
+            <a:lnRef idx="2">
+              <a:schemeClr val="accent1">
+                <a:shade val="50000"/>
+              </a:schemeClr>
+            </a:lnRef>
+            <a:fillRef idx="1">
+              <a:schemeClr val="accent1"/>
+            </a:fillRef>
+            <a:effectRef idx="0">
+              <a:schemeClr val="accent1"/>
+            </a:effectRef>
+            <a:fontRef idx="minor">
+              <a:schemeClr val="lt1"/>
+            </a:fontRef>
+          </p:style>
+          <p:txBody>
+            <a:bodyPr rtlCol="0" anchor="ctr"/>
+            <a:lstStyle/>
+            <a:p>
+              <a:pPr algn="ctr"/>
+              <a:r>
+                <a:rPr lang="en-US" sz="800" i="1" dirty="0" err="1">
+                  <a:solidFill>
+                    <a:schemeClr val="tx1"/>
+                  </a:solidFill>
+                </a:rPr>
+                <a:t>optimization_knitted_results.RData</a:t>
+              </a:r>
+              <a:endParaRPr lang="en-US" sz="800" i="1" dirty="0">
+                <a:solidFill>
+                  <a:schemeClr val="tx1"/>
+                </a:solidFill>
+              </a:endParaRPr>
+            </a:p>
+          </p:txBody>
+        </p:sp>
+        <p:cxnSp>
+          <p:nvCxnSpPr>
+            <p:cNvPr id="21" name="Straight Arrow Connector 20">
+              <a:extLst>
+                <a:ext uri="{FF2B5EF4-FFF2-40B4-BE49-F238E27FC236}">
+                  <a16:creationId xmlns:a16="http://schemas.microsoft.com/office/drawing/2014/main" id="{442E902C-E050-904B-BFDF-DEF819E87CEF}"/>
+                </a:ext>
+              </a:extLst>
+            </p:cNvPr>
+            <p:cNvCxnSpPr>
+              <a:cxnSpLocks/>
+              <a:stCxn id="17" idx="2"/>
+              <a:endCxn id="20" idx="0"/>
+            </p:cNvCxnSpPr>
+            <p:nvPr/>
+          </p:nvCxnSpPr>
+          <p:spPr>
+            <a:xfrm flipH="1">
+              <a:off x="4258825" y="6922081"/>
+              <a:ext cx="1201498" cy="835041"/>
+            </a:xfrm>
+            <a:prstGeom prst="straightConnector1">
+              <a:avLst/>
+            </a:prstGeom>
+            <a:ln w="38100">
+              <a:solidFill>
+                <a:schemeClr val="tx1"/>
+              </a:solidFill>
+              <a:tailEnd type="triangle"/>
+            </a:ln>
+          </p:spPr>
+          <p:style>
+            <a:lnRef idx="1">
+              <a:schemeClr val="accent1"/>
+            </a:lnRef>
+            <a:fillRef idx="0">
+              <a:schemeClr val="accent1"/>
+            </a:fillRef>
+            <a:effectRef idx="0">
+              <a:schemeClr val="accent1"/>
+            </a:effectRef>
+            <a:fontRef idx="minor">
+              <a:schemeClr val="tx1"/>
+            </a:fontRef>
+          </p:style>
+        </p:cxnSp>
+      </p:grpSp>
+    </p:spTree>
+    <p:extLst>
+      <p:ext uri="{BB962C8B-B14F-4D97-AF65-F5344CB8AC3E}">
+        <p14:creationId xmlns:p14="http://schemas.microsoft.com/office/powerpoint/2010/main" val="1397297208"/>
+      </p:ext>
+    </p:extLst>
+  </p:cSld>
+  <p:clrMapOvr>
+    <a:masterClrMapping/>
+  </p:clrMapOvr>
+</p:sld>
+</file>
+
+<file path=ppt/slides/slide6.xml><?xml version="1.0" encoding="utf-8"?>
+<p:sld xmlns:a="http://schemas.openxmlformats.org/drawingml/2006/main" xmlns:r="http://schemas.openxmlformats.org/officeDocument/2006/relationships" xmlns:p="http://schemas.openxmlformats.org/presentationml/2006/main">
+  <p:cSld>
+    <p:spTree>
+      <p:nvGrpSpPr>
+        <p:cNvPr id="1" name=""/>
+        <p:cNvGrpSpPr/>
+        <p:nvPr/>
+      </p:nvGrpSpPr>
+      <p:grpSpPr>
+        <a:xfrm>
+          <a:off x="0" y="0"/>
+          <a:ext cx="0" cy="0"/>
+          <a:chOff x="0" y="0"/>
+          <a:chExt cx="0" cy="0"/>
+        </a:xfrm>
+      </p:grpSpPr>
+    </p:spTree>
+    <p:extLst>
+      <p:ext uri="{BB962C8B-B14F-4D97-AF65-F5344CB8AC3E}">
+        <p14:creationId xmlns:p14="http://schemas.microsoft.com/office/powerpoint/2010/main" val="424700366"/>
+      </p:ext>
+    </p:extLst>
+  </p:cSld>
+  <p:clrMapOvr>
+    <a:masterClrMapping/>
+  </p:clrMapOvr>
+</p:sld>
+</file>
+
+<file path=ppt/slides/slide7.xml><?xml version="1.0" encoding="utf-8"?>
 <p:sld xmlns:a="http://schemas.openxmlformats.org/drawingml/2006/main" xmlns:r="http://schemas.openxmlformats.org/officeDocument/2006/relationships" xmlns:p="http://schemas.openxmlformats.org/presentationml/2006/main">
   <p:cSld>
     <p:spTree>
@@ -9670,12 +11850,8 @@
             <a:p>
               <a:pPr algn="ctr"/>
               <a:r>
-                <a:rPr lang="en-US" sz="1200" i="1" dirty="0" smtClean="0"/>
-                <a:t>Single-Species Survey </a:t>
-              </a:r>
-              <a:r>
                 <a:rPr lang="en-US" sz="1200" i="1" dirty="0"/>
-                <a:t>optimization</a:t>
+                <a:t>Single-Species Survey optimization</a:t>
               </a:r>
             </a:p>
           </p:txBody>
@@ -10110,10 +12286,9 @@
               <a:p>
                 <a:pPr algn="ctr"/>
                 <a:r>
-                  <a:rPr lang="en-US" sz="1000" i="1" dirty="0" smtClean="0"/>
+                  <a:rPr lang="en-US" sz="1000" i="1" dirty="0"/>
                   <a:t>~data/</a:t>
                 </a:r>
-                <a:endParaRPr lang="en-US" sz="1000" i="1" dirty="0"/>
               </a:p>
             </p:txBody>
           </p:sp>
@@ -10234,7 +12409,7 @@
               <a:p>
                 <a:pPr algn="ctr"/>
                 <a:r>
-                  <a:rPr lang="en-US" sz="800" i="1" dirty="0" err="1" smtClean="0">
+                  <a:rPr lang="en-US" sz="800" i="1" dirty="0" err="1">
                     <a:solidFill>
                       <a:schemeClr val="tx1"/>
                     </a:solidFill>
@@ -10334,18 +12509,17 @@
             <a:p>
               <a:pPr algn="ctr"/>
               <a:r>
-                <a:rPr lang="en-US" sz="1000" i="1" dirty="0" smtClean="0"/>
+                <a:rPr lang="en-US" sz="1000" i="1" dirty="0"/>
                 <a:t>~</a:t>
               </a:r>
               <a:r>
-                <a:rPr lang="en-US" sz="1000" i="1" dirty="0" err="1" smtClean="0"/>
+                <a:rPr lang="en-US" sz="1000" i="1" dirty="0" err="1"/>
                 <a:t>analysis_scripts</a:t>
               </a:r>
               <a:r>
-                <a:rPr lang="en-US" sz="1000" i="1" dirty="0" smtClean="0"/>
+                <a:rPr lang="en-US" sz="1000" i="1" dirty="0"/>
                 <a:t>/</a:t>
               </a:r>
-              <a:endParaRPr lang="en-US" sz="1000" i="1" dirty="0"/>
             </a:p>
           </p:txBody>
         </p:sp>
@@ -10400,7 +12574,7 @@
             <a:p>
               <a:pPr algn="ctr"/>
               <a:r>
-                <a:rPr lang="en-US" sz="800" i="1" dirty="0" err="1" smtClean="0">
+                <a:rPr lang="en-US" sz="800" i="1" dirty="0" err="1">
                   <a:solidFill>
                     <a:schemeClr val="tx1"/>
                   </a:solidFill>
@@ -10558,7 +12732,7 @@
             <a:p>
               <a:pPr algn="ctr"/>
               <a:r>
-                <a:rPr lang="en-US" sz="800" i="1" dirty="0" err="1" smtClean="0">
+                <a:rPr lang="en-US" sz="800" i="1" dirty="0" err="1">
                   <a:solidFill>
                     <a:schemeClr val="tx1"/>
                   </a:solidFill>
@@ -10826,13 +13000,6 @@
   <p:clrMapOvr>
     <a:masterClrMapping/>
   </p:clrMapOvr>
-  <p:timing>
-    <p:tnLst>
-      <p:par>
-        <p:cTn id="1" dur="indefinite" restart="never" nodeType="tmRoot"/>
-      </p:par>
-    </p:tnLst>
-  </p:timing>
 </p:sld>
 </file>
 

--- a/graphics/Workflow.pptx
+++ b/graphics/Workflow.pptx
@@ -7,6 +7,7 @@
   <p:sldIdLst>
     <p:sldId id="256" r:id="rId2"/>
     <p:sldId id="257" r:id="rId3"/>
+    <p:sldId id="258" r:id="rId4"/>
   </p:sldIdLst>
   <p:sldSz cx="12192000" cy="6858000"/>
   <p:notesSz cx="6858000" cy="9144000"/>
@@ -105,6 +106,11 @@
       </a:defRPr>
     </a:lvl9pPr>
   </p:defaultTextStyle>
+  <p:extLst>
+    <p:ext uri="{EFAFB233-063F-42B5-8137-9DF3F51BA10A}">
+      <p15:sldGuideLst xmlns:p15="http://schemas.microsoft.com/office/powerpoint/2012/main"/>
+    </p:ext>
+  </p:extLst>
 </p:presentation>
 </file>
 
@@ -860,6 +866,757 @@
 </file>
 
 <file path=ppt/diagrams/colors2.xml><?xml version="1.0" encoding="utf-8"?>
+<dgm:colorsDef xmlns:dgm="http://schemas.openxmlformats.org/drawingml/2006/diagram" xmlns:a="http://schemas.openxmlformats.org/drawingml/2006/main" uniqueId="urn:microsoft.com/office/officeart/2005/8/colors/accent0_3">
+  <dgm:title val=""/>
+  <dgm:desc val=""/>
+  <dgm:catLst>
+    <dgm:cat type="mainScheme" pri="10300"/>
+  </dgm:catLst>
+  <dgm:styleLbl name="node0">
+    <dgm:fillClrLst meth="repeat">
+      <a:schemeClr val="dk2"/>
+    </dgm:fillClrLst>
+    <dgm:linClrLst meth="repeat">
+      <a:schemeClr val="lt2"/>
+    </dgm:linClrLst>
+    <dgm:effectClrLst/>
+    <dgm:txLinClrLst/>
+    <dgm:txFillClrLst/>
+    <dgm:txEffectClrLst/>
+  </dgm:styleLbl>
+  <dgm:styleLbl name="alignNode1">
+    <dgm:fillClrLst meth="repeat">
+      <a:schemeClr val="dk2"/>
+    </dgm:fillClrLst>
+    <dgm:linClrLst meth="repeat">
+      <a:schemeClr val="dk2"/>
+    </dgm:linClrLst>
+    <dgm:effectClrLst/>
+    <dgm:txLinClrLst/>
+    <dgm:txFillClrLst/>
+    <dgm:txEffectClrLst/>
+  </dgm:styleLbl>
+  <dgm:styleLbl name="node1">
+    <dgm:fillClrLst meth="repeat">
+      <a:schemeClr val="dk2"/>
+    </dgm:fillClrLst>
+    <dgm:linClrLst meth="repeat">
+      <a:schemeClr val="lt2"/>
+    </dgm:linClrLst>
+    <dgm:effectClrLst/>
+    <dgm:txLinClrLst/>
+    <dgm:txFillClrLst/>
+    <dgm:txEffectClrLst/>
+  </dgm:styleLbl>
+  <dgm:styleLbl name="lnNode1">
+    <dgm:fillClrLst meth="repeat">
+      <a:schemeClr val="dk2"/>
+    </dgm:fillClrLst>
+    <dgm:linClrLst meth="repeat">
+      <a:schemeClr val="lt2"/>
+    </dgm:linClrLst>
+    <dgm:effectClrLst/>
+    <dgm:txLinClrLst/>
+    <dgm:txFillClrLst/>
+    <dgm:txEffectClrLst/>
+  </dgm:styleLbl>
+  <dgm:styleLbl name="vennNode1">
+    <dgm:fillClrLst meth="repeat">
+      <a:schemeClr val="dk2">
+        <a:alpha val="50000"/>
+      </a:schemeClr>
+    </dgm:fillClrLst>
+    <dgm:linClrLst meth="repeat">
+      <a:schemeClr val="lt2"/>
+    </dgm:linClrLst>
+    <dgm:effectClrLst/>
+    <dgm:txLinClrLst/>
+    <dgm:txFillClrLst/>
+    <dgm:txEffectClrLst/>
+  </dgm:styleLbl>
+  <dgm:styleLbl name="node2">
+    <dgm:fillClrLst meth="repeat">
+      <a:schemeClr val="dk2"/>
+    </dgm:fillClrLst>
+    <dgm:linClrLst meth="repeat">
+      <a:schemeClr val="lt2"/>
+    </dgm:linClrLst>
+    <dgm:effectClrLst/>
+    <dgm:txLinClrLst/>
+    <dgm:txFillClrLst/>
+    <dgm:txEffectClrLst/>
+  </dgm:styleLbl>
+  <dgm:styleLbl name="node3">
+    <dgm:fillClrLst meth="repeat">
+      <a:schemeClr val="dk2"/>
+    </dgm:fillClrLst>
+    <dgm:linClrLst meth="repeat">
+      <a:schemeClr val="lt2"/>
+    </dgm:linClrLst>
+    <dgm:effectClrLst/>
+    <dgm:txLinClrLst/>
+    <dgm:txFillClrLst/>
+    <dgm:txEffectClrLst/>
+  </dgm:styleLbl>
+  <dgm:styleLbl name="node4">
+    <dgm:fillClrLst meth="repeat">
+      <a:schemeClr val="dk2"/>
+    </dgm:fillClrLst>
+    <dgm:linClrLst meth="repeat">
+      <a:schemeClr val="lt2"/>
+    </dgm:linClrLst>
+    <dgm:effectClrLst/>
+    <dgm:txLinClrLst/>
+    <dgm:txFillClrLst/>
+    <dgm:txEffectClrLst/>
+  </dgm:styleLbl>
+  <dgm:styleLbl name="fgImgPlace1">
+    <dgm:fillClrLst meth="repeat">
+      <a:schemeClr val="dk2">
+        <a:tint val="50000"/>
+      </a:schemeClr>
+    </dgm:fillClrLst>
+    <dgm:linClrLst meth="repeat">
+      <a:schemeClr val="lt2"/>
+    </dgm:linClrLst>
+    <dgm:effectClrLst/>
+    <dgm:txLinClrLst/>
+    <dgm:txFillClrLst meth="repeat">
+      <a:schemeClr val="lt2"/>
+    </dgm:txFillClrLst>
+    <dgm:txEffectClrLst/>
+  </dgm:styleLbl>
+  <dgm:styleLbl name="alignImgPlace1">
+    <dgm:fillClrLst meth="repeat">
+      <a:schemeClr val="dk2">
+        <a:tint val="50000"/>
+      </a:schemeClr>
+    </dgm:fillClrLst>
+    <dgm:linClrLst meth="repeat">
+      <a:schemeClr val="dk2">
+        <a:shade val="80000"/>
+      </a:schemeClr>
+    </dgm:linClrLst>
+    <dgm:effectClrLst/>
+    <dgm:txLinClrLst/>
+    <dgm:txFillClrLst meth="repeat">
+      <a:schemeClr val="lt2"/>
+    </dgm:txFillClrLst>
+    <dgm:txEffectClrLst/>
+  </dgm:styleLbl>
+  <dgm:styleLbl name="bgImgPlace1">
+    <dgm:fillClrLst meth="repeat">
+      <a:schemeClr val="dk2">
+        <a:tint val="50000"/>
+      </a:schemeClr>
+    </dgm:fillClrLst>
+    <dgm:linClrLst meth="repeat">
+      <a:schemeClr val="dk2">
+        <a:shade val="80000"/>
+      </a:schemeClr>
+    </dgm:linClrLst>
+    <dgm:effectClrLst/>
+    <dgm:txLinClrLst/>
+    <dgm:txFillClrLst meth="repeat">
+      <a:schemeClr val="lt2"/>
+    </dgm:txFillClrLst>
+    <dgm:txEffectClrLst/>
+  </dgm:styleLbl>
+  <dgm:styleLbl name="sibTrans2D1">
+    <dgm:fillClrLst meth="repeat">
+      <a:schemeClr val="dk2">
+        <a:tint val="60000"/>
+      </a:schemeClr>
+    </dgm:fillClrLst>
+    <dgm:linClrLst meth="repeat">
+      <a:schemeClr val="dk2">
+        <a:tint val="60000"/>
+      </a:schemeClr>
+    </dgm:linClrLst>
+    <dgm:effectClrLst/>
+    <dgm:txLinClrLst/>
+    <dgm:txFillClrLst/>
+    <dgm:txEffectClrLst/>
+  </dgm:styleLbl>
+  <dgm:styleLbl name="fgSibTrans2D1">
+    <dgm:fillClrLst meth="repeat">
+      <a:schemeClr val="dk2">
+        <a:tint val="60000"/>
+      </a:schemeClr>
+    </dgm:fillClrLst>
+    <dgm:linClrLst meth="repeat">
+      <a:schemeClr val="dk2">
+        <a:tint val="60000"/>
+      </a:schemeClr>
+    </dgm:linClrLst>
+    <dgm:effectClrLst/>
+    <dgm:txLinClrLst/>
+    <dgm:txFillClrLst/>
+    <dgm:txEffectClrLst/>
+  </dgm:styleLbl>
+  <dgm:styleLbl name="bgSibTrans2D1">
+    <dgm:fillClrLst meth="repeat">
+      <a:schemeClr val="dk2">
+        <a:tint val="60000"/>
+      </a:schemeClr>
+    </dgm:fillClrLst>
+    <dgm:linClrLst meth="repeat">
+      <a:schemeClr val="dk2">
+        <a:tint val="60000"/>
+      </a:schemeClr>
+    </dgm:linClrLst>
+    <dgm:effectClrLst/>
+    <dgm:txLinClrLst/>
+    <dgm:txFillClrLst/>
+    <dgm:txEffectClrLst/>
+  </dgm:styleLbl>
+  <dgm:styleLbl name="sibTrans1D1">
+    <dgm:fillClrLst meth="repeat">
+      <a:schemeClr val="dk2"/>
+    </dgm:fillClrLst>
+    <dgm:linClrLst meth="repeat">
+      <a:schemeClr val="dk2"/>
+    </dgm:linClrLst>
+    <dgm:effectClrLst/>
+    <dgm:txLinClrLst/>
+    <dgm:txFillClrLst meth="repeat">
+      <a:schemeClr val="lt2"/>
+    </dgm:txFillClrLst>
+    <dgm:txEffectClrLst/>
+  </dgm:styleLbl>
+  <dgm:styleLbl name="callout">
+    <dgm:fillClrLst meth="repeat">
+      <a:schemeClr val="dk2"/>
+    </dgm:fillClrLst>
+    <dgm:linClrLst meth="repeat">
+      <a:schemeClr val="dk2">
+        <a:tint val="50000"/>
+      </a:schemeClr>
+    </dgm:linClrLst>
+    <dgm:effectClrLst/>
+    <dgm:txLinClrLst/>
+    <dgm:txFillClrLst meth="repeat">
+      <a:schemeClr val="lt2"/>
+    </dgm:txFillClrLst>
+    <dgm:txEffectClrLst/>
+  </dgm:styleLbl>
+  <dgm:styleLbl name="asst0">
+    <dgm:fillClrLst meth="repeat">
+      <a:schemeClr val="dk2"/>
+    </dgm:fillClrLst>
+    <dgm:linClrLst meth="repeat">
+      <a:schemeClr val="lt2"/>
+    </dgm:linClrLst>
+    <dgm:effectClrLst/>
+    <dgm:txLinClrLst/>
+    <dgm:txFillClrLst/>
+    <dgm:txEffectClrLst/>
+  </dgm:styleLbl>
+  <dgm:styleLbl name="asst1">
+    <dgm:fillClrLst meth="repeat">
+      <a:schemeClr val="dk2"/>
+    </dgm:fillClrLst>
+    <dgm:linClrLst meth="repeat">
+      <a:schemeClr val="lt2"/>
+    </dgm:linClrLst>
+    <dgm:effectClrLst/>
+    <dgm:txLinClrLst/>
+    <dgm:txFillClrLst/>
+    <dgm:txEffectClrLst/>
+  </dgm:styleLbl>
+  <dgm:styleLbl name="asst2">
+    <dgm:fillClrLst meth="repeat">
+      <a:schemeClr val="dk2"/>
+    </dgm:fillClrLst>
+    <dgm:linClrLst meth="repeat">
+      <a:schemeClr val="lt2"/>
+    </dgm:linClrLst>
+    <dgm:effectClrLst/>
+    <dgm:txLinClrLst/>
+    <dgm:txFillClrLst/>
+    <dgm:txEffectClrLst/>
+  </dgm:styleLbl>
+  <dgm:styleLbl name="asst3">
+    <dgm:fillClrLst meth="repeat">
+      <a:schemeClr val="dk2"/>
+    </dgm:fillClrLst>
+    <dgm:linClrLst meth="repeat">
+      <a:schemeClr val="lt2"/>
+    </dgm:linClrLst>
+    <dgm:effectClrLst/>
+    <dgm:txLinClrLst/>
+    <dgm:txFillClrLst/>
+    <dgm:txEffectClrLst/>
+  </dgm:styleLbl>
+  <dgm:styleLbl name="asst4">
+    <dgm:fillClrLst meth="repeat">
+      <a:schemeClr val="dk2"/>
+    </dgm:fillClrLst>
+    <dgm:linClrLst meth="repeat">
+      <a:schemeClr val="lt2"/>
+    </dgm:linClrLst>
+    <dgm:effectClrLst/>
+    <dgm:txLinClrLst/>
+    <dgm:txFillClrLst/>
+    <dgm:txEffectClrLst/>
+  </dgm:styleLbl>
+  <dgm:styleLbl name="parChTrans2D1">
+    <dgm:fillClrLst meth="repeat">
+      <a:schemeClr val="dk2">
+        <a:tint val="60000"/>
+      </a:schemeClr>
+    </dgm:fillClrLst>
+    <dgm:linClrLst meth="repeat">
+      <a:schemeClr val="dk2">
+        <a:tint val="60000"/>
+      </a:schemeClr>
+    </dgm:linClrLst>
+    <dgm:effectClrLst/>
+    <dgm:txLinClrLst/>
+    <dgm:txFillClrLst meth="repeat">
+      <a:schemeClr val="lt2"/>
+    </dgm:txFillClrLst>
+    <dgm:txEffectClrLst/>
+  </dgm:styleLbl>
+  <dgm:styleLbl name="parChTrans2D2">
+    <dgm:fillClrLst meth="repeat">
+      <a:schemeClr val="dk2"/>
+    </dgm:fillClrLst>
+    <dgm:linClrLst meth="repeat">
+      <a:schemeClr val="dk2"/>
+    </dgm:linClrLst>
+    <dgm:effectClrLst/>
+    <dgm:txLinClrLst/>
+    <dgm:txFillClrLst meth="repeat">
+      <a:schemeClr val="lt2"/>
+    </dgm:txFillClrLst>
+    <dgm:txEffectClrLst/>
+  </dgm:styleLbl>
+  <dgm:styleLbl name="parChTrans2D3">
+    <dgm:fillClrLst meth="repeat">
+      <a:schemeClr val="dk2"/>
+    </dgm:fillClrLst>
+    <dgm:linClrLst meth="repeat">
+      <a:schemeClr val="dk2"/>
+    </dgm:linClrLst>
+    <dgm:effectClrLst/>
+    <dgm:txLinClrLst/>
+    <dgm:txFillClrLst meth="repeat">
+      <a:schemeClr val="lt2"/>
+    </dgm:txFillClrLst>
+    <dgm:txEffectClrLst/>
+  </dgm:styleLbl>
+  <dgm:styleLbl name="parChTrans2D4">
+    <dgm:fillClrLst meth="repeat">
+      <a:schemeClr val="dk2"/>
+    </dgm:fillClrLst>
+    <dgm:linClrLst meth="repeat">
+      <a:schemeClr val="dk2"/>
+    </dgm:linClrLst>
+    <dgm:effectClrLst/>
+    <dgm:txLinClrLst/>
+    <dgm:txFillClrLst meth="repeat">
+      <a:schemeClr val="lt2"/>
+    </dgm:txFillClrLst>
+    <dgm:txEffectClrLst/>
+  </dgm:styleLbl>
+  <dgm:styleLbl name="parChTrans1D1">
+    <dgm:fillClrLst meth="repeat">
+      <a:schemeClr val="dk2"/>
+    </dgm:fillClrLst>
+    <dgm:linClrLst meth="repeat">
+      <a:schemeClr val="dk2">
+        <a:shade val="60000"/>
+      </a:schemeClr>
+    </dgm:linClrLst>
+    <dgm:effectClrLst/>
+    <dgm:txLinClrLst/>
+    <dgm:txFillClrLst meth="repeat">
+      <a:schemeClr val="tx1"/>
+    </dgm:txFillClrLst>
+    <dgm:txEffectClrLst/>
+  </dgm:styleLbl>
+  <dgm:styleLbl name="parChTrans1D2">
+    <dgm:fillClrLst meth="repeat">
+      <a:schemeClr val="dk2"/>
+    </dgm:fillClrLst>
+    <dgm:linClrLst meth="repeat">
+      <a:schemeClr val="dk2">
+        <a:shade val="60000"/>
+      </a:schemeClr>
+    </dgm:linClrLst>
+    <dgm:effectClrLst/>
+    <dgm:txLinClrLst/>
+    <dgm:txFillClrLst meth="repeat">
+      <a:schemeClr val="tx1"/>
+    </dgm:txFillClrLst>
+    <dgm:txEffectClrLst/>
+  </dgm:styleLbl>
+  <dgm:styleLbl name="parChTrans1D3">
+    <dgm:fillClrLst meth="repeat">
+      <a:schemeClr val="dk2"/>
+    </dgm:fillClrLst>
+    <dgm:linClrLst meth="repeat">
+      <a:schemeClr val="dk2">
+        <a:shade val="80000"/>
+      </a:schemeClr>
+    </dgm:linClrLst>
+    <dgm:effectClrLst/>
+    <dgm:txLinClrLst/>
+    <dgm:txFillClrLst meth="repeat">
+      <a:schemeClr val="tx1"/>
+    </dgm:txFillClrLst>
+    <dgm:txEffectClrLst/>
+  </dgm:styleLbl>
+  <dgm:styleLbl name="parChTrans1D4">
+    <dgm:fillClrLst meth="repeat">
+      <a:schemeClr val="dk2"/>
+    </dgm:fillClrLst>
+    <dgm:linClrLst meth="repeat">
+      <a:schemeClr val="dk2">
+        <a:shade val="80000"/>
+      </a:schemeClr>
+    </dgm:linClrLst>
+    <dgm:effectClrLst/>
+    <dgm:txLinClrLst/>
+    <dgm:txFillClrLst meth="repeat">
+      <a:schemeClr val="tx1"/>
+    </dgm:txFillClrLst>
+    <dgm:txEffectClrLst/>
+  </dgm:styleLbl>
+  <dgm:styleLbl name="fgAcc1">
+    <dgm:fillClrLst meth="repeat">
+      <a:schemeClr val="lt2">
+        <a:alpha val="90000"/>
+      </a:schemeClr>
+    </dgm:fillClrLst>
+    <dgm:linClrLst meth="repeat">
+      <a:schemeClr val="dk2"/>
+    </dgm:linClrLst>
+    <dgm:effectClrLst/>
+    <dgm:txLinClrLst/>
+    <dgm:txFillClrLst meth="repeat">
+      <a:schemeClr val="dk1"/>
+    </dgm:txFillClrLst>
+    <dgm:txEffectClrLst/>
+  </dgm:styleLbl>
+  <dgm:styleLbl name="conFgAcc1">
+    <dgm:fillClrLst meth="repeat">
+      <a:schemeClr val="lt2">
+        <a:alpha val="90000"/>
+      </a:schemeClr>
+    </dgm:fillClrLst>
+    <dgm:linClrLst meth="repeat">
+      <a:schemeClr val="dk2"/>
+    </dgm:linClrLst>
+    <dgm:effectClrLst/>
+    <dgm:txLinClrLst/>
+    <dgm:txFillClrLst meth="repeat">
+      <a:schemeClr val="dk1"/>
+    </dgm:txFillClrLst>
+    <dgm:txEffectClrLst/>
+  </dgm:styleLbl>
+  <dgm:styleLbl name="alignAcc1">
+    <dgm:fillClrLst meth="repeat">
+      <a:schemeClr val="lt2">
+        <a:alpha val="90000"/>
+      </a:schemeClr>
+    </dgm:fillClrLst>
+    <dgm:linClrLst meth="repeat">
+      <a:schemeClr val="dk2"/>
+    </dgm:linClrLst>
+    <dgm:effectClrLst/>
+    <dgm:txLinClrLst/>
+    <dgm:txFillClrLst meth="repeat">
+      <a:schemeClr val="dk1"/>
+    </dgm:txFillClrLst>
+    <dgm:txEffectClrLst/>
+  </dgm:styleLbl>
+  <dgm:styleLbl name="trAlignAcc1">
+    <dgm:fillClrLst meth="repeat">
+      <a:schemeClr val="lt2">
+        <a:alpha val="40000"/>
+      </a:schemeClr>
+    </dgm:fillClrLst>
+    <dgm:linClrLst meth="repeat">
+      <a:schemeClr val="dk2"/>
+    </dgm:linClrLst>
+    <dgm:effectClrLst/>
+    <dgm:txLinClrLst/>
+    <dgm:txFillClrLst meth="repeat">
+      <a:schemeClr val="dk1"/>
+    </dgm:txFillClrLst>
+    <dgm:txEffectClrLst/>
+  </dgm:styleLbl>
+  <dgm:styleLbl name="bgAcc1">
+    <dgm:fillClrLst meth="repeat">
+      <a:schemeClr val="lt2">
+        <a:alpha val="90000"/>
+      </a:schemeClr>
+    </dgm:fillClrLst>
+    <dgm:linClrLst meth="repeat">
+      <a:schemeClr val="dk2"/>
+    </dgm:linClrLst>
+    <dgm:effectClrLst/>
+    <dgm:txLinClrLst/>
+    <dgm:txFillClrLst meth="repeat">
+      <a:schemeClr val="dk1"/>
+    </dgm:txFillClrLst>
+    <dgm:txEffectClrLst/>
+  </dgm:styleLbl>
+  <dgm:styleLbl name="solidFgAcc1">
+    <dgm:fillClrLst meth="repeat">
+      <a:schemeClr val="lt2"/>
+    </dgm:fillClrLst>
+    <dgm:linClrLst meth="repeat">
+      <a:schemeClr val="dk2"/>
+    </dgm:linClrLst>
+    <dgm:effectClrLst/>
+    <dgm:txLinClrLst/>
+    <dgm:txFillClrLst meth="repeat">
+      <a:schemeClr val="dk1"/>
+    </dgm:txFillClrLst>
+    <dgm:txEffectClrLst/>
+  </dgm:styleLbl>
+  <dgm:styleLbl name="solidAlignAcc1">
+    <dgm:fillClrLst meth="repeat">
+      <a:schemeClr val="lt2"/>
+    </dgm:fillClrLst>
+    <dgm:linClrLst meth="repeat">
+      <a:schemeClr val="dk2"/>
+    </dgm:linClrLst>
+    <dgm:effectClrLst/>
+    <dgm:txLinClrLst/>
+    <dgm:txFillClrLst meth="repeat">
+      <a:schemeClr val="dk1"/>
+    </dgm:txFillClrLst>
+    <dgm:txEffectClrLst/>
+  </dgm:styleLbl>
+  <dgm:styleLbl name="solidBgAcc1">
+    <dgm:fillClrLst meth="repeat">
+      <a:schemeClr val="lt2"/>
+    </dgm:fillClrLst>
+    <dgm:linClrLst meth="repeat">
+      <a:schemeClr val="dk2"/>
+    </dgm:linClrLst>
+    <dgm:effectClrLst/>
+    <dgm:txLinClrLst/>
+    <dgm:txFillClrLst meth="repeat">
+      <a:schemeClr val="dk1"/>
+    </dgm:txFillClrLst>
+    <dgm:txEffectClrLst/>
+  </dgm:styleLbl>
+  <dgm:styleLbl name="fgAccFollowNode1">
+    <dgm:fillClrLst meth="repeat">
+      <a:schemeClr val="dk2">
+        <a:alpha val="90000"/>
+        <a:tint val="40000"/>
+      </a:schemeClr>
+    </dgm:fillClrLst>
+    <dgm:linClrLst meth="repeat">
+      <a:schemeClr val="dk2">
+        <a:alpha val="90000"/>
+        <a:tint val="40000"/>
+      </a:schemeClr>
+    </dgm:linClrLst>
+    <dgm:effectClrLst/>
+    <dgm:txLinClrLst/>
+    <dgm:txFillClrLst meth="repeat">
+      <a:schemeClr val="dk1"/>
+    </dgm:txFillClrLst>
+    <dgm:txEffectClrLst/>
+  </dgm:styleLbl>
+  <dgm:styleLbl name="alignAccFollowNode1">
+    <dgm:fillClrLst meth="repeat">
+      <a:schemeClr val="dk2">
+        <a:alpha val="90000"/>
+        <a:tint val="40000"/>
+      </a:schemeClr>
+    </dgm:fillClrLst>
+    <dgm:linClrLst meth="repeat">
+      <a:schemeClr val="dk2">
+        <a:alpha val="90000"/>
+        <a:tint val="40000"/>
+      </a:schemeClr>
+    </dgm:linClrLst>
+    <dgm:effectClrLst/>
+    <dgm:txLinClrLst/>
+    <dgm:txFillClrLst meth="repeat">
+      <a:schemeClr val="dk1"/>
+    </dgm:txFillClrLst>
+    <dgm:txEffectClrLst/>
+  </dgm:styleLbl>
+  <dgm:styleLbl name="bgAccFollowNode1">
+    <dgm:fillClrLst meth="repeat">
+      <a:schemeClr val="dk2">
+        <a:alpha val="90000"/>
+        <a:tint val="40000"/>
+      </a:schemeClr>
+    </dgm:fillClrLst>
+    <dgm:linClrLst meth="repeat">
+      <a:schemeClr val="dk2">
+        <a:alpha val="90000"/>
+        <a:tint val="40000"/>
+      </a:schemeClr>
+    </dgm:linClrLst>
+    <dgm:effectClrLst/>
+    <dgm:txLinClrLst/>
+    <dgm:txFillClrLst meth="repeat">
+      <a:schemeClr val="dk1"/>
+    </dgm:txFillClrLst>
+    <dgm:txEffectClrLst/>
+  </dgm:styleLbl>
+  <dgm:styleLbl name="fgAcc0">
+    <dgm:fillClrLst meth="repeat">
+      <a:schemeClr val="lt2">
+        <a:alpha val="90000"/>
+      </a:schemeClr>
+    </dgm:fillClrLst>
+    <dgm:linClrLst meth="repeat">
+      <a:schemeClr val="dk2"/>
+    </dgm:linClrLst>
+    <dgm:effectClrLst/>
+    <dgm:txLinClrLst/>
+    <dgm:txFillClrLst meth="repeat">
+      <a:schemeClr val="dk1"/>
+    </dgm:txFillClrLst>
+    <dgm:txEffectClrLst/>
+  </dgm:styleLbl>
+  <dgm:styleLbl name="fgAcc2">
+    <dgm:fillClrLst meth="repeat">
+      <a:schemeClr val="lt2">
+        <a:alpha val="90000"/>
+      </a:schemeClr>
+    </dgm:fillClrLst>
+    <dgm:linClrLst meth="repeat">
+      <a:schemeClr val="dk2"/>
+    </dgm:linClrLst>
+    <dgm:effectClrLst/>
+    <dgm:txLinClrLst/>
+    <dgm:txFillClrLst meth="repeat">
+      <a:schemeClr val="dk1"/>
+    </dgm:txFillClrLst>
+    <dgm:txEffectClrLst/>
+  </dgm:styleLbl>
+  <dgm:styleLbl name="fgAcc3">
+    <dgm:fillClrLst meth="repeat">
+      <a:schemeClr val="lt2">
+        <a:alpha val="90000"/>
+      </a:schemeClr>
+    </dgm:fillClrLst>
+    <dgm:linClrLst meth="repeat">
+      <a:schemeClr val="dk2"/>
+    </dgm:linClrLst>
+    <dgm:effectClrLst/>
+    <dgm:txLinClrLst/>
+    <dgm:txFillClrLst meth="repeat">
+      <a:schemeClr val="dk1"/>
+    </dgm:txFillClrLst>
+    <dgm:txEffectClrLst/>
+  </dgm:styleLbl>
+  <dgm:styleLbl name="fgAcc4">
+    <dgm:fillClrLst meth="repeat">
+      <a:schemeClr val="lt2">
+        <a:alpha val="90000"/>
+      </a:schemeClr>
+    </dgm:fillClrLst>
+    <dgm:linClrLst meth="repeat">
+      <a:schemeClr val="dk2"/>
+    </dgm:linClrLst>
+    <dgm:effectClrLst/>
+    <dgm:txLinClrLst/>
+    <dgm:txFillClrLst meth="repeat">
+      <a:schemeClr val="dk1"/>
+    </dgm:txFillClrLst>
+    <dgm:txEffectClrLst/>
+  </dgm:styleLbl>
+  <dgm:styleLbl name="bgShp">
+    <dgm:fillClrLst meth="repeat">
+      <a:schemeClr val="dk2">
+        <a:tint val="40000"/>
+      </a:schemeClr>
+    </dgm:fillClrLst>
+    <dgm:linClrLst meth="repeat">
+      <a:schemeClr val="dk2"/>
+    </dgm:linClrLst>
+    <dgm:effectClrLst/>
+    <dgm:txLinClrLst/>
+    <dgm:txFillClrLst meth="repeat">
+      <a:schemeClr val="dk1"/>
+    </dgm:txFillClrLst>
+    <dgm:txEffectClrLst/>
+  </dgm:styleLbl>
+  <dgm:styleLbl name="dkBgShp">
+    <dgm:fillClrLst meth="repeat">
+      <a:schemeClr val="dk2">
+        <a:shade val="80000"/>
+      </a:schemeClr>
+    </dgm:fillClrLst>
+    <dgm:linClrLst meth="repeat">
+      <a:schemeClr val="dk2"/>
+    </dgm:linClrLst>
+    <dgm:effectClrLst/>
+    <dgm:txLinClrLst/>
+    <dgm:txFillClrLst meth="repeat">
+      <a:schemeClr val="lt1"/>
+    </dgm:txFillClrLst>
+    <dgm:txEffectClrLst/>
+  </dgm:styleLbl>
+  <dgm:styleLbl name="trBgShp">
+    <dgm:fillClrLst meth="repeat">
+      <a:schemeClr val="dk2">
+        <a:tint val="50000"/>
+        <a:alpha val="40000"/>
+      </a:schemeClr>
+    </dgm:fillClrLst>
+    <dgm:linClrLst meth="repeat">
+      <a:schemeClr val="dk2"/>
+    </dgm:linClrLst>
+    <dgm:effectClrLst/>
+    <dgm:txLinClrLst/>
+    <dgm:txFillClrLst meth="repeat">
+      <a:schemeClr val="lt1"/>
+    </dgm:txFillClrLst>
+    <dgm:txEffectClrLst/>
+  </dgm:styleLbl>
+  <dgm:styleLbl name="fgShp">
+    <dgm:fillClrLst meth="repeat">
+      <a:schemeClr val="dk2">
+        <a:tint val="60000"/>
+      </a:schemeClr>
+    </dgm:fillClrLst>
+    <dgm:linClrLst meth="repeat">
+      <a:schemeClr val="lt2"/>
+    </dgm:linClrLst>
+    <dgm:effectClrLst/>
+    <dgm:txLinClrLst/>
+    <dgm:txFillClrLst meth="repeat">
+      <a:schemeClr val="dk1"/>
+    </dgm:txFillClrLst>
+    <dgm:txEffectClrLst/>
+  </dgm:styleLbl>
+  <dgm:styleLbl name="revTx">
+    <dgm:fillClrLst meth="repeat">
+      <a:schemeClr val="lt2">
+        <a:alpha val="0"/>
+      </a:schemeClr>
+    </dgm:fillClrLst>
+    <dgm:linClrLst meth="repeat">
+      <a:schemeClr val="dk1">
+        <a:alpha val="0"/>
+      </a:schemeClr>
+    </dgm:linClrLst>
+    <dgm:effectClrLst/>
+    <dgm:txLinClrLst/>
+    <dgm:txFillClrLst meth="repeat">
+      <a:schemeClr val="tx1"/>
+    </dgm:txFillClrLst>
+    <dgm:txEffectClrLst/>
+  </dgm:styleLbl>
+</dgm:colorsDef>
+</file>
+
+<file path=ppt/diagrams/colors3.xml><?xml version="1.0" encoding="utf-8"?>
 <dgm:colorsDef xmlns:dgm="http://schemas.openxmlformats.org/drawingml/2006/diagram" xmlns:a="http://schemas.openxmlformats.org/drawingml/2006/main" uniqueId="urn:microsoft.com/office/officeart/2005/8/colors/accent0_3">
   <dgm:title val=""/>
   <dgm:desc val=""/>
@@ -2287,15 +3044,15 @@
             <a:buNone/>
           </a:pPr>
           <a:r>
-            <a:rPr lang="en-US" sz="1400" u="sng" dirty="0"/>
+            <a:rPr lang="en-US" sz="1400" u="none" dirty="0"/>
             <a:t>~/data/</a:t>
           </a:r>
           <a:r>
-            <a:rPr lang="en-US" sz="1400" u="sng" dirty="0" err="1"/>
+            <a:rPr lang="en-US" sz="1400" u="none" dirty="0" err="1"/>
             <a:t>raw_data</a:t>
           </a:r>
           <a:r>
-            <a:rPr lang="en-US" sz="1400" u="sng" dirty="0"/>
+            <a:rPr lang="en-US" sz="1400" u="none" dirty="0"/>
             <a:t>/</a:t>
           </a:r>
           <a:r>
@@ -3058,6 +3815,852 @@
 </dgm:dataModel>
 </file>
 
+<file path=ppt/diagrams/data3.xml><?xml version="1.0" encoding="utf-8"?>
+<dgm:dataModel xmlns:dgm="http://schemas.openxmlformats.org/drawingml/2006/diagram" xmlns:a="http://schemas.openxmlformats.org/drawingml/2006/main">
+  <dgm:ptLst>
+    <dgm:pt modelId="{B56C8652-49D2-40A6-9CA3-CE8DCF0946F5}" type="doc">
+      <dgm:prSet loTypeId="urn:microsoft.com/office/officeart/2005/8/layout/chevron2" loCatId="process" qsTypeId="urn:microsoft.com/office/officeart/2005/8/quickstyle/simple1" qsCatId="simple" csTypeId="urn:microsoft.com/office/officeart/2005/8/colors/accent0_3" csCatId="mainScheme" phldr="1"/>
+      <dgm:spPr/>
+      <dgm:t>
+        <a:bodyPr/>
+        <a:lstStyle/>
+        <a:p>
+          <a:endParaRPr lang="en-US"/>
+        </a:p>
+      </dgm:t>
+    </dgm:pt>
+    <dgm:pt modelId="{15A2342C-342E-4AF1-ABFE-6D641BAF41A1}">
+      <dgm:prSet phldrT="[Text]"/>
+      <dgm:spPr/>
+      <dgm:t>
+        <a:bodyPr/>
+        <a:lstStyle/>
+        <a:p>
+          <a:r>
+            <a:rPr lang="en-US" dirty="0"/>
+            <a:t>Input data</a:t>
+          </a:r>
+        </a:p>
+      </dgm:t>
+    </dgm:pt>
+    <dgm:pt modelId="{3113E09E-2B5D-47FE-89F9-BC4D9A8CB38B}" type="parTrans" cxnId="{2A878A9C-A599-4E25-8F35-179342BC54EF}">
+      <dgm:prSet/>
+      <dgm:spPr/>
+      <dgm:t>
+        <a:bodyPr/>
+        <a:lstStyle/>
+        <a:p>
+          <a:endParaRPr lang="en-US"/>
+        </a:p>
+      </dgm:t>
+    </dgm:pt>
+    <dgm:pt modelId="{3091C5B6-412E-4FA9-921C-1CCBB20FB078}" type="sibTrans" cxnId="{2A878A9C-A599-4E25-8F35-179342BC54EF}">
+      <dgm:prSet/>
+      <dgm:spPr/>
+      <dgm:t>
+        <a:bodyPr/>
+        <a:lstStyle/>
+        <a:p>
+          <a:endParaRPr lang="en-US"/>
+        </a:p>
+      </dgm:t>
+    </dgm:pt>
+    <dgm:pt modelId="{CBA4680F-B921-4539-96E8-73E248B26438}">
+      <dgm:prSet phldrT="[Text]" custT="1"/>
+      <dgm:spPr/>
+      <dgm:t>
+        <a:bodyPr/>
+        <a:lstStyle/>
+        <a:p>
+          <a:pPr>
+            <a:buNone/>
+          </a:pPr>
+          <a:r>
+            <a:rPr lang="en-US" sz="1800" u="none" dirty="0"/>
+            <a:t>~/</a:t>
+          </a:r>
+          <a:r>
+            <a:rPr lang="en-US" sz="1800" dirty="0"/>
+            <a:t>data/processed/</a:t>
+          </a:r>
+          <a:r>
+            <a:rPr lang="en-US" sz="1800" dirty="0" err="1"/>
+            <a:t>grid_goa.RData</a:t>
+          </a:r>
+          <a:r>
+            <a:rPr lang="en-US" sz="1800" dirty="0"/>
+            <a:t>: </a:t>
+          </a:r>
+          <a:r>
+            <a:rPr lang="en-US" sz="1800" dirty="0" err="1">
+              <a:solidFill>
+                <a:schemeClr val="bg1">
+                  <a:lumMod val="50000"/>
+                </a:schemeClr>
+              </a:solidFill>
+            </a:rPr>
+            <a:t>GoA</a:t>
+          </a:r>
+          <a:r>
+            <a:rPr lang="en-US" sz="1800" dirty="0">
+              <a:solidFill>
+                <a:schemeClr val="bg1">
+                  <a:lumMod val="50000"/>
+                </a:schemeClr>
+              </a:solidFill>
+            </a:rPr>
+            <a:t> grid with bathy</a:t>
+          </a:r>
+          <a:endParaRPr lang="en-US" sz="1800" u="sng" dirty="0"/>
+        </a:p>
+      </dgm:t>
+    </dgm:pt>
+    <dgm:pt modelId="{CFA20A3C-0F95-4996-A60F-CD8C5D7EA0C8}" type="parTrans" cxnId="{26A054A0-1AB4-43B6-8F58-0FC6C712A2A4}">
+      <dgm:prSet/>
+      <dgm:spPr/>
+      <dgm:t>
+        <a:bodyPr/>
+        <a:lstStyle/>
+        <a:p>
+          <a:endParaRPr lang="en-US"/>
+        </a:p>
+      </dgm:t>
+    </dgm:pt>
+    <dgm:pt modelId="{66C95EC4-2BD0-44E1-98AF-5AEB75A287A4}" type="sibTrans" cxnId="{26A054A0-1AB4-43B6-8F58-0FC6C712A2A4}">
+      <dgm:prSet/>
+      <dgm:spPr/>
+      <dgm:t>
+        <a:bodyPr/>
+        <a:lstStyle/>
+        <a:p>
+          <a:endParaRPr lang="en-US"/>
+        </a:p>
+      </dgm:t>
+    </dgm:pt>
+    <dgm:pt modelId="{A21E80E9-3E30-4727-979B-CC3F1A7A22C5}">
+      <dgm:prSet phldrT="[Text]"/>
+      <dgm:spPr/>
+      <dgm:t>
+        <a:bodyPr/>
+        <a:lstStyle/>
+        <a:p>
+          <a:r>
+            <a:rPr lang="en-US" dirty="0"/>
+            <a:t>Script Program</a:t>
+          </a:r>
+        </a:p>
+      </dgm:t>
+    </dgm:pt>
+    <dgm:pt modelId="{5C40DCA5-A5ED-48F4-971B-7B525589E1B6}" type="parTrans" cxnId="{890C6129-FED3-4F32-A1CE-803923CC13FB}">
+      <dgm:prSet/>
+      <dgm:spPr/>
+      <dgm:t>
+        <a:bodyPr/>
+        <a:lstStyle/>
+        <a:p>
+          <a:endParaRPr lang="en-US"/>
+        </a:p>
+      </dgm:t>
+    </dgm:pt>
+    <dgm:pt modelId="{2E128CC8-58D8-49C7-B524-7F998825E08C}" type="sibTrans" cxnId="{890C6129-FED3-4F32-A1CE-803923CC13FB}">
+      <dgm:prSet/>
+      <dgm:spPr/>
+      <dgm:t>
+        <a:bodyPr/>
+        <a:lstStyle/>
+        <a:p>
+          <a:endParaRPr lang="en-US"/>
+        </a:p>
+      </dgm:t>
+    </dgm:pt>
+    <dgm:pt modelId="{7251001A-0584-4766-A6D7-0E44BBBBDC12}">
+      <dgm:prSet phldrT="[Text]" custT="1"/>
+      <dgm:spPr/>
+      <dgm:t>
+        <a:bodyPr/>
+        <a:lstStyle/>
+        <a:p>
+          <a:pPr>
+            <a:buNone/>
+          </a:pPr>
+          <a:r>
+            <a:rPr lang="en-US" sz="1800" u="none" dirty="0"/>
+            <a:t>~/</a:t>
+          </a:r>
+          <a:r>
+            <a:rPr lang="en-US" sz="1800" dirty="0" err="1"/>
+            <a:t>analysis_scripts</a:t>
+          </a:r>
+          <a:r>
+            <a:rPr lang="en-US" sz="1800" dirty="0"/>
+            <a:t>/1C_fit_vast_models.R</a:t>
+          </a:r>
+        </a:p>
+      </dgm:t>
+    </dgm:pt>
+    <dgm:pt modelId="{FE219C25-7519-49A1-80FC-88DBD277BE7B}" type="parTrans" cxnId="{98E93161-C30E-43AA-AF6B-299C6C6168AE}">
+      <dgm:prSet/>
+      <dgm:spPr/>
+      <dgm:t>
+        <a:bodyPr/>
+        <a:lstStyle/>
+        <a:p>
+          <a:endParaRPr lang="en-US"/>
+        </a:p>
+      </dgm:t>
+    </dgm:pt>
+    <dgm:pt modelId="{3A3E3377-B627-44C2-A026-04B55D885A13}" type="sibTrans" cxnId="{98E93161-C30E-43AA-AF6B-299C6C6168AE}">
+      <dgm:prSet/>
+      <dgm:spPr/>
+      <dgm:t>
+        <a:bodyPr/>
+        <a:lstStyle/>
+        <a:p>
+          <a:endParaRPr lang="en-US"/>
+        </a:p>
+      </dgm:t>
+    </dgm:pt>
+    <dgm:pt modelId="{FDFD6E2B-DBAB-4056-BC28-C138724F0441}">
+      <dgm:prSet phldrT="[Text]"/>
+      <dgm:spPr/>
+      <dgm:t>
+        <a:bodyPr/>
+        <a:lstStyle/>
+        <a:p>
+          <a:r>
+            <a:rPr lang="en-US" dirty="0"/>
+            <a:t>Output</a:t>
+          </a:r>
+        </a:p>
+      </dgm:t>
+    </dgm:pt>
+    <dgm:pt modelId="{A185C7BD-8F3D-48FC-AACD-370FC7051347}" type="parTrans" cxnId="{331E5267-3B46-40FC-807B-5869C9435943}">
+      <dgm:prSet/>
+      <dgm:spPr/>
+      <dgm:t>
+        <a:bodyPr/>
+        <a:lstStyle/>
+        <a:p>
+          <a:endParaRPr lang="en-US"/>
+        </a:p>
+      </dgm:t>
+    </dgm:pt>
+    <dgm:pt modelId="{2EAE1DED-33EB-4BB9-B279-4AEA7E7C396D}" type="sibTrans" cxnId="{331E5267-3B46-40FC-807B-5869C9435943}">
+      <dgm:prSet/>
+      <dgm:spPr/>
+      <dgm:t>
+        <a:bodyPr/>
+        <a:lstStyle/>
+        <a:p>
+          <a:endParaRPr lang="en-US"/>
+        </a:p>
+      </dgm:t>
+    </dgm:pt>
+    <dgm:pt modelId="{1693A56B-51EB-4EEE-B5A0-2587A76BB504}">
+      <dgm:prSet phldrT="[Text]" custT="1"/>
+      <dgm:spPr/>
+      <dgm:t>
+        <a:bodyPr/>
+        <a:lstStyle/>
+        <a:p>
+          <a:pPr>
+            <a:buNone/>
+          </a:pPr>
+          <a:r>
+            <a:rPr lang="en-US" sz="1600" u="sng" dirty="0" err="1">
+              <a:solidFill>
+                <a:schemeClr val="tx1"/>
+              </a:solidFill>
+            </a:rPr>
+            <a:t>ExternalDrive</a:t>
+          </a:r>
+          <a:r>
+            <a:rPr lang="en-US" sz="1600" u="sng" dirty="0">
+              <a:solidFill>
+                <a:schemeClr val="tx1"/>
+              </a:solidFill>
+            </a:rPr>
+            <a:t>/</a:t>
+          </a:r>
+          <a:r>
+            <a:rPr lang="en-US" sz="1600" u="sng" dirty="0" err="1">
+              <a:solidFill>
+                <a:schemeClr val="tx1"/>
+              </a:solidFill>
+            </a:rPr>
+            <a:t>VAST_Runs</a:t>
+          </a:r>
+          <a:r>
+            <a:rPr lang="en-US" sz="1600" u="sng" dirty="0">
+              <a:solidFill>
+                <a:schemeClr val="tx1"/>
+              </a:solidFill>
+            </a:rPr>
+            <a:t>/</a:t>
+          </a:r>
+          <a:r>
+            <a:rPr lang="en-US" sz="1600" u="sng" dirty="0" err="1">
+              <a:solidFill>
+                <a:schemeClr val="tx1"/>
+              </a:solidFill>
+            </a:rPr>
+            <a:t>SpeciesName</a:t>
+          </a:r>
+          <a:r>
+            <a:rPr lang="en-US" sz="1600" u="sng" dirty="0">
+              <a:solidFill>
+                <a:schemeClr val="tx1"/>
+              </a:solidFill>
+            </a:rPr>
+            <a:t>/...</a:t>
+          </a:r>
+        </a:p>
+      </dgm:t>
+    </dgm:pt>
+    <dgm:pt modelId="{71605052-445C-4B49-9A4B-2DCF504AD115}" type="parTrans" cxnId="{B9F397F0-7A59-4437-81F7-0BEB182623E3}">
+      <dgm:prSet/>
+      <dgm:spPr/>
+      <dgm:t>
+        <a:bodyPr/>
+        <a:lstStyle/>
+        <a:p>
+          <a:endParaRPr lang="en-US"/>
+        </a:p>
+      </dgm:t>
+    </dgm:pt>
+    <dgm:pt modelId="{84E281FA-B092-4FA8-A2AE-CFCEA05B4214}" type="sibTrans" cxnId="{B9F397F0-7A59-4437-81F7-0BEB182623E3}">
+      <dgm:prSet/>
+      <dgm:spPr/>
+      <dgm:t>
+        <a:bodyPr/>
+        <a:lstStyle/>
+        <a:p>
+          <a:endParaRPr lang="en-US"/>
+        </a:p>
+      </dgm:t>
+    </dgm:pt>
+    <dgm:pt modelId="{AE734D0A-6694-40AA-8661-A4F047D5E4D9}">
+      <dgm:prSet phldrT="[Text]" custT="1"/>
+      <dgm:spPr/>
+      <dgm:t>
+        <a:bodyPr/>
+        <a:lstStyle/>
+        <a:p>
+          <a:pPr>
+            <a:buNone/>
+          </a:pPr>
+          <a:r>
+            <a:rPr lang="en-US" sz="1800" u="none" dirty="0">
+              <a:solidFill>
+                <a:schemeClr val="tx1"/>
+              </a:solidFill>
+            </a:rPr>
+            <a:t>~/data/processed/goa_vast_data_input.csv: </a:t>
+          </a:r>
+          <a:r>
+            <a:rPr lang="en-US" sz="1800" u="none" dirty="0">
+              <a:solidFill>
+                <a:schemeClr val="bg1">
+                  <a:lumMod val="50000"/>
+                </a:schemeClr>
+              </a:solidFill>
+            </a:rPr>
+            <a:t>VAST input</a:t>
+          </a:r>
+        </a:p>
+      </dgm:t>
+    </dgm:pt>
+    <dgm:pt modelId="{CCB97636-127D-4739-A837-C723B7836880}" type="parTrans" cxnId="{864443B7-827D-40CA-9151-FBD8FCDA144A}">
+      <dgm:prSet/>
+      <dgm:spPr/>
+      <dgm:t>
+        <a:bodyPr/>
+        <a:lstStyle/>
+        <a:p>
+          <a:endParaRPr lang="en-US"/>
+        </a:p>
+      </dgm:t>
+    </dgm:pt>
+    <dgm:pt modelId="{158A9BB4-6738-46A4-AC17-D8A26414D5F7}" type="sibTrans" cxnId="{864443B7-827D-40CA-9151-FBD8FCDA144A}">
+      <dgm:prSet/>
+      <dgm:spPr/>
+      <dgm:t>
+        <a:bodyPr/>
+        <a:lstStyle/>
+        <a:p>
+          <a:endParaRPr lang="en-US"/>
+        </a:p>
+      </dgm:t>
+    </dgm:pt>
+    <dgm:pt modelId="{08DDB7E5-F95F-4C23-8B95-48DA1C9E93D2}">
+      <dgm:prSet phldrT="[Text]" custT="1"/>
+      <dgm:spPr/>
+      <dgm:t>
+        <a:bodyPr/>
+        <a:lstStyle/>
+        <a:p>
+          <a:pPr>
+            <a:buNone/>
+          </a:pPr>
+          <a:endParaRPr lang="en-US" sz="1600" dirty="0">
+            <a:solidFill>
+              <a:schemeClr val="tx1"/>
+            </a:solidFill>
+          </a:endParaRPr>
+        </a:p>
+      </dgm:t>
+    </dgm:pt>
+    <dgm:pt modelId="{17D3B376-5FA3-4529-8A20-009F64A5009F}" type="parTrans" cxnId="{F72680C9-96BF-47B8-9EA1-790C7398DC53}">
+      <dgm:prSet/>
+      <dgm:spPr/>
+      <dgm:t>
+        <a:bodyPr/>
+        <a:lstStyle/>
+        <a:p>
+          <a:endParaRPr lang="en-US"/>
+        </a:p>
+      </dgm:t>
+    </dgm:pt>
+    <dgm:pt modelId="{2211239D-722D-4F53-AAEA-314BB74C3C5C}" type="sibTrans" cxnId="{F72680C9-96BF-47B8-9EA1-790C7398DC53}">
+      <dgm:prSet/>
+      <dgm:spPr/>
+      <dgm:t>
+        <a:bodyPr/>
+        <a:lstStyle/>
+        <a:p>
+          <a:endParaRPr lang="en-US"/>
+        </a:p>
+      </dgm:t>
+    </dgm:pt>
+    <dgm:pt modelId="{991745B4-1DA6-4357-834D-E175CBA5F7FF}">
+      <dgm:prSet phldrT="[Text]" custT="1"/>
+      <dgm:spPr/>
+      <dgm:t>
+        <a:bodyPr/>
+        <a:lstStyle/>
+        <a:p>
+          <a:pPr>
+            <a:buNone/>
+          </a:pPr>
+          <a:r>
+            <a:rPr lang="en-US" sz="1600" dirty="0" err="1">
+              <a:solidFill>
+                <a:schemeClr val="tx1"/>
+              </a:solidFill>
+            </a:rPr>
+            <a:t>fit.Rdata</a:t>
+          </a:r>
+          <a:r>
+            <a:rPr lang="en-US" sz="1600" dirty="0">
+              <a:solidFill>
+                <a:schemeClr val="tx1"/>
+              </a:solidFill>
+            </a:rPr>
+            <a:t>: </a:t>
+          </a:r>
+          <a:r>
+            <a:rPr lang="en-US" sz="1600" dirty="0">
+              <a:solidFill>
+                <a:schemeClr val="bg1">
+                  <a:lumMod val="50000"/>
+                </a:schemeClr>
+              </a:solidFill>
+            </a:rPr>
+            <a:t>original vast model fit</a:t>
+          </a:r>
+        </a:p>
+      </dgm:t>
+    </dgm:pt>
+    <dgm:pt modelId="{7F7C2FE2-A92E-4E57-852A-1760217EC7AA}" type="parTrans" cxnId="{076CC86B-D690-4BFD-AA13-22E5FF304401}">
+      <dgm:prSet/>
+      <dgm:spPr/>
+      <dgm:t>
+        <a:bodyPr/>
+        <a:lstStyle/>
+        <a:p>
+          <a:endParaRPr lang="en-US"/>
+        </a:p>
+      </dgm:t>
+    </dgm:pt>
+    <dgm:pt modelId="{80503291-0CA3-4264-9D8A-213B3DAD3BF7}" type="sibTrans" cxnId="{076CC86B-D690-4BFD-AA13-22E5FF304401}">
+      <dgm:prSet/>
+      <dgm:spPr/>
+      <dgm:t>
+        <a:bodyPr/>
+        <a:lstStyle/>
+        <a:p>
+          <a:endParaRPr lang="en-US"/>
+        </a:p>
+      </dgm:t>
+    </dgm:pt>
+    <dgm:pt modelId="{45C4846E-AAF6-4414-A05E-6E85D7726DF6}">
+      <dgm:prSet phldrT="[Text]" custT="1"/>
+      <dgm:spPr/>
+      <dgm:t>
+        <a:bodyPr/>
+        <a:lstStyle/>
+        <a:p>
+          <a:pPr>
+            <a:buNone/>
+          </a:pPr>
+          <a:r>
+            <a:rPr lang="en-US" sz="1600" dirty="0">
+              <a:solidFill>
+                <a:schemeClr val="tx1"/>
+              </a:solidFill>
+            </a:rPr>
+            <a:t>Kmeans-500.Rdata, settings.txt, parameters_estimates.txt, packageDescription.txt, vastcppversion.cpp, vastcppversion.dll, </a:t>
+          </a:r>
+          <a:r>
+            <a:rPr lang="en-US" sz="1600" dirty="0" err="1">
+              <a:solidFill>
+                <a:schemeClr val="tx1"/>
+              </a:solidFill>
+            </a:rPr>
+            <a:t>vastcppversion.o</a:t>
+          </a:r>
+          <a:r>
+            <a:rPr lang="en-US" sz="1600" dirty="0">
+              <a:solidFill>
+                <a:schemeClr val="tx1"/>
+              </a:solidFill>
+            </a:rPr>
+            <a:t>: </a:t>
+          </a:r>
+          <a:r>
+            <a:rPr lang="en-US" sz="1600" dirty="0">
+              <a:solidFill>
+                <a:schemeClr val="bg1">
+                  <a:lumMod val="50000"/>
+                </a:schemeClr>
+              </a:solidFill>
+            </a:rPr>
+            <a:t>spatial knots, vast settings, parameter estimates, other standard vast output</a:t>
+          </a:r>
+        </a:p>
+      </dgm:t>
+    </dgm:pt>
+    <dgm:pt modelId="{83ABFF28-F69F-4FC1-AB0A-416CFB4266E6}" type="parTrans" cxnId="{3F563856-5C53-4991-879E-670B56271005}">
+      <dgm:prSet/>
+      <dgm:spPr/>
+      <dgm:t>
+        <a:bodyPr/>
+        <a:lstStyle/>
+        <a:p>
+          <a:endParaRPr lang="en-US"/>
+        </a:p>
+      </dgm:t>
+    </dgm:pt>
+    <dgm:pt modelId="{671C2D96-D26C-4FB6-9BA5-31D234280E86}" type="sibTrans" cxnId="{3F563856-5C53-4991-879E-670B56271005}">
+      <dgm:prSet/>
+      <dgm:spPr/>
+      <dgm:t>
+        <a:bodyPr/>
+        <a:lstStyle/>
+        <a:p>
+          <a:endParaRPr lang="en-US"/>
+        </a:p>
+      </dgm:t>
+    </dgm:pt>
+    <dgm:pt modelId="{5FE0594D-1D7D-4AA8-819B-A2C743D5CEF2}">
+      <dgm:prSet phldrT="[Text]" custT="1"/>
+      <dgm:spPr/>
+      <dgm:t>
+        <a:bodyPr/>
+        <a:lstStyle/>
+        <a:p>
+          <a:pPr>
+            <a:buNone/>
+          </a:pPr>
+          <a:r>
+            <a:rPr lang="en-US" sz="1600" dirty="0">
+              <a:solidFill>
+                <a:schemeClr val="tx1"/>
+              </a:solidFill>
+            </a:rPr>
+            <a:t>diagnostics/: </a:t>
+          </a:r>
+          <a:r>
+            <a:rPr lang="en-US" sz="1600" dirty="0">
+              <a:solidFill>
+                <a:schemeClr val="bg1">
+                  <a:lumMod val="50000"/>
+                </a:schemeClr>
+              </a:solidFill>
+            </a:rPr>
+            <a:t>default diagnostic plots, anisotropy, location of data, knots, and grid cells, data by year, index table, index over time, residual plots</a:t>
+          </a:r>
+        </a:p>
+      </dgm:t>
+    </dgm:pt>
+    <dgm:pt modelId="{1CA14089-09CF-4046-9D0C-3DFC6A05542D}" type="parTrans" cxnId="{8F2FDC48-E40A-425B-870D-62187B5D42A9}">
+      <dgm:prSet/>
+      <dgm:spPr/>
+      <dgm:t>
+        <a:bodyPr/>
+        <a:lstStyle/>
+        <a:p>
+          <a:endParaRPr lang="en-US"/>
+        </a:p>
+      </dgm:t>
+    </dgm:pt>
+    <dgm:pt modelId="{F95BCFE4-CFE1-4C2D-8293-9326323C655E}" type="sibTrans" cxnId="{8F2FDC48-E40A-425B-870D-62187B5D42A9}">
+      <dgm:prSet/>
+      <dgm:spPr/>
+      <dgm:t>
+        <a:bodyPr/>
+        <a:lstStyle/>
+        <a:p>
+          <a:endParaRPr lang="en-US"/>
+        </a:p>
+      </dgm:t>
+    </dgm:pt>
+    <dgm:pt modelId="{732042B1-94D3-42FA-A258-6BB06EBE3E3B}">
+      <dgm:prSet phldrT="[Text]" custT="1"/>
+      <dgm:spPr/>
+      <dgm:t>
+        <a:bodyPr/>
+        <a:lstStyle/>
+        <a:p>
+          <a:pPr>
+            <a:buNone/>
+          </a:pPr>
+          <a:r>
+            <a:rPr lang="en-US" sz="1600" dirty="0" err="1">
+              <a:solidFill>
+                <a:schemeClr val="tx1"/>
+              </a:solidFill>
+            </a:rPr>
+            <a:t>simulated_data.Rdata</a:t>
+          </a:r>
+          <a:r>
+            <a:rPr lang="en-US" sz="1600" dirty="0">
+              <a:solidFill>
+                <a:schemeClr val="tx1"/>
+              </a:solidFill>
+            </a:rPr>
+            <a:t>: </a:t>
+          </a:r>
+          <a:r>
+            <a:rPr lang="en-US" sz="1600" dirty="0">
+              <a:solidFill>
+                <a:schemeClr val="bg1">
+                  <a:lumMod val="50000"/>
+                </a:schemeClr>
+              </a:solidFill>
+            </a:rPr>
+            <a:t>1000 simulated data values </a:t>
+          </a:r>
+        </a:p>
+      </dgm:t>
+    </dgm:pt>
+    <dgm:pt modelId="{EAAEE230-65A9-4651-A41F-BB57449114C8}" type="parTrans" cxnId="{AA9F0954-E312-4F59-A538-78CB15CA0648}">
+      <dgm:prSet/>
+      <dgm:spPr/>
+      <dgm:t>
+        <a:bodyPr/>
+        <a:lstStyle/>
+        <a:p>
+          <a:endParaRPr lang="en-US"/>
+        </a:p>
+      </dgm:t>
+    </dgm:pt>
+    <dgm:pt modelId="{D2C603BD-ADB1-4E88-A685-49632CB1E3B4}" type="sibTrans" cxnId="{AA9F0954-E312-4F59-A538-78CB15CA0648}">
+      <dgm:prSet/>
+      <dgm:spPr/>
+      <dgm:t>
+        <a:bodyPr/>
+        <a:lstStyle/>
+        <a:p>
+          <a:endParaRPr lang="en-US"/>
+        </a:p>
+      </dgm:t>
+    </dgm:pt>
+    <dgm:pt modelId="{5EEE87EF-CC69-46CA-991B-C6EF45468841}">
+      <dgm:prSet phldrT="[Text]" custT="1"/>
+      <dgm:spPr/>
+      <dgm:t>
+        <a:bodyPr/>
+        <a:lstStyle/>
+        <a:p>
+          <a:pPr>
+            <a:buNone/>
+          </a:pPr>
+          <a:r>
+            <a:rPr lang="en-US" sz="1600" dirty="0">
+              <a:solidFill>
+                <a:schemeClr val="tx1"/>
+              </a:solidFill>
+            </a:rPr>
+            <a:t>CV_1, CV_2, ... CV_10: </a:t>
+          </a:r>
+          <a:r>
+            <a:rPr lang="en-US" sz="1600" dirty="0">
+              <a:solidFill>
+                <a:schemeClr val="bg1">
+                  <a:lumMod val="50000"/>
+                </a:schemeClr>
+              </a:solidFill>
+            </a:rPr>
+            <a:t>result subdirectories for the cross validation folds</a:t>
+          </a:r>
+        </a:p>
+      </dgm:t>
+    </dgm:pt>
+    <dgm:pt modelId="{3991E14B-A14C-40AF-9607-91EE68B84F4F}" type="parTrans" cxnId="{DBC7E407-9897-43CC-9C3A-E44E5BA3D393}">
+      <dgm:prSet/>
+      <dgm:spPr/>
+      <dgm:t>
+        <a:bodyPr/>
+        <a:lstStyle/>
+        <a:p>
+          <a:endParaRPr lang="en-US"/>
+        </a:p>
+      </dgm:t>
+    </dgm:pt>
+    <dgm:pt modelId="{B0172526-43A0-4BDC-8318-EC52C2D54827}" type="sibTrans" cxnId="{DBC7E407-9897-43CC-9C3A-E44E5BA3D393}">
+      <dgm:prSet/>
+      <dgm:spPr/>
+      <dgm:t>
+        <a:bodyPr/>
+        <a:lstStyle/>
+        <a:p>
+          <a:endParaRPr lang="en-US"/>
+        </a:p>
+      </dgm:t>
+    </dgm:pt>
+    <dgm:pt modelId="{142F673A-C255-456D-9E41-60A8F8DECB23}" type="pres">
+      <dgm:prSet presAssocID="{B56C8652-49D2-40A6-9CA3-CE8DCF0946F5}" presName="linearFlow" presStyleCnt="0">
+        <dgm:presLayoutVars>
+          <dgm:dir/>
+          <dgm:animLvl val="lvl"/>
+          <dgm:resizeHandles val="exact"/>
+        </dgm:presLayoutVars>
+      </dgm:prSet>
+      <dgm:spPr/>
+    </dgm:pt>
+    <dgm:pt modelId="{4D46CCB9-E0D7-49E4-8700-7CE19FB27C88}" type="pres">
+      <dgm:prSet presAssocID="{15A2342C-342E-4AF1-ABFE-6D641BAF41A1}" presName="composite" presStyleCnt="0"/>
+      <dgm:spPr/>
+    </dgm:pt>
+    <dgm:pt modelId="{049C38D1-B597-49E9-8B00-78FB12FB25CF}" type="pres">
+      <dgm:prSet presAssocID="{15A2342C-342E-4AF1-ABFE-6D641BAF41A1}" presName="parentText" presStyleLbl="alignNode1" presStyleIdx="0" presStyleCnt="3">
+        <dgm:presLayoutVars>
+          <dgm:chMax val="1"/>
+          <dgm:bulletEnabled val="1"/>
+        </dgm:presLayoutVars>
+      </dgm:prSet>
+      <dgm:spPr/>
+    </dgm:pt>
+    <dgm:pt modelId="{5FDFAD45-BE3A-42C7-96F9-147D175477B9}" type="pres">
+      <dgm:prSet presAssocID="{15A2342C-342E-4AF1-ABFE-6D641BAF41A1}" presName="descendantText" presStyleLbl="alignAcc1" presStyleIdx="0" presStyleCnt="3" custScaleY="100000" custLinFactNeighborX="-170" custLinFactNeighborY="-2821">
+        <dgm:presLayoutVars>
+          <dgm:bulletEnabled val="1"/>
+        </dgm:presLayoutVars>
+      </dgm:prSet>
+      <dgm:spPr/>
+    </dgm:pt>
+    <dgm:pt modelId="{0B93D529-6A78-4555-B1DB-9F922703E6C7}" type="pres">
+      <dgm:prSet presAssocID="{3091C5B6-412E-4FA9-921C-1CCBB20FB078}" presName="sp" presStyleCnt="0"/>
+      <dgm:spPr/>
+    </dgm:pt>
+    <dgm:pt modelId="{7710AE59-8CCB-4CCF-83F2-9DC5C53C37F8}" type="pres">
+      <dgm:prSet presAssocID="{A21E80E9-3E30-4727-979B-CC3F1A7A22C5}" presName="composite" presStyleCnt="0"/>
+      <dgm:spPr/>
+    </dgm:pt>
+    <dgm:pt modelId="{8EB604FD-2448-4F33-9F96-EAFE912047E9}" type="pres">
+      <dgm:prSet presAssocID="{A21E80E9-3E30-4727-979B-CC3F1A7A22C5}" presName="parentText" presStyleLbl="alignNode1" presStyleIdx="1" presStyleCnt="3">
+        <dgm:presLayoutVars>
+          <dgm:chMax val="1"/>
+          <dgm:bulletEnabled val="1"/>
+        </dgm:presLayoutVars>
+      </dgm:prSet>
+      <dgm:spPr/>
+    </dgm:pt>
+    <dgm:pt modelId="{3EE3D444-F1E2-4D81-B343-EEB78C9B7BC2}" type="pres">
+      <dgm:prSet presAssocID="{A21E80E9-3E30-4727-979B-CC3F1A7A22C5}" presName="descendantText" presStyleLbl="alignAcc1" presStyleIdx="1" presStyleCnt="3" custScaleY="30919">
+        <dgm:presLayoutVars>
+          <dgm:bulletEnabled val="1"/>
+        </dgm:presLayoutVars>
+      </dgm:prSet>
+      <dgm:spPr/>
+    </dgm:pt>
+    <dgm:pt modelId="{56499CC1-1A65-4B3A-8A68-E81F41293563}" type="pres">
+      <dgm:prSet presAssocID="{2E128CC8-58D8-49C7-B524-7F998825E08C}" presName="sp" presStyleCnt="0"/>
+      <dgm:spPr/>
+    </dgm:pt>
+    <dgm:pt modelId="{B37639CF-79EA-491C-B78A-6458934E0CA5}" type="pres">
+      <dgm:prSet presAssocID="{FDFD6E2B-DBAB-4056-BC28-C138724F0441}" presName="composite" presStyleCnt="0"/>
+      <dgm:spPr/>
+    </dgm:pt>
+    <dgm:pt modelId="{0837024A-932D-4B89-A5B5-1646702B04D6}" type="pres">
+      <dgm:prSet presAssocID="{FDFD6E2B-DBAB-4056-BC28-C138724F0441}" presName="parentText" presStyleLbl="alignNode1" presStyleIdx="2" presStyleCnt="3">
+        <dgm:presLayoutVars>
+          <dgm:chMax val="1"/>
+          <dgm:bulletEnabled val="1"/>
+        </dgm:presLayoutVars>
+      </dgm:prSet>
+      <dgm:spPr/>
+    </dgm:pt>
+    <dgm:pt modelId="{8FBC2C5D-9E47-4B2D-8CC0-0827ADC6EE57}" type="pres">
+      <dgm:prSet presAssocID="{FDFD6E2B-DBAB-4056-BC28-C138724F0441}" presName="descendantText" presStyleLbl="alignAcc1" presStyleIdx="2" presStyleCnt="3" custScaleY="235335">
+        <dgm:presLayoutVars>
+          <dgm:bulletEnabled val="1"/>
+        </dgm:presLayoutVars>
+      </dgm:prSet>
+      <dgm:spPr/>
+    </dgm:pt>
+  </dgm:ptLst>
+  <dgm:cxnLst>
+    <dgm:cxn modelId="{58890E05-AD91-4C6E-AFAF-1570690574EA}" type="presOf" srcId="{B56C8652-49D2-40A6-9CA3-CE8DCF0946F5}" destId="{142F673A-C255-456D-9E41-60A8F8DECB23}" srcOrd="0" destOrd="0" presId="urn:microsoft.com/office/officeart/2005/8/layout/chevron2"/>
+    <dgm:cxn modelId="{DBC7E407-9897-43CC-9C3A-E44E5BA3D393}" srcId="{FDFD6E2B-DBAB-4056-BC28-C138724F0441}" destId="{5EEE87EF-CC69-46CA-991B-C6EF45468841}" srcOrd="5" destOrd="0" parTransId="{3991E14B-A14C-40AF-9607-91EE68B84F4F}" sibTransId="{B0172526-43A0-4BDC-8318-EC52C2D54827}"/>
+    <dgm:cxn modelId="{890C6129-FED3-4F32-A1CE-803923CC13FB}" srcId="{B56C8652-49D2-40A6-9CA3-CE8DCF0946F5}" destId="{A21E80E9-3E30-4727-979B-CC3F1A7A22C5}" srcOrd="1" destOrd="0" parTransId="{5C40DCA5-A5ED-48F4-971B-7B525589E1B6}" sibTransId="{2E128CC8-58D8-49C7-B524-7F998825E08C}"/>
+    <dgm:cxn modelId="{0F1FCF35-87E1-46EF-BBCE-B90273773B0D}" type="presOf" srcId="{991745B4-1DA6-4357-834D-E175CBA5F7FF}" destId="{8FBC2C5D-9E47-4B2D-8CC0-0827ADC6EE57}" srcOrd="0" destOrd="1" presId="urn:microsoft.com/office/officeart/2005/8/layout/chevron2"/>
+    <dgm:cxn modelId="{F5DA283E-18B8-4545-BA85-552B99631C05}" type="presOf" srcId="{5EEE87EF-CC69-46CA-991B-C6EF45468841}" destId="{8FBC2C5D-9E47-4B2D-8CC0-0827ADC6EE57}" srcOrd="0" destOrd="5" presId="urn:microsoft.com/office/officeart/2005/8/layout/chevron2"/>
+    <dgm:cxn modelId="{C16B3C40-8104-4248-9B16-0226FC236EFD}" type="presOf" srcId="{AE734D0A-6694-40AA-8661-A4F047D5E4D9}" destId="{5FDFAD45-BE3A-42C7-96F9-147D175477B9}" srcOrd="0" destOrd="1" presId="urn:microsoft.com/office/officeart/2005/8/layout/chevron2"/>
+    <dgm:cxn modelId="{28F4B55F-1626-4A11-B2A3-6C5FBCF466EE}" type="presOf" srcId="{CBA4680F-B921-4539-96E8-73E248B26438}" destId="{5FDFAD45-BE3A-42C7-96F9-147D175477B9}" srcOrd="0" destOrd="0" presId="urn:microsoft.com/office/officeart/2005/8/layout/chevron2"/>
+    <dgm:cxn modelId="{CBE38C60-2AAF-4767-AECB-3298EFA7C80C}" type="presOf" srcId="{15A2342C-342E-4AF1-ABFE-6D641BAF41A1}" destId="{049C38D1-B597-49E9-8B00-78FB12FB25CF}" srcOrd="0" destOrd="0" presId="urn:microsoft.com/office/officeart/2005/8/layout/chevron2"/>
+    <dgm:cxn modelId="{98E93161-C30E-43AA-AF6B-299C6C6168AE}" srcId="{A21E80E9-3E30-4727-979B-CC3F1A7A22C5}" destId="{7251001A-0584-4766-A6D7-0E44BBBBDC12}" srcOrd="0" destOrd="0" parTransId="{FE219C25-7519-49A1-80FC-88DBD277BE7B}" sibTransId="{3A3E3377-B627-44C2-A026-04B55D885A13}"/>
+    <dgm:cxn modelId="{0AA7C964-F08A-434D-849D-CB60E50F510C}" type="presOf" srcId="{FDFD6E2B-DBAB-4056-BC28-C138724F0441}" destId="{0837024A-932D-4B89-A5B5-1646702B04D6}" srcOrd="0" destOrd="0" presId="urn:microsoft.com/office/officeart/2005/8/layout/chevron2"/>
+    <dgm:cxn modelId="{331E5267-3B46-40FC-807B-5869C9435943}" srcId="{B56C8652-49D2-40A6-9CA3-CE8DCF0946F5}" destId="{FDFD6E2B-DBAB-4056-BC28-C138724F0441}" srcOrd="2" destOrd="0" parTransId="{A185C7BD-8F3D-48FC-AACD-370FC7051347}" sibTransId="{2EAE1DED-33EB-4BB9-B279-4AEA7E7C396D}"/>
+    <dgm:cxn modelId="{8F2FDC48-E40A-425B-870D-62187B5D42A9}" srcId="{FDFD6E2B-DBAB-4056-BC28-C138724F0441}" destId="{5FE0594D-1D7D-4AA8-819B-A2C743D5CEF2}" srcOrd="3" destOrd="0" parTransId="{1CA14089-09CF-4046-9D0C-3DFC6A05542D}" sibTransId="{F95BCFE4-CFE1-4C2D-8293-9326323C655E}"/>
+    <dgm:cxn modelId="{076CC86B-D690-4BFD-AA13-22E5FF304401}" srcId="{FDFD6E2B-DBAB-4056-BC28-C138724F0441}" destId="{991745B4-1DA6-4357-834D-E175CBA5F7FF}" srcOrd="1" destOrd="0" parTransId="{7F7C2FE2-A92E-4E57-852A-1760217EC7AA}" sibTransId="{80503291-0CA3-4264-9D8A-213B3DAD3BF7}"/>
+    <dgm:cxn modelId="{AA9F0954-E312-4F59-A538-78CB15CA0648}" srcId="{FDFD6E2B-DBAB-4056-BC28-C138724F0441}" destId="{732042B1-94D3-42FA-A258-6BB06EBE3E3B}" srcOrd="4" destOrd="0" parTransId="{EAAEE230-65A9-4651-A41F-BB57449114C8}" sibTransId="{D2C603BD-ADB1-4E88-A685-49632CB1E3B4}"/>
+    <dgm:cxn modelId="{3F563856-5C53-4991-879E-670B56271005}" srcId="{FDFD6E2B-DBAB-4056-BC28-C138724F0441}" destId="{45C4846E-AAF6-4414-A05E-6E85D7726DF6}" srcOrd="2" destOrd="0" parTransId="{83ABFF28-F69F-4FC1-AB0A-416CFB4266E6}" sibTransId="{671C2D96-D26C-4FB6-9BA5-31D234280E86}"/>
+    <dgm:cxn modelId="{FD15FF7D-7615-413A-936D-840A88CEEF81}" type="presOf" srcId="{7251001A-0584-4766-A6D7-0E44BBBBDC12}" destId="{3EE3D444-F1E2-4D81-B343-EEB78C9B7BC2}" srcOrd="0" destOrd="0" presId="urn:microsoft.com/office/officeart/2005/8/layout/chevron2"/>
+    <dgm:cxn modelId="{2A878A9C-A599-4E25-8F35-179342BC54EF}" srcId="{B56C8652-49D2-40A6-9CA3-CE8DCF0946F5}" destId="{15A2342C-342E-4AF1-ABFE-6D641BAF41A1}" srcOrd="0" destOrd="0" parTransId="{3113E09E-2B5D-47FE-89F9-BC4D9A8CB38B}" sibTransId="{3091C5B6-412E-4FA9-921C-1CCBB20FB078}"/>
+    <dgm:cxn modelId="{26A054A0-1AB4-43B6-8F58-0FC6C712A2A4}" srcId="{15A2342C-342E-4AF1-ABFE-6D641BAF41A1}" destId="{CBA4680F-B921-4539-96E8-73E248B26438}" srcOrd="0" destOrd="0" parTransId="{CFA20A3C-0F95-4996-A60F-CD8C5D7EA0C8}" sibTransId="{66C95EC4-2BD0-44E1-98AF-5AEB75A287A4}"/>
+    <dgm:cxn modelId="{B51378A4-5D0E-4C4B-B23C-D4EAD7678B6D}" type="presOf" srcId="{5FE0594D-1D7D-4AA8-819B-A2C743D5CEF2}" destId="{8FBC2C5D-9E47-4B2D-8CC0-0827ADC6EE57}" srcOrd="0" destOrd="3" presId="urn:microsoft.com/office/officeart/2005/8/layout/chevron2"/>
+    <dgm:cxn modelId="{86D5B1B6-FC3B-40C9-B662-895EFF0C484F}" type="presOf" srcId="{1693A56B-51EB-4EEE-B5A0-2587A76BB504}" destId="{8FBC2C5D-9E47-4B2D-8CC0-0827ADC6EE57}" srcOrd="0" destOrd="0" presId="urn:microsoft.com/office/officeart/2005/8/layout/chevron2"/>
+    <dgm:cxn modelId="{864443B7-827D-40CA-9151-FBD8FCDA144A}" srcId="{15A2342C-342E-4AF1-ABFE-6D641BAF41A1}" destId="{AE734D0A-6694-40AA-8661-A4F047D5E4D9}" srcOrd="1" destOrd="0" parTransId="{CCB97636-127D-4739-A837-C723B7836880}" sibTransId="{158A9BB4-6738-46A4-AC17-D8A26414D5F7}"/>
+    <dgm:cxn modelId="{F72680C9-96BF-47B8-9EA1-790C7398DC53}" srcId="{FDFD6E2B-DBAB-4056-BC28-C138724F0441}" destId="{08DDB7E5-F95F-4C23-8B95-48DA1C9E93D2}" srcOrd="6" destOrd="0" parTransId="{17D3B376-5FA3-4529-8A20-009F64A5009F}" sibTransId="{2211239D-722D-4F53-AAEA-314BB74C3C5C}"/>
+    <dgm:cxn modelId="{A1DC73D2-C866-4AF8-8F66-31BBE9AE94F7}" type="presOf" srcId="{732042B1-94D3-42FA-A258-6BB06EBE3E3B}" destId="{8FBC2C5D-9E47-4B2D-8CC0-0827ADC6EE57}" srcOrd="0" destOrd="4" presId="urn:microsoft.com/office/officeart/2005/8/layout/chevron2"/>
+    <dgm:cxn modelId="{6A1FF4D6-2CF6-4582-BEEF-FA9D275C9BB3}" type="presOf" srcId="{45C4846E-AAF6-4414-A05E-6E85D7726DF6}" destId="{8FBC2C5D-9E47-4B2D-8CC0-0827ADC6EE57}" srcOrd="0" destOrd="2" presId="urn:microsoft.com/office/officeart/2005/8/layout/chevron2"/>
+    <dgm:cxn modelId="{7F4D6DDB-3D42-4FF2-B68F-28BE1A3A21C0}" type="presOf" srcId="{08DDB7E5-F95F-4C23-8B95-48DA1C9E93D2}" destId="{8FBC2C5D-9E47-4B2D-8CC0-0827ADC6EE57}" srcOrd="0" destOrd="6" presId="urn:microsoft.com/office/officeart/2005/8/layout/chevron2"/>
+    <dgm:cxn modelId="{B9F397F0-7A59-4437-81F7-0BEB182623E3}" srcId="{FDFD6E2B-DBAB-4056-BC28-C138724F0441}" destId="{1693A56B-51EB-4EEE-B5A0-2587A76BB504}" srcOrd="0" destOrd="0" parTransId="{71605052-445C-4B49-9A4B-2DCF504AD115}" sibTransId="{84E281FA-B092-4FA8-A2AE-CFCEA05B4214}"/>
+    <dgm:cxn modelId="{82F94CF7-E0DE-440A-B1D1-883572629C8B}" type="presOf" srcId="{A21E80E9-3E30-4727-979B-CC3F1A7A22C5}" destId="{8EB604FD-2448-4F33-9F96-EAFE912047E9}" srcOrd="0" destOrd="0" presId="urn:microsoft.com/office/officeart/2005/8/layout/chevron2"/>
+    <dgm:cxn modelId="{13250355-16DD-4CD2-9C12-90DB9DA37F12}" type="presParOf" srcId="{142F673A-C255-456D-9E41-60A8F8DECB23}" destId="{4D46CCB9-E0D7-49E4-8700-7CE19FB27C88}" srcOrd="0" destOrd="0" presId="urn:microsoft.com/office/officeart/2005/8/layout/chevron2"/>
+    <dgm:cxn modelId="{817BC056-467A-4A41-A953-E66324C2905D}" type="presParOf" srcId="{4D46CCB9-E0D7-49E4-8700-7CE19FB27C88}" destId="{049C38D1-B597-49E9-8B00-78FB12FB25CF}" srcOrd="0" destOrd="0" presId="urn:microsoft.com/office/officeart/2005/8/layout/chevron2"/>
+    <dgm:cxn modelId="{9630092D-D071-4A9D-86C1-D2F2FD525441}" type="presParOf" srcId="{4D46CCB9-E0D7-49E4-8700-7CE19FB27C88}" destId="{5FDFAD45-BE3A-42C7-96F9-147D175477B9}" srcOrd="1" destOrd="0" presId="urn:microsoft.com/office/officeart/2005/8/layout/chevron2"/>
+    <dgm:cxn modelId="{637CA1E5-C0B6-45EA-8BF0-D18596DD9AFF}" type="presParOf" srcId="{142F673A-C255-456D-9E41-60A8F8DECB23}" destId="{0B93D529-6A78-4555-B1DB-9F922703E6C7}" srcOrd="1" destOrd="0" presId="urn:microsoft.com/office/officeart/2005/8/layout/chevron2"/>
+    <dgm:cxn modelId="{825DE280-A7D6-4690-B13F-FBBEAFF73CB3}" type="presParOf" srcId="{142F673A-C255-456D-9E41-60A8F8DECB23}" destId="{7710AE59-8CCB-4CCF-83F2-9DC5C53C37F8}" srcOrd="2" destOrd="0" presId="urn:microsoft.com/office/officeart/2005/8/layout/chevron2"/>
+    <dgm:cxn modelId="{949BE6D1-3167-4C62-8960-95741648E8D6}" type="presParOf" srcId="{7710AE59-8CCB-4CCF-83F2-9DC5C53C37F8}" destId="{8EB604FD-2448-4F33-9F96-EAFE912047E9}" srcOrd="0" destOrd="0" presId="urn:microsoft.com/office/officeart/2005/8/layout/chevron2"/>
+    <dgm:cxn modelId="{FE2026D6-2D93-461C-A890-E382552DCD24}" type="presParOf" srcId="{7710AE59-8CCB-4CCF-83F2-9DC5C53C37F8}" destId="{3EE3D444-F1E2-4D81-B343-EEB78C9B7BC2}" srcOrd="1" destOrd="0" presId="urn:microsoft.com/office/officeart/2005/8/layout/chevron2"/>
+    <dgm:cxn modelId="{839BF989-99B7-4E14-BAD5-AE9BF6A19560}" type="presParOf" srcId="{142F673A-C255-456D-9E41-60A8F8DECB23}" destId="{56499CC1-1A65-4B3A-8A68-E81F41293563}" srcOrd="3" destOrd="0" presId="urn:microsoft.com/office/officeart/2005/8/layout/chevron2"/>
+    <dgm:cxn modelId="{2316A509-C18C-408D-B9B3-0180B32F33D5}" type="presParOf" srcId="{142F673A-C255-456D-9E41-60A8F8DECB23}" destId="{B37639CF-79EA-491C-B78A-6458934E0CA5}" srcOrd="4" destOrd="0" presId="urn:microsoft.com/office/officeart/2005/8/layout/chevron2"/>
+    <dgm:cxn modelId="{F09D8116-ED91-41CF-AAFD-A86085A377AB}" type="presParOf" srcId="{B37639CF-79EA-491C-B78A-6458934E0CA5}" destId="{0837024A-932D-4B89-A5B5-1646702B04D6}" srcOrd="0" destOrd="0" presId="urn:microsoft.com/office/officeart/2005/8/layout/chevron2"/>
+    <dgm:cxn modelId="{4B73A4CA-E5C6-43EE-AD6F-B7198AE5A01E}" type="presParOf" srcId="{B37639CF-79EA-491C-B78A-6458934E0CA5}" destId="{8FBC2C5D-9E47-4B2D-8CC0-0827ADC6EE57}" srcOrd="1" destOrd="0" presId="urn:microsoft.com/office/officeart/2005/8/layout/chevron2"/>
+  </dgm:cxnLst>
+  <dgm:bg/>
+  <dgm:whole/>
+  <dgm:extLst>
+    <a:ext uri="http://schemas.microsoft.com/office/drawing/2008/diagram">
+      <dsp:dataModelExt xmlns:dsp="http://schemas.microsoft.com/office/drawing/2008/diagram" relId="rId6" minVer="http://schemas.openxmlformats.org/drawingml/2006/diagram"/>
+    </a:ext>
+  </dgm:extLst>
+</dgm:dataModel>
+</file>
+
 <file path=ppt/diagrams/drawing1.xml><?xml version="1.0" encoding="utf-8"?>
 <dsp:drawing xmlns:dgm="http://schemas.openxmlformats.org/drawingml/2006/diagram" xmlns:dsp="http://schemas.microsoft.com/office/drawing/2008/diagram" xmlns:a="http://schemas.openxmlformats.org/drawingml/2006/main">
   <dsp:spTree>
@@ -3855,15 +5458,15 @@
             <a:buNone/>
           </a:pPr>
           <a:r>
-            <a:rPr lang="en-US" sz="1400" u="sng" kern="1200" dirty="0"/>
+            <a:rPr lang="en-US" sz="1400" u="none" kern="1200" dirty="0"/>
             <a:t>~/data/</a:t>
           </a:r>
           <a:r>
-            <a:rPr lang="en-US" sz="1400" u="sng" kern="1200" dirty="0" err="1"/>
+            <a:rPr lang="en-US" sz="1400" u="none" kern="1200" dirty="0" err="1"/>
             <a:t>raw_data</a:t>
           </a:r>
           <a:r>
-            <a:rPr lang="en-US" sz="1400" u="sng" kern="1200" dirty="0"/>
+            <a:rPr lang="en-US" sz="1400" u="none" kern="1200" dirty="0"/>
             <a:t>/</a:t>
           </a:r>
           <a:r>
@@ -4510,6 +6113,811 @@
       <dsp:txXfrm rot="-5400000">
         <a:off x="1276690" y="3637385"/>
         <a:ext cx="6793439" cy="1069755"/>
+      </dsp:txXfrm>
+    </dsp:sp>
+  </dsp:spTree>
+</dsp:drawing>
+</file>
+
+<file path=ppt/diagrams/drawing3.xml><?xml version="1.0" encoding="utf-8"?>
+<dsp:drawing xmlns:dgm="http://schemas.openxmlformats.org/drawingml/2006/diagram" xmlns:dsp="http://schemas.microsoft.com/office/drawing/2008/diagram" xmlns:a="http://schemas.openxmlformats.org/drawingml/2006/main">
+  <dsp:spTree>
+    <dsp:nvGrpSpPr>
+      <dsp:cNvPr id="0" name=""/>
+      <dsp:cNvGrpSpPr/>
+    </dsp:nvGrpSpPr>
+    <dsp:grpSpPr/>
+    <dsp:sp modelId="{049C38D1-B597-49E9-8B00-78FB12FB25CF}">
+      <dsp:nvSpPr>
+        <dsp:cNvPr id="0" name=""/>
+        <dsp:cNvSpPr/>
+      </dsp:nvSpPr>
+      <dsp:spPr>
+        <a:xfrm rot="5400000">
+          <a:off x="-267442" y="475953"/>
+          <a:ext cx="1782951" cy="1248065"/>
+        </a:xfrm>
+        <a:prstGeom prst="chevron">
+          <a:avLst/>
+        </a:prstGeom>
+        <a:solidFill>
+          <a:schemeClr val="dk2">
+            <a:hueOff val="0"/>
+            <a:satOff val="0"/>
+            <a:lumOff val="0"/>
+            <a:alphaOff val="0"/>
+          </a:schemeClr>
+        </a:solidFill>
+        <a:ln w="12700" cap="flat" cmpd="sng" algn="ctr">
+          <a:solidFill>
+            <a:schemeClr val="dk2">
+              <a:hueOff val="0"/>
+              <a:satOff val="0"/>
+              <a:lumOff val="0"/>
+              <a:alphaOff val="0"/>
+            </a:schemeClr>
+          </a:solidFill>
+          <a:prstDash val="solid"/>
+          <a:miter lim="800000"/>
+        </a:ln>
+        <a:effectLst/>
+      </dsp:spPr>
+      <dsp:style>
+        <a:lnRef idx="2">
+          <a:scrgbClr r="0" g="0" b="0"/>
+        </a:lnRef>
+        <a:fillRef idx="1">
+          <a:scrgbClr r="0" g="0" b="0"/>
+        </a:fillRef>
+        <a:effectRef idx="0">
+          <a:scrgbClr r="0" g="0" b="0"/>
+        </a:effectRef>
+        <a:fontRef idx="minor">
+          <a:schemeClr val="lt1"/>
+        </a:fontRef>
+      </dsp:style>
+      <dsp:txBody>
+        <a:bodyPr spcFirstLastPara="0" vert="horz" wrap="square" lIns="11430" tIns="11430" rIns="11430" bIns="11430" numCol="1" spcCol="1270" anchor="ctr" anchorCtr="0">
+          <a:noAutofit/>
+        </a:bodyPr>
+        <a:lstStyle/>
+        <a:p>
+          <a:pPr marL="0" lvl="0" indent="0" algn="ctr" defTabSz="800100">
+            <a:lnSpc>
+              <a:spcPct val="90000"/>
+            </a:lnSpc>
+            <a:spcBef>
+              <a:spcPct val="0"/>
+            </a:spcBef>
+            <a:spcAft>
+              <a:spcPct val="35000"/>
+            </a:spcAft>
+            <a:buNone/>
+          </a:pPr>
+          <a:r>
+            <a:rPr lang="en-US" sz="1800" kern="1200" dirty="0"/>
+            <a:t>Input data</a:t>
+          </a:r>
+        </a:p>
+      </dsp:txBody>
+      <dsp:txXfrm rot="-5400000">
+        <a:off x="2" y="832543"/>
+        <a:ext cx="1248065" cy="534886"/>
+      </dsp:txXfrm>
+    </dsp:sp>
+    <dsp:sp modelId="{5FDFAD45-BE3A-42C7-96F9-147D175477B9}">
+      <dsp:nvSpPr>
+        <dsp:cNvPr id="0" name=""/>
+        <dsp:cNvSpPr/>
+      </dsp:nvSpPr>
+      <dsp:spPr>
+        <a:xfrm rot="5400000">
+          <a:off x="4096877" y="-2684690"/>
+          <a:ext cx="1158918" cy="6879934"/>
+        </a:xfrm>
+        <a:prstGeom prst="round2SameRect">
+          <a:avLst/>
+        </a:prstGeom>
+        <a:solidFill>
+          <a:schemeClr val="lt2">
+            <a:alpha val="90000"/>
+            <a:hueOff val="0"/>
+            <a:satOff val="0"/>
+            <a:lumOff val="0"/>
+            <a:alphaOff val="0"/>
+          </a:schemeClr>
+        </a:solidFill>
+        <a:ln w="12700" cap="flat" cmpd="sng" algn="ctr">
+          <a:solidFill>
+            <a:schemeClr val="dk2">
+              <a:hueOff val="0"/>
+              <a:satOff val="0"/>
+              <a:lumOff val="0"/>
+              <a:alphaOff val="0"/>
+            </a:schemeClr>
+          </a:solidFill>
+          <a:prstDash val="solid"/>
+          <a:miter lim="800000"/>
+        </a:ln>
+        <a:effectLst/>
+      </dsp:spPr>
+      <dsp:style>
+        <a:lnRef idx="2">
+          <a:scrgbClr r="0" g="0" b="0"/>
+        </a:lnRef>
+        <a:fillRef idx="1">
+          <a:scrgbClr r="0" g="0" b="0"/>
+        </a:fillRef>
+        <a:effectRef idx="0">
+          <a:scrgbClr r="0" g="0" b="0"/>
+        </a:effectRef>
+        <a:fontRef idx="minor"/>
+      </dsp:style>
+      <dsp:txBody>
+        <a:bodyPr spcFirstLastPara="0" vert="horz" wrap="square" lIns="128016" tIns="11430" rIns="11430" bIns="11430" numCol="1" spcCol="1270" anchor="ctr" anchorCtr="0">
+          <a:noAutofit/>
+        </a:bodyPr>
+        <a:lstStyle/>
+        <a:p>
+          <a:pPr marL="171450" lvl="1" indent="-171450" algn="l" defTabSz="800100">
+            <a:lnSpc>
+              <a:spcPct val="90000"/>
+            </a:lnSpc>
+            <a:spcBef>
+              <a:spcPct val="0"/>
+            </a:spcBef>
+            <a:spcAft>
+              <a:spcPct val="15000"/>
+            </a:spcAft>
+            <a:buNone/>
+          </a:pPr>
+          <a:r>
+            <a:rPr lang="en-US" sz="1800" u="none" kern="1200" dirty="0"/>
+            <a:t>~/</a:t>
+          </a:r>
+          <a:r>
+            <a:rPr lang="en-US" sz="1800" kern="1200" dirty="0"/>
+            <a:t>data/processed/</a:t>
+          </a:r>
+          <a:r>
+            <a:rPr lang="en-US" sz="1800" kern="1200" dirty="0" err="1"/>
+            <a:t>grid_goa.RData</a:t>
+          </a:r>
+          <a:r>
+            <a:rPr lang="en-US" sz="1800" kern="1200" dirty="0"/>
+            <a:t>: </a:t>
+          </a:r>
+          <a:r>
+            <a:rPr lang="en-US" sz="1800" kern="1200" dirty="0" err="1">
+              <a:solidFill>
+                <a:schemeClr val="bg1">
+                  <a:lumMod val="50000"/>
+                </a:schemeClr>
+              </a:solidFill>
+            </a:rPr>
+            <a:t>GoA</a:t>
+          </a:r>
+          <a:r>
+            <a:rPr lang="en-US" sz="1800" kern="1200" dirty="0">
+              <a:solidFill>
+                <a:schemeClr val="bg1">
+                  <a:lumMod val="50000"/>
+                </a:schemeClr>
+              </a:solidFill>
+            </a:rPr>
+            <a:t> grid with bathy</a:t>
+          </a:r>
+          <a:endParaRPr lang="en-US" sz="1800" u="sng" kern="1200" dirty="0"/>
+        </a:p>
+        <a:p>
+          <a:pPr marL="171450" lvl="1" indent="-171450" algn="l" defTabSz="800100">
+            <a:lnSpc>
+              <a:spcPct val="90000"/>
+            </a:lnSpc>
+            <a:spcBef>
+              <a:spcPct val="0"/>
+            </a:spcBef>
+            <a:spcAft>
+              <a:spcPct val="15000"/>
+            </a:spcAft>
+            <a:buNone/>
+          </a:pPr>
+          <a:r>
+            <a:rPr lang="en-US" sz="1800" u="none" kern="1200" dirty="0">
+              <a:solidFill>
+                <a:schemeClr val="tx1"/>
+              </a:solidFill>
+            </a:rPr>
+            <a:t>~/data/processed/goa_vast_data_input.csv: </a:t>
+          </a:r>
+          <a:r>
+            <a:rPr lang="en-US" sz="1800" u="none" kern="1200" dirty="0">
+              <a:solidFill>
+                <a:schemeClr val="bg1">
+                  <a:lumMod val="50000"/>
+                </a:schemeClr>
+              </a:solidFill>
+            </a:rPr>
+            <a:t>VAST input</a:t>
+          </a:r>
+        </a:p>
+      </dsp:txBody>
+      <dsp:txXfrm rot="-5400000">
+        <a:off x="1236369" y="232392"/>
+        <a:ext cx="6823360" cy="1045770"/>
+      </dsp:txXfrm>
+    </dsp:sp>
+    <dsp:sp modelId="{8EB604FD-2448-4F33-9F96-EAFE912047E9}">
+      <dsp:nvSpPr>
+        <dsp:cNvPr id="0" name=""/>
+        <dsp:cNvSpPr/>
+      </dsp:nvSpPr>
+      <dsp:spPr>
+        <a:xfrm rot="5400000">
+          <a:off x="-267442" y="2109959"/>
+          <a:ext cx="1782951" cy="1248065"/>
+        </a:xfrm>
+        <a:prstGeom prst="chevron">
+          <a:avLst/>
+        </a:prstGeom>
+        <a:solidFill>
+          <a:schemeClr val="dk2">
+            <a:hueOff val="0"/>
+            <a:satOff val="0"/>
+            <a:lumOff val="0"/>
+            <a:alphaOff val="0"/>
+          </a:schemeClr>
+        </a:solidFill>
+        <a:ln w="12700" cap="flat" cmpd="sng" algn="ctr">
+          <a:solidFill>
+            <a:schemeClr val="dk2">
+              <a:hueOff val="0"/>
+              <a:satOff val="0"/>
+              <a:lumOff val="0"/>
+              <a:alphaOff val="0"/>
+            </a:schemeClr>
+          </a:solidFill>
+          <a:prstDash val="solid"/>
+          <a:miter lim="800000"/>
+        </a:ln>
+        <a:effectLst/>
+      </dsp:spPr>
+      <dsp:style>
+        <a:lnRef idx="2">
+          <a:scrgbClr r="0" g="0" b="0"/>
+        </a:lnRef>
+        <a:fillRef idx="1">
+          <a:scrgbClr r="0" g="0" b="0"/>
+        </a:fillRef>
+        <a:effectRef idx="0">
+          <a:scrgbClr r="0" g="0" b="0"/>
+        </a:effectRef>
+        <a:fontRef idx="minor">
+          <a:schemeClr val="lt1"/>
+        </a:fontRef>
+      </dsp:style>
+      <dsp:txBody>
+        <a:bodyPr spcFirstLastPara="0" vert="horz" wrap="square" lIns="11430" tIns="11430" rIns="11430" bIns="11430" numCol="1" spcCol="1270" anchor="ctr" anchorCtr="0">
+          <a:noAutofit/>
+        </a:bodyPr>
+        <a:lstStyle/>
+        <a:p>
+          <a:pPr marL="0" lvl="0" indent="0" algn="ctr" defTabSz="800100">
+            <a:lnSpc>
+              <a:spcPct val="90000"/>
+            </a:lnSpc>
+            <a:spcBef>
+              <a:spcPct val="0"/>
+            </a:spcBef>
+            <a:spcAft>
+              <a:spcPct val="35000"/>
+            </a:spcAft>
+            <a:buNone/>
+          </a:pPr>
+          <a:r>
+            <a:rPr lang="en-US" sz="1800" kern="1200" dirty="0"/>
+            <a:t>Script Program</a:t>
+          </a:r>
+        </a:p>
+      </dsp:txBody>
+      <dsp:txXfrm rot="-5400000">
+        <a:off x="2" y="2466549"/>
+        <a:ext cx="1248065" cy="534886"/>
+      </dsp:txXfrm>
+    </dsp:sp>
+    <dsp:sp modelId="{3EE3D444-F1E2-4D81-B343-EEB78C9B7BC2}">
+      <dsp:nvSpPr>
+        <dsp:cNvPr id="0" name=""/>
+        <dsp:cNvSpPr/>
+      </dsp:nvSpPr>
+      <dsp:spPr>
+        <a:xfrm rot="5400000">
+          <a:off x="4508869" y="-1017990"/>
+          <a:ext cx="358325" cy="6879934"/>
+        </a:xfrm>
+        <a:prstGeom prst="round2SameRect">
+          <a:avLst/>
+        </a:prstGeom>
+        <a:solidFill>
+          <a:schemeClr val="lt2">
+            <a:alpha val="90000"/>
+            <a:hueOff val="0"/>
+            <a:satOff val="0"/>
+            <a:lumOff val="0"/>
+            <a:alphaOff val="0"/>
+          </a:schemeClr>
+        </a:solidFill>
+        <a:ln w="12700" cap="flat" cmpd="sng" algn="ctr">
+          <a:solidFill>
+            <a:schemeClr val="dk2">
+              <a:hueOff val="0"/>
+              <a:satOff val="0"/>
+              <a:lumOff val="0"/>
+              <a:alphaOff val="0"/>
+            </a:schemeClr>
+          </a:solidFill>
+          <a:prstDash val="solid"/>
+          <a:miter lim="800000"/>
+        </a:ln>
+        <a:effectLst/>
+      </dsp:spPr>
+      <dsp:style>
+        <a:lnRef idx="2">
+          <a:scrgbClr r="0" g="0" b="0"/>
+        </a:lnRef>
+        <a:fillRef idx="1">
+          <a:scrgbClr r="0" g="0" b="0"/>
+        </a:fillRef>
+        <a:effectRef idx="0">
+          <a:scrgbClr r="0" g="0" b="0"/>
+        </a:effectRef>
+        <a:fontRef idx="minor"/>
+      </dsp:style>
+      <dsp:txBody>
+        <a:bodyPr spcFirstLastPara="0" vert="horz" wrap="square" lIns="128016" tIns="11430" rIns="11430" bIns="11430" numCol="1" spcCol="1270" anchor="ctr" anchorCtr="0">
+          <a:noAutofit/>
+        </a:bodyPr>
+        <a:lstStyle/>
+        <a:p>
+          <a:pPr marL="171450" lvl="1" indent="-171450" algn="l" defTabSz="800100">
+            <a:lnSpc>
+              <a:spcPct val="90000"/>
+            </a:lnSpc>
+            <a:spcBef>
+              <a:spcPct val="0"/>
+            </a:spcBef>
+            <a:spcAft>
+              <a:spcPct val="15000"/>
+            </a:spcAft>
+            <a:buNone/>
+          </a:pPr>
+          <a:r>
+            <a:rPr lang="en-US" sz="1800" u="none" kern="1200" dirty="0"/>
+            <a:t>~/</a:t>
+          </a:r>
+          <a:r>
+            <a:rPr lang="en-US" sz="1800" kern="1200" dirty="0" err="1"/>
+            <a:t>analysis_scripts</a:t>
+          </a:r>
+          <a:r>
+            <a:rPr lang="en-US" sz="1800" kern="1200" dirty="0"/>
+            <a:t>/1C_fit_vast_models.R</a:t>
+          </a:r>
+        </a:p>
+      </dsp:txBody>
+      <dsp:txXfrm rot="-5400000">
+        <a:off x="1248065" y="2260306"/>
+        <a:ext cx="6862442" cy="323341"/>
+      </dsp:txXfrm>
+    </dsp:sp>
+    <dsp:sp modelId="{0837024A-932D-4B89-A5B5-1646702B04D6}">
+      <dsp:nvSpPr>
+        <dsp:cNvPr id="0" name=""/>
+        <dsp:cNvSpPr/>
+      </dsp:nvSpPr>
+      <dsp:spPr>
+        <a:xfrm rot="5400000">
+          <a:off x="-267442" y="4528177"/>
+          <a:ext cx="1782951" cy="1248065"/>
+        </a:xfrm>
+        <a:prstGeom prst="chevron">
+          <a:avLst/>
+        </a:prstGeom>
+        <a:solidFill>
+          <a:schemeClr val="dk2">
+            <a:hueOff val="0"/>
+            <a:satOff val="0"/>
+            <a:lumOff val="0"/>
+            <a:alphaOff val="0"/>
+          </a:schemeClr>
+        </a:solidFill>
+        <a:ln w="12700" cap="flat" cmpd="sng" algn="ctr">
+          <a:solidFill>
+            <a:schemeClr val="dk2">
+              <a:hueOff val="0"/>
+              <a:satOff val="0"/>
+              <a:lumOff val="0"/>
+              <a:alphaOff val="0"/>
+            </a:schemeClr>
+          </a:solidFill>
+          <a:prstDash val="solid"/>
+          <a:miter lim="800000"/>
+        </a:ln>
+        <a:effectLst/>
+      </dsp:spPr>
+      <dsp:style>
+        <a:lnRef idx="2">
+          <a:scrgbClr r="0" g="0" b="0"/>
+        </a:lnRef>
+        <a:fillRef idx="1">
+          <a:scrgbClr r="0" g="0" b="0"/>
+        </a:fillRef>
+        <a:effectRef idx="0">
+          <a:scrgbClr r="0" g="0" b="0"/>
+        </a:effectRef>
+        <a:fontRef idx="minor">
+          <a:schemeClr val="lt1"/>
+        </a:fontRef>
+      </dsp:style>
+      <dsp:txBody>
+        <a:bodyPr spcFirstLastPara="0" vert="horz" wrap="square" lIns="11430" tIns="11430" rIns="11430" bIns="11430" numCol="1" spcCol="1270" anchor="ctr" anchorCtr="0">
+          <a:noAutofit/>
+        </a:bodyPr>
+        <a:lstStyle/>
+        <a:p>
+          <a:pPr marL="0" lvl="0" indent="0" algn="ctr" defTabSz="800100">
+            <a:lnSpc>
+              <a:spcPct val="90000"/>
+            </a:lnSpc>
+            <a:spcBef>
+              <a:spcPct val="0"/>
+            </a:spcBef>
+            <a:spcAft>
+              <a:spcPct val="35000"/>
+            </a:spcAft>
+            <a:buNone/>
+          </a:pPr>
+          <a:r>
+            <a:rPr lang="en-US" sz="1800" kern="1200" dirty="0"/>
+            <a:t>Output</a:t>
+          </a:r>
+        </a:p>
+      </dsp:txBody>
+      <dsp:txXfrm rot="-5400000">
+        <a:off x="2" y="4884767"/>
+        <a:ext cx="1248065" cy="534886"/>
+      </dsp:txXfrm>
+    </dsp:sp>
+    <dsp:sp modelId="{8FBC2C5D-9E47-4B2D-8CC0-0827ADC6EE57}">
+      <dsp:nvSpPr>
+        <dsp:cNvPr id="0" name=""/>
+        <dsp:cNvSpPr/>
+      </dsp:nvSpPr>
+      <dsp:spPr>
+        <a:xfrm rot="5400000">
+          <a:off x="3324362" y="1400226"/>
+          <a:ext cx="2727340" cy="6879934"/>
+        </a:xfrm>
+        <a:prstGeom prst="round2SameRect">
+          <a:avLst/>
+        </a:prstGeom>
+        <a:solidFill>
+          <a:schemeClr val="lt2">
+            <a:alpha val="90000"/>
+            <a:hueOff val="0"/>
+            <a:satOff val="0"/>
+            <a:lumOff val="0"/>
+            <a:alphaOff val="0"/>
+          </a:schemeClr>
+        </a:solidFill>
+        <a:ln w="12700" cap="flat" cmpd="sng" algn="ctr">
+          <a:solidFill>
+            <a:schemeClr val="dk2">
+              <a:hueOff val="0"/>
+              <a:satOff val="0"/>
+              <a:lumOff val="0"/>
+              <a:alphaOff val="0"/>
+            </a:schemeClr>
+          </a:solidFill>
+          <a:prstDash val="solid"/>
+          <a:miter lim="800000"/>
+        </a:ln>
+        <a:effectLst/>
+      </dsp:spPr>
+      <dsp:style>
+        <a:lnRef idx="2">
+          <a:scrgbClr r="0" g="0" b="0"/>
+        </a:lnRef>
+        <a:fillRef idx="1">
+          <a:scrgbClr r="0" g="0" b="0"/>
+        </a:fillRef>
+        <a:effectRef idx="0">
+          <a:scrgbClr r="0" g="0" b="0"/>
+        </a:effectRef>
+        <a:fontRef idx="minor"/>
+      </dsp:style>
+      <dsp:txBody>
+        <a:bodyPr spcFirstLastPara="0" vert="horz" wrap="square" lIns="113792" tIns="10160" rIns="10160" bIns="10160" numCol="1" spcCol="1270" anchor="ctr" anchorCtr="0">
+          <a:noAutofit/>
+        </a:bodyPr>
+        <a:lstStyle/>
+        <a:p>
+          <a:pPr marL="171450" lvl="1" indent="-171450" algn="l" defTabSz="711200">
+            <a:lnSpc>
+              <a:spcPct val="90000"/>
+            </a:lnSpc>
+            <a:spcBef>
+              <a:spcPct val="0"/>
+            </a:spcBef>
+            <a:spcAft>
+              <a:spcPct val="15000"/>
+            </a:spcAft>
+            <a:buNone/>
+          </a:pPr>
+          <a:r>
+            <a:rPr lang="en-US" sz="1600" u="sng" kern="1200" dirty="0" err="1">
+              <a:solidFill>
+                <a:schemeClr val="tx1"/>
+              </a:solidFill>
+            </a:rPr>
+            <a:t>ExternalDrive</a:t>
+          </a:r>
+          <a:r>
+            <a:rPr lang="en-US" sz="1600" u="sng" kern="1200" dirty="0">
+              <a:solidFill>
+                <a:schemeClr val="tx1"/>
+              </a:solidFill>
+            </a:rPr>
+            <a:t>/</a:t>
+          </a:r>
+          <a:r>
+            <a:rPr lang="en-US" sz="1600" u="sng" kern="1200" dirty="0" err="1">
+              <a:solidFill>
+                <a:schemeClr val="tx1"/>
+              </a:solidFill>
+            </a:rPr>
+            <a:t>VAST_Runs</a:t>
+          </a:r>
+          <a:r>
+            <a:rPr lang="en-US" sz="1600" u="sng" kern="1200" dirty="0">
+              <a:solidFill>
+                <a:schemeClr val="tx1"/>
+              </a:solidFill>
+            </a:rPr>
+            <a:t>/</a:t>
+          </a:r>
+          <a:r>
+            <a:rPr lang="en-US" sz="1600" u="sng" kern="1200" dirty="0" err="1">
+              <a:solidFill>
+                <a:schemeClr val="tx1"/>
+              </a:solidFill>
+            </a:rPr>
+            <a:t>SpeciesName</a:t>
+          </a:r>
+          <a:r>
+            <a:rPr lang="en-US" sz="1600" u="sng" kern="1200" dirty="0">
+              <a:solidFill>
+                <a:schemeClr val="tx1"/>
+              </a:solidFill>
+            </a:rPr>
+            <a:t>/...</a:t>
+          </a:r>
+        </a:p>
+        <a:p>
+          <a:pPr marL="171450" lvl="1" indent="-171450" algn="l" defTabSz="711200">
+            <a:lnSpc>
+              <a:spcPct val="90000"/>
+            </a:lnSpc>
+            <a:spcBef>
+              <a:spcPct val="0"/>
+            </a:spcBef>
+            <a:spcAft>
+              <a:spcPct val="15000"/>
+            </a:spcAft>
+            <a:buNone/>
+          </a:pPr>
+          <a:r>
+            <a:rPr lang="en-US" sz="1600" kern="1200" dirty="0" err="1">
+              <a:solidFill>
+                <a:schemeClr val="tx1"/>
+              </a:solidFill>
+            </a:rPr>
+            <a:t>fit.Rdata</a:t>
+          </a:r>
+          <a:r>
+            <a:rPr lang="en-US" sz="1600" kern="1200" dirty="0">
+              <a:solidFill>
+                <a:schemeClr val="tx1"/>
+              </a:solidFill>
+            </a:rPr>
+            <a:t>: </a:t>
+          </a:r>
+          <a:r>
+            <a:rPr lang="en-US" sz="1600" kern="1200" dirty="0">
+              <a:solidFill>
+                <a:schemeClr val="bg1">
+                  <a:lumMod val="50000"/>
+                </a:schemeClr>
+              </a:solidFill>
+            </a:rPr>
+            <a:t>original vast model fit</a:t>
+          </a:r>
+        </a:p>
+        <a:p>
+          <a:pPr marL="171450" lvl="1" indent="-171450" algn="l" defTabSz="711200">
+            <a:lnSpc>
+              <a:spcPct val="90000"/>
+            </a:lnSpc>
+            <a:spcBef>
+              <a:spcPct val="0"/>
+            </a:spcBef>
+            <a:spcAft>
+              <a:spcPct val="15000"/>
+            </a:spcAft>
+            <a:buNone/>
+          </a:pPr>
+          <a:r>
+            <a:rPr lang="en-US" sz="1600" kern="1200" dirty="0">
+              <a:solidFill>
+                <a:schemeClr val="tx1"/>
+              </a:solidFill>
+            </a:rPr>
+            <a:t>Kmeans-500.Rdata, settings.txt, parameters_estimates.txt, packageDescription.txt, vastcppversion.cpp, vastcppversion.dll, </a:t>
+          </a:r>
+          <a:r>
+            <a:rPr lang="en-US" sz="1600" kern="1200" dirty="0" err="1">
+              <a:solidFill>
+                <a:schemeClr val="tx1"/>
+              </a:solidFill>
+            </a:rPr>
+            <a:t>vastcppversion.o</a:t>
+          </a:r>
+          <a:r>
+            <a:rPr lang="en-US" sz="1600" kern="1200" dirty="0">
+              <a:solidFill>
+                <a:schemeClr val="tx1"/>
+              </a:solidFill>
+            </a:rPr>
+            <a:t>: </a:t>
+          </a:r>
+          <a:r>
+            <a:rPr lang="en-US" sz="1600" kern="1200" dirty="0">
+              <a:solidFill>
+                <a:schemeClr val="bg1">
+                  <a:lumMod val="50000"/>
+                </a:schemeClr>
+              </a:solidFill>
+            </a:rPr>
+            <a:t>spatial knots, vast settings, parameter estimates, other standard vast output</a:t>
+          </a:r>
+        </a:p>
+        <a:p>
+          <a:pPr marL="171450" lvl="1" indent="-171450" algn="l" defTabSz="711200">
+            <a:lnSpc>
+              <a:spcPct val="90000"/>
+            </a:lnSpc>
+            <a:spcBef>
+              <a:spcPct val="0"/>
+            </a:spcBef>
+            <a:spcAft>
+              <a:spcPct val="15000"/>
+            </a:spcAft>
+            <a:buNone/>
+          </a:pPr>
+          <a:r>
+            <a:rPr lang="en-US" sz="1600" kern="1200" dirty="0">
+              <a:solidFill>
+                <a:schemeClr val="tx1"/>
+              </a:solidFill>
+            </a:rPr>
+            <a:t>diagnostics/: </a:t>
+          </a:r>
+          <a:r>
+            <a:rPr lang="en-US" sz="1600" kern="1200" dirty="0">
+              <a:solidFill>
+                <a:schemeClr val="bg1">
+                  <a:lumMod val="50000"/>
+                </a:schemeClr>
+              </a:solidFill>
+            </a:rPr>
+            <a:t>default diagnostic plots, anisotropy, location of data, knots, and grid cells, data by year, index table, index over time, residual plots</a:t>
+          </a:r>
+        </a:p>
+        <a:p>
+          <a:pPr marL="171450" lvl="1" indent="-171450" algn="l" defTabSz="711200">
+            <a:lnSpc>
+              <a:spcPct val="90000"/>
+            </a:lnSpc>
+            <a:spcBef>
+              <a:spcPct val="0"/>
+            </a:spcBef>
+            <a:spcAft>
+              <a:spcPct val="15000"/>
+            </a:spcAft>
+            <a:buNone/>
+          </a:pPr>
+          <a:r>
+            <a:rPr lang="en-US" sz="1600" kern="1200" dirty="0" err="1">
+              <a:solidFill>
+                <a:schemeClr val="tx1"/>
+              </a:solidFill>
+            </a:rPr>
+            <a:t>simulated_data.Rdata</a:t>
+          </a:r>
+          <a:r>
+            <a:rPr lang="en-US" sz="1600" kern="1200" dirty="0">
+              <a:solidFill>
+                <a:schemeClr val="tx1"/>
+              </a:solidFill>
+            </a:rPr>
+            <a:t>: </a:t>
+          </a:r>
+          <a:r>
+            <a:rPr lang="en-US" sz="1600" kern="1200" dirty="0">
+              <a:solidFill>
+                <a:schemeClr val="bg1">
+                  <a:lumMod val="50000"/>
+                </a:schemeClr>
+              </a:solidFill>
+            </a:rPr>
+            <a:t>1000 simulated data values </a:t>
+          </a:r>
+        </a:p>
+        <a:p>
+          <a:pPr marL="171450" lvl="1" indent="-171450" algn="l" defTabSz="711200">
+            <a:lnSpc>
+              <a:spcPct val="90000"/>
+            </a:lnSpc>
+            <a:spcBef>
+              <a:spcPct val="0"/>
+            </a:spcBef>
+            <a:spcAft>
+              <a:spcPct val="15000"/>
+            </a:spcAft>
+            <a:buNone/>
+          </a:pPr>
+          <a:r>
+            <a:rPr lang="en-US" sz="1600" kern="1200" dirty="0">
+              <a:solidFill>
+                <a:schemeClr val="tx1"/>
+              </a:solidFill>
+            </a:rPr>
+            <a:t>CV_1, CV_2, ... CV_10: </a:t>
+          </a:r>
+          <a:r>
+            <a:rPr lang="en-US" sz="1600" kern="1200" dirty="0">
+              <a:solidFill>
+                <a:schemeClr val="bg1">
+                  <a:lumMod val="50000"/>
+                </a:schemeClr>
+              </a:solidFill>
+            </a:rPr>
+            <a:t>result subdirectories for the cross validation folds</a:t>
+          </a:r>
+        </a:p>
+        <a:p>
+          <a:pPr marL="171450" lvl="1" indent="-171450" algn="l" defTabSz="711200">
+            <a:lnSpc>
+              <a:spcPct val="90000"/>
+            </a:lnSpc>
+            <a:spcBef>
+              <a:spcPct val="0"/>
+            </a:spcBef>
+            <a:spcAft>
+              <a:spcPct val="15000"/>
+            </a:spcAft>
+            <a:buNone/>
+          </a:pPr>
+          <a:endParaRPr lang="en-US" sz="1600" kern="1200" dirty="0">
+            <a:solidFill>
+              <a:schemeClr val="tx1"/>
+            </a:solidFill>
+          </a:endParaRPr>
+        </a:p>
+      </dsp:txBody>
+      <dsp:txXfrm rot="-5400000">
+        <a:off x="1248065" y="3609661"/>
+        <a:ext cx="6746796" cy="2461064"/>
       </dsp:txXfrm>
     </dsp:sp>
   </dsp:spTree>
@@ -5028,6 +7436,262 @@
 </dgm:layoutDef>
 </file>
 
+<file path=ppt/diagrams/layout3.xml><?xml version="1.0" encoding="utf-8"?>
+<dgm:layoutDef xmlns:dgm="http://schemas.openxmlformats.org/drawingml/2006/diagram" xmlns:a="http://schemas.openxmlformats.org/drawingml/2006/main" uniqueId="urn:microsoft.com/office/officeart/2005/8/layout/chevron2">
+  <dgm:title val=""/>
+  <dgm:desc val=""/>
+  <dgm:catLst>
+    <dgm:cat type="process" pri="12000"/>
+    <dgm:cat type="list" pri="16000"/>
+    <dgm:cat type="convert" pri="11000"/>
+  </dgm:catLst>
+  <dgm:sampData>
+    <dgm:dataModel>
+      <dgm:ptLst>
+        <dgm:pt modelId="0" type="doc"/>
+        <dgm:pt modelId="1">
+          <dgm:prSet phldr="1"/>
+        </dgm:pt>
+        <dgm:pt modelId="11">
+          <dgm:prSet phldr="1"/>
+        </dgm:pt>
+        <dgm:pt modelId="12">
+          <dgm:prSet phldr="1"/>
+        </dgm:pt>
+        <dgm:pt modelId="2">
+          <dgm:prSet phldr="1"/>
+        </dgm:pt>
+        <dgm:pt modelId="21">
+          <dgm:prSet phldr="1"/>
+        </dgm:pt>
+        <dgm:pt modelId="22">
+          <dgm:prSet phldr="1"/>
+        </dgm:pt>
+        <dgm:pt modelId="3">
+          <dgm:prSet phldr="1"/>
+        </dgm:pt>
+        <dgm:pt modelId="31">
+          <dgm:prSet phldr="1"/>
+        </dgm:pt>
+        <dgm:pt modelId="32">
+          <dgm:prSet phldr="1"/>
+        </dgm:pt>
+      </dgm:ptLst>
+      <dgm:cxnLst>
+        <dgm:cxn modelId="4" srcId="0" destId="1" srcOrd="0" destOrd="0"/>
+        <dgm:cxn modelId="5" srcId="0" destId="2" srcOrd="1" destOrd="0"/>
+        <dgm:cxn modelId="6" srcId="0" destId="3" srcOrd="2" destOrd="0"/>
+        <dgm:cxn modelId="13" srcId="1" destId="11" srcOrd="0" destOrd="0"/>
+        <dgm:cxn modelId="14" srcId="1" destId="12" srcOrd="1" destOrd="0"/>
+        <dgm:cxn modelId="23" srcId="2" destId="21" srcOrd="0" destOrd="0"/>
+        <dgm:cxn modelId="24" srcId="2" destId="22" srcOrd="1" destOrd="0"/>
+        <dgm:cxn modelId="33" srcId="3" destId="31" srcOrd="0" destOrd="0"/>
+        <dgm:cxn modelId="34" srcId="3" destId="32" srcOrd="1" destOrd="0"/>
+      </dgm:cxnLst>
+      <dgm:bg/>
+      <dgm:whole/>
+    </dgm:dataModel>
+  </dgm:sampData>
+  <dgm:styleData>
+    <dgm:dataModel>
+      <dgm:ptLst>
+        <dgm:pt modelId="0" type="doc"/>
+        <dgm:pt modelId="1"/>
+      </dgm:ptLst>
+      <dgm:cxnLst>
+        <dgm:cxn modelId="4" srcId="0" destId="1" srcOrd="0" destOrd="0"/>
+      </dgm:cxnLst>
+      <dgm:bg/>
+      <dgm:whole/>
+    </dgm:dataModel>
+  </dgm:styleData>
+  <dgm:clrData>
+    <dgm:dataModel>
+      <dgm:ptLst>
+        <dgm:pt modelId="0" type="doc"/>
+        <dgm:pt modelId="1"/>
+        <dgm:pt modelId="11"/>
+        <dgm:pt modelId="2"/>
+        <dgm:pt modelId="21"/>
+        <dgm:pt modelId="3"/>
+        <dgm:pt modelId="31"/>
+        <dgm:pt modelId="4"/>
+        <dgm:pt modelId="41"/>
+      </dgm:ptLst>
+      <dgm:cxnLst>
+        <dgm:cxn modelId="5" srcId="0" destId="1" srcOrd="0" destOrd="0"/>
+        <dgm:cxn modelId="6" srcId="0" destId="2" srcOrd="1" destOrd="0"/>
+        <dgm:cxn modelId="7" srcId="0" destId="3" srcOrd="2" destOrd="0"/>
+        <dgm:cxn modelId="8" srcId="0" destId="4" srcOrd="3" destOrd="0"/>
+        <dgm:cxn modelId="13" srcId="1" destId="11" srcOrd="0" destOrd="0"/>
+        <dgm:cxn modelId="23" srcId="2" destId="21" srcOrd="0" destOrd="0"/>
+        <dgm:cxn modelId="33" srcId="3" destId="31" srcOrd="0" destOrd="0"/>
+        <dgm:cxn modelId="43" srcId="4" destId="41" srcOrd="0" destOrd="0"/>
+      </dgm:cxnLst>
+      <dgm:bg/>
+      <dgm:whole/>
+    </dgm:dataModel>
+  </dgm:clrData>
+  <dgm:layoutNode name="linearFlow">
+    <dgm:varLst>
+      <dgm:dir/>
+      <dgm:animLvl val="lvl"/>
+      <dgm:resizeHandles val="exact"/>
+    </dgm:varLst>
+    <dgm:alg type="lin">
+      <dgm:param type="linDir" val="fromT"/>
+      <dgm:param type="nodeHorzAlign" val="l"/>
+    </dgm:alg>
+    <dgm:shape xmlns:r="http://schemas.openxmlformats.org/officeDocument/2006/relationships" r:blip="">
+      <dgm:adjLst/>
+    </dgm:shape>
+    <dgm:presOf/>
+    <dgm:constrLst>
+      <dgm:constr type="h" for="ch" forName="composite" refType="h"/>
+      <dgm:constr type="w" for="ch" forName="composite" refType="w"/>
+      <dgm:constr type="h" for="des" forName="parentText" op="equ"/>
+      <dgm:constr type="h" for="ch" forName="sp" val="-14.88"/>
+      <dgm:constr type="h" for="ch" forName="sp" refType="w" refFor="des" refForName="parentText" op="gte" fact="-0.3"/>
+      <dgm:constr type="primFontSz" for="des" forName="parentText" op="equ" val="65"/>
+      <dgm:constr type="primFontSz" for="des" forName="descendantText" op="equ" val="65"/>
+    </dgm:constrLst>
+    <dgm:ruleLst/>
+    <dgm:forEach name="Name0" axis="ch" ptType="node">
+      <dgm:layoutNode name="composite">
+        <dgm:alg type="composite"/>
+        <dgm:shape xmlns:r="http://schemas.openxmlformats.org/officeDocument/2006/relationships" r:blip="">
+          <dgm:adjLst/>
+        </dgm:shape>
+        <dgm:presOf/>
+        <dgm:choose name="Name1">
+          <dgm:if name="Name2" func="var" arg="dir" op="equ" val="norm">
+            <dgm:constrLst>
+              <dgm:constr type="t" for="ch" forName="parentText"/>
+              <dgm:constr type="l" for="ch" forName="parentText"/>
+              <dgm:constr type="w" for="ch" forName="parentText" refType="w" fact="0.4"/>
+              <dgm:constr type="h" for="ch" forName="parentText" refType="h"/>
+              <dgm:constr type="w" for="ch" forName="parentText" refType="w" op="lte" fact="0.5"/>
+              <dgm:constr type="w" for="ch" forName="parentText" refType="h" refFor="ch" refForName="parentText" op="lte" fact="0.7"/>
+              <dgm:constr type="h" for="ch" forName="parentText" refType="w" refFor="ch" refForName="parentText" op="lte" fact="3"/>
+              <dgm:constr type="l" for="ch" forName="descendantText" refType="w" refFor="ch" refForName="parentText"/>
+              <dgm:constr type="w" for="ch" forName="descendantText" refType="w"/>
+              <dgm:constr type="wOff" for="ch" forName="descendantText" refType="w" refFor="ch" refForName="parentText" fact="-1"/>
+              <dgm:constr type="t" for="ch" forName="descendantText"/>
+              <dgm:constr type="b" for="ch" forName="descendantText" refType="h" refFor="ch" refForName="parentText"/>
+              <dgm:constr type="bOff" for="ch" forName="descendantText" refType="w" refFor="ch" refForName="parentText" fact="-0.5"/>
+            </dgm:constrLst>
+          </dgm:if>
+          <dgm:else name="Name3">
+            <dgm:constrLst>
+              <dgm:constr type="t" for="ch" forName="parentText"/>
+              <dgm:constr type="r" for="ch" forName="parentText" refType="w"/>
+              <dgm:constr type="w" for="ch" forName="parentText" refType="w" fact="0.4"/>
+              <dgm:constr type="h" for="ch" forName="parentText" refType="h"/>
+              <dgm:constr type="w" for="ch" forName="parentText" refType="w" op="lte" fact="0.5"/>
+              <dgm:constr type="w" for="ch" forName="parentText" refType="h" refFor="ch" refForName="parentText" op="lte" fact="0.7"/>
+              <dgm:constr type="h" for="ch" forName="parentText" refType="w" refFor="ch" refForName="parentText" op="lte" fact="3"/>
+              <dgm:constr type="l" for="ch" forName="descendantText"/>
+              <dgm:constr type="w" for="ch" forName="descendantText" refType="w"/>
+              <dgm:constr type="wOff" for="ch" forName="descendantText" refType="w" refFor="ch" refForName="parentText" fact="-1"/>
+              <dgm:constr type="t" for="ch" forName="descendantText"/>
+              <dgm:constr type="b" for="ch" forName="descendantText" refType="h" refFor="ch" refForName="parentText"/>
+              <dgm:constr type="bOff" for="ch" forName="descendantText" refType="w" refFor="ch" refForName="parentText" fact="-0.5"/>
+            </dgm:constrLst>
+          </dgm:else>
+        </dgm:choose>
+        <dgm:ruleLst/>
+        <dgm:layoutNode name="parentText" styleLbl="alignNode1">
+          <dgm:varLst>
+            <dgm:chMax val="1"/>
+            <dgm:bulletEnabled val="1"/>
+          </dgm:varLst>
+          <dgm:alg type="tx"/>
+          <dgm:shape xmlns:r="http://schemas.openxmlformats.org/officeDocument/2006/relationships" rot="90" type="chevron" r:blip="">
+            <dgm:adjLst/>
+          </dgm:shape>
+          <dgm:presOf axis="self" ptType="node"/>
+          <dgm:constrLst>
+            <dgm:constr type="lMarg" refType="primFontSz" fact="0.05"/>
+            <dgm:constr type="rMarg" refType="primFontSz" fact="0.05"/>
+            <dgm:constr type="tMarg" refType="primFontSz" fact="0.05"/>
+            <dgm:constr type="bMarg" refType="primFontSz" fact="0.05"/>
+          </dgm:constrLst>
+          <dgm:ruleLst>
+            <dgm:rule type="h" val="100" fact="NaN" max="NaN"/>
+            <dgm:rule type="primFontSz" val="24" fact="NaN" max="NaN"/>
+            <dgm:rule type="h" val="110" fact="NaN" max="NaN"/>
+            <dgm:rule type="primFontSz" val="18" fact="NaN" max="NaN"/>
+            <dgm:rule type="h" val="INF" fact="NaN" max="NaN"/>
+            <dgm:rule type="primFontSz" val="5" fact="NaN" max="NaN"/>
+          </dgm:ruleLst>
+        </dgm:layoutNode>
+        <dgm:layoutNode name="descendantText" styleLbl="alignAcc1">
+          <dgm:varLst>
+            <dgm:bulletEnabled val="1"/>
+          </dgm:varLst>
+          <dgm:choose name="Name4">
+            <dgm:if name="Name5" func="var" arg="dir" op="equ" val="norm">
+              <dgm:alg type="tx">
+                <dgm:param type="stBulletLvl" val="1"/>
+                <dgm:param type="txAnchorVertCh" val="mid"/>
+              </dgm:alg>
+              <dgm:shape xmlns:r="http://schemas.openxmlformats.org/officeDocument/2006/relationships" rot="90" type="round2SameRect" r:blip="">
+                <dgm:adjLst/>
+              </dgm:shape>
+            </dgm:if>
+            <dgm:else name="Name6">
+              <dgm:alg type="tx">
+                <dgm:param type="stBulletLvl" val="1"/>
+                <dgm:param type="txAnchorVertCh" val="mid"/>
+              </dgm:alg>
+              <dgm:shape xmlns:r="http://schemas.openxmlformats.org/officeDocument/2006/relationships" rot="-90" type="round2SameRect" r:blip="">
+                <dgm:adjLst/>
+              </dgm:shape>
+            </dgm:else>
+          </dgm:choose>
+          <dgm:presOf axis="des" ptType="node"/>
+          <dgm:choose name="Name7">
+            <dgm:if name="Name8" func="var" arg="dir" op="equ" val="norm">
+              <dgm:constrLst>
+                <dgm:constr type="secFontSz" refType="primFontSz"/>
+                <dgm:constr type="tMarg" refType="primFontSz" fact="0.05"/>
+                <dgm:constr type="bMarg" refType="primFontSz" fact="0.05"/>
+                <dgm:constr type="rMarg" refType="primFontSz" fact="0.05"/>
+              </dgm:constrLst>
+            </dgm:if>
+            <dgm:else name="Name9">
+              <dgm:constrLst>
+                <dgm:constr type="secFontSz" refType="primFontSz"/>
+                <dgm:constr type="tMarg" refType="primFontSz" fact="0.05"/>
+                <dgm:constr type="bMarg" refType="primFontSz" fact="0.05"/>
+                <dgm:constr type="lMarg" refType="primFontSz" fact="0.05"/>
+              </dgm:constrLst>
+            </dgm:else>
+          </dgm:choose>
+          <dgm:ruleLst>
+            <dgm:rule type="primFontSz" val="5" fact="NaN" max="NaN"/>
+          </dgm:ruleLst>
+        </dgm:layoutNode>
+      </dgm:layoutNode>
+      <dgm:forEach name="Name10" axis="followSib" ptType="sibTrans" cnt="1">
+        <dgm:layoutNode name="sp">
+          <dgm:alg type="sp"/>
+          <dgm:shape xmlns:r="http://schemas.openxmlformats.org/officeDocument/2006/relationships" r:blip="">
+            <dgm:adjLst/>
+          </dgm:shape>
+          <dgm:presOf axis="self"/>
+          <dgm:constrLst>
+            <dgm:constr type="w" val="1"/>
+            <dgm:constr type="h" val="37.5"/>
+          </dgm:constrLst>
+          <dgm:ruleLst/>
+        </dgm:layoutNode>
+      </dgm:forEach>
+    </dgm:forEach>
+  </dgm:layoutNode>
+</dgm:layoutDef>
+</file>
+
 <file path=ppt/diagrams/quickStyle1.xml><?xml version="1.0" encoding="utf-8"?>
 <dgm:styleDef xmlns:dgm="http://schemas.openxmlformats.org/drawingml/2006/diagram" xmlns:a="http://schemas.openxmlformats.org/drawingml/2006/main" uniqueId="urn:microsoft.com/office/officeart/2005/8/quickstyle/simple1">
   <dgm:title val=""/>
@@ -6063,6 +8727,1040 @@
 </file>
 
 <file path=ppt/diagrams/quickStyle2.xml><?xml version="1.0" encoding="utf-8"?>
+<dgm:styleDef xmlns:dgm="http://schemas.openxmlformats.org/drawingml/2006/diagram" xmlns:a="http://schemas.openxmlformats.org/drawingml/2006/main" uniqueId="urn:microsoft.com/office/officeart/2005/8/quickstyle/simple1">
+  <dgm:title val=""/>
+  <dgm:desc val=""/>
+  <dgm:catLst>
+    <dgm:cat type="simple" pri="10100"/>
+  </dgm:catLst>
+  <dgm:scene3d>
+    <a:camera prst="orthographicFront"/>
+    <a:lightRig rig="threePt" dir="t"/>
+  </dgm:scene3d>
+  <dgm:styleLbl name="node0">
+    <dgm:scene3d>
+      <a:camera prst="orthographicFront"/>
+      <a:lightRig rig="threePt" dir="t"/>
+    </dgm:scene3d>
+    <dgm:sp3d/>
+    <dgm:txPr/>
+    <dgm:style>
+      <a:lnRef idx="2">
+        <a:scrgbClr r="0" g="0" b="0"/>
+      </a:lnRef>
+      <a:fillRef idx="1">
+        <a:scrgbClr r="0" g="0" b="0"/>
+      </a:fillRef>
+      <a:effectRef idx="0">
+        <a:scrgbClr r="0" g="0" b="0"/>
+      </a:effectRef>
+      <a:fontRef idx="minor">
+        <a:schemeClr val="lt1"/>
+      </a:fontRef>
+    </dgm:style>
+  </dgm:styleLbl>
+  <dgm:styleLbl name="lnNode1">
+    <dgm:scene3d>
+      <a:camera prst="orthographicFront"/>
+      <a:lightRig rig="threePt" dir="t"/>
+    </dgm:scene3d>
+    <dgm:sp3d/>
+    <dgm:txPr/>
+    <dgm:style>
+      <a:lnRef idx="2">
+        <a:scrgbClr r="0" g="0" b="0"/>
+      </a:lnRef>
+      <a:fillRef idx="1">
+        <a:scrgbClr r="0" g="0" b="0"/>
+      </a:fillRef>
+      <a:effectRef idx="0">
+        <a:scrgbClr r="0" g="0" b="0"/>
+      </a:effectRef>
+      <a:fontRef idx="minor">
+        <a:schemeClr val="lt1"/>
+      </a:fontRef>
+    </dgm:style>
+  </dgm:styleLbl>
+  <dgm:styleLbl name="vennNode1">
+    <dgm:scene3d>
+      <a:camera prst="orthographicFront"/>
+      <a:lightRig rig="threePt" dir="t"/>
+    </dgm:scene3d>
+    <dgm:sp3d/>
+    <dgm:txPr/>
+    <dgm:style>
+      <a:lnRef idx="2">
+        <a:scrgbClr r="0" g="0" b="0"/>
+      </a:lnRef>
+      <a:fillRef idx="1">
+        <a:scrgbClr r="0" g="0" b="0"/>
+      </a:fillRef>
+      <a:effectRef idx="0">
+        <a:scrgbClr r="0" g="0" b="0"/>
+      </a:effectRef>
+      <a:fontRef idx="minor">
+        <a:schemeClr val="tx1"/>
+      </a:fontRef>
+    </dgm:style>
+  </dgm:styleLbl>
+  <dgm:styleLbl name="alignNode1">
+    <dgm:scene3d>
+      <a:camera prst="orthographicFront"/>
+      <a:lightRig rig="threePt" dir="t"/>
+    </dgm:scene3d>
+    <dgm:sp3d/>
+    <dgm:txPr/>
+    <dgm:style>
+      <a:lnRef idx="2">
+        <a:scrgbClr r="0" g="0" b="0"/>
+      </a:lnRef>
+      <a:fillRef idx="1">
+        <a:scrgbClr r="0" g="0" b="0"/>
+      </a:fillRef>
+      <a:effectRef idx="0">
+        <a:scrgbClr r="0" g="0" b="0"/>
+      </a:effectRef>
+      <a:fontRef idx="minor">
+        <a:schemeClr val="lt1"/>
+      </a:fontRef>
+    </dgm:style>
+  </dgm:styleLbl>
+  <dgm:styleLbl name="node1">
+    <dgm:scene3d>
+      <a:camera prst="orthographicFront"/>
+      <a:lightRig rig="threePt" dir="t"/>
+    </dgm:scene3d>
+    <dgm:sp3d/>
+    <dgm:txPr/>
+    <dgm:style>
+      <a:lnRef idx="2">
+        <a:scrgbClr r="0" g="0" b="0"/>
+      </a:lnRef>
+      <a:fillRef idx="1">
+        <a:scrgbClr r="0" g="0" b="0"/>
+      </a:fillRef>
+      <a:effectRef idx="0">
+        <a:scrgbClr r="0" g="0" b="0"/>
+      </a:effectRef>
+      <a:fontRef idx="minor">
+        <a:schemeClr val="lt1"/>
+      </a:fontRef>
+    </dgm:style>
+  </dgm:styleLbl>
+  <dgm:styleLbl name="node2">
+    <dgm:scene3d>
+      <a:camera prst="orthographicFront"/>
+      <a:lightRig rig="threePt" dir="t"/>
+    </dgm:scene3d>
+    <dgm:sp3d/>
+    <dgm:txPr/>
+    <dgm:style>
+      <a:lnRef idx="2">
+        <a:scrgbClr r="0" g="0" b="0"/>
+      </a:lnRef>
+      <a:fillRef idx="1">
+        <a:scrgbClr r="0" g="0" b="0"/>
+      </a:fillRef>
+      <a:effectRef idx="0">
+        <a:scrgbClr r="0" g="0" b="0"/>
+      </a:effectRef>
+      <a:fontRef idx="minor">
+        <a:schemeClr val="lt1"/>
+      </a:fontRef>
+    </dgm:style>
+  </dgm:styleLbl>
+  <dgm:styleLbl name="node3">
+    <dgm:scene3d>
+      <a:camera prst="orthographicFront"/>
+      <a:lightRig rig="threePt" dir="t"/>
+    </dgm:scene3d>
+    <dgm:sp3d/>
+    <dgm:txPr/>
+    <dgm:style>
+      <a:lnRef idx="2">
+        <a:scrgbClr r="0" g="0" b="0"/>
+      </a:lnRef>
+      <a:fillRef idx="1">
+        <a:scrgbClr r="0" g="0" b="0"/>
+      </a:fillRef>
+      <a:effectRef idx="0">
+        <a:scrgbClr r="0" g="0" b="0"/>
+      </a:effectRef>
+      <a:fontRef idx="minor">
+        <a:schemeClr val="lt1"/>
+      </a:fontRef>
+    </dgm:style>
+  </dgm:styleLbl>
+  <dgm:styleLbl name="node4">
+    <dgm:scene3d>
+      <a:camera prst="orthographicFront"/>
+      <a:lightRig rig="threePt" dir="t"/>
+    </dgm:scene3d>
+    <dgm:sp3d/>
+    <dgm:txPr/>
+    <dgm:style>
+      <a:lnRef idx="2">
+        <a:scrgbClr r="0" g="0" b="0"/>
+      </a:lnRef>
+      <a:fillRef idx="1">
+        <a:scrgbClr r="0" g="0" b="0"/>
+      </a:fillRef>
+      <a:effectRef idx="0">
+        <a:scrgbClr r="0" g="0" b="0"/>
+      </a:effectRef>
+      <a:fontRef idx="minor">
+        <a:schemeClr val="lt1"/>
+      </a:fontRef>
+    </dgm:style>
+  </dgm:styleLbl>
+  <dgm:styleLbl name="fgImgPlace1">
+    <dgm:scene3d>
+      <a:camera prst="orthographicFront"/>
+      <a:lightRig rig="threePt" dir="t"/>
+    </dgm:scene3d>
+    <dgm:sp3d/>
+    <dgm:txPr/>
+    <dgm:style>
+      <a:lnRef idx="2">
+        <a:scrgbClr r="0" g="0" b="0"/>
+      </a:lnRef>
+      <a:fillRef idx="1">
+        <a:scrgbClr r="0" g="0" b="0"/>
+      </a:fillRef>
+      <a:effectRef idx="0">
+        <a:scrgbClr r="0" g="0" b="0"/>
+      </a:effectRef>
+      <a:fontRef idx="minor"/>
+    </dgm:style>
+  </dgm:styleLbl>
+  <dgm:styleLbl name="alignImgPlace1">
+    <dgm:scene3d>
+      <a:camera prst="orthographicFront"/>
+      <a:lightRig rig="threePt" dir="t"/>
+    </dgm:scene3d>
+    <dgm:sp3d/>
+    <dgm:txPr/>
+    <dgm:style>
+      <a:lnRef idx="2">
+        <a:scrgbClr r="0" g="0" b="0"/>
+      </a:lnRef>
+      <a:fillRef idx="1">
+        <a:scrgbClr r="0" g="0" b="0"/>
+      </a:fillRef>
+      <a:effectRef idx="0">
+        <a:scrgbClr r="0" g="0" b="0"/>
+      </a:effectRef>
+      <a:fontRef idx="minor"/>
+    </dgm:style>
+  </dgm:styleLbl>
+  <dgm:styleLbl name="bgImgPlace1">
+    <dgm:scene3d>
+      <a:camera prst="orthographicFront"/>
+      <a:lightRig rig="threePt" dir="t"/>
+    </dgm:scene3d>
+    <dgm:sp3d/>
+    <dgm:txPr/>
+    <dgm:style>
+      <a:lnRef idx="2">
+        <a:scrgbClr r="0" g="0" b="0"/>
+      </a:lnRef>
+      <a:fillRef idx="1">
+        <a:scrgbClr r="0" g="0" b="0"/>
+      </a:fillRef>
+      <a:effectRef idx="0">
+        <a:scrgbClr r="0" g="0" b="0"/>
+      </a:effectRef>
+      <a:fontRef idx="minor"/>
+    </dgm:style>
+  </dgm:styleLbl>
+  <dgm:styleLbl name="sibTrans2D1">
+    <dgm:scene3d>
+      <a:camera prst="orthographicFront"/>
+      <a:lightRig rig="threePt" dir="t"/>
+    </dgm:scene3d>
+    <dgm:sp3d/>
+    <dgm:txPr/>
+    <dgm:style>
+      <a:lnRef idx="0">
+        <a:scrgbClr r="0" g="0" b="0"/>
+      </a:lnRef>
+      <a:fillRef idx="1">
+        <a:scrgbClr r="0" g="0" b="0"/>
+      </a:fillRef>
+      <a:effectRef idx="0">
+        <a:scrgbClr r="0" g="0" b="0"/>
+      </a:effectRef>
+      <a:fontRef idx="minor">
+        <a:schemeClr val="lt1"/>
+      </a:fontRef>
+    </dgm:style>
+  </dgm:styleLbl>
+  <dgm:styleLbl name="fgSibTrans2D1">
+    <dgm:scene3d>
+      <a:camera prst="orthographicFront"/>
+      <a:lightRig rig="threePt" dir="t"/>
+    </dgm:scene3d>
+    <dgm:sp3d/>
+    <dgm:txPr/>
+    <dgm:style>
+      <a:lnRef idx="0">
+        <a:scrgbClr r="0" g="0" b="0"/>
+      </a:lnRef>
+      <a:fillRef idx="1">
+        <a:scrgbClr r="0" g="0" b="0"/>
+      </a:fillRef>
+      <a:effectRef idx="0">
+        <a:scrgbClr r="0" g="0" b="0"/>
+      </a:effectRef>
+      <a:fontRef idx="minor">
+        <a:schemeClr val="lt1"/>
+      </a:fontRef>
+    </dgm:style>
+  </dgm:styleLbl>
+  <dgm:styleLbl name="bgSibTrans2D1">
+    <dgm:scene3d>
+      <a:camera prst="orthographicFront"/>
+      <a:lightRig rig="threePt" dir="t"/>
+    </dgm:scene3d>
+    <dgm:sp3d/>
+    <dgm:txPr/>
+    <dgm:style>
+      <a:lnRef idx="0">
+        <a:scrgbClr r="0" g="0" b="0"/>
+      </a:lnRef>
+      <a:fillRef idx="1">
+        <a:scrgbClr r="0" g="0" b="0"/>
+      </a:fillRef>
+      <a:effectRef idx="0">
+        <a:scrgbClr r="0" g="0" b="0"/>
+      </a:effectRef>
+      <a:fontRef idx="minor">
+        <a:schemeClr val="lt1"/>
+      </a:fontRef>
+    </dgm:style>
+  </dgm:styleLbl>
+  <dgm:styleLbl name="sibTrans1D1">
+    <dgm:scene3d>
+      <a:camera prst="orthographicFront"/>
+      <a:lightRig rig="threePt" dir="t"/>
+    </dgm:scene3d>
+    <dgm:sp3d/>
+    <dgm:txPr/>
+    <dgm:style>
+      <a:lnRef idx="1">
+        <a:scrgbClr r="0" g="0" b="0"/>
+      </a:lnRef>
+      <a:fillRef idx="0">
+        <a:scrgbClr r="0" g="0" b="0"/>
+      </a:fillRef>
+      <a:effectRef idx="0">
+        <a:scrgbClr r="0" g="0" b="0"/>
+      </a:effectRef>
+      <a:fontRef idx="minor"/>
+    </dgm:style>
+  </dgm:styleLbl>
+  <dgm:styleLbl name="callout">
+    <dgm:scene3d>
+      <a:camera prst="orthographicFront"/>
+      <a:lightRig rig="threePt" dir="t"/>
+    </dgm:scene3d>
+    <dgm:sp3d/>
+    <dgm:txPr/>
+    <dgm:style>
+      <a:lnRef idx="2">
+        <a:scrgbClr r="0" g="0" b="0"/>
+      </a:lnRef>
+      <a:fillRef idx="1">
+        <a:scrgbClr r="0" g="0" b="0"/>
+      </a:fillRef>
+      <a:effectRef idx="0">
+        <a:scrgbClr r="0" g="0" b="0"/>
+      </a:effectRef>
+      <a:fontRef idx="minor"/>
+    </dgm:style>
+  </dgm:styleLbl>
+  <dgm:styleLbl name="asst0">
+    <dgm:scene3d>
+      <a:camera prst="orthographicFront"/>
+      <a:lightRig rig="threePt" dir="t"/>
+    </dgm:scene3d>
+    <dgm:sp3d/>
+    <dgm:txPr/>
+    <dgm:style>
+      <a:lnRef idx="2">
+        <a:scrgbClr r="0" g="0" b="0"/>
+      </a:lnRef>
+      <a:fillRef idx="1">
+        <a:scrgbClr r="0" g="0" b="0"/>
+      </a:fillRef>
+      <a:effectRef idx="0">
+        <a:scrgbClr r="0" g="0" b="0"/>
+      </a:effectRef>
+      <a:fontRef idx="minor">
+        <a:schemeClr val="lt1"/>
+      </a:fontRef>
+    </dgm:style>
+  </dgm:styleLbl>
+  <dgm:styleLbl name="asst1">
+    <dgm:scene3d>
+      <a:camera prst="orthographicFront"/>
+      <a:lightRig rig="threePt" dir="t"/>
+    </dgm:scene3d>
+    <dgm:sp3d/>
+    <dgm:txPr/>
+    <dgm:style>
+      <a:lnRef idx="2">
+        <a:scrgbClr r="0" g="0" b="0"/>
+      </a:lnRef>
+      <a:fillRef idx="1">
+        <a:scrgbClr r="0" g="0" b="0"/>
+      </a:fillRef>
+      <a:effectRef idx="0">
+        <a:scrgbClr r="0" g="0" b="0"/>
+      </a:effectRef>
+      <a:fontRef idx="minor">
+        <a:schemeClr val="lt1"/>
+      </a:fontRef>
+    </dgm:style>
+  </dgm:styleLbl>
+  <dgm:styleLbl name="asst2">
+    <dgm:scene3d>
+      <a:camera prst="orthographicFront"/>
+      <a:lightRig rig="threePt" dir="t"/>
+    </dgm:scene3d>
+    <dgm:sp3d/>
+    <dgm:txPr/>
+    <dgm:style>
+      <a:lnRef idx="2">
+        <a:scrgbClr r="0" g="0" b="0"/>
+      </a:lnRef>
+      <a:fillRef idx="1">
+        <a:scrgbClr r="0" g="0" b="0"/>
+      </a:fillRef>
+      <a:effectRef idx="0">
+        <a:scrgbClr r="0" g="0" b="0"/>
+      </a:effectRef>
+      <a:fontRef idx="minor">
+        <a:schemeClr val="lt1"/>
+      </a:fontRef>
+    </dgm:style>
+  </dgm:styleLbl>
+  <dgm:styleLbl name="asst3">
+    <dgm:scene3d>
+      <a:camera prst="orthographicFront"/>
+      <a:lightRig rig="threePt" dir="t"/>
+    </dgm:scene3d>
+    <dgm:sp3d/>
+    <dgm:txPr/>
+    <dgm:style>
+      <a:lnRef idx="2">
+        <a:scrgbClr r="0" g="0" b="0"/>
+      </a:lnRef>
+      <a:fillRef idx="1">
+        <a:scrgbClr r="0" g="0" b="0"/>
+      </a:fillRef>
+      <a:effectRef idx="0">
+        <a:scrgbClr r="0" g="0" b="0"/>
+      </a:effectRef>
+      <a:fontRef idx="minor">
+        <a:schemeClr val="lt1"/>
+      </a:fontRef>
+    </dgm:style>
+  </dgm:styleLbl>
+  <dgm:styleLbl name="asst4">
+    <dgm:scene3d>
+      <a:camera prst="orthographicFront"/>
+      <a:lightRig rig="threePt" dir="t"/>
+    </dgm:scene3d>
+    <dgm:sp3d/>
+    <dgm:txPr/>
+    <dgm:style>
+      <a:lnRef idx="2">
+        <a:scrgbClr r="0" g="0" b="0"/>
+      </a:lnRef>
+      <a:fillRef idx="1">
+        <a:scrgbClr r="0" g="0" b="0"/>
+      </a:fillRef>
+      <a:effectRef idx="0">
+        <a:scrgbClr r="0" g="0" b="0"/>
+      </a:effectRef>
+      <a:fontRef idx="minor">
+        <a:schemeClr val="lt1"/>
+      </a:fontRef>
+    </dgm:style>
+  </dgm:styleLbl>
+  <dgm:styleLbl name="parChTrans2D1">
+    <dgm:scene3d>
+      <a:camera prst="orthographicFront"/>
+      <a:lightRig rig="threePt" dir="t"/>
+    </dgm:scene3d>
+    <dgm:sp3d/>
+    <dgm:txPr/>
+    <dgm:style>
+      <a:lnRef idx="2">
+        <a:scrgbClr r="0" g="0" b="0"/>
+      </a:lnRef>
+      <a:fillRef idx="1">
+        <a:scrgbClr r="0" g="0" b="0"/>
+      </a:fillRef>
+      <a:effectRef idx="0">
+        <a:scrgbClr r="0" g="0" b="0"/>
+      </a:effectRef>
+      <a:fontRef idx="minor">
+        <a:schemeClr val="lt1"/>
+      </a:fontRef>
+    </dgm:style>
+  </dgm:styleLbl>
+  <dgm:styleLbl name="parChTrans2D2">
+    <dgm:scene3d>
+      <a:camera prst="orthographicFront"/>
+      <a:lightRig rig="threePt" dir="t"/>
+    </dgm:scene3d>
+    <dgm:sp3d/>
+    <dgm:txPr/>
+    <dgm:style>
+      <a:lnRef idx="2">
+        <a:scrgbClr r="0" g="0" b="0"/>
+      </a:lnRef>
+      <a:fillRef idx="1">
+        <a:scrgbClr r="0" g="0" b="0"/>
+      </a:fillRef>
+      <a:effectRef idx="0">
+        <a:scrgbClr r="0" g="0" b="0"/>
+      </a:effectRef>
+      <a:fontRef idx="minor">
+        <a:schemeClr val="lt1"/>
+      </a:fontRef>
+    </dgm:style>
+  </dgm:styleLbl>
+  <dgm:styleLbl name="parChTrans2D3">
+    <dgm:scene3d>
+      <a:camera prst="orthographicFront"/>
+      <a:lightRig rig="threePt" dir="t"/>
+    </dgm:scene3d>
+    <dgm:sp3d/>
+    <dgm:txPr/>
+    <dgm:style>
+      <a:lnRef idx="2">
+        <a:scrgbClr r="0" g="0" b="0"/>
+      </a:lnRef>
+      <a:fillRef idx="1">
+        <a:scrgbClr r="0" g="0" b="0"/>
+      </a:fillRef>
+      <a:effectRef idx="0">
+        <a:scrgbClr r="0" g="0" b="0"/>
+      </a:effectRef>
+      <a:fontRef idx="minor">
+        <a:schemeClr val="lt1"/>
+      </a:fontRef>
+    </dgm:style>
+  </dgm:styleLbl>
+  <dgm:styleLbl name="parChTrans2D4">
+    <dgm:scene3d>
+      <a:camera prst="orthographicFront"/>
+      <a:lightRig rig="threePt" dir="t"/>
+    </dgm:scene3d>
+    <dgm:sp3d/>
+    <dgm:txPr/>
+    <dgm:style>
+      <a:lnRef idx="2">
+        <a:scrgbClr r="0" g="0" b="0"/>
+      </a:lnRef>
+      <a:fillRef idx="1">
+        <a:scrgbClr r="0" g="0" b="0"/>
+      </a:fillRef>
+      <a:effectRef idx="0">
+        <a:scrgbClr r="0" g="0" b="0"/>
+      </a:effectRef>
+      <a:fontRef idx="minor">
+        <a:schemeClr val="lt1"/>
+      </a:fontRef>
+    </dgm:style>
+  </dgm:styleLbl>
+  <dgm:styleLbl name="parChTrans1D1">
+    <dgm:scene3d>
+      <a:camera prst="orthographicFront"/>
+      <a:lightRig rig="threePt" dir="t"/>
+    </dgm:scene3d>
+    <dgm:sp3d/>
+    <dgm:txPr/>
+    <dgm:style>
+      <a:lnRef idx="2">
+        <a:scrgbClr r="0" g="0" b="0"/>
+      </a:lnRef>
+      <a:fillRef idx="0">
+        <a:scrgbClr r="0" g="0" b="0"/>
+      </a:fillRef>
+      <a:effectRef idx="0">
+        <a:scrgbClr r="0" g="0" b="0"/>
+      </a:effectRef>
+      <a:fontRef idx="minor"/>
+    </dgm:style>
+  </dgm:styleLbl>
+  <dgm:styleLbl name="parChTrans1D2">
+    <dgm:scene3d>
+      <a:camera prst="orthographicFront"/>
+      <a:lightRig rig="threePt" dir="t"/>
+    </dgm:scene3d>
+    <dgm:sp3d/>
+    <dgm:txPr/>
+    <dgm:style>
+      <a:lnRef idx="2">
+        <a:scrgbClr r="0" g="0" b="0"/>
+      </a:lnRef>
+      <a:fillRef idx="0">
+        <a:scrgbClr r="0" g="0" b="0"/>
+      </a:fillRef>
+      <a:effectRef idx="0">
+        <a:scrgbClr r="0" g="0" b="0"/>
+      </a:effectRef>
+      <a:fontRef idx="minor"/>
+    </dgm:style>
+  </dgm:styleLbl>
+  <dgm:styleLbl name="parChTrans1D3">
+    <dgm:scene3d>
+      <a:camera prst="orthographicFront"/>
+      <a:lightRig rig="threePt" dir="t"/>
+    </dgm:scene3d>
+    <dgm:sp3d/>
+    <dgm:txPr/>
+    <dgm:style>
+      <a:lnRef idx="2">
+        <a:scrgbClr r="0" g="0" b="0"/>
+      </a:lnRef>
+      <a:fillRef idx="0">
+        <a:scrgbClr r="0" g="0" b="0"/>
+      </a:fillRef>
+      <a:effectRef idx="0">
+        <a:scrgbClr r="0" g="0" b="0"/>
+      </a:effectRef>
+      <a:fontRef idx="minor"/>
+    </dgm:style>
+  </dgm:styleLbl>
+  <dgm:styleLbl name="parChTrans1D4">
+    <dgm:scene3d>
+      <a:camera prst="orthographicFront"/>
+      <a:lightRig rig="threePt" dir="t"/>
+    </dgm:scene3d>
+    <dgm:sp3d/>
+    <dgm:txPr/>
+    <dgm:style>
+      <a:lnRef idx="2">
+        <a:scrgbClr r="0" g="0" b="0"/>
+      </a:lnRef>
+      <a:fillRef idx="0">
+        <a:scrgbClr r="0" g="0" b="0"/>
+      </a:fillRef>
+      <a:effectRef idx="0">
+        <a:scrgbClr r="0" g="0" b="0"/>
+      </a:effectRef>
+      <a:fontRef idx="minor"/>
+    </dgm:style>
+  </dgm:styleLbl>
+  <dgm:styleLbl name="fgAcc1">
+    <dgm:scene3d>
+      <a:camera prst="orthographicFront"/>
+      <a:lightRig rig="threePt" dir="t"/>
+    </dgm:scene3d>
+    <dgm:sp3d/>
+    <dgm:txPr/>
+    <dgm:style>
+      <a:lnRef idx="2">
+        <a:scrgbClr r="0" g="0" b="0"/>
+      </a:lnRef>
+      <a:fillRef idx="1">
+        <a:scrgbClr r="0" g="0" b="0"/>
+      </a:fillRef>
+      <a:effectRef idx="0">
+        <a:scrgbClr r="0" g="0" b="0"/>
+      </a:effectRef>
+      <a:fontRef idx="minor"/>
+    </dgm:style>
+  </dgm:styleLbl>
+  <dgm:styleLbl name="conFgAcc1">
+    <dgm:scene3d>
+      <a:camera prst="orthographicFront"/>
+      <a:lightRig rig="threePt" dir="t"/>
+    </dgm:scene3d>
+    <dgm:sp3d/>
+    <dgm:txPr/>
+    <dgm:style>
+      <a:lnRef idx="2">
+        <a:scrgbClr r="0" g="0" b="0"/>
+      </a:lnRef>
+      <a:fillRef idx="1">
+        <a:scrgbClr r="0" g="0" b="0"/>
+      </a:fillRef>
+      <a:effectRef idx="0">
+        <a:scrgbClr r="0" g="0" b="0"/>
+      </a:effectRef>
+      <a:fontRef idx="minor"/>
+    </dgm:style>
+  </dgm:styleLbl>
+  <dgm:styleLbl name="alignAcc1">
+    <dgm:scene3d>
+      <a:camera prst="orthographicFront"/>
+      <a:lightRig rig="threePt" dir="t"/>
+    </dgm:scene3d>
+    <dgm:sp3d/>
+    <dgm:txPr/>
+    <dgm:style>
+      <a:lnRef idx="2">
+        <a:scrgbClr r="0" g="0" b="0"/>
+      </a:lnRef>
+      <a:fillRef idx="1">
+        <a:scrgbClr r="0" g="0" b="0"/>
+      </a:fillRef>
+      <a:effectRef idx="0">
+        <a:scrgbClr r="0" g="0" b="0"/>
+      </a:effectRef>
+      <a:fontRef idx="minor"/>
+    </dgm:style>
+  </dgm:styleLbl>
+  <dgm:styleLbl name="trAlignAcc1">
+    <dgm:scene3d>
+      <a:camera prst="orthographicFront"/>
+      <a:lightRig rig="threePt" dir="t"/>
+    </dgm:scene3d>
+    <dgm:sp3d/>
+    <dgm:txPr/>
+    <dgm:style>
+      <a:lnRef idx="1">
+        <a:scrgbClr r="0" g="0" b="0"/>
+      </a:lnRef>
+      <a:fillRef idx="1">
+        <a:scrgbClr r="0" g="0" b="0"/>
+      </a:fillRef>
+      <a:effectRef idx="0">
+        <a:scrgbClr r="0" g="0" b="0"/>
+      </a:effectRef>
+      <a:fontRef idx="minor"/>
+    </dgm:style>
+  </dgm:styleLbl>
+  <dgm:styleLbl name="bgAcc1">
+    <dgm:scene3d>
+      <a:camera prst="orthographicFront"/>
+      <a:lightRig rig="threePt" dir="t"/>
+    </dgm:scene3d>
+    <dgm:sp3d/>
+    <dgm:txPr/>
+    <dgm:style>
+      <a:lnRef idx="2">
+        <a:scrgbClr r="0" g="0" b="0"/>
+      </a:lnRef>
+      <a:fillRef idx="1">
+        <a:scrgbClr r="0" g="0" b="0"/>
+      </a:fillRef>
+      <a:effectRef idx="0">
+        <a:scrgbClr r="0" g="0" b="0"/>
+      </a:effectRef>
+      <a:fontRef idx="minor"/>
+    </dgm:style>
+  </dgm:styleLbl>
+  <dgm:styleLbl name="solidFgAcc1">
+    <dgm:scene3d>
+      <a:camera prst="orthographicFront"/>
+      <a:lightRig rig="threePt" dir="t"/>
+    </dgm:scene3d>
+    <dgm:sp3d/>
+    <dgm:txPr/>
+    <dgm:style>
+      <a:lnRef idx="2">
+        <a:scrgbClr r="0" g="0" b="0"/>
+      </a:lnRef>
+      <a:fillRef idx="1">
+        <a:scrgbClr r="0" g="0" b="0"/>
+      </a:fillRef>
+      <a:effectRef idx="0">
+        <a:scrgbClr r="0" g="0" b="0"/>
+      </a:effectRef>
+      <a:fontRef idx="minor"/>
+    </dgm:style>
+  </dgm:styleLbl>
+  <dgm:styleLbl name="solidAlignAcc1">
+    <dgm:scene3d>
+      <a:camera prst="orthographicFront"/>
+      <a:lightRig rig="threePt" dir="t"/>
+    </dgm:scene3d>
+    <dgm:sp3d/>
+    <dgm:txPr/>
+    <dgm:style>
+      <a:lnRef idx="2">
+        <a:scrgbClr r="0" g="0" b="0"/>
+      </a:lnRef>
+      <a:fillRef idx="1">
+        <a:scrgbClr r="0" g="0" b="0"/>
+      </a:fillRef>
+      <a:effectRef idx="0">
+        <a:scrgbClr r="0" g="0" b="0"/>
+      </a:effectRef>
+      <a:fontRef idx="minor"/>
+    </dgm:style>
+  </dgm:styleLbl>
+  <dgm:styleLbl name="solidBgAcc1">
+    <dgm:scene3d>
+      <a:camera prst="orthographicFront"/>
+      <a:lightRig rig="threePt" dir="t"/>
+    </dgm:scene3d>
+    <dgm:sp3d/>
+    <dgm:txPr/>
+    <dgm:style>
+      <a:lnRef idx="2">
+        <a:scrgbClr r="0" g="0" b="0"/>
+      </a:lnRef>
+      <a:fillRef idx="1">
+        <a:scrgbClr r="0" g="0" b="0"/>
+      </a:fillRef>
+      <a:effectRef idx="0">
+        <a:scrgbClr r="0" g="0" b="0"/>
+      </a:effectRef>
+      <a:fontRef idx="minor"/>
+    </dgm:style>
+  </dgm:styleLbl>
+  <dgm:styleLbl name="fgAccFollowNode1">
+    <dgm:scene3d>
+      <a:camera prst="orthographicFront"/>
+      <a:lightRig rig="threePt" dir="t"/>
+    </dgm:scene3d>
+    <dgm:sp3d/>
+    <dgm:txPr/>
+    <dgm:style>
+      <a:lnRef idx="2">
+        <a:scrgbClr r="0" g="0" b="0"/>
+      </a:lnRef>
+      <a:fillRef idx="1">
+        <a:scrgbClr r="0" g="0" b="0"/>
+      </a:fillRef>
+      <a:effectRef idx="0">
+        <a:scrgbClr r="0" g="0" b="0"/>
+      </a:effectRef>
+      <a:fontRef idx="minor"/>
+    </dgm:style>
+  </dgm:styleLbl>
+  <dgm:styleLbl name="alignAccFollowNode1">
+    <dgm:scene3d>
+      <a:camera prst="orthographicFront"/>
+      <a:lightRig rig="threePt" dir="t"/>
+    </dgm:scene3d>
+    <dgm:sp3d/>
+    <dgm:txPr/>
+    <dgm:style>
+      <a:lnRef idx="2">
+        <a:scrgbClr r="0" g="0" b="0"/>
+      </a:lnRef>
+      <a:fillRef idx="1">
+        <a:scrgbClr r="0" g="0" b="0"/>
+      </a:fillRef>
+      <a:effectRef idx="0">
+        <a:scrgbClr r="0" g="0" b="0"/>
+      </a:effectRef>
+      <a:fontRef idx="minor"/>
+    </dgm:style>
+  </dgm:styleLbl>
+  <dgm:styleLbl name="bgAccFollowNode1">
+    <dgm:scene3d>
+      <a:camera prst="orthographicFront"/>
+      <a:lightRig rig="threePt" dir="t"/>
+    </dgm:scene3d>
+    <dgm:sp3d/>
+    <dgm:txPr/>
+    <dgm:style>
+      <a:lnRef idx="2">
+        <a:scrgbClr r="0" g="0" b="0"/>
+      </a:lnRef>
+      <a:fillRef idx="1">
+        <a:scrgbClr r="0" g="0" b="0"/>
+      </a:fillRef>
+      <a:effectRef idx="0">
+        <a:scrgbClr r="0" g="0" b="0"/>
+      </a:effectRef>
+      <a:fontRef idx="minor"/>
+    </dgm:style>
+  </dgm:styleLbl>
+  <dgm:styleLbl name="fgAcc0">
+    <dgm:scene3d>
+      <a:camera prst="orthographicFront"/>
+      <a:lightRig rig="threePt" dir="t"/>
+    </dgm:scene3d>
+    <dgm:sp3d/>
+    <dgm:txPr/>
+    <dgm:style>
+      <a:lnRef idx="2">
+        <a:scrgbClr r="0" g="0" b="0"/>
+      </a:lnRef>
+      <a:fillRef idx="1">
+        <a:scrgbClr r="0" g="0" b="0"/>
+      </a:fillRef>
+      <a:effectRef idx="0">
+        <a:scrgbClr r="0" g="0" b="0"/>
+      </a:effectRef>
+      <a:fontRef idx="minor"/>
+    </dgm:style>
+  </dgm:styleLbl>
+  <dgm:styleLbl name="fgAcc2">
+    <dgm:scene3d>
+      <a:camera prst="orthographicFront"/>
+      <a:lightRig rig="threePt" dir="t"/>
+    </dgm:scene3d>
+    <dgm:sp3d/>
+    <dgm:txPr/>
+    <dgm:style>
+      <a:lnRef idx="2">
+        <a:scrgbClr r="0" g="0" b="0"/>
+      </a:lnRef>
+      <a:fillRef idx="1">
+        <a:scrgbClr r="0" g="0" b="0"/>
+      </a:fillRef>
+      <a:effectRef idx="0">
+        <a:scrgbClr r="0" g="0" b="0"/>
+      </a:effectRef>
+      <a:fontRef idx="minor"/>
+    </dgm:style>
+  </dgm:styleLbl>
+  <dgm:styleLbl name="fgAcc3">
+    <dgm:scene3d>
+      <a:camera prst="orthographicFront"/>
+      <a:lightRig rig="threePt" dir="t"/>
+    </dgm:scene3d>
+    <dgm:sp3d/>
+    <dgm:txPr/>
+    <dgm:style>
+      <a:lnRef idx="2">
+        <a:scrgbClr r="0" g="0" b="0"/>
+      </a:lnRef>
+      <a:fillRef idx="1">
+        <a:scrgbClr r="0" g="0" b="0"/>
+      </a:fillRef>
+      <a:effectRef idx="0">
+        <a:scrgbClr r="0" g="0" b="0"/>
+      </a:effectRef>
+      <a:fontRef idx="minor"/>
+    </dgm:style>
+  </dgm:styleLbl>
+  <dgm:styleLbl name="fgAcc4">
+    <dgm:scene3d>
+      <a:camera prst="orthographicFront"/>
+      <a:lightRig rig="threePt" dir="t"/>
+    </dgm:scene3d>
+    <dgm:sp3d/>
+    <dgm:txPr/>
+    <dgm:style>
+      <a:lnRef idx="2">
+        <a:scrgbClr r="0" g="0" b="0"/>
+      </a:lnRef>
+      <a:fillRef idx="1">
+        <a:scrgbClr r="0" g="0" b="0"/>
+      </a:fillRef>
+      <a:effectRef idx="0">
+        <a:scrgbClr r="0" g="0" b="0"/>
+      </a:effectRef>
+      <a:fontRef idx="minor"/>
+    </dgm:style>
+  </dgm:styleLbl>
+  <dgm:styleLbl name="bgShp">
+    <dgm:scene3d>
+      <a:camera prst="orthographicFront"/>
+      <a:lightRig rig="threePt" dir="t"/>
+    </dgm:scene3d>
+    <dgm:sp3d/>
+    <dgm:txPr/>
+    <dgm:style>
+      <a:lnRef idx="0">
+        <a:scrgbClr r="0" g="0" b="0"/>
+      </a:lnRef>
+      <a:fillRef idx="1">
+        <a:scrgbClr r="0" g="0" b="0"/>
+      </a:fillRef>
+      <a:effectRef idx="0">
+        <a:scrgbClr r="0" g="0" b="0"/>
+      </a:effectRef>
+      <a:fontRef idx="minor"/>
+    </dgm:style>
+  </dgm:styleLbl>
+  <dgm:styleLbl name="dkBgShp">
+    <dgm:scene3d>
+      <a:camera prst="orthographicFront"/>
+      <a:lightRig rig="threePt" dir="t"/>
+    </dgm:scene3d>
+    <dgm:sp3d/>
+    <dgm:txPr/>
+    <dgm:style>
+      <a:lnRef idx="0">
+        <a:scrgbClr r="0" g="0" b="0"/>
+      </a:lnRef>
+      <a:fillRef idx="1">
+        <a:scrgbClr r="0" g="0" b="0"/>
+      </a:fillRef>
+      <a:effectRef idx="0">
+        <a:scrgbClr r="0" g="0" b="0"/>
+      </a:effectRef>
+      <a:fontRef idx="minor"/>
+    </dgm:style>
+  </dgm:styleLbl>
+  <dgm:styleLbl name="trBgShp">
+    <dgm:scene3d>
+      <a:camera prst="orthographicFront"/>
+      <a:lightRig rig="threePt" dir="t"/>
+    </dgm:scene3d>
+    <dgm:sp3d/>
+    <dgm:txPr/>
+    <dgm:style>
+      <a:lnRef idx="0">
+        <a:scrgbClr r="0" g="0" b="0"/>
+      </a:lnRef>
+      <a:fillRef idx="1">
+        <a:scrgbClr r="0" g="0" b="0"/>
+      </a:fillRef>
+      <a:effectRef idx="0">
+        <a:scrgbClr r="0" g="0" b="0"/>
+      </a:effectRef>
+      <a:fontRef idx="minor"/>
+    </dgm:style>
+  </dgm:styleLbl>
+  <dgm:styleLbl name="fgShp">
+    <dgm:scene3d>
+      <a:camera prst="orthographicFront"/>
+      <a:lightRig rig="threePt" dir="t"/>
+    </dgm:scene3d>
+    <dgm:sp3d/>
+    <dgm:txPr/>
+    <dgm:style>
+      <a:lnRef idx="2">
+        <a:scrgbClr r="0" g="0" b="0"/>
+      </a:lnRef>
+      <a:fillRef idx="1">
+        <a:scrgbClr r="0" g="0" b="0"/>
+      </a:fillRef>
+      <a:effectRef idx="0">
+        <a:scrgbClr r="0" g="0" b="0"/>
+      </a:effectRef>
+      <a:fontRef idx="minor"/>
+    </dgm:style>
+  </dgm:styleLbl>
+  <dgm:styleLbl name="revTx">
+    <dgm:scene3d>
+      <a:camera prst="orthographicFront"/>
+      <a:lightRig rig="threePt" dir="t"/>
+    </dgm:scene3d>
+    <dgm:sp3d/>
+    <dgm:txPr/>
+    <dgm:style>
+      <a:lnRef idx="0">
+        <a:scrgbClr r="0" g="0" b="0"/>
+      </a:lnRef>
+      <a:fillRef idx="0">
+        <a:scrgbClr r="0" g="0" b="0"/>
+      </a:fillRef>
+      <a:effectRef idx="0">
+        <a:scrgbClr r="0" g="0" b="0"/>
+      </a:effectRef>
+      <a:fontRef idx="minor"/>
+    </dgm:style>
+  </dgm:styleLbl>
+</dgm:styleDef>
+</file>
+
+<file path=ppt/diagrams/quickStyle3.xml><?xml version="1.0" encoding="utf-8"?>
 <dgm:styleDef xmlns:dgm="http://schemas.openxmlformats.org/drawingml/2006/diagram" xmlns:a="http://schemas.openxmlformats.org/drawingml/2006/main" uniqueId="urn:microsoft.com/office/officeart/2005/8/quickstyle/simple1">
   <dgm:title val=""/>
   <dgm:desc val=""/>
@@ -7243,7 +10941,7 @@
           <a:p>
             <a:fld id="{4287AB04-1197-4202-8E42-EAEF50D51202}" type="datetimeFigureOut">
               <a:rPr lang="en-US" smtClean="0"/>
-              <a:t>6/17/2021</a:t>
+              <a:t>6/18/2021</a:t>
             </a:fld>
             <a:endParaRPr lang="en-US"/>
           </a:p>
@@ -7441,7 +11139,7 @@
           <a:p>
             <a:fld id="{4287AB04-1197-4202-8E42-EAEF50D51202}" type="datetimeFigureOut">
               <a:rPr lang="en-US" smtClean="0"/>
-              <a:t>6/17/2021</a:t>
+              <a:t>6/18/2021</a:t>
             </a:fld>
             <a:endParaRPr lang="en-US"/>
           </a:p>
@@ -7649,7 +11347,7 @@
           <a:p>
             <a:fld id="{4287AB04-1197-4202-8E42-EAEF50D51202}" type="datetimeFigureOut">
               <a:rPr lang="en-US" smtClean="0"/>
-              <a:t>6/17/2021</a:t>
+              <a:t>6/18/2021</a:t>
             </a:fld>
             <a:endParaRPr lang="en-US"/>
           </a:p>
@@ -7847,7 +11545,7 @@
           <a:p>
             <a:fld id="{4287AB04-1197-4202-8E42-EAEF50D51202}" type="datetimeFigureOut">
               <a:rPr lang="en-US" smtClean="0"/>
-              <a:t>6/17/2021</a:t>
+              <a:t>6/18/2021</a:t>
             </a:fld>
             <a:endParaRPr lang="en-US"/>
           </a:p>
@@ -8122,7 +11820,7 @@
           <a:p>
             <a:fld id="{4287AB04-1197-4202-8E42-EAEF50D51202}" type="datetimeFigureOut">
               <a:rPr lang="en-US" smtClean="0"/>
-              <a:t>6/17/2021</a:t>
+              <a:t>6/18/2021</a:t>
             </a:fld>
             <a:endParaRPr lang="en-US"/>
           </a:p>
@@ -8387,7 +12085,7 @@
           <a:p>
             <a:fld id="{4287AB04-1197-4202-8E42-EAEF50D51202}" type="datetimeFigureOut">
               <a:rPr lang="en-US" smtClean="0"/>
-              <a:t>6/17/2021</a:t>
+              <a:t>6/18/2021</a:t>
             </a:fld>
             <a:endParaRPr lang="en-US"/>
           </a:p>
@@ -8799,7 +12497,7 @@
           <a:p>
             <a:fld id="{4287AB04-1197-4202-8E42-EAEF50D51202}" type="datetimeFigureOut">
               <a:rPr lang="en-US" smtClean="0"/>
-              <a:t>6/17/2021</a:t>
+              <a:t>6/18/2021</a:t>
             </a:fld>
             <a:endParaRPr lang="en-US"/>
           </a:p>
@@ -8940,7 +12638,7 @@
           <a:p>
             <a:fld id="{4287AB04-1197-4202-8E42-EAEF50D51202}" type="datetimeFigureOut">
               <a:rPr lang="en-US" smtClean="0"/>
-              <a:t>6/17/2021</a:t>
+              <a:t>6/18/2021</a:t>
             </a:fld>
             <a:endParaRPr lang="en-US"/>
           </a:p>
@@ -9053,7 +12751,7 @@
           <a:p>
             <a:fld id="{4287AB04-1197-4202-8E42-EAEF50D51202}" type="datetimeFigureOut">
               <a:rPr lang="en-US" smtClean="0"/>
-              <a:t>6/17/2021</a:t>
+              <a:t>6/18/2021</a:t>
             </a:fld>
             <a:endParaRPr lang="en-US"/>
           </a:p>
@@ -9364,7 +13062,7 @@
           <a:p>
             <a:fld id="{4287AB04-1197-4202-8E42-EAEF50D51202}" type="datetimeFigureOut">
               <a:rPr lang="en-US" smtClean="0"/>
-              <a:t>6/17/2021</a:t>
+              <a:t>6/18/2021</a:t>
             </a:fld>
             <a:endParaRPr lang="en-US"/>
           </a:p>
@@ -9652,7 +13350,7 @@
           <a:p>
             <a:fld id="{4287AB04-1197-4202-8E42-EAEF50D51202}" type="datetimeFigureOut">
               <a:rPr lang="en-US" smtClean="0"/>
-              <a:t>6/17/2021</a:t>
+              <a:t>6/18/2021</a:t>
             </a:fld>
             <a:endParaRPr lang="en-US"/>
           </a:p>
@@ -9893,7 +13591,7 @@
           <a:p>
             <a:fld id="{4287AB04-1197-4202-8E42-EAEF50D51202}" type="datetimeFigureOut">
               <a:rPr lang="en-US" smtClean="0"/>
-              <a:t>6/17/2021</a:t>
+              <a:t>6/18/2021</a:t>
             </a:fld>
             <a:endParaRPr lang="en-US"/>
           </a:p>
@@ -10381,7 +14079,7 @@
           <p:nvPr>
             <p:extLst>
               <p:ext uri="{D42A27DB-BD31-4B8C-83A1-F6EECF244321}">
-                <p14:modId xmlns:p14="http://schemas.microsoft.com/office/powerpoint/2010/main" val="3700869587"/>
+                <p14:modId xmlns:p14="http://schemas.microsoft.com/office/powerpoint/2010/main" val="2155784858"/>
               </p:ext>
             </p:extLst>
           </p:nvPr>
@@ -10400,6 +14098,64 @@
     <p:extLst>
       <p:ext uri="{BB962C8B-B14F-4D97-AF65-F5344CB8AC3E}">
         <p14:creationId xmlns:p14="http://schemas.microsoft.com/office/powerpoint/2010/main" val="1966371016"/>
+      </p:ext>
+    </p:extLst>
+  </p:cSld>
+  <p:clrMapOvr>
+    <a:masterClrMapping/>
+  </p:clrMapOvr>
+</p:sld>
+</file>
+
+<file path=ppt/slides/slide3.xml><?xml version="1.0" encoding="utf-8"?>
+<p:sld xmlns:a="http://schemas.openxmlformats.org/drawingml/2006/main" xmlns:r="http://schemas.openxmlformats.org/officeDocument/2006/relationships" xmlns:p="http://schemas.openxmlformats.org/presentationml/2006/main">
+  <p:cSld>
+    <p:spTree>
+      <p:nvGrpSpPr>
+        <p:cNvPr id="1" name=""/>
+        <p:cNvGrpSpPr/>
+        <p:nvPr/>
+      </p:nvGrpSpPr>
+      <p:grpSpPr>
+        <a:xfrm>
+          <a:off x="0" y="0"/>
+          <a:ext cx="0" cy="0"/>
+          <a:chOff x="0" y="0"/>
+          <a:chExt cx="0" cy="0"/>
+        </a:xfrm>
+      </p:grpSpPr>
+      <p:graphicFrame>
+        <p:nvGraphicFramePr>
+          <p:cNvPr id="2" name="Diagram 1">
+            <a:extLst>
+              <a:ext uri="{FF2B5EF4-FFF2-40B4-BE49-F238E27FC236}">
+                <a16:creationId xmlns:a16="http://schemas.microsoft.com/office/drawing/2014/main" id="{6D9E2FAB-13E8-40A3-A6CA-4C490AC9A2A3}"/>
+              </a:ext>
+            </a:extLst>
+          </p:cNvPr>
+          <p:cNvGraphicFramePr/>
+          <p:nvPr>
+            <p:extLst>
+              <p:ext uri="{D42A27DB-BD31-4B8C-83A1-F6EECF244321}">
+                <p14:modId xmlns:p14="http://schemas.microsoft.com/office/powerpoint/2010/main" val="3773579465"/>
+              </p:ext>
+            </p:extLst>
+          </p:nvPr>
+        </p:nvGraphicFramePr>
+        <p:xfrm>
+          <a:off x="2032000" y="254643"/>
+          <a:ext cx="8128000" cy="6412375"/>
+        </p:xfrm>
+        <a:graphic>
+          <a:graphicData uri="http://schemas.openxmlformats.org/drawingml/2006/diagram">
+            <dgm:relIds xmlns:dgm="http://schemas.openxmlformats.org/drawingml/2006/diagram" xmlns:r="http://schemas.openxmlformats.org/officeDocument/2006/relationships" r:dm="rId2" r:lo="rId3" r:qs="rId4" r:cs="rId5"/>
+          </a:graphicData>
+        </a:graphic>
+      </p:graphicFrame>
+    </p:spTree>
+    <p:extLst>
+      <p:ext uri="{BB962C8B-B14F-4D97-AF65-F5344CB8AC3E}">
+        <p14:creationId xmlns:p14="http://schemas.microsoft.com/office/powerpoint/2010/main" val="443651681"/>
       </p:ext>
     </p:extLst>
   </p:cSld>

--- a/graphics/Workflow.pptx
+++ b/graphics/Workflow.pptx
@@ -8,6 +8,7 @@
     <p:sldId id="256" r:id="rId2"/>
     <p:sldId id="257" r:id="rId3"/>
     <p:sldId id="258" r:id="rId4"/>
+    <p:sldId id="259" r:id="rId5"/>
   </p:sldIdLst>
   <p:sldSz cx="12192000" cy="6858000"/>
   <p:notesSz cx="6858000" cy="9144000"/>
@@ -2367,6 +2368,757 @@
 </dgm:colorsDef>
 </file>
 
+<file path=ppt/diagrams/colors4.xml><?xml version="1.0" encoding="utf-8"?>
+<dgm:colorsDef xmlns:dgm="http://schemas.openxmlformats.org/drawingml/2006/diagram" xmlns:a="http://schemas.openxmlformats.org/drawingml/2006/main" uniqueId="urn:microsoft.com/office/officeart/2005/8/colors/accent0_3">
+  <dgm:title val=""/>
+  <dgm:desc val=""/>
+  <dgm:catLst>
+    <dgm:cat type="mainScheme" pri="10300"/>
+  </dgm:catLst>
+  <dgm:styleLbl name="node0">
+    <dgm:fillClrLst meth="repeat">
+      <a:schemeClr val="dk2"/>
+    </dgm:fillClrLst>
+    <dgm:linClrLst meth="repeat">
+      <a:schemeClr val="lt2"/>
+    </dgm:linClrLst>
+    <dgm:effectClrLst/>
+    <dgm:txLinClrLst/>
+    <dgm:txFillClrLst/>
+    <dgm:txEffectClrLst/>
+  </dgm:styleLbl>
+  <dgm:styleLbl name="alignNode1">
+    <dgm:fillClrLst meth="repeat">
+      <a:schemeClr val="dk2"/>
+    </dgm:fillClrLst>
+    <dgm:linClrLst meth="repeat">
+      <a:schemeClr val="dk2"/>
+    </dgm:linClrLst>
+    <dgm:effectClrLst/>
+    <dgm:txLinClrLst/>
+    <dgm:txFillClrLst/>
+    <dgm:txEffectClrLst/>
+  </dgm:styleLbl>
+  <dgm:styleLbl name="node1">
+    <dgm:fillClrLst meth="repeat">
+      <a:schemeClr val="dk2"/>
+    </dgm:fillClrLst>
+    <dgm:linClrLst meth="repeat">
+      <a:schemeClr val="lt2"/>
+    </dgm:linClrLst>
+    <dgm:effectClrLst/>
+    <dgm:txLinClrLst/>
+    <dgm:txFillClrLst/>
+    <dgm:txEffectClrLst/>
+  </dgm:styleLbl>
+  <dgm:styleLbl name="lnNode1">
+    <dgm:fillClrLst meth="repeat">
+      <a:schemeClr val="dk2"/>
+    </dgm:fillClrLst>
+    <dgm:linClrLst meth="repeat">
+      <a:schemeClr val="lt2"/>
+    </dgm:linClrLst>
+    <dgm:effectClrLst/>
+    <dgm:txLinClrLst/>
+    <dgm:txFillClrLst/>
+    <dgm:txEffectClrLst/>
+  </dgm:styleLbl>
+  <dgm:styleLbl name="vennNode1">
+    <dgm:fillClrLst meth="repeat">
+      <a:schemeClr val="dk2">
+        <a:alpha val="50000"/>
+      </a:schemeClr>
+    </dgm:fillClrLst>
+    <dgm:linClrLst meth="repeat">
+      <a:schemeClr val="lt2"/>
+    </dgm:linClrLst>
+    <dgm:effectClrLst/>
+    <dgm:txLinClrLst/>
+    <dgm:txFillClrLst/>
+    <dgm:txEffectClrLst/>
+  </dgm:styleLbl>
+  <dgm:styleLbl name="node2">
+    <dgm:fillClrLst meth="repeat">
+      <a:schemeClr val="dk2"/>
+    </dgm:fillClrLst>
+    <dgm:linClrLst meth="repeat">
+      <a:schemeClr val="lt2"/>
+    </dgm:linClrLst>
+    <dgm:effectClrLst/>
+    <dgm:txLinClrLst/>
+    <dgm:txFillClrLst/>
+    <dgm:txEffectClrLst/>
+  </dgm:styleLbl>
+  <dgm:styleLbl name="node3">
+    <dgm:fillClrLst meth="repeat">
+      <a:schemeClr val="dk2"/>
+    </dgm:fillClrLst>
+    <dgm:linClrLst meth="repeat">
+      <a:schemeClr val="lt2"/>
+    </dgm:linClrLst>
+    <dgm:effectClrLst/>
+    <dgm:txLinClrLst/>
+    <dgm:txFillClrLst/>
+    <dgm:txEffectClrLst/>
+  </dgm:styleLbl>
+  <dgm:styleLbl name="node4">
+    <dgm:fillClrLst meth="repeat">
+      <a:schemeClr val="dk2"/>
+    </dgm:fillClrLst>
+    <dgm:linClrLst meth="repeat">
+      <a:schemeClr val="lt2"/>
+    </dgm:linClrLst>
+    <dgm:effectClrLst/>
+    <dgm:txLinClrLst/>
+    <dgm:txFillClrLst/>
+    <dgm:txEffectClrLst/>
+  </dgm:styleLbl>
+  <dgm:styleLbl name="fgImgPlace1">
+    <dgm:fillClrLst meth="repeat">
+      <a:schemeClr val="dk2">
+        <a:tint val="50000"/>
+      </a:schemeClr>
+    </dgm:fillClrLst>
+    <dgm:linClrLst meth="repeat">
+      <a:schemeClr val="lt2"/>
+    </dgm:linClrLst>
+    <dgm:effectClrLst/>
+    <dgm:txLinClrLst/>
+    <dgm:txFillClrLst meth="repeat">
+      <a:schemeClr val="lt2"/>
+    </dgm:txFillClrLst>
+    <dgm:txEffectClrLst/>
+  </dgm:styleLbl>
+  <dgm:styleLbl name="alignImgPlace1">
+    <dgm:fillClrLst meth="repeat">
+      <a:schemeClr val="dk2">
+        <a:tint val="50000"/>
+      </a:schemeClr>
+    </dgm:fillClrLst>
+    <dgm:linClrLst meth="repeat">
+      <a:schemeClr val="dk2">
+        <a:shade val="80000"/>
+      </a:schemeClr>
+    </dgm:linClrLst>
+    <dgm:effectClrLst/>
+    <dgm:txLinClrLst/>
+    <dgm:txFillClrLst meth="repeat">
+      <a:schemeClr val="lt2"/>
+    </dgm:txFillClrLst>
+    <dgm:txEffectClrLst/>
+  </dgm:styleLbl>
+  <dgm:styleLbl name="bgImgPlace1">
+    <dgm:fillClrLst meth="repeat">
+      <a:schemeClr val="dk2">
+        <a:tint val="50000"/>
+      </a:schemeClr>
+    </dgm:fillClrLst>
+    <dgm:linClrLst meth="repeat">
+      <a:schemeClr val="dk2">
+        <a:shade val="80000"/>
+      </a:schemeClr>
+    </dgm:linClrLst>
+    <dgm:effectClrLst/>
+    <dgm:txLinClrLst/>
+    <dgm:txFillClrLst meth="repeat">
+      <a:schemeClr val="lt2"/>
+    </dgm:txFillClrLst>
+    <dgm:txEffectClrLst/>
+  </dgm:styleLbl>
+  <dgm:styleLbl name="sibTrans2D1">
+    <dgm:fillClrLst meth="repeat">
+      <a:schemeClr val="dk2">
+        <a:tint val="60000"/>
+      </a:schemeClr>
+    </dgm:fillClrLst>
+    <dgm:linClrLst meth="repeat">
+      <a:schemeClr val="dk2">
+        <a:tint val="60000"/>
+      </a:schemeClr>
+    </dgm:linClrLst>
+    <dgm:effectClrLst/>
+    <dgm:txLinClrLst/>
+    <dgm:txFillClrLst/>
+    <dgm:txEffectClrLst/>
+  </dgm:styleLbl>
+  <dgm:styleLbl name="fgSibTrans2D1">
+    <dgm:fillClrLst meth="repeat">
+      <a:schemeClr val="dk2">
+        <a:tint val="60000"/>
+      </a:schemeClr>
+    </dgm:fillClrLst>
+    <dgm:linClrLst meth="repeat">
+      <a:schemeClr val="dk2">
+        <a:tint val="60000"/>
+      </a:schemeClr>
+    </dgm:linClrLst>
+    <dgm:effectClrLst/>
+    <dgm:txLinClrLst/>
+    <dgm:txFillClrLst/>
+    <dgm:txEffectClrLst/>
+  </dgm:styleLbl>
+  <dgm:styleLbl name="bgSibTrans2D1">
+    <dgm:fillClrLst meth="repeat">
+      <a:schemeClr val="dk2">
+        <a:tint val="60000"/>
+      </a:schemeClr>
+    </dgm:fillClrLst>
+    <dgm:linClrLst meth="repeat">
+      <a:schemeClr val="dk2">
+        <a:tint val="60000"/>
+      </a:schemeClr>
+    </dgm:linClrLst>
+    <dgm:effectClrLst/>
+    <dgm:txLinClrLst/>
+    <dgm:txFillClrLst/>
+    <dgm:txEffectClrLst/>
+  </dgm:styleLbl>
+  <dgm:styleLbl name="sibTrans1D1">
+    <dgm:fillClrLst meth="repeat">
+      <a:schemeClr val="dk2"/>
+    </dgm:fillClrLst>
+    <dgm:linClrLst meth="repeat">
+      <a:schemeClr val="dk2"/>
+    </dgm:linClrLst>
+    <dgm:effectClrLst/>
+    <dgm:txLinClrLst/>
+    <dgm:txFillClrLst meth="repeat">
+      <a:schemeClr val="lt2"/>
+    </dgm:txFillClrLst>
+    <dgm:txEffectClrLst/>
+  </dgm:styleLbl>
+  <dgm:styleLbl name="callout">
+    <dgm:fillClrLst meth="repeat">
+      <a:schemeClr val="dk2"/>
+    </dgm:fillClrLst>
+    <dgm:linClrLst meth="repeat">
+      <a:schemeClr val="dk2">
+        <a:tint val="50000"/>
+      </a:schemeClr>
+    </dgm:linClrLst>
+    <dgm:effectClrLst/>
+    <dgm:txLinClrLst/>
+    <dgm:txFillClrLst meth="repeat">
+      <a:schemeClr val="lt2"/>
+    </dgm:txFillClrLst>
+    <dgm:txEffectClrLst/>
+  </dgm:styleLbl>
+  <dgm:styleLbl name="asst0">
+    <dgm:fillClrLst meth="repeat">
+      <a:schemeClr val="dk2"/>
+    </dgm:fillClrLst>
+    <dgm:linClrLst meth="repeat">
+      <a:schemeClr val="lt2"/>
+    </dgm:linClrLst>
+    <dgm:effectClrLst/>
+    <dgm:txLinClrLst/>
+    <dgm:txFillClrLst/>
+    <dgm:txEffectClrLst/>
+  </dgm:styleLbl>
+  <dgm:styleLbl name="asst1">
+    <dgm:fillClrLst meth="repeat">
+      <a:schemeClr val="dk2"/>
+    </dgm:fillClrLst>
+    <dgm:linClrLst meth="repeat">
+      <a:schemeClr val="lt2"/>
+    </dgm:linClrLst>
+    <dgm:effectClrLst/>
+    <dgm:txLinClrLst/>
+    <dgm:txFillClrLst/>
+    <dgm:txEffectClrLst/>
+  </dgm:styleLbl>
+  <dgm:styleLbl name="asst2">
+    <dgm:fillClrLst meth="repeat">
+      <a:schemeClr val="dk2"/>
+    </dgm:fillClrLst>
+    <dgm:linClrLst meth="repeat">
+      <a:schemeClr val="lt2"/>
+    </dgm:linClrLst>
+    <dgm:effectClrLst/>
+    <dgm:txLinClrLst/>
+    <dgm:txFillClrLst/>
+    <dgm:txEffectClrLst/>
+  </dgm:styleLbl>
+  <dgm:styleLbl name="asst3">
+    <dgm:fillClrLst meth="repeat">
+      <a:schemeClr val="dk2"/>
+    </dgm:fillClrLst>
+    <dgm:linClrLst meth="repeat">
+      <a:schemeClr val="lt2"/>
+    </dgm:linClrLst>
+    <dgm:effectClrLst/>
+    <dgm:txLinClrLst/>
+    <dgm:txFillClrLst/>
+    <dgm:txEffectClrLst/>
+  </dgm:styleLbl>
+  <dgm:styleLbl name="asst4">
+    <dgm:fillClrLst meth="repeat">
+      <a:schemeClr val="dk2"/>
+    </dgm:fillClrLst>
+    <dgm:linClrLst meth="repeat">
+      <a:schemeClr val="lt2"/>
+    </dgm:linClrLst>
+    <dgm:effectClrLst/>
+    <dgm:txLinClrLst/>
+    <dgm:txFillClrLst/>
+    <dgm:txEffectClrLst/>
+  </dgm:styleLbl>
+  <dgm:styleLbl name="parChTrans2D1">
+    <dgm:fillClrLst meth="repeat">
+      <a:schemeClr val="dk2">
+        <a:tint val="60000"/>
+      </a:schemeClr>
+    </dgm:fillClrLst>
+    <dgm:linClrLst meth="repeat">
+      <a:schemeClr val="dk2">
+        <a:tint val="60000"/>
+      </a:schemeClr>
+    </dgm:linClrLst>
+    <dgm:effectClrLst/>
+    <dgm:txLinClrLst/>
+    <dgm:txFillClrLst meth="repeat">
+      <a:schemeClr val="lt2"/>
+    </dgm:txFillClrLst>
+    <dgm:txEffectClrLst/>
+  </dgm:styleLbl>
+  <dgm:styleLbl name="parChTrans2D2">
+    <dgm:fillClrLst meth="repeat">
+      <a:schemeClr val="dk2"/>
+    </dgm:fillClrLst>
+    <dgm:linClrLst meth="repeat">
+      <a:schemeClr val="dk2"/>
+    </dgm:linClrLst>
+    <dgm:effectClrLst/>
+    <dgm:txLinClrLst/>
+    <dgm:txFillClrLst meth="repeat">
+      <a:schemeClr val="lt2"/>
+    </dgm:txFillClrLst>
+    <dgm:txEffectClrLst/>
+  </dgm:styleLbl>
+  <dgm:styleLbl name="parChTrans2D3">
+    <dgm:fillClrLst meth="repeat">
+      <a:schemeClr val="dk2"/>
+    </dgm:fillClrLst>
+    <dgm:linClrLst meth="repeat">
+      <a:schemeClr val="dk2"/>
+    </dgm:linClrLst>
+    <dgm:effectClrLst/>
+    <dgm:txLinClrLst/>
+    <dgm:txFillClrLst meth="repeat">
+      <a:schemeClr val="lt2"/>
+    </dgm:txFillClrLst>
+    <dgm:txEffectClrLst/>
+  </dgm:styleLbl>
+  <dgm:styleLbl name="parChTrans2D4">
+    <dgm:fillClrLst meth="repeat">
+      <a:schemeClr val="dk2"/>
+    </dgm:fillClrLst>
+    <dgm:linClrLst meth="repeat">
+      <a:schemeClr val="dk2"/>
+    </dgm:linClrLst>
+    <dgm:effectClrLst/>
+    <dgm:txLinClrLst/>
+    <dgm:txFillClrLst meth="repeat">
+      <a:schemeClr val="lt2"/>
+    </dgm:txFillClrLst>
+    <dgm:txEffectClrLst/>
+  </dgm:styleLbl>
+  <dgm:styleLbl name="parChTrans1D1">
+    <dgm:fillClrLst meth="repeat">
+      <a:schemeClr val="dk2"/>
+    </dgm:fillClrLst>
+    <dgm:linClrLst meth="repeat">
+      <a:schemeClr val="dk2">
+        <a:shade val="60000"/>
+      </a:schemeClr>
+    </dgm:linClrLst>
+    <dgm:effectClrLst/>
+    <dgm:txLinClrLst/>
+    <dgm:txFillClrLst meth="repeat">
+      <a:schemeClr val="tx1"/>
+    </dgm:txFillClrLst>
+    <dgm:txEffectClrLst/>
+  </dgm:styleLbl>
+  <dgm:styleLbl name="parChTrans1D2">
+    <dgm:fillClrLst meth="repeat">
+      <a:schemeClr val="dk2"/>
+    </dgm:fillClrLst>
+    <dgm:linClrLst meth="repeat">
+      <a:schemeClr val="dk2">
+        <a:shade val="60000"/>
+      </a:schemeClr>
+    </dgm:linClrLst>
+    <dgm:effectClrLst/>
+    <dgm:txLinClrLst/>
+    <dgm:txFillClrLst meth="repeat">
+      <a:schemeClr val="tx1"/>
+    </dgm:txFillClrLst>
+    <dgm:txEffectClrLst/>
+  </dgm:styleLbl>
+  <dgm:styleLbl name="parChTrans1D3">
+    <dgm:fillClrLst meth="repeat">
+      <a:schemeClr val="dk2"/>
+    </dgm:fillClrLst>
+    <dgm:linClrLst meth="repeat">
+      <a:schemeClr val="dk2">
+        <a:shade val="80000"/>
+      </a:schemeClr>
+    </dgm:linClrLst>
+    <dgm:effectClrLst/>
+    <dgm:txLinClrLst/>
+    <dgm:txFillClrLst meth="repeat">
+      <a:schemeClr val="tx1"/>
+    </dgm:txFillClrLst>
+    <dgm:txEffectClrLst/>
+  </dgm:styleLbl>
+  <dgm:styleLbl name="parChTrans1D4">
+    <dgm:fillClrLst meth="repeat">
+      <a:schemeClr val="dk2"/>
+    </dgm:fillClrLst>
+    <dgm:linClrLst meth="repeat">
+      <a:schemeClr val="dk2">
+        <a:shade val="80000"/>
+      </a:schemeClr>
+    </dgm:linClrLst>
+    <dgm:effectClrLst/>
+    <dgm:txLinClrLst/>
+    <dgm:txFillClrLst meth="repeat">
+      <a:schemeClr val="tx1"/>
+    </dgm:txFillClrLst>
+    <dgm:txEffectClrLst/>
+  </dgm:styleLbl>
+  <dgm:styleLbl name="fgAcc1">
+    <dgm:fillClrLst meth="repeat">
+      <a:schemeClr val="lt2">
+        <a:alpha val="90000"/>
+      </a:schemeClr>
+    </dgm:fillClrLst>
+    <dgm:linClrLst meth="repeat">
+      <a:schemeClr val="dk2"/>
+    </dgm:linClrLst>
+    <dgm:effectClrLst/>
+    <dgm:txLinClrLst/>
+    <dgm:txFillClrLst meth="repeat">
+      <a:schemeClr val="dk1"/>
+    </dgm:txFillClrLst>
+    <dgm:txEffectClrLst/>
+  </dgm:styleLbl>
+  <dgm:styleLbl name="conFgAcc1">
+    <dgm:fillClrLst meth="repeat">
+      <a:schemeClr val="lt2">
+        <a:alpha val="90000"/>
+      </a:schemeClr>
+    </dgm:fillClrLst>
+    <dgm:linClrLst meth="repeat">
+      <a:schemeClr val="dk2"/>
+    </dgm:linClrLst>
+    <dgm:effectClrLst/>
+    <dgm:txLinClrLst/>
+    <dgm:txFillClrLst meth="repeat">
+      <a:schemeClr val="dk1"/>
+    </dgm:txFillClrLst>
+    <dgm:txEffectClrLst/>
+  </dgm:styleLbl>
+  <dgm:styleLbl name="alignAcc1">
+    <dgm:fillClrLst meth="repeat">
+      <a:schemeClr val="lt2">
+        <a:alpha val="90000"/>
+      </a:schemeClr>
+    </dgm:fillClrLst>
+    <dgm:linClrLst meth="repeat">
+      <a:schemeClr val="dk2"/>
+    </dgm:linClrLst>
+    <dgm:effectClrLst/>
+    <dgm:txLinClrLst/>
+    <dgm:txFillClrLst meth="repeat">
+      <a:schemeClr val="dk1"/>
+    </dgm:txFillClrLst>
+    <dgm:txEffectClrLst/>
+  </dgm:styleLbl>
+  <dgm:styleLbl name="trAlignAcc1">
+    <dgm:fillClrLst meth="repeat">
+      <a:schemeClr val="lt2">
+        <a:alpha val="40000"/>
+      </a:schemeClr>
+    </dgm:fillClrLst>
+    <dgm:linClrLst meth="repeat">
+      <a:schemeClr val="dk2"/>
+    </dgm:linClrLst>
+    <dgm:effectClrLst/>
+    <dgm:txLinClrLst/>
+    <dgm:txFillClrLst meth="repeat">
+      <a:schemeClr val="dk1"/>
+    </dgm:txFillClrLst>
+    <dgm:txEffectClrLst/>
+  </dgm:styleLbl>
+  <dgm:styleLbl name="bgAcc1">
+    <dgm:fillClrLst meth="repeat">
+      <a:schemeClr val="lt2">
+        <a:alpha val="90000"/>
+      </a:schemeClr>
+    </dgm:fillClrLst>
+    <dgm:linClrLst meth="repeat">
+      <a:schemeClr val="dk2"/>
+    </dgm:linClrLst>
+    <dgm:effectClrLst/>
+    <dgm:txLinClrLst/>
+    <dgm:txFillClrLst meth="repeat">
+      <a:schemeClr val="dk1"/>
+    </dgm:txFillClrLst>
+    <dgm:txEffectClrLst/>
+  </dgm:styleLbl>
+  <dgm:styleLbl name="solidFgAcc1">
+    <dgm:fillClrLst meth="repeat">
+      <a:schemeClr val="lt2"/>
+    </dgm:fillClrLst>
+    <dgm:linClrLst meth="repeat">
+      <a:schemeClr val="dk2"/>
+    </dgm:linClrLst>
+    <dgm:effectClrLst/>
+    <dgm:txLinClrLst/>
+    <dgm:txFillClrLst meth="repeat">
+      <a:schemeClr val="dk1"/>
+    </dgm:txFillClrLst>
+    <dgm:txEffectClrLst/>
+  </dgm:styleLbl>
+  <dgm:styleLbl name="solidAlignAcc1">
+    <dgm:fillClrLst meth="repeat">
+      <a:schemeClr val="lt2"/>
+    </dgm:fillClrLst>
+    <dgm:linClrLst meth="repeat">
+      <a:schemeClr val="dk2"/>
+    </dgm:linClrLst>
+    <dgm:effectClrLst/>
+    <dgm:txLinClrLst/>
+    <dgm:txFillClrLst meth="repeat">
+      <a:schemeClr val="dk1"/>
+    </dgm:txFillClrLst>
+    <dgm:txEffectClrLst/>
+  </dgm:styleLbl>
+  <dgm:styleLbl name="solidBgAcc1">
+    <dgm:fillClrLst meth="repeat">
+      <a:schemeClr val="lt2"/>
+    </dgm:fillClrLst>
+    <dgm:linClrLst meth="repeat">
+      <a:schemeClr val="dk2"/>
+    </dgm:linClrLst>
+    <dgm:effectClrLst/>
+    <dgm:txLinClrLst/>
+    <dgm:txFillClrLst meth="repeat">
+      <a:schemeClr val="dk1"/>
+    </dgm:txFillClrLst>
+    <dgm:txEffectClrLst/>
+  </dgm:styleLbl>
+  <dgm:styleLbl name="fgAccFollowNode1">
+    <dgm:fillClrLst meth="repeat">
+      <a:schemeClr val="dk2">
+        <a:alpha val="90000"/>
+        <a:tint val="40000"/>
+      </a:schemeClr>
+    </dgm:fillClrLst>
+    <dgm:linClrLst meth="repeat">
+      <a:schemeClr val="dk2">
+        <a:alpha val="90000"/>
+        <a:tint val="40000"/>
+      </a:schemeClr>
+    </dgm:linClrLst>
+    <dgm:effectClrLst/>
+    <dgm:txLinClrLst/>
+    <dgm:txFillClrLst meth="repeat">
+      <a:schemeClr val="dk1"/>
+    </dgm:txFillClrLst>
+    <dgm:txEffectClrLst/>
+  </dgm:styleLbl>
+  <dgm:styleLbl name="alignAccFollowNode1">
+    <dgm:fillClrLst meth="repeat">
+      <a:schemeClr val="dk2">
+        <a:alpha val="90000"/>
+        <a:tint val="40000"/>
+      </a:schemeClr>
+    </dgm:fillClrLst>
+    <dgm:linClrLst meth="repeat">
+      <a:schemeClr val="dk2">
+        <a:alpha val="90000"/>
+        <a:tint val="40000"/>
+      </a:schemeClr>
+    </dgm:linClrLst>
+    <dgm:effectClrLst/>
+    <dgm:txLinClrLst/>
+    <dgm:txFillClrLst meth="repeat">
+      <a:schemeClr val="dk1"/>
+    </dgm:txFillClrLst>
+    <dgm:txEffectClrLst/>
+  </dgm:styleLbl>
+  <dgm:styleLbl name="bgAccFollowNode1">
+    <dgm:fillClrLst meth="repeat">
+      <a:schemeClr val="dk2">
+        <a:alpha val="90000"/>
+        <a:tint val="40000"/>
+      </a:schemeClr>
+    </dgm:fillClrLst>
+    <dgm:linClrLst meth="repeat">
+      <a:schemeClr val="dk2">
+        <a:alpha val="90000"/>
+        <a:tint val="40000"/>
+      </a:schemeClr>
+    </dgm:linClrLst>
+    <dgm:effectClrLst/>
+    <dgm:txLinClrLst/>
+    <dgm:txFillClrLst meth="repeat">
+      <a:schemeClr val="dk1"/>
+    </dgm:txFillClrLst>
+    <dgm:txEffectClrLst/>
+  </dgm:styleLbl>
+  <dgm:styleLbl name="fgAcc0">
+    <dgm:fillClrLst meth="repeat">
+      <a:schemeClr val="lt2">
+        <a:alpha val="90000"/>
+      </a:schemeClr>
+    </dgm:fillClrLst>
+    <dgm:linClrLst meth="repeat">
+      <a:schemeClr val="dk2"/>
+    </dgm:linClrLst>
+    <dgm:effectClrLst/>
+    <dgm:txLinClrLst/>
+    <dgm:txFillClrLst meth="repeat">
+      <a:schemeClr val="dk1"/>
+    </dgm:txFillClrLst>
+    <dgm:txEffectClrLst/>
+  </dgm:styleLbl>
+  <dgm:styleLbl name="fgAcc2">
+    <dgm:fillClrLst meth="repeat">
+      <a:schemeClr val="lt2">
+        <a:alpha val="90000"/>
+      </a:schemeClr>
+    </dgm:fillClrLst>
+    <dgm:linClrLst meth="repeat">
+      <a:schemeClr val="dk2"/>
+    </dgm:linClrLst>
+    <dgm:effectClrLst/>
+    <dgm:txLinClrLst/>
+    <dgm:txFillClrLst meth="repeat">
+      <a:schemeClr val="dk1"/>
+    </dgm:txFillClrLst>
+    <dgm:txEffectClrLst/>
+  </dgm:styleLbl>
+  <dgm:styleLbl name="fgAcc3">
+    <dgm:fillClrLst meth="repeat">
+      <a:schemeClr val="lt2">
+        <a:alpha val="90000"/>
+      </a:schemeClr>
+    </dgm:fillClrLst>
+    <dgm:linClrLst meth="repeat">
+      <a:schemeClr val="dk2"/>
+    </dgm:linClrLst>
+    <dgm:effectClrLst/>
+    <dgm:txLinClrLst/>
+    <dgm:txFillClrLst meth="repeat">
+      <a:schemeClr val="dk1"/>
+    </dgm:txFillClrLst>
+    <dgm:txEffectClrLst/>
+  </dgm:styleLbl>
+  <dgm:styleLbl name="fgAcc4">
+    <dgm:fillClrLst meth="repeat">
+      <a:schemeClr val="lt2">
+        <a:alpha val="90000"/>
+      </a:schemeClr>
+    </dgm:fillClrLst>
+    <dgm:linClrLst meth="repeat">
+      <a:schemeClr val="dk2"/>
+    </dgm:linClrLst>
+    <dgm:effectClrLst/>
+    <dgm:txLinClrLst/>
+    <dgm:txFillClrLst meth="repeat">
+      <a:schemeClr val="dk1"/>
+    </dgm:txFillClrLst>
+    <dgm:txEffectClrLst/>
+  </dgm:styleLbl>
+  <dgm:styleLbl name="bgShp">
+    <dgm:fillClrLst meth="repeat">
+      <a:schemeClr val="dk2">
+        <a:tint val="40000"/>
+      </a:schemeClr>
+    </dgm:fillClrLst>
+    <dgm:linClrLst meth="repeat">
+      <a:schemeClr val="dk2"/>
+    </dgm:linClrLst>
+    <dgm:effectClrLst/>
+    <dgm:txLinClrLst/>
+    <dgm:txFillClrLst meth="repeat">
+      <a:schemeClr val="dk1"/>
+    </dgm:txFillClrLst>
+    <dgm:txEffectClrLst/>
+  </dgm:styleLbl>
+  <dgm:styleLbl name="dkBgShp">
+    <dgm:fillClrLst meth="repeat">
+      <a:schemeClr val="dk2">
+        <a:shade val="80000"/>
+      </a:schemeClr>
+    </dgm:fillClrLst>
+    <dgm:linClrLst meth="repeat">
+      <a:schemeClr val="dk2"/>
+    </dgm:linClrLst>
+    <dgm:effectClrLst/>
+    <dgm:txLinClrLst/>
+    <dgm:txFillClrLst meth="repeat">
+      <a:schemeClr val="lt1"/>
+    </dgm:txFillClrLst>
+    <dgm:txEffectClrLst/>
+  </dgm:styleLbl>
+  <dgm:styleLbl name="trBgShp">
+    <dgm:fillClrLst meth="repeat">
+      <a:schemeClr val="dk2">
+        <a:tint val="50000"/>
+        <a:alpha val="40000"/>
+      </a:schemeClr>
+    </dgm:fillClrLst>
+    <dgm:linClrLst meth="repeat">
+      <a:schemeClr val="dk2"/>
+    </dgm:linClrLst>
+    <dgm:effectClrLst/>
+    <dgm:txLinClrLst/>
+    <dgm:txFillClrLst meth="repeat">
+      <a:schemeClr val="lt1"/>
+    </dgm:txFillClrLst>
+    <dgm:txEffectClrLst/>
+  </dgm:styleLbl>
+  <dgm:styleLbl name="fgShp">
+    <dgm:fillClrLst meth="repeat">
+      <a:schemeClr val="dk2">
+        <a:tint val="60000"/>
+      </a:schemeClr>
+    </dgm:fillClrLst>
+    <dgm:linClrLst meth="repeat">
+      <a:schemeClr val="lt2"/>
+    </dgm:linClrLst>
+    <dgm:effectClrLst/>
+    <dgm:txLinClrLst/>
+    <dgm:txFillClrLst meth="repeat">
+      <a:schemeClr val="dk1"/>
+    </dgm:txFillClrLst>
+    <dgm:txEffectClrLst/>
+  </dgm:styleLbl>
+  <dgm:styleLbl name="revTx">
+    <dgm:fillClrLst meth="repeat">
+      <a:schemeClr val="lt2">
+        <a:alpha val="0"/>
+      </a:schemeClr>
+    </dgm:fillClrLst>
+    <dgm:linClrLst meth="repeat">
+      <a:schemeClr val="dk1">
+        <a:alpha val="0"/>
+      </a:schemeClr>
+    </dgm:linClrLst>
+    <dgm:effectClrLst/>
+    <dgm:txLinClrLst/>
+    <dgm:txFillClrLst meth="repeat">
+      <a:schemeClr val="tx1"/>
+    </dgm:txFillClrLst>
+    <dgm:txEffectClrLst/>
+  </dgm:styleLbl>
+</dgm:colorsDef>
+</file>
+
 <file path=ppt/diagrams/data1.xml><?xml version="1.0" encoding="utf-8"?>
 <dgm:dataModel xmlns:dgm="http://schemas.openxmlformats.org/drawingml/2006/diagram" xmlns:a="http://schemas.openxmlformats.org/drawingml/2006/main">
   <dgm:ptLst>
@@ -4637,6 +5389,582 @@
     <dgm:cxn modelId="{A1DC73D2-C866-4AF8-8F66-31BBE9AE94F7}" type="presOf" srcId="{732042B1-94D3-42FA-A258-6BB06EBE3E3B}" destId="{8FBC2C5D-9E47-4B2D-8CC0-0827ADC6EE57}" srcOrd="0" destOrd="4" presId="urn:microsoft.com/office/officeart/2005/8/layout/chevron2"/>
     <dgm:cxn modelId="{6A1FF4D6-2CF6-4582-BEEF-FA9D275C9BB3}" type="presOf" srcId="{45C4846E-AAF6-4414-A05E-6E85D7726DF6}" destId="{8FBC2C5D-9E47-4B2D-8CC0-0827ADC6EE57}" srcOrd="0" destOrd="2" presId="urn:microsoft.com/office/officeart/2005/8/layout/chevron2"/>
     <dgm:cxn modelId="{7F4D6DDB-3D42-4FF2-B68F-28BE1A3A21C0}" type="presOf" srcId="{08DDB7E5-F95F-4C23-8B95-48DA1C9E93D2}" destId="{8FBC2C5D-9E47-4B2D-8CC0-0827ADC6EE57}" srcOrd="0" destOrd="6" presId="urn:microsoft.com/office/officeart/2005/8/layout/chevron2"/>
+    <dgm:cxn modelId="{B9F397F0-7A59-4437-81F7-0BEB182623E3}" srcId="{FDFD6E2B-DBAB-4056-BC28-C138724F0441}" destId="{1693A56B-51EB-4EEE-B5A0-2587A76BB504}" srcOrd="0" destOrd="0" parTransId="{71605052-445C-4B49-9A4B-2DCF504AD115}" sibTransId="{84E281FA-B092-4FA8-A2AE-CFCEA05B4214}"/>
+    <dgm:cxn modelId="{82F94CF7-E0DE-440A-B1D1-883572629C8B}" type="presOf" srcId="{A21E80E9-3E30-4727-979B-CC3F1A7A22C5}" destId="{8EB604FD-2448-4F33-9F96-EAFE912047E9}" srcOrd="0" destOrd="0" presId="urn:microsoft.com/office/officeart/2005/8/layout/chevron2"/>
+    <dgm:cxn modelId="{13250355-16DD-4CD2-9C12-90DB9DA37F12}" type="presParOf" srcId="{142F673A-C255-456D-9E41-60A8F8DECB23}" destId="{4D46CCB9-E0D7-49E4-8700-7CE19FB27C88}" srcOrd="0" destOrd="0" presId="urn:microsoft.com/office/officeart/2005/8/layout/chevron2"/>
+    <dgm:cxn modelId="{817BC056-467A-4A41-A953-E66324C2905D}" type="presParOf" srcId="{4D46CCB9-E0D7-49E4-8700-7CE19FB27C88}" destId="{049C38D1-B597-49E9-8B00-78FB12FB25CF}" srcOrd="0" destOrd="0" presId="urn:microsoft.com/office/officeart/2005/8/layout/chevron2"/>
+    <dgm:cxn modelId="{9630092D-D071-4A9D-86C1-D2F2FD525441}" type="presParOf" srcId="{4D46CCB9-E0D7-49E4-8700-7CE19FB27C88}" destId="{5FDFAD45-BE3A-42C7-96F9-147D175477B9}" srcOrd="1" destOrd="0" presId="urn:microsoft.com/office/officeart/2005/8/layout/chevron2"/>
+    <dgm:cxn modelId="{637CA1E5-C0B6-45EA-8BF0-D18596DD9AFF}" type="presParOf" srcId="{142F673A-C255-456D-9E41-60A8F8DECB23}" destId="{0B93D529-6A78-4555-B1DB-9F922703E6C7}" srcOrd="1" destOrd="0" presId="urn:microsoft.com/office/officeart/2005/8/layout/chevron2"/>
+    <dgm:cxn modelId="{825DE280-A7D6-4690-B13F-FBBEAFF73CB3}" type="presParOf" srcId="{142F673A-C255-456D-9E41-60A8F8DECB23}" destId="{7710AE59-8CCB-4CCF-83F2-9DC5C53C37F8}" srcOrd="2" destOrd="0" presId="urn:microsoft.com/office/officeart/2005/8/layout/chevron2"/>
+    <dgm:cxn modelId="{949BE6D1-3167-4C62-8960-95741648E8D6}" type="presParOf" srcId="{7710AE59-8CCB-4CCF-83F2-9DC5C53C37F8}" destId="{8EB604FD-2448-4F33-9F96-EAFE912047E9}" srcOrd="0" destOrd="0" presId="urn:microsoft.com/office/officeart/2005/8/layout/chevron2"/>
+    <dgm:cxn modelId="{FE2026D6-2D93-461C-A890-E382552DCD24}" type="presParOf" srcId="{7710AE59-8CCB-4CCF-83F2-9DC5C53C37F8}" destId="{3EE3D444-F1E2-4D81-B343-EEB78C9B7BC2}" srcOrd="1" destOrd="0" presId="urn:microsoft.com/office/officeart/2005/8/layout/chevron2"/>
+    <dgm:cxn modelId="{839BF989-99B7-4E14-BAD5-AE9BF6A19560}" type="presParOf" srcId="{142F673A-C255-456D-9E41-60A8F8DECB23}" destId="{56499CC1-1A65-4B3A-8A68-E81F41293563}" srcOrd="3" destOrd="0" presId="urn:microsoft.com/office/officeart/2005/8/layout/chevron2"/>
+    <dgm:cxn modelId="{2316A509-C18C-408D-B9B3-0180B32F33D5}" type="presParOf" srcId="{142F673A-C255-456D-9E41-60A8F8DECB23}" destId="{B37639CF-79EA-491C-B78A-6458934E0CA5}" srcOrd="4" destOrd="0" presId="urn:microsoft.com/office/officeart/2005/8/layout/chevron2"/>
+    <dgm:cxn modelId="{F09D8116-ED91-41CF-AAFD-A86085A377AB}" type="presParOf" srcId="{B37639CF-79EA-491C-B78A-6458934E0CA5}" destId="{0837024A-932D-4B89-A5B5-1646702B04D6}" srcOrd="0" destOrd="0" presId="urn:microsoft.com/office/officeart/2005/8/layout/chevron2"/>
+    <dgm:cxn modelId="{4B73A4CA-E5C6-43EE-AD6F-B7198AE5A01E}" type="presParOf" srcId="{B37639CF-79EA-491C-B78A-6458934E0CA5}" destId="{8FBC2C5D-9E47-4B2D-8CC0-0827ADC6EE57}" srcOrd="1" destOrd="0" presId="urn:microsoft.com/office/officeart/2005/8/layout/chevron2"/>
+  </dgm:cxnLst>
+  <dgm:bg/>
+  <dgm:whole/>
+  <dgm:extLst>
+    <a:ext uri="http://schemas.microsoft.com/office/drawing/2008/diagram">
+      <dsp:dataModelExt xmlns:dsp="http://schemas.microsoft.com/office/drawing/2008/diagram" relId="rId6" minVer="http://schemas.openxmlformats.org/drawingml/2006/diagram"/>
+    </a:ext>
+  </dgm:extLst>
+</dgm:dataModel>
+</file>
+
+<file path=ppt/diagrams/data4.xml><?xml version="1.0" encoding="utf-8"?>
+<dgm:dataModel xmlns:dgm="http://schemas.openxmlformats.org/drawingml/2006/diagram" xmlns:a="http://schemas.openxmlformats.org/drawingml/2006/main">
+  <dgm:ptLst>
+    <dgm:pt modelId="{B56C8652-49D2-40A6-9CA3-CE8DCF0946F5}" type="doc">
+      <dgm:prSet loTypeId="urn:microsoft.com/office/officeart/2005/8/layout/chevron2" loCatId="process" qsTypeId="urn:microsoft.com/office/officeart/2005/8/quickstyle/simple1" qsCatId="simple" csTypeId="urn:microsoft.com/office/officeart/2005/8/colors/accent0_3" csCatId="mainScheme" phldr="1"/>
+      <dgm:spPr/>
+      <dgm:t>
+        <a:bodyPr/>
+        <a:lstStyle/>
+        <a:p>
+          <a:endParaRPr lang="en-US"/>
+        </a:p>
+      </dgm:t>
+    </dgm:pt>
+    <dgm:pt modelId="{15A2342C-342E-4AF1-ABFE-6D641BAF41A1}">
+      <dgm:prSet phldrT="[Text]"/>
+      <dgm:spPr/>
+      <dgm:t>
+        <a:bodyPr/>
+        <a:lstStyle/>
+        <a:p>
+          <a:r>
+            <a:rPr lang="en-US" dirty="0"/>
+            <a:t>Input data</a:t>
+          </a:r>
+        </a:p>
+      </dgm:t>
+    </dgm:pt>
+    <dgm:pt modelId="{3113E09E-2B5D-47FE-89F9-BC4D9A8CB38B}" type="parTrans" cxnId="{2A878A9C-A599-4E25-8F35-179342BC54EF}">
+      <dgm:prSet/>
+      <dgm:spPr/>
+      <dgm:t>
+        <a:bodyPr/>
+        <a:lstStyle/>
+        <a:p>
+          <a:endParaRPr lang="en-US"/>
+        </a:p>
+      </dgm:t>
+    </dgm:pt>
+    <dgm:pt modelId="{3091C5B6-412E-4FA9-921C-1CCBB20FB078}" type="sibTrans" cxnId="{2A878A9C-A599-4E25-8F35-179342BC54EF}">
+      <dgm:prSet/>
+      <dgm:spPr/>
+      <dgm:t>
+        <a:bodyPr/>
+        <a:lstStyle/>
+        <a:p>
+          <a:endParaRPr lang="en-US"/>
+        </a:p>
+      </dgm:t>
+    </dgm:pt>
+    <dgm:pt modelId="{CBA4680F-B921-4539-96E8-73E248B26438}">
+      <dgm:prSet phldrT="[Text]" custT="1"/>
+      <dgm:spPr/>
+      <dgm:t>
+        <a:bodyPr/>
+        <a:lstStyle/>
+        <a:p>
+          <a:pPr>
+            <a:buNone/>
+          </a:pPr>
+          <a:r>
+            <a:rPr lang="en-US" sz="1400" u="sng" dirty="0"/>
+            <a:t>~/data/processed/</a:t>
+          </a:r>
+        </a:p>
+      </dgm:t>
+    </dgm:pt>
+    <dgm:pt modelId="{CFA20A3C-0F95-4996-A60F-CD8C5D7EA0C8}" type="parTrans" cxnId="{26A054A0-1AB4-43B6-8F58-0FC6C712A2A4}">
+      <dgm:prSet/>
+      <dgm:spPr/>
+      <dgm:t>
+        <a:bodyPr/>
+        <a:lstStyle/>
+        <a:p>
+          <a:endParaRPr lang="en-US"/>
+        </a:p>
+      </dgm:t>
+    </dgm:pt>
+    <dgm:pt modelId="{66C95EC4-2BD0-44E1-98AF-5AEB75A287A4}" type="sibTrans" cxnId="{26A054A0-1AB4-43B6-8F58-0FC6C712A2A4}">
+      <dgm:prSet/>
+      <dgm:spPr/>
+      <dgm:t>
+        <a:bodyPr/>
+        <a:lstStyle/>
+        <a:p>
+          <a:endParaRPr lang="en-US"/>
+        </a:p>
+      </dgm:t>
+    </dgm:pt>
+    <dgm:pt modelId="{A21E80E9-3E30-4727-979B-CC3F1A7A22C5}">
+      <dgm:prSet phldrT="[Text]"/>
+      <dgm:spPr/>
+      <dgm:t>
+        <a:bodyPr/>
+        <a:lstStyle/>
+        <a:p>
+          <a:r>
+            <a:rPr lang="en-US" dirty="0"/>
+            <a:t>Script Program</a:t>
+          </a:r>
+        </a:p>
+      </dgm:t>
+    </dgm:pt>
+    <dgm:pt modelId="{5C40DCA5-A5ED-48F4-971B-7B525589E1B6}" type="parTrans" cxnId="{890C6129-FED3-4F32-A1CE-803923CC13FB}">
+      <dgm:prSet/>
+      <dgm:spPr/>
+      <dgm:t>
+        <a:bodyPr/>
+        <a:lstStyle/>
+        <a:p>
+          <a:endParaRPr lang="en-US"/>
+        </a:p>
+      </dgm:t>
+    </dgm:pt>
+    <dgm:pt modelId="{2E128CC8-58D8-49C7-B524-7F998825E08C}" type="sibTrans" cxnId="{890C6129-FED3-4F32-A1CE-803923CC13FB}">
+      <dgm:prSet/>
+      <dgm:spPr/>
+      <dgm:t>
+        <a:bodyPr/>
+        <a:lstStyle/>
+        <a:p>
+          <a:endParaRPr lang="en-US"/>
+        </a:p>
+      </dgm:t>
+    </dgm:pt>
+    <dgm:pt modelId="{7251001A-0584-4766-A6D7-0E44BBBBDC12}">
+      <dgm:prSet phldrT="[Text]" custT="1"/>
+      <dgm:spPr/>
+      <dgm:t>
+        <a:bodyPr/>
+        <a:lstStyle/>
+        <a:p>
+          <a:pPr>
+            <a:buNone/>
+          </a:pPr>
+          <a:r>
+            <a:rPr lang="en-US" sz="2000" u="none" dirty="0"/>
+            <a:t>~/</a:t>
+          </a:r>
+          <a:r>
+            <a:rPr lang="en-US" sz="2000" dirty="0" err="1"/>
+            <a:t>analysis_scripts</a:t>
+          </a:r>
+          <a:r>
+            <a:rPr lang="en-US" sz="2000" dirty="0"/>
+            <a:t>/2A_optimization_data.R</a:t>
+          </a:r>
+        </a:p>
+      </dgm:t>
+    </dgm:pt>
+    <dgm:pt modelId="{FE219C25-7519-49A1-80FC-88DBD277BE7B}" type="parTrans" cxnId="{98E93161-C30E-43AA-AF6B-299C6C6168AE}">
+      <dgm:prSet/>
+      <dgm:spPr/>
+      <dgm:t>
+        <a:bodyPr/>
+        <a:lstStyle/>
+        <a:p>
+          <a:endParaRPr lang="en-US"/>
+        </a:p>
+      </dgm:t>
+    </dgm:pt>
+    <dgm:pt modelId="{3A3E3377-B627-44C2-A026-04B55D885A13}" type="sibTrans" cxnId="{98E93161-C30E-43AA-AF6B-299C6C6168AE}">
+      <dgm:prSet/>
+      <dgm:spPr/>
+      <dgm:t>
+        <a:bodyPr/>
+        <a:lstStyle/>
+        <a:p>
+          <a:endParaRPr lang="en-US"/>
+        </a:p>
+      </dgm:t>
+    </dgm:pt>
+    <dgm:pt modelId="{FDFD6E2B-DBAB-4056-BC28-C138724F0441}">
+      <dgm:prSet phldrT="[Text]"/>
+      <dgm:spPr/>
+      <dgm:t>
+        <a:bodyPr/>
+        <a:lstStyle/>
+        <a:p>
+          <a:r>
+            <a:rPr lang="en-US" dirty="0"/>
+            <a:t>Output</a:t>
+          </a:r>
+        </a:p>
+      </dgm:t>
+    </dgm:pt>
+    <dgm:pt modelId="{A185C7BD-8F3D-48FC-AACD-370FC7051347}" type="parTrans" cxnId="{331E5267-3B46-40FC-807B-5869C9435943}">
+      <dgm:prSet/>
+      <dgm:spPr/>
+      <dgm:t>
+        <a:bodyPr/>
+        <a:lstStyle/>
+        <a:p>
+          <a:endParaRPr lang="en-US"/>
+        </a:p>
+      </dgm:t>
+    </dgm:pt>
+    <dgm:pt modelId="{2EAE1DED-33EB-4BB9-B279-4AEA7E7C396D}" type="sibTrans" cxnId="{331E5267-3B46-40FC-807B-5869C9435943}">
+      <dgm:prSet/>
+      <dgm:spPr/>
+      <dgm:t>
+        <a:bodyPr/>
+        <a:lstStyle/>
+        <a:p>
+          <a:endParaRPr lang="en-US"/>
+        </a:p>
+      </dgm:t>
+    </dgm:pt>
+    <dgm:pt modelId="{1693A56B-51EB-4EEE-B5A0-2587A76BB504}">
+      <dgm:prSet phldrT="[Text]" custT="1"/>
+      <dgm:spPr/>
+      <dgm:t>
+        <a:bodyPr/>
+        <a:lstStyle/>
+        <a:p>
+          <a:pPr>
+            <a:buNone/>
+          </a:pPr>
+          <a:r>
+            <a:rPr lang="en-US" sz="1800" u="none" dirty="0"/>
+            <a:t>~/</a:t>
+          </a:r>
+          <a:r>
+            <a:rPr lang="en-US" sz="1800" dirty="0"/>
+            <a:t>data/processed/</a:t>
+          </a:r>
+          <a:r>
+            <a:rPr lang="en-US" sz="1800" dirty="0" err="1"/>
+            <a:t>optimization_data.RData</a:t>
+          </a:r>
+          <a:r>
+            <a:rPr lang="en-US" sz="1800" dirty="0"/>
+            <a:t>: </a:t>
+          </a:r>
+          <a:r>
+            <a:rPr lang="en-US" sz="1800" dirty="0">
+              <a:solidFill>
+                <a:schemeClr val="bg1">
+                  <a:lumMod val="50000"/>
+                </a:schemeClr>
+              </a:solidFill>
+            </a:rPr>
+            <a:t>main survey optimization data input, constants used throughout the rest of the analysis and in figures</a:t>
+          </a:r>
+        </a:p>
+      </dgm:t>
+    </dgm:pt>
+    <dgm:pt modelId="{71605052-445C-4B49-9A4B-2DCF504AD115}" type="parTrans" cxnId="{B9F397F0-7A59-4437-81F7-0BEB182623E3}">
+      <dgm:prSet/>
+      <dgm:spPr/>
+      <dgm:t>
+        <a:bodyPr/>
+        <a:lstStyle/>
+        <a:p>
+          <a:endParaRPr lang="en-US"/>
+        </a:p>
+      </dgm:t>
+    </dgm:pt>
+    <dgm:pt modelId="{84E281FA-B092-4FA8-A2AE-CFCEA05B4214}" type="sibTrans" cxnId="{B9F397F0-7A59-4437-81F7-0BEB182623E3}">
+      <dgm:prSet/>
+      <dgm:spPr/>
+      <dgm:t>
+        <a:bodyPr/>
+        <a:lstStyle/>
+        <a:p>
+          <a:endParaRPr lang="en-US"/>
+        </a:p>
+      </dgm:t>
+    </dgm:pt>
+    <dgm:pt modelId="{958DC5F8-13C6-4060-9DA7-572015EE948E}">
+      <dgm:prSet phldrT="[Text]" custT="1"/>
+      <dgm:spPr/>
+      <dgm:t>
+        <a:bodyPr/>
+        <a:lstStyle/>
+        <a:p>
+          <a:pPr>
+            <a:buNone/>
+          </a:pPr>
+          <a:r>
+            <a:rPr lang="en-US" sz="1400" u="none" dirty="0"/>
+            <a:t>- </a:t>
+          </a:r>
+          <a:r>
+            <a:rPr lang="en-US" sz="1400" u="none" dirty="0" err="1"/>
+            <a:t>grid_goa.RData</a:t>
+          </a:r>
+          <a:r>
+            <a:rPr lang="en-US" sz="1400" u="none" dirty="0"/>
+            <a:t>: </a:t>
+          </a:r>
+          <a:r>
+            <a:rPr lang="en-US" sz="1400" i="0" u="none" dirty="0">
+              <a:solidFill>
+                <a:schemeClr val="bg1">
+                  <a:lumMod val="50000"/>
+                </a:schemeClr>
+              </a:solidFill>
+            </a:rPr>
+            <a:t>goa grid with bathymetry</a:t>
+          </a:r>
+        </a:p>
+      </dgm:t>
+    </dgm:pt>
+    <dgm:pt modelId="{92C2B2B2-DF39-4F92-9E36-6142C56C5522}" type="parTrans" cxnId="{0326A130-63ED-4980-A431-4DB3F63EF895}">
+      <dgm:prSet/>
+      <dgm:spPr/>
+      <dgm:t>
+        <a:bodyPr/>
+        <a:lstStyle/>
+        <a:p>
+          <a:endParaRPr lang="en-US"/>
+        </a:p>
+      </dgm:t>
+    </dgm:pt>
+    <dgm:pt modelId="{BDE7F979-986D-43E2-824A-8A00B1EF1534}" type="sibTrans" cxnId="{0326A130-63ED-4980-A431-4DB3F63EF895}">
+      <dgm:prSet/>
+      <dgm:spPr/>
+      <dgm:t>
+        <a:bodyPr/>
+        <a:lstStyle/>
+        <a:p>
+          <a:endParaRPr lang="en-US"/>
+        </a:p>
+      </dgm:t>
+    </dgm:pt>
+    <dgm:pt modelId="{F13B17A0-86C6-45C8-A1A1-58051CE11C6F}">
+      <dgm:prSet phldrT="[Text]" custT="1"/>
+      <dgm:spPr/>
+      <dgm:t>
+        <a:bodyPr/>
+        <a:lstStyle/>
+        <a:p>
+          <a:pPr>
+            <a:buNone/>
+          </a:pPr>
+          <a:r>
+            <a:rPr lang="en-US" sz="1400" u="none" dirty="0"/>
+            <a:t>- </a:t>
+          </a:r>
+          <a:r>
+            <a:rPr lang="en-US" sz="1400" u="none" dirty="0" err="1"/>
+            <a:t>VAST_fit_D_gct.Rdata</a:t>
+          </a:r>
+          <a:r>
+            <a:rPr lang="en-US" sz="1400" u="none" dirty="0"/>
+            <a:t>: </a:t>
+          </a:r>
+          <a:r>
+            <a:rPr lang="en-US" sz="1400" u="none" dirty="0">
+              <a:solidFill>
+                <a:schemeClr val="bg1">
+                  <a:lumMod val="50000"/>
+                </a:schemeClr>
+              </a:solidFill>
+            </a:rPr>
+            <a:t>“best” single-species predicted density for each cell (g), species (c) and year (t) in one 3-D array</a:t>
+          </a:r>
+        </a:p>
+      </dgm:t>
+    </dgm:pt>
+    <dgm:pt modelId="{B2B47FC7-5958-4A44-A4CE-453C0A0BC836}" type="parTrans" cxnId="{473431EE-F39C-48EA-A045-B86C38621641}">
+      <dgm:prSet/>
+      <dgm:spPr/>
+      <dgm:t>
+        <a:bodyPr/>
+        <a:lstStyle/>
+        <a:p>
+          <a:endParaRPr lang="en-US"/>
+        </a:p>
+      </dgm:t>
+    </dgm:pt>
+    <dgm:pt modelId="{82F0F7A3-3707-4B24-8D7E-99D069D182AB}" type="sibTrans" cxnId="{473431EE-F39C-48EA-A045-B86C38621641}">
+      <dgm:prSet/>
+      <dgm:spPr/>
+      <dgm:t>
+        <a:bodyPr/>
+        <a:lstStyle/>
+        <a:p>
+          <a:endParaRPr lang="en-US"/>
+        </a:p>
+      </dgm:t>
+    </dgm:pt>
+    <dgm:pt modelId="{AAB741E9-0A62-4A1A-88D2-E166C54108A7}">
+      <dgm:prSet phldrT="[Text]" custT="1"/>
+      <dgm:spPr/>
+      <dgm:t>
+        <a:bodyPr/>
+        <a:lstStyle/>
+        <a:p>
+          <a:pPr>
+            <a:buNone/>
+          </a:pPr>
+          <a:r>
+            <a:rPr lang="en-US" sz="1400" u="none" dirty="0">
+              <a:solidFill>
+                <a:schemeClr val="tx1"/>
+              </a:solidFill>
+            </a:rPr>
+            <a:t>-</a:t>
+          </a:r>
+          <a:r>
+            <a:rPr lang="en-US" sz="1400" u="none" dirty="0" err="1">
+              <a:solidFill>
+                <a:schemeClr val="tx1"/>
+              </a:solidFill>
+            </a:rPr>
+            <a:t>VAST_fit_I_gct.Rdata</a:t>
+          </a:r>
+          <a:r>
+            <a:rPr lang="en-US" sz="1400" u="none" dirty="0">
+              <a:solidFill>
+                <a:schemeClr val="tx1"/>
+              </a:solidFill>
+            </a:rPr>
+            <a:t>: </a:t>
+          </a:r>
+          <a:r>
+            <a:rPr lang="en-US" sz="1400" u="none" dirty="0">
+              <a:solidFill>
+                <a:schemeClr val="bg1">
+                  <a:lumMod val="50000"/>
+                </a:schemeClr>
+              </a:solidFill>
+            </a:rPr>
+            <a:t>“best” single-species predicted abundance for each cell (g), species (c) and year (t) in one 3-D array</a:t>
+          </a:r>
+        </a:p>
+      </dgm:t>
+    </dgm:pt>
+    <dgm:pt modelId="{F302E746-C63C-4CF2-BB91-51B229830F31}" type="parTrans" cxnId="{21BAFE6C-EC35-448A-B410-9FE4C9A64DC0}">
+      <dgm:prSet/>
+      <dgm:spPr/>
+      <dgm:t>
+        <a:bodyPr/>
+        <a:lstStyle/>
+        <a:p>
+          <a:endParaRPr lang="en-US"/>
+        </a:p>
+      </dgm:t>
+    </dgm:pt>
+    <dgm:pt modelId="{1B53089C-3F7E-4E98-ADDE-EEC2D993585E}" type="sibTrans" cxnId="{21BAFE6C-EC35-448A-B410-9FE4C9A64DC0}">
+      <dgm:prSet/>
+      <dgm:spPr/>
+      <dgm:t>
+        <a:bodyPr/>
+        <a:lstStyle/>
+        <a:p>
+          <a:endParaRPr lang="en-US"/>
+        </a:p>
+      </dgm:t>
+    </dgm:pt>
+    <dgm:pt modelId="{142F673A-C255-456D-9E41-60A8F8DECB23}" type="pres">
+      <dgm:prSet presAssocID="{B56C8652-49D2-40A6-9CA3-CE8DCF0946F5}" presName="linearFlow" presStyleCnt="0">
+        <dgm:presLayoutVars>
+          <dgm:dir/>
+          <dgm:animLvl val="lvl"/>
+          <dgm:resizeHandles val="exact"/>
+        </dgm:presLayoutVars>
+      </dgm:prSet>
+      <dgm:spPr/>
+    </dgm:pt>
+    <dgm:pt modelId="{4D46CCB9-E0D7-49E4-8700-7CE19FB27C88}" type="pres">
+      <dgm:prSet presAssocID="{15A2342C-342E-4AF1-ABFE-6D641BAF41A1}" presName="composite" presStyleCnt="0"/>
+      <dgm:spPr/>
+    </dgm:pt>
+    <dgm:pt modelId="{049C38D1-B597-49E9-8B00-78FB12FB25CF}" type="pres">
+      <dgm:prSet presAssocID="{15A2342C-342E-4AF1-ABFE-6D641BAF41A1}" presName="parentText" presStyleLbl="alignNode1" presStyleIdx="0" presStyleCnt="3">
+        <dgm:presLayoutVars>
+          <dgm:chMax val="1"/>
+          <dgm:bulletEnabled val="1"/>
+        </dgm:presLayoutVars>
+      </dgm:prSet>
+      <dgm:spPr/>
+    </dgm:pt>
+    <dgm:pt modelId="{5FDFAD45-BE3A-42C7-96F9-147D175477B9}" type="pres">
+      <dgm:prSet presAssocID="{15A2342C-342E-4AF1-ABFE-6D641BAF41A1}" presName="descendantText" presStyleLbl="alignAcc1" presStyleIdx="0" presStyleCnt="3" custScaleY="144459">
+        <dgm:presLayoutVars>
+          <dgm:bulletEnabled val="1"/>
+        </dgm:presLayoutVars>
+      </dgm:prSet>
+      <dgm:spPr/>
+    </dgm:pt>
+    <dgm:pt modelId="{0B93D529-6A78-4555-B1DB-9F922703E6C7}" type="pres">
+      <dgm:prSet presAssocID="{3091C5B6-412E-4FA9-921C-1CCBB20FB078}" presName="sp" presStyleCnt="0"/>
+      <dgm:spPr/>
+    </dgm:pt>
+    <dgm:pt modelId="{7710AE59-8CCB-4CCF-83F2-9DC5C53C37F8}" type="pres">
+      <dgm:prSet presAssocID="{A21E80E9-3E30-4727-979B-CC3F1A7A22C5}" presName="composite" presStyleCnt="0"/>
+      <dgm:spPr/>
+    </dgm:pt>
+    <dgm:pt modelId="{8EB604FD-2448-4F33-9F96-EAFE912047E9}" type="pres">
+      <dgm:prSet presAssocID="{A21E80E9-3E30-4727-979B-CC3F1A7A22C5}" presName="parentText" presStyleLbl="alignNode1" presStyleIdx="1" presStyleCnt="3">
+        <dgm:presLayoutVars>
+          <dgm:chMax val="1"/>
+          <dgm:bulletEnabled val="1"/>
+        </dgm:presLayoutVars>
+      </dgm:prSet>
+      <dgm:spPr/>
+    </dgm:pt>
+    <dgm:pt modelId="{3EE3D444-F1E2-4D81-B343-EEB78C9B7BC2}" type="pres">
+      <dgm:prSet presAssocID="{A21E80E9-3E30-4727-979B-CC3F1A7A22C5}" presName="descendantText" presStyleLbl="alignAcc1" presStyleIdx="1" presStyleCnt="3" custScaleY="35851">
+        <dgm:presLayoutVars>
+          <dgm:bulletEnabled val="1"/>
+        </dgm:presLayoutVars>
+      </dgm:prSet>
+      <dgm:spPr/>
+    </dgm:pt>
+    <dgm:pt modelId="{56499CC1-1A65-4B3A-8A68-E81F41293563}" type="pres">
+      <dgm:prSet presAssocID="{2E128CC8-58D8-49C7-B524-7F998825E08C}" presName="sp" presStyleCnt="0"/>
+      <dgm:spPr/>
+    </dgm:pt>
+    <dgm:pt modelId="{B37639CF-79EA-491C-B78A-6458934E0CA5}" type="pres">
+      <dgm:prSet presAssocID="{FDFD6E2B-DBAB-4056-BC28-C138724F0441}" presName="composite" presStyleCnt="0"/>
+      <dgm:spPr/>
+    </dgm:pt>
+    <dgm:pt modelId="{0837024A-932D-4B89-A5B5-1646702B04D6}" type="pres">
+      <dgm:prSet presAssocID="{FDFD6E2B-DBAB-4056-BC28-C138724F0441}" presName="parentText" presStyleLbl="alignNode1" presStyleIdx="2" presStyleCnt="3">
+        <dgm:presLayoutVars>
+          <dgm:chMax val="1"/>
+          <dgm:bulletEnabled val="1"/>
+        </dgm:presLayoutVars>
+      </dgm:prSet>
+      <dgm:spPr/>
+    </dgm:pt>
+    <dgm:pt modelId="{8FBC2C5D-9E47-4B2D-8CC0-0827ADC6EE57}" type="pres">
+      <dgm:prSet presAssocID="{FDFD6E2B-DBAB-4056-BC28-C138724F0441}" presName="descendantText" presStyleLbl="alignAcc1" presStyleIdx="2" presStyleCnt="3">
+        <dgm:presLayoutVars>
+          <dgm:bulletEnabled val="1"/>
+        </dgm:presLayoutVars>
+      </dgm:prSet>
+      <dgm:spPr/>
+    </dgm:pt>
+  </dgm:ptLst>
+  <dgm:cxnLst>
+    <dgm:cxn modelId="{58890E05-AD91-4C6E-AFAF-1570690574EA}" type="presOf" srcId="{B56C8652-49D2-40A6-9CA3-CE8DCF0946F5}" destId="{142F673A-C255-456D-9E41-60A8F8DECB23}" srcOrd="0" destOrd="0" presId="urn:microsoft.com/office/officeart/2005/8/layout/chevron2"/>
+    <dgm:cxn modelId="{385FB91F-288F-4FC3-A6FF-5DDEB4CCCBFE}" type="presOf" srcId="{AAB741E9-0A62-4A1A-88D2-E166C54108A7}" destId="{5FDFAD45-BE3A-42C7-96F9-147D175477B9}" srcOrd="0" destOrd="3" presId="urn:microsoft.com/office/officeart/2005/8/layout/chevron2"/>
+    <dgm:cxn modelId="{890C6129-FED3-4F32-A1CE-803923CC13FB}" srcId="{B56C8652-49D2-40A6-9CA3-CE8DCF0946F5}" destId="{A21E80E9-3E30-4727-979B-CC3F1A7A22C5}" srcOrd="1" destOrd="0" parTransId="{5C40DCA5-A5ED-48F4-971B-7B525589E1B6}" sibTransId="{2E128CC8-58D8-49C7-B524-7F998825E08C}"/>
+    <dgm:cxn modelId="{0326A130-63ED-4980-A431-4DB3F63EF895}" srcId="{15A2342C-342E-4AF1-ABFE-6D641BAF41A1}" destId="{958DC5F8-13C6-4060-9DA7-572015EE948E}" srcOrd="1" destOrd="0" parTransId="{92C2B2B2-DF39-4F92-9E36-6142C56C5522}" sibTransId="{BDE7F979-986D-43E2-824A-8A00B1EF1534}"/>
+    <dgm:cxn modelId="{E914BB3B-B500-4A5E-9DB8-004BB6465C45}" type="presOf" srcId="{F13B17A0-86C6-45C8-A1A1-58051CE11C6F}" destId="{5FDFAD45-BE3A-42C7-96F9-147D175477B9}" srcOrd="0" destOrd="2" presId="urn:microsoft.com/office/officeart/2005/8/layout/chevron2"/>
+    <dgm:cxn modelId="{28F4B55F-1626-4A11-B2A3-6C5FBCF466EE}" type="presOf" srcId="{CBA4680F-B921-4539-96E8-73E248B26438}" destId="{5FDFAD45-BE3A-42C7-96F9-147D175477B9}" srcOrd="0" destOrd="0" presId="urn:microsoft.com/office/officeart/2005/8/layout/chevron2"/>
+    <dgm:cxn modelId="{CBE38C60-2AAF-4767-AECB-3298EFA7C80C}" type="presOf" srcId="{15A2342C-342E-4AF1-ABFE-6D641BAF41A1}" destId="{049C38D1-B597-49E9-8B00-78FB12FB25CF}" srcOrd="0" destOrd="0" presId="urn:microsoft.com/office/officeart/2005/8/layout/chevron2"/>
+    <dgm:cxn modelId="{98E93161-C30E-43AA-AF6B-299C6C6168AE}" srcId="{A21E80E9-3E30-4727-979B-CC3F1A7A22C5}" destId="{7251001A-0584-4766-A6D7-0E44BBBBDC12}" srcOrd="0" destOrd="0" parTransId="{FE219C25-7519-49A1-80FC-88DBD277BE7B}" sibTransId="{3A3E3377-B627-44C2-A026-04B55D885A13}"/>
+    <dgm:cxn modelId="{0AA7C964-F08A-434D-849D-CB60E50F510C}" type="presOf" srcId="{FDFD6E2B-DBAB-4056-BC28-C138724F0441}" destId="{0837024A-932D-4B89-A5B5-1646702B04D6}" srcOrd="0" destOrd="0" presId="urn:microsoft.com/office/officeart/2005/8/layout/chevron2"/>
+    <dgm:cxn modelId="{331E5267-3B46-40FC-807B-5869C9435943}" srcId="{B56C8652-49D2-40A6-9CA3-CE8DCF0946F5}" destId="{FDFD6E2B-DBAB-4056-BC28-C138724F0441}" srcOrd="2" destOrd="0" parTransId="{A185C7BD-8F3D-48FC-AACD-370FC7051347}" sibTransId="{2EAE1DED-33EB-4BB9-B279-4AEA7E7C396D}"/>
+    <dgm:cxn modelId="{21BAFE6C-EC35-448A-B410-9FE4C9A64DC0}" srcId="{15A2342C-342E-4AF1-ABFE-6D641BAF41A1}" destId="{AAB741E9-0A62-4A1A-88D2-E166C54108A7}" srcOrd="3" destOrd="0" parTransId="{F302E746-C63C-4CF2-BB91-51B229830F31}" sibTransId="{1B53089C-3F7E-4E98-ADDE-EEC2D993585E}"/>
+    <dgm:cxn modelId="{42A2C57A-441E-40C1-B0DD-ADED530A699C}" type="presOf" srcId="{958DC5F8-13C6-4060-9DA7-572015EE948E}" destId="{5FDFAD45-BE3A-42C7-96F9-147D175477B9}" srcOrd="0" destOrd="1" presId="urn:microsoft.com/office/officeart/2005/8/layout/chevron2"/>
+    <dgm:cxn modelId="{FD15FF7D-7615-413A-936D-840A88CEEF81}" type="presOf" srcId="{7251001A-0584-4766-A6D7-0E44BBBBDC12}" destId="{3EE3D444-F1E2-4D81-B343-EEB78C9B7BC2}" srcOrd="0" destOrd="0" presId="urn:microsoft.com/office/officeart/2005/8/layout/chevron2"/>
+    <dgm:cxn modelId="{2A878A9C-A599-4E25-8F35-179342BC54EF}" srcId="{B56C8652-49D2-40A6-9CA3-CE8DCF0946F5}" destId="{15A2342C-342E-4AF1-ABFE-6D641BAF41A1}" srcOrd="0" destOrd="0" parTransId="{3113E09E-2B5D-47FE-89F9-BC4D9A8CB38B}" sibTransId="{3091C5B6-412E-4FA9-921C-1CCBB20FB078}"/>
+    <dgm:cxn modelId="{26A054A0-1AB4-43B6-8F58-0FC6C712A2A4}" srcId="{15A2342C-342E-4AF1-ABFE-6D641BAF41A1}" destId="{CBA4680F-B921-4539-96E8-73E248B26438}" srcOrd="0" destOrd="0" parTransId="{CFA20A3C-0F95-4996-A60F-CD8C5D7EA0C8}" sibTransId="{66C95EC4-2BD0-44E1-98AF-5AEB75A287A4}"/>
+    <dgm:cxn modelId="{86D5B1B6-FC3B-40C9-B662-895EFF0C484F}" type="presOf" srcId="{1693A56B-51EB-4EEE-B5A0-2587A76BB504}" destId="{8FBC2C5D-9E47-4B2D-8CC0-0827ADC6EE57}" srcOrd="0" destOrd="0" presId="urn:microsoft.com/office/officeart/2005/8/layout/chevron2"/>
+    <dgm:cxn modelId="{473431EE-F39C-48EA-A045-B86C38621641}" srcId="{15A2342C-342E-4AF1-ABFE-6D641BAF41A1}" destId="{F13B17A0-86C6-45C8-A1A1-58051CE11C6F}" srcOrd="2" destOrd="0" parTransId="{B2B47FC7-5958-4A44-A4CE-453C0A0BC836}" sibTransId="{82F0F7A3-3707-4B24-8D7E-99D069D182AB}"/>
     <dgm:cxn modelId="{B9F397F0-7A59-4437-81F7-0BEB182623E3}" srcId="{FDFD6E2B-DBAB-4056-BC28-C138724F0441}" destId="{1693A56B-51EB-4EEE-B5A0-2587A76BB504}" srcOrd="0" destOrd="0" parTransId="{71605052-445C-4B49-9A4B-2DCF504AD115}" sibTransId="{84E281FA-B092-4FA8-A2AE-CFCEA05B4214}"/>
     <dgm:cxn modelId="{82F94CF7-E0DE-440A-B1D1-883572629C8B}" type="presOf" srcId="{A21E80E9-3E30-4727-979B-CC3F1A7A22C5}" destId="{8EB604FD-2448-4F33-9F96-EAFE912047E9}" srcOrd="0" destOrd="0" presId="urn:microsoft.com/office/officeart/2005/8/layout/chevron2"/>
     <dgm:cxn modelId="{13250355-16DD-4CD2-9C12-90DB9DA37F12}" type="presParOf" srcId="{142F673A-C255-456D-9E41-60A8F8DECB23}" destId="{4D46CCB9-E0D7-49E4-8700-7CE19FB27C88}" srcOrd="0" destOrd="0" presId="urn:microsoft.com/office/officeart/2005/8/layout/chevron2"/>
@@ -6918,6 +8246,633 @@
       <dsp:txXfrm rot="-5400000">
         <a:off x="1248065" y="3609661"/>
         <a:ext cx="6746796" cy="2461064"/>
+      </dsp:txXfrm>
+    </dsp:sp>
+  </dsp:spTree>
+</dsp:drawing>
+</file>
+
+<file path=ppt/diagrams/drawing4.xml><?xml version="1.0" encoding="utf-8"?>
+<dsp:drawing xmlns:dgm="http://schemas.openxmlformats.org/drawingml/2006/diagram" xmlns:dsp="http://schemas.microsoft.com/office/drawing/2008/diagram" xmlns:a="http://schemas.openxmlformats.org/drawingml/2006/main">
+  <dsp:spTree>
+    <dsp:nvGrpSpPr>
+      <dsp:cNvPr id="0" name=""/>
+      <dsp:cNvGrpSpPr/>
+    </dsp:nvGrpSpPr>
+    <dsp:grpSpPr/>
+    <dsp:sp modelId="{049C38D1-B597-49E9-8B00-78FB12FB25CF}">
+      <dsp:nvSpPr>
+        <dsp:cNvPr id="0" name=""/>
+        <dsp:cNvSpPr/>
+      </dsp:nvSpPr>
+      <dsp:spPr>
+        <a:xfrm rot="5400000">
+          <a:off x="-274369" y="552981"/>
+          <a:ext cx="1829128" cy="1280390"/>
+        </a:xfrm>
+        <a:prstGeom prst="chevron">
+          <a:avLst/>
+        </a:prstGeom>
+        <a:solidFill>
+          <a:schemeClr val="dk2">
+            <a:hueOff val="0"/>
+            <a:satOff val="0"/>
+            <a:lumOff val="0"/>
+            <a:alphaOff val="0"/>
+          </a:schemeClr>
+        </a:solidFill>
+        <a:ln w="12700" cap="flat" cmpd="sng" algn="ctr">
+          <a:solidFill>
+            <a:schemeClr val="dk2">
+              <a:hueOff val="0"/>
+              <a:satOff val="0"/>
+              <a:lumOff val="0"/>
+              <a:alphaOff val="0"/>
+            </a:schemeClr>
+          </a:solidFill>
+          <a:prstDash val="solid"/>
+          <a:miter lim="800000"/>
+        </a:ln>
+        <a:effectLst/>
+      </dsp:spPr>
+      <dsp:style>
+        <a:lnRef idx="2">
+          <a:scrgbClr r="0" g="0" b="0"/>
+        </a:lnRef>
+        <a:fillRef idx="1">
+          <a:scrgbClr r="0" g="0" b="0"/>
+        </a:fillRef>
+        <a:effectRef idx="0">
+          <a:scrgbClr r="0" g="0" b="0"/>
+        </a:effectRef>
+        <a:fontRef idx="minor">
+          <a:schemeClr val="lt1"/>
+        </a:fontRef>
+      </dsp:style>
+      <dsp:txBody>
+        <a:bodyPr spcFirstLastPara="0" vert="horz" wrap="square" lIns="11430" tIns="11430" rIns="11430" bIns="11430" numCol="1" spcCol="1270" anchor="ctr" anchorCtr="0">
+          <a:noAutofit/>
+        </a:bodyPr>
+        <a:lstStyle/>
+        <a:p>
+          <a:pPr marL="0" lvl="0" indent="0" algn="ctr" defTabSz="800100">
+            <a:lnSpc>
+              <a:spcPct val="90000"/>
+            </a:lnSpc>
+            <a:spcBef>
+              <a:spcPct val="0"/>
+            </a:spcBef>
+            <a:spcAft>
+              <a:spcPct val="35000"/>
+            </a:spcAft>
+            <a:buNone/>
+          </a:pPr>
+          <a:r>
+            <a:rPr lang="en-US" sz="1800" kern="1200" dirty="0"/>
+            <a:t>Input data</a:t>
+          </a:r>
+        </a:p>
+      </dsp:txBody>
+      <dsp:txXfrm rot="-5400000">
+        <a:off x="0" y="918807"/>
+        <a:ext cx="1280390" cy="548738"/>
+      </dsp:txXfrm>
+    </dsp:sp>
+    <dsp:sp modelId="{5FDFAD45-BE3A-42C7-96F9-147D175477B9}">
+      <dsp:nvSpPr>
+        <dsp:cNvPr id="0" name=""/>
+        <dsp:cNvSpPr/>
+      </dsp:nvSpPr>
+      <dsp:spPr>
+        <a:xfrm rot="5400000">
+          <a:off x="3845434" y="-2550726"/>
+          <a:ext cx="1717521" cy="6847609"/>
+        </a:xfrm>
+        <a:prstGeom prst="round2SameRect">
+          <a:avLst/>
+        </a:prstGeom>
+        <a:solidFill>
+          <a:schemeClr val="lt2">
+            <a:alpha val="90000"/>
+            <a:hueOff val="0"/>
+            <a:satOff val="0"/>
+            <a:lumOff val="0"/>
+            <a:alphaOff val="0"/>
+          </a:schemeClr>
+        </a:solidFill>
+        <a:ln w="12700" cap="flat" cmpd="sng" algn="ctr">
+          <a:solidFill>
+            <a:schemeClr val="dk2">
+              <a:hueOff val="0"/>
+              <a:satOff val="0"/>
+              <a:lumOff val="0"/>
+              <a:alphaOff val="0"/>
+            </a:schemeClr>
+          </a:solidFill>
+          <a:prstDash val="solid"/>
+          <a:miter lim="800000"/>
+        </a:ln>
+        <a:effectLst/>
+      </dsp:spPr>
+      <dsp:style>
+        <a:lnRef idx="2">
+          <a:scrgbClr r="0" g="0" b="0"/>
+        </a:lnRef>
+        <a:fillRef idx="1">
+          <a:scrgbClr r="0" g="0" b="0"/>
+        </a:fillRef>
+        <a:effectRef idx="0">
+          <a:scrgbClr r="0" g="0" b="0"/>
+        </a:effectRef>
+        <a:fontRef idx="minor"/>
+      </dsp:style>
+      <dsp:txBody>
+        <a:bodyPr spcFirstLastPara="0" vert="horz" wrap="square" lIns="99568" tIns="8890" rIns="8890" bIns="8890" numCol="1" spcCol="1270" anchor="ctr" anchorCtr="0">
+          <a:noAutofit/>
+        </a:bodyPr>
+        <a:lstStyle/>
+        <a:p>
+          <a:pPr marL="114300" lvl="1" indent="-114300" algn="l" defTabSz="622300">
+            <a:lnSpc>
+              <a:spcPct val="90000"/>
+            </a:lnSpc>
+            <a:spcBef>
+              <a:spcPct val="0"/>
+            </a:spcBef>
+            <a:spcAft>
+              <a:spcPct val="15000"/>
+            </a:spcAft>
+            <a:buNone/>
+          </a:pPr>
+          <a:r>
+            <a:rPr lang="en-US" sz="1400" u="sng" kern="1200" dirty="0"/>
+            <a:t>~/data/processed/</a:t>
+          </a:r>
+        </a:p>
+        <a:p>
+          <a:pPr marL="114300" lvl="1" indent="-114300" algn="l" defTabSz="622300">
+            <a:lnSpc>
+              <a:spcPct val="90000"/>
+            </a:lnSpc>
+            <a:spcBef>
+              <a:spcPct val="0"/>
+            </a:spcBef>
+            <a:spcAft>
+              <a:spcPct val="15000"/>
+            </a:spcAft>
+            <a:buNone/>
+          </a:pPr>
+          <a:r>
+            <a:rPr lang="en-US" sz="1400" u="none" kern="1200" dirty="0"/>
+            <a:t>- </a:t>
+          </a:r>
+          <a:r>
+            <a:rPr lang="en-US" sz="1400" u="none" kern="1200" dirty="0" err="1"/>
+            <a:t>grid_goa.RData</a:t>
+          </a:r>
+          <a:r>
+            <a:rPr lang="en-US" sz="1400" u="none" kern="1200" dirty="0"/>
+            <a:t>: </a:t>
+          </a:r>
+          <a:r>
+            <a:rPr lang="en-US" sz="1400" i="0" u="none" kern="1200" dirty="0">
+              <a:solidFill>
+                <a:schemeClr val="bg1">
+                  <a:lumMod val="50000"/>
+                </a:schemeClr>
+              </a:solidFill>
+            </a:rPr>
+            <a:t>goa grid with bathymetry</a:t>
+          </a:r>
+        </a:p>
+        <a:p>
+          <a:pPr marL="114300" lvl="1" indent="-114300" algn="l" defTabSz="622300">
+            <a:lnSpc>
+              <a:spcPct val="90000"/>
+            </a:lnSpc>
+            <a:spcBef>
+              <a:spcPct val="0"/>
+            </a:spcBef>
+            <a:spcAft>
+              <a:spcPct val="15000"/>
+            </a:spcAft>
+            <a:buNone/>
+          </a:pPr>
+          <a:r>
+            <a:rPr lang="en-US" sz="1400" u="none" kern="1200" dirty="0"/>
+            <a:t>- </a:t>
+          </a:r>
+          <a:r>
+            <a:rPr lang="en-US" sz="1400" u="none" kern="1200" dirty="0" err="1"/>
+            <a:t>VAST_fit_D_gct.Rdata</a:t>
+          </a:r>
+          <a:r>
+            <a:rPr lang="en-US" sz="1400" u="none" kern="1200" dirty="0"/>
+            <a:t>: </a:t>
+          </a:r>
+          <a:r>
+            <a:rPr lang="en-US" sz="1400" u="none" kern="1200" dirty="0">
+              <a:solidFill>
+                <a:schemeClr val="bg1">
+                  <a:lumMod val="50000"/>
+                </a:schemeClr>
+              </a:solidFill>
+            </a:rPr>
+            <a:t>“best” single-species predicted density for each cell (g), species (c) and year (t) in one 3-D array</a:t>
+          </a:r>
+        </a:p>
+        <a:p>
+          <a:pPr marL="114300" lvl="1" indent="-114300" algn="l" defTabSz="622300">
+            <a:lnSpc>
+              <a:spcPct val="90000"/>
+            </a:lnSpc>
+            <a:spcBef>
+              <a:spcPct val="0"/>
+            </a:spcBef>
+            <a:spcAft>
+              <a:spcPct val="15000"/>
+            </a:spcAft>
+            <a:buNone/>
+          </a:pPr>
+          <a:r>
+            <a:rPr lang="en-US" sz="1400" u="none" kern="1200" dirty="0">
+              <a:solidFill>
+                <a:schemeClr val="tx1"/>
+              </a:solidFill>
+            </a:rPr>
+            <a:t>-</a:t>
+          </a:r>
+          <a:r>
+            <a:rPr lang="en-US" sz="1400" u="none" kern="1200" dirty="0" err="1">
+              <a:solidFill>
+                <a:schemeClr val="tx1"/>
+              </a:solidFill>
+            </a:rPr>
+            <a:t>VAST_fit_I_gct.Rdata</a:t>
+          </a:r>
+          <a:r>
+            <a:rPr lang="en-US" sz="1400" u="none" kern="1200" dirty="0">
+              <a:solidFill>
+                <a:schemeClr val="tx1"/>
+              </a:solidFill>
+            </a:rPr>
+            <a:t>: </a:t>
+          </a:r>
+          <a:r>
+            <a:rPr lang="en-US" sz="1400" u="none" kern="1200" dirty="0">
+              <a:solidFill>
+                <a:schemeClr val="bg1">
+                  <a:lumMod val="50000"/>
+                </a:schemeClr>
+              </a:solidFill>
+            </a:rPr>
+            <a:t>“best” single-species predicted abundance for each cell (g), species (c) and year (t) in one 3-D array</a:t>
+          </a:r>
+        </a:p>
+      </dsp:txBody>
+      <dsp:txXfrm rot="-5400000">
+        <a:off x="1280390" y="98160"/>
+        <a:ext cx="6763767" cy="1549837"/>
+      </dsp:txXfrm>
+    </dsp:sp>
+    <dsp:sp modelId="{8EB604FD-2448-4F33-9F96-EAFE912047E9}">
+      <dsp:nvSpPr>
+        <dsp:cNvPr id="0" name=""/>
+        <dsp:cNvSpPr/>
+      </dsp:nvSpPr>
+      <dsp:spPr>
+        <a:xfrm rot="5400000">
+          <a:off x="-274369" y="2201285"/>
+          <a:ext cx="1829128" cy="1280390"/>
+        </a:xfrm>
+        <a:prstGeom prst="chevron">
+          <a:avLst/>
+        </a:prstGeom>
+        <a:solidFill>
+          <a:schemeClr val="dk2">
+            <a:hueOff val="0"/>
+            <a:satOff val="0"/>
+            <a:lumOff val="0"/>
+            <a:alphaOff val="0"/>
+          </a:schemeClr>
+        </a:solidFill>
+        <a:ln w="12700" cap="flat" cmpd="sng" algn="ctr">
+          <a:solidFill>
+            <a:schemeClr val="dk2">
+              <a:hueOff val="0"/>
+              <a:satOff val="0"/>
+              <a:lumOff val="0"/>
+              <a:alphaOff val="0"/>
+            </a:schemeClr>
+          </a:solidFill>
+          <a:prstDash val="solid"/>
+          <a:miter lim="800000"/>
+        </a:ln>
+        <a:effectLst/>
+      </dsp:spPr>
+      <dsp:style>
+        <a:lnRef idx="2">
+          <a:scrgbClr r="0" g="0" b="0"/>
+        </a:lnRef>
+        <a:fillRef idx="1">
+          <a:scrgbClr r="0" g="0" b="0"/>
+        </a:fillRef>
+        <a:effectRef idx="0">
+          <a:scrgbClr r="0" g="0" b="0"/>
+        </a:effectRef>
+        <a:fontRef idx="minor">
+          <a:schemeClr val="lt1"/>
+        </a:fontRef>
+      </dsp:style>
+      <dsp:txBody>
+        <a:bodyPr spcFirstLastPara="0" vert="horz" wrap="square" lIns="11430" tIns="11430" rIns="11430" bIns="11430" numCol="1" spcCol="1270" anchor="ctr" anchorCtr="0">
+          <a:noAutofit/>
+        </a:bodyPr>
+        <a:lstStyle/>
+        <a:p>
+          <a:pPr marL="0" lvl="0" indent="0" algn="ctr" defTabSz="800100">
+            <a:lnSpc>
+              <a:spcPct val="90000"/>
+            </a:lnSpc>
+            <a:spcBef>
+              <a:spcPct val="0"/>
+            </a:spcBef>
+            <a:spcAft>
+              <a:spcPct val="35000"/>
+            </a:spcAft>
+            <a:buNone/>
+          </a:pPr>
+          <a:r>
+            <a:rPr lang="en-US" sz="1800" kern="1200" dirty="0"/>
+            <a:t>Script Program</a:t>
+          </a:r>
+        </a:p>
+      </dsp:txBody>
+      <dsp:txXfrm rot="-5400000">
+        <a:off x="0" y="2567111"/>
+        <a:ext cx="1280390" cy="548738"/>
+      </dsp:txXfrm>
+    </dsp:sp>
+    <dsp:sp modelId="{3EE3D444-F1E2-4D81-B343-EEB78C9B7BC2}">
+      <dsp:nvSpPr>
+        <dsp:cNvPr id="0" name=""/>
+        <dsp:cNvSpPr/>
+      </dsp:nvSpPr>
+      <dsp:spPr>
+        <a:xfrm rot="5400000">
+          <a:off x="4491072" y="-902421"/>
+          <a:ext cx="426244" cy="6847609"/>
+        </a:xfrm>
+        <a:prstGeom prst="round2SameRect">
+          <a:avLst/>
+        </a:prstGeom>
+        <a:solidFill>
+          <a:schemeClr val="lt2">
+            <a:alpha val="90000"/>
+            <a:hueOff val="0"/>
+            <a:satOff val="0"/>
+            <a:lumOff val="0"/>
+            <a:alphaOff val="0"/>
+          </a:schemeClr>
+        </a:solidFill>
+        <a:ln w="12700" cap="flat" cmpd="sng" algn="ctr">
+          <a:solidFill>
+            <a:schemeClr val="dk2">
+              <a:hueOff val="0"/>
+              <a:satOff val="0"/>
+              <a:lumOff val="0"/>
+              <a:alphaOff val="0"/>
+            </a:schemeClr>
+          </a:solidFill>
+          <a:prstDash val="solid"/>
+          <a:miter lim="800000"/>
+        </a:ln>
+        <a:effectLst/>
+      </dsp:spPr>
+      <dsp:style>
+        <a:lnRef idx="2">
+          <a:scrgbClr r="0" g="0" b="0"/>
+        </a:lnRef>
+        <a:fillRef idx="1">
+          <a:scrgbClr r="0" g="0" b="0"/>
+        </a:fillRef>
+        <a:effectRef idx="0">
+          <a:scrgbClr r="0" g="0" b="0"/>
+        </a:effectRef>
+        <a:fontRef idx="minor"/>
+      </dsp:style>
+      <dsp:txBody>
+        <a:bodyPr spcFirstLastPara="0" vert="horz" wrap="square" lIns="142240" tIns="12700" rIns="12700" bIns="12700" numCol="1" spcCol="1270" anchor="ctr" anchorCtr="0">
+          <a:noAutofit/>
+        </a:bodyPr>
+        <a:lstStyle/>
+        <a:p>
+          <a:pPr marL="228600" lvl="1" indent="-228600" algn="l" defTabSz="889000">
+            <a:lnSpc>
+              <a:spcPct val="90000"/>
+            </a:lnSpc>
+            <a:spcBef>
+              <a:spcPct val="0"/>
+            </a:spcBef>
+            <a:spcAft>
+              <a:spcPct val="15000"/>
+            </a:spcAft>
+            <a:buNone/>
+          </a:pPr>
+          <a:r>
+            <a:rPr lang="en-US" sz="2000" u="none" kern="1200" dirty="0"/>
+            <a:t>~/</a:t>
+          </a:r>
+          <a:r>
+            <a:rPr lang="en-US" sz="2000" kern="1200" dirty="0" err="1"/>
+            <a:t>analysis_scripts</a:t>
+          </a:r>
+          <a:r>
+            <a:rPr lang="en-US" sz="2000" kern="1200" dirty="0"/>
+            <a:t>/2A_optimization_data.R</a:t>
+          </a:r>
+        </a:p>
+      </dsp:txBody>
+      <dsp:txXfrm rot="-5400000">
+        <a:off x="1280390" y="2329069"/>
+        <a:ext cx="6826801" cy="384628"/>
+      </dsp:txXfrm>
+    </dsp:sp>
+    <dsp:sp modelId="{0837024A-932D-4B89-A5B5-1646702B04D6}">
+      <dsp:nvSpPr>
+        <dsp:cNvPr id="0" name=""/>
+        <dsp:cNvSpPr/>
+      </dsp:nvSpPr>
+      <dsp:spPr>
+        <a:xfrm rot="5400000">
+          <a:off x="-274369" y="3849589"/>
+          <a:ext cx="1829128" cy="1280390"/>
+        </a:xfrm>
+        <a:prstGeom prst="chevron">
+          <a:avLst/>
+        </a:prstGeom>
+        <a:solidFill>
+          <a:schemeClr val="dk2">
+            <a:hueOff val="0"/>
+            <a:satOff val="0"/>
+            <a:lumOff val="0"/>
+            <a:alphaOff val="0"/>
+          </a:schemeClr>
+        </a:solidFill>
+        <a:ln w="12700" cap="flat" cmpd="sng" algn="ctr">
+          <a:solidFill>
+            <a:schemeClr val="dk2">
+              <a:hueOff val="0"/>
+              <a:satOff val="0"/>
+              <a:lumOff val="0"/>
+              <a:alphaOff val="0"/>
+            </a:schemeClr>
+          </a:solidFill>
+          <a:prstDash val="solid"/>
+          <a:miter lim="800000"/>
+        </a:ln>
+        <a:effectLst/>
+      </dsp:spPr>
+      <dsp:style>
+        <a:lnRef idx="2">
+          <a:scrgbClr r="0" g="0" b="0"/>
+        </a:lnRef>
+        <a:fillRef idx="1">
+          <a:scrgbClr r="0" g="0" b="0"/>
+        </a:fillRef>
+        <a:effectRef idx="0">
+          <a:scrgbClr r="0" g="0" b="0"/>
+        </a:effectRef>
+        <a:fontRef idx="minor">
+          <a:schemeClr val="lt1"/>
+        </a:fontRef>
+      </dsp:style>
+      <dsp:txBody>
+        <a:bodyPr spcFirstLastPara="0" vert="horz" wrap="square" lIns="11430" tIns="11430" rIns="11430" bIns="11430" numCol="1" spcCol="1270" anchor="ctr" anchorCtr="0">
+          <a:noAutofit/>
+        </a:bodyPr>
+        <a:lstStyle/>
+        <a:p>
+          <a:pPr marL="0" lvl="0" indent="0" algn="ctr" defTabSz="800100">
+            <a:lnSpc>
+              <a:spcPct val="90000"/>
+            </a:lnSpc>
+            <a:spcBef>
+              <a:spcPct val="0"/>
+            </a:spcBef>
+            <a:spcAft>
+              <a:spcPct val="35000"/>
+            </a:spcAft>
+            <a:buNone/>
+          </a:pPr>
+          <a:r>
+            <a:rPr lang="en-US" sz="1800" kern="1200" dirty="0"/>
+            <a:t>Output</a:t>
+          </a:r>
+        </a:p>
+      </dsp:txBody>
+      <dsp:txXfrm rot="-5400000">
+        <a:off x="0" y="4215415"/>
+        <a:ext cx="1280390" cy="548738"/>
+      </dsp:txXfrm>
+    </dsp:sp>
+    <dsp:sp modelId="{8FBC2C5D-9E47-4B2D-8CC0-0827ADC6EE57}">
+      <dsp:nvSpPr>
+        <dsp:cNvPr id="0" name=""/>
+        <dsp:cNvSpPr/>
+      </dsp:nvSpPr>
+      <dsp:spPr>
+        <a:xfrm rot="5400000">
+          <a:off x="4109728" y="745882"/>
+          <a:ext cx="1188933" cy="6847609"/>
+        </a:xfrm>
+        <a:prstGeom prst="round2SameRect">
+          <a:avLst/>
+        </a:prstGeom>
+        <a:solidFill>
+          <a:schemeClr val="lt2">
+            <a:alpha val="90000"/>
+            <a:hueOff val="0"/>
+            <a:satOff val="0"/>
+            <a:lumOff val="0"/>
+            <a:alphaOff val="0"/>
+          </a:schemeClr>
+        </a:solidFill>
+        <a:ln w="12700" cap="flat" cmpd="sng" algn="ctr">
+          <a:solidFill>
+            <a:schemeClr val="dk2">
+              <a:hueOff val="0"/>
+              <a:satOff val="0"/>
+              <a:lumOff val="0"/>
+              <a:alphaOff val="0"/>
+            </a:schemeClr>
+          </a:solidFill>
+          <a:prstDash val="solid"/>
+          <a:miter lim="800000"/>
+        </a:ln>
+        <a:effectLst/>
+      </dsp:spPr>
+      <dsp:style>
+        <a:lnRef idx="2">
+          <a:scrgbClr r="0" g="0" b="0"/>
+        </a:lnRef>
+        <a:fillRef idx="1">
+          <a:scrgbClr r="0" g="0" b="0"/>
+        </a:fillRef>
+        <a:effectRef idx="0">
+          <a:scrgbClr r="0" g="0" b="0"/>
+        </a:effectRef>
+        <a:fontRef idx="minor"/>
+      </dsp:style>
+      <dsp:txBody>
+        <a:bodyPr spcFirstLastPara="0" vert="horz" wrap="square" lIns="128016" tIns="11430" rIns="11430" bIns="11430" numCol="1" spcCol="1270" anchor="ctr" anchorCtr="0">
+          <a:noAutofit/>
+        </a:bodyPr>
+        <a:lstStyle/>
+        <a:p>
+          <a:pPr marL="171450" lvl="1" indent="-171450" algn="l" defTabSz="800100">
+            <a:lnSpc>
+              <a:spcPct val="90000"/>
+            </a:lnSpc>
+            <a:spcBef>
+              <a:spcPct val="0"/>
+            </a:spcBef>
+            <a:spcAft>
+              <a:spcPct val="15000"/>
+            </a:spcAft>
+            <a:buNone/>
+          </a:pPr>
+          <a:r>
+            <a:rPr lang="en-US" sz="1800" u="none" kern="1200" dirty="0"/>
+            <a:t>~/</a:t>
+          </a:r>
+          <a:r>
+            <a:rPr lang="en-US" sz="1800" kern="1200" dirty="0"/>
+            <a:t>data/processed/</a:t>
+          </a:r>
+          <a:r>
+            <a:rPr lang="en-US" sz="1800" kern="1200" dirty="0" err="1"/>
+            <a:t>optimization_data.RData</a:t>
+          </a:r>
+          <a:r>
+            <a:rPr lang="en-US" sz="1800" kern="1200" dirty="0"/>
+            <a:t>: </a:t>
+          </a:r>
+          <a:r>
+            <a:rPr lang="en-US" sz="1800" kern="1200" dirty="0">
+              <a:solidFill>
+                <a:schemeClr val="bg1">
+                  <a:lumMod val="50000"/>
+                </a:schemeClr>
+              </a:solidFill>
+            </a:rPr>
+            <a:t>main survey optimization data input, constants used throughout the rest of the analysis and in figures</a:t>
+          </a:r>
+        </a:p>
+      </dsp:txBody>
+      <dsp:txXfrm rot="-5400000">
+        <a:off x="1280391" y="3633259"/>
+        <a:ext cx="6789570" cy="1072855"/>
       </dsp:txXfrm>
     </dsp:sp>
   </dsp:spTree>
@@ -7692,6 +9647,262 @@
 </dgm:layoutDef>
 </file>
 
+<file path=ppt/diagrams/layout4.xml><?xml version="1.0" encoding="utf-8"?>
+<dgm:layoutDef xmlns:dgm="http://schemas.openxmlformats.org/drawingml/2006/diagram" xmlns:a="http://schemas.openxmlformats.org/drawingml/2006/main" uniqueId="urn:microsoft.com/office/officeart/2005/8/layout/chevron2">
+  <dgm:title val=""/>
+  <dgm:desc val=""/>
+  <dgm:catLst>
+    <dgm:cat type="process" pri="12000"/>
+    <dgm:cat type="list" pri="16000"/>
+    <dgm:cat type="convert" pri="11000"/>
+  </dgm:catLst>
+  <dgm:sampData>
+    <dgm:dataModel>
+      <dgm:ptLst>
+        <dgm:pt modelId="0" type="doc"/>
+        <dgm:pt modelId="1">
+          <dgm:prSet phldr="1"/>
+        </dgm:pt>
+        <dgm:pt modelId="11">
+          <dgm:prSet phldr="1"/>
+        </dgm:pt>
+        <dgm:pt modelId="12">
+          <dgm:prSet phldr="1"/>
+        </dgm:pt>
+        <dgm:pt modelId="2">
+          <dgm:prSet phldr="1"/>
+        </dgm:pt>
+        <dgm:pt modelId="21">
+          <dgm:prSet phldr="1"/>
+        </dgm:pt>
+        <dgm:pt modelId="22">
+          <dgm:prSet phldr="1"/>
+        </dgm:pt>
+        <dgm:pt modelId="3">
+          <dgm:prSet phldr="1"/>
+        </dgm:pt>
+        <dgm:pt modelId="31">
+          <dgm:prSet phldr="1"/>
+        </dgm:pt>
+        <dgm:pt modelId="32">
+          <dgm:prSet phldr="1"/>
+        </dgm:pt>
+      </dgm:ptLst>
+      <dgm:cxnLst>
+        <dgm:cxn modelId="4" srcId="0" destId="1" srcOrd="0" destOrd="0"/>
+        <dgm:cxn modelId="5" srcId="0" destId="2" srcOrd="1" destOrd="0"/>
+        <dgm:cxn modelId="6" srcId="0" destId="3" srcOrd="2" destOrd="0"/>
+        <dgm:cxn modelId="13" srcId="1" destId="11" srcOrd="0" destOrd="0"/>
+        <dgm:cxn modelId="14" srcId="1" destId="12" srcOrd="1" destOrd="0"/>
+        <dgm:cxn modelId="23" srcId="2" destId="21" srcOrd="0" destOrd="0"/>
+        <dgm:cxn modelId="24" srcId="2" destId="22" srcOrd="1" destOrd="0"/>
+        <dgm:cxn modelId="33" srcId="3" destId="31" srcOrd="0" destOrd="0"/>
+        <dgm:cxn modelId="34" srcId="3" destId="32" srcOrd="1" destOrd="0"/>
+      </dgm:cxnLst>
+      <dgm:bg/>
+      <dgm:whole/>
+    </dgm:dataModel>
+  </dgm:sampData>
+  <dgm:styleData>
+    <dgm:dataModel>
+      <dgm:ptLst>
+        <dgm:pt modelId="0" type="doc"/>
+        <dgm:pt modelId="1"/>
+      </dgm:ptLst>
+      <dgm:cxnLst>
+        <dgm:cxn modelId="4" srcId="0" destId="1" srcOrd="0" destOrd="0"/>
+      </dgm:cxnLst>
+      <dgm:bg/>
+      <dgm:whole/>
+    </dgm:dataModel>
+  </dgm:styleData>
+  <dgm:clrData>
+    <dgm:dataModel>
+      <dgm:ptLst>
+        <dgm:pt modelId="0" type="doc"/>
+        <dgm:pt modelId="1"/>
+        <dgm:pt modelId="11"/>
+        <dgm:pt modelId="2"/>
+        <dgm:pt modelId="21"/>
+        <dgm:pt modelId="3"/>
+        <dgm:pt modelId="31"/>
+        <dgm:pt modelId="4"/>
+        <dgm:pt modelId="41"/>
+      </dgm:ptLst>
+      <dgm:cxnLst>
+        <dgm:cxn modelId="5" srcId="0" destId="1" srcOrd="0" destOrd="0"/>
+        <dgm:cxn modelId="6" srcId="0" destId="2" srcOrd="1" destOrd="0"/>
+        <dgm:cxn modelId="7" srcId="0" destId="3" srcOrd="2" destOrd="0"/>
+        <dgm:cxn modelId="8" srcId="0" destId="4" srcOrd="3" destOrd="0"/>
+        <dgm:cxn modelId="13" srcId="1" destId="11" srcOrd="0" destOrd="0"/>
+        <dgm:cxn modelId="23" srcId="2" destId="21" srcOrd="0" destOrd="0"/>
+        <dgm:cxn modelId="33" srcId="3" destId="31" srcOrd="0" destOrd="0"/>
+        <dgm:cxn modelId="43" srcId="4" destId="41" srcOrd="0" destOrd="0"/>
+      </dgm:cxnLst>
+      <dgm:bg/>
+      <dgm:whole/>
+    </dgm:dataModel>
+  </dgm:clrData>
+  <dgm:layoutNode name="linearFlow">
+    <dgm:varLst>
+      <dgm:dir/>
+      <dgm:animLvl val="lvl"/>
+      <dgm:resizeHandles val="exact"/>
+    </dgm:varLst>
+    <dgm:alg type="lin">
+      <dgm:param type="linDir" val="fromT"/>
+      <dgm:param type="nodeHorzAlign" val="l"/>
+    </dgm:alg>
+    <dgm:shape xmlns:r="http://schemas.openxmlformats.org/officeDocument/2006/relationships" r:blip="">
+      <dgm:adjLst/>
+    </dgm:shape>
+    <dgm:presOf/>
+    <dgm:constrLst>
+      <dgm:constr type="h" for="ch" forName="composite" refType="h"/>
+      <dgm:constr type="w" for="ch" forName="composite" refType="w"/>
+      <dgm:constr type="h" for="des" forName="parentText" op="equ"/>
+      <dgm:constr type="h" for="ch" forName="sp" val="-14.88"/>
+      <dgm:constr type="h" for="ch" forName="sp" refType="w" refFor="des" refForName="parentText" op="gte" fact="-0.3"/>
+      <dgm:constr type="primFontSz" for="des" forName="parentText" op="equ" val="65"/>
+      <dgm:constr type="primFontSz" for="des" forName="descendantText" op="equ" val="65"/>
+    </dgm:constrLst>
+    <dgm:ruleLst/>
+    <dgm:forEach name="Name0" axis="ch" ptType="node">
+      <dgm:layoutNode name="composite">
+        <dgm:alg type="composite"/>
+        <dgm:shape xmlns:r="http://schemas.openxmlformats.org/officeDocument/2006/relationships" r:blip="">
+          <dgm:adjLst/>
+        </dgm:shape>
+        <dgm:presOf/>
+        <dgm:choose name="Name1">
+          <dgm:if name="Name2" func="var" arg="dir" op="equ" val="norm">
+            <dgm:constrLst>
+              <dgm:constr type="t" for="ch" forName="parentText"/>
+              <dgm:constr type="l" for="ch" forName="parentText"/>
+              <dgm:constr type="w" for="ch" forName="parentText" refType="w" fact="0.4"/>
+              <dgm:constr type="h" for="ch" forName="parentText" refType="h"/>
+              <dgm:constr type="w" for="ch" forName="parentText" refType="w" op="lte" fact="0.5"/>
+              <dgm:constr type="w" for="ch" forName="parentText" refType="h" refFor="ch" refForName="parentText" op="lte" fact="0.7"/>
+              <dgm:constr type="h" for="ch" forName="parentText" refType="w" refFor="ch" refForName="parentText" op="lte" fact="3"/>
+              <dgm:constr type="l" for="ch" forName="descendantText" refType="w" refFor="ch" refForName="parentText"/>
+              <dgm:constr type="w" for="ch" forName="descendantText" refType="w"/>
+              <dgm:constr type="wOff" for="ch" forName="descendantText" refType="w" refFor="ch" refForName="parentText" fact="-1"/>
+              <dgm:constr type="t" for="ch" forName="descendantText"/>
+              <dgm:constr type="b" for="ch" forName="descendantText" refType="h" refFor="ch" refForName="parentText"/>
+              <dgm:constr type="bOff" for="ch" forName="descendantText" refType="w" refFor="ch" refForName="parentText" fact="-0.5"/>
+            </dgm:constrLst>
+          </dgm:if>
+          <dgm:else name="Name3">
+            <dgm:constrLst>
+              <dgm:constr type="t" for="ch" forName="parentText"/>
+              <dgm:constr type="r" for="ch" forName="parentText" refType="w"/>
+              <dgm:constr type="w" for="ch" forName="parentText" refType="w" fact="0.4"/>
+              <dgm:constr type="h" for="ch" forName="parentText" refType="h"/>
+              <dgm:constr type="w" for="ch" forName="parentText" refType="w" op="lte" fact="0.5"/>
+              <dgm:constr type="w" for="ch" forName="parentText" refType="h" refFor="ch" refForName="parentText" op="lte" fact="0.7"/>
+              <dgm:constr type="h" for="ch" forName="parentText" refType="w" refFor="ch" refForName="parentText" op="lte" fact="3"/>
+              <dgm:constr type="l" for="ch" forName="descendantText"/>
+              <dgm:constr type="w" for="ch" forName="descendantText" refType="w"/>
+              <dgm:constr type="wOff" for="ch" forName="descendantText" refType="w" refFor="ch" refForName="parentText" fact="-1"/>
+              <dgm:constr type="t" for="ch" forName="descendantText"/>
+              <dgm:constr type="b" for="ch" forName="descendantText" refType="h" refFor="ch" refForName="parentText"/>
+              <dgm:constr type="bOff" for="ch" forName="descendantText" refType="w" refFor="ch" refForName="parentText" fact="-0.5"/>
+            </dgm:constrLst>
+          </dgm:else>
+        </dgm:choose>
+        <dgm:ruleLst/>
+        <dgm:layoutNode name="parentText" styleLbl="alignNode1">
+          <dgm:varLst>
+            <dgm:chMax val="1"/>
+            <dgm:bulletEnabled val="1"/>
+          </dgm:varLst>
+          <dgm:alg type="tx"/>
+          <dgm:shape xmlns:r="http://schemas.openxmlformats.org/officeDocument/2006/relationships" rot="90" type="chevron" r:blip="">
+            <dgm:adjLst/>
+          </dgm:shape>
+          <dgm:presOf axis="self" ptType="node"/>
+          <dgm:constrLst>
+            <dgm:constr type="lMarg" refType="primFontSz" fact="0.05"/>
+            <dgm:constr type="rMarg" refType="primFontSz" fact="0.05"/>
+            <dgm:constr type="tMarg" refType="primFontSz" fact="0.05"/>
+            <dgm:constr type="bMarg" refType="primFontSz" fact="0.05"/>
+          </dgm:constrLst>
+          <dgm:ruleLst>
+            <dgm:rule type="h" val="100" fact="NaN" max="NaN"/>
+            <dgm:rule type="primFontSz" val="24" fact="NaN" max="NaN"/>
+            <dgm:rule type="h" val="110" fact="NaN" max="NaN"/>
+            <dgm:rule type="primFontSz" val="18" fact="NaN" max="NaN"/>
+            <dgm:rule type="h" val="INF" fact="NaN" max="NaN"/>
+            <dgm:rule type="primFontSz" val="5" fact="NaN" max="NaN"/>
+          </dgm:ruleLst>
+        </dgm:layoutNode>
+        <dgm:layoutNode name="descendantText" styleLbl="alignAcc1">
+          <dgm:varLst>
+            <dgm:bulletEnabled val="1"/>
+          </dgm:varLst>
+          <dgm:choose name="Name4">
+            <dgm:if name="Name5" func="var" arg="dir" op="equ" val="norm">
+              <dgm:alg type="tx">
+                <dgm:param type="stBulletLvl" val="1"/>
+                <dgm:param type="txAnchorVertCh" val="mid"/>
+              </dgm:alg>
+              <dgm:shape xmlns:r="http://schemas.openxmlformats.org/officeDocument/2006/relationships" rot="90" type="round2SameRect" r:blip="">
+                <dgm:adjLst/>
+              </dgm:shape>
+            </dgm:if>
+            <dgm:else name="Name6">
+              <dgm:alg type="tx">
+                <dgm:param type="stBulletLvl" val="1"/>
+                <dgm:param type="txAnchorVertCh" val="mid"/>
+              </dgm:alg>
+              <dgm:shape xmlns:r="http://schemas.openxmlformats.org/officeDocument/2006/relationships" rot="-90" type="round2SameRect" r:blip="">
+                <dgm:adjLst/>
+              </dgm:shape>
+            </dgm:else>
+          </dgm:choose>
+          <dgm:presOf axis="des" ptType="node"/>
+          <dgm:choose name="Name7">
+            <dgm:if name="Name8" func="var" arg="dir" op="equ" val="norm">
+              <dgm:constrLst>
+                <dgm:constr type="secFontSz" refType="primFontSz"/>
+                <dgm:constr type="tMarg" refType="primFontSz" fact="0.05"/>
+                <dgm:constr type="bMarg" refType="primFontSz" fact="0.05"/>
+                <dgm:constr type="rMarg" refType="primFontSz" fact="0.05"/>
+              </dgm:constrLst>
+            </dgm:if>
+            <dgm:else name="Name9">
+              <dgm:constrLst>
+                <dgm:constr type="secFontSz" refType="primFontSz"/>
+                <dgm:constr type="tMarg" refType="primFontSz" fact="0.05"/>
+                <dgm:constr type="bMarg" refType="primFontSz" fact="0.05"/>
+                <dgm:constr type="lMarg" refType="primFontSz" fact="0.05"/>
+              </dgm:constrLst>
+            </dgm:else>
+          </dgm:choose>
+          <dgm:ruleLst>
+            <dgm:rule type="primFontSz" val="5" fact="NaN" max="NaN"/>
+          </dgm:ruleLst>
+        </dgm:layoutNode>
+      </dgm:layoutNode>
+      <dgm:forEach name="Name10" axis="followSib" ptType="sibTrans" cnt="1">
+        <dgm:layoutNode name="sp">
+          <dgm:alg type="sp"/>
+          <dgm:shape xmlns:r="http://schemas.openxmlformats.org/officeDocument/2006/relationships" r:blip="">
+            <dgm:adjLst/>
+          </dgm:shape>
+          <dgm:presOf axis="self"/>
+          <dgm:constrLst>
+            <dgm:constr type="w" val="1"/>
+            <dgm:constr type="h" val="37.5"/>
+          </dgm:constrLst>
+          <dgm:ruleLst/>
+        </dgm:layoutNode>
+      </dgm:forEach>
+    </dgm:forEach>
+  </dgm:layoutNode>
+</dgm:layoutDef>
+</file>
+
 <file path=ppt/diagrams/quickStyle1.xml><?xml version="1.0" encoding="utf-8"?>
 <dgm:styleDef xmlns:dgm="http://schemas.openxmlformats.org/drawingml/2006/diagram" xmlns:a="http://schemas.openxmlformats.org/drawingml/2006/main" uniqueId="urn:microsoft.com/office/officeart/2005/8/quickstyle/simple1">
   <dgm:title val=""/>
@@ -9761,6 +11972,1040 @@
 </file>
 
 <file path=ppt/diagrams/quickStyle3.xml><?xml version="1.0" encoding="utf-8"?>
+<dgm:styleDef xmlns:dgm="http://schemas.openxmlformats.org/drawingml/2006/diagram" xmlns:a="http://schemas.openxmlformats.org/drawingml/2006/main" uniqueId="urn:microsoft.com/office/officeart/2005/8/quickstyle/simple1">
+  <dgm:title val=""/>
+  <dgm:desc val=""/>
+  <dgm:catLst>
+    <dgm:cat type="simple" pri="10100"/>
+  </dgm:catLst>
+  <dgm:scene3d>
+    <a:camera prst="orthographicFront"/>
+    <a:lightRig rig="threePt" dir="t"/>
+  </dgm:scene3d>
+  <dgm:styleLbl name="node0">
+    <dgm:scene3d>
+      <a:camera prst="orthographicFront"/>
+      <a:lightRig rig="threePt" dir="t"/>
+    </dgm:scene3d>
+    <dgm:sp3d/>
+    <dgm:txPr/>
+    <dgm:style>
+      <a:lnRef idx="2">
+        <a:scrgbClr r="0" g="0" b="0"/>
+      </a:lnRef>
+      <a:fillRef idx="1">
+        <a:scrgbClr r="0" g="0" b="0"/>
+      </a:fillRef>
+      <a:effectRef idx="0">
+        <a:scrgbClr r="0" g="0" b="0"/>
+      </a:effectRef>
+      <a:fontRef idx="minor">
+        <a:schemeClr val="lt1"/>
+      </a:fontRef>
+    </dgm:style>
+  </dgm:styleLbl>
+  <dgm:styleLbl name="lnNode1">
+    <dgm:scene3d>
+      <a:camera prst="orthographicFront"/>
+      <a:lightRig rig="threePt" dir="t"/>
+    </dgm:scene3d>
+    <dgm:sp3d/>
+    <dgm:txPr/>
+    <dgm:style>
+      <a:lnRef idx="2">
+        <a:scrgbClr r="0" g="0" b="0"/>
+      </a:lnRef>
+      <a:fillRef idx="1">
+        <a:scrgbClr r="0" g="0" b="0"/>
+      </a:fillRef>
+      <a:effectRef idx="0">
+        <a:scrgbClr r="0" g="0" b="0"/>
+      </a:effectRef>
+      <a:fontRef idx="minor">
+        <a:schemeClr val="lt1"/>
+      </a:fontRef>
+    </dgm:style>
+  </dgm:styleLbl>
+  <dgm:styleLbl name="vennNode1">
+    <dgm:scene3d>
+      <a:camera prst="orthographicFront"/>
+      <a:lightRig rig="threePt" dir="t"/>
+    </dgm:scene3d>
+    <dgm:sp3d/>
+    <dgm:txPr/>
+    <dgm:style>
+      <a:lnRef idx="2">
+        <a:scrgbClr r="0" g="0" b="0"/>
+      </a:lnRef>
+      <a:fillRef idx="1">
+        <a:scrgbClr r="0" g="0" b="0"/>
+      </a:fillRef>
+      <a:effectRef idx="0">
+        <a:scrgbClr r="0" g="0" b="0"/>
+      </a:effectRef>
+      <a:fontRef idx="minor">
+        <a:schemeClr val="tx1"/>
+      </a:fontRef>
+    </dgm:style>
+  </dgm:styleLbl>
+  <dgm:styleLbl name="alignNode1">
+    <dgm:scene3d>
+      <a:camera prst="orthographicFront"/>
+      <a:lightRig rig="threePt" dir="t"/>
+    </dgm:scene3d>
+    <dgm:sp3d/>
+    <dgm:txPr/>
+    <dgm:style>
+      <a:lnRef idx="2">
+        <a:scrgbClr r="0" g="0" b="0"/>
+      </a:lnRef>
+      <a:fillRef idx="1">
+        <a:scrgbClr r="0" g="0" b="0"/>
+      </a:fillRef>
+      <a:effectRef idx="0">
+        <a:scrgbClr r="0" g="0" b="0"/>
+      </a:effectRef>
+      <a:fontRef idx="minor">
+        <a:schemeClr val="lt1"/>
+      </a:fontRef>
+    </dgm:style>
+  </dgm:styleLbl>
+  <dgm:styleLbl name="node1">
+    <dgm:scene3d>
+      <a:camera prst="orthographicFront"/>
+      <a:lightRig rig="threePt" dir="t"/>
+    </dgm:scene3d>
+    <dgm:sp3d/>
+    <dgm:txPr/>
+    <dgm:style>
+      <a:lnRef idx="2">
+        <a:scrgbClr r="0" g="0" b="0"/>
+      </a:lnRef>
+      <a:fillRef idx="1">
+        <a:scrgbClr r="0" g="0" b="0"/>
+      </a:fillRef>
+      <a:effectRef idx="0">
+        <a:scrgbClr r="0" g="0" b="0"/>
+      </a:effectRef>
+      <a:fontRef idx="minor">
+        <a:schemeClr val="lt1"/>
+      </a:fontRef>
+    </dgm:style>
+  </dgm:styleLbl>
+  <dgm:styleLbl name="node2">
+    <dgm:scene3d>
+      <a:camera prst="orthographicFront"/>
+      <a:lightRig rig="threePt" dir="t"/>
+    </dgm:scene3d>
+    <dgm:sp3d/>
+    <dgm:txPr/>
+    <dgm:style>
+      <a:lnRef idx="2">
+        <a:scrgbClr r="0" g="0" b="0"/>
+      </a:lnRef>
+      <a:fillRef idx="1">
+        <a:scrgbClr r="0" g="0" b="0"/>
+      </a:fillRef>
+      <a:effectRef idx="0">
+        <a:scrgbClr r="0" g="0" b="0"/>
+      </a:effectRef>
+      <a:fontRef idx="minor">
+        <a:schemeClr val="lt1"/>
+      </a:fontRef>
+    </dgm:style>
+  </dgm:styleLbl>
+  <dgm:styleLbl name="node3">
+    <dgm:scene3d>
+      <a:camera prst="orthographicFront"/>
+      <a:lightRig rig="threePt" dir="t"/>
+    </dgm:scene3d>
+    <dgm:sp3d/>
+    <dgm:txPr/>
+    <dgm:style>
+      <a:lnRef idx="2">
+        <a:scrgbClr r="0" g="0" b="0"/>
+      </a:lnRef>
+      <a:fillRef idx="1">
+        <a:scrgbClr r="0" g="0" b="0"/>
+      </a:fillRef>
+      <a:effectRef idx="0">
+        <a:scrgbClr r="0" g="0" b="0"/>
+      </a:effectRef>
+      <a:fontRef idx="minor">
+        <a:schemeClr val="lt1"/>
+      </a:fontRef>
+    </dgm:style>
+  </dgm:styleLbl>
+  <dgm:styleLbl name="node4">
+    <dgm:scene3d>
+      <a:camera prst="orthographicFront"/>
+      <a:lightRig rig="threePt" dir="t"/>
+    </dgm:scene3d>
+    <dgm:sp3d/>
+    <dgm:txPr/>
+    <dgm:style>
+      <a:lnRef idx="2">
+        <a:scrgbClr r="0" g="0" b="0"/>
+      </a:lnRef>
+      <a:fillRef idx="1">
+        <a:scrgbClr r="0" g="0" b="0"/>
+      </a:fillRef>
+      <a:effectRef idx="0">
+        <a:scrgbClr r="0" g="0" b="0"/>
+      </a:effectRef>
+      <a:fontRef idx="minor">
+        <a:schemeClr val="lt1"/>
+      </a:fontRef>
+    </dgm:style>
+  </dgm:styleLbl>
+  <dgm:styleLbl name="fgImgPlace1">
+    <dgm:scene3d>
+      <a:camera prst="orthographicFront"/>
+      <a:lightRig rig="threePt" dir="t"/>
+    </dgm:scene3d>
+    <dgm:sp3d/>
+    <dgm:txPr/>
+    <dgm:style>
+      <a:lnRef idx="2">
+        <a:scrgbClr r="0" g="0" b="0"/>
+      </a:lnRef>
+      <a:fillRef idx="1">
+        <a:scrgbClr r="0" g="0" b="0"/>
+      </a:fillRef>
+      <a:effectRef idx="0">
+        <a:scrgbClr r="0" g="0" b="0"/>
+      </a:effectRef>
+      <a:fontRef idx="minor"/>
+    </dgm:style>
+  </dgm:styleLbl>
+  <dgm:styleLbl name="alignImgPlace1">
+    <dgm:scene3d>
+      <a:camera prst="orthographicFront"/>
+      <a:lightRig rig="threePt" dir="t"/>
+    </dgm:scene3d>
+    <dgm:sp3d/>
+    <dgm:txPr/>
+    <dgm:style>
+      <a:lnRef idx="2">
+        <a:scrgbClr r="0" g="0" b="0"/>
+      </a:lnRef>
+      <a:fillRef idx="1">
+        <a:scrgbClr r="0" g="0" b="0"/>
+      </a:fillRef>
+      <a:effectRef idx="0">
+        <a:scrgbClr r="0" g="0" b="0"/>
+      </a:effectRef>
+      <a:fontRef idx="minor"/>
+    </dgm:style>
+  </dgm:styleLbl>
+  <dgm:styleLbl name="bgImgPlace1">
+    <dgm:scene3d>
+      <a:camera prst="orthographicFront"/>
+      <a:lightRig rig="threePt" dir="t"/>
+    </dgm:scene3d>
+    <dgm:sp3d/>
+    <dgm:txPr/>
+    <dgm:style>
+      <a:lnRef idx="2">
+        <a:scrgbClr r="0" g="0" b="0"/>
+      </a:lnRef>
+      <a:fillRef idx="1">
+        <a:scrgbClr r="0" g="0" b="0"/>
+      </a:fillRef>
+      <a:effectRef idx="0">
+        <a:scrgbClr r="0" g="0" b="0"/>
+      </a:effectRef>
+      <a:fontRef idx="minor"/>
+    </dgm:style>
+  </dgm:styleLbl>
+  <dgm:styleLbl name="sibTrans2D1">
+    <dgm:scene3d>
+      <a:camera prst="orthographicFront"/>
+      <a:lightRig rig="threePt" dir="t"/>
+    </dgm:scene3d>
+    <dgm:sp3d/>
+    <dgm:txPr/>
+    <dgm:style>
+      <a:lnRef idx="0">
+        <a:scrgbClr r="0" g="0" b="0"/>
+      </a:lnRef>
+      <a:fillRef idx="1">
+        <a:scrgbClr r="0" g="0" b="0"/>
+      </a:fillRef>
+      <a:effectRef idx="0">
+        <a:scrgbClr r="0" g="0" b="0"/>
+      </a:effectRef>
+      <a:fontRef idx="minor">
+        <a:schemeClr val="lt1"/>
+      </a:fontRef>
+    </dgm:style>
+  </dgm:styleLbl>
+  <dgm:styleLbl name="fgSibTrans2D1">
+    <dgm:scene3d>
+      <a:camera prst="orthographicFront"/>
+      <a:lightRig rig="threePt" dir="t"/>
+    </dgm:scene3d>
+    <dgm:sp3d/>
+    <dgm:txPr/>
+    <dgm:style>
+      <a:lnRef idx="0">
+        <a:scrgbClr r="0" g="0" b="0"/>
+      </a:lnRef>
+      <a:fillRef idx="1">
+        <a:scrgbClr r="0" g="0" b="0"/>
+      </a:fillRef>
+      <a:effectRef idx="0">
+        <a:scrgbClr r="0" g="0" b="0"/>
+      </a:effectRef>
+      <a:fontRef idx="minor">
+        <a:schemeClr val="lt1"/>
+      </a:fontRef>
+    </dgm:style>
+  </dgm:styleLbl>
+  <dgm:styleLbl name="bgSibTrans2D1">
+    <dgm:scene3d>
+      <a:camera prst="orthographicFront"/>
+      <a:lightRig rig="threePt" dir="t"/>
+    </dgm:scene3d>
+    <dgm:sp3d/>
+    <dgm:txPr/>
+    <dgm:style>
+      <a:lnRef idx="0">
+        <a:scrgbClr r="0" g="0" b="0"/>
+      </a:lnRef>
+      <a:fillRef idx="1">
+        <a:scrgbClr r="0" g="0" b="0"/>
+      </a:fillRef>
+      <a:effectRef idx="0">
+        <a:scrgbClr r="0" g="0" b="0"/>
+      </a:effectRef>
+      <a:fontRef idx="minor">
+        <a:schemeClr val="lt1"/>
+      </a:fontRef>
+    </dgm:style>
+  </dgm:styleLbl>
+  <dgm:styleLbl name="sibTrans1D1">
+    <dgm:scene3d>
+      <a:camera prst="orthographicFront"/>
+      <a:lightRig rig="threePt" dir="t"/>
+    </dgm:scene3d>
+    <dgm:sp3d/>
+    <dgm:txPr/>
+    <dgm:style>
+      <a:lnRef idx="1">
+        <a:scrgbClr r="0" g="0" b="0"/>
+      </a:lnRef>
+      <a:fillRef idx="0">
+        <a:scrgbClr r="0" g="0" b="0"/>
+      </a:fillRef>
+      <a:effectRef idx="0">
+        <a:scrgbClr r="0" g="0" b="0"/>
+      </a:effectRef>
+      <a:fontRef idx="minor"/>
+    </dgm:style>
+  </dgm:styleLbl>
+  <dgm:styleLbl name="callout">
+    <dgm:scene3d>
+      <a:camera prst="orthographicFront"/>
+      <a:lightRig rig="threePt" dir="t"/>
+    </dgm:scene3d>
+    <dgm:sp3d/>
+    <dgm:txPr/>
+    <dgm:style>
+      <a:lnRef idx="2">
+        <a:scrgbClr r="0" g="0" b="0"/>
+      </a:lnRef>
+      <a:fillRef idx="1">
+        <a:scrgbClr r="0" g="0" b="0"/>
+      </a:fillRef>
+      <a:effectRef idx="0">
+        <a:scrgbClr r="0" g="0" b="0"/>
+      </a:effectRef>
+      <a:fontRef idx="minor"/>
+    </dgm:style>
+  </dgm:styleLbl>
+  <dgm:styleLbl name="asst0">
+    <dgm:scene3d>
+      <a:camera prst="orthographicFront"/>
+      <a:lightRig rig="threePt" dir="t"/>
+    </dgm:scene3d>
+    <dgm:sp3d/>
+    <dgm:txPr/>
+    <dgm:style>
+      <a:lnRef idx="2">
+        <a:scrgbClr r="0" g="0" b="0"/>
+      </a:lnRef>
+      <a:fillRef idx="1">
+        <a:scrgbClr r="0" g="0" b="0"/>
+      </a:fillRef>
+      <a:effectRef idx="0">
+        <a:scrgbClr r="0" g="0" b="0"/>
+      </a:effectRef>
+      <a:fontRef idx="minor">
+        <a:schemeClr val="lt1"/>
+      </a:fontRef>
+    </dgm:style>
+  </dgm:styleLbl>
+  <dgm:styleLbl name="asst1">
+    <dgm:scene3d>
+      <a:camera prst="orthographicFront"/>
+      <a:lightRig rig="threePt" dir="t"/>
+    </dgm:scene3d>
+    <dgm:sp3d/>
+    <dgm:txPr/>
+    <dgm:style>
+      <a:lnRef idx="2">
+        <a:scrgbClr r="0" g="0" b="0"/>
+      </a:lnRef>
+      <a:fillRef idx="1">
+        <a:scrgbClr r="0" g="0" b="0"/>
+      </a:fillRef>
+      <a:effectRef idx="0">
+        <a:scrgbClr r="0" g="0" b="0"/>
+      </a:effectRef>
+      <a:fontRef idx="minor">
+        <a:schemeClr val="lt1"/>
+      </a:fontRef>
+    </dgm:style>
+  </dgm:styleLbl>
+  <dgm:styleLbl name="asst2">
+    <dgm:scene3d>
+      <a:camera prst="orthographicFront"/>
+      <a:lightRig rig="threePt" dir="t"/>
+    </dgm:scene3d>
+    <dgm:sp3d/>
+    <dgm:txPr/>
+    <dgm:style>
+      <a:lnRef idx="2">
+        <a:scrgbClr r="0" g="0" b="0"/>
+      </a:lnRef>
+      <a:fillRef idx="1">
+        <a:scrgbClr r="0" g="0" b="0"/>
+      </a:fillRef>
+      <a:effectRef idx="0">
+        <a:scrgbClr r="0" g="0" b="0"/>
+      </a:effectRef>
+      <a:fontRef idx="minor">
+        <a:schemeClr val="lt1"/>
+      </a:fontRef>
+    </dgm:style>
+  </dgm:styleLbl>
+  <dgm:styleLbl name="asst3">
+    <dgm:scene3d>
+      <a:camera prst="orthographicFront"/>
+      <a:lightRig rig="threePt" dir="t"/>
+    </dgm:scene3d>
+    <dgm:sp3d/>
+    <dgm:txPr/>
+    <dgm:style>
+      <a:lnRef idx="2">
+        <a:scrgbClr r="0" g="0" b="0"/>
+      </a:lnRef>
+      <a:fillRef idx="1">
+        <a:scrgbClr r="0" g="0" b="0"/>
+      </a:fillRef>
+      <a:effectRef idx="0">
+        <a:scrgbClr r="0" g="0" b="0"/>
+      </a:effectRef>
+      <a:fontRef idx="minor">
+        <a:schemeClr val="lt1"/>
+      </a:fontRef>
+    </dgm:style>
+  </dgm:styleLbl>
+  <dgm:styleLbl name="asst4">
+    <dgm:scene3d>
+      <a:camera prst="orthographicFront"/>
+      <a:lightRig rig="threePt" dir="t"/>
+    </dgm:scene3d>
+    <dgm:sp3d/>
+    <dgm:txPr/>
+    <dgm:style>
+      <a:lnRef idx="2">
+        <a:scrgbClr r="0" g="0" b="0"/>
+      </a:lnRef>
+      <a:fillRef idx="1">
+        <a:scrgbClr r="0" g="0" b="0"/>
+      </a:fillRef>
+      <a:effectRef idx="0">
+        <a:scrgbClr r="0" g="0" b="0"/>
+      </a:effectRef>
+      <a:fontRef idx="minor">
+        <a:schemeClr val="lt1"/>
+      </a:fontRef>
+    </dgm:style>
+  </dgm:styleLbl>
+  <dgm:styleLbl name="parChTrans2D1">
+    <dgm:scene3d>
+      <a:camera prst="orthographicFront"/>
+      <a:lightRig rig="threePt" dir="t"/>
+    </dgm:scene3d>
+    <dgm:sp3d/>
+    <dgm:txPr/>
+    <dgm:style>
+      <a:lnRef idx="2">
+        <a:scrgbClr r="0" g="0" b="0"/>
+      </a:lnRef>
+      <a:fillRef idx="1">
+        <a:scrgbClr r="0" g="0" b="0"/>
+      </a:fillRef>
+      <a:effectRef idx="0">
+        <a:scrgbClr r="0" g="0" b="0"/>
+      </a:effectRef>
+      <a:fontRef idx="minor">
+        <a:schemeClr val="lt1"/>
+      </a:fontRef>
+    </dgm:style>
+  </dgm:styleLbl>
+  <dgm:styleLbl name="parChTrans2D2">
+    <dgm:scene3d>
+      <a:camera prst="orthographicFront"/>
+      <a:lightRig rig="threePt" dir="t"/>
+    </dgm:scene3d>
+    <dgm:sp3d/>
+    <dgm:txPr/>
+    <dgm:style>
+      <a:lnRef idx="2">
+        <a:scrgbClr r="0" g="0" b="0"/>
+      </a:lnRef>
+      <a:fillRef idx="1">
+        <a:scrgbClr r="0" g="0" b="0"/>
+      </a:fillRef>
+      <a:effectRef idx="0">
+        <a:scrgbClr r="0" g="0" b="0"/>
+      </a:effectRef>
+      <a:fontRef idx="minor">
+        <a:schemeClr val="lt1"/>
+      </a:fontRef>
+    </dgm:style>
+  </dgm:styleLbl>
+  <dgm:styleLbl name="parChTrans2D3">
+    <dgm:scene3d>
+      <a:camera prst="orthographicFront"/>
+      <a:lightRig rig="threePt" dir="t"/>
+    </dgm:scene3d>
+    <dgm:sp3d/>
+    <dgm:txPr/>
+    <dgm:style>
+      <a:lnRef idx="2">
+        <a:scrgbClr r="0" g="0" b="0"/>
+      </a:lnRef>
+      <a:fillRef idx="1">
+        <a:scrgbClr r="0" g="0" b="0"/>
+      </a:fillRef>
+      <a:effectRef idx="0">
+        <a:scrgbClr r="0" g="0" b="0"/>
+      </a:effectRef>
+      <a:fontRef idx="minor">
+        <a:schemeClr val="lt1"/>
+      </a:fontRef>
+    </dgm:style>
+  </dgm:styleLbl>
+  <dgm:styleLbl name="parChTrans2D4">
+    <dgm:scene3d>
+      <a:camera prst="orthographicFront"/>
+      <a:lightRig rig="threePt" dir="t"/>
+    </dgm:scene3d>
+    <dgm:sp3d/>
+    <dgm:txPr/>
+    <dgm:style>
+      <a:lnRef idx="2">
+        <a:scrgbClr r="0" g="0" b="0"/>
+      </a:lnRef>
+      <a:fillRef idx="1">
+        <a:scrgbClr r="0" g="0" b="0"/>
+      </a:fillRef>
+      <a:effectRef idx="0">
+        <a:scrgbClr r="0" g="0" b="0"/>
+      </a:effectRef>
+      <a:fontRef idx="minor">
+        <a:schemeClr val="lt1"/>
+      </a:fontRef>
+    </dgm:style>
+  </dgm:styleLbl>
+  <dgm:styleLbl name="parChTrans1D1">
+    <dgm:scene3d>
+      <a:camera prst="orthographicFront"/>
+      <a:lightRig rig="threePt" dir="t"/>
+    </dgm:scene3d>
+    <dgm:sp3d/>
+    <dgm:txPr/>
+    <dgm:style>
+      <a:lnRef idx="2">
+        <a:scrgbClr r="0" g="0" b="0"/>
+      </a:lnRef>
+      <a:fillRef idx="0">
+        <a:scrgbClr r="0" g="0" b="0"/>
+      </a:fillRef>
+      <a:effectRef idx="0">
+        <a:scrgbClr r="0" g="0" b="0"/>
+      </a:effectRef>
+      <a:fontRef idx="minor"/>
+    </dgm:style>
+  </dgm:styleLbl>
+  <dgm:styleLbl name="parChTrans1D2">
+    <dgm:scene3d>
+      <a:camera prst="orthographicFront"/>
+      <a:lightRig rig="threePt" dir="t"/>
+    </dgm:scene3d>
+    <dgm:sp3d/>
+    <dgm:txPr/>
+    <dgm:style>
+      <a:lnRef idx="2">
+        <a:scrgbClr r="0" g="0" b="0"/>
+      </a:lnRef>
+      <a:fillRef idx="0">
+        <a:scrgbClr r="0" g="0" b="0"/>
+      </a:fillRef>
+      <a:effectRef idx="0">
+        <a:scrgbClr r="0" g="0" b="0"/>
+      </a:effectRef>
+      <a:fontRef idx="minor"/>
+    </dgm:style>
+  </dgm:styleLbl>
+  <dgm:styleLbl name="parChTrans1D3">
+    <dgm:scene3d>
+      <a:camera prst="orthographicFront"/>
+      <a:lightRig rig="threePt" dir="t"/>
+    </dgm:scene3d>
+    <dgm:sp3d/>
+    <dgm:txPr/>
+    <dgm:style>
+      <a:lnRef idx="2">
+        <a:scrgbClr r="0" g="0" b="0"/>
+      </a:lnRef>
+      <a:fillRef idx="0">
+        <a:scrgbClr r="0" g="0" b="0"/>
+      </a:fillRef>
+      <a:effectRef idx="0">
+        <a:scrgbClr r="0" g="0" b="0"/>
+      </a:effectRef>
+      <a:fontRef idx="minor"/>
+    </dgm:style>
+  </dgm:styleLbl>
+  <dgm:styleLbl name="parChTrans1D4">
+    <dgm:scene3d>
+      <a:camera prst="orthographicFront"/>
+      <a:lightRig rig="threePt" dir="t"/>
+    </dgm:scene3d>
+    <dgm:sp3d/>
+    <dgm:txPr/>
+    <dgm:style>
+      <a:lnRef idx="2">
+        <a:scrgbClr r="0" g="0" b="0"/>
+      </a:lnRef>
+      <a:fillRef idx="0">
+        <a:scrgbClr r="0" g="0" b="0"/>
+      </a:fillRef>
+      <a:effectRef idx="0">
+        <a:scrgbClr r="0" g="0" b="0"/>
+      </a:effectRef>
+      <a:fontRef idx="minor"/>
+    </dgm:style>
+  </dgm:styleLbl>
+  <dgm:styleLbl name="fgAcc1">
+    <dgm:scene3d>
+      <a:camera prst="orthographicFront"/>
+      <a:lightRig rig="threePt" dir="t"/>
+    </dgm:scene3d>
+    <dgm:sp3d/>
+    <dgm:txPr/>
+    <dgm:style>
+      <a:lnRef idx="2">
+        <a:scrgbClr r="0" g="0" b="0"/>
+      </a:lnRef>
+      <a:fillRef idx="1">
+        <a:scrgbClr r="0" g="0" b="0"/>
+      </a:fillRef>
+      <a:effectRef idx="0">
+        <a:scrgbClr r="0" g="0" b="0"/>
+      </a:effectRef>
+      <a:fontRef idx="minor"/>
+    </dgm:style>
+  </dgm:styleLbl>
+  <dgm:styleLbl name="conFgAcc1">
+    <dgm:scene3d>
+      <a:camera prst="orthographicFront"/>
+      <a:lightRig rig="threePt" dir="t"/>
+    </dgm:scene3d>
+    <dgm:sp3d/>
+    <dgm:txPr/>
+    <dgm:style>
+      <a:lnRef idx="2">
+        <a:scrgbClr r="0" g="0" b="0"/>
+      </a:lnRef>
+      <a:fillRef idx="1">
+        <a:scrgbClr r="0" g="0" b="0"/>
+      </a:fillRef>
+      <a:effectRef idx="0">
+        <a:scrgbClr r="0" g="0" b="0"/>
+      </a:effectRef>
+      <a:fontRef idx="minor"/>
+    </dgm:style>
+  </dgm:styleLbl>
+  <dgm:styleLbl name="alignAcc1">
+    <dgm:scene3d>
+      <a:camera prst="orthographicFront"/>
+      <a:lightRig rig="threePt" dir="t"/>
+    </dgm:scene3d>
+    <dgm:sp3d/>
+    <dgm:txPr/>
+    <dgm:style>
+      <a:lnRef idx="2">
+        <a:scrgbClr r="0" g="0" b="0"/>
+      </a:lnRef>
+      <a:fillRef idx="1">
+        <a:scrgbClr r="0" g="0" b="0"/>
+      </a:fillRef>
+      <a:effectRef idx="0">
+        <a:scrgbClr r="0" g="0" b="0"/>
+      </a:effectRef>
+      <a:fontRef idx="minor"/>
+    </dgm:style>
+  </dgm:styleLbl>
+  <dgm:styleLbl name="trAlignAcc1">
+    <dgm:scene3d>
+      <a:camera prst="orthographicFront"/>
+      <a:lightRig rig="threePt" dir="t"/>
+    </dgm:scene3d>
+    <dgm:sp3d/>
+    <dgm:txPr/>
+    <dgm:style>
+      <a:lnRef idx="1">
+        <a:scrgbClr r="0" g="0" b="0"/>
+      </a:lnRef>
+      <a:fillRef idx="1">
+        <a:scrgbClr r="0" g="0" b="0"/>
+      </a:fillRef>
+      <a:effectRef idx="0">
+        <a:scrgbClr r="0" g="0" b="0"/>
+      </a:effectRef>
+      <a:fontRef idx="minor"/>
+    </dgm:style>
+  </dgm:styleLbl>
+  <dgm:styleLbl name="bgAcc1">
+    <dgm:scene3d>
+      <a:camera prst="orthographicFront"/>
+      <a:lightRig rig="threePt" dir="t"/>
+    </dgm:scene3d>
+    <dgm:sp3d/>
+    <dgm:txPr/>
+    <dgm:style>
+      <a:lnRef idx="2">
+        <a:scrgbClr r="0" g="0" b="0"/>
+      </a:lnRef>
+      <a:fillRef idx="1">
+        <a:scrgbClr r="0" g="0" b="0"/>
+      </a:fillRef>
+      <a:effectRef idx="0">
+        <a:scrgbClr r="0" g="0" b="0"/>
+      </a:effectRef>
+      <a:fontRef idx="minor"/>
+    </dgm:style>
+  </dgm:styleLbl>
+  <dgm:styleLbl name="solidFgAcc1">
+    <dgm:scene3d>
+      <a:camera prst="orthographicFront"/>
+      <a:lightRig rig="threePt" dir="t"/>
+    </dgm:scene3d>
+    <dgm:sp3d/>
+    <dgm:txPr/>
+    <dgm:style>
+      <a:lnRef idx="2">
+        <a:scrgbClr r="0" g="0" b="0"/>
+      </a:lnRef>
+      <a:fillRef idx="1">
+        <a:scrgbClr r="0" g="0" b="0"/>
+      </a:fillRef>
+      <a:effectRef idx="0">
+        <a:scrgbClr r="0" g="0" b="0"/>
+      </a:effectRef>
+      <a:fontRef idx="minor"/>
+    </dgm:style>
+  </dgm:styleLbl>
+  <dgm:styleLbl name="solidAlignAcc1">
+    <dgm:scene3d>
+      <a:camera prst="orthographicFront"/>
+      <a:lightRig rig="threePt" dir="t"/>
+    </dgm:scene3d>
+    <dgm:sp3d/>
+    <dgm:txPr/>
+    <dgm:style>
+      <a:lnRef idx="2">
+        <a:scrgbClr r="0" g="0" b="0"/>
+      </a:lnRef>
+      <a:fillRef idx="1">
+        <a:scrgbClr r="0" g="0" b="0"/>
+      </a:fillRef>
+      <a:effectRef idx="0">
+        <a:scrgbClr r="0" g="0" b="0"/>
+      </a:effectRef>
+      <a:fontRef idx="minor"/>
+    </dgm:style>
+  </dgm:styleLbl>
+  <dgm:styleLbl name="solidBgAcc1">
+    <dgm:scene3d>
+      <a:camera prst="orthographicFront"/>
+      <a:lightRig rig="threePt" dir="t"/>
+    </dgm:scene3d>
+    <dgm:sp3d/>
+    <dgm:txPr/>
+    <dgm:style>
+      <a:lnRef idx="2">
+        <a:scrgbClr r="0" g="0" b="0"/>
+      </a:lnRef>
+      <a:fillRef idx="1">
+        <a:scrgbClr r="0" g="0" b="0"/>
+      </a:fillRef>
+      <a:effectRef idx="0">
+        <a:scrgbClr r="0" g="0" b="0"/>
+      </a:effectRef>
+      <a:fontRef idx="minor"/>
+    </dgm:style>
+  </dgm:styleLbl>
+  <dgm:styleLbl name="fgAccFollowNode1">
+    <dgm:scene3d>
+      <a:camera prst="orthographicFront"/>
+      <a:lightRig rig="threePt" dir="t"/>
+    </dgm:scene3d>
+    <dgm:sp3d/>
+    <dgm:txPr/>
+    <dgm:style>
+      <a:lnRef idx="2">
+        <a:scrgbClr r="0" g="0" b="0"/>
+      </a:lnRef>
+      <a:fillRef idx="1">
+        <a:scrgbClr r="0" g="0" b="0"/>
+      </a:fillRef>
+      <a:effectRef idx="0">
+        <a:scrgbClr r="0" g="0" b="0"/>
+      </a:effectRef>
+      <a:fontRef idx="minor"/>
+    </dgm:style>
+  </dgm:styleLbl>
+  <dgm:styleLbl name="alignAccFollowNode1">
+    <dgm:scene3d>
+      <a:camera prst="orthographicFront"/>
+      <a:lightRig rig="threePt" dir="t"/>
+    </dgm:scene3d>
+    <dgm:sp3d/>
+    <dgm:txPr/>
+    <dgm:style>
+      <a:lnRef idx="2">
+        <a:scrgbClr r="0" g="0" b="0"/>
+      </a:lnRef>
+      <a:fillRef idx="1">
+        <a:scrgbClr r="0" g="0" b="0"/>
+      </a:fillRef>
+      <a:effectRef idx="0">
+        <a:scrgbClr r="0" g="0" b="0"/>
+      </a:effectRef>
+      <a:fontRef idx="minor"/>
+    </dgm:style>
+  </dgm:styleLbl>
+  <dgm:styleLbl name="bgAccFollowNode1">
+    <dgm:scene3d>
+      <a:camera prst="orthographicFront"/>
+      <a:lightRig rig="threePt" dir="t"/>
+    </dgm:scene3d>
+    <dgm:sp3d/>
+    <dgm:txPr/>
+    <dgm:style>
+      <a:lnRef idx="2">
+        <a:scrgbClr r="0" g="0" b="0"/>
+      </a:lnRef>
+      <a:fillRef idx="1">
+        <a:scrgbClr r="0" g="0" b="0"/>
+      </a:fillRef>
+      <a:effectRef idx="0">
+        <a:scrgbClr r="0" g="0" b="0"/>
+      </a:effectRef>
+      <a:fontRef idx="minor"/>
+    </dgm:style>
+  </dgm:styleLbl>
+  <dgm:styleLbl name="fgAcc0">
+    <dgm:scene3d>
+      <a:camera prst="orthographicFront"/>
+      <a:lightRig rig="threePt" dir="t"/>
+    </dgm:scene3d>
+    <dgm:sp3d/>
+    <dgm:txPr/>
+    <dgm:style>
+      <a:lnRef idx="2">
+        <a:scrgbClr r="0" g="0" b="0"/>
+      </a:lnRef>
+      <a:fillRef idx="1">
+        <a:scrgbClr r="0" g="0" b="0"/>
+      </a:fillRef>
+      <a:effectRef idx="0">
+        <a:scrgbClr r="0" g="0" b="0"/>
+      </a:effectRef>
+      <a:fontRef idx="minor"/>
+    </dgm:style>
+  </dgm:styleLbl>
+  <dgm:styleLbl name="fgAcc2">
+    <dgm:scene3d>
+      <a:camera prst="orthographicFront"/>
+      <a:lightRig rig="threePt" dir="t"/>
+    </dgm:scene3d>
+    <dgm:sp3d/>
+    <dgm:txPr/>
+    <dgm:style>
+      <a:lnRef idx="2">
+        <a:scrgbClr r="0" g="0" b="0"/>
+      </a:lnRef>
+      <a:fillRef idx="1">
+        <a:scrgbClr r="0" g="0" b="0"/>
+      </a:fillRef>
+      <a:effectRef idx="0">
+        <a:scrgbClr r="0" g="0" b="0"/>
+      </a:effectRef>
+      <a:fontRef idx="minor"/>
+    </dgm:style>
+  </dgm:styleLbl>
+  <dgm:styleLbl name="fgAcc3">
+    <dgm:scene3d>
+      <a:camera prst="orthographicFront"/>
+      <a:lightRig rig="threePt" dir="t"/>
+    </dgm:scene3d>
+    <dgm:sp3d/>
+    <dgm:txPr/>
+    <dgm:style>
+      <a:lnRef idx="2">
+        <a:scrgbClr r="0" g="0" b="0"/>
+      </a:lnRef>
+      <a:fillRef idx="1">
+        <a:scrgbClr r="0" g="0" b="0"/>
+      </a:fillRef>
+      <a:effectRef idx="0">
+        <a:scrgbClr r="0" g="0" b="0"/>
+      </a:effectRef>
+      <a:fontRef idx="minor"/>
+    </dgm:style>
+  </dgm:styleLbl>
+  <dgm:styleLbl name="fgAcc4">
+    <dgm:scene3d>
+      <a:camera prst="orthographicFront"/>
+      <a:lightRig rig="threePt" dir="t"/>
+    </dgm:scene3d>
+    <dgm:sp3d/>
+    <dgm:txPr/>
+    <dgm:style>
+      <a:lnRef idx="2">
+        <a:scrgbClr r="0" g="0" b="0"/>
+      </a:lnRef>
+      <a:fillRef idx="1">
+        <a:scrgbClr r="0" g="0" b="0"/>
+      </a:fillRef>
+      <a:effectRef idx="0">
+        <a:scrgbClr r="0" g="0" b="0"/>
+      </a:effectRef>
+      <a:fontRef idx="minor"/>
+    </dgm:style>
+  </dgm:styleLbl>
+  <dgm:styleLbl name="bgShp">
+    <dgm:scene3d>
+      <a:camera prst="orthographicFront"/>
+      <a:lightRig rig="threePt" dir="t"/>
+    </dgm:scene3d>
+    <dgm:sp3d/>
+    <dgm:txPr/>
+    <dgm:style>
+      <a:lnRef idx="0">
+        <a:scrgbClr r="0" g="0" b="0"/>
+      </a:lnRef>
+      <a:fillRef idx="1">
+        <a:scrgbClr r="0" g="0" b="0"/>
+      </a:fillRef>
+      <a:effectRef idx="0">
+        <a:scrgbClr r="0" g="0" b="0"/>
+      </a:effectRef>
+      <a:fontRef idx="minor"/>
+    </dgm:style>
+  </dgm:styleLbl>
+  <dgm:styleLbl name="dkBgShp">
+    <dgm:scene3d>
+      <a:camera prst="orthographicFront"/>
+      <a:lightRig rig="threePt" dir="t"/>
+    </dgm:scene3d>
+    <dgm:sp3d/>
+    <dgm:txPr/>
+    <dgm:style>
+      <a:lnRef idx="0">
+        <a:scrgbClr r="0" g="0" b="0"/>
+      </a:lnRef>
+      <a:fillRef idx="1">
+        <a:scrgbClr r="0" g="0" b="0"/>
+      </a:fillRef>
+      <a:effectRef idx="0">
+        <a:scrgbClr r="0" g="0" b="0"/>
+      </a:effectRef>
+      <a:fontRef idx="minor"/>
+    </dgm:style>
+  </dgm:styleLbl>
+  <dgm:styleLbl name="trBgShp">
+    <dgm:scene3d>
+      <a:camera prst="orthographicFront"/>
+      <a:lightRig rig="threePt" dir="t"/>
+    </dgm:scene3d>
+    <dgm:sp3d/>
+    <dgm:txPr/>
+    <dgm:style>
+      <a:lnRef idx="0">
+        <a:scrgbClr r="0" g="0" b="0"/>
+      </a:lnRef>
+      <a:fillRef idx="1">
+        <a:scrgbClr r="0" g="0" b="0"/>
+      </a:fillRef>
+      <a:effectRef idx="0">
+        <a:scrgbClr r="0" g="0" b="0"/>
+      </a:effectRef>
+      <a:fontRef idx="minor"/>
+    </dgm:style>
+  </dgm:styleLbl>
+  <dgm:styleLbl name="fgShp">
+    <dgm:scene3d>
+      <a:camera prst="orthographicFront"/>
+      <a:lightRig rig="threePt" dir="t"/>
+    </dgm:scene3d>
+    <dgm:sp3d/>
+    <dgm:txPr/>
+    <dgm:style>
+      <a:lnRef idx="2">
+        <a:scrgbClr r="0" g="0" b="0"/>
+      </a:lnRef>
+      <a:fillRef idx="1">
+        <a:scrgbClr r="0" g="0" b="0"/>
+      </a:fillRef>
+      <a:effectRef idx="0">
+        <a:scrgbClr r="0" g="0" b="0"/>
+      </a:effectRef>
+      <a:fontRef idx="minor"/>
+    </dgm:style>
+  </dgm:styleLbl>
+  <dgm:styleLbl name="revTx">
+    <dgm:scene3d>
+      <a:camera prst="orthographicFront"/>
+      <a:lightRig rig="threePt" dir="t"/>
+    </dgm:scene3d>
+    <dgm:sp3d/>
+    <dgm:txPr/>
+    <dgm:style>
+      <a:lnRef idx="0">
+        <a:scrgbClr r="0" g="0" b="0"/>
+      </a:lnRef>
+      <a:fillRef idx="0">
+        <a:scrgbClr r="0" g="0" b="0"/>
+      </a:fillRef>
+      <a:effectRef idx="0">
+        <a:scrgbClr r="0" g="0" b="0"/>
+      </a:effectRef>
+      <a:fontRef idx="minor"/>
+    </dgm:style>
+  </dgm:styleLbl>
+</dgm:styleDef>
+</file>
+
+<file path=ppt/diagrams/quickStyle4.xml><?xml version="1.0" encoding="utf-8"?>
 <dgm:styleDef xmlns:dgm="http://schemas.openxmlformats.org/drawingml/2006/diagram" xmlns:a="http://schemas.openxmlformats.org/drawingml/2006/main" uniqueId="urn:microsoft.com/office/officeart/2005/8/quickstyle/simple1">
   <dgm:title val=""/>
   <dgm:desc val=""/>
@@ -14165,6 +17410,64 @@
 </p:sld>
 </file>
 
+<file path=ppt/slides/slide4.xml><?xml version="1.0" encoding="utf-8"?>
+<p:sld xmlns:a="http://schemas.openxmlformats.org/drawingml/2006/main" xmlns:r="http://schemas.openxmlformats.org/officeDocument/2006/relationships" xmlns:p="http://schemas.openxmlformats.org/presentationml/2006/main">
+  <p:cSld>
+    <p:spTree>
+      <p:nvGrpSpPr>
+        <p:cNvPr id="1" name=""/>
+        <p:cNvGrpSpPr/>
+        <p:nvPr/>
+      </p:nvGrpSpPr>
+      <p:grpSpPr>
+        <a:xfrm>
+          <a:off x="0" y="0"/>
+          <a:ext cx="0" cy="0"/>
+          <a:chOff x="0" y="0"/>
+          <a:chExt cx="0" cy="0"/>
+        </a:xfrm>
+      </p:grpSpPr>
+      <p:graphicFrame>
+        <p:nvGraphicFramePr>
+          <p:cNvPr id="6" name="Diagram 5">
+            <a:extLst>
+              <a:ext uri="{FF2B5EF4-FFF2-40B4-BE49-F238E27FC236}">
+                <a16:creationId xmlns:a16="http://schemas.microsoft.com/office/drawing/2014/main" id="{BCC160AF-2C60-4B0F-B745-D8B025CEB7F2}"/>
+              </a:ext>
+            </a:extLst>
+          </p:cNvPr>
+          <p:cNvGraphicFramePr/>
+          <p:nvPr>
+            <p:extLst>
+              <p:ext uri="{D42A27DB-BD31-4B8C-83A1-F6EECF244321}">
+                <p14:modId xmlns:p14="http://schemas.microsoft.com/office/powerpoint/2010/main" val="4142498060"/>
+              </p:ext>
+            </p:extLst>
+          </p:nvPr>
+        </p:nvGraphicFramePr>
+        <p:xfrm>
+          <a:off x="2032000" y="719666"/>
+          <a:ext cx="8128000" cy="5418667"/>
+        </p:xfrm>
+        <a:graphic>
+          <a:graphicData uri="http://schemas.openxmlformats.org/drawingml/2006/diagram">
+            <dgm:relIds xmlns:dgm="http://schemas.openxmlformats.org/drawingml/2006/diagram" xmlns:r="http://schemas.openxmlformats.org/officeDocument/2006/relationships" r:dm="rId2" r:lo="rId3" r:qs="rId4" r:cs="rId5"/>
+          </a:graphicData>
+        </a:graphic>
+      </p:graphicFrame>
+    </p:spTree>
+    <p:extLst>
+      <p:ext uri="{BB962C8B-B14F-4D97-AF65-F5344CB8AC3E}">
+        <p14:creationId xmlns:p14="http://schemas.microsoft.com/office/powerpoint/2010/main" val="179469367"/>
+      </p:ext>
+    </p:extLst>
+  </p:cSld>
+  <p:clrMapOvr>
+    <a:masterClrMapping/>
+  </p:clrMapOvr>
+</p:sld>
+</file>
+
 <file path=ppt/theme/theme1.xml><?xml version="1.0" encoding="utf-8"?>
 <a:theme xmlns:a="http://schemas.openxmlformats.org/drawingml/2006/main" name="Office Theme">
   <a:themeElements>

--- a/graphics/Workflow.pptx
+++ b/graphics/Workflow.pptx
@@ -9,6 +9,8 @@
     <p:sldId id="257" r:id="rId3"/>
     <p:sldId id="258" r:id="rId4"/>
     <p:sldId id="259" r:id="rId5"/>
+    <p:sldId id="260" r:id="rId6"/>
+    <p:sldId id="261" r:id="rId7"/>
   </p:sldIdLst>
   <p:sldSz cx="12192000" cy="6858000"/>
   <p:notesSz cx="6858000" cy="9144000"/>
@@ -3119,6 +3121,1508 @@
 </dgm:colorsDef>
 </file>
 
+<file path=ppt/diagrams/colors5.xml><?xml version="1.0" encoding="utf-8"?>
+<dgm:colorsDef xmlns:dgm="http://schemas.openxmlformats.org/drawingml/2006/diagram" xmlns:a="http://schemas.openxmlformats.org/drawingml/2006/main" uniqueId="urn:microsoft.com/office/officeart/2005/8/colors/accent0_3">
+  <dgm:title val=""/>
+  <dgm:desc val=""/>
+  <dgm:catLst>
+    <dgm:cat type="mainScheme" pri="10300"/>
+  </dgm:catLst>
+  <dgm:styleLbl name="node0">
+    <dgm:fillClrLst meth="repeat">
+      <a:schemeClr val="dk2"/>
+    </dgm:fillClrLst>
+    <dgm:linClrLst meth="repeat">
+      <a:schemeClr val="lt2"/>
+    </dgm:linClrLst>
+    <dgm:effectClrLst/>
+    <dgm:txLinClrLst/>
+    <dgm:txFillClrLst/>
+    <dgm:txEffectClrLst/>
+  </dgm:styleLbl>
+  <dgm:styleLbl name="alignNode1">
+    <dgm:fillClrLst meth="repeat">
+      <a:schemeClr val="dk2"/>
+    </dgm:fillClrLst>
+    <dgm:linClrLst meth="repeat">
+      <a:schemeClr val="dk2"/>
+    </dgm:linClrLst>
+    <dgm:effectClrLst/>
+    <dgm:txLinClrLst/>
+    <dgm:txFillClrLst/>
+    <dgm:txEffectClrLst/>
+  </dgm:styleLbl>
+  <dgm:styleLbl name="node1">
+    <dgm:fillClrLst meth="repeat">
+      <a:schemeClr val="dk2"/>
+    </dgm:fillClrLst>
+    <dgm:linClrLst meth="repeat">
+      <a:schemeClr val="lt2"/>
+    </dgm:linClrLst>
+    <dgm:effectClrLst/>
+    <dgm:txLinClrLst/>
+    <dgm:txFillClrLst/>
+    <dgm:txEffectClrLst/>
+  </dgm:styleLbl>
+  <dgm:styleLbl name="lnNode1">
+    <dgm:fillClrLst meth="repeat">
+      <a:schemeClr val="dk2"/>
+    </dgm:fillClrLst>
+    <dgm:linClrLst meth="repeat">
+      <a:schemeClr val="lt2"/>
+    </dgm:linClrLst>
+    <dgm:effectClrLst/>
+    <dgm:txLinClrLst/>
+    <dgm:txFillClrLst/>
+    <dgm:txEffectClrLst/>
+  </dgm:styleLbl>
+  <dgm:styleLbl name="vennNode1">
+    <dgm:fillClrLst meth="repeat">
+      <a:schemeClr val="dk2">
+        <a:alpha val="50000"/>
+      </a:schemeClr>
+    </dgm:fillClrLst>
+    <dgm:linClrLst meth="repeat">
+      <a:schemeClr val="lt2"/>
+    </dgm:linClrLst>
+    <dgm:effectClrLst/>
+    <dgm:txLinClrLst/>
+    <dgm:txFillClrLst/>
+    <dgm:txEffectClrLst/>
+  </dgm:styleLbl>
+  <dgm:styleLbl name="node2">
+    <dgm:fillClrLst meth="repeat">
+      <a:schemeClr val="dk2"/>
+    </dgm:fillClrLst>
+    <dgm:linClrLst meth="repeat">
+      <a:schemeClr val="lt2"/>
+    </dgm:linClrLst>
+    <dgm:effectClrLst/>
+    <dgm:txLinClrLst/>
+    <dgm:txFillClrLst/>
+    <dgm:txEffectClrLst/>
+  </dgm:styleLbl>
+  <dgm:styleLbl name="node3">
+    <dgm:fillClrLst meth="repeat">
+      <a:schemeClr val="dk2"/>
+    </dgm:fillClrLst>
+    <dgm:linClrLst meth="repeat">
+      <a:schemeClr val="lt2"/>
+    </dgm:linClrLst>
+    <dgm:effectClrLst/>
+    <dgm:txLinClrLst/>
+    <dgm:txFillClrLst/>
+    <dgm:txEffectClrLst/>
+  </dgm:styleLbl>
+  <dgm:styleLbl name="node4">
+    <dgm:fillClrLst meth="repeat">
+      <a:schemeClr val="dk2"/>
+    </dgm:fillClrLst>
+    <dgm:linClrLst meth="repeat">
+      <a:schemeClr val="lt2"/>
+    </dgm:linClrLst>
+    <dgm:effectClrLst/>
+    <dgm:txLinClrLst/>
+    <dgm:txFillClrLst/>
+    <dgm:txEffectClrLst/>
+  </dgm:styleLbl>
+  <dgm:styleLbl name="fgImgPlace1">
+    <dgm:fillClrLst meth="repeat">
+      <a:schemeClr val="dk2">
+        <a:tint val="50000"/>
+      </a:schemeClr>
+    </dgm:fillClrLst>
+    <dgm:linClrLst meth="repeat">
+      <a:schemeClr val="lt2"/>
+    </dgm:linClrLst>
+    <dgm:effectClrLst/>
+    <dgm:txLinClrLst/>
+    <dgm:txFillClrLst meth="repeat">
+      <a:schemeClr val="lt2"/>
+    </dgm:txFillClrLst>
+    <dgm:txEffectClrLst/>
+  </dgm:styleLbl>
+  <dgm:styleLbl name="alignImgPlace1">
+    <dgm:fillClrLst meth="repeat">
+      <a:schemeClr val="dk2">
+        <a:tint val="50000"/>
+      </a:schemeClr>
+    </dgm:fillClrLst>
+    <dgm:linClrLst meth="repeat">
+      <a:schemeClr val="dk2">
+        <a:shade val="80000"/>
+      </a:schemeClr>
+    </dgm:linClrLst>
+    <dgm:effectClrLst/>
+    <dgm:txLinClrLst/>
+    <dgm:txFillClrLst meth="repeat">
+      <a:schemeClr val="lt2"/>
+    </dgm:txFillClrLst>
+    <dgm:txEffectClrLst/>
+  </dgm:styleLbl>
+  <dgm:styleLbl name="bgImgPlace1">
+    <dgm:fillClrLst meth="repeat">
+      <a:schemeClr val="dk2">
+        <a:tint val="50000"/>
+      </a:schemeClr>
+    </dgm:fillClrLst>
+    <dgm:linClrLst meth="repeat">
+      <a:schemeClr val="dk2">
+        <a:shade val="80000"/>
+      </a:schemeClr>
+    </dgm:linClrLst>
+    <dgm:effectClrLst/>
+    <dgm:txLinClrLst/>
+    <dgm:txFillClrLst meth="repeat">
+      <a:schemeClr val="lt2"/>
+    </dgm:txFillClrLst>
+    <dgm:txEffectClrLst/>
+  </dgm:styleLbl>
+  <dgm:styleLbl name="sibTrans2D1">
+    <dgm:fillClrLst meth="repeat">
+      <a:schemeClr val="dk2">
+        <a:tint val="60000"/>
+      </a:schemeClr>
+    </dgm:fillClrLst>
+    <dgm:linClrLst meth="repeat">
+      <a:schemeClr val="dk2">
+        <a:tint val="60000"/>
+      </a:schemeClr>
+    </dgm:linClrLst>
+    <dgm:effectClrLst/>
+    <dgm:txLinClrLst/>
+    <dgm:txFillClrLst/>
+    <dgm:txEffectClrLst/>
+  </dgm:styleLbl>
+  <dgm:styleLbl name="fgSibTrans2D1">
+    <dgm:fillClrLst meth="repeat">
+      <a:schemeClr val="dk2">
+        <a:tint val="60000"/>
+      </a:schemeClr>
+    </dgm:fillClrLst>
+    <dgm:linClrLst meth="repeat">
+      <a:schemeClr val="dk2">
+        <a:tint val="60000"/>
+      </a:schemeClr>
+    </dgm:linClrLst>
+    <dgm:effectClrLst/>
+    <dgm:txLinClrLst/>
+    <dgm:txFillClrLst/>
+    <dgm:txEffectClrLst/>
+  </dgm:styleLbl>
+  <dgm:styleLbl name="bgSibTrans2D1">
+    <dgm:fillClrLst meth="repeat">
+      <a:schemeClr val="dk2">
+        <a:tint val="60000"/>
+      </a:schemeClr>
+    </dgm:fillClrLst>
+    <dgm:linClrLst meth="repeat">
+      <a:schemeClr val="dk2">
+        <a:tint val="60000"/>
+      </a:schemeClr>
+    </dgm:linClrLst>
+    <dgm:effectClrLst/>
+    <dgm:txLinClrLst/>
+    <dgm:txFillClrLst/>
+    <dgm:txEffectClrLst/>
+  </dgm:styleLbl>
+  <dgm:styleLbl name="sibTrans1D1">
+    <dgm:fillClrLst meth="repeat">
+      <a:schemeClr val="dk2"/>
+    </dgm:fillClrLst>
+    <dgm:linClrLst meth="repeat">
+      <a:schemeClr val="dk2"/>
+    </dgm:linClrLst>
+    <dgm:effectClrLst/>
+    <dgm:txLinClrLst/>
+    <dgm:txFillClrLst meth="repeat">
+      <a:schemeClr val="lt2"/>
+    </dgm:txFillClrLst>
+    <dgm:txEffectClrLst/>
+  </dgm:styleLbl>
+  <dgm:styleLbl name="callout">
+    <dgm:fillClrLst meth="repeat">
+      <a:schemeClr val="dk2"/>
+    </dgm:fillClrLst>
+    <dgm:linClrLst meth="repeat">
+      <a:schemeClr val="dk2">
+        <a:tint val="50000"/>
+      </a:schemeClr>
+    </dgm:linClrLst>
+    <dgm:effectClrLst/>
+    <dgm:txLinClrLst/>
+    <dgm:txFillClrLst meth="repeat">
+      <a:schemeClr val="lt2"/>
+    </dgm:txFillClrLst>
+    <dgm:txEffectClrLst/>
+  </dgm:styleLbl>
+  <dgm:styleLbl name="asst0">
+    <dgm:fillClrLst meth="repeat">
+      <a:schemeClr val="dk2"/>
+    </dgm:fillClrLst>
+    <dgm:linClrLst meth="repeat">
+      <a:schemeClr val="lt2"/>
+    </dgm:linClrLst>
+    <dgm:effectClrLst/>
+    <dgm:txLinClrLst/>
+    <dgm:txFillClrLst/>
+    <dgm:txEffectClrLst/>
+  </dgm:styleLbl>
+  <dgm:styleLbl name="asst1">
+    <dgm:fillClrLst meth="repeat">
+      <a:schemeClr val="dk2"/>
+    </dgm:fillClrLst>
+    <dgm:linClrLst meth="repeat">
+      <a:schemeClr val="lt2"/>
+    </dgm:linClrLst>
+    <dgm:effectClrLst/>
+    <dgm:txLinClrLst/>
+    <dgm:txFillClrLst/>
+    <dgm:txEffectClrLst/>
+  </dgm:styleLbl>
+  <dgm:styleLbl name="asst2">
+    <dgm:fillClrLst meth="repeat">
+      <a:schemeClr val="dk2"/>
+    </dgm:fillClrLst>
+    <dgm:linClrLst meth="repeat">
+      <a:schemeClr val="lt2"/>
+    </dgm:linClrLst>
+    <dgm:effectClrLst/>
+    <dgm:txLinClrLst/>
+    <dgm:txFillClrLst/>
+    <dgm:txEffectClrLst/>
+  </dgm:styleLbl>
+  <dgm:styleLbl name="asst3">
+    <dgm:fillClrLst meth="repeat">
+      <a:schemeClr val="dk2"/>
+    </dgm:fillClrLst>
+    <dgm:linClrLst meth="repeat">
+      <a:schemeClr val="lt2"/>
+    </dgm:linClrLst>
+    <dgm:effectClrLst/>
+    <dgm:txLinClrLst/>
+    <dgm:txFillClrLst/>
+    <dgm:txEffectClrLst/>
+  </dgm:styleLbl>
+  <dgm:styleLbl name="asst4">
+    <dgm:fillClrLst meth="repeat">
+      <a:schemeClr val="dk2"/>
+    </dgm:fillClrLst>
+    <dgm:linClrLst meth="repeat">
+      <a:schemeClr val="lt2"/>
+    </dgm:linClrLst>
+    <dgm:effectClrLst/>
+    <dgm:txLinClrLst/>
+    <dgm:txFillClrLst/>
+    <dgm:txEffectClrLst/>
+  </dgm:styleLbl>
+  <dgm:styleLbl name="parChTrans2D1">
+    <dgm:fillClrLst meth="repeat">
+      <a:schemeClr val="dk2">
+        <a:tint val="60000"/>
+      </a:schemeClr>
+    </dgm:fillClrLst>
+    <dgm:linClrLst meth="repeat">
+      <a:schemeClr val="dk2">
+        <a:tint val="60000"/>
+      </a:schemeClr>
+    </dgm:linClrLst>
+    <dgm:effectClrLst/>
+    <dgm:txLinClrLst/>
+    <dgm:txFillClrLst meth="repeat">
+      <a:schemeClr val="lt2"/>
+    </dgm:txFillClrLst>
+    <dgm:txEffectClrLst/>
+  </dgm:styleLbl>
+  <dgm:styleLbl name="parChTrans2D2">
+    <dgm:fillClrLst meth="repeat">
+      <a:schemeClr val="dk2"/>
+    </dgm:fillClrLst>
+    <dgm:linClrLst meth="repeat">
+      <a:schemeClr val="dk2"/>
+    </dgm:linClrLst>
+    <dgm:effectClrLst/>
+    <dgm:txLinClrLst/>
+    <dgm:txFillClrLst meth="repeat">
+      <a:schemeClr val="lt2"/>
+    </dgm:txFillClrLst>
+    <dgm:txEffectClrLst/>
+  </dgm:styleLbl>
+  <dgm:styleLbl name="parChTrans2D3">
+    <dgm:fillClrLst meth="repeat">
+      <a:schemeClr val="dk2"/>
+    </dgm:fillClrLst>
+    <dgm:linClrLst meth="repeat">
+      <a:schemeClr val="dk2"/>
+    </dgm:linClrLst>
+    <dgm:effectClrLst/>
+    <dgm:txLinClrLst/>
+    <dgm:txFillClrLst meth="repeat">
+      <a:schemeClr val="lt2"/>
+    </dgm:txFillClrLst>
+    <dgm:txEffectClrLst/>
+  </dgm:styleLbl>
+  <dgm:styleLbl name="parChTrans2D4">
+    <dgm:fillClrLst meth="repeat">
+      <a:schemeClr val="dk2"/>
+    </dgm:fillClrLst>
+    <dgm:linClrLst meth="repeat">
+      <a:schemeClr val="dk2"/>
+    </dgm:linClrLst>
+    <dgm:effectClrLst/>
+    <dgm:txLinClrLst/>
+    <dgm:txFillClrLst meth="repeat">
+      <a:schemeClr val="lt2"/>
+    </dgm:txFillClrLst>
+    <dgm:txEffectClrLst/>
+  </dgm:styleLbl>
+  <dgm:styleLbl name="parChTrans1D1">
+    <dgm:fillClrLst meth="repeat">
+      <a:schemeClr val="dk2"/>
+    </dgm:fillClrLst>
+    <dgm:linClrLst meth="repeat">
+      <a:schemeClr val="dk2">
+        <a:shade val="60000"/>
+      </a:schemeClr>
+    </dgm:linClrLst>
+    <dgm:effectClrLst/>
+    <dgm:txLinClrLst/>
+    <dgm:txFillClrLst meth="repeat">
+      <a:schemeClr val="tx1"/>
+    </dgm:txFillClrLst>
+    <dgm:txEffectClrLst/>
+  </dgm:styleLbl>
+  <dgm:styleLbl name="parChTrans1D2">
+    <dgm:fillClrLst meth="repeat">
+      <a:schemeClr val="dk2"/>
+    </dgm:fillClrLst>
+    <dgm:linClrLst meth="repeat">
+      <a:schemeClr val="dk2">
+        <a:shade val="60000"/>
+      </a:schemeClr>
+    </dgm:linClrLst>
+    <dgm:effectClrLst/>
+    <dgm:txLinClrLst/>
+    <dgm:txFillClrLst meth="repeat">
+      <a:schemeClr val="tx1"/>
+    </dgm:txFillClrLst>
+    <dgm:txEffectClrLst/>
+  </dgm:styleLbl>
+  <dgm:styleLbl name="parChTrans1D3">
+    <dgm:fillClrLst meth="repeat">
+      <a:schemeClr val="dk2"/>
+    </dgm:fillClrLst>
+    <dgm:linClrLst meth="repeat">
+      <a:schemeClr val="dk2">
+        <a:shade val="80000"/>
+      </a:schemeClr>
+    </dgm:linClrLst>
+    <dgm:effectClrLst/>
+    <dgm:txLinClrLst/>
+    <dgm:txFillClrLst meth="repeat">
+      <a:schemeClr val="tx1"/>
+    </dgm:txFillClrLst>
+    <dgm:txEffectClrLst/>
+  </dgm:styleLbl>
+  <dgm:styleLbl name="parChTrans1D4">
+    <dgm:fillClrLst meth="repeat">
+      <a:schemeClr val="dk2"/>
+    </dgm:fillClrLst>
+    <dgm:linClrLst meth="repeat">
+      <a:schemeClr val="dk2">
+        <a:shade val="80000"/>
+      </a:schemeClr>
+    </dgm:linClrLst>
+    <dgm:effectClrLst/>
+    <dgm:txLinClrLst/>
+    <dgm:txFillClrLst meth="repeat">
+      <a:schemeClr val="tx1"/>
+    </dgm:txFillClrLst>
+    <dgm:txEffectClrLst/>
+  </dgm:styleLbl>
+  <dgm:styleLbl name="fgAcc1">
+    <dgm:fillClrLst meth="repeat">
+      <a:schemeClr val="lt2">
+        <a:alpha val="90000"/>
+      </a:schemeClr>
+    </dgm:fillClrLst>
+    <dgm:linClrLst meth="repeat">
+      <a:schemeClr val="dk2"/>
+    </dgm:linClrLst>
+    <dgm:effectClrLst/>
+    <dgm:txLinClrLst/>
+    <dgm:txFillClrLst meth="repeat">
+      <a:schemeClr val="dk1"/>
+    </dgm:txFillClrLst>
+    <dgm:txEffectClrLst/>
+  </dgm:styleLbl>
+  <dgm:styleLbl name="conFgAcc1">
+    <dgm:fillClrLst meth="repeat">
+      <a:schemeClr val="lt2">
+        <a:alpha val="90000"/>
+      </a:schemeClr>
+    </dgm:fillClrLst>
+    <dgm:linClrLst meth="repeat">
+      <a:schemeClr val="dk2"/>
+    </dgm:linClrLst>
+    <dgm:effectClrLst/>
+    <dgm:txLinClrLst/>
+    <dgm:txFillClrLst meth="repeat">
+      <a:schemeClr val="dk1"/>
+    </dgm:txFillClrLst>
+    <dgm:txEffectClrLst/>
+  </dgm:styleLbl>
+  <dgm:styleLbl name="alignAcc1">
+    <dgm:fillClrLst meth="repeat">
+      <a:schemeClr val="lt2">
+        <a:alpha val="90000"/>
+      </a:schemeClr>
+    </dgm:fillClrLst>
+    <dgm:linClrLst meth="repeat">
+      <a:schemeClr val="dk2"/>
+    </dgm:linClrLst>
+    <dgm:effectClrLst/>
+    <dgm:txLinClrLst/>
+    <dgm:txFillClrLst meth="repeat">
+      <a:schemeClr val="dk1"/>
+    </dgm:txFillClrLst>
+    <dgm:txEffectClrLst/>
+  </dgm:styleLbl>
+  <dgm:styleLbl name="trAlignAcc1">
+    <dgm:fillClrLst meth="repeat">
+      <a:schemeClr val="lt2">
+        <a:alpha val="40000"/>
+      </a:schemeClr>
+    </dgm:fillClrLst>
+    <dgm:linClrLst meth="repeat">
+      <a:schemeClr val="dk2"/>
+    </dgm:linClrLst>
+    <dgm:effectClrLst/>
+    <dgm:txLinClrLst/>
+    <dgm:txFillClrLst meth="repeat">
+      <a:schemeClr val="dk1"/>
+    </dgm:txFillClrLst>
+    <dgm:txEffectClrLst/>
+  </dgm:styleLbl>
+  <dgm:styleLbl name="bgAcc1">
+    <dgm:fillClrLst meth="repeat">
+      <a:schemeClr val="lt2">
+        <a:alpha val="90000"/>
+      </a:schemeClr>
+    </dgm:fillClrLst>
+    <dgm:linClrLst meth="repeat">
+      <a:schemeClr val="dk2"/>
+    </dgm:linClrLst>
+    <dgm:effectClrLst/>
+    <dgm:txLinClrLst/>
+    <dgm:txFillClrLst meth="repeat">
+      <a:schemeClr val="dk1"/>
+    </dgm:txFillClrLst>
+    <dgm:txEffectClrLst/>
+  </dgm:styleLbl>
+  <dgm:styleLbl name="solidFgAcc1">
+    <dgm:fillClrLst meth="repeat">
+      <a:schemeClr val="lt2"/>
+    </dgm:fillClrLst>
+    <dgm:linClrLst meth="repeat">
+      <a:schemeClr val="dk2"/>
+    </dgm:linClrLst>
+    <dgm:effectClrLst/>
+    <dgm:txLinClrLst/>
+    <dgm:txFillClrLst meth="repeat">
+      <a:schemeClr val="dk1"/>
+    </dgm:txFillClrLst>
+    <dgm:txEffectClrLst/>
+  </dgm:styleLbl>
+  <dgm:styleLbl name="solidAlignAcc1">
+    <dgm:fillClrLst meth="repeat">
+      <a:schemeClr val="lt2"/>
+    </dgm:fillClrLst>
+    <dgm:linClrLst meth="repeat">
+      <a:schemeClr val="dk2"/>
+    </dgm:linClrLst>
+    <dgm:effectClrLst/>
+    <dgm:txLinClrLst/>
+    <dgm:txFillClrLst meth="repeat">
+      <a:schemeClr val="dk1"/>
+    </dgm:txFillClrLst>
+    <dgm:txEffectClrLst/>
+  </dgm:styleLbl>
+  <dgm:styleLbl name="solidBgAcc1">
+    <dgm:fillClrLst meth="repeat">
+      <a:schemeClr val="lt2"/>
+    </dgm:fillClrLst>
+    <dgm:linClrLst meth="repeat">
+      <a:schemeClr val="dk2"/>
+    </dgm:linClrLst>
+    <dgm:effectClrLst/>
+    <dgm:txLinClrLst/>
+    <dgm:txFillClrLst meth="repeat">
+      <a:schemeClr val="dk1"/>
+    </dgm:txFillClrLst>
+    <dgm:txEffectClrLst/>
+  </dgm:styleLbl>
+  <dgm:styleLbl name="fgAccFollowNode1">
+    <dgm:fillClrLst meth="repeat">
+      <a:schemeClr val="dk2">
+        <a:alpha val="90000"/>
+        <a:tint val="40000"/>
+      </a:schemeClr>
+    </dgm:fillClrLst>
+    <dgm:linClrLst meth="repeat">
+      <a:schemeClr val="dk2">
+        <a:alpha val="90000"/>
+        <a:tint val="40000"/>
+      </a:schemeClr>
+    </dgm:linClrLst>
+    <dgm:effectClrLst/>
+    <dgm:txLinClrLst/>
+    <dgm:txFillClrLst meth="repeat">
+      <a:schemeClr val="dk1"/>
+    </dgm:txFillClrLst>
+    <dgm:txEffectClrLst/>
+  </dgm:styleLbl>
+  <dgm:styleLbl name="alignAccFollowNode1">
+    <dgm:fillClrLst meth="repeat">
+      <a:schemeClr val="dk2">
+        <a:alpha val="90000"/>
+        <a:tint val="40000"/>
+      </a:schemeClr>
+    </dgm:fillClrLst>
+    <dgm:linClrLst meth="repeat">
+      <a:schemeClr val="dk2">
+        <a:alpha val="90000"/>
+        <a:tint val="40000"/>
+      </a:schemeClr>
+    </dgm:linClrLst>
+    <dgm:effectClrLst/>
+    <dgm:txLinClrLst/>
+    <dgm:txFillClrLst meth="repeat">
+      <a:schemeClr val="dk1"/>
+    </dgm:txFillClrLst>
+    <dgm:txEffectClrLst/>
+  </dgm:styleLbl>
+  <dgm:styleLbl name="bgAccFollowNode1">
+    <dgm:fillClrLst meth="repeat">
+      <a:schemeClr val="dk2">
+        <a:alpha val="90000"/>
+        <a:tint val="40000"/>
+      </a:schemeClr>
+    </dgm:fillClrLst>
+    <dgm:linClrLst meth="repeat">
+      <a:schemeClr val="dk2">
+        <a:alpha val="90000"/>
+        <a:tint val="40000"/>
+      </a:schemeClr>
+    </dgm:linClrLst>
+    <dgm:effectClrLst/>
+    <dgm:txLinClrLst/>
+    <dgm:txFillClrLst meth="repeat">
+      <a:schemeClr val="dk1"/>
+    </dgm:txFillClrLst>
+    <dgm:txEffectClrLst/>
+  </dgm:styleLbl>
+  <dgm:styleLbl name="fgAcc0">
+    <dgm:fillClrLst meth="repeat">
+      <a:schemeClr val="lt2">
+        <a:alpha val="90000"/>
+      </a:schemeClr>
+    </dgm:fillClrLst>
+    <dgm:linClrLst meth="repeat">
+      <a:schemeClr val="dk2"/>
+    </dgm:linClrLst>
+    <dgm:effectClrLst/>
+    <dgm:txLinClrLst/>
+    <dgm:txFillClrLst meth="repeat">
+      <a:schemeClr val="dk1"/>
+    </dgm:txFillClrLst>
+    <dgm:txEffectClrLst/>
+  </dgm:styleLbl>
+  <dgm:styleLbl name="fgAcc2">
+    <dgm:fillClrLst meth="repeat">
+      <a:schemeClr val="lt2">
+        <a:alpha val="90000"/>
+      </a:schemeClr>
+    </dgm:fillClrLst>
+    <dgm:linClrLst meth="repeat">
+      <a:schemeClr val="dk2"/>
+    </dgm:linClrLst>
+    <dgm:effectClrLst/>
+    <dgm:txLinClrLst/>
+    <dgm:txFillClrLst meth="repeat">
+      <a:schemeClr val="dk1"/>
+    </dgm:txFillClrLst>
+    <dgm:txEffectClrLst/>
+  </dgm:styleLbl>
+  <dgm:styleLbl name="fgAcc3">
+    <dgm:fillClrLst meth="repeat">
+      <a:schemeClr val="lt2">
+        <a:alpha val="90000"/>
+      </a:schemeClr>
+    </dgm:fillClrLst>
+    <dgm:linClrLst meth="repeat">
+      <a:schemeClr val="dk2"/>
+    </dgm:linClrLst>
+    <dgm:effectClrLst/>
+    <dgm:txLinClrLst/>
+    <dgm:txFillClrLst meth="repeat">
+      <a:schemeClr val="dk1"/>
+    </dgm:txFillClrLst>
+    <dgm:txEffectClrLst/>
+  </dgm:styleLbl>
+  <dgm:styleLbl name="fgAcc4">
+    <dgm:fillClrLst meth="repeat">
+      <a:schemeClr val="lt2">
+        <a:alpha val="90000"/>
+      </a:schemeClr>
+    </dgm:fillClrLst>
+    <dgm:linClrLst meth="repeat">
+      <a:schemeClr val="dk2"/>
+    </dgm:linClrLst>
+    <dgm:effectClrLst/>
+    <dgm:txLinClrLst/>
+    <dgm:txFillClrLst meth="repeat">
+      <a:schemeClr val="dk1"/>
+    </dgm:txFillClrLst>
+    <dgm:txEffectClrLst/>
+  </dgm:styleLbl>
+  <dgm:styleLbl name="bgShp">
+    <dgm:fillClrLst meth="repeat">
+      <a:schemeClr val="dk2">
+        <a:tint val="40000"/>
+      </a:schemeClr>
+    </dgm:fillClrLst>
+    <dgm:linClrLst meth="repeat">
+      <a:schemeClr val="dk2"/>
+    </dgm:linClrLst>
+    <dgm:effectClrLst/>
+    <dgm:txLinClrLst/>
+    <dgm:txFillClrLst meth="repeat">
+      <a:schemeClr val="dk1"/>
+    </dgm:txFillClrLst>
+    <dgm:txEffectClrLst/>
+  </dgm:styleLbl>
+  <dgm:styleLbl name="dkBgShp">
+    <dgm:fillClrLst meth="repeat">
+      <a:schemeClr val="dk2">
+        <a:shade val="80000"/>
+      </a:schemeClr>
+    </dgm:fillClrLst>
+    <dgm:linClrLst meth="repeat">
+      <a:schemeClr val="dk2"/>
+    </dgm:linClrLst>
+    <dgm:effectClrLst/>
+    <dgm:txLinClrLst/>
+    <dgm:txFillClrLst meth="repeat">
+      <a:schemeClr val="lt1"/>
+    </dgm:txFillClrLst>
+    <dgm:txEffectClrLst/>
+  </dgm:styleLbl>
+  <dgm:styleLbl name="trBgShp">
+    <dgm:fillClrLst meth="repeat">
+      <a:schemeClr val="dk2">
+        <a:tint val="50000"/>
+        <a:alpha val="40000"/>
+      </a:schemeClr>
+    </dgm:fillClrLst>
+    <dgm:linClrLst meth="repeat">
+      <a:schemeClr val="dk2"/>
+    </dgm:linClrLst>
+    <dgm:effectClrLst/>
+    <dgm:txLinClrLst/>
+    <dgm:txFillClrLst meth="repeat">
+      <a:schemeClr val="lt1"/>
+    </dgm:txFillClrLst>
+    <dgm:txEffectClrLst/>
+  </dgm:styleLbl>
+  <dgm:styleLbl name="fgShp">
+    <dgm:fillClrLst meth="repeat">
+      <a:schemeClr val="dk2">
+        <a:tint val="60000"/>
+      </a:schemeClr>
+    </dgm:fillClrLst>
+    <dgm:linClrLst meth="repeat">
+      <a:schemeClr val="lt2"/>
+    </dgm:linClrLst>
+    <dgm:effectClrLst/>
+    <dgm:txLinClrLst/>
+    <dgm:txFillClrLst meth="repeat">
+      <a:schemeClr val="dk1"/>
+    </dgm:txFillClrLst>
+    <dgm:txEffectClrLst/>
+  </dgm:styleLbl>
+  <dgm:styleLbl name="revTx">
+    <dgm:fillClrLst meth="repeat">
+      <a:schemeClr val="lt2">
+        <a:alpha val="0"/>
+      </a:schemeClr>
+    </dgm:fillClrLst>
+    <dgm:linClrLst meth="repeat">
+      <a:schemeClr val="dk1">
+        <a:alpha val="0"/>
+      </a:schemeClr>
+    </dgm:linClrLst>
+    <dgm:effectClrLst/>
+    <dgm:txLinClrLst/>
+    <dgm:txFillClrLst meth="repeat">
+      <a:schemeClr val="tx1"/>
+    </dgm:txFillClrLst>
+    <dgm:txEffectClrLst/>
+  </dgm:styleLbl>
+</dgm:colorsDef>
+</file>
+
+<file path=ppt/diagrams/colors6.xml><?xml version="1.0" encoding="utf-8"?>
+<dgm:colorsDef xmlns:dgm="http://schemas.openxmlformats.org/drawingml/2006/diagram" xmlns:a="http://schemas.openxmlformats.org/drawingml/2006/main" uniqueId="urn:microsoft.com/office/officeart/2005/8/colors/accent0_3">
+  <dgm:title val=""/>
+  <dgm:desc val=""/>
+  <dgm:catLst>
+    <dgm:cat type="mainScheme" pri="10300"/>
+  </dgm:catLst>
+  <dgm:styleLbl name="node0">
+    <dgm:fillClrLst meth="repeat">
+      <a:schemeClr val="dk2"/>
+    </dgm:fillClrLst>
+    <dgm:linClrLst meth="repeat">
+      <a:schemeClr val="lt2"/>
+    </dgm:linClrLst>
+    <dgm:effectClrLst/>
+    <dgm:txLinClrLst/>
+    <dgm:txFillClrLst/>
+    <dgm:txEffectClrLst/>
+  </dgm:styleLbl>
+  <dgm:styleLbl name="alignNode1">
+    <dgm:fillClrLst meth="repeat">
+      <a:schemeClr val="dk2"/>
+    </dgm:fillClrLst>
+    <dgm:linClrLst meth="repeat">
+      <a:schemeClr val="dk2"/>
+    </dgm:linClrLst>
+    <dgm:effectClrLst/>
+    <dgm:txLinClrLst/>
+    <dgm:txFillClrLst/>
+    <dgm:txEffectClrLst/>
+  </dgm:styleLbl>
+  <dgm:styleLbl name="node1">
+    <dgm:fillClrLst meth="repeat">
+      <a:schemeClr val="dk2"/>
+    </dgm:fillClrLst>
+    <dgm:linClrLst meth="repeat">
+      <a:schemeClr val="lt2"/>
+    </dgm:linClrLst>
+    <dgm:effectClrLst/>
+    <dgm:txLinClrLst/>
+    <dgm:txFillClrLst/>
+    <dgm:txEffectClrLst/>
+  </dgm:styleLbl>
+  <dgm:styleLbl name="lnNode1">
+    <dgm:fillClrLst meth="repeat">
+      <a:schemeClr val="dk2"/>
+    </dgm:fillClrLst>
+    <dgm:linClrLst meth="repeat">
+      <a:schemeClr val="lt2"/>
+    </dgm:linClrLst>
+    <dgm:effectClrLst/>
+    <dgm:txLinClrLst/>
+    <dgm:txFillClrLst/>
+    <dgm:txEffectClrLst/>
+  </dgm:styleLbl>
+  <dgm:styleLbl name="vennNode1">
+    <dgm:fillClrLst meth="repeat">
+      <a:schemeClr val="dk2">
+        <a:alpha val="50000"/>
+      </a:schemeClr>
+    </dgm:fillClrLst>
+    <dgm:linClrLst meth="repeat">
+      <a:schemeClr val="lt2"/>
+    </dgm:linClrLst>
+    <dgm:effectClrLst/>
+    <dgm:txLinClrLst/>
+    <dgm:txFillClrLst/>
+    <dgm:txEffectClrLst/>
+  </dgm:styleLbl>
+  <dgm:styleLbl name="node2">
+    <dgm:fillClrLst meth="repeat">
+      <a:schemeClr val="dk2"/>
+    </dgm:fillClrLst>
+    <dgm:linClrLst meth="repeat">
+      <a:schemeClr val="lt2"/>
+    </dgm:linClrLst>
+    <dgm:effectClrLst/>
+    <dgm:txLinClrLst/>
+    <dgm:txFillClrLst/>
+    <dgm:txEffectClrLst/>
+  </dgm:styleLbl>
+  <dgm:styleLbl name="node3">
+    <dgm:fillClrLst meth="repeat">
+      <a:schemeClr val="dk2"/>
+    </dgm:fillClrLst>
+    <dgm:linClrLst meth="repeat">
+      <a:schemeClr val="lt2"/>
+    </dgm:linClrLst>
+    <dgm:effectClrLst/>
+    <dgm:txLinClrLst/>
+    <dgm:txFillClrLst/>
+    <dgm:txEffectClrLst/>
+  </dgm:styleLbl>
+  <dgm:styleLbl name="node4">
+    <dgm:fillClrLst meth="repeat">
+      <a:schemeClr val="dk2"/>
+    </dgm:fillClrLst>
+    <dgm:linClrLst meth="repeat">
+      <a:schemeClr val="lt2"/>
+    </dgm:linClrLst>
+    <dgm:effectClrLst/>
+    <dgm:txLinClrLst/>
+    <dgm:txFillClrLst/>
+    <dgm:txEffectClrLst/>
+  </dgm:styleLbl>
+  <dgm:styleLbl name="fgImgPlace1">
+    <dgm:fillClrLst meth="repeat">
+      <a:schemeClr val="dk2">
+        <a:tint val="50000"/>
+      </a:schemeClr>
+    </dgm:fillClrLst>
+    <dgm:linClrLst meth="repeat">
+      <a:schemeClr val="lt2"/>
+    </dgm:linClrLst>
+    <dgm:effectClrLst/>
+    <dgm:txLinClrLst/>
+    <dgm:txFillClrLst meth="repeat">
+      <a:schemeClr val="lt2"/>
+    </dgm:txFillClrLst>
+    <dgm:txEffectClrLst/>
+  </dgm:styleLbl>
+  <dgm:styleLbl name="alignImgPlace1">
+    <dgm:fillClrLst meth="repeat">
+      <a:schemeClr val="dk2">
+        <a:tint val="50000"/>
+      </a:schemeClr>
+    </dgm:fillClrLst>
+    <dgm:linClrLst meth="repeat">
+      <a:schemeClr val="dk2">
+        <a:shade val="80000"/>
+      </a:schemeClr>
+    </dgm:linClrLst>
+    <dgm:effectClrLst/>
+    <dgm:txLinClrLst/>
+    <dgm:txFillClrLst meth="repeat">
+      <a:schemeClr val="lt2"/>
+    </dgm:txFillClrLst>
+    <dgm:txEffectClrLst/>
+  </dgm:styleLbl>
+  <dgm:styleLbl name="bgImgPlace1">
+    <dgm:fillClrLst meth="repeat">
+      <a:schemeClr val="dk2">
+        <a:tint val="50000"/>
+      </a:schemeClr>
+    </dgm:fillClrLst>
+    <dgm:linClrLst meth="repeat">
+      <a:schemeClr val="dk2">
+        <a:shade val="80000"/>
+      </a:schemeClr>
+    </dgm:linClrLst>
+    <dgm:effectClrLst/>
+    <dgm:txLinClrLst/>
+    <dgm:txFillClrLst meth="repeat">
+      <a:schemeClr val="lt2"/>
+    </dgm:txFillClrLst>
+    <dgm:txEffectClrLst/>
+  </dgm:styleLbl>
+  <dgm:styleLbl name="sibTrans2D1">
+    <dgm:fillClrLst meth="repeat">
+      <a:schemeClr val="dk2">
+        <a:tint val="60000"/>
+      </a:schemeClr>
+    </dgm:fillClrLst>
+    <dgm:linClrLst meth="repeat">
+      <a:schemeClr val="dk2">
+        <a:tint val="60000"/>
+      </a:schemeClr>
+    </dgm:linClrLst>
+    <dgm:effectClrLst/>
+    <dgm:txLinClrLst/>
+    <dgm:txFillClrLst/>
+    <dgm:txEffectClrLst/>
+  </dgm:styleLbl>
+  <dgm:styleLbl name="fgSibTrans2D1">
+    <dgm:fillClrLst meth="repeat">
+      <a:schemeClr val="dk2">
+        <a:tint val="60000"/>
+      </a:schemeClr>
+    </dgm:fillClrLst>
+    <dgm:linClrLst meth="repeat">
+      <a:schemeClr val="dk2">
+        <a:tint val="60000"/>
+      </a:schemeClr>
+    </dgm:linClrLst>
+    <dgm:effectClrLst/>
+    <dgm:txLinClrLst/>
+    <dgm:txFillClrLst/>
+    <dgm:txEffectClrLst/>
+  </dgm:styleLbl>
+  <dgm:styleLbl name="bgSibTrans2D1">
+    <dgm:fillClrLst meth="repeat">
+      <a:schemeClr val="dk2">
+        <a:tint val="60000"/>
+      </a:schemeClr>
+    </dgm:fillClrLst>
+    <dgm:linClrLst meth="repeat">
+      <a:schemeClr val="dk2">
+        <a:tint val="60000"/>
+      </a:schemeClr>
+    </dgm:linClrLst>
+    <dgm:effectClrLst/>
+    <dgm:txLinClrLst/>
+    <dgm:txFillClrLst/>
+    <dgm:txEffectClrLst/>
+  </dgm:styleLbl>
+  <dgm:styleLbl name="sibTrans1D1">
+    <dgm:fillClrLst meth="repeat">
+      <a:schemeClr val="dk2"/>
+    </dgm:fillClrLst>
+    <dgm:linClrLst meth="repeat">
+      <a:schemeClr val="dk2"/>
+    </dgm:linClrLst>
+    <dgm:effectClrLst/>
+    <dgm:txLinClrLst/>
+    <dgm:txFillClrLst meth="repeat">
+      <a:schemeClr val="lt2"/>
+    </dgm:txFillClrLst>
+    <dgm:txEffectClrLst/>
+  </dgm:styleLbl>
+  <dgm:styleLbl name="callout">
+    <dgm:fillClrLst meth="repeat">
+      <a:schemeClr val="dk2"/>
+    </dgm:fillClrLst>
+    <dgm:linClrLst meth="repeat">
+      <a:schemeClr val="dk2">
+        <a:tint val="50000"/>
+      </a:schemeClr>
+    </dgm:linClrLst>
+    <dgm:effectClrLst/>
+    <dgm:txLinClrLst/>
+    <dgm:txFillClrLst meth="repeat">
+      <a:schemeClr val="lt2"/>
+    </dgm:txFillClrLst>
+    <dgm:txEffectClrLst/>
+  </dgm:styleLbl>
+  <dgm:styleLbl name="asst0">
+    <dgm:fillClrLst meth="repeat">
+      <a:schemeClr val="dk2"/>
+    </dgm:fillClrLst>
+    <dgm:linClrLst meth="repeat">
+      <a:schemeClr val="lt2"/>
+    </dgm:linClrLst>
+    <dgm:effectClrLst/>
+    <dgm:txLinClrLst/>
+    <dgm:txFillClrLst/>
+    <dgm:txEffectClrLst/>
+  </dgm:styleLbl>
+  <dgm:styleLbl name="asst1">
+    <dgm:fillClrLst meth="repeat">
+      <a:schemeClr val="dk2"/>
+    </dgm:fillClrLst>
+    <dgm:linClrLst meth="repeat">
+      <a:schemeClr val="lt2"/>
+    </dgm:linClrLst>
+    <dgm:effectClrLst/>
+    <dgm:txLinClrLst/>
+    <dgm:txFillClrLst/>
+    <dgm:txEffectClrLst/>
+  </dgm:styleLbl>
+  <dgm:styleLbl name="asst2">
+    <dgm:fillClrLst meth="repeat">
+      <a:schemeClr val="dk2"/>
+    </dgm:fillClrLst>
+    <dgm:linClrLst meth="repeat">
+      <a:schemeClr val="lt2"/>
+    </dgm:linClrLst>
+    <dgm:effectClrLst/>
+    <dgm:txLinClrLst/>
+    <dgm:txFillClrLst/>
+    <dgm:txEffectClrLst/>
+  </dgm:styleLbl>
+  <dgm:styleLbl name="asst3">
+    <dgm:fillClrLst meth="repeat">
+      <a:schemeClr val="dk2"/>
+    </dgm:fillClrLst>
+    <dgm:linClrLst meth="repeat">
+      <a:schemeClr val="lt2"/>
+    </dgm:linClrLst>
+    <dgm:effectClrLst/>
+    <dgm:txLinClrLst/>
+    <dgm:txFillClrLst/>
+    <dgm:txEffectClrLst/>
+  </dgm:styleLbl>
+  <dgm:styleLbl name="asst4">
+    <dgm:fillClrLst meth="repeat">
+      <a:schemeClr val="dk2"/>
+    </dgm:fillClrLst>
+    <dgm:linClrLst meth="repeat">
+      <a:schemeClr val="lt2"/>
+    </dgm:linClrLst>
+    <dgm:effectClrLst/>
+    <dgm:txLinClrLst/>
+    <dgm:txFillClrLst/>
+    <dgm:txEffectClrLst/>
+  </dgm:styleLbl>
+  <dgm:styleLbl name="parChTrans2D1">
+    <dgm:fillClrLst meth="repeat">
+      <a:schemeClr val="dk2">
+        <a:tint val="60000"/>
+      </a:schemeClr>
+    </dgm:fillClrLst>
+    <dgm:linClrLst meth="repeat">
+      <a:schemeClr val="dk2">
+        <a:tint val="60000"/>
+      </a:schemeClr>
+    </dgm:linClrLst>
+    <dgm:effectClrLst/>
+    <dgm:txLinClrLst/>
+    <dgm:txFillClrLst meth="repeat">
+      <a:schemeClr val="lt2"/>
+    </dgm:txFillClrLst>
+    <dgm:txEffectClrLst/>
+  </dgm:styleLbl>
+  <dgm:styleLbl name="parChTrans2D2">
+    <dgm:fillClrLst meth="repeat">
+      <a:schemeClr val="dk2"/>
+    </dgm:fillClrLst>
+    <dgm:linClrLst meth="repeat">
+      <a:schemeClr val="dk2"/>
+    </dgm:linClrLst>
+    <dgm:effectClrLst/>
+    <dgm:txLinClrLst/>
+    <dgm:txFillClrLst meth="repeat">
+      <a:schemeClr val="lt2"/>
+    </dgm:txFillClrLst>
+    <dgm:txEffectClrLst/>
+  </dgm:styleLbl>
+  <dgm:styleLbl name="parChTrans2D3">
+    <dgm:fillClrLst meth="repeat">
+      <a:schemeClr val="dk2"/>
+    </dgm:fillClrLst>
+    <dgm:linClrLst meth="repeat">
+      <a:schemeClr val="dk2"/>
+    </dgm:linClrLst>
+    <dgm:effectClrLst/>
+    <dgm:txLinClrLst/>
+    <dgm:txFillClrLst meth="repeat">
+      <a:schemeClr val="lt2"/>
+    </dgm:txFillClrLst>
+    <dgm:txEffectClrLst/>
+  </dgm:styleLbl>
+  <dgm:styleLbl name="parChTrans2D4">
+    <dgm:fillClrLst meth="repeat">
+      <a:schemeClr val="dk2"/>
+    </dgm:fillClrLst>
+    <dgm:linClrLst meth="repeat">
+      <a:schemeClr val="dk2"/>
+    </dgm:linClrLst>
+    <dgm:effectClrLst/>
+    <dgm:txLinClrLst/>
+    <dgm:txFillClrLst meth="repeat">
+      <a:schemeClr val="lt2"/>
+    </dgm:txFillClrLst>
+    <dgm:txEffectClrLst/>
+  </dgm:styleLbl>
+  <dgm:styleLbl name="parChTrans1D1">
+    <dgm:fillClrLst meth="repeat">
+      <a:schemeClr val="dk2"/>
+    </dgm:fillClrLst>
+    <dgm:linClrLst meth="repeat">
+      <a:schemeClr val="dk2">
+        <a:shade val="60000"/>
+      </a:schemeClr>
+    </dgm:linClrLst>
+    <dgm:effectClrLst/>
+    <dgm:txLinClrLst/>
+    <dgm:txFillClrLst meth="repeat">
+      <a:schemeClr val="tx1"/>
+    </dgm:txFillClrLst>
+    <dgm:txEffectClrLst/>
+  </dgm:styleLbl>
+  <dgm:styleLbl name="parChTrans1D2">
+    <dgm:fillClrLst meth="repeat">
+      <a:schemeClr val="dk2"/>
+    </dgm:fillClrLst>
+    <dgm:linClrLst meth="repeat">
+      <a:schemeClr val="dk2">
+        <a:shade val="60000"/>
+      </a:schemeClr>
+    </dgm:linClrLst>
+    <dgm:effectClrLst/>
+    <dgm:txLinClrLst/>
+    <dgm:txFillClrLst meth="repeat">
+      <a:schemeClr val="tx1"/>
+    </dgm:txFillClrLst>
+    <dgm:txEffectClrLst/>
+  </dgm:styleLbl>
+  <dgm:styleLbl name="parChTrans1D3">
+    <dgm:fillClrLst meth="repeat">
+      <a:schemeClr val="dk2"/>
+    </dgm:fillClrLst>
+    <dgm:linClrLst meth="repeat">
+      <a:schemeClr val="dk2">
+        <a:shade val="80000"/>
+      </a:schemeClr>
+    </dgm:linClrLst>
+    <dgm:effectClrLst/>
+    <dgm:txLinClrLst/>
+    <dgm:txFillClrLst meth="repeat">
+      <a:schemeClr val="tx1"/>
+    </dgm:txFillClrLst>
+    <dgm:txEffectClrLst/>
+  </dgm:styleLbl>
+  <dgm:styleLbl name="parChTrans1D4">
+    <dgm:fillClrLst meth="repeat">
+      <a:schemeClr val="dk2"/>
+    </dgm:fillClrLst>
+    <dgm:linClrLst meth="repeat">
+      <a:schemeClr val="dk2">
+        <a:shade val="80000"/>
+      </a:schemeClr>
+    </dgm:linClrLst>
+    <dgm:effectClrLst/>
+    <dgm:txLinClrLst/>
+    <dgm:txFillClrLst meth="repeat">
+      <a:schemeClr val="tx1"/>
+    </dgm:txFillClrLst>
+    <dgm:txEffectClrLst/>
+  </dgm:styleLbl>
+  <dgm:styleLbl name="fgAcc1">
+    <dgm:fillClrLst meth="repeat">
+      <a:schemeClr val="lt2">
+        <a:alpha val="90000"/>
+      </a:schemeClr>
+    </dgm:fillClrLst>
+    <dgm:linClrLst meth="repeat">
+      <a:schemeClr val="dk2"/>
+    </dgm:linClrLst>
+    <dgm:effectClrLst/>
+    <dgm:txLinClrLst/>
+    <dgm:txFillClrLst meth="repeat">
+      <a:schemeClr val="dk1"/>
+    </dgm:txFillClrLst>
+    <dgm:txEffectClrLst/>
+  </dgm:styleLbl>
+  <dgm:styleLbl name="conFgAcc1">
+    <dgm:fillClrLst meth="repeat">
+      <a:schemeClr val="lt2">
+        <a:alpha val="90000"/>
+      </a:schemeClr>
+    </dgm:fillClrLst>
+    <dgm:linClrLst meth="repeat">
+      <a:schemeClr val="dk2"/>
+    </dgm:linClrLst>
+    <dgm:effectClrLst/>
+    <dgm:txLinClrLst/>
+    <dgm:txFillClrLst meth="repeat">
+      <a:schemeClr val="dk1"/>
+    </dgm:txFillClrLst>
+    <dgm:txEffectClrLst/>
+  </dgm:styleLbl>
+  <dgm:styleLbl name="alignAcc1">
+    <dgm:fillClrLst meth="repeat">
+      <a:schemeClr val="lt2">
+        <a:alpha val="90000"/>
+      </a:schemeClr>
+    </dgm:fillClrLst>
+    <dgm:linClrLst meth="repeat">
+      <a:schemeClr val="dk2"/>
+    </dgm:linClrLst>
+    <dgm:effectClrLst/>
+    <dgm:txLinClrLst/>
+    <dgm:txFillClrLst meth="repeat">
+      <a:schemeClr val="dk1"/>
+    </dgm:txFillClrLst>
+    <dgm:txEffectClrLst/>
+  </dgm:styleLbl>
+  <dgm:styleLbl name="trAlignAcc1">
+    <dgm:fillClrLst meth="repeat">
+      <a:schemeClr val="lt2">
+        <a:alpha val="40000"/>
+      </a:schemeClr>
+    </dgm:fillClrLst>
+    <dgm:linClrLst meth="repeat">
+      <a:schemeClr val="dk2"/>
+    </dgm:linClrLst>
+    <dgm:effectClrLst/>
+    <dgm:txLinClrLst/>
+    <dgm:txFillClrLst meth="repeat">
+      <a:schemeClr val="dk1"/>
+    </dgm:txFillClrLst>
+    <dgm:txEffectClrLst/>
+  </dgm:styleLbl>
+  <dgm:styleLbl name="bgAcc1">
+    <dgm:fillClrLst meth="repeat">
+      <a:schemeClr val="lt2">
+        <a:alpha val="90000"/>
+      </a:schemeClr>
+    </dgm:fillClrLst>
+    <dgm:linClrLst meth="repeat">
+      <a:schemeClr val="dk2"/>
+    </dgm:linClrLst>
+    <dgm:effectClrLst/>
+    <dgm:txLinClrLst/>
+    <dgm:txFillClrLst meth="repeat">
+      <a:schemeClr val="dk1"/>
+    </dgm:txFillClrLst>
+    <dgm:txEffectClrLst/>
+  </dgm:styleLbl>
+  <dgm:styleLbl name="solidFgAcc1">
+    <dgm:fillClrLst meth="repeat">
+      <a:schemeClr val="lt2"/>
+    </dgm:fillClrLst>
+    <dgm:linClrLst meth="repeat">
+      <a:schemeClr val="dk2"/>
+    </dgm:linClrLst>
+    <dgm:effectClrLst/>
+    <dgm:txLinClrLst/>
+    <dgm:txFillClrLst meth="repeat">
+      <a:schemeClr val="dk1"/>
+    </dgm:txFillClrLst>
+    <dgm:txEffectClrLst/>
+  </dgm:styleLbl>
+  <dgm:styleLbl name="solidAlignAcc1">
+    <dgm:fillClrLst meth="repeat">
+      <a:schemeClr val="lt2"/>
+    </dgm:fillClrLst>
+    <dgm:linClrLst meth="repeat">
+      <a:schemeClr val="dk2"/>
+    </dgm:linClrLst>
+    <dgm:effectClrLst/>
+    <dgm:txLinClrLst/>
+    <dgm:txFillClrLst meth="repeat">
+      <a:schemeClr val="dk1"/>
+    </dgm:txFillClrLst>
+    <dgm:txEffectClrLst/>
+  </dgm:styleLbl>
+  <dgm:styleLbl name="solidBgAcc1">
+    <dgm:fillClrLst meth="repeat">
+      <a:schemeClr val="lt2"/>
+    </dgm:fillClrLst>
+    <dgm:linClrLst meth="repeat">
+      <a:schemeClr val="dk2"/>
+    </dgm:linClrLst>
+    <dgm:effectClrLst/>
+    <dgm:txLinClrLst/>
+    <dgm:txFillClrLst meth="repeat">
+      <a:schemeClr val="dk1"/>
+    </dgm:txFillClrLst>
+    <dgm:txEffectClrLst/>
+  </dgm:styleLbl>
+  <dgm:styleLbl name="fgAccFollowNode1">
+    <dgm:fillClrLst meth="repeat">
+      <a:schemeClr val="dk2">
+        <a:alpha val="90000"/>
+        <a:tint val="40000"/>
+      </a:schemeClr>
+    </dgm:fillClrLst>
+    <dgm:linClrLst meth="repeat">
+      <a:schemeClr val="dk2">
+        <a:alpha val="90000"/>
+        <a:tint val="40000"/>
+      </a:schemeClr>
+    </dgm:linClrLst>
+    <dgm:effectClrLst/>
+    <dgm:txLinClrLst/>
+    <dgm:txFillClrLst meth="repeat">
+      <a:schemeClr val="dk1"/>
+    </dgm:txFillClrLst>
+    <dgm:txEffectClrLst/>
+  </dgm:styleLbl>
+  <dgm:styleLbl name="alignAccFollowNode1">
+    <dgm:fillClrLst meth="repeat">
+      <a:schemeClr val="dk2">
+        <a:alpha val="90000"/>
+        <a:tint val="40000"/>
+      </a:schemeClr>
+    </dgm:fillClrLst>
+    <dgm:linClrLst meth="repeat">
+      <a:schemeClr val="dk2">
+        <a:alpha val="90000"/>
+        <a:tint val="40000"/>
+      </a:schemeClr>
+    </dgm:linClrLst>
+    <dgm:effectClrLst/>
+    <dgm:txLinClrLst/>
+    <dgm:txFillClrLst meth="repeat">
+      <a:schemeClr val="dk1"/>
+    </dgm:txFillClrLst>
+    <dgm:txEffectClrLst/>
+  </dgm:styleLbl>
+  <dgm:styleLbl name="bgAccFollowNode1">
+    <dgm:fillClrLst meth="repeat">
+      <a:schemeClr val="dk2">
+        <a:alpha val="90000"/>
+        <a:tint val="40000"/>
+      </a:schemeClr>
+    </dgm:fillClrLst>
+    <dgm:linClrLst meth="repeat">
+      <a:schemeClr val="dk2">
+        <a:alpha val="90000"/>
+        <a:tint val="40000"/>
+      </a:schemeClr>
+    </dgm:linClrLst>
+    <dgm:effectClrLst/>
+    <dgm:txLinClrLst/>
+    <dgm:txFillClrLst meth="repeat">
+      <a:schemeClr val="dk1"/>
+    </dgm:txFillClrLst>
+    <dgm:txEffectClrLst/>
+  </dgm:styleLbl>
+  <dgm:styleLbl name="fgAcc0">
+    <dgm:fillClrLst meth="repeat">
+      <a:schemeClr val="lt2">
+        <a:alpha val="90000"/>
+      </a:schemeClr>
+    </dgm:fillClrLst>
+    <dgm:linClrLst meth="repeat">
+      <a:schemeClr val="dk2"/>
+    </dgm:linClrLst>
+    <dgm:effectClrLst/>
+    <dgm:txLinClrLst/>
+    <dgm:txFillClrLst meth="repeat">
+      <a:schemeClr val="dk1"/>
+    </dgm:txFillClrLst>
+    <dgm:txEffectClrLst/>
+  </dgm:styleLbl>
+  <dgm:styleLbl name="fgAcc2">
+    <dgm:fillClrLst meth="repeat">
+      <a:schemeClr val="lt2">
+        <a:alpha val="90000"/>
+      </a:schemeClr>
+    </dgm:fillClrLst>
+    <dgm:linClrLst meth="repeat">
+      <a:schemeClr val="dk2"/>
+    </dgm:linClrLst>
+    <dgm:effectClrLst/>
+    <dgm:txLinClrLst/>
+    <dgm:txFillClrLst meth="repeat">
+      <a:schemeClr val="dk1"/>
+    </dgm:txFillClrLst>
+    <dgm:txEffectClrLst/>
+  </dgm:styleLbl>
+  <dgm:styleLbl name="fgAcc3">
+    <dgm:fillClrLst meth="repeat">
+      <a:schemeClr val="lt2">
+        <a:alpha val="90000"/>
+      </a:schemeClr>
+    </dgm:fillClrLst>
+    <dgm:linClrLst meth="repeat">
+      <a:schemeClr val="dk2"/>
+    </dgm:linClrLst>
+    <dgm:effectClrLst/>
+    <dgm:txLinClrLst/>
+    <dgm:txFillClrLst meth="repeat">
+      <a:schemeClr val="dk1"/>
+    </dgm:txFillClrLst>
+    <dgm:txEffectClrLst/>
+  </dgm:styleLbl>
+  <dgm:styleLbl name="fgAcc4">
+    <dgm:fillClrLst meth="repeat">
+      <a:schemeClr val="lt2">
+        <a:alpha val="90000"/>
+      </a:schemeClr>
+    </dgm:fillClrLst>
+    <dgm:linClrLst meth="repeat">
+      <a:schemeClr val="dk2"/>
+    </dgm:linClrLst>
+    <dgm:effectClrLst/>
+    <dgm:txLinClrLst/>
+    <dgm:txFillClrLst meth="repeat">
+      <a:schemeClr val="dk1"/>
+    </dgm:txFillClrLst>
+    <dgm:txEffectClrLst/>
+  </dgm:styleLbl>
+  <dgm:styleLbl name="bgShp">
+    <dgm:fillClrLst meth="repeat">
+      <a:schemeClr val="dk2">
+        <a:tint val="40000"/>
+      </a:schemeClr>
+    </dgm:fillClrLst>
+    <dgm:linClrLst meth="repeat">
+      <a:schemeClr val="dk2"/>
+    </dgm:linClrLst>
+    <dgm:effectClrLst/>
+    <dgm:txLinClrLst/>
+    <dgm:txFillClrLst meth="repeat">
+      <a:schemeClr val="dk1"/>
+    </dgm:txFillClrLst>
+    <dgm:txEffectClrLst/>
+  </dgm:styleLbl>
+  <dgm:styleLbl name="dkBgShp">
+    <dgm:fillClrLst meth="repeat">
+      <a:schemeClr val="dk2">
+        <a:shade val="80000"/>
+      </a:schemeClr>
+    </dgm:fillClrLst>
+    <dgm:linClrLst meth="repeat">
+      <a:schemeClr val="dk2"/>
+    </dgm:linClrLst>
+    <dgm:effectClrLst/>
+    <dgm:txLinClrLst/>
+    <dgm:txFillClrLst meth="repeat">
+      <a:schemeClr val="lt1"/>
+    </dgm:txFillClrLst>
+    <dgm:txEffectClrLst/>
+  </dgm:styleLbl>
+  <dgm:styleLbl name="trBgShp">
+    <dgm:fillClrLst meth="repeat">
+      <a:schemeClr val="dk2">
+        <a:tint val="50000"/>
+        <a:alpha val="40000"/>
+      </a:schemeClr>
+    </dgm:fillClrLst>
+    <dgm:linClrLst meth="repeat">
+      <a:schemeClr val="dk2"/>
+    </dgm:linClrLst>
+    <dgm:effectClrLst/>
+    <dgm:txLinClrLst/>
+    <dgm:txFillClrLst meth="repeat">
+      <a:schemeClr val="lt1"/>
+    </dgm:txFillClrLst>
+    <dgm:txEffectClrLst/>
+  </dgm:styleLbl>
+  <dgm:styleLbl name="fgShp">
+    <dgm:fillClrLst meth="repeat">
+      <a:schemeClr val="dk2">
+        <a:tint val="60000"/>
+      </a:schemeClr>
+    </dgm:fillClrLst>
+    <dgm:linClrLst meth="repeat">
+      <a:schemeClr val="lt2"/>
+    </dgm:linClrLst>
+    <dgm:effectClrLst/>
+    <dgm:txLinClrLst/>
+    <dgm:txFillClrLst meth="repeat">
+      <a:schemeClr val="dk1"/>
+    </dgm:txFillClrLst>
+    <dgm:txEffectClrLst/>
+  </dgm:styleLbl>
+  <dgm:styleLbl name="revTx">
+    <dgm:fillClrLst meth="repeat">
+      <a:schemeClr val="lt2">
+        <a:alpha val="0"/>
+      </a:schemeClr>
+    </dgm:fillClrLst>
+    <dgm:linClrLst meth="repeat">
+      <a:schemeClr val="dk1">
+        <a:alpha val="0"/>
+      </a:schemeClr>
+    </dgm:linClrLst>
+    <dgm:effectClrLst/>
+    <dgm:txLinClrLst/>
+    <dgm:txFillClrLst meth="repeat">
+      <a:schemeClr val="tx1"/>
+    </dgm:txFillClrLst>
+    <dgm:txEffectClrLst/>
+  </dgm:styleLbl>
+</dgm:colorsDef>
+</file>
+
 <file path=ppt/diagrams/data1.xml><?xml version="1.0" encoding="utf-8"?>
 <dgm:dataModel xmlns:dgm="http://schemas.openxmlformats.org/drawingml/2006/diagram" xmlns:a="http://schemas.openxmlformats.org/drawingml/2006/main">
   <dgm:ptLst>
@@ -5965,6 +7469,1338 @@
     <dgm:cxn modelId="{26A054A0-1AB4-43B6-8F58-0FC6C712A2A4}" srcId="{15A2342C-342E-4AF1-ABFE-6D641BAF41A1}" destId="{CBA4680F-B921-4539-96E8-73E248B26438}" srcOrd="0" destOrd="0" parTransId="{CFA20A3C-0F95-4996-A60F-CD8C5D7EA0C8}" sibTransId="{66C95EC4-2BD0-44E1-98AF-5AEB75A287A4}"/>
     <dgm:cxn modelId="{86D5B1B6-FC3B-40C9-B662-895EFF0C484F}" type="presOf" srcId="{1693A56B-51EB-4EEE-B5A0-2587A76BB504}" destId="{8FBC2C5D-9E47-4B2D-8CC0-0827ADC6EE57}" srcOrd="0" destOrd="0" presId="urn:microsoft.com/office/officeart/2005/8/layout/chevron2"/>
     <dgm:cxn modelId="{473431EE-F39C-48EA-A045-B86C38621641}" srcId="{15A2342C-342E-4AF1-ABFE-6D641BAF41A1}" destId="{F13B17A0-86C6-45C8-A1A1-58051CE11C6F}" srcOrd="2" destOrd="0" parTransId="{B2B47FC7-5958-4A44-A4CE-453C0A0BC836}" sibTransId="{82F0F7A3-3707-4B24-8D7E-99D069D182AB}"/>
+    <dgm:cxn modelId="{B9F397F0-7A59-4437-81F7-0BEB182623E3}" srcId="{FDFD6E2B-DBAB-4056-BC28-C138724F0441}" destId="{1693A56B-51EB-4EEE-B5A0-2587A76BB504}" srcOrd="0" destOrd="0" parTransId="{71605052-445C-4B49-9A4B-2DCF504AD115}" sibTransId="{84E281FA-B092-4FA8-A2AE-CFCEA05B4214}"/>
+    <dgm:cxn modelId="{82F94CF7-E0DE-440A-B1D1-883572629C8B}" type="presOf" srcId="{A21E80E9-3E30-4727-979B-CC3F1A7A22C5}" destId="{8EB604FD-2448-4F33-9F96-EAFE912047E9}" srcOrd="0" destOrd="0" presId="urn:microsoft.com/office/officeart/2005/8/layout/chevron2"/>
+    <dgm:cxn modelId="{13250355-16DD-4CD2-9C12-90DB9DA37F12}" type="presParOf" srcId="{142F673A-C255-456D-9E41-60A8F8DECB23}" destId="{4D46CCB9-E0D7-49E4-8700-7CE19FB27C88}" srcOrd="0" destOrd="0" presId="urn:microsoft.com/office/officeart/2005/8/layout/chevron2"/>
+    <dgm:cxn modelId="{817BC056-467A-4A41-A953-E66324C2905D}" type="presParOf" srcId="{4D46CCB9-E0D7-49E4-8700-7CE19FB27C88}" destId="{049C38D1-B597-49E9-8B00-78FB12FB25CF}" srcOrd="0" destOrd="0" presId="urn:microsoft.com/office/officeart/2005/8/layout/chevron2"/>
+    <dgm:cxn modelId="{9630092D-D071-4A9D-86C1-D2F2FD525441}" type="presParOf" srcId="{4D46CCB9-E0D7-49E4-8700-7CE19FB27C88}" destId="{5FDFAD45-BE3A-42C7-96F9-147D175477B9}" srcOrd="1" destOrd="0" presId="urn:microsoft.com/office/officeart/2005/8/layout/chevron2"/>
+    <dgm:cxn modelId="{637CA1E5-C0B6-45EA-8BF0-D18596DD9AFF}" type="presParOf" srcId="{142F673A-C255-456D-9E41-60A8F8DECB23}" destId="{0B93D529-6A78-4555-B1DB-9F922703E6C7}" srcOrd="1" destOrd="0" presId="urn:microsoft.com/office/officeart/2005/8/layout/chevron2"/>
+    <dgm:cxn modelId="{825DE280-A7D6-4690-B13F-FBBEAFF73CB3}" type="presParOf" srcId="{142F673A-C255-456D-9E41-60A8F8DECB23}" destId="{7710AE59-8CCB-4CCF-83F2-9DC5C53C37F8}" srcOrd="2" destOrd="0" presId="urn:microsoft.com/office/officeart/2005/8/layout/chevron2"/>
+    <dgm:cxn modelId="{949BE6D1-3167-4C62-8960-95741648E8D6}" type="presParOf" srcId="{7710AE59-8CCB-4CCF-83F2-9DC5C53C37F8}" destId="{8EB604FD-2448-4F33-9F96-EAFE912047E9}" srcOrd="0" destOrd="0" presId="urn:microsoft.com/office/officeart/2005/8/layout/chevron2"/>
+    <dgm:cxn modelId="{FE2026D6-2D93-461C-A890-E382552DCD24}" type="presParOf" srcId="{7710AE59-8CCB-4CCF-83F2-9DC5C53C37F8}" destId="{3EE3D444-F1E2-4D81-B343-EEB78C9B7BC2}" srcOrd="1" destOrd="0" presId="urn:microsoft.com/office/officeart/2005/8/layout/chevron2"/>
+    <dgm:cxn modelId="{839BF989-99B7-4E14-BAD5-AE9BF6A19560}" type="presParOf" srcId="{142F673A-C255-456D-9E41-60A8F8DECB23}" destId="{56499CC1-1A65-4B3A-8A68-E81F41293563}" srcOrd="3" destOrd="0" presId="urn:microsoft.com/office/officeart/2005/8/layout/chevron2"/>
+    <dgm:cxn modelId="{2316A509-C18C-408D-B9B3-0180B32F33D5}" type="presParOf" srcId="{142F673A-C255-456D-9E41-60A8F8DECB23}" destId="{B37639CF-79EA-491C-B78A-6458934E0CA5}" srcOrd="4" destOrd="0" presId="urn:microsoft.com/office/officeart/2005/8/layout/chevron2"/>
+    <dgm:cxn modelId="{F09D8116-ED91-41CF-AAFD-A86085A377AB}" type="presParOf" srcId="{B37639CF-79EA-491C-B78A-6458934E0CA5}" destId="{0837024A-932D-4B89-A5B5-1646702B04D6}" srcOrd="0" destOrd="0" presId="urn:microsoft.com/office/officeart/2005/8/layout/chevron2"/>
+    <dgm:cxn modelId="{4B73A4CA-E5C6-43EE-AD6F-B7198AE5A01E}" type="presParOf" srcId="{B37639CF-79EA-491C-B78A-6458934E0CA5}" destId="{8FBC2C5D-9E47-4B2D-8CC0-0827ADC6EE57}" srcOrd="1" destOrd="0" presId="urn:microsoft.com/office/officeart/2005/8/layout/chevron2"/>
+  </dgm:cxnLst>
+  <dgm:bg/>
+  <dgm:whole/>
+  <dgm:extLst>
+    <a:ext uri="http://schemas.microsoft.com/office/drawing/2008/diagram">
+      <dsp:dataModelExt xmlns:dsp="http://schemas.microsoft.com/office/drawing/2008/diagram" relId="rId6" minVer="http://schemas.openxmlformats.org/drawingml/2006/diagram"/>
+    </a:ext>
+  </dgm:extLst>
+</dgm:dataModel>
+</file>
+
+<file path=ppt/diagrams/data5.xml><?xml version="1.0" encoding="utf-8"?>
+<dgm:dataModel xmlns:dgm="http://schemas.openxmlformats.org/drawingml/2006/diagram" xmlns:a="http://schemas.openxmlformats.org/drawingml/2006/main">
+  <dgm:ptLst>
+    <dgm:pt modelId="{B56C8652-49D2-40A6-9CA3-CE8DCF0946F5}" type="doc">
+      <dgm:prSet loTypeId="urn:microsoft.com/office/officeart/2005/8/layout/chevron2" loCatId="process" qsTypeId="urn:microsoft.com/office/officeart/2005/8/quickstyle/simple1" qsCatId="simple" csTypeId="urn:microsoft.com/office/officeart/2005/8/colors/accent0_3" csCatId="mainScheme" phldr="1"/>
+      <dgm:spPr/>
+      <dgm:t>
+        <a:bodyPr/>
+        <a:lstStyle/>
+        <a:p>
+          <a:endParaRPr lang="en-US"/>
+        </a:p>
+      </dgm:t>
+    </dgm:pt>
+    <dgm:pt modelId="{15A2342C-342E-4AF1-ABFE-6D641BAF41A1}">
+      <dgm:prSet phldrT="[Text]"/>
+      <dgm:spPr/>
+      <dgm:t>
+        <a:bodyPr/>
+        <a:lstStyle/>
+        <a:p>
+          <a:r>
+            <a:rPr lang="en-US" dirty="0"/>
+            <a:t>Input data</a:t>
+          </a:r>
+        </a:p>
+      </dgm:t>
+    </dgm:pt>
+    <dgm:pt modelId="{3113E09E-2B5D-47FE-89F9-BC4D9A8CB38B}" type="parTrans" cxnId="{2A878A9C-A599-4E25-8F35-179342BC54EF}">
+      <dgm:prSet/>
+      <dgm:spPr/>
+      <dgm:t>
+        <a:bodyPr/>
+        <a:lstStyle/>
+        <a:p>
+          <a:endParaRPr lang="en-US"/>
+        </a:p>
+      </dgm:t>
+    </dgm:pt>
+    <dgm:pt modelId="{3091C5B6-412E-4FA9-921C-1CCBB20FB078}" type="sibTrans" cxnId="{2A878A9C-A599-4E25-8F35-179342BC54EF}">
+      <dgm:prSet/>
+      <dgm:spPr/>
+      <dgm:t>
+        <a:bodyPr/>
+        <a:lstStyle/>
+        <a:p>
+          <a:endParaRPr lang="en-US"/>
+        </a:p>
+      </dgm:t>
+    </dgm:pt>
+    <dgm:pt modelId="{CBA4680F-B921-4539-96E8-73E248B26438}">
+      <dgm:prSet phldrT="[Text]" custT="1"/>
+      <dgm:spPr/>
+      <dgm:t>
+        <a:bodyPr/>
+        <a:lstStyle/>
+        <a:p>
+          <a:pPr>
+            <a:buNone/>
+          </a:pPr>
+          <a:r>
+            <a:rPr lang="en-US" sz="1800" u="none" dirty="0"/>
+            <a:t>- ~/data/processed/</a:t>
+          </a:r>
+          <a:r>
+            <a:rPr lang="en-US" sz="1800" u="none" dirty="0" err="1"/>
+            <a:t>grid_goa.RData</a:t>
+          </a:r>
+          <a:r>
+            <a:rPr lang="en-US" sz="1800" u="none" dirty="0"/>
+            <a:t>: </a:t>
+          </a:r>
+          <a:r>
+            <a:rPr lang="en-US" sz="1800" i="0" u="none" dirty="0">
+              <a:solidFill>
+                <a:schemeClr val="bg1">
+                  <a:lumMod val="50000"/>
+                </a:schemeClr>
+              </a:solidFill>
+            </a:rPr>
+            <a:t>goa grid with bathymetry</a:t>
+          </a:r>
+          <a:endParaRPr lang="en-US" sz="1800" u="none" dirty="0"/>
+        </a:p>
+      </dgm:t>
+    </dgm:pt>
+    <dgm:pt modelId="{CFA20A3C-0F95-4996-A60F-CD8C5D7EA0C8}" type="parTrans" cxnId="{26A054A0-1AB4-43B6-8F58-0FC6C712A2A4}">
+      <dgm:prSet/>
+      <dgm:spPr/>
+      <dgm:t>
+        <a:bodyPr/>
+        <a:lstStyle/>
+        <a:p>
+          <a:endParaRPr lang="en-US"/>
+        </a:p>
+      </dgm:t>
+    </dgm:pt>
+    <dgm:pt modelId="{66C95EC4-2BD0-44E1-98AF-5AEB75A287A4}" type="sibTrans" cxnId="{26A054A0-1AB4-43B6-8F58-0FC6C712A2A4}">
+      <dgm:prSet/>
+      <dgm:spPr/>
+      <dgm:t>
+        <a:bodyPr/>
+        <a:lstStyle/>
+        <a:p>
+          <a:endParaRPr lang="en-US"/>
+        </a:p>
+      </dgm:t>
+    </dgm:pt>
+    <dgm:pt modelId="{A21E80E9-3E30-4727-979B-CC3F1A7A22C5}">
+      <dgm:prSet phldrT="[Text]"/>
+      <dgm:spPr/>
+      <dgm:t>
+        <a:bodyPr/>
+        <a:lstStyle/>
+        <a:p>
+          <a:r>
+            <a:rPr lang="en-US" dirty="0"/>
+            <a:t>Script Program</a:t>
+          </a:r>
+        </a:p>
+      </dgm:t>
+    </dgm:pt>
+    <dgm:pt modelId="{5C40DCA5-A5ED-48F4-971B-7B525589E1B6}" type="parTrans" cxnId="{890C6129-FED3-4F32-A1CE-803923CC13FB}">
+      <dgm:prSet/>
+      <dgm:spPr/>
+      <dgm:t>
+        <a:bodyPr/>
+        <a:lstStyle/>
+        <a:p>
+          <a:endParaRPr lang="en-US"/>
+        </a:p>
+      </dgm:t>
+    </dgm:pt>
+    <dgm:pt modelId="{2E128CC8-58D8-49C7-B524-7F998825E08C}" type="sibTrans" cxnId="{890C6129-FED3-4F32-A1CE-803923CC13FB}">
+      <dgm:prSet/>
+      <dgm:spPr/>
+      <dgm:t>
+        <a:bodyPr/>
+        <a:lstStyle/>
+        <a:p>
+          <a:endParaRPr lang="en-US"/>
+        </a:p>
+      </dgm:t>
+    </dgm:pt>
+    <dgm:pt modelId="{7251001A-0584-4766-A6D7-0E44BBBBDC12}">
+      <dgm:prSet phldrT="[Text]" custT="1"/>
+      <dgm:spPr/>
+      <dgm:t>
+        <a:bodyPr/>
+        <a:lstStyle/>
+        <a:p>
+          <a:pPr>
+            <a:buNone/>
+          </a:pPr>
+          <a:r>
+            <a:rPr lang="en-US" sz="1800" u="none" dirty="0"/>
+            <a:t>~/</a:t>
+          </a:r>
+          <a:r>
+            <a:rPr lang="en-US" sz="1800" dirty="0" err="1"/>
+            <a:t>analysis_scripts</a:t>
+          </a:r>
+          <a:r>
+            <a:rPr lang="en-US" sz="1800" dirty="0"/>
+            <a:t>/2B_</a:t>
+          </a:r>
+          <a:r>
+            <a:rPr lang="en-US" sz="1800" b="0" i="0" dirty="0"/>
+            <a:t>Survey_Optimization_SS.R</a:t>
+          </a:r>
+          <a:endParaRPr lang="en-US" sz="1800" dirty="0"/>
+        </a:p>
+      </dgm:t>
+    </dgm:pt>
+    <dgm:pt modelId="{FE219C25-7519-49A1-80FC-88DBD277BE7B}" type="parTrans" cxnId="{98E93161-C30E-43AA-AF6B-299C6C6168AE}">
+      <dgm:prSet/>
+      <dgm:spPr/>
+      <dgm:t>
+        <a:bodyPr/>
+        <a:lstStyle/>
+        <a:p>
+          <a:endParaRPr lang="en-US"/>
+        </a:p>
+      </dgm:t>
+    </dgm:pt>
+    <dgm:pt modelId="{3A3E3377-B627-44C2-A026-04B55D885A13}" type="sibTrans" cxnId="{98E93161-C30E-43AA-AF6B-299C6C6168AE}">
+      <dgm:prSet/>
+      <dgm:spPr/>
+      <dgm:t>
+        <a:bodyPr/>
+        <a:lstStyle/>
+        <a:p>
+          <a:endParaRPr lang="en-US"/>
+        </a:p>
+      </dgm:t>
+    </dgm:pt>
+    <dgm:pt modelId="{FDFD6E2B-DBAB-4056-BC28-C138724F0441}">
+      <dgm:prSet phldrT="[Text]"/>
+      <dgm:spPr/>
+      <dgm:t>
+        <a:bodyPr/>
+        <a:lstStyle/>
+        <a:p>
+          <a:r>
+            <a:rPr lang="en-US" dirty="0"/>
+            <a:t>Output</a:t>
+          </a:r>
+        </a:p>
+      </dgm:t>
+    </dgm:pt>
+    <dgm:pt modelId="{A185C7BD-8F3D-48FC-AACD-370FC7051347}" type="parTrans" cxnId="{331E5267-3B46-40FC-807B-5869C9435943}">
+      <dgm:prSet/>
+      <dgm:spPr/>
+      <dgm:t>
+        <a:bodyPr/>
+        <a:lstStyle/>
+        <a:p>
+          <a:endParaRPr lang="en-US"/>
+        </a:p>
+      </dgm:t>
+    </dgm:pt>
+    <dgm:pt modelId="{2EAE1DED-33EB-4BB9-B279-4AEA7E7C396D}" type="sibTrans" cxnId="{331E5267-3B46-40FC-807B-5869C9435943}">
+      <dgm:prSet/>
+      <dgm:spPr/>
+      <dgm:t>
+        <a:bodyPr/>
+        <a:lstStyle/>
+        <a:p>
+          <a:endParaRPr lang="en-US"/>
+        </a:p>
+      </dgm:t>
+    </dgm:pt>
+    <dgm:pt modelId="{1693A56B-51EB-4EEE-B5A0-2587A76BB504}">
+      <dgm:prSet phldrT="[Text]" custT="1"/>
+      <dgm:spPr/>
+      <dgm:t>
+        <a:bodyPr/>
+        <a:lstStyle/>
+        <a:p>
+          <a:pPr>
+            <a:buNone/>
+          </a:pPr>
+          <a:r>
+            <a:rPr lang="en-US" sz="1400" u="none" dirty="0"/>
+            <a:t>~/results/</a:t>
+          </a:r>
+          <a:r>
+            <a:rPr lang="en-US" sz="1400" u="none" dirty="0" err="1"/>
+            <a:t>full_domain_or_district</a:t>
+          </a:r>
+          <a:r>
+            <a:rPr lang="en-US" sz="1400" u="none" dirty="0"/>
+            <a:t>/</a:t>
+          </a:r>
+          <a:r>
+            <a:rPr lang="en-US" sz="1400" u="none" dirty="0" err="1"/>
+            <a:t>Single_Species_Optimization</a:t>
+          </a:r>
+          <a:r>
+            <a:rPr lang="en-US" sz="1400" u="none" dirty="0"/>
+            <a:t>/</a:t>
+          </a:r>
+          <a:r>
+            <a:rPr lang="en-US" sz="1400" u="none" dirty="0" err="1"/>
+            <a:t>Species_Name</a:t>
+          </a:r>
+          <a:r>
+            <a:rPr lang="en-US" sz="1400" u="none" dirty="0"/>
+            <a:t>/</a:t>
+          </a:r>
+          <a:r>
+            <a:rPr lang="en-US" sz="1400" u="none" dirty="0" err="1"/>
+            <a:t>RunX</a:t>
+          </a:r>
+          <a:r>
+            <a:rPr lang="en-US" sz="1400" u="none" dirty="0"/>
+            <a:t>/</a:t>
+          </a:r>
+          <a:endParaRPr lang="en-US" sz="1400" dirty="0">
+            <a:solidFill>
+              <a:schemeClr val="bg1">
+                <a:lumMod val="50000"/>
+              </a:schemeClr>
+            </a:solidFill>
+          </a:endParaRPr>
+        </a:p>
+      </dgm:t>
+    </dgm:pt>
+    <dgm:pt modelId="{71605052-445C-4B49-9A4B-2DCF504AD115}" type="parTrans" cxnId="{B9F397F0-7A59-4437-81F7-0BEB182623E3}">
+      <dgm:prSet/>
+      <dgm:spPr/>
+      <dgm:t>
+        <a:bodyPr/>
+        <a:lstStyle/>
+        <a:p>
+          <a:endParaRPr lang="en-US"/>
+        </a:p>
+      </dgm:t>
+    </dgm:pt>
+    <dgm:pt modelId="{84E281FA-B092-4FA8-A2AE-CFCEA05B4214}" type="sibTrans" cxnId="{B9F397F0-7A59-4437-81F7-0BEB182623E3}">
+      <dgm:prSet/>
+      <dgm:spPr/>
+      <dgm:t>
+        <a:bodyPr/>
+        <a:lstStyle/>
+        <a:p>
+          <a:endParaRPr lang="en-US"/>
+        </a:p>
+      </dgm:t>
+    </dgm:pt>
+    <dgm:pt modelId="{F13B17A0-86C6-45C8-A1A1-58051CE11C6F}">
+      <dgm:prSet phldrT="[Text]" custT="1"/>
+      <dgm:spPr/>
+      <dgm:t>
+        <a:bodyPr/>
+        <a:lstStyle/>
+        <a:p>
+          <a:pPr>
+            <a:buNone/>
+          </a:pPr>
+          <a:r>
+            <a:rPr lang="en-US" sz="1800" u="none" dirty="0"/>
+            <a:t>- ~/data/processed/</a:t>
+          </a:r>
+          <a:r>
+            <a:rPr lang="en-US" sz="1800" u="none" dirty="0" err="1"/>
+            <a:t>optimization_data.Rdata</a:t>
+          </a:r>
+          <a:r>
+            <a:rPr lang="en-US" sz="1800" u="none" dirty="0"/>
+            <a:t>: </a:t>
+          </a:r>
+          <a:r>
+            <a:rPr lang="en-US" sz="1800" u="none" dirty="0">
+              <a:solidFill>
+                <a:schemeClr val="bg1">
+                  <a:lumMod val="50000"/>
+                </a:schemeClr>
+              </a:solidFill>
+            </a:rPr>
+            <a:t>survey optimization inputs and other constants</a:t>
+          </a:r>
+        </a:p>
+      </dgm:t>
+    </dgm:pt>
+    <dgm:pt modelId="{B2B47FC7-5958-4A44-A4CE-453C0A0BC836}" type="parTrans" cxnId="{473431EE-F39C-48EA-A045-B86C38621641}">
+      <dgm:prSet/>
+      <dgm:spPr/>
+      <dgm:t>
+        <a:bodyPr/>
+        <a:lstStyle/>
+        <a:p>
+          <a:endParaRPr lang="en-US"/>
+        </a:p>
+      </dgm:t>
+    </dgm:pt>
+    <dgm:pt modelId="{82F0F7A3-3707-4B24-8D7E-99D069D182AB}" type="sibTrans" cxnId="{473431EE-F39C-48EA-A045-B86C38621641}">
+      <dgm:prSet/>
+      <dgm:spPr/>
+      <dgm:t>
+        <a:bodyPr/>
+        <a:lstStyle/>
+        <a:p>
+          <a:endParaRPr lang="en-US"/>
+        </a:p>
+      </dgm:t>
+    </dgm:pt>
+    <dgm:pt modelId="{B4460C5C-2EEC-4D27-88F3-8A3DBFE4D343}">
+      <dgm:prSet phldrT="[Text]" custT="1"/>
+      <dgm:spPr/>
+      <dgm:t>
+        <a:bodyPr/>
+        <a:lstStyle/>
+        <a:p>
+          <a:pPr>
+            <a:buNone/>
+          </a:pPr>
+          <a:r>
+            <a:rPr lang="en-US" sz="1400" dirty="0">
+              <a:solidFill>
+                <a:schemeClr val="bg1">
+                  <a:lumMod val="50000"/>
+                </a:schemeClr>
+              </a:solidFill>
+            </a:rPr>
+            <a:t>-</a:t>
+          </a:r>
+          <a:r>
+            <a:rPr lang="en-US" sz="1400" dirty="0" err="1">
+              <a:solidFill>
+                <a:schemeClr val="bg1">
+                  <a:lumMod val="50000"/>
+                </a:schemeClr>
+              </a:solidFill>
+            </a:rPr>
+            <a:t>result_list.Rdata</a:t>
+          </a:r>
+          <a:r>
+            <a:rPr lang="en-US" sz="1400" dirty="0">
+              <a:solidFill>
+                <a:schemeClr val="bg1">
+                  <a:lumMod val="50000"/>
+                </a:schemeClr>
+              </a:solidFill>
+            </a:rPr>
+            <a:t>: </a:t>
+          </a:r>
+        </a:p>
+      </dgm:t>
+    </dgm:pt>
+    <dgm:pt modelId="{8A8A54DB-6A96-4B36-BCD0-B837B772F2DB}" type="parTrans" cxnId="{1305294E-46C4-46DE-943F-47C066193AA4}">
+      <dgm:prSet/>
+      <dgm:spPr/>
+      <dgm:t>
+        <a:bodyPr/>
+        <a:lstStyle/>
+        <a:p>
+          <a:endParaRPr lang="en-US"/>
+        </a:p>
+      </dgm:t>
+    </dgm:pt>
+    <dgm:pt modelId="{72452706-6E93-4C8C-AD07-5D4795D82101}" type="sibTrans" cxnId="{1305294E-46C4-46DE-943F-47C066193AA4}">
+      <dgm:prSet/>
+      <dgm:spPr/>
+      <dgm:t>
+        <a:bodyPr/>
+        <a:lstStyle/>
+        <a:p>
+          <a:endParaRPr lang="en-US"/>
+        </a:p>
+      </dgm:t>
+    </dgm:pt>
+    <dgm:pt modelId="{46805B83-CCE2-49B4-94D7-34BF1805A1F1}">
+      <dgm:prSet phldrT="[Text]" custT="1"/>
+      <dgm:spPr/>
+      <dgm:t>
+        <a:bodyPr/>
+        <a:lstStyle/>
+        <a:p>
+          <a:pPr>
+            <a:buNone/>
+          </a:pPr>
+          <a:r>
+            <a:rPr lang="en-US" sz="1400" dirty="0">
+              <a:solidFill>
+                <a:schemeClr val="tx1"/>
+              </a:solidFill>
+            </a:rPr>
+            <a:t>-solution.png and solution_with_solutions.png: </a:t>
+          </a:r>
+          <a:r>
+            <a:rPr lang="en-US" sz="1400" dirty="0">
+              <a:solidFill>
+                <a:schemeClr val="bg1">
+                  <a:lumMod val="50000"/>
+                </a:schemeClr>
+              </a:solidFill>
+            </a:rPr>
+            <a:t>low-res map of solution</a:t>
+          </a:r>
+        </a:p>
+      </dgm:t>
+    </dgm:pt>
+    <dgm:pt modelId="{E2B4C28A-E9E0-4C65-AC26-D901DDA7289A}" type="parTrans" cxnId="{E588DDCA-B8F5-490F-9C79-2C1FDDC6873C}">
+      <dgm:prSet/>
+      <dgm:spPr/>
+      <dgm:t>
+        <a:bodyPr/>
+        <a:lstStyle/>
+        <a:p>
+          <a:endParaRPr lang="en-US"/>
+        </a:p>
+      </dgm:t>
+    </dgm:pt>
+    <dgm:pt modelId="{DCDC50B2-6E66-4671-B741-82D8D8280796}" type="sibTrans" cxnId="{E588DDCA-B8F5-490F-9C79-2C1FDDC6873C}">
+      <dgm:prSet/>
+      <dgm:spPr/>
+      <dgm:t>
+        <a:bodyPr/>
+        <a:lstStyle/>
+        <a:p>
+          <a:endParaRPr lang="en-US"/>
+        </a:p>
+      </dgm:t>
+    </dgm:pt>
+    <dgm:pt modelId="{D2F9CDA6-554C-4AD5-966D-376750FE9990}">
+      <dgm:prSet phldrT="[Text]" custT="1"/>
+      <dgm:spPr/>
+      <dgm:t>
+        <a:bodyPr/>
+        <a:lstStyle/>
+        <a:p>
+          <a:pPr>
+            <a:buNone/>
+          </a:pPr>
+          <a:r>
+            <a:rPr lang="en-US" sz="1400" dirty="0">
+              <a:solidFill>
+                <a:schemeClr val="tx1"/>
+              </a:solidFill>
+            </a:rPr>
+            <a:t>-output/:</a:t>
+          </a:r>
+          <a:r>
+            <a:rPr lang="en-US" sz="1400" dirty="0">
+              <a:solidFill>
+                <a:schemeClr val="bg1">
+                  <a:lumMod val="50000"/>
+                </a:schemeClr>
+              </a:solidFill>
+            </a:rPr>
+            <a:t> standard result output from Sampling Strata R package </a:t>
+          </a:r>
+        </a:p>
+      </dgm:t>
+    </dgm:pt>
+    <dgm:pt modelId="{00A1B110-6DA3-420C-9E70-D9970CFF9FF0}" type="parTrans" cxnId="{8AC5DF0C-260E-43E4-A62F-C504A94FD039}">
+      <dgm:prSet/>
+      <dgm:spPr/>
+      <dgm:t>
+        <a:bodyPr/>
+        <a:lstStyle/>
+        <a:p>
+          <a:endParaRPr lang="en-US"/>
+        </a:p>
+      </dgm:t>
+    </dgm:pt>
+    <dgm:pt modelId="{1AD3BD3B-DE56-46C8-9696-50FAF0C96F7C}" type="sibTrans" cxnId="{8AC5DF0C-260E-43E4-A62F-C504A94FD039}">
+      <dgm:prSet/>
+      <dgm:spPr/>
+      <dgm:t>
+        <a:bodyPr/>
+        <a:lstStyle/>
+        <a:p>
+          <a:endParaRPr lang="en-US"/>
+        </a:p>
+      </dgm:t>
+    </dgm:pt>
+    <dgm:pt modelId="{142F673A-C255-456D-9E41-60A8F8DECB23}" type="pres">
+      <dgm:prSet presAssocID="{B56C8652-49D2-40A6-9CA3-CE8DCF0946F5}" presName="linearFlow" presStyleCnt="0">
+        <dgm:presLayoutVars>
+          <dgm:dir/>
+          <dgm:animLvl val="lvl"/>
+          <dgm:resizeHandles val="exact"/>
+        </dgm:presLayoutVars>
+      </dgm:prSet>
+      <dgm:spPr/>
+    </dgm:pt>
+    <dgm:pt modelId="{4D46CCB9-E0D7-49E4-8700-7CE19FB27C88}" type="pres">
+      <dgm:prSet presAssocID="{15A2342C-342E-4AF1-ABFE-6D641BAF41A1}" presName="composite" presStyleCnt="0"/>
+      <dgm:spPr/>
+    </dgm:pt>
+    <dgm:pt modelId="{049C38D1-B597-49E9-8B00-78FB12FB25CF}" type="pres">
+      <dgm:prSet presAssocID="{15A2342C-342E-4AF1-ABFE-6D641BAF41A1}" presName="parentText" presStyleLbl="alignNode1" presStyleIdx="0" presStyleCnt="3">
+        <dgm:presLayoutVars>
+          <dgm:chMax val="1"/>
+          <dgm:bulletEnabled val="1"/>
+        </dgm:presLayoutVars>
+      </dgm:prSet>
+      <dgm:spPr/>
+    </dgm:pt>
+    <dgm:pt modelId="{5FDFAD45-BE3A-42C7-96F9-147D175477B9}" type="pres">
+      <dgm:prSet presAssocID="{15A2342C-342E-4AF1-ABFE-6D641BAF41A1}" presName="descendantText" presStyleLbl="alignAcc1" presStyleIdx="0" presStyleCnt="3" custScaleY="100000">
+        <dgm:presLayoutVars>
+          <dgm:bulletEnabled val="1"/>
+        </dgm:presLayoutVars>
+      </dgm:prSet>
+      <dgm:spPr/>
+    </dgm:pt>
+    <dgm:pt modelId="{0B93D529-6A78-4555-B1DB-9F922703E6C7}" type="pres">
+      <dgm:prSet presAssocID="{3091C5B6-412E-4FA9-921C-1CCBB20FB078}" presName="sp" presStyleCnt="0"/>
+      <dgm:spPr/>
+    </dgm:pt>
+    <dgm:pt modelId="{7710AE59-8CCB-4CCF-83F2-9DC5C53C37F8}" type="pres">
+      <dgm:prSet presAssocID="{A21E80E9-3E30-4727-979B-CC3F1A7A22C5}" presName="composite" presStyleCnt="0"/>
+      <dgm:spPr/>
+    </dgm:pt>
+    <dgm:pt modelId="{8EB604FD-2448-4F33-9F96-EAFE912047E9}" type="pres">
+      <dgm:prSet presAssocID="{A21E80E9-3E30-4727-979B-CC3F1A7A22C5}" presName="parentText" presStyleLbl="alignNode1" presStyleIdx="1" presStyleCnt="3">
+        <dgm:presLayoutVars>
+          <dgm:chMax val="1"/>
+          <dgm:bulletEnabled val="1"/>
+        </dgm:presLayoutVars>
+      </dgm:prSet>
+      <dgm:spPr/>
+    </dgm:pt>
+    <dgm:pt modelId="{3EE3D444-F1E2-4D81-B343-EEB78C9B7BC2}" type="pres">
+      <dgm:prSet presAssocID="{A21E80E9-3E30-4727-979B-CC3F1A7A22C5}" presName="descendantText" presStyleLbl="alignAcc1" presStyleIdx="1" presStyleCnt="3" custScaleY="35851">
+        <dgm:presLayoutVars>
+          <dgm:bulletEnabled val="1"/>
+        </dgm:presLayoutVars>
+      </dgm:prSet>
+      <dgm:spPr/>
+    </dgm:pt>
+    <dgm:pt modelId="{56499CC1-1A65-4B3A-8A68-E81F41293563}" type="pres">
+      <dgm:prSet presAssocID="{2E128CC8-58D8-49C7-B524-7F998825E08C}" presName="sp" presStyleCnt="0"/>
+      <dgm:spPr/>
+    </dgm:pt>
+    <dgm:pt modelId="{B37639CF-79EA-491C-B78A-6458934E0CA5}" type="pres">
+      <dgm:prSet presAssocID="{FDFD6E2B-DBAB-4056-BC28-C138724F0441}" presName="composite" presStyleCnt="0"/>
+      <dgm:spPr/>
+    </dgm:pt>
+    <dgm:pt modelId="{0837024A-932D-4B89-A5B5-1646702B04D6}" type="pres">
+      <dgm:prSet presAssocID="{FDFD6E2B-DBAB-4056-BC28-C138724F0441}" presName="parentText" presStyleLbl="alignNode1" presStyleIdx="2" presStyleCnt="3">
+        <dgm:presLayoutVars>
+          <dgm:chMax val="1"/>
+          <dgm:bulletEnabled val="1"/>
+        </dgm:presLayoutVars>
+      </dgm:prSet>
+      <dgm:spPr/>
+    </dgm:pt>
+    <dgm:pt modelId="{8FBC2C5D-9E47-4B2D-8CC0-0827ADC6EE57}" type="pres">
+      <dgm:prSet presAssocID="{FDFD6E2B-DBAB-4056-BC28-C138724F0441}" presName="descendantText" presStyleLbl="alignAcc1" presStyleIdx="2" presStyleCnt="3">
+        <dgm:presLayoutVars>
+          <dgm:bulletEnabled val="1"/>
+        </dgm:presLayoutVars>
+      </dgm:prSet>
+      <dgm:spPr/>
+    </dgm:pt>
+  </dgm:ptLst>
+  <dgm:cxnLst>
+    <dgm:cxn modelId="{58890E05-AD91-4C6E-AFAF-1570690574EA}" type="presOf" srcId="{B56C8652-49D2-40A6-9CA3-CE8DCF0946F5}" destId="{142F673A-C255-456D-9E41-60A8F8DECB23}" srcOrd="0" destOrd="0" presId="urn:microsoft.com/office/officeart/2005/8/layout/chevron2"/>
+    <dgm:cxn modelId="{8AC5DF0C-260E-43E4-A62F-C504A94FD039}" srcId="{FDFD6E2B-DBAB-4056-BC28-C138724F0441}" destId="{D2F9CDA6-554C-4AD5-966D-376750FE9990}" srcOrd="3" destOrd="0" parTransId="{00A1B110-6DA3-420C-9E70-D9970CFF9FF0}" sibTransId="{1AD3BD3B-DE56-46C8-9696-50FAF0C96F7C}"/>
+    <dgm:cxn modelId="{890C6129-FED3-4F32-A1CE-803923CC13FB}" srcId="{B56C8652-49D2-40A6-9CA3-CE8DCF0946F5}" destId="{A21E80E9-3E30-4727-979B-CC3F1A7A22C5}" srcOrd="1" destOrd="0" parTransId="{5C40DCA5-A5ED-48F4-971B-7B525589E1B6}" sibTransId="{2E128CC8-58D8-49C7-B524-7F998825E08C}"/>
+    <dgm:cxn modelId="{E914BB3B-B500-4A5E-9DB8-004BB6465C45}" type="presOf" srcId="{F13B17A0-86C6-45C8-A1A1-58051CE11C6F}" destId="{5FDFAD45-BE3A-42C7-96F9-147D175477B9}" srcOrd="0" destOrd="1" presId="urn:microsoft.com/office/officeart/2005/8/layout/chevron2"/>
+    <dgm:cxn modelId="{28F4B55F-1626-4A11-B2A3-6C5FBCF466EE}" type="presOf" srcId="{CBA4680F-B921-4539-96E8-73E248B26438}" destId="{5FDFAD45-BE3A-42C7-96F9-147D175477B9}" srcOrd="0" destOrd="0" presId="urn:microsoft.com/office/officeart/2005/8/layout/chevron2"/>
+    <dgm:cxn modelId="{CBE38C60-2AAF-4767-AECB-3298EFA7C80C}" type="presOf" srcId="{15A2342C-342E-4AF1-ABFE-6D641BAF41A1}" destId="{049C38D1-B597-49E9-8B00-78FB12FB25CF}" srcOrd="0" destOrd="0" presId="urn:microsoft.com/office/officeart/2005/8/layout/chevron2"/>
+    <dgm:cxn modelId="{98E93161-C30E-43AA-AF6B-299C6C6168AE}" srcId="{A21E80E9-3E30-4727-979B-CC3F1A7A22C5}" destId="{7251001A-0584-4766-A6D7-0E44BBBBDC12}" srcOrd="0" destOrd="0" parTransId="{FE219C25-7519-49A1-80FC-88DBD277BE7B}" sibTransId="{3A3E3377-B627-44C2-A026-04B55D885A13}"/>
+    <dgm:cxn modelId="{0AA7C964-F08A-434D-849D-CB60E50F510C}" type="presOf" srcId="{FDFD6E2B-DBAB-4056-BC28-C138724F0441}" destId="{0837024A-932D-4B89-A5B5-1646702B04D6}" srcOrd="0" destOrd="0" presId="urn:microsoft.com/office/officeart/2005/8/layout/chevron2"/>
+    <dgm:cxn modelId="{331E5267-3B46-40FC-807B-5869C9435943}" srcId="{B56C8652-49D2-40A6-9CA3-CE8DCF0946F5}" destId="{FDFD6E2B-DBAB-4056-BC28-C138724F0441}" srcOrd="2" destOrd="0" parTransId="{A185C7BD-8F3D-48FC-AACD-370FC7051347}" sibTransId="{2EAE1DED-33EB-4BB9-B279-4AEA7E7C396D}"/>
+    <dgm:cxn modelId="{1305294E-46C4-46DE-943F-47C066193AA4}" srcId="{FDFD6E2B-DBAB-4056-BC28-C138724F0441}" destId="{B4460C5C-2EEC-4D27-88F3-8A3DBFE4D343}" srcOrd="1" destOrd="0" parTransId="{8A8A54DB-6A96-4B36-BCD0-B837B772F2DB}" sibTransId="{72452706-6E93-4C8C-AD07-5D4795D82101}"/>
+    <dgm:cxn modelId="{A105D458-9A63-4941-8C72-3207DE7EFBAC}" type="presOf" srcId="{46805B83-CCE2-49B4-94D7-34BF1805A1F1}" destId="{8FBC2C5D-9E47-4B2D-8CC0-0827ADC6EE57}" srcOrd="0" destOrd="2" presId="urn:microsoft.com/office/officeart/2005/8/layout/chevron2"/>
+    <dgm:cxn modelId="{FD15FF7D-7615-413A-936D-840A88CEEF81}" type="presOf" srcId="{7251001A-0584-4766-A6D7-0E44BBBBDC12}" destId="{3EE3D444-F1E2-4D81-B343-EEB78C9B7BC2}" srcOrd="0" destOrd="0" presId="urn:microsoft.com/office/officeart/2005/8/layout/chevron2"/>
+    <dgm:cxn modelId="{2A878A9C-A599-4E25-8F35-179342BC54EF}" srcId="{B56C8652-49D2-40A6-9CA3-CE8DCF0946F5}" destId="{15A2342C-342E-4AF1-ABFE-6D641BAF41A1}" srcOrd="0" destOrd="0" parTransId="{3113E09E-2B5D-47FE-89F9-BC4D9A8CB38B}" sibTransId="{3091C5B6-412E-4FA9-921C-1CCBB20FB078}"/>
+    <dgm:cxn modelId="{26A054A0-1AB4-43B6-8F58-0FC6C712A2A4}" srcId="{15A2342C-342E-4AF1-ABFE-6D641BAF41A1}" destId="{CBA4680F-B921-4539-96E8-73E248B26438}" srcOrd="0" destOrd="0" parTransId="{CFA20A3C-0F95-4996-A60F-CD8C5D7EA0C8}" sibTransId="{66C95EC4-2BD0-44E1-98AF-5AEB75A287A4}"/>
+    <dgm:cxn modelId="{86D5B1B6-FC3B-40C9-B662-895EFF0C484F}" type="presOf" srcId="{1693A56B-51EB-4EEE-B5A0-2587A76BB504}" destId="{8FBC2C5D-9E47-4B2D-8CC0-0827ADC6EE57}" srcOrd="0" destOrd="0" presId="urn:microsoft.com/office/officeart/2005/8/layout/chevron2"/>
+    <dgm:cxn modelId="{3202A8C2-5279-4A81-941D-2141F021A171}" type="presOf" srcId="{B4460C5C-2EEC-4D27-88F3-8A3DBFE4D343}" destId="{8FBC2C5D-9E47-4B2D-8CC0-0827ADC6EE57}" srcOrd="0" destOrd="1" presId="urn:microsoft.com/office/officeart/2005/8/layout/chevron2"/>
+    <dgm:cxn modelId="{E588DDCA-B8F5-490F-9C79-2C1FDDC6873C}" srcId="{FDFD6E2B-DBAB-4056-BC28-C138724F0441}" destId="{46805B83-CCE2-49B4-94D7-34BF1805A1F1}" srcOrd="2" destOrd="0" parTransId="{E2B4C28A-E9E0-4C65-AC26-D901DDA7289A}" sibTransId="{DCDC50B2-6E66-4671-B741-82D8D8280796}"/>
+    <dgm:cxn modelId="{5A9ED1DB-6162-451D-A6D9-04B0C3753391}" type="presOf" srcId="{D2F9CDA6-554C-4AD5-966D-376750FE9990}" destId="{8FBC2C5D-9E47-4B2D-8CC0-0827ADC6EE57}" srcOrd="0" destOrd="3" presId="urn:microsoft.com/office/officeart/2005/8/layout/chevron2"/>
+    <dgm:cxn modelId="{473431EE-F39C-48EA-A045-B86C38621641}" srcId="{15A2342C-342E-4AF1-ABFE-6D641BAF41A1}" destId="{F13B17A0-86C6-45C8-A1A1-58051CE11C6F}" srcOrd="1" destOrd="0" parTransId="{B2B47FC7-5958-4A44-A4CE-453C0A0BC836}" sibTransId="{82F0F7A3-3707-4B24-8D7E-99D069D182AB}"/>
+    <dgm:cxn modelId="{B9F397F0-7A59-4437-81F7-0BEB182623E3}" srcId="{FDFD6E2B-DBAB-4056-BC28-C138724F0441}" destId="{1693A56B-51EB-4EEE-B5A0-2587A76BB504}" srcOrd="0" destOrd="0" parTransId="{71605052-445C-4B49-9A4B-2DCF504AD115}" sibTransId="{84E281FA-B092-4FA8-A2AE-CFCEA05B4214}"/>
+    <dgm:cxn modelId="{82F94CF7-E0DE-440A-B1D1-883572629C8B}" type="presOf" srcId="{A21E80E9-3E30-4727-979B-CC3F1A7A22C5}" destId="{8EB604FD-2448-4F33-9F96-EAFE912047E9}" srcOrd="0" destOrd="0" presId="urn:microsoft.com/office/officeart/2005/8/layout/chevron2"/>
+    <dgm:cxn modelId="{13250355-16DD-4CD2-9C12-90DB9DA37F12}" type="presParOf" srcId="{142F673A-C255-456D-9E41-60A8F8DECB23}" destId="{4D46CCB9-E0D7-49E4-8700-7CE19FB27C88}" srcOrd="0" destOrd="0" presId="urn:microsoft.com/office/officeart/2005/8/layout/chevron2"/>
+    <dgm:cxn modelId="{817BC056-467A-4A41-A953-E66324C2905D}" type="presParOf" srcId="{4D46CCB9-E0D7-49E4-8700-7CE19FB27C88}" destId="{049C38D1-B597-49E9-8B00-78FB12FB25CF}" srcOrd="0" destOrd="0" presId="urn:microsoft.com/office/officeart/2005/8/layout/chevron2"/>
+    <dgm:cxn modelId="{9630092D-D071-4A9D-86C1-D2F2FD525441}" type="presParOf" srcId="{4D46CCB9-E0D7-49E4-8700-7CE19FB27C88}" destId="{5FDFAD45-BE3A-42C7-96F9-147D175477B9}" srcOrd="1" destOrd="0" presId="urn:microsoft.com/office/officeart/2005/8/layout/chevron2"/>
+    <dgm:cxn modelId="{637CA1E5-C0B6-45EA-8BF0-D18596DD9AFF}" type="presParOf" srcId="{142F673A-C255-456D-9E41-60A8F8DECB23}" destId="{0B93D529-6A78-4555-B1DB-9F922703E6C7}" srcOrd="1" destOrd="0" presId="urn:microsoft.com/office/officeart/2005/8/layout/chevron2"/>
+    <dgm:cxn modelId="{825DE280-A7D6-4690-B13F-FBBEAFF73CB3}" type="presParOf" srcId="{142F673A-C255-456D-9E41-60A8F8DECB23}" destId="{7710AE59-8CCB-4CCF-83F2-9DC5C53C37F8}" srcOrd="2" destOrd="0" presId="urn:microsoft.com/office/officeart/2005/8/layout/chevron2"/>
+    <dgm:cxn modelId="{949BE6D1-3167-4C62-8960-95741648E8D6}" type="presParOf" srcId="{7710AE59-8CCB-4CCF-83F2-9DC5C53C37F8}" destId="{8EB604FD-2448-4F33-9F96-EAFE912047E9}" srcOrd="0" destOrd="0" presId="urn:microsoft.com/office/officeart/2005/8/layout/chevron2"/>
+    <dgm:cxn modelId="{FE2026D6-2D93-461C-A890-E382552DCD24}" type="presParOf" srcId="{7710AE59-8CCB-4CCF-83F2-9DC5C53C37F8}" destId="{3EE3D444-F1E2-4D81-B343-EEB78C9B7BC2}" srcOrd="1" destOrd="0" presId="urn:microsoft.com/office/officeart/2005/8/layout/chevron2"/>
+    <dgm:cxn modelId="{839BF989-99B7-4E14-BAD5-AE9BF6A19560}" type="presParOf" srcId="{142F673A-C255-456D-9E41-60A8F8DECB23}" destId="{56499CC1-1A65-4B3A-8A68-E81F41293563}" srcOrd="3" destOrd="0" presId="urn:microsoft.com/office/officeart/2005/8/layout/chevron2"/>
+    <dgm:cxn modelId="{2316A509-C18C-408D-B9B3-0180B32F33D5}" type="presParOf" srcId="{142F673A-C255-456D-9E41-60A8F8DECB23}" destId="{B37639CF-79EA-491C-B78A-6458934E0CA5}" srcOrd="4" destOrd="0" presId="urn:microsoft.com/office/officeart/2005/8/layout/chevron2"/>
+    <dgm:cxn modelId="{F09D8116-ED91-41CF-AAFD-A86085A377AB}" type="presParOf" srcId="{B37639CF-79EA-491C-B78A-6458934E0CA5}" destId="{0837024A-932D-4B89-A5B5-1646702B04D6}" srcOrd="0" destOrd="0" presId="urn:microsoft.com/office/officeart/2005/8/layout/chevron2"/>
+    <dgm:cxn modelId="{4B73A4CA-E5C6-43EE-AD6F-B7198AE5A01E}" type="presParOf" srcId="{B37639CF-79EA-491C-B78A-6458934E0CA5}" destId="{8FBC2C5D-9E47-4B2D-8CC0-0827ADC6EE57}" srcOrd="1" destOrd="0" presId="urn:microsoft.com/office/officeart/2005/8/layout/chevron2"/>
+  </dgm:cxnLst>
+  <dgm:bg/>
+  <dgm:whole/>
+  <dgm:extLst>
+    <a:ext uri="http://schemas.microsoft.com/office/drawing/2008/diagram">
+      <dsp:dataModelExt xmlns:dsp="http://schemas.microsoft.com/office/drawing/2008/diagram" relId="rId6" minVer="http://schemas.openxmlformats.org/drawingml/2006/diagram"/>
+    </a:ext>
+  </dgm:extLst>
+</dgm:dataModel>
+</file>
+
+<file path=ppt/diagrams/data6.xml><?xml version="1.0" encoding="utf-8"?>
+<dgm:dataModel xmlns:dgm="http://schemas.openxmlformats.org/drawingml/2006/diagram" xmlns:a="http://schemas.openxmlformats.org/drawingml/2006/main">
+  <dgm:ptLst>
+    <dgm:pt modelId="{B56C8652-49D2-40A6-9CA3-CE8DCF0946F5}" type="doc">
+      <dgm:prSet loTypeId="urn:microsoft.com/office/officeart/2005/8/layout/chevron2" loCatId="process" qsTypeId="urn:microsoft.com/office/officeart/2005/8/quickstyle/simple1" qsCatId="simple" csTypeId="urn:microsoft.com/office/officeart/2005/8/colors/accent0_3" csCatId="mainScheme" phldr="1"/>
+      <dgm:spPr/>
+      <dgm:t>
+        <a:bodyPr/>
+        <a:lstStyle/>
+        <a:p>
+          <a:endParaRPr lang="en-US"/>
+        </a:p>
+      </dgm:t>
+    </dgm:pt>
+    <dgm:pt modelId="{15A2342C-342E-4AF1-ABFE-6D641BAF41A1}">
+      <dgm:prSet phldrT="[Text]"/>
+      <dgm:spPr/>
+      <dgm:t>
+        <a:bodyPr/>
+        <a:lstStyle/>
+        <a:p>
+          <a:r>
+            <a:rPr lang="en-US" dirty="0"/>
+            <a:t>Input data</a:t>
+          </a:r>
+        </a:p>
+      </dgm:t>
+    </dgm:pt>
+    <dgm:pt modelId="{3113E09E-2B5D-47FE-89F9-BC4D9A8CB38B}" type="parTrans" cxnId="{2A878A9C-A599-4E25-8F35-179342BC54EF}">
+      <dgm:prSet/>
+      <dgm:spPr/>
+      <dgm:t>
+        <a:bodyPr/>
+        <a:lstStyle/>
+        <a:p>
+          <a:endParaRPr lang="en-US"/>
+        </a:p>
+      </dgm:t>
+    </dgm:pt>
+    <dgm:pt modelId="{3091C5B6-412E-4FA9-921C-1CCBB20FB078}" type="sibTrans" cxnId="{2A878A9C-A599-4E25-8F35-179342BC54EF}">
+      <dgm:prSet/>
+      <dgm:spPr/>
+      <dgm:t>
+        <a:bodyPr/>
+        <a:lstStyle/>
+        <a:p>
+          <a:endParaRPr lang="en-US"/>
+        </a:p>
+      </dgm:t>
+    </dgm:pt>
+    <dgm:pt modelId="{CBA4680F-B921-4539-96E8-73E248B26438}">
+      <dgm:prSet phldrT="[Text]" custT="1"/>
+      <dgm:spPr/>
+      <dgm:t>
+        <a:bodyPr/>
+        <a:lstStyle/>
+        <a:p>
+          <a:pPr>
+            <a:buNone/>
+          </a:pPr>
+          <a:r>
+            <a:rPr lang="en-US" sz="1800" u="none" dirty="0"/>
+            <a:t>- ~/data/processed/</a:t>
+          </a:r>
+          <a:r>
+            <a:rPr lang="en-US" sz="1800" u="none" dirty="0" err="1"/>
+            <a:t>grid_goa.RData</a:t>
+          </a:r>
+          <a:r>
+            <a:rPr lang="en-US" sz="1800" u="none" dirty="0"/>
+            <a:t>: </a:t>
+          </a:r>
+          <a:r>
+            <a:rPr lang="en-US" sz="1800" i="0" u="none" dirty="0">
+              <a:solidFill>
+                <a:schemeClr val="bg1">
+                  <a:lumMod val="50000"/>
+                </a:schemeClr>
+              </a:solidFill>
+            </a:rPr>
+            <a:t>goa grid with bathymetry</a:t>
+          </a:r>
+          <a:endParaRPr lang="en-US" sz="1800" u="none" dirty="0"/>
+        </a:p>
+      </dgm:t>
+    </dgm:pt>
+    <dgm:pt modelId="{CFA20A3C-0F95-4996-A60F-CD8C5D7EA0C8}" type="parTrans" cxnId="{26A054A0-1AB4-43B6-8F58-0FC6C712A2A4}">
+      <dgm:prSet/>
+      <dgm:spPr/>
+      <dgm:t>
+        <a:bodyPr/>
+        <a:lstStyle/>
+        <a:p>
+          <a:endParaRPr lang="en-US"/>
+        </a:p>
+      </dgm:t>
+    </dgm:pt>
+    <dgm:pt modelId="{66C95EC4-2BD0-44E1-98AF-5AEB75A287A4}" type="sibTrans" cxnId="{26A054A0-1AB4-43B6-8F58-0FC6C712A2A4}">
+      <dgm:prSet/>
+      <dgm:spPr/>
+      <dgm:t>
+        <a:bodyPr/>
+        <a:lstStyle/>
+        <a:p>
+          <a:endParaRPr lang="en-US"/>
+        </a:p>
+      </dgm:t>
+    </dgm:pt>
+    <dgm:pt modelId="{A21E80E9-3E30-4727-979B-CC3F1A7A22C5}">
+      <dgm:prSet phldrT="[Text]"/>
+      <dgm:spPr/>
+      <dgm:t>
+        <a:bodyPr/>
+        <a:lstStyle/>
+        <a:p>
+          <a:r>
+            <a:rPr lang="en-US" dirty="0"/>
+            <a:t>Script Program</a:t>
+          </a:r>
+        </a:p>
+      </dgm:t>
+    </dgm:pt>
+    <dgm:pt modelId="{5C40DCA5-A5ED-48F4-971B-7B525589E1B6}" type="parTrans" cxnId="{890C6129-FED3-4F32-A1CE-803923CC13FB}">
+      <dgm:prSet/>
+      <dgm:spPr/>
+      <dgm:t>
+        <a:bodyPr/>
+        <a:lstStyle/>
+        <a:p>
+          <a:endParaRPr lang="en-US"/>
+        </a:p>
+      </dgm:t>
+    </dgm:pt>
+    <dgm:pt modelId="{2E128CC8-58D8-49C7-B524-7F998825E08C}" type="sibTrans" cxnId="{890C6129-FED3-4F32-A1CE-803923CC13FB}">
+      <dgm:prSet/>
+      <dgm:spPr/>
+      <dgm:t>
+        <a:bodyPr/>
+        <a:lstStyle/>
+        <a:p>
+          <a:endParaRPr lang="en-US"/>
+        </a:p>
+      </dgm:t>
+    </dgm:pt>
+    <dgm:pt modelId="{7251001A-0584-4766-A6D7-0E44BBBBDC12}">
+      <dgm:prSet phldrT="[Text]" custT="1"/>
+      <dgm:spPr/>
+      <dgm:t>
+        <a:bodyPr/>
+        <a:lstStyle/>
+        <a:p>
+          <a:pPr>
+            <a:buNone/>
+          </a:pPr>
+          <a:r>
+            <a:rPr lang="en-US" sz="1800" u="none" dirty="0"/>
+            <a:t>~/</a:t>
+          </a:r>
+          <a:r>
+            <a:rPr lang="en-US" sz="1800" dirty="0" err="1"/>
+            <a:t>analysis_scripts</a:t>
+          </a:r>
+          <a:r>
+            <a:rPr lang="en-US" sz="1800"/>
+            <a:t>/2C_knitting</a:t>
+          </a:r>
+          <a:r>
+            <a:rPr lang="en-US" sz="1800" dirty="0" err="1"/>
+            <a:t>_runs_SS</a:t>
+          </a:r>
+          <a:r>
+            <a:rPr lang="en-US" sz="1800" b="0" i="0" dirty="0" err="1"/>
+            <a:t>.R</a:t>
+          </a:r>
+          <a:endParaRPr lang="en-US" sz="1800" dirty="0"/>
+        </a:p>
+      </dgm:t>
+    </dgm:pt>
+    <dgm:pt modelId="{FE219C25-7519-49A1-80FC-88DBD277BE7B}" type="parTrans" cxnId="{98E93161-C30E-43AA-AF6B-299C6C6168AE}">
+      <dgm:prSet/>
+      <dgm:spPr/>
+      <dgm:t>
+        <a:bodyPr/>
+        <a:lstStyle/>
+        <a:p>
+          <a:endParaRPr lang="en-US"/>
+        </a:p>
+      </dgm:t>
+    </dgm:pt>
+    <dgm:pt modelId="{3A3E3377-B627-44C2-A026-04B55D885A13}" type="sibTrans" cxnId="{98E93161-C30E-43AA-AF6B-299C6C6168AE}">
+      <dgm:prSet/>
+      <dgm:spPr/>
+      <dgm:t>
+        <a:bodyPr/>
+        <a:lstStyle/>
+        <a:p>
+          <a:endParaRPr lang="en-US"/>
+        </a:p>
+      </dgm:t>
+    </dgm:pt>
+    <dgm:pt modelId="{FDFD6E2B-DBAB-4056-BC28-C138724F0441}">
+      <dgm:prSet phldrT="[Text]"/>
+      <dgm:spPr/>
+      <dgm:t>
+        <a:bodyPr/>
+        <a:lstStyle/>
+        <a:p>
+          <a:r>
+            <a:rPr lang="en-US" dirty="0"/>
+            <a:t>Output</a:t>
+          </a:r>
+        </a:p>
+      </dgm:t>
+    </dgm:pt>
+    <dgm:pt modelId="{A185C7BD-8F3D-48FC-AACD-370FC7051347}" type="parTrans" cxnId="{331E5267-3B46-40FC-807B-5869C9435943}">
+      <dgm:prSet/>
+      <dgm:spPr/>
+      <dgm:t>
+        <a:bodyPr/>
+        <a:lstStyle/>
+        <a:p>
+          <a:endParaRPr lang="en-US"/>
+        </a:p>
+      </dgm:t>
+    </dgm:pt>
+    <dgm:pt modelId="{2EAE1DED-33EB-4BB9-B279-4AEA7E7C396D}" type="sibTrans" cxnId="{331E5267-3B46-40FC-807B-5869C9435943}">
+      <dgm:prSet/>
+      <dgm:spPr/>
+      <dgm:t>
+        <a:bodyPr/>
+        <a:lstStyle/>
+        <a:p>
+          <a:endParaRPr lang="en-US"/>
+        </a:p>
+      </dgm:t>
+    </dgm:pt>
+    <dgm:pt modelId="{1693A56B-51EB-4EEE-B5A0-2587A76BB504}">
+      <dgm:prSet phldrT="[Text]" custT="1"/>
+      <dgm:spPr/>
+      <dgm:t>
+        <a:bodyPr/>
+        <a:lstStyle/>
+        <a:p>
+          <a:pPr>
+            <a:buNone/>
+          </a:pPr>
+          <a:r>
+            <a:rPr lang="en-US" sz="1400" u="none" dirty="0"/>
+            <a:t>~/results/</a:t>
+          </a:r>
+          <a:r>
+            <a:rPr lang="en-US" sz="1400" u="none" dirty="0" err="1"/>
+            <a:t>full_domain_or_district</a:t>
+          </a:r>
+          <a:r>
+            <a:rPr lang="en-US" sz="1400" u="none" dirty="0"/>
+            <a:t>/</a:t>
+          </a:r>
+          <a:r>
+            <a:rPr lang="en-US" sz="1400" u="none" dirty="0" err="1"/>
+            <a:t>Single_Species_Optimization</a:t>
+          </a:r>
+          <a:r>
+            <a:rPr lang="en-US" sz="1400" u="none" dirty="0"/>
+            <a:t>/</a:t>
+          </a:r>
+          <a:r>
+            <a:rPr lang="en-US" sz="1400" u="none" dirty="0" err="1"/>
+            <a:t>Species_Name</a:t>
+          </a:r>
+          <a:r>
+            <a:rPr lang="en-US" sz="1400" u="none" dirty="0"/>
+            <a:t>/</a:t>
+          </a:r>
+          <a:r>
+            <a:rPr lang="en-US" sz="1400" u="none" dirty="0" err="1"/>
+            <a:t>RunX</a:t>
+          </a:r>
+          <a:r>
+            <a:rPr lang="en-US" sz="1400" u="none" dirty="0"/>
+            <a:t>/</a:t>
+          </a:r>
+          <a:endParaRPr lang="en-US" sz="1400" dirty="0">
+            <a:solidFill>
+              <a:schemeClr val="bg1">
+                <a:lumMod val="50000"/>
+              </a:schemeClr>
+            </a:solidFill>
+          </a:endParaRPr>
+        </a:p>
+      </dgm:t>
+    </dgm:pt>
+    <dgm:pt modelId="{71605052-445C-4B49-9A4B-2DCF504AD115}" type="parTrans" cxnId="{B9F397F0-7A59-4437-81F7-0BEB182623E3}">
+      <dgm:prSet/>
+      <dgm:spPr/>
+      <dgm:t>
+        <a:bodyPr/>
+        <a:lstStyle/>
+        <a:p>
+          <a:endParaRPr lang="en-US"/>
+        </a:p>
+      </dgm:t>
+    </dgm:pt>
+    <dgm:pt modelId="{84E281FA-B092-4FA8-A2AE-CFCEA05B4214}" type="sibTrans" cxnId="{B9F397F0-7A59-4437-81F7-0BEB182623E3}">
+      <dgm:prSet/>
+      <dgm:spPr/>
+      <dgm:t>
+        <a:bodyPr/>
+        <a:lstStyle/>
+        <a:p>
+          <a:endParaRPr lang="en-US"/>
+        </a:p>
+      </dgm:t>
+    </dgm:pt>
+    <dgm:pt modelId="{F13B17A0-86C6-45C8-A1A1-58051CE11C6F}">
+      <dgm:prSet phldrT="[Text]" custT="1"/>
+      <dgm:spPr/>
+      <dgm:t>
+        <a:bodyPr/>
+        <a:lstStyle/>
+        <a:p>
+          <a:pPr>
+            <a:buNone/>
+          </a:pPr>
+          <a:r>
+            <a:rPr lang="en-US" sz="1800" u="none" dirty="0"/>
+            <a:t>- ~/data/processed/</a:t>
+          </a:r>
+          <a:r>
+            <a:rPr lang="en-US" sz="1800" u="none" dirty="0" err="1"/>
+            <a:t>optimization_data.Rdata</a:t>
+          </a:r>
+          <a:r>
+            <a:rPr lang="en-US" sz="1800" u="none" dirty="0"/>
+            <a:t>: </a:t>
+          </a:r>
+          <a:r>
+            <a:rPr lang="en-US" sz="1800" u="none" dirty="0">
+              <a:solidFill>
+                <a:schemeClr val="bg1">
+                  <a:lumMod val="50000"/>
+                </a:schemeClr>
+              </a:solidFill>
+            </a:rPr>
+            <a:t>survey optimization inputs and other constants</a:t>
+          </a:r>
+        </a:p>
+      </dgm:t>
+    </dgm:pt>
+    <dgm:pt modelId="{B2B47FC7-5958-4A44-A4CE-453C0A0BC836}" type="parTrans" cxnId="{473431EE-F39C-48EA-A045-B86C38621641}">
+      <dgm:prSet/>
+      <dgm:spPr/>
+      <dgm:t>
+        <a:bodyPr/>
+        <a:lstStyle/>
+        <a:p>
+          <a:endParaRPr lang="en-US"/>
+        </a:p>
+      </dgm:t>
+    </dgm:pt>
+    <dgm:pt modelId="{82F0F7A3-3707-4B24-8D7E-99D069D182AB}" type="sibTrans" cxnId="{473431EE-F39C-48EA-A045-B86C38621641}">
+      <dgm:prSet/>
+      <dgm:spPr/>
+      <dgm:t>
+        <a:bodyPr/>
+        <a:lstStyle/>
+        <a:p>
+          <a:endParaRPr lang="en-US"/>
+        </a:p>
+      </dgm:t>
+    </dgm:pt>
+    <dgm:pt modelId="{B4460C5C-2EEC-4D27-88F3-8A3DBFE4D343}">
+      <dgm:prSet phldrT="[Text]" custT="1"/>
+      <dgm:spPr/>
+      <dgm:t>
+        <a:bodyPr/>
+        <a:lstStyle/>
+        <a:p>
+          <a:pPr>
+            <a:buNone/>
+          </a:pPr>
+          <a:r>
+            <a:rPr lang="en-US" sz="1400" dirty="0">
+              <a:solidFill>
+                <a:schemeClr val="bg1">
+                  <a:lumMod val="50000"/>
+                </a:schemeClr>
+              </a:solidFill>
+            </a:rPr>
+            <a:t>-</a:t>
+          </a:r>
+          <a:r>
+            <a:rPr lang="en-US" sz="1400" dirty="0" err="1">
+              <a:solidFill>
+                <a:schemeClr val="bg1">
+                  <a:lumMod val="50000"/>
+                </a:schemeClr>
+              </a:solidFill>
+            </a:rPr>
+            <a:t>result_list.Rdata</a:t>
+          </a:r>
+          <a:r>
+            <a:rPr lang="en-US" sz="1400" dirty="0">
+              <a:solidFill>
+                <a:schemeClr val="bg1">
+                  <a:lumMod val="50000"/>
+                </a:schemeClr>
+              </a:solidFill>
+            </a:rPr>
+            <a:t>: </a:t>
+          </a:r>
+        </a:p>
+      </dgm:t>
+    </dgm:pt>
+    <dgm:pt modelId="{8A8A54DB-6A96-4B36-BCD0-B837B772F2DB}" type="parTrans" cxnId="{1305294E-46C4-46DE-943F-47C066193AA4}">
+      <dgm:prSet/>
+      <dgm:spPr/>
+      <dgm:t>
+        <a:bodyPr/>
+        <a:lstStyle/>
+        <a:p>
+          <a:endParaRPr lang="en-US"/>
+        </a:p>
+      </dgm:t>
+    </dgm:pt>
+    <dgm:pt modelId="{72452706-6E93-4C8C-AD07-5D4795D82101}" type="sibTrans" cxnId="{1305294E-46C4-46DE-943F-47C066193AA4}">
+      <dgm:prSet/>
+      <dgm:spPr/>
+      <dgm:t>
+        <a:bodyPr/>
+        <a:lstStyle/>
+        <a:p>
+          <a:endParaRPr lang="en-US"/>
+        </a:p>
+      </dgm:t>
+    </dgm:pt>
+    <dgm:pt modelId="{46805B83-CCE2-49B4-94D7-34BF1805A1F1}">
+      <dgm:prSet phldrT="[Text]" custT="1"/>
+      <dgm:spPr/>
+      <dgm:t>
+        <a:bodyPr/>
+        <a:lstStyle/>
+        <a:p>
+          <a:pPr>
+            <a:buNone/>
+          </a:pPr>
+          <a:r>
+            <a:rPr lang="en-US" sz="1400" dirty="0">
+              <a:solidFill>
+                <a:schemeClr val="tx1"/>
+              </a:solidFill>
+            </a:rPr>
+            <a:t>-solution.png and solution_with_solutions.png: </a:t>
+          </a:r>
+          <a:r>
+            <a:rPr lang="en-US" sz="1400" dirty="0">
+              <a:solidFill>
+                <a:schemeClr val="bg1">
+                  <a:lumMod val="50000"/>
+                </a:schemeClr>
+              </a:solidFill>
+            </a:rPr>
+            <a:t>low-res map of solution</a:t>
+          </a:r>
+        </a:p>
+      </dgm:t>
+    </dgm:pt>
+    <dgm:pt modelId="{E2B4C28A-E9E0-4C65-AC26-D901DDA7289A}" type="parTrans" cxnId="{E588DDCA-B8F5-490F-9C79-2C1FDDC6873C}">
+      <dgm:prSet/>
+      <dgm:spPr/>
+      <dgm:t>
+        <a:bodyPr/>
+        <a:lstStyle/>
+        <a:p>
+          <a:endParaRPr lang="en-US"/>
+        </a:p>
+      </dgm:t>
+    </dgm:pt>
+    <dgm:pt modelId="{DCDC50B2-6E66-4671-B741-82D8D8280796}" type="sibTrans" cxnId="{E588DDCA-B8F5-490F-9C79-2C1FDDC6873C}">
+      <dgm:prSet/>
+      <dgm:spPr/>
+      <dgm:t>
+        <a:bodyPr/>
+        <a:lstStyle/>
+        <a:p>
+          <a:endParaRPr lang="en-US"/>
+        </a:p>
+      </dgm:t>
+    </dgm:pt>
+    <dgm:pt modelId="{D2F9CDA6-554C-4AD5-966D-376750FE9990}">
+      <dgm:prSet phldrT="[Text]" custT="1"/>
+      <dgm:spPr/>
+      <dgm:t>
+        <a:bodyPr/>
+        <a:lstStyle/>
+        <a:p>
+          <a:pPr>
+            <a:buNone/>
+          </a:pPr>
+          <a:r>
+            <a:rPr lang="en-US" sz="1400" dirty="0">
+              <a:solidFill>
+                <a:schemeClr val="tx1"/>
+              </a:solidFill>
+            </a:rPr>
+            <a:t>-output/:</a:t>
+          </a:r>
+          <a:r>
+            <a:rPr lang="en-US" sz="1400" dirty="0">
+              <a:solidFill>
+                <a:schemeClr val="bg1">
+                  <a:lumMod val="50000"/>
+                </a:schemeClr>
+              </a:solidFill>
+            </a:rPr>
+            <a:t> standard result output from Sampling Strata R package </a:t>
+          </a:r>
+        </a:p>
+      </dgm:t>
+    </dgm:pt>
+    <dgm:pt modelId="{00A1B110-6DA3-420C-9E70-D9970CFF9FF0}" type="parTrans" cxnId="{8AC5DF0C-260E-43E4-A62F-C504A94FD039}">
+      <dgm:prSet/>
+      <dgm:spPr/>
+      <dgm:t>
+        <a:bodyPr/>
+        <a:lstStyle/>
+        <a:p>
+          <a:endParaRPr lang="en-US"/>
+        </a:p>
+      </dgm:t>
+    </dgm:pt>
+    <dgm:pt modelId="{1AD3BD3B-DE56-46C8-9696-50FAF0C96F7C}" type="sibTrans" cxnId="{8AC5DF0C-260E-43E4-A62F-C504A94FD039}">
+      <dgm:prSet/>
+      <dgm:spPr/>
+      <dgm:t>
+        <a:bodyPr/>
+        <a:lstStyle/>
+        <a:p>
+          <a:endParaRPr lang="en-US"/>
+        </a:p>
+      </dgm:t>
+    </dgm:pt>
+    <dgm:pt modelId="{142F673A-C255-456D-9E41-60A8F8DECB23}" type="pres">
+      <dgm:prSet presAssocID="{B56C8652-49D2-40A6-9CA3-CE8DCF0946F5}" presName="linearFlow" presStyleCnt="0">
+        <dgm:presLayoutVars>
+          <dgm:dir/>
+          <dgm:animLvl val="lvl"/>
+          <dgm:resizeHandles val="exact"/>
+        </dgm:presLayoutVars>
+      </dgm:prSet>
+      <dgm:spPr/>
+    </dgm:pt>
+    <dgm:pt modelId="{4D46CCB9-E0D7-49E4-8700-7CE19FB27C88}" type="pres">
+      <dgm:prSet presAssocID="{15A2342C-342E-4AF1-ABFE-6D641BAF41A1}" presName="composite" presStyleCnt="0"/>
+      <dgm:spPr/>
+    </dgm:pt>
+    <dgm:pt modelId="{049C38D1-B597-49E9-8B00-78FB12FB25CF}" type="pres">
+      <dgm:prSet presAssocID="{15A2342C-342E-4AF1-ABFE-6D641BAF41A1}" presName="parentText" presStyleLbl="alignNode1" presStyleIdx="0" presStyleCnt="3">
+        <dgm:presLayoutVars>
+          <dgm:chMax val="1"/>
+          <dgm:bulletEnabled val="1"/>
+        </dgm:presLayoutVars>
+      </dgm:prSet>
+      <dgm:spPr/>
+    </dgm:pt>
+    <dgm:pt modelId="{5FDFAD45-BE3A-42C7-96F9-147D175477B9}" type="pres">
+      <dgm:prSet presAssocID="{15A2342C-342E-4AF1-ABFE-6D641BAF41A1}" presName="descendantText" presStyleLbl="alignAcc1" presStyleIdx="0" presStyleCnt="3" custScaleY="100000">
+        <dgm:presLayoutVars>
+          <dgm:bulletEnabled val="1"/>
+        </dgm:presLayoutVars>
+      </dgm:prSet>
+      <dgm:spPr/>
+    </dgm:pt>
+    <dgm:pt modelId="{0B93D529-6A78-4555-B1DB-9F922703E6C7}" type="pres">
+      <dgm:prSet presAssocID="{3091C5B6-412E-4FA9-921C-1CCBB20FB078}" presName="sp" presStyleCnt="0"/>
+      <dgm:spPr/>
+    </dgm:pt>
+    <dgm:pt modelId="{7710AE59-8CCB-4CCF-83F2-9DC5C53C37F8}" type="pres">
+      <dgm:prSet presAssocID="{A21E80E9-3E30-4727-979B-CC3F1A7A22C5}" presName="composite" presStyleCnt="0"/>
+      <dgm:spPr/>
+    </dgm:pt>
+    <dgm:pt modelId="{8EB604FD-2448-4F33-9F96-EAFE912047E9}" type="pres">
+      <dgm:prSet presAssocID="{A21E80E9-3E30-4727-979B-CC3F1A7A22C5}" presName="parentText" presStyleLbl="alignNode1" presStyleIdx="1" presStyleCnt="3">
+        <dgm:presLayoutVars>
+          <dgm:chMax val="1"/>
+          <dgm:bulletEnabled val="1"/>
+        </dgm:presLayoutVars>
+      </dgm:prSet>
+      <dgm:spPr/>
+    </dgm:pt>
+    <dgm:pt modelId="{3EE3D444-F1E2-4D81-B343-EEB78C9B7BC2}" type="pres">
+      <dgm:prSet presAssocID="{A21E80E9-3E30-4727-979B-CC3F1A7A22C5}" presName="descendantText" presStyleLbl="alignAcc1" presStyleIdx="1" presStyleCnt="3" custScaleY="35851">
+        <dgm:presLayoutVars>
+          <dgm:bulletEnabled val="1"/>
+        </dgm:presLayoutVars>
+      </dgm:prSet>
+      <dgm:spPr/>
+    </dgm:pt>
+    <dgm:pt modelId="{56499CC1-1A65-4B3A-8A68-E81F41293563}" type="pres">
+      <dgm:prSet presAssocID="{2E128CC8-58D8-49C7-B524-7F998825E08C}" presName="sp" presStyleCnt="0"/>
+      <dgm:spPr/>
+    </dgm:pt>
+    <dgm:pt modelId="{B37639CF-79EA-491C-B78A-6458934E0CA5}" type="pres">
+      <dgm:prSet presAssocID="{FDFD6E2B-DBAB-4056-BC28-C138724F0441}" presName="composite" presStyleCnt="0"/>
+      <dgm:spPr/>
+    </dgm:pt>
+    <dgm:pt modelId="{0837024A-932D-4B89-A5B5-1646702B04D6}" type="pres">
+      <dgm:prSet presAssocID="{FDFD6E2B-DBAB-4056-BC28-C138724F0441}" presName="parentText" presStyleLbl="alignNode1" presStyleIdx="2" presStyleCnt="3">
+        <dgm:presLayoutVars>
+          <dgm:chMax val="1"/>
+          <dgm:bulletEnabled val="1"/>
+        </dgm:presLayoutVars>
+      </dgm:prSet>
+      <dgm:spPr/>
+    </dgm:pt>
+    <dgm:pt modelId="{8FBC2C5D-9E47-4B2D-8CC0-0827ADC6EE57}" type="pres">
+      <dgm:prSet presAssocID="{FDFD6E2B-DBAB-4056-BC28-C138724F0441}" presName="descendantText" presStyleLbl="alignAcc1" presStyleIdx="2" presStyleCnt="3">
+        <dgm:presLayoutVars>
+          <dgm:bulletEnabled val="1"/>
+        </dgm:presLayoutVars>
+      </dgm:prSet>
+      <dgm:spPr/>
+    </dgm:pt>
+  </dgm:ptLst>
+  <dgm:cxnLst>
+    <dgm:cxn modelId="{58890E05-AD91-4C6E-AFAF-1570690574EA}" type="presOf" srcId="{B56C8652-49D2-40A6-9CA3-CE8DCF0946F5}" destId="{142F673A-C255-456D-9E41-60A8F8DECB23}" srcOrd="0" destOrd="0" presId="urn:microsoft.com/office/officeart/2005/8/layout/chevron2"/>
+    <dgm:cxn modelId="{8AC5DF0C-260E-43E4-A62F-C504A94FD039}" srcId="{FDFD6E2B-DBAB-4056-BC28-C138724F0441}" destId="{D2F9CDA6-554C-4AD5-966D-376750FE9990}" srcOrd="3" destOrd="0" parTransId="{00A1B110-6DA3-420C-9E70-D9970CFF9FF0}" sibTransId="{1AD3BD3B-DE56-46C8-9696-50FAF0C96F7C}"/>
+    <dgm:cxn modelId="{890C6129-FED3-4F32-A1CE-803923CC13FB}" srcId="{B56C8652-49D2-40A6-9CA3-CE8DCF0946F5}" destId="{A21E80E9-3E30-4727-979B-CC3F1A7A22C5}" srcOrd="1" destOrd="0" parTransId="{5C40DCA5-A5ED-48F4-971B-7B525589E1B6}" sibTransId="{2E128CC8-58D8-49C7-B524-7F998825E08C}"/>
+    <dgm:cxn modelId="{E914BB3B-B500-4A5E-9DB8-004BB6465C45}" type="presOf" srcId="{F13B17A0-86C6-45C8-A1A1-58051CE11C6F}" destId="{5FDFAD45-BE3A-42C7-96F9-147D175477B9}" srcOrd="0" destOrd="1" presId="urn:microsoft.com/office/officeart/2005/8/layout/chevron2"/>
+    <dgm:cxn modelId="{28F4B55F-1626-4A11-B2A3-6C5FBCF466EE}" type="presOf" srcId="{CBA4680F-B921-4539-96E8-73E248B26438}" destId="{5FDFAD45-BE3A-42C7-96F9-147D175477B9}" srcOrd="0" destOrd="0" presId="urn:microsoft.com/office/officeart/2005/8/layout/chevron2"/>
+    <dgm:cxn modelId="{CBE38C60-2AAF-4767-AECB-3298EFA7C80C}" type="presOf" srcId="{15A2342C-342E-4AF1-ABFE-6D641BAF41A1}" destId="{049C38D1-B597-49E9-8B00-78FB12FB25CF}" srcOrd="0" destOrd="0" presId="urn:microsoft.com/office/officeart/2005/8/layout/chevron2"/>
+    <dgm:cxn modelId="{98E93161-C30E-43AA-AF6B-299C6C6168AE}" srcId="{A21E80E9-3E30-4727-979B-CC3F1A7A22C5}" destId="{7251001A-0584-4766-A6D7-0E44BBBBDC12}" srcOrd="0" destOrd="0" parTransId="{FE219C25-7519-49A1-80FC-88DBD277BE7B}" sibTransId="{3A3E3377-B627-44C2-A026-04B55D885A13}"/>
+    <dgm:cxn modelId="{0AA7C964-F08A-434D-849D-CB60E50F510C}" type="presOf" srcId="{FDFD6E2B-DBAB-4056-BC28-C138724F0441}" destId="{0837024A-932D-4B89-A5B5-1646702B04D6}" srcOrd="0" destOrd="0" presId="urn:microsoft.com/office/officeart/2005/8/layout/chevron2"/>
+    <dgm:cxn modelId="{331E5267-3B46-40FC-807B-5869C9435943}" srcId="{B56C8652-49D2-40A6-9CA3-CE8DCF0946F5}" destId="{FDFD6E2B-DBAB-4056-BC28-C138724F0441}" srcOrd="2" destOrd="0" parTransId="{A185C7BD-8F3D-48FC-AACD-370FC7051347}" sibTransId="{2EAE1DED-33EB-4BB9-B279-4AEA7E7C396D}"/>
+    <dgm:cxn modelId="{1305294E-46C4-46DE-943F-47C066193AA4}" srcId="{FDFD6E2B-DBAB-4056-BC28-C138724F0441}" destId="{B4460C5C-2EEC-4D27-88F3-8A3DBFE4D343}" srcOrd="1" destOrd="0" parTransId="{8A8A54DB-6A96-4B36-BCD0-B837B772F2DB}" sibTransId="{72452706-6E93-4C8C-AD07-5D4795D82101}"/>
+    <dgm:cxn modelId="{A105D458-9A63-4941-8C72-3207DE7EFBAC}" type="presOf" srcId="{46805B83-CCE2-49B4-94D7-34BF1805A1F1}" destId="{8FBC2C5D-9E47-4B2D-8CC0-0827ADC6EE57}" srcOrd="0" destOrd="2" presId="urn:microsoft.com/office/officeart/2005/8/layout/chevron2"/>
+    <dgm:cxn modelId="{FD15FF7D-7615-413A-936D-840A88CEEF81}" type="presOf" srcId="{7251001A-0584-4766-A6D7-0E44BBBBDC12}" destId="{3EE3D444-F1E2-4D81-B343-EEB78C9B7BC2}" srcOrd="0" destOrd="0" presId="urn:microsoft.com/office/officeart/2005/8/layout/chevron2"/>
+    <dgm:cxn modelId="{2A878A9C-A599-4E25-8F35-179342BC54EF}" srcId="{B56C8652-49D2-40A6-9CA3-CE8DCF0946F5}" destId="{15A2342C-342E-4AF1-ABFE-6D641BAF41A1}" srcOrd="0" destOrd="0" parTransId="{3113E09E-2B5D-47FE-89F9-BC4D9A8CB38B}" sibTransId="{3091C5B6-412E-4FA9-921C-1CCBB20FB078}"/>
+    <dgm:cxn modelId="{26A054A0-1AB4-43B6-8F58-0FC6C712A2A4}" srcId="{15A2342C-342E-4AF1-ABFE-6D641BAF41A1}" destId="{CBA4680F-B921-4539-96E8-73E248B26438}" srcOrd="0" destOrd="0" parTransId="{CFA20A3C-0F95-4996-A60F-CD8C5D7EA0C8}" sibTransId="{66C95EC4-2BD0-44E1-98AF-5AEB75A287A4}"/>
+    <dgm:cxn modelId="{86D5B1B6-FC3B-40C9-B662-895EFF0C484F}" type="presOf" srcId="{1693A56B-51EB-4EEE-B5A0-2587A76BB504}" destId="{8FBC2C5D-9E47-4B2D-8CC0-0827ADC6EE57}" srcOrd="0" destOrd="0" presId="urn:microsoft.com/office/officeart/2005/8/layout/chevron2"/>
+    <dgm:cxn modelId="{3202A8C2-5279-4A81-941D-2141F021A171}" type="presOf" srcId="{B4460C5C-2EEC-4D27-88F3-8A3DBFE4D343}" destId="{8FBC2C5D-9E47-4B2D-8CC0-0827ADC6EE57}" srcOrd="0" destOrd="1" presId="urn:microsoft.com/office/officeart/2005/8/layout/chevron2"/>
+    <dgm:cxn modelId="{E588DDCA-B8F5-490F-9C79-2C1FDDC6873C}" srcId="{FDFD6E2B-DBAB-4056-BC28-C138724F0441}" destId="{46805B83-CCE2-49B4-94D7-34BF1805A1F1}" srcOrd="2" destOrd="0" parTransId="{E2B4C28A-E9E0-4C65-AC26-D901DDA7289A}" sibTransId="{DCDC50B2-6E66-4671-B741-82D8D8280796}"/>
+    <dgm:cxn modelId="{5A9ED1DB-6162-451D-A6D9-04B0C3753391}" type="presOf" srcId="{D2F9CDA6-554C-4AD5-966D-376750FE9990}" destId="{8FBC2C5D-9E47-4B2D-8CC0-0827ADC6EE57}" srcOrd="0" destOrd="3" presId="urn:microsoft.com/office/officeart/2005/8/layout/chevron2"/>
+    <dgm:cxn modelId="{473431EE-F39C-48EA-A045-B86C38621641}" srcId="{15A2342C-342E-4AF1-ABFE-6D641BAF41A1}" destId="{F13B17A0-86C6-45C8-A1A1-58051CE11C6F}" srcOrd="1" destOrd="0" parTransId="{B2B47FC7-5958-4A44-A4CE-453C0A0BC836}" sibTransId="{82F0F7A3-3707-4B24-8D7E-99D069D182AB}"/>
     <dgm:cxn modelId="{B9F397F0-7A59-4437-81F7-0BEB182623E3}" srcId="{FDFD6E2B-DBAB-4056-BC28-C138724F0441}" destId="{1693A56B-51EB-4EEE-B5A0-2587A76BB504}" srcOrd="0" destOrd="0" parTransId="{71605052-445C-4B49-9A4B-2DCF504AD115}" sibTransId="{84E281FA-B092-4FA8-A2AE-CFCEA05B4214}"/>
     <dgm:cxn modelId="{82F94CF7-E0DE-440A-B1D1-883572629C8B}" type="presOf" srcId="{A21E80E9-3E30-4727-979B-CC3F1A7A22C5}" destId="{8EB604FD-2448-4F33-9F96-EAFE912047E9}" srcOrd="0" destOrd="0" presId="urn:microsoft.com/office/officeart/2005/8/layout/chevron2"/>
     <dgm:cxn modelId="{13250355-16DD-4CD2-9C12-90DB9DA37F12}" type="presParOf" srcId="{142F673A-C255-456D-9E41-60A8F8DECB23}" destId="{4D46CCB9-E0D7-49E4-8700-7CE19FB27C88}" srcOrd="0" destOrd="0" presId="urn:microsoft.com/office/officeart/2005/8/layout/chevron2"/>
@@ -8873,6 +11709,1394 @@
       <dsp:txXfrm rot="-5400000">
         <a:off x="1280391" y="3633259"/>
         <a:ext cx="6789570" cy="1072855"/>
+      </dsp:txXfrm>
+    </dsp:sp>
+  </dsp:spTree>
+</dsp:drawing>
+</file>
+
+<file path=ppt/diagrams/drawing5.xml><?xml version="1.0" encoding="utf-8"?>
+<dsp:drawing xmlns:dgm="http://schemas.openxmlformats.org/drawingml/2006/diagram" xmlns:dsp="http://schemas.microsoft.com/office/drawing/2008/diagram" xmlns:a="http://schemas.openxmlformats.org/drawingml/2006/main">
+  <dsp:spTree>
+    <dsp:nvGrpSpPr>
+      <dsp:cNvPr id="0" name=""/>
+      <dsp:cNvGrpSpPr/>
+    </dsp:nvGrpSpPr>
+    <dsp:grpSpPr/>
+    <dsp:sp modelId="{049C38D1-B597-49E9-8B00-78FB12FB25CF}">
+      <dsp:nvSpPr>
+        <dsp:cNvPr id="0" name=""/>
+        <dsp:cNvSpPr/>
+      </dsp:nvSpPr>
+      <dsp:spPr>
+        <a:xfrm rot="5400000">
+          <a:off x="-289718" y="292805"/>
+          <a:ext cx="1931458" cy="1352020"/>
+        </a:xfrm>
+        <a:prstGeom prst="chevron">
+          <a:avLst/>
+        </a:prstGeom>
+        <a:solidFill>
+          <a:schemeClr val="dk2">
+            <a:hueOff val="0"/>
+            <a:satOff val="0"/>
+            <a:lumOff val="0"/>
+            <a:alphaOff val="0"/>
+          </a:schemeClr>
+        </a:solidFill>
+        <a:ln w="12700" cap="flat" cmpd="sng" algn="ctr">
+          <a:solidFill>
+            <a:schemeClr val="dk2">
+              <a:hueOff val="0"/>
+              <a:satOff val="0"/>
+              <a:lumOff val="0"/>
+              <a:alphaOff val="0"/>
+            </a:schemeClr>
+          </a:solidFill>
+          <a:prstDash val="solid"/>
+          <a:miter lim="800000"/>
+        </a:ln>
+        <a:effectLst/>
+      </dsp:spPr>
+      <dsp:style>
+        <a:lnRef idx="2">
+          <a:scrgbClr r="0" g="0" b="0"/>
+        </a:lnRef>
+        <a:fillRef idx="1">
+          <a:scrgbClr r="0" g="0" b="0"/>
+        </a:fillRef>
+        <a:effectRef idx="0">
+          <a:scrgbClr r="0" g="0" b="0"/>
+        </a:effectRef>
+        <a:fontRef idx="minor">
+          <a:schemeClr val="lt1"/>
+        </a:fontRef>
+      </dsp:style>
+      <dsp:txBody>
+        <a:bodyPr spcFirstLastPara="0" vert="horz" wrap="square" lIns="12065" tIns="12065" rIns="12065" bIns="12065" numCol="1" spcCol="1270" anchor="ctr" anchorCtr="0">
+          <a:noAutofit/>
+        </a:bodyPr>
+        <a:lstStyle/>
+        <a:p>
+          <a:pPr marL="0" lvl="0" indent="0" algn="ctr" defTabSz="844550">
+            <a:lnSpc>
+              <a:spcPct val="90000"/>
+            </a:lnSpc>
+            <a:spcBef>
+              <a:spcPct val="0"/>
+            </a:spcBef>
+            <a:spcAft>
+              <a:spcPct val="35000"/>
+            </a:spcAft>
+            <a:buNone/>
+          </a:pPr>
+          <a:r>
+            <a:rPr lang="en-US" sz="1900" kern="1200" dirty="0"/>
+            <a:t>Input data</a:t>
+          </a:r>
+        </a:p>
+      </dsp:txBody>
+      <dsp:txXfrm rot="-5400000">
+        <a:off x="1" y="679096"/>
+        <a:ext cx="1352020" cy="579438"/>
+      </dsp:txXfrm>
+    </dsp:sp>
+    <dsp:sp modelId="{5FDFAD45-BE3A-42C7-96F9-147D175477B9}">
+      <dsp:nvSpPr>
+        <dsp:cNvPr id="0" name=""/>
+        <dsp:cNvSpPr/>
+      </dsp:nvSpPr>
+      <dsp:spPr>
+        <a:xfrm rot="5400000">
+          <a:off x="4112286" y="-2757179"/>
+          <a:ext cx="1255447" cy="6775979"/>
+        </a:xfrm>
+        <a:prstGeom prst="round2SameRect">
+          <a:avLst/>
+        </a:prstGeom>
+        <a:solidFill>
+          <a:schemeClr val="lt2">
+            <a:alpha val="90000"/>
+            <a:hueOff val="0"/>
+            <a:satOff val="0"/>
+            <a:lumOff val="0"/>
+            <a:alphaOff val="0"/>
+          </a:schemeClr>
+        </a:solidFill>
+        <a:ln w="12700" cap="flat" cmpd="sng" algn="ctr">
+          <a:solidFill>
+            <a:schemeClr val="dk2">
+              <a:hueOff val="0"/>
+              <a:satOff val="0"/>
+              <a:lumOff val="0"/>
+              <a:alphaOff val="0"/>
+            </a:schemeClr>
+          </a:solidFill>
+          <a:prstDash val="solid"/>
+          <a:miter lim="800000"/>
+        </a:ln>
+        <a:effectLst/>
+      </dsp:spPr>
+      <dsp:style>
+        <a:lnRef idx="2">
+          <a:scrgbClr r="0" g="0" b="0"/>
+        </a:lnRef>
+        <a:fillRef idx="1">
+          <a:scrgbClr r="0" g="0" b="0"/>
+        </a:fillRef>
+        <a:effectRef idx="0">
+          <a:scrgbClr r="0" g="0" b="0"/>
+        </a:effectRef>
+        <a:fontRef idx="minor"/>
+      </dsp:style>
+      <dsp:txBody>
+        <a:bodyPr spcFirstLastPara="0" vert="horz" wrap="square" lIns="128016" tIns="11430" rIns="11430" bIns="11430" numCol="1" spcCol="1270" anchor="ctr" anchorCtr="0">
+          <a:noAutofit/>
+        </a:bodyPr>
+        <a:lstStyle/>
+        <a:p>
+          <a:pPr marL="171450" lvl="1" indent="-171450" algn="l" defTabSz="800100">
+            <a:lnSpc>
+              <a:spcPct val="90000"/>
+            </a:lnSpc>
+            <a:spcBef>
+              <a:spcPct val="0"/>
+            </a:spcBef>
+            <a:spcAft>
+              <a:spcPct val="15000"/>
+            </a:spcAft>
+            <a:buNone/>
+          </a:pPr>
+          <a:r>
+            <a:rPr lang="en-US" sz="1800" u="none" kern="1200" dirty="0"/>
+            <a:t>- ~/data/processed/</a:t>
+          </a:r>
+          <a:r>
+            <a:rPr lang="en-US" sz="1800" u="none" kern="1200" dirty="0" err="1"/>
+            <a:t>grid_goa.RData</a:t>
+          </a:r>
+          <a:r>
+            <a:rPr lang="en-US" sz="1800" u="none" kern="1200" dirty="0"/>
+            <a:t>: </a:t>
+          </a:r>
+          <a:r>
+            <a:rPr lang="en-US" sz="1800" i="0" u="none" kern="1200" dirty="0">
+              <a:solidFill>
+                <a:schemeClr val="bg1">
+                  <a:lumMod val="50000"/>
+                </a:schemeClr>
+              </a:solidFill>
+            </a:rPr>
+            <a:t>goa grid with bathymetry</a:t>
+          </a:r>
+          <a:endParaRPr lang="en-US" sz="1800" u="none" kern="1200" dirty="0"/>
+        </a:p>
+        <a:p>
+          <a:pPr marL="171450" lvl="1" indent="-171450" algn="l" defTabSz="800100">
+            <a:lnSpc>
+              <a:spcPct val="90000"/>
+            </a:lnSpc>
+            <a:spcBef>
+              <a:spcPct val="0"/>
+            </a:spcBef>
+            <a:spcAft>
+              <a:spcPct val="15000"/>
+            </a:spcAft>
+            <a:buNone/>
+          </a:pPr>
+          <a:r>
+            <a:rPr lang="en-US" sz="1800" u="none" kern="1200" dirty="0"/>
+            <a:t>- ~/data/processed/</a:t>
+          </a:r>
+          <a:r>
+            <a:rPr lang="en-US" sz="1800" u="none" kern="1200" dirty="0" err="1"/>
+            <a:t>optimization_data.Rdata</a:t>
+          </a:r>
+          <a:r>
+            <a:rPr lang="en-US" sz="1800" u="none" kern="1200" dirty="0"/>
+            <a:t>: </a:t>
+          </a:r>
+          <a:r>
+            <a:rPr lang="en-US" sz="1800" u="none" kern="1200" dirty="0">
+              <a:solidFill>
+                <a:schemeClr val="bg1">
+                  <a:lumMod val="50000"/>
+                </a:schemeClr>
+              </a:solidFill>
+            </a:rPr>
+            <a:t>survey optimization inputs and other constants</a:t>
+          </a:r>
+        </a:p>
+      </dsp:txBody>
+      <dsp:txXfrm rot="-5400000">
+        <a:off x="1352020" y="64373"/>
+        <a:ext cx="6714693" cy="1132875"/>
+      </dsp:txXfrm>
+    </dsp:sp>
+    <dsp:sp modelId="{8EB604FD-2448-4F33-9F96-EAFE912047E9}">
+      <dsp:nvSpPr>
+        <dsp:cNvPr id="0" name=""/>
+        <dsp:cNvSpPr/>
+      </dsp:nvSpPr>
+      <dsp:spPr>
+        <a:xfrm rot="5400000">
+          <a:off x="-289718" y="2033323"/>
+          <a:ext cx="1931458" cy="1352020"/>
+        </a:xfrm>
+        <a:prstGeom prst="chevron">
+          <a:avLst/>
+        </a:prstGeom>
+        <a:solidFill>
+          <a:schemeClr val="dk2">
+            <a:hueOff val="0"/>
+            <a:satOff val="0"/>
+            <a:lumOff val="0"/>
+            <a:alphaOff val="0"/>
+          </a:schemeClr>
+        </a:solidFill>
+        <a:ln w="12700" cap="flat" cmpd="sng" algn="ctr">
+          <a:solidFill>
+            <a:schemeClr val="dk2">
+              <a:hueOff val="0"/>
+              <a:satOff val="0"/>
+              <a:lumOff val="0"/>
+              <a:alphaOff val="0"/>
+            </a:schemeClr>
+          </a:solidFill>
+          <a:prstDash val="solid"/>
+          <a:miter lim="800000"/>
+        </a:ln>
+        <a:effectLst/>
+      </dsp:spPr>
+      <dsp:style>
+        <a:lnRef idx="2">
+          <a:scrgbClr r="0" g="0" b="0"/>
+        </a:lnRef>
+        <a:fillRef idx="1">
+          <a:scrgbClr r="0" g="0" b="0"/>
+        </a:fillRef>
+        <a:effectRef idx="0">
+          <a:scrgbClr r="0" g="0" b="0"/>
+        </a:effectRef>
+        <a:fontRef idx="minor">
+          <a:schemeClr val="lt1"/>
+        </a:fontRef>
+      </dsp:style>
+      <dsp:txBody>
+        <a:bodyPr spcFirstLastPara="0" vert="horz" wrap="square" lIns="12065" tIns="12065" rIns="12065" bIns="12065" numCol="1" spcCol="1270" anchor="ctr" anchorCtr="0">
+          <a:noAutofit/>
+        </a:bodyPr>
+        <a:lstStyle/>
+        <a:p>
+          <a:pPr marL="0" lvl="0" indent="0" algn="ctr" defTabSz="844550">
+            <a:lnSpc>
+              <a:spcPct val="90000"/>
+            </a:lnSpc>
+            <a:spcBef>
+              <a:spcPct val="0"/>
+            </a:spcBef>
+            <a:spcAft>
+              <a:spcPct val="35000"/>
+            </a:spcAft>
+            <a:buNone/>
+          </a:pPr>
+          <a:r>
+            <a:rPr lang="en-US" sz="1900" kern="1200" dirty="0"/>
+            <a:t>Script Program</a:t>
+          </a:r>
+        </a:p>
+      </dsp:txBody>
+      <dsp:txXfrm rot="-5400000">
+        <a:off x="1" y="2419614"/>
+        <a:ext cx="1352020" cy="579438"/>
+      </dsp:txXfrm>
+    </dsp:sp>
+    <dsp:sp modelId="{3EE3D444-F1E2-4D81-B343-EEB78C9B7BC2}">
+      <dsp:nvSpPr>
+        <dsp:cNvPr id="0" name=""/>
+        <dsp:cNvSpPr/>
+      </dsp:nvSpPr>
+      <dsp:spPr>
+        <a:xfrm rot="5400000">
+          <a:off x="4514965" y="-1016661"/>
+          <a:ext cx="450090" cy="6775979"/>
+        </a:xfrm>
+        <a:prstGeom prst="round2SameRect">
+          <a:avLst/>
+        </a:prstGeom>
+        <a:solidFill>
+          <a:schemeClr val="lt2">
+            <a:alpha val="90000"/>
+            <a:hueOff val="0"/>
+            <a:satOff val="0"/>
+            <a:lumOff val="0"/>
+            <a:alphaOff val="0"/>
+          </a:schemeClr>
+        </a:solidFill>
+        <a:ln w="12700" cap="flat" cmpd="sng" algn="ctr">
+          <a:solidFill>
+            <a:schemeClr val="dk2">
+              <a:hueOff val="0"/>
+              <a:satOff val="0"/>
+              <a:lumOff val="0"/>
+              <a:alphaOff val="0"/>
+            </a:schemeClr>
+          </a:solidFill>
+          <a:prstDash val="solid"/>
+          <a:miter lim="800000"/>
+        </a:ln>
+        <a:effectLst/>
+      </dsp:spPr>
+      <dsp:style>
+        <a:lnRef idx="2">
+          <a:scrgbClr r="0" g="0" b="0"/>
+        </a:lnRef>
+        <a:fillRef idx="1">
+          <a:scrgbClr r="0" g="0" b="0"/>
+        </a:fillRef>
+        <a:effectRef idx="0">
+          <a:scrgbClr r="0" g="0" b="0"/>
+        </a:effectRef>
+        <a:fontRef idx="minor"/>
+      </dsp:style>
+      <dsp:txBody>
+        <a:bodyPr spcFirstLastPara="0" vert="horz" wrap="square" lIns="128016" tIns="11430" rIns="11430" bIns="11430" numCol="1" spcCol="1270" anchor="ctr" anchorCtr="0">
+          <a:noAutofit/>
+        </a:bodyPr>
+        <a:lstStyle/>
+        <a:p>
+          <a:pPr marL="171450" lvl="1" indent="-171450" algn="l" defTabSz="800100">
+            <a:lnSpc>
+              <a:spcPct val="90000"/>
+            </a:lnSpc>
+            <a:spcBef>
+              <a:spcPct val="0"/>
+            </a:spcBef>
+            <a:spcAft>
+              <a:spcPct val="15000"/>
+            </a:spcAft>
+            <a:buNone/>
+          </a:pPr>
+          <a:r>
+            <a:rPr lang="en-US" sz="1800" u="none" kern="1200" dirty="0"/>
+            <a:t>~/</a:t>
+          </a:r>
+          <a:r>
+            <a:rPr lang="en-US" sz="1800" kern="1200" dirty="0" err="1"/>
+            <a:t>analysis_scripts</a:t>
+          </a:r>
+          <a:r>
+            <a:rPr lang="en-US" sz="1800" kern="1200" dirty="0"/>
+            <a:t>/2B_</a:t>
+          </a:r>
+          <a:r>
+            <a:rPr lang="en-US" sz="1800" b="0" i="0" kern="1200" dirty="0"/>
+            <a:t>Survey_Optimization_SS.R</a:t>
+          </a:r>
+          <a:endParaRPr lang="en-US" sz="1800" kern="1200" dirty="0"/>
+        </a:p>
+      </dsp:txBody>
+      <dsp:txXfrm rot="-5400000">
+        <a:off x="1352021" y="2168255"/>
+        <a:ext cx="6754007" cy="406146"/>
+      </dsp:txXfrm>
+    </dsp:sp>
+    <dsp:sp modelId="{0837024A-932D-4B89-A5B5-1646702B04D6}">
+      <dsp:nvSpPr>
+        <dsp:cNvPr id="0" name=""/>
+        <dsp:cNvSpPr/>
+      </dsp:nvSpPr>
+      <dsp:spPr>
+        <a:xfrm rot="5400000">
+          <a:off x="-289718" y="3773840"/>
+          <a:ext cx="1931458" cy="1352020"/>
+        </a:xfrm>
+        <a:prstGeom prst="chevron">
+          <a:avLst/>
+        </a:prstGeom>
+        <a:solidFill>
+          <a:schemeClr val="dk2">
+            <a:hueOff val="0"/>
+            <a:satOff val="0"/>
+            <a:lumOff val="0"/>
+            <a:alphaOff val="0"/>
+          </a:schemeClr>
+        </a:solidFill>
+        <a:ln w="12700" cap="flat" cmpd="sng" algn="ctr">
+          <a:solidFill>
+            <a:schemeClr val="dk2">
+              <a:hueOff val="0"/>
+              <a:satOff val="0"/>
+              <a:lumOff val="0"/>
+              <a:alphaOff val="0"/>
+            </a:schemeClr>
+          </a:solidFill>
+          <a:prstDash val="solid"/>
+          <a:miter lim="800000"/>
+        </a:ln>
+        <a:effectLst/>
+      </dsp:spPr>
+      <dsp:style>
+        <a:lnRef idx="2">
+          <a:scrgbClr r="0" g="0" b="0"/>
+        </a:lnRef>
+        <a:fillRef idx="1">
+          <a:scrgbClr r="0" g="0" b="0"/>
+        </a:fillRef>
+        <a:effectRef idx="0">
+          <a:scrgbClr r="0" g="0" b="0"/>
+        </a:effectRef>
+        <a:fontRef idx="minor">
+          <a:schemeClr val="lt1"/>
+        </a:fontRef>
+      </dsp:style>
+      <dsp:txBody>
+        <a:bodyPr spcFirstLastPara="0" vert="horz" wrap="square" lIns="12065" tIns="12065" rIns="12065" bIns="12065" numCol="1" spcCol="1270" anchor="ctr" anchorCtr="0">
+          <a:noAutofit/>
+        </a:bodyPr>
+        <a:lstStyle/>
+        <a:p>
+          <a:pPr marL="0" lvl="0" indent="0" algn="ctr" defTabSz="844550">
+            <a:lnSpc>
+              <a:spcPct val="90000"/>
+            </a:lnSpc>
+            <a:spcBef>
+              <a:spcPct val="0"/>
+            </a:spcBef>
+            <a:spcAft>
+              <a:spcPct val="35000"/>
+            </a:spcAft>
+            <a:buNone/>
+          </a:pPr>
+          <a:r>
+            <a:rPr lang="en-US" sz="1900" kern="1200" dirty="0"/>
+            <a:t>Output</a:t>
+          </a:r>
+        </a:p>
+      </dsp:txBody>
+      <dsp:txXfrm rot="-5400000">
+        <a:off x="1" y="4160131"/>
+        <a:ext cx="1352020" cy="579438"/>
+      </dsp:txXfrm>
+    </dsp:sp>
+    <dsp:sp modelId="{8FBC2C5D-9E47-4B2D-8CC0-0827ADC6EE57}">
+      <dsp:nvSpPr>
+        <dsp:cNvPr id="0" name=""/>
+        <dsp:cNvSpPr/>
+      </dsp:nvSpPr>
+      <dsp:spPr>
+        <a:xfrm rot="5400000">
+          <a:off x="4112286" y="723856"/>
+          <a:ext cx="1255447" cy="6775979"/>
+        </a:xfrm>
+        <a:prstGeom prst="round2SameRect">
+          <a:avLst/>
+        </a:prstGeom>
+        <a:solidFill>
+          <a:schemeClr val="lt2">
+            <a:alpha val="90000"/>
+            <a:hueOff val="0"/>
+            <a:satOff val="0"/>
+            <a:lumOff val="0"/>
+            <a:alphaOff val="0"/>
+          </a:schemeClr>
+        </a:solidFill>
+        <a:ln w="12700" cap="flat" cmpd="sng" algn="ctr">
+          <a:solidFill>
+            <a:schemeClr val="dk2">
+              <a:hueOff val="0"/>
+              <a:satOff val="0"/>
+              <a:lumOff val="0"/>
+              <a:alphaOff val="0"/>
+            </a:schemeClr>
+          </a:solidFill>
+          <a:prstDash val="solid"/>
+          <a:miter lim="800000"/>
+        </a:ln>
+        <a:effectLst/>
+      </dsp:spPr>
+      <dsp:style>
+        <a:lnRef idx="2">
+          <a:scrgbClr r="0" g="0" b="0"/>
+        </a:lnRef>
+        <a:fillRef idx="1">
+          <a:scrgbClr r="0" g="0" b="0"/>
+        </a:fillRef>
+        <a:effectRef idx="0">
+          <a:scrgbClr r="0" g="0" b="0"/>
+        </a:effectRef>
+        <a:fontRef idx="minor"/>
+      </dsp:style>
+      <dsp:txBody>
+        <a:bodyPr spcFirstLastPara="0" vert="horz" wrap="square" lIns="99568" tIns="8890" rIns="8890" bIns="8890" numCol="1" spcCol="1270" anchor="ctr" anchorCtr="0">
+          <a:noAutofit/>
+        </a:bodyPr>
+        <a:lstStyle/>
+        <a:p>
+          <a:pPr marL="114300" lvl="1" indent="-114300" algn="l" defTabSz="622300">
+            <a:lnSpc>
+              <a:spcPct val="90000"/>
+            </a:lnSpc>
+            <a:spcBef>
+              <a:spcPct val="0"/>
+            </a:spcBef>
+            <a:spcAft>
+              <a:spcPct val="15000"/>
+            </a:spcAft>
+            <a:buNone/>
+          </a:pPr>
+          <a:r>
+            <a:rPr lang="en-US" sz="1400" u="none" kern="1200" dirty="0"/>
+            <a:t>~/results/</a:t>
+          </a:r>
+          <a:r>
+            <a:rPr lang="en-US" sz="1400" u="none" kern="1200" dirty="0" err="1"/>
+            <a:t>full_domain_or_district</a:t>
+          </a:r>
+          <a:r>
+            <a:rPr lang="en-US" sz="1400" u="none" kern="1200" dirty="0"/>
+            <a:t>/</a:t>
+          </a:r>
+          <a:r>
+            <a:rPr lang="en-US" sz="1400" u="none" kern="1200" dirty="0" err="1"/>
+            <a:t>Single_Species_Optimization</a:t>
+          </a:r>
+          <a:r>
+            <a:rPr lang="en-US" sz="1400" u="none" kern="1200" dirty="0"/>
+            <a:t>/</a:t>
+          </a:r>
+          <a:r>
+            <a:rPr lang="en-US" sz="1400" u="none" kern="1200" dirty="0" err="1"/>
+            <a:t>Species_Name</a:t>
+          </a:r>
+          <a:r>
+            <a:rPr lang="en-US" sz="1400" u="none" kern="1200" dirty="0"/>
+            <a:t>/</a:t>
+          </a:r>
+          <a:r>
+            <a:rPr lang="en-US" sz="1400" u="none" kern="1200" dirty="0" err="1"/>
+            <a:t>RunX</a:t>
+          </a:r>
+          <a:r>
+            <a:rPr lang="en-US" sz="1400" u="none" kern="1200" dirty="0"/>
+            <a:t>/</a:t>
+          </a:r>
+          <a:endParaRPr lang="en-US" sz="1400" kern="1200" dirty="0">
+            <a:solidFill>
+              <a:schemeClr val="bg1">
+                <a:lumMod val="50000"/>
+              </a:schemeClr>
+            </a:solidFill>
+          </a:endParaRPr>
+        </a:p>
+        <a:p>
+          <a:pPr marL="114300" lvl="1" indent="-114300" algn="l" defTabSz="622300">
+            <a:lnSpc>
+              <a:spcPct val="90000"/>
+            </a:lnSpc>
+            <a:spcBef>
+              <a:spcPct val="0"/>
+            </a:spcBef>
+            <a:spcAft>
+              <a:spcPct val="15000"/>
+            </a:spcAft>
+            <a:buNone/>
+          </a:pPr>
+          <a:r>
+            <a:rPr lang="en-US" sz="1400" kern="1200" dirty="0">
+              <a:solidFill>
+                <a:schemeClr val="bg1">
+                  <a:lumMod val="50000"/>
+                </a:schemeClr>
+              </a:solidFill>
+            </a:rPr>
+            <a:t>-</a:t>
+          </a:r>
+          <a:r>
+            <a:rPr lang="en-US" sz="1400" kern="1200" dirty="0" err="1">
+              <a:solidFill>
+                <a:schemeClr val="bg1">
+                  <a:lumMod val="50000"/>
+                </a:schemeClr>
+              </a:solidFill>
+            </a:rPr>
+            <a:t>result_list.Rdata</a:t>
+          </a:r>
+          <a:r>
+            <a:rPr lang="en-US" sz="1400" kern="1200" dirty="0">
+              <a:solidFill>
+                <a:schemeClr val="bg1">
+                  <a:lumMod val="50000"/>
+                </a:schemeClr>
+              </a:solidFill>
+            </a:rPr>
+            <a:t>: </a:t>
+          </a:r>
+        </a:p>
+        <a:p>
+          <a:pPr marL="114300" lvl="1" indent="-114300" algn="l" defTabSz="622300">
+            <a:lnSpc>
+              <a:spcPct val="90000"/>
+            </a:lnSpc>
+            <a:spcBef>
+              <a:spcPct val="0"/>
+            </a:spcBef>
+            <a:spcAft>
+              <a:spcPct val="15000"/>
+            </a:spcAft>
+            <a:buNone/>
+          </a:pPr>
+          <a:r>
+            <a:rPr lang="en-US" sz="1400" kern="1200" dirty="0">
+              <a:solidFill>
+                <a:schemeClr val="tx1"/>
+              </a:solidFill>
+            </a:rPr>
+            <a:t>-solution.png and solution_with_solutions.png: </a:t>
+          </a:r>
+          <a:r>
+            <a:rPr lang="en-US" sz="1400" kern="1200" dirty="0">
+              <a:solidFill>
+                <a:schemeClr val="bg1">
+                  <a:lumMod val="50000"/>
+                </a:schemeClr>
+              </a:solidFill>
+            </a:rPr>
+            <a:t>low-res map of solution</a:t>
+          </a:r>
+        </a:p>
+        <a:p>
+          <a:pPr marL="114300" lvl="1" indent="-114300" algn="l" defTabSz="622300">
+            <a:lnSpc>
+              <a:spcPct val="90000"/>
+            </a:lnSpc>
+            <a:spcBef>
+              <a:spcPct val="0"/>
+            </a:spcBef>
+            <a:spcAft>
+              <a:spcPct val="15000"/>
+            </a:spcAft>
+            <a:buNone/>
+          </a:pPr>
+          <a:r>
+            <a:rPr lang="en-US" sz="1400" kern="1200" dirty="0">
+              <a:solidFill>
+                <a:schemeClr val="tx1"/>
+              </a:solidFill>
+            </a:rPr>
+            <a:t>-output/:</a:t>
+          </a:r>
+          <a:r>
+            <a:rPr lang="en-US" sz="1400" kern="1200" dirty="0">
+              <a:solidFill>
+                <a:schemeClr val="bg1">
+                  <a:lumMod val="50000"/>
+                </a:schemeClr>
+              </a:solidFill>
+            </a:rPr>
+            <a:t> standard result output from Sampling Strata R package </a:t>
+          </a:r>
+        </a:p>
+      </dsp:txBody>
+      <dsp:txXfrm rot="-5400000">
+        <a:off x="1352020" y="3545408"/>
+        <a:ext cx="6714693" cy="1132875"/>
+      </dsp:txXfrm>
+    </dsp:sp>
+  </dsp:spTree>
+</dsp:drawing>
+</file>
+
+<file path=ppt/diagrams/drawing6.xml><?xml version="1.0" encoding="utf-8"?>
+<dsp:drawing xmlns:dgm="http://schemas.openxmlformats.org/drawingml/2006/diagram" xmlns:dsp="http://schemas.microsoft.com/office/drawing/2008/diagram" xmlns:a="http://schemas.openxmlformats.org/drawingml/2006/main">
+  <dsp:spTree>
+    <dsp:nvGrpSpPr>
+      <dsp:cNvPr id="0" name=""/>
+      <dsp:cNvGrpSpPr/>
+    </dsp:nvGrpSpPr>
+    <dsp:grpSpPr/>
+    <dsp:sp modelId="{049C38D1-B597-49E9-8B00-78FB12FB25CF}">
+      <dsp:nvSpPr>
+        <dsp:cNvPr id="0" name=""/>
+        <dsp:cNvSpPr/>
+      </dsp:nvSpPr>
+      <dsp:spPr>
+        <a:xfrm rot="5400000">
+          <a:off x="-289718" y="292805"/>
+          <a:ext cx="1931458" cy="1352020"/>
+        </a:xfrm>
+        <a:prstGeom prst="chevron">
+          <a:avLst/>
+        </a:prstGeom>
+        <a:solidFill>
+          <a:schemeClr val="dk2">
+            <a:hueOff val="0"/>
+            <a:satOff val="0"/>
+            <a:lumOff val="0"/>
+            <a:alphaOff val="0"/>
+          </a:schemeClr>
+        </a:solidFill>
+        <a:ln w="12700" cap="flat" cmpd="sng" algn="ctr">
+          <a:solidFill>
+            <a:schemeClr val="dk2">
+              <a:hueOff val="0"/>
+              <a:satOff val="0"/>
+              <a:lumOff val="0"/>
+              <a:alphaOff val="0"/>
+            </a:schemeClr>
+          </a:solidFill>
+          <a:prstDash val="solid"/>
+          <a:miter lim="800000"/>
+        </a:ln>
+        <a:effectLst/>
+      </dsp:spPr>
+      <dsp:style>
+        <a:lnRef idx="2">
+          <a:scrgbClr r="0" g="0" b="0"/>
+        </a:lnRef>
+        <a:fillRef idx="1">
+          <a:scrgbClr r="0" g="0" b="0"/>
+        </a:fillRef>
+        <a:effectRef idx="0">
+          <a:scrgbClr r="0" g="0" b="0"/>
+        </a:effectRef>
+        <a:fontRef idx="minor">
+          <a:schemeClr val="lt1"/>
+        </a:fontRef>
+      </dsp:style>
+      <dsp:txBody>
+        <a:bodyPr spcFirstLastPara="0" vert="horz" wrap="square" lIns="12065" tIns="12065" rIns="12065" bIns="12065" numCol="1" spcCol="1270" anchor="ctr" anchorCtr="0">
+          <a:noAutofit/>
+        </a:bodyPr>
+        <a:lstStyle/>
+        <a:p>
+          <a:pPr marL="0" lvl="0" indent="0" algn="ctr" defTabSz="844550">
+            <a:lnSpc>
+              <a:spcPct val="90000"/>
+            </a:lnSpc>
+            <a:spcBef>
+              <a:spcPct val="0"/>
+            </a:spcBef>
+            <a:spcAft>
+              <a:spcPct val="35000"/>
+            </a:spcAft>
+            <a:buNone/>
+          </a:pPr>
+          <a:r>
+            <a:rPr lang="en-US" sz="1900" kern="1200" dirty="0"/>
+            <a:t>Input data</a:t>
+          </a:r>
+        </a:p>
+      </dsp:txBody>
+      <dsp:txXfrm rot="-5400000">
+        <a:off x="1" y="679096"/>
+        <a:ext cx="1352020" cy="579438"/>
+      </dsp:txXfrm>
+    </dsp:sp>
+    <dsp:sp modelId="{5FDFAD45-BE3A-42C7-96F9-147D175477B9}">
+      <dsp:nvSpPr>
+        <dsp:cNvPr id="0" name=""/>
+        <dsp:cNvSpPr/>
+      </dsp:nvSpPr>
+      <dsp:spPr>
+        <a:xfrm rot="5400000">
+          <a:off x="4112286" y="-2757179"/>
+          <a:ext cx="1255447" cy="6775979"/>
+        </a:xfrm>
+        <a:prstGeom prst="round2SameRect">
+          <a:avLst/>
+        </a:prstGeom>
+        <a:solidFill>
+          <a:schemeClr val="lt2">
+            <a:alpha val="90000"/>
+            <a:hueOff val="0"/>
+            <a:satOff val="0"/>
+            <a:lumOff val="0"/>
+            <a:alphaOff val="0"/>
+          </a:schemeClr>
+        </a:solidFill>
+        <a:ln w="12700" cap="flat" cmpd="sng" algn="ctr">
+          <a:solidFill>
+            <a:schemeClr val="dk2">
+              <a:hueOff val="0"/>
+              <a:satOff val="0"/>
+              <a:lumOff val="0"/>
+              <a:alphaOff val="0"/>
+            </a:schemeClr>
+          </a:solidFill>
+          <a:prstDash val="solid"/>
+          <a:miter lim="800000"/>
+        </a:ln>
+        <a:effectLst/>
+      </dsp:spPr>
+      <dsp:style>
+        <a:lnRef idx="2">
+          <a:scrgbClr r="0" g="0" b="0"/>
+        </a:lnRef>
+        <a:fillRef idx="1">
+          <a:scrgbClr r="0" g="0" b="0"/>
+        </a:fillRef>
+        <a:effectRef idx="0">
+          <a:scrgbClr r="0" g="0" b="0"/>
+        </a:effectRef>
+        <a:fontRef idx="minor"/>
+      </dsp:style>
+      <dsp:txBody>
+        <a:bodyPr spcFirstLastPara="0" vert="horz" wrap="square" lIns="128016" tIns="11430" rIns="11430" bIns="11430" numCol="1" spcCol="1270" anchor="ctr" anchorCtr="0">
+          <a:noAutofit/>
+        </a:bodyPr>
+        <a:lstStyle/>
+        <a:p>
+          <a:pPr marL="171450" lvl="1" indent="-171450" algn="l" defTabSz="800100">
+            <a:lnSpc>
+              <a:spcPct val="90000"/>
+            </a:lnSpc>
+            <a:spcBef>
+              <a:spcPct val="0"/>
+            </a:spcBef>
+            <a:spcAft>
+              <a:spcPct val="15000"/>
+            </a:spcAft>
+            <a:buNone/>
+          </a:pPr>
+          <a:r>
+            <a:rPr lang="en-US" sz="1800" u="none" kern="1200" dirty="0"/>
+            <a:t>- ~/data/processed/</a:t>
+          </a:r>
+          <a:r>
+            <a:rPr lang="en-US" sz="1800" u="none" kern="1200" dirty="0" err="1"/>
+            <a:t>grid_goa.RData</a:t>
+          </a:r>
+          <a:r>
+            <a:rPr lang="en-US" sz="1800" u="none" kern="1200" dirty="0"/>
+            <a:t>: </a:t>
+          </a:r>
+          <a:r>
+            <a:rPr lang="en-US" sz="1800" i="0" u="none" kern="1200" dirty="0">
+              <a:solidFill>
+                <a:schemeClr val="bg1">
+                  <a:lumMod val="50000"/>
+                </a:schemeClr>
+              </a:solidFill>
+            </a:rPr>
+            <a:t>goa grid with bathymetry</a:t>
+          </a:r>
+          <a:endParaRPr lang="en-US" sz="1800" u="none" kern="1200" dirty="0"/>
+        </a:p>
+        <a:p>
+          <a:pPr marL="171450" lvl="1" indent="-171450" algn="l" defTabSz="800100">
+            <a:lnSpc>
+              <a:spcPct val="90000"/>
+            </a:lnSpc>
+            <a:spcBef>
+              <a:spcPct val="0"/>
+            </a:spcBef>
+            <a:spcAft>
+              <a:spcPct val="15000"/>
+            </a:spcAft>
+            <a:buNone/>
+          </a:pPr>
+          <a:r>
+            <a:rPr lang="en-US" sz="1800" u="none" kern="1200" dirty="0"/>
+            <a:t>- ~/data/processed/</a:t>
+          </a:r>
+          <a:r>
+            <a:rPr lang="en-US" sz="1800" u="none" kern="1200" dirty="0" err="1"/>
+            <a:t>optimization_data.Rdata</a:t>
+          </a:r>
+          <a:r>
+            <a:rPr lang="en-US" sz="1800" u="none" kern="1200" dirty="0"/>
+            <a:t>: </a:t>
+          </a:r>
+          <a:r>
+            <a:rPr lang="en-US" sz="1800" u="none" kern="1200" dirty="0">
+              <a:solidFill>
+                <a:schemeClr val="bg1">
+                  <a:lumMod val="50000"/>
+                </a:schemeClr>
+              </a:solidFill>
+            </a:rPr>
+            <a:t>survey optimization inputs and other constants</a:t>
+          </a:r>
+        </a:p>
+      </dsp:txBody>
+      <dsp:txXfrm rot="-5400000">
+        <a:off x="1352020" y="64373"/>
+        <a:ext cx="6714693" cy="1132875"/>
+      </dsp:txXfrm>
+    </dsp:sp>
+    <dsp:sp modelId="{8EB604FD-2448-4F33-9F96-EAFE912047E9}">
+      <dsp:nvSpPr>
+        <dsp:cNvPr id="0" name=""/>
+        <dsp:cNvSpPr/>
+      </dsp:nvSpPr>
+      <dsp:spPr>
+        <a:xfrm rot="5400000">
+          <a:off x="-289718" y="2033323"/>
+          <a:ext cx="1931458" cy="1352020"/>
+        </a:xfrm>
+        <a:prstGeom prst="chevron">
+          <a:avLst/>
+        </a:prstGeom>
+        <a:solidFill>
+          <a:schemeClr val="dk2">
+            <a:hueOff val="0"/>
+            <a:satOff val="0"/>
+            <a:lumOff val="0"/>
+            <a:alphaOff val="0"/>
+          </a:schemeClr>
+        </a:solidFill>
+        <a:ln w="12700" cap="flat" cmpd="sng" algn="ctr">
+          <a:solidFill>
+            <a:schemeClr val="dk2">
+              <a:hueOff val="0"/>
+              <a:satOff val="0"/>
+              <a:lumOff val="0"/>
+              <a:alphaOff val="0"/>
+            </a:schemeClr>
+          </a:solidFill>
+          <a:prstDash val="solid"/>
+          <a:miter lim="800000"/>
+        </a:ln>
+        <a:effectLst/>
+      </dsp:spPr>
+      <dsp:style>
+        <a:lnRef idx="2">
+          <a:scrgbClr r="0" g="0" b="0"/>
+        </a:lnRef>
+        <a:fillRef idx="1">
+          <a:scrgbClr r="0" g="0" b="0"/>
+        </a:fillRef>
+        <a:effectRef idx="0">
+          <a:scrgbClr r="0" g="0" b="0"/>
+        </a:effectRef>
+        <a:fontRef idx="minor">
+          <a:schemeClr val="lt1"/>
+        </a:fontRef>
+      </dsp:style>
+      <dsp:txBody>
+        <a:bodyPr spcFirstLastPara="0" vert="horz" wrap="square" lIns="12065" tIns="12065" rIns="12065" bIns="12065" numCol="1" spcCol="1270" anchor="ctr" anchorCtr="0">
+          <a:noAutofit/>
+        </a:bodyPr>
+        <a:lstStyle/>
+        <a:p>
+          <a:pPr marL="0" lvl="0" indent="0" algn="ctr" defTabSz="844550">
+            <a:lnSpc>
+              <a:spcPct val="90000"/>
+            </a:lnSpc>
+            <a:spcBef>
+              <a:spcPct val="0"/>
+            </a:spcBef>
+            <a:spcAft>
+              <a:spcPct val="35000"/>
+            </a:spcAft>
+            <a:buNone/>
+          </a:pPr>
+          <a:r>
+            <a:rPr lang="en-US" sz="1900" kern="1200" dirty="0"/>
+            <a:t>Script Program</a:t>
+          </a:r>
+        </a:p>
+      </dsp:txBody>
+      <dsp:txXfrm rot="-5400000">
+        <a:off x="1" y="2419614"/>
+        <a:ext cx="1352020" cy="579438"/>
+      </dsp:txXfrm>
+    </dsp:sp>
+    <dsp:sp modelId="{3EE3D444-F1E2-4D81-B343-EEB78C9B7BC2}">
+      <dsp:nvSpPr>
+        <dsp:cNvPr id="0" name=""/>
+        <dsp:cNvSpPr/>
+      </dsp:nvSpPr>
+      <dsp:spPr>
+        <a:xfrm rot="5400000">
+          <a:off x="4514965" y="-1016661"/>
+          <a:ext cx="450090" cy="6775979"/>
+        </a:xfrm>
+        <a:prstGeom prst="round2SameRect">
+          <a:avLst/>
+        </a:prstGeom>
+        <a:solidFill>
+          <a:schemeClr val="lt2">
+            <a:alpha val="90000"/>
+            <a:hueOff val="0"/>
+            <a:satOff val="0"/>
+            <a:lumOff val="0"/>
+            <a:alphaOff val="0"/>
+          </a:schemeClr>
+        </a:solidFill>
+        <a:ln w="12700" cap="flat" cmpd="sng" algn="ctr">
+          <a:solidFill>
+            <a:schemeClr val="dk2">
+              <a:hueOff val="0"/>
+              <a:satOff val="0"/>
+              <a:lumOff val="0"/>
+              <a:alphaOff val="0"/>
+            </a:schemeClr>
+          </a:solidFill>
+          <a:prstDash val="solid"/>
+          <a:miter lim="800000"/>
+        </a:ln>
+        <a:effectLst/>
+      </dsp:spPr>
+      <dsp:style>
+        <a:lnRef idx="2">
+          <a:scrgbClr r="0" g="0" b="0"/>
+        </a:lnRef>
+        <a:fillRef idx="1">
+          <a:scrgbClr r="0" g="0" b="0"/>
+        </a:fillRef>
+        <a:effectRef idx="0">
+          <a:scrgbClr r="0" g="0" b="0"/>
+        </a:effectRef>
+        <a:fontRef idx="minor"/>
+      </dsp:style>
+      <dsp:txBody>
+        <a:bodyPr spcFirstLastPara="0" vert="horz" wrap="square" lIns="128016" tIns="11430" rIns="11430" bIns="11430" numCol="1" spcCol="1270" anchor="ctr" anchorCtr="0">
+          <a:noAutofit/>
+        </a:bodyPr>
+        <a:lstStyle/>
+        <a:p>
+          <a:pPr marL="171450" lvl="1" indent="-171450" algn="l" defTabSz="800100">
+            <a:lnSpc>
+              <a:spcPct val="90000"/>
+            </a:lnSpc>
+            <a:spcBef>
+              <a:spcPct val="0"/>
+            </a:spcBef>
+            <a:spcAft>
+              <a:spcPct val="15000"/>
+            </a:spcAft>
+            <a:buNone/>
+          </a:pPr>
+          <a:r>
+            <a:rPr lang="en-US" sz="1800" u="none" kern="1200" dirty="0"/>
+            <a:t>~/</a:t>
+          </a:r>
+          <a:r>
+            <a:rPr lang="en-US" sz="1800" kern="1200" dirty="0" err="1"/>
+            <a:t>analysis_scripts</a:t>
+          </a:r>
+          <a:r>
+            <a:rPr lang="en-US" sz="1800" kern="1200"/>
+            <a:t>/2C_knitting</a:t>
+          </a:r>
+          <a:r>
+            <a:rPr lang="en-US" sz="1800" kern="1200" dirty="0" err="1"/>
+            <a:t>_runs_SS</a:t>
+          </a:r>
+          <a:r>
+            <a:rPr lang="en-US" sz="1800" b="0" i="0" kern="1200" dirty="0" err="1"/>
+            <a:t>.R</a:t>
+          </a:r>
+          <a:endParaRPr lang="en-US" sz="1800" kern="1200" dirty="0"/>
+        </a:p>
+      </dsp:txBody>
+      <dsp:txXfrm rot="-5400000">
+        <a:off x="1352021" y="2168255"/>
+        <a:ext cx="6754007" cy="406146"/>
+      </dsp:txXfrm>
+    </dsp:sp>
+    <dsp:sp modelId="{0837024A-932D-4B89-A5B5-1646702B04D6}">
+      <dsp:nvSpPr>
+        <dsp:cNvPr id="0" name=""/>
+        <dsp:cNvSpPr/>
+      </dsp:nvSpPr>
+      <dsp:spPr>
+        <a:xfrm rot="5400000">
+          <a:off x="-289718" y="3773840"/>
+          <a:ext cx="1931458" cy="1352020"/>
+        </a:xfrm>
+        <a:prstGeom prst="chevron">
+          <a:avLst/>
+        </a:prstGeom>
+        <a:solidFill>
+          <a:schemeClr val="dk2">
+            <a:hueOff val="0"/>
+            <a:satOff val="0"/>
+            <a:lumOff val="0"/>
+            <a:alphaOff val="0"/>
+          </a:schemeClr>
+        </a:solidFill>
+        <a:ln w="12700" cap="flat" cmpd="sng" algn="ctr">
+          <a:solidFill>
+            <a:schemeClr val="dk2">
+              <a:hueOff val="0"/>
+              <a:satOff val="0"/>
+              <a:lumOff val="0"/>
+              <a:alphaOff val="0"/>
+            </a:schemeClr>
+          </a:solidFill>
+          <a:prstDash val="solid"/>
+          <a:miter lim="800000"/>
+        </a:ln>
+        <a:effectLst/>
+      </dsp:spPr>
+      <dsp:style>
+        <a:lnRef idx="2">
+          <a:scrgbClr r="0" g="0" b="0"/>
+        </a:lnRef>
+        <a:fillRef idx="1">
+          <a:scrgbClr r="0" g="0" b="0"/>
+        </a:fillRef>
+        <a:effectRef idx="0">
+          <a:scrgbClr r="0" g="0" b="0"/>
+        </a:effectRef>
+        <a:fontRef idx="minor">
+          <a:schemeClr val="lt1"/>
+        </a:fontRef>
+      </dsp:style>
+      <dsp:txBody>
+        <a:bodyPr spcFirstLastPara="0" vert="horz" wrap="square" lIns="12065" tIns="12065" rIns="12065" bIns="12065" numCol="1" spcCol="1270" anchor="ctr" anchorCtr="0">
+          <a:noAutofit/>
+        </a:bodyPr>
+        <a:lstStyle/>
+        <a:p>
+          <a:pPr marL="0" lvl="0" indent="0" algn="ctr" defTabSz="844550">
+            <a:lnSpc>
+              <a:spcPct val="90000"/>
+            </a:lnSpc>
+            <a:spcBef>
+              <a:spcPct val="0"/>
+            </a:spcBef>
+            <a:spcAft>
+              <a:spcPct val="35000"/>
+            </a:spcAft>
+            <a:buNone/>
+          </a:pPr>
+          <a:r>
+            <a:rPr lang="en-US" sz="1900" kern="1200" dirty="0"/>
+            <a:t>Output</a:t>
+          </a:r>
+        </a:p>
+      </dsp:txBody>
+      <dsp:txXfrm rot="-5400000">
+        <a:off x="1" y="4160131"/>
+        <a:ext cx="1352020" cy="579438"/>
+      </dsp:txXfrm>
+    </dsp:sp>
+    <dsp:sp modelId="{8FBC2C5D-9E47-4B2D-8CC0-0827ADC6EE57}">
+      <dsp:nvSpPr>
+        <dsp:cNvPr id="0" name=""/>
+        <dsp:cNvSpPr/>
+      </dsp:nvSpPr>
+      <dsp:spPr>
+        <a:xfrm rot="5400000">
+          <a:off x="4112286" y="723856"/>
+          <a:ext cx="1255447" cy="6775979"/>
+        </a:xfrm>
+        <a:prstGeom prst="round2SameRect">
+          <a:avLst/>
+        </a:prstGeom>
+        <a:solidFill>
+          <a:schemeClr val="lt2">
+            <a:alpha val="90000"/>
+            <a:hueOff val="0"/>
+            <a:satOff val="0"/>
+            <a:lumOff val="0"/>
+            <a:alphaOff val="0"/>
+          </a:schemeClr>
+        </a:solidFill>
+        <a:ln w="12700" cap="flat" cmpd="sng" algn="ctr">
+          <a:solidFill>
+            <a:schemeClr val="dk2">
+              <a:hueOff val="0"/>
+              <a:satOff val="0"/>
+              <a:lumOff val="0"/>
+              <a:alphaOff val="0"/>
+            </a:schemeClr>
+          </a:solidFill>
+          <a:prstDash val="solid"/>
+          <a:miter lim="800000"/>
+        </a:ln>
+        <a:effectLst/>
+      </dsp:spPr>
+      <dsp:style>
+        <a:lnRef idx="2">
+          <a:scrgbClr r="0" g="0" b="0"/>
+        </a:lnRef>
+        <a:fillRef idx="1">
+          <a:scrgbClr r="0" g="0" b="0"/>
+        </a:fillRef>
+        <a:effectRef idx="0">
+          <a:scrgbClr r="0" g="0" b="0"/>
+        </a:effectRef>
+        <a:fontRef idx="minor"/>
+      </dsp:style>
+      <dsp:txBody>
+        <a:bodyPr spcFirstLastPara="0" vert="horz" wrap="square" lIns="99568" tIns="8890" rIns="8890" bIns="8890" numCol="1" spcCol="1270" anchor="ctr" anchorCtr="0">
+          <a:noAutofit/>
+        </a:bodyPr>
+        <a:lstStyle/>
+        <a:p>
+          <a:pPr marL="114300" lvl="1" indent="-114300" algn="l" defTabSz="622300">
+            <a:lnSpc>
+              <a:spcPct val="90000"/>
+            </a:lnSpc>
+            <a:spcBef>
+              <a:spcPct val="0"/>
+            </a:spcBef>
+            <a:spcAft>
+              <a:spcPct val="15000"/>
+            </a:spcAft>
+            <a:buNone/>
+          </a:pPr>
+          <a:r>
+            <a:rPr lang="en-US" sz="1400" u="none" kern="1200" dirty="0"/>
+            <a:t>~/results/</a:t>
+          </a:r>
+          <a:r>
+            <a:rPr lang="en-US" sz="1400" u="none" kern="1200" dirty="0" err="1"/>
+            <a:t>full_domain_or_district</a:t>
+          </a:r>
+          <a:r>
+            <a:rPr lang="en-US" sz="1400" u="none" kern="1200" dirty="0"/>
+            <a:t>/</a:t>
+          </a:r>
+          <a:r>
+            <a:rPr lang="en-US" sz="1400" u="none" kern="1200" dirty="0" err="1"/>
+            <a:t>Single_Species_Optimization</a:t>
+          </a:r>
+          <a:r>
+            <a:rPr lang="en-US" sz="1400" u="none" kern="1200" dirty="0"/>
+            <a:t>/</a:t>
+          </a:r>
+          <a:r>
+            <a:rPr lang="en-US" sz="1400" u="none" kern="1200" dirty="0" err="1"/>
+            <a:t>Species_Name</a:t>
+          </a:r>
+          <a:r>
+            <a:rPr lang="en-US" sz="1400" u="none" kern="1200" dirty="0"/>
+            <a:t>/</a:t>
+          </a:r>
+          <a:r>
+            <a:rPr lang="en-US" sz="1400" u="none" kern="1200" dirty="0" err="1"/>
+            <a:t>RunX</a:t>
+          </a:r>
+          <a:r>
+            <a:rPr lang="en-US" sz="1400" u="none" kern="1200" dirty="0"/>
+            <a:t>/</a:t>
+          </a:r>
+          <a:endParaRPr lang="en-US" sz="1400" kern="1200" dirty="0">
+            <a:solidFill>
+              <a:schemeClr val="bg1">
+                <a:lumMod val="50000"/>
+              </a:schemeClr>
+            </a:solidFill>
+          </a:endParaRPr>
+        </a:p>
+        <a:p>
+          <a:pPr marL="114300" lvl="1" indent="-114300" algn="l" defTabSz="622300">
+            <a:lnSpc>
+              <a:spcPct val="90000"/>
+            </a:lnSpc>
+            <a:spcBef>
+              <a:spcPct val="0"/>
+            </a:spcBef>
+            <a:spcAft>
+              <a:spcPct val="15000"/>
+            </a:spcAft>
+            <a:buNone/>
+          </a:pPr>
+          <a:r>
+            <a:rPr lang="en-US" sz="1400" kern="1200" dirty="0">
+              <a:solidFill>
+                <a:schemeClr val="bg1">
+                  <a:lumMod val="50000"/>
+                </a:schemeClr>
+              </a:solidFill>
+            </a:rPr>
+            <a:t>-</a:t>
+          </a:r>
+          <a:r>
+            <a:rPr lang="en-US" sz="1400" kern="1200" dirty="0" err="1">
+              <a:solidFill>
+                <a:schemeClr val="bg1">
+                  <a:lumMod val="50000"/>
+                </a:schemeClr>
+              </a:solidFill>
+            </a:rPr>
+            <a:t>result_list.Rdata</a:t>
+          </a:r>
+          <a:r>
+            <a:rPr lang="en-US" sz="1400" kern="1200" dirty="0">
+              <a:solidFill>
+                <a:schemeClr val="bg1">
+                  <a:lumMod val="50000"/>
+                </a:schemeClr>
+              </a:solidFill>
+            </a:rPr>
+            <a:t>: </a:t>
+          </a:r>
+        </a:p>
+        <a:p>
+          <a:pPr marL="114300" lvl="1" indent="-114300" algn="l" defTabSz="622300">
+            <a:lnSpc>
+              <a:spcPct val="90000"/>
+            </a:lnSpc>
+            <a:spcBef>
+              <a:spcPct val="0"/>
+            </a:spcBef>
+            <a:spcAft>
+              <a:spcPct val="15000"/>
+            </a:spcAft>
+            <a:buNone/>
+          </a:pPr>
+          <a:r>
+            <a:rPr lang="en-US" sz="1400" kern="1200" dirty="0">
+              <a:solidFill>
+                <a:schemeClr val="tx1"/>
+              </a:solidFill>
+            </a:rPr>
+            <a:t>-solution.png and solution_with_solutions.png: </a:t>
+          </a:r>
+          <a:r>
+            <a:rPr lang="en-US" sz="1400" kern="1200" dirty="0">
+              <a:solidFill>
+                <a:schemeClr val="bg1">
+                  <a:lumMod val="50000"/>
+                </a:schemeClr>
+              </a:solidFill>
+            </a:rPr>
+            <a:t>low-res map of solution</a:t>
+          </a:r>
+        </a:p>
+        <a:p>
+          <a:pPr marL="114300" lvl="1" indent="-114300" algn="l" defTabSz="622300">
+            <a:lnSpc>
+              <a:spcPct val="90000"/>
+            </a:lnSpc>
+            <a:spcBef>
+              <a:spcPct val="0"/>
+            </a:spcBef>
+            <a:spcAft>
+              <a:spcPct val="15000"/>
+            </a:spcAft>
+            <a:buNone/>
+          </a:pPr>
+          <a:r>
+            <a:rPr lang="en-US" sz="1400" kern="1200" dirty="0">
+              <a:solidFill>
+                <a:schemeClr val="tx1"/>
+              </a:solidFill>
+            </a:rPr>
+            <a:t>-output/:</a:t>
+          </a:r>
+          <a:r>
+            <a:rPr lang="en-US" sz="1400" kern="1200" dirty="0">
+              <a:solidFill>
+                <a:schemeClr val="bg1">
+                  <a:lumMod val="50000"/>
+                </a:schemeClr>
+              </a:solidFill>
+            </a:rPr>
+            <a:t> standard result output from Sampling Strata R package </a:t>
+          </a:r>
+        </a:p>
+      </dsp:txBody>
+      <dsp:txXfrm rot="-5400000">
+        <a:off x="1352020" y="3545408"/>
+        <a:ext cx="6714693" cy="1132875"/>
       </dsp:txXfrm>
     </dsp:sp>
   </dsp:spTree>
@@ -9903,6 +14127,518 @@
 </dgm:layoutDef>
 </file>
 
+<file path=ppt/diagrams/layout5.xml><?xml version="1.0" encoding="utf-8"?>
+<dgm:layoutDef xmlns:dgm="http://schemas.openxmlformats.org/drawingml/2006/diagram" xmlns:a="http://schemas.openxmlformats.org/drawingml/2006/main" uniqueId="urn:microsoft.com/office/officeart/2005/8/layout/chevron2">
+  <dgm:title val=""/>
+  <dgm:desc val=""/>
+  <dgm:catLst>
+    <dgm:cat type="process" pri="12000"/>
+    <dgm:cat type="list" pri="16000"/>
+    <dgm:cat type="convert" pri="11000"/>
+  </dgm:catLst>
+  <dgm:sampData>
+    <dgm:dataModel>
+      <dgm:ptLst>
+        <dgm:pt modelId="0" type="doc"/>
+        <dgm:pt modelId="1">
+          <dgm:prSet phldr="1"/>
+        </dgm:pt>
+        <dgm:pt modelId="11">
+          <dgm:prSet phldr="1"/>
+        </dgm:pt>
+        <dgm:pt modelId="12">
+          <dgm:prSet phldr="1"/>
+        </dgm:pt>
+        <dgm:pt modelId="2">
+          <dgm:prSet phldr="1"/>
+        </dgm:pt>
+        <dgm:pt modelId="21">
+          <dgm:prSet phldr="1"/>
+        </dgm:pt>
+        <dgm:pt modelId="22">
+          <dgm:prSet phldr="1"/>
+        </dgm:pt>
+        <dgm:pt modelId="3">
+          <dgm:prSet phldr="1"/>
+        </dgm:pt>
+        <dgm:pt modelId="31">
+          <dgm:prSet phldr="1"/>
+        </dgm:pt>
+        <dgm:pt modelId="32">
+          <dgm:prSet phldr="1"/>
+        </dgm:pt>
+      </dgm:ptLst>
+      <dgm:cxnLst>
+        <dgm:cxn modelId="4" srcId="0" destId="1" srcOrd="0" destOrd="0"/>
+        <dgm:cxn modelId="5" srcId="0" destId="2" srcOrd="1" destOrd="0"/>
+        <dgm:cxn modelId="6" srcId="0" destId="3" srcOrd="2" destOrd="0"/>
+        <dgm:cxn modelId="13" srcId="1" destId="11" srcOrd="0" destOrd="0"/>
+        <dgm:cxn modelId="14" srcId="1" destId="12" srcOrd="1" destOrd="0"/>
+        <dgm:cxn modelId="23" srcId="2" destId="21" srcOrd="0" destOrd="0"/>
+        <dgm:cxn modelId="24" srcId="2" destId="22" srcOrd="1" destOrd="0"/>
+        <dgm:cxn modelId="33" srcId="3" destId="31" srcOrd="0" destOrd="0"/>
+        <dgm:cxn modelId="34" srcId="3" destId="32" srcOrd="1" destOrd="0"/>
+      </dgm:cxnLst>
+      <dgm:bg/>
+      <dgm:whole/>
+    </dgm:dataModel>
+  </dgm:sampData>
+  <dgm:styleData>
+    <dgm:dataModel>
+      <dgm:ptLst>
+        <dgm:pt modelId="0" type="doc"/>
+        <dgm:pt modelId="1"/>
+      </dgm:ptLst>
+      <dgm:cxnLst>
+        <dgm:cxn modelId="4" srcId="0" destId="1" srcOrd="0" destOrd="0"/>
+      </dgm:cxnLst>
+      <dgm:bg/>
+      <dgm:whole/>
+    </dgm:dataModel>
+  </dgm:styleData>
+  <dgm:clrData>
+    <dgm:dataModel>
+      <dgm:ptLst>
+        <dgm:pt modelId="0" type="doc"/>
+        <dgm:pt modelId="1"/>
+        <dgm:pt modelId="11"/>
+        <dgm:pt modelId="2"/>
+        <dgm:pt modelId="21"/>
+        <dgm:pt modelId="3"/>
+        <dgm:pt modelId="31"/>
+        <dgm:pt modelId="4"/>
+        <dgm:pt modelId="41"/>
+      </dgm:ptLst>
+      <dgm:cxnLst>
+        <dgm:cxn modelId="5" srcId="0" destId="1" srcOrd="0" destOrd="0"/>
+        <dgm:cxn modelId="6" srcId="0" destId="2" srcOrd="1" destOrd="0"/>
+        <dgm:cxn modelId="7" srcId="0" destId="3" srcOrd="2" destOrd="0"/>
+        <dgm:cxn modelId="8" srcId="0" destId="4" srcOrd="3" destOrd="0"/>
+        <dgm:cxn modelId="13" srcId="1" destId="11" srcOrd="0" destOrd="0"/>
+        <dgm:cxn modelId="23" srcId="2" destId="21" srcOrd="0" destOrd="0"/>
+        <dgm:cxn modelId="33" srcId="3" destId="31" srcOrd="0" destOrd="0"/>
+        <dgm:cxn modelId="43" srcId="4" destId="41" srcOrd="0" destOrd="0"/>
+      </dgm:cxnLst>
+      <dgm:bg/>
+      <dgm:whole/>
+    </dgm:dataModel>
+  </dgm:clrData>
+  <dgm:layoutNode name="linearFlow">
+    <dgm:varLst>
+      <dgm:dir/>
+      <dgm:animLvl val="lvl"/>
+      <dgm:resizeHandles val="exact"/>
+    </dgm:varLst>
+    <dgm:alg type="lin">
+      <dgm:param type="linDir" val="fromT"/>
+      <dgm:param type="nodeHorzAlign" val="l"/>
+    </dgm:alg>
+    <dgm:shape xmlns:r="http://schemas.openxmlformats.org/officeDocument/2006/relationships" r:blip="">
+      <dgm:adjLst/>
+    </dgm:shape>
+    <dgm:presOf/>
+    <dgm:constrLst>
+      <dgm:constr type="h" for="ch" forName="composite" refType="h"/>
+      <dgm:constr type="w" for="ch" forName="composite" refType="w"/>
+      <dgm:constr type="h" for="des" forName="parentText" op="equ"/>
+      <dgm:constr type="h" for="ch" forName="sp" val="-14.88"/>
+      <dgm:constr type="h" for="ch" forName="sp" refType="w" refFor="des" refForName="parentText" op="gte" fact="-0.3"/>
+      <dgm:constr type="primFontSz" for="des" forName="parentText" op="equ" val="65"/>
+      <dgm:constr type="primFontSz" for="des" forName="descendantText" op="equ" val="65"/>
+    </dgm:constrLst>
+    <dgm:ruleLst/>
+    <dgm:forEach name="Name0" axis="ch" ptType="node">
+      <dgm:layoutNode name="composite">
+        <dgm:alg type="composite"/>
+        <dgm:shape xmlns:r="http://schemas.openxmlformats.org/officeDocument/2006/relationships" r:blip="">
+          <dgm:adjLst/>
+        </dgm:shape>
+        <dgm:presOf/>
+        <dgm:choose name="Name1">
+          <dgm:if name="Name2" func="var" arg="dir" op="equ" val="norm">
+            <dgm:constrLst>
+              <dgm:constr type="t" for="ch" forName="parentText"/>
+              <dgm:constr type="l" for="ch" forName="parentText"/>
+              <dgm:constr type="w" for="ch" forName="parentText" refType="w" fact="0.4"/>
+              <dgm:constr type="h" for="ch" forName="parentText" refType="h"/>
+              <dgm:constr type="w" for="ch" forName="parentText" refType="w" op="lte" fact="0.5"/>
+              <dgm:constr type="w" for="ch" forName="parentText" refType="h" refFor="ch" refForName="parentText" op="lte" fact="0.7"/>
+              <dgm:constr type="h" for="ch" forName="parentText" refType="w" refFor="ch" refForName="parentText" op="lte" fact="3"/>
+              <dgm:constr type="l" for="ch" forName="descendantText" refType="w" refFor="ch" refForName="parentText"/>
+              <dgm:constr type="w" for="ch" forName="descendantText" refType="w"/>
+              <dgm:constr type="wOff" for="ch" forName="descendantText" refType="w" refFor="ch" refForName="parentText" fact="-1"/>
+              <dgm:constr type="t" for="ch" forName="descendantText"/>
+              <dgm:constr type="b" for="ch" forName="descendantText" refType="h" refFor="ch" refForName="parentText"/>
+              <dgm:constr type="bOff" for="ch" forName="descendantText" refType="w" refFor="ch" refForName="parentText" fact="-0.5"/>
+            </dgm:constrLst>
+          </dgm:if>
+          <dgm:else name="Name3">
+            <dgm:constrLst>
+              <dgm:constr type="t" for="ch" forName="parentText"/>
+              <dgm:constr type="r" for="ch" forName="parentText" refType="w"/>
+              <dgm:constr type="w" for="ch" forName="parentText" refType="w" fact="0.4"/>
+              <dgm:constr type="h" for="ch" forName="parentText" refType="h"/>
+              <dgm:constr type="w" for="ch" forName="parentText" refType="w" op="lte" fact="0.5"/>
+              <dgm:constr type="w" for="ch" forName="parentText" refType="h" refFor="ch" refForName="parentText" op="lte" fact="0.7"/>
+              <dgm:constr type="h" for="ch" forName="parentText" refType="w" refFor="ch" refForName="parentText" op="lte" fact="3"/>
+              <dgm:constr type="l" for="ch" forName="descendantText"/>
+              <dgm:constr type="w" for="ch" forName="descendantText" refType="w"/>
+              <dgm:constr type="wOff" for="ch" forName="descendantText" refType="w" refFor="ch" refForName="parentText" fact="-1"/>
+              <dgm:constr type="t" for="ch" forName="descendantText"/>
+              <dgm:constr type="b" for="ch" forName="descendantText" refType="h" refFor="ch" refForName="parentText"/>
+              <dgm:constr type="bOff" for="ch" forName="descendantText" refType="w" refFor="ch" refForName="parentText" fact="-0.5"/>
+            </dgm:constrLst>
+          </dgm:else>
+        </dgm:choose>
+        <dgm:ruleLst/>
+        <dgm:layoutNode name="parentText" styleLbl="alignNode1">
+          <dgm:varLst>
+            <dgm:chMax val="1"/>
+            <dgm:bulletEnabled val="1"/>
+          </dgm:varLst>
+          <dgm:alg type="tx"/>
+          <dgm:shape xmlns:r="http://schemas.openxmlformats.org/officeDocument/2006/relationships" rot="90" type="chevron" r:blip="">
+            <dgm:adjLst/>
+          </dgm:shape>
+          <dgm:presOf axis="self" ptType="node"/>
+          <dgm:constrLst>
+            <dgm:constr type="lMarg" refType="primFontSz" fact="0.05"/>
+            <dgm:constr type="rMarg" refType="primFontSz" fact="0.05"/>
+            <dgm:constr type="tMarg" refType="primFontSz" fact="0.05"/>
+            <dgm:constr type="bMarg" refType="primFontSz" fact="0.05"/>
+          </dgm:constrLst>
+          <dgm:ruleLst>
+            <dgm:rule type="h" val="100" fact="NaN" max="NaN"/>
+            <dgm:rule type="primFontSz" val="24" fact="NaN" max="NaN"/>
+            <dgm:rule type="h" val="110" fact="NaN" max="NaN"/>
+            <dgm:rule type="primFontSz" val="18" fact="NaN" max="NaN"/>
+            <dgm:rule type="h" val="INF" fact="NaN" max="NaN"/>
+            <dgm:rule type="primFontSz" val="5" fact="NaN" max="NaN"/>
+          </dgm:ruleLst>
+        </dgm:layoutNode>
+        <dgm:layoutNode name="descendantText" styleLbl="alignAcc1">
+          <dgm:varLst>
+            <dgm:bulletEnabled val="1"/>
+          </dgm:varLst>
+          <dgm:choose name="Name4">
+            <dgm:if name="Name5" func="var" arg="dir" op="equ" val="norm">
+              <dgm:alg type="tx">
+                <dgm:param type="stBulletLvl" val="1"/>
+                <dgm:param type="txAnchorVertCh" val="mid"/>
+              </dgm:alg>
+              <dgm:shape xmlns:r="http://schemas.openxmlformats.org/officeDocument/2006/relationships" rot="90" type="round2SameRect" r:blip="">
+                <dgm:adjLst/>
+              </dgm:shape>
+            </dgm:if>
+            <dgm:else name="Name6">
+              <dgm:alg type="tx">
+                <dgm:param type="stBulletLvl" val="1"/>
+                <dgm:param type="txAnchorVertCh" val="mid"/>
+              </dgm:alg>
+              <dgm:shape xmlns:r="http://schemas.openxmlformats.org/officeDocument/2006/relationships" rot="-90" type="round2SameRect" r:blip="">
+                <dgm:adjLst/>
+              </dgm:shape>
+            </dgm:else>
+          </dgm:choose>
+          <dgm:presOf axis="des" ptType="node"/>
+          <dgm:choose name="Name7">
+            <dgm:if name="Name8" func="var" arg="dir" op="equ" val="norm">
+              <dgm:constrLst>
+                <dgm:constr type="secFontSz" refType="primFontSz"/>
+                <dgm:constr type="tMarg" refType="primFontSz" fact="0.05"/>
+                <dgm:constr type="bMarg" refType="primFontSz" fact="0.05"/>
+                <dgm:constr type="rMarg" refType="primFontSz" fact="0.05"/>
+              </dgm:constrLst>
+            </dgm:if>
+            <dgm:else name="Name9">
+              <dgm:constrLst>
+                <dgm:constr type="secFontSz" refType="primFontSz"/>
+                <dgm:constr type="tMarg" refType="primFontSz" fact="0.05"/>
+                <dgm:constr type="bMarg" refType="primFontSz" fact="0.05"/>
+                <dgm:constr type="lMarg" refType="primFontSz" fact="0.05"/>
+              </dgm:constrLst>
+            </dgm:else>
+          </dgm:choose>
+          <dgm:ruleLst>
+            <dgm:rule type="primFontSz" val="5" fact="NaN" max="NaN"/>
+          </dgm:ruleLst>
+        </dgm:layoutNode>
+      </dgm:layoutNode>
+      <dgm:forEach name="Name10" axis="followSib" ptType="sibTrans" cnt="1">
+        <dgm:layoutNode name="sp">
+          <dgm:alg type="sp"/>
+          <dgm:shape xmlns:r="http://schemas.openxmlformats.org/officeDocument/2006/relationships" r:blip="">
+            <dgm:adjLst/>
+          </dgm:shape>
+          <dgm:presOf axis="self"/>
+          <dgm:constrLst>
+            <dgm:constr type="w" val="1"/>
+            <dgm:constr type="h" val="37.5"/>
+          </dgm:constrLst>
+          <dgm:ruleLst/>
+        </dgm:layoutNode>
+      </dgm:forEach>
+    </dgm:forEach>
+  </dgm:layoutNode>
+</dgm:layoutDef>
+</file>
+
+<file path=ppt/diagrams/layout6.xml><?xml version="1.0" encoding="utf-8"?>
+<dgm:layoutDef xmlns:dgm="http://schemas.openxmlformats.org/drawingml/2006/diagram" xmlns:a="http://schemas.openxmlformats.org/drawingml/2006/main" uniqueId="urn:microsoft.com/office/officeart/2005/8/layout/chevron2">
+  <dgm:title val=""/>
+  <dgm:desc val=""/>
+  <dgm:catLst>
+    <dgm:cat type="process" pri="12000"/>
+    <dgm:cat type="list" pri="16000"/>
+    <dgm:cat type="convert" pri="11000"/>
+  </dgm:catLst>
+  <dgm:sampData>
+    <dgm:dataModel>
+      <dgm:ptLst>
+        <dgm:pt modelId="0" type="doc"/>
+        <dgm:pt modelId="1">
+          <dgm:prSet phldr="1"/>
+        </dgm:pt>
+        <dgm:pt modelId="11">
+          <dgm:prSet phldr="1"/>
+        </dgm:pt>
+        <dgm:pt modelId="12">
+          <dgm:prSet phldr="1"/>
+        </dgm:pt>
+        <dgm:pt modelId="2">
+          <dgm:prSet phldr="1"/>
+        </dgm:pt>
+        <dgm:pt modelId="21">
+          <dgm:prSet phldr="1"/>
+        </dgm:pt>
+        <dgm:pt modelId="22">
+          <dgm:prSet phldr="1"/>
+        </dgm:pt>
+        <dgm:pt modelId="3">
+          <dgm:prSet phldr="1"/>
+        </dgm:pt>
+        <dgm:pt modelId="31">
+          <dgm:prSet phldr="1"/>
+        </dgm:pt>
+        <dgm:pt modelId="32">
+          <dgm:prSet phldr="1"/>
+        </dgm:pt>
+      </dgm:ptLst>
+      <dgm:cxnLst>
+        <dgm:cxn modelId="4" srcId="0" destId="1" srcOrd="0" destOrd="0"/>
+        <dgm:cxn modelId="5" srcId="0" destId="2" srcOrd="1" destOrd="0"/>
+        <dgm:cxn modelId="6" srcId="0" destId="3" srcOrd="2" destOrd="0"/>
+        <dgm:cxn modelId="13" srcId="1" destId="11" srcOrd="0" destOrd="0"/>
+        <dgm:cxn modelId="14" srcId="1" destId="12" srcOrd="1" destOrd="0"/>
+        <dgm:cxn modelId="23" srcId="2" destId="21" srcOrd="0" destOrd="0"/>
+        <dgm:cxn modelId="24" srcId="2" destId="22" srcOrd="1" destOrd="0"/>
+        <dgm:cxn modelId="33" srcId="3" destId="31" srcOrd="0" destOrd="0"/>
+        <dgm:cxn modelId="34" srcId="3" destId="32" srcOrd="1" destOrd="0"/>
+      </dgm:cxnLst>
+      <dgm:bg/>
+      <dgm:whole/>
+    </dgm:dataModel>
+  </dgm:sampData>
+  <dgm:styleData>
+    <dgm:dataModel>
+      <dgm:ptLst>
+        <dgm:pt modelId="0" type="doc"/>
+        <dgm:pt modelId="1"/>
+      </dgm:ptLst>
+      <dgm:cxnLst>
+        <dgm:cxn modelId="4" srcId="0" destId="1" srcOrd="0" destOrd="0"/>
+      </dgm:cxnLst>
+      <dgm:bg/>
+      <dgm:whole/>
+    </dgm:dataModel>
+  </dgm:styleData>
+  <dgm:clrData>
+    <dgm:dataModel>
+      <dgm:ptLst>
+        <dgm:pt modelId="0" type="doc"/>
+        <dgm:pt modelId="1"/>
+        <dgm:pt modelId="11"/>
+        <dgm:pt modelId="2"/>
+        <dgm:pt modelId="21"/>
+        <dgm:pt modelId="3"/>
+        <dgm:pt modelId="31"/>
+        <dgm:pt modelId="4"/>
+        <dgm:pt modelId="41"/>
+      </dgm:ptLst>
+      <dgm:cxnLst>
+        <dgm:cxn modelId="5" srcId="0" destId="1" srcOrd="0" destOrd="0"/>
+        <dgm:cxn modelId="6" srcId="0" destId="2" srcOrd="1" destOrd="0"/>
+        <dgm:cxn modelId="7" srcId="0" destId="3" srcOrd="2" destOrd="0"/>
+        <dgm:cxn modelId="8" srcId="0" destId="4" srcOrd="3" destOrd="0"/>
+        <dgm:cxn modelId="13" srcId="1" destId="11" srcOrd="0" destOrd="0"/>
+        <dgm:cxn modelId="23" srcId="2" destId="21" srcOrd="0" destOrd="0"/>
+        <dgm:cxn modelId="33" srcId="3" destId="31" srcOrd="0" destOrd="0"/>
+        <dgm:cxn modelId="43" srcId="4" destId="41" srcOrd="0" destOrd="0"/>
+      </dgm:cxnLst>
+      <dgm:bg/>
+      <dgm:whole/>
+    </dgm:dataModel>
+  </dgm:clrData>
+  <dgm:layoutNode name="linearFlow">
+    <dgm:varLst>
+      <dgm:dir/>
+      <dgm:animLvl val="lvl"/>
+      <dgm:resizeHandles val="exact"/>
+    </dgm:varLst>
+    <dgm:alg type="lin">
+      <dgm:param type="linDir" val="fromT"/>
+      <dgm:param type="nodeHorzAlign" val="l"/>
+    </dgm:alg>
+    <dgm:shape xmlns:r="http://schemas.openxmlformats.org/officeDocument/2006/relationships" r:blip="">
+      <dgm:adjLst/>
+    </dgm:shape>
+    <dgm:presOf/>
+    <dgm:constrLst>
+      <dgm:constr type="h" for="ch" forName="composite" refType="h"/>
+      <dgm:constr type="w" for="ch" forName="composite" refType="w"/>
+      <dgm:constr type="h" for="des" forName="parentText" op="equ"/>
+      <dgm:constr type="h" for="ch" forName="sp" val="-14.88"/>
+      <dgm:constr type="h" for="ch" forName="sp" refType="w" refFor="des" refForName="parentText" op="gte" fact="-0.3"/>
+      <dgm:constr type="primFontSz" for="des" forName="parentText" op="equ" val="65"/>
+      <dgm:constr type="primFontSz" for="des" forName="descendantText" op="equ" val="65"/>
+    </dgm:constrLst>
+    <dgm:ruleLst/>
+    <dgm:forEach name="Name0" axis="ch" ptType="node">
+      <dgm:layoutNode name="composite">
+        <dgm:alg type="composite"/>
+        <dgm:shape xmlns:r="http://schemas.openxmlformats.org/officeDocument/2006/relationships" r:blip="">
+          <dgm:adjLst/>
+        </dgm:shape>
+        <dgm:presOf/>
+        <dgm:choose name="Name1">
+          <dgm:if name="Name2" func="var" arg="dir" op="equ" val="norm">
+            <dgm:constrLst>
+              <dgm:constr type="t" for="ch" forName="parentText"/>
+              <dgm:constr type="l" for="ch" forName="parentText"/>
+              <dgm:constr type="w" for="ch" forName="parentText" refType="w" fact="0.4"/>
+              <dgm:constr type="h" for="ch" forName="parentText" refType="h"/>
+              <dgm:constr type="w" for="ch" forName="parentText" refType="w" op="lte" fact="0.5"/>
+              <dgm:constr type="w" for="ch" forName="parentText" refType="h" refFor="ch" refForName="parentText" op="lte" fact="0.7"/>
+              <dgm:constr type="h" for="ch" forName="parentText" refType="w" refFor="ch" refForName="parentText" op="lte" fact="3"/>
+              <dgm:constr type="l" for="ch" forName="descendantText" refType="w" refFor="ch" refForName="parentText"/>
+              <dgm:constr type="w" for="ch" forName="descendantText" refType="w"/>
+              <dgm:constr type="wOff" for="ch" forName="descendantText" refType="w" refFor="ch" refForName="parentText" fact="-1"/>
+              <dgm:constr type="t" for="ch" forName="descendantText"/>
+              <dgm:constr type="b" for="ch" forName="descendantText" refType="h" refFor="ch" refForName="parentText"/>
+              <dgm:constr type="bOff" for="ch" forName="descendantText" refType="w" refFor="ch" refForName="parentText" fact="-0.5"/>
+            </dgm:constrLst>
+          </dgm:if>
+          <dgm:else name="Name3">
+            <dgm:constrLst>
+              <dgm:constr type="t" for="ch" forName="parentText"/>
+              <dgm:constr type="r" for="ch" forName="parentText" refType="w"/>
+              <dgm:constr type="w" for="ch" forName="parentText" refType="w" fact="0.4"/>
+              <dgm:constr type="h" for="ch" forName="parentText" refType="h"/>
+              <dgm:constr type="w" for="ch" forName="parentText" refType="w" op="lte" fact="0.5"/>
+              <dgm:constr type="w" for="ch" forName="parentText" refType="h" refFor="ch" refForName="parentText" op="lte" fact="0.7"/>
+              <dgm:constr type="h" for="ch" forName="parentText" refType="w" refFor="ch" refForName="parentText" op="lte" fact="3"/>
+              <dgm:constr type="l" for="ch" forName="descendantText"/>
+              <dgm:constr type="w" for="ch" forName="descendantText" refType="w"/>
+              <dgm:constr type="wOff" for="ch" forName="descendantText" refType="w" refFor="ch" refForName="parentText" fact="-1"/>
+              <dgm:constr type="t" for="ch" forName="descendantText"/>
+              <dgm:constr type="b" for="ch" forName="descendantText" refType="h" refFor="ch" refForName="parentText"/>
+              <dgm:constr type="bOff" for="ch" forName="descendantText" refType="w" refFor="ch" refForName="parentText" fact="-0.5"/>
+            </dgm:constrLst>
+          </dgm:else>
+        </dgm:choose>
+        <dgm:ruleLst/>
+        <dgm:layoutNode name="parentText" styleLbl="alignNode1">
+          <dgm:varLst>
+            <dgm:chMax val="1"/>
+            <dgm:bulletEnabled val="1"/>
+          </dgm:varLst>
+          <dgm:alg type="tx"/>
+          <dgm:shape xmlns:r="http://schemas.openxmlformats.org/officeDocument/2006/relationships" rot="90" type="chevron" r:blip="">
+            <dgm:adjLst/>
+          </dgm:shape>
+          <dgm:presOf axis="self" ptType="node"/>
+          <dgm:constrLst>
+            <dgm:constr type="lMarg" refType="primFontSz" fact="0.05"/>
+            <dgm:constr type="rMarg" refType="primFontSz" fact="0.05"/>
+            <dgm:constr type="tMarg" refType="primFontSz" fact="0.05"/>
+            <dgm:constr type="bMarg" refType="primFontSz" fact="0.05"/>
+          </dgm:constrLst>
+          <dgm:ruleLst>
+            <dgm:rule type="h" val="100" fact="NaN" max="NaN"/>
+            <dgm:rule type="primFontSz" val="24" fact="NaN" max="NaN"/>
+            <dgm:rule type="h" val="110" fact="NaN" max="NaN"/>
+            <dgm:rule type="primFontSz" val="18" fact="NaN" max="NaN"/>
+            <dgm:rule type="h" val="INF" fact="NaN" max="NaN"/>
+            <dgm:rule type="primFontSz" val="5" fact="NaN" max="NaN"/>
+          </dgm:ruleLst>
+        </dgm:layoutNode>
+        <dgm:layoutNode name="descendantText" styleLbl="alignAcc1">
+          <dgm:varLst>
+            <dgm:bulletEnabled val="1"/>
+          </dgm:varLst>
+          <dgm:choose name="Name4">
+            <dgm:if name="Name5" func="var" arg="dir" op="equ" val="norm">
+              <dgm:alg type="tx">
+                <dgm:param type="stBulletLvl" val="1"/>
+                <dgm:param type="txAnchorVertCh" val="mid"/>
+              </dgm:alg>
+              <dgm:shape xmlns:r="http://schemas.openxmlformats.org/officeDocument/2006/relationships" rot="90" type="round2SameRect" r:blip="">
+                <dgm:adjLst/>
+              </dgm:shape>
+            </dgm:if>
+            <dgm:else name="Name6">
+              <dgm:alg type="tx">
+                <dgm:param type="stBulletLvl" val="1"/>
+                <dgm:param type="txAnchorVertCh" val="mid"/>
+              </dgm:alg>
+              <dgm:shape xmlns:r="http://schemas.openxmlformats.org/officeDocument/2006/relationships" rot="-90" type="round2SameRect" r:blip="">
+                <dgm:adjLst/>
+              </dgm:shape>
+            </dgm:else>
+          </dgm:choose>
+          <dgm:presOf axis="des" ptType="node"/>
+          <dgm:choose name="Name7">
+            <dgm:if name="Name8" func="var" arg="dir" op="equ" val="norm">
+              <dgm:constrLst>
+                <dgm:constr type="secFontSz" refType="primFontSz"/>
+                <dgm:constr type="tMarg" refType="primFontSz" fact="0.05"/>
+                <dgm:constr type="bMarg" refType="primFontSz" fact="0.05"/>
+                <dgm:constr type="rMarg" refType="primFontSz" fact="0.05"/>
+              </dgm:constrLst>
+            </dgm:if>
+            <dgm:else name="Name9">
+              <dgm:constrLst>
+                <dgm:constr type="secFontSz" refType="primFontSz"/>
+                <dgm:constr type="tMarg" refType="primFontSz" fact="0.05"/>
+                <dgm:constr type="bMarg" refType="primFontSz" fact="0.05"/>
+                <dgm:constr type="lMarg" refType="primFontSz" fact="0.05"/>
+              </dgm:constrLst>
+            </dgm:else>
+          </dgm:choose>
+          <dgm:ruleLst>
+            <dgm:rule type="primFontSz" val="5" fact="NaN" max="NaN"/>
+          </dgm:ruleLst>
+        </dgm:layoutNode>
+      </dgm:layoutNode>
+      <dgm:forEach name="Name10" axis="followSib" ptType="sibTrans" cnt="1">
+        <dgm:layoutNode name="sp">
+          <dgm:alg type="sp"/>
+          <dgm:shape xmlns:r="http://schemas.openxmlformats.org/officeDocument/2006/relationships" r:blip="">
+            <dgm:adjLst/>
+          </dgm:shape>
+          <dgm:presOf axis="self"/>
+          <dgm:constrLst>
+            <dgm:constr type="w" val="1"/>
+            <dgm:constr type="h" val="37.5"/>
+          </dgm:constrLst>
+          <dgm:ruleLst/>
+        </dgm:layoutNode>
+      </dgm:forEach>
+    </dgm:forEach>
+  </dgm:layoutNode>
+</dgm:layoutDef>
+</file>
+
 <file path=ppt/diagrams/quickStyle1.xml><?xml version="1.0" encoding="utf-8"?>
 <dgm:styleDef xmlns:dgm="http://schemas.openxmlformats.org/drawingml/2006/diagram" xmlns:a="http://schemas.openxmlformats.org/drawingml/2006/main" uniqueId="urn:microsoft.com/office/officeart/2005/8/quickstyle/simple1">
   <dgm:title val=""/>
@@ -13006,6 +17742,2074 @@
 </file>
 
 <file path=ppt/diagrams/quickStyle4.xml><?xml version="1.0" encoding="utf-8"?>
+<dgm:styleDef xmlns:dgm="http://schemas.openxmlformats.org/drawingml/2006/diagram" xmlns:a="http://schemas.openxmlformats.org/drawingml/2006/main" uniqueId="urn:microsoft.com/office/officeart/2005/8/quickstyle/simple1">
+  <dgm:title val=""/>
+  <dgm:desc val=""/>
+  <dgm:catLst>
+    <dgm:cat type="simple" pri="10100"/>
+  </dgm:catLst>
+  <dgm:scene3d>
+    <a:camera prst="orthographicFront"/>
+    <a:lightRig rig="threePt" dir="t"/>
+  </dgm:scene3d>
+  <dgm:styleLbl name="node0">
+    <dgm:scene3d>
+      <a:camera prst="orthographicFront"/>
+      <a:lightRig rig="threePt" dir="t"/>
+    </dgm:scene3d>
+    <dgm:sp3d/>
+    <dgm:txPr/>
+    <dgm:style>
+      <a:lnRef idx="2">
+        <a:scrgbClr r="0" g="0" b="0"/>
+      </a:lnRef>
+      <a:fillRef idx="1">
+        <a:scrgbClr r="0" g="0" b="0"/>
+      </a:fillRef>
+      <a:effectRef idx="0">
+        <a:scrgbClr r="0" g="0" b="0"/>
+      </a:effectRef>
+      <a:fontRef idx="minor">
+        <a:schemeClr val="lt1"/>
+      </a:fontRef>
+    </dgm:style>
+  </dgm:styleLbl>
+  <dgm:styleLbl name="lnNode1">
+    <dgm:scene3d>
+      <a:camera prst="orthographicFront"/>
+      <a:lightRig rig="threePt" dir="t"/>
+    </dgm:scene3d>
+    <dgm:sp3d/>
+    <dgm:txPr/>
+    <dgm:style>
+      <a:lnRef idx="2">
+        <a:scrgbClr r="0" g="0" b="0"/>
+      </a:lnRef>
+      <a:fillRef idx="1">
+        <a:scrgbClr r="0" g="0" b="0"/>
+      </a:fillRef>
+      <a:effectRef idx="0">
+        <a:scrgbClr r="0" g="0" b="0"/>
+      </a:effectRef>
+      <a:fontRef idx="minor">
+        <a:schemeClr val="lt1"/>
+      </a:fontRef>
+    </dgm:style>
+  </dgm:styleLbl>
+  <dgm:styleLbl name="vennNode1">
+    <dgm:scene3d>
+      <a:camera prst="orthographicFront"/>
+      <a:lightRig rig="threePt" dir="t"/>
+    </dgm:scene3d>
+    <dgm:sp3d/>
+    <dgm:txPr/>
+    <dgm:style>
+      <a:lnRef idx="2">
+        <a:scrgbClr r="0" g="0" b="0"/>
+      </a:lnRef>
+      <a:fillRef idx="1">
+        <a:scrgbClr r="0" g="0" b="0"/>
+      </a:fillRef>
+      <a:effectRef idx="0">
+        <a:scrgbClr r="0" g="0" b="0"/>
+      </a:effectRef>
+      <a:fontRef idx="minor">
+        <a:schemeClr val="tx1"/>
+      </a:fontRef>
+    </dgm:style>
+  </dgm:styleLbl>
+  <dgm:styleLbl name="alignNode1">
+    <dgm:scene3d>
+      <a:camera prst="orthographicFront"/>
+      <a:lightRig rig="threePt" dir="t"/>
+    </dgm:scene3d>
+    <dgm:sp3d/>
+    <dgm:txPr/>
+    <dgm:style>
+      <a:lnRef idx="2">
+        <a:scrgbClr r="0" g="0" b="0"/>
+      </a:lnRef>
+      <a:fillRef idx="1">
+        <a:scrgbClr r="0" g="0" b="0"/>
+      </a:fillRef>
+      <a:effectRef idx="0">
+        <a:scrgbClr r="0" g="0" b="0"/>
+      </a:effectRef>
+      <a:fontRef idx="minor">
+        <a:schemeClr val="lt1"/>
+      </a:fontRef>
+    </dgm:style>
+  </dgm:styleLbl>
+  <dgm:styleLbl name="node1">
+    <dgm:scene3d>
+      <a:camera prst="orthographicFront"/>
+      <a:lightRig rig="threePt" dir="t"/>
+    </dgm:scene3d>
+    <dgm:sp3d/>
+    <dgm:txPr/>
+    <dgm:style>
+      <a:lnRef idx="2">
+        <a:scrgbClr r="0" g="0" b="0"/>
+      </a:lnRef>
+      <a:fillRef idx="1">
+        <a:scrgbClr r="0" g="0" b="0"/>
+      </a:fillRef>
+      <a:effectRef idx="0">
+        <a:scrgbClr r="0" g="0" b="0"/>
+      </a:effectRef>
+      <a:fontRef idx="minor">
+        <a:schemeClr val="lt1"/>
+      </a:fontRef>
+    </dgm:style>
+  </dgm:styleLbl>
+  <dgm:styleLbl name="node2">
+    <dgm:scene3d>
+      <a:camera prst="orthographicFront"/>
+      <a:lightRig rig="threePt" dir="t"/>
+    </dgm:scene3d>
+    <dgm:sp3d/>
+    <dgm:txPr/>
+    <dgm:style>
+      <a:lnRef idx="2">
+        <a:scrgbClr r="0" g="0" b="0"/>
+      </a:lnRef>
+      <a:fillRef idx="1">
+        <a:scrgbClr r="0" g="0" b="0"/>
+      </a:fillRef>
+      <a:effectRef idx="0">
+        <a:scrgbClr r="0" g="0" b="0"/>
+      </a:effectRef>
+      <a:fontRef idx="minor">
+        <a:schemeClr val="lt1"/>
+      </a:fontRef>
+    </dgm:style>
+  </dgm:styleLbl>
+  <dgm:styleLbl name="node3">
+    <dgm:scene3d>
+      <a:camera prst="orthographicFront"/>
+      <a:lightRig rig="threePt" dir="t"/>
+    </dgm:scene3d>
+    <dgm:sp3d/>
+    <dgm:txPr/>
+    <dgm:style>
+      <a:lnRef idx="2">
+        <a:scrgbClr r="0" g="0" b="0"/>
+      </a:lnRef>
+      <a:fillRef idx="1">
+        <a:scrgbClr r="0" g="0" b="0"/>
+      </a:fillRef>
+      <a:effectRef idx="0">
+        <a:scrgbClr r="0" g="0" b="0"/>
+      </a:effectRef>
+      <a:fontRef idx="minor">
+        <a:schemeClr val="lt1"/>
+      </a:fontRef>
+    </dgm:style>
+  </dgm:styleLbl>
+  <dgm:styleLbl name="node4">
+    <dgm:scene3d>
+      <a:camera prst="orthographicFront"/>
+      <a:lightRig rig="threePt" dir="t"/>
+    </dgm:scene3d>
+    <dgm:sp3d/>
+    <dgm:txPr/>
+    <dgm:style>
+      <a:lnRef idx="2">
+        <a:scrgbClr r="0" g="0" b="0"/>
+      </a:lnRef>
+      <a:fillRef idx="1">
+        <a:scrgbClr r="0" g="0" b="0"/>
+      </a:fillRef>
+      <a:effectRef idx="0">
+        <a:scrgbClr r="0" g="0" b="0"/>
+      </a:effectRef>
+      <a:fontRef idx="minor">
+        <a:schemeClr val="lt1"/>
+      </a:fontRef>
+    </dgm:style>
+  </dgm:styleLbl>
+  <dgm:styleLbl name="fgImgPlace1">
+    <dgm:scene3d>
+      <a:camera prst="orthographicFront"/>
+      <a:lightRig rig="threePt" dir="t"/>
+    </dgm:scene3d>
+    <dgm:sp3d/>
+    <dgm:txPr/>
+    <dgm:style>
+      <a:lnRef idx="2">
+        <a:scrgbClr r="0" g="0" b="0"/>
+      </a:lnRef>
+      <a:fillRef idx="1">
+        <a:scrgbClr r="0" g="0" b="0"/>
+      </a:fillRef>
+      <a:effectRef idx="0">
+        <a:scrgbClr r="0" g="0" b="0"/>
+      </a:effectRef>
+      <a:fontRef idx="minor"/>
+    </dgm:style>
+  </dgm:styleLbl>
+  <dgm:styleLbl name="alignImgPlace1">
+    <dgm:scene3d>
+      <a:camera prst="orthographicFront"/>
+      <a:lightRig rig="threePt" dir="t"/>
+    </dgm:scene3d>
+    <dgm:sp3d/>
+    <dgm:txPr/>
+    <dgm:style>
+      <a:lnRef idx="2">
+        <a:scrgbClr r="0" g="0" b="0"/>
+      </a:lnRef>
+      <a:fillRef idx="1">
+        <a:scrgbClr r="0" g="0" b="0"/>
+      </a:fillRef>
+      <a:effectRef idx="0">
+        <a:scrgbClr r="0" g="0" b="0"/>
+      </a:effectRef>
+      <a:fontRef idx="minor"/>
+    </dgm:style>
+  </dgm:styleLbl>
+  <dgm:styleLbl name="bgImgPlace1">
+    <dgm:scene3d>
+      <a:camera prst="orthographicFront"/>
+      <a:lightRig rig="threePt" dir="t"/>
+    </dgm:scene3d>
+    <dgm:sp3d/>
+    <dgm:txPr/>
+    <dgm:style>
+      <a:lnRef idx="2">
+        <a:scrgbClr r="0" g="0" b="0"/>
+      </a:lnRef>
+      <a:fillRef idx="1">
+        <a:scrgbClr r="0" g="0" b="0"/>
+      </a:fillRef>
+      <a:effectRef idx="0">
+        <a:scrgbClr r="0" g="0" b="0"/>
+      </a:effectRef>
+      <a:fontRef idx="minor"/>
+    </dgm:style>
+  </dgm:styleLbl>
+  <dgm:styleLbl name="sibTrans2D1">
+    <dgm:scene3d>
+      <a:camera prst="orthographicFront"/>
+      <a:lightRig rig="threePt" dir="t"/>
+    </dgm:scene3d>
+    <dgm:sp3d/>
+    <dgm:txPr/>
+    <dgm:style>
+      <a:lnRef idx="0">
+        <a:scrgbClr r="0" g="0" b="0"/>
+      </a:lnRef>
+      <a:fillRef idx="1">
+        <a:scrgbClr r="0" g="0" b="0"/>
+      </a:fillRef>
+      <a:effectRef idx="0">
+        <a:scrgbClr r="0" g="0" b="0"/>
+      </a:effectRef>
+      <a:fontRef idx="minor">
+        <a:schemeClr val="lt1"/>
+      </a:fontRef>
+    </dgm:style>
+  </dgm:styleLbl>
+  <dgm:styleLbl name="fgSibTrans2D1">
+    <dgm:scene3d>
+      <a:camera prst="orthographicFront"/>
+      <a:lightRig rig="threePt" dir="t"/>
+    </dgm:scene3d>
+    <dgm:sp3d/>
+    <dgm:txPr/>
+    <dgm:style>
+      <a:lnRef idx="0">
+        <a:scrgbClr r="0" g="0" b="0"/>
+      </a:lnRef>
+      <a:fillRef idx="1">
+        <a:scrgbClr r="0" g="0" b="0"/>
+      </a:fillRef>
+      <a:effectRef idx="0">
+        <a:scrgbClr r="0" g="0" b="0"/>
+      </a:effectRef>
+      <a:fontRef idx="minor">
+        <a:schemeClr val="lt1"/>
+      </a:fontRef>
+    </dgm:style>
+  </dgm:styleLbl>
+  <dgm:styleLbl name="bgSibTrans2D1">
+    <dgm:scene3d>
+      <a:camera prst="orthographicFront"/>
+      <a:lightRig rig="threePt" dir="t"/>
+    </dgm:scene3d>
+    <dgm:sp3d/>
+    <dgm:txPr/>
+    <dgm:style>
+      <a:lnRef idx="0">
+        <a:scrgbClr r="0" g="0" b="0"/>
+      </a:lnRef>
+      <a:fillRef idx="1">
+        <a:scrgbClr r="0" g="0" b="0"/>
+      </a:fillRef>
+      <a:effectRef idx="0">
+        <a:scrgbClr r="0" g="0" b="0"/>
+      </a:effectRef>
+      <a:fontRef idx="minor">
+        <a:schemeClr val="lt1"/>
+      </a:fontRef>
+    </dgm:style>
+  </dgm:styleLbl>
+  <dgm:styleLbl name="sibTrans1D1">
+    <dgm:scene3d>
+      <a:camera prst="orthographicFront"/>
+      <a:lightRig rig="threePt" dir="t"/>
+    </dgm:scene3d>
+    <dgm:sp3d/>
+    <dgm:txPr/>
+    <dgm:style>
+      <a:lnRef idx="1">
+        <a:scrgbClr r="0" g="0" b="0"/>
+      </a:lnRef>
+      <a:fillRef idx="0">
+        <a:scrgbClr r="0" g="0" b="0"/>
+      </a:fillRef>
+      <a:effectRef idx="0">
+        <a:scrgbClr r="0" g="0" b="0"/>
+      </a:effectRef>
+      <a:fontRef idx="minor"/>
+    </dgm:style>
+  </dgm:styleLbl>
+  <dgm:styleLbl name="callout">
+    <dgm:scene3d>
+      <a:camera prst="orthographicFront"/>
+      <a:lightRig rig="threePt" dir="t"/>
+    </dgm:scene3d>
+    <dgm:sp3d/>
+    <dgm:txPr/>
+    <dgm:style>
+      <a:lnRef idx="2">
+        <a:scrgbClr r="0" g="0" b="0"/>
+      </a:lnRef>
+      <a:fillRef idx="1">
+        <a:scrgbClr r="0" g="0" b="0"/>
+      </a:fillRef>
+      <a:effectRef idx="0">
+        <a:scrgbClr r="0" g="0" b="0"/>
+      </a:effectRef>
+      <a:fontRef idx="minor"/>
+    </dgm:style>
+  </dgm:styleLbl>
+  <dgm:styleLbl name="asst0">
+    <dgm:scene3d>
+      <a:camera prst="orthographicFront"/>
+      <a:lightRig rig="threePt" dir="t"/>
+    </dgm:scene3d>
+    <dgm:sp3d/>
+    <dgm:txPr/>
+    <dgm:style>
+      <a:lnRef idx="2">
+        <a:scrgbClr r="0" g="0" b="0"/>
+      </a:lnRef>
+      <a:fillRef idx="1">
+        <a:scrgbClr r="0" g="0" b="0"/>
+      </a:fillRef>
+      <a:effectRef idx="0">
+        <a:scrgbClr r="0" g="0" b="0"/>
+      </a:effectRef>
+      <a:fontRef idx="minor">
+        <a:schemeClr val="lt1"/>
+      </a:fontRef>
+    </dgm:style>
+  </dgm:styleLbl>
+  <dgm:styleLbl name="asst1">
+    <dgm:scene3d>
+      <a:camera prst="orthographicFront"/>
+      <a:lightRig rig="threePt" dir="t"/>
+    </dgm:scene3d>
+    <dgm:sp3d/>
+    <dgm:txPr/>
+    <dgm:style>
+      <a:lnRef idx="2">
+        <a:scrgbClr r="0" g="0" b="0"/>
+      </a:lnRef>
+      <a:fillRef idx="1">
+        <a:scrgbClr r="0" g="0" b="0"/>
+      </a:fillRef>
+      <a:effectRef idx="0">
+        <a:scrgbClr r="0" g="0" b="0"/>
+      </a:effectRef>
+      <a:fontRef idx="minor">
+        <a:schemeClr val="lt1"/>
+      </a:fontRef>
+    </dgm:style>
+  </dgm:styleLbl>
+  <dgm:styleLbl name="asst2">
+    <dgm:scene3d>
+      <a:camera prst="orthographicFront"/>
+      <a:lightRig rig="threePt" dir="t"/>
+    </dgm:scene3d>
+    <dgm:sp3d/>
+    <dgm:txPr/>
+    <dgm:style>
+      <a:lnRef idx="2">
+        <a:scrgbClr r="0" g="0" b="0"/>
+      </a:lnRef>
+      <a:fillRef idx="1">
+        <a:scrgbClr r="0" g="0" b="0"/>
+      </a:fillRef>
+      <a:effectRef idx="0">
+        <a:scrgbClr r="0" g="0" b="0"/>
+      </a:effectRef>
+      <a:fontRef idx="minor">
+        <a:schemeClr val="lt1"/>
+      </a:fontRef>
+    </dgm:style>
+  </dgm:styleLbl>
+  <dgm:styleLbl name="asst3">
+    <dgm:scene3d>
+      <a:camera prst="orthographicFront"/>
+      <a:lightRig rig="threePt" dir="t"/>
+    </dgm:scene3d>
+    <dgm:sp3d/>
+    <dgm:txPr/>
+    <dgm:style>
+      <a:lnRef idx="2">
+        <a:scrgbClr r="0" g="0" b="0"/>
+      </a:lnRef>
+      <a:fillRef idx="1">
+        <a:scrgbClr r="0" g="0" b="0"/>
+      </a:fillRef>
+      <a:effectRef idx="0">
+        <a:scrgbClr r="0" g="0" b="0"/>
+      </a:effectRef>
+      <a:fontRef idx="minor">
+        <a:schemeClr val="lt1"/>
+      </a:fontRef>
+    </dgm:style>
+  </dgm:styleLbl>
+  <dgm:styleLbl name="asst4">
+    <dgm:scene3d>
+      <a:camera prst="orthographicFront"/>
+      <a:lightRig rig="threePt" dir="t"/>
+    </dgm:scene3d>
+    <dgm:sp3d/>
+    <dgm:txPr/>
+    <dgm:style>
+      <a:lnRef idx="2">
+        <a:scrgbClr r="0" g="0" b="0"/>
+      </a:lnRef>
+      <a:fillRef idx="1">
+        <a:scrgbClr r="0" g="0" b="0"/>
+      </a:fillRef>
+      <a:effectRef idx="0">
+        <a:scrgbClr r="0" g="0" b="0"/>
+      </a:effectRef>
+      <a:fontRef idx="minor">
+        <a:schemeClr val="lt1"/>
+      </a:fontRef>
+    </dgm:style>
+  </dgm:styleLbl>
+  <dgm:styleLbl name="parChTrans2D1">
+    <dgm:scene3d>
+      <a:camera prst="orthographicFront"/>
+      <a:lightRig rig="threePt" dir="t"/>
+    </dgm:scene3d>
+    <dgm:sp3d/>
+    <dgm:txPr/>
+    <dgm:style>
+      <a:lnRef idx="2">
+        <a:scrgbClr r="0" g="0" b="0"/>
+      </a:lnRef>
+      <a:fillRef idx="1">
+        <a:scrgbClr r="0" g="0" b="0"/>
+      </a:fillRef>
+      <a:effectRef idx="0">
+        <a:scrgbClr r="0" g="0" b="0"/>
+      </a:effectRef>
+      <a:fontRef idx="minor">
+        <a:schemeClr val="lt1"/>
+      </a:fontRef>
+    </dgm:style>
+  </dgm:styleLbl>
+  <dgm:styleLbl name="parChTrans2D2">
+    <dgm:scene3d>
+      <a:camera prst="orthographicFront"/>
+      <a:lightRig rig="threePt" dir="t"/>
+    </dgm:scene3d>
+    <dgm:sp3d/>
+    <dgm:txPr/>
+    <dgm:style>
+      <a:lnRef idx="2">
+        <a:scrgbClr r="0" g="0" b="0"/>
+      </a:lnRef>
+      <a:fillRef idx="1">
+        <a:scrgbClr r="0" g="0" b="0"/>
+      </a:fillRef>
+      <a:effectRef idx="0">
+        <a:scrgbClr r="0" g="0" b="0"/>
+      </a:effectRef>
+      <a:fontRef idx="minor">
+        <a:schemeClr val="lt1"/>
+      </a:fontRef>
+    </dgm:style>
+  </dgm:styleLbl>
+  <dgm:styleLbl name="parChTrans2D3">
+    <dgm:scene3d>
+      <a:camera prst="orthographicFront"/>
+      <a:lightRig rig="threePt" dir="t"/>
+    </dgm:scene3d>
+    <dgm:sp3d/>
+    <dgm:txPr/>
+    <dgm:style>
+      <a:lnRef idx="2">
+        <a:scrgbClr r="0" g="0" b="0"/>
+      </a:lnRef>
+      <a:fillRef idx="1">
+        <a:scrgbClr r="0" g="0" b="0"/>
+      </a:fillRef>
+      <a:effectRef idx="0">
+        <a:scrgbClr r="0" g="0" b="0"/>
+      </a:effectRef>
+      <a:fontRef idx="minor">
+        <a:schemeClr val="lt1"/>
+      </a:fontRef>
+    </dgm:style>
+  </dgm:styleLbl>
+  <dgm:styleLbl name="parChTrans2D4">
+    <dgm:scene3d>
+      <a:camera prst="orthographicFront"/>
+      <a:lightRig rig="threePt" dir="t"/>
+    </dgm:scene3d>
+    <dgm:sp3d/>
+    <dgm:txPr/>
+    <dgm:style>
+      <a:lnRef idx="2">
+        <a:scrgbClr r="0" g="0" b="0"/>
+      </a:lnRef>
+      <a:fillRef idx="1">
+        <a:scrgbClr r="0" g="0" b="0"/>
+      </a:fillRef>
+      <a:effectRef idx="0">
+        <a:scrgbClr r="0" g="0" b="0"/>
+      </a:effectRef>
+      <a:fontRef idx="minor">
+        <a:schemeClr val="lt1"/>
+      </a:fontRef>
+    </dgm:style>
+  </dgm:styleLbl>
+  <dgm:styleLbl name="parChTrans1D1">
+    <dgm:scene3d>
+      <a:camera prst="orthographicFront"/>
+      <a:lightRig rig="threePt" dir="t"/>
+    </dgm:scene3d>
+    <dgm:sp3d/>
+    <dgm:txPr/>
+    <dgm:style>
+      <a:lnRef idx="2">
+        <a:scrgbClr r="0" g="0" b="0"/>
+      </a:lnRef>
+      <a:fillRef idx="0">
+        <a:scrgbClr r="0" g="0" b="0"/>
+      </a:fillRef>
+      <a:effectRef idx="0">
+        <a:scrgbClr r="0" g="0" b="0"/>
+      </a:effectRef>
+      <a:fontRef idx="minor"/>
+    </dgm:style>
+  </dgm:styleLbl>
+  <dgm:styleLbl name="parChTrans1D2">
+    <dgm:scene3d>
+      <a:camera prst="orthographicFront"/>
+      <a:lightRig rig="threePt" dir="t"/>
+    </dgm:scene3d>
+    <dgm:sp3d/>
+    <dgm:txPr/>
+    <dgm:style>
+      <a:lnRef idx="2">
+        <a:scrgbClr r="0" g="0" b="0"/>
+      </a:lnRef>
+      <a:fillRef idx="0">
+        <a:scrgbClr r="0" g="0" b="0"/>
+      </a:fillRef>
+      <a:effectRef idx="0">
+        <a:scrgbClr r="0" g="0" b="0"/>
+      </a:effectRef>
+      <a:fontRef idx="minor"/>
+    </dgm:style>
+  </dgm:styleLbl>
+  <dgm:styleLbl name="parChTrans1D3">
+    <dgm:scene3d>
+      <a:camera prst="orthographicFront"/>
+      <a:lightRig rig="threePt" dir="t"/>
+    </dgm:scene3d>
+    <dgm:sp3d/>
+    <dgm:txPr/>
+    <dgm:style>
+      <a:lnRef idx="2">
+        <a:scrgbClr r="0" g="0" b="0"/>
+      </a:lnRef>
+      <a:fillRef idx="0">
+        <a:scrgbClr r="0" g="0" b="0"/>
+      </a:fillRef>
+      <a:effectRef idx="0">
+        <a:scrgbClr r="0" g="0" b="0"/>
+      </a:effectRef>
+      <a:fontRef idx="minor"/>
+    </dgm:style>
+  </dgm:styleLbl>
+  <dgm:styleLbl name="parChTrans1D4">
+    <dgm:scene3d>
+      <a:camera prst="orthographicFront"/>
+      <a:lightRig rig="threePt" dir="t"/>
+    </dgm:scene3d>
+    <dgm:sp3d/>
+    <dgm:txPr/>
+    <dgm:style>
+      <a:lnRef idx="2">
+        <a:scrgbClr r="0" g="0" b="0"/>
+      </a:lnRef>
+      <a:fillRef idx="0">
+        <a:scrgbClr r="0" g="0" b="0"/>
+      </a:fillRef>
+      <a:effectRef idx="0">
+        <a:scrgbClr r="0" g="0" b="0"/>
+      </a:effectRef>
+      <a:fontRef idx="minor"/>
+    </dgm:style>
+  </dgm:styleLbl>
+  <dgm:styleLbl name="fgAcc1">
+    <dgm:scene3d>
+      <a:camera prst="orthographicFront"/>
+      <a:lightRig rig="threePt" dir="t"/>
+    </dgm:scene3d>
+    <dgm:sp3d/>
+    <dgm:txPr/>
+    <dgm:style>
+      <a:lnRef idx="2">
+        <a:scrgbClr r="0" g="0" b="0"/>
+      </a:lnRef>
+      <a:fillRef idx="1">
+        <a:scrgbClr r="0" g="0" b="0"/>
+      </a:fillRef>
+      <a:effectRef idx="0">
+        <a:scrgbClr r="0" g="0" b="0"/>
+      </a:effectRef>
+      <a:fontRef idx="minor"/>
+    </dgm:style>
+  </dgm:styleLbl>
+  <dgm:styleLbl name="conFgAcc1">
+    <dgm:scene3d>
+      <a:camera prst="orthographicFront"/>
+      <a:lightRig rig="threePt" dir="t"/>
+    </dgm:scene3d>
+    <dgm:sp3d/>
+    <dgm:txPr/>
+    <dgm:style>
+      <a:lnRef idx="2">
+        <a:scrgbClr r="0" g="0" b="0"/>
+      </a:lnRef>
+      <a:fillRef idx="1">
+        <a:scrgbClr r="0" g="0" b="0"/>
+      </a:fillRef>
+      <a:effectRef idx="0">
+        <a:scrgbClr r="0" g="0" b="0"/>
+      </a:effectRef>
+      <a:fontRef idx="minor"/>
+    </dgm:style>
+  </dgm:styleLbl>
+  <dgm:styleLbl name="alignAcc1">
+    <dgm:scene3d>
+      <a:camera prst="orthographicFront"/>
+      <a:lightRig rig="threePt" dir="t"/>
+    </dgm:scene3d>
+    <dgm:sp3d/>
+    <dgm:txPr/>
+    <dgm:style>
+      <a:lnRef idx="2">
+        <a:scrgbClr r="0" g="0" b="0"/>
+      </a:lnRef>
+      <a:fillRef idx="1">
+        <a:scrgbClr r="0" g="0" b="0"/>
+      </a:fillRef>
+      <a:effectRef idx="0">
+        <a:scrgbClr r="0" g="0" b="0"/>
+      </a:effectRef>
+      <a:fontRef idx="minor"/>
+    </dgm:style>
+  </dgm:styleLbl>
+  <dgm:styleLbl name="trAlignAcc1">
+    <dgm:scene3d>
+      <a:camera prst="orthographicFront"/>
+      <a:lightRig rig="threePt" dir="t"/>
+    </dgm:scene3d>
+    <dgm:sp3d/>
+    <dgm:txPr/>
+    <dgm:style>
+      <a:lnRef idx="1">
+        <a:scrgbClr r="0" g="0" b="0"/>
+      </a:lnRef>
+      <a:fillRef idx="1">
+        <a:scrgbClr r="0" g="0" b="0"/>
+      </a:fillRef>
+      <a:effectRef idx="0">
+        <a:scrgbClr r="0" g="0" b="0"/>
+      </a:effectRef>
+      <a:fontRef idx="minor"/>
+    </dgm:style>
+  </dgm:styleLbl>
+  <dgm:styleLbl name="bgAcc1">
+    <dgm:scene3d>
+      <a:camera prst="orthographicFront"/>
+      <a:lightRig rig="threePt" dir="t"/>
+    </dgm:scene3d>
+    <dgm:sp3d/>
+    <dgm:txPr/>
+    <dgm:style>
+      <a:lnRef idx="2">
+        <a:scrgbClr r="0" g="0" b="0"/>
+      </a:lnRef>
+      <a:fillRef idx="1">
+        <a:scrgbClr r="0" g="0" b="0"/>
+      </a:fillRef>
+      <a:effectRef idx="0">
+        <a:scrgbClr r="0" g="0" b="0"/>
+      </a:effectRef>
+      <a:fontRef idx="minor"/>
+    </dgm:style>
+  </dgm:styleLbl>
+  <dgm:styleLbl name="solidFgAcc1">
+    <dgm:scene3d>
+      <a:camera prst="orthographicFront"/>
+      <a:lightRig rig="threePt" dir="t"/>
+    </dgm:scene3d>
+    <dgm:sp3d/>
+    <dgm:txPr/>
+    <dgm:style>
+      <a:lnRef idx="2">
+        <a:scrgbClr r="0" g="0" b="0"/>
+      </a:lnRef>
+      <a:fillRef idx="1">
+        <a:scrgbClr r="0" g="0" b="0"/>
+      </a:fillRef>
+      <a:effectRef idx="0">
+        <a:scrgbClr r="0" g="0" b="0"/>
+      </a:effectRef>
+      <a:fontRef idx="minor"/>
+    </dgm:style>
+  </dgm:styleLbl>
+  <dgm:styleLbl name="solidAlignAcc1">
+    <dgm:scene3d>
+      <a:camera prst="orthographicFront"/>
+      <a:lightRig rig="threePt" dir="t"/>
+    </dgm:scene3d>
+    <dgm:sp3d/>
+    <dgm:txPr/>
+    <dgm:style>
+      <a:lnRef idx="2">
+        <a:scrgbClr r="0" g="0" b="0"/>
+      </a:lnRef>
+      <a:fillRef idx="1">
+        <a:scrgbClr r="0" g="0" b="0"/>
+      </a:fillRef>
+      <a:effectRef idx="0">
+        <a:scrgbClr r="0" g="0" b="0"/>
+      </a:effectRef>
+      <a:fontRef idx="minor"/>
+    </dgm:style>
+  </dgm:styleLbl>
+  <dgm:styleLbl name="solidBgAcc1">
+    <dgm:scene3d>
+      <a:camera prst="orthographicFront"/>
+      <a:lightRig rig="threePt" dir="t"/>
+    </dgm:scene3d>
+    <dgm:sp3d/>
+    <dgm:txPr/>
+    <dgm:style>
+      <a:lnRef idx="2">
+        <a:scrgbClr r="0" g="0" b="0"/>
+      </a:lnRef>
+      <a:fillRef idx="1">
+        <a:scrgbClr r="0" g="0" b="0"/>
+      </a:fillRef>
+      <a:effectRef idx="0">
+        <a:scrgbClr r="0" g="0" b="0"/>
+      </a:effectRef>
+      <a:fontRef idx="minor"/>
+    </dgm:style>
+  </dgm:styleLbl>
+  <dgm:styleLbl name="fgAccFollowNode1">
+    <dgm:scene3d>
+      <a:camera prst="orthographicFront"/>
+      <a:lightRig rig="threePt" dir="t"/>
+    </dgm:scene3d>
+    <dgm:sp3d/>
+    <dgm:txPr/>
+    <dgm:style>
+      <a:lnRef idx="2">
+        <a:scrgbClr r="0" g="0" b="0"/>
+      </a:lnRef>
+      <a:fillRef idx="1">
+        <a:scrgbClr r="0" g="0" b="0"/>
+      </a:fillRef>
+      <a:effectRef idx="0">
+        <a:scrgbClr r="0" g="0" b="0"/>
+      </a:effectRef>
+      <a:fontRef idx="minor"/>
+    </dgm:style>
+  </dgm:styleLbl>
+  <dgm:styleLbl name="alignAccFollowNode1">
+    <dgm:scene3d>
+      <a:camera prst="orthographicFront"/>
+      <a:lightRig rig="threePt" dir="t"/>
+    </dgm:scene3d>
+    <dgm:sp3d/>
+    <dgm:txPr/>
+    <dgm:style>
+      <a:lnRef idx="2">
+        <a:scrgbClr r="0" g="0" b="0"/>
+      </a:lnRef>
+      <a:fillRef idx="1">
+        <a:scrgbClr r="0" g="0" b="0"/>
+      </a:fillRef>
+      <a:effectRef idx="0">
+        <a:scrgbClr r="0" g="0" b="0"/>
+      </a:effectRef>
+      <a:fontRef idx="minor"/>
+    </dgm:style>
+  </dgm:styleLbl>
+  <dgm:styleLbl name="bgAccFollowNode1">
+    <dgm:scene3d>
+      <a:camera prst="orthographicFront"/>
+      <a:lightRig rig="threePt" dir="t"/>
+    </dgm:scene3d>
+    <dgm:sp3d/>
+    <dgm:txPr/>
+    <dgm:style>
+      <a:lnRef idx="2">
+        <a:scrgbClr r="0" g="0" b="0"/>
+      </a:lnRef>
+      <a:fillRef idx="1">
+        <a:scrgbClr r="0" g="0" b="0"/>
+      </a:fillRef>
+      <a:effectRef idx="0">
+        <a:scrgbClr r="0" g="0" b="0"/>
+      </a:effectRef>
+      <a:fontRef idx="minor"/>
+    </dgm:style>
+  </dgm:styleLbl>
+  <dgm:styleLbl name="fgAcc0">
+    <dgm:scene3d>
+      <a:camera prst="orthographicFront"/>
+      <a:lightRig rig="threePt" dir="t"/>
+    </dgm:scene3d>
+    <dgm:sp3d/>
+    <dgm:txPr/>
+    <dgm:style>
+      <a:lnRef idx="2">
+        <a:scrgbClr r="0" g="0" b="0"/>
+      </a:lnRef>
+      <a:fillRef idx="1">
+        <a:scrgbClr r="0" g="0" b="0"/>
+      </a:fillRef>
+      <a:effectRef idx="0">
+        <a:scrgbClr r="0" g="0" b="0"/>
+      </a:effectRef>
+      <a:fontRef idx="minor"/>
+    </dgm:style>
+  </dgm:styleLbl>
+  <dgm:styleLbl name="fgAcc2">
+    <dgm:scene3d>
+      <a:camera prst="orthographicFront"/>
+      <a:lightRig rig="threePt" dir="t"/>
+    </dgm:scene3d>
+    <dgm:sp3d/>
+    <dgm:txPr/>
+    <dgm:style>
+      <a:lnRef idx="2">
+        <a:scrgbClr r="0" g="0" b="0"/>
+      </a:lnRef>
+      <a:fillRef idx="1">
+        <a:scrgbClr r="0" g="0" b="0"/>
+      </a:fillRef>
+      <a:effectRef idx="0">
+        <a:scrgbClr r="0" g="0" b="0"/>
+      </a:effectRef>
+      <a:fontRef idx="minor"/>
+    </dgm:style>
+  </dgm:styleLbl>
+  <dgm:styleLbl name="fgAcc3">
+    <dgm:scene3d>
+      <a:camera prst="orthographicFront"/>
+      <a:lightRig rig="threePt" dir="t"/>
+    </dgm:scene3d>
+    <dgm:sp3d/>
+    <dgm:txPr/>
+    <dgm:style>
+      <a:lnRef idx="2">
+        <a:scrgbClr r="0" g="0" b="0"/>
+      </a:lnRef>
+      <a:fillRef idx="1">
+        <a:scrgbClr r="0" g="0" b="0"/>
+      </a:fillRef>
+      <a:effectRef idx="0">
+        <a:scrgbClr r="0" g="0" b="0"/>
+      </a:effectRef>
+      <a:fontRef idx="minor"/>
+    </dgm:style>
+  </dgm:styleLbl>
+  <dgm:styleLbl name="fgAcc4">
+    <dgm:scene3d>
+      <a:camera prst="orthographicFront"/>
+      <a:lightRig rig="threePt" dir="t"/>
+    </dgm:scene3d>
+    <dgm:sp3d/>
+    <dgm:txPr/>
+    <dgm:style>
+      <a:lnRef idx="2">
+        <a:scrgbClr r="0" g="0" b="0"/>
+      </a:lnRef>
+      <a:fillRef idx="1">
+        <a:scrgbClr r="0" g="0" b="0"/>
+      </a:fillRef>
+      <a:effectRef idx="0">
+        <a:scrgbClr r="0" g="0" b="0"/>
+      </a:effectRef>
+      <a:fontRef idx="minor"/>
+    </dgm:style>
+  </dgm:styleLbl>
+  <dgm:styleLbl name="bgShp">
+    <dgm:scene3d>
+      <a:camera prst="orthographicFront"/>
+      <a:lightRig rig="threePt" dir="t"/>
+    </dgm:scene3d>
+    <dgm:sp3d/>
+    <dgm:txPr/>
+    <dgm:style>
+      <a:lnRef idx="0">
+        <a:scrgbClr r="0" g="0" b="0"/>
+      </a:lnRef>
+      <a:fillRef idx="1">
+        <a:scrgbClr r="0" g="0" b="0"/>
+      </a:fillRef>
+      <a:effectRef idx="0">
+        <a:scrgbClr r="0" g="0" b="0"/>
+      </a:effectRef>
+      <a:fontRef idx="minor"/>
+    </dgm:style>
+  </dgm:styleLbl>
+  <dgm:styleLbl name="dkBgShp">
+    <dgm:scene3d>
+      <a:camera prst="orthographicFront"/>
+      <a:lightRig rig="threePt" dir="t"/>
+    </dgm:scene3d>
+    <dgm:sp3d/>
+    <dgm:txPr/>
+    <dgm:style>
+      <a:lnRef idx="0">
+        <a:scrgbClr r="0" g="0" b="0"/>
+      </a:lnRef>
+      <a:fillRef idx="1">
+        <a:scrgbClr r="0" g="0" b="0"/>
+      </a:fillRef>
+      <a:effectRef idx="0">
+        <a:scrgbClr r="0" g="0" b="0"/>
+      </a:effectRef>
+      <a:fontRef idx="minor"/>
+    </dgm:style>
+  </dgm:styleLbl>
+  <dgm:styleLbl name="trBgShp">
+    <dgm:scene3d>
+      <a:camera prst="orthographicFront"/>
+      <a:lightRig rig="threePt" dir="t"/>
+    </dgm:scene3d>
+    <dgm:sp3d/>
+    <dgm:txPr/>
+    <dgm:style>
+      <a:lnRef idx="0">
+        <a:scrgbClr r="0" g="0" b="0"/>
+      </a:lnRef>
+      <a:fillRef idx="1">
+        <a:scrgbClr r="0" g="0" b="0"/>
+      </a:fillRef>
+      <a:effectRef idx="0">
+        <a:scrgbClr r="0" g="0" b="0"/>
+      </a:effectRef>
+      <a:fontRef idx="minor"/>
+    </dgm:style>
+  </dgm:styleLbl>
+  <dgm:styleLbl name="fgShp">
+    <dgm:scene3d>
+      <a:camera prst="orthographicFront"/>
+      <a:lightRig rig="threePt" dir="t"/>
+    </dgm:scene3d>
+    <dgm:sp3d/>
+    <dgm:txPr/>
+    <dgm:style>
+      <a:lnRef idx="2">
+        <a:scrgbClr r="0" g="0" b="0"/>
+      </a:lnRef>
+      <a:fillRef idx="1">
+        <a:scrgbClr r="0" g="0" b="0"/>
+      </a:fillRef>
+      <a:effectRef idx="0">
+        <a:scrgbClr r="0" g="0" b="0"/>
+      </a:effectRef>
+      <a:fontRef idx="minor"/>
+    </dgm:style>
+  </dgm:styleLbl>
+  <dgm:styleLbl name="revTx">
+    <dgm:scene3d>
+      <a:camera prst="orthographicFront"/>
+      <a:lightRig rig="threePt" dir="t"/>
+    </dgm:scene3d>
+    <dgm:sp3d/>
+    <dgm:txPr/>
+    <dgm:style>
+      <a:lnRef idx="0">
+        <a:scrgbClr r="0" g="0" b="0"/>
+      </a:lnRef>
+      <a:fillRef idx="0">
+        <a:scrgbClr r="0" g="0" b="0"/>
+      </a:fillRef>
+      <a:effectRef idx="0">
+        <a:scrgbClr r="0" g="0" b="0"/>
+      </a:effectRef>
+      <a:fontRef idx="minor"/>
+    </dgm:style>
+  </dgm:styleLbl>
+</dgm:styleDef>
+</file>
+
+<file path=ppt/diagrams/quickStyle5.xml><?xml version="1.0" encoding="utf-8"?>
+<dgm:styleDef xmlns:dgm="http://schemas.openxmlformats.org/drawingml/2006/diagram" xmlns:a="http://schemas.openxmlformats.org/drawingml/2006/main" uniqueId="urn:microsoft.com/office/officeart/2005/8/quickstyle/simple1">
+  <dgm:title val=""/>
+  <dgm:desc val=""/>
+  <dgm:catLst>
+    <dgm:cat type="simple" pri="10100"/>
+  </dgm:catLst>
+  <dgm:scene3d>
+    <a:camera prst="orthographicFront"/>
+    <a:lightRig rig="threePt" dir="t"/>
+  </dgm:scene3d>
+  <dgm:styleLbl name="node0">
+    <dgm:scene3d>
+      <a:camera prst="orthographicFront"/>
+      <a:lightRig rig="threePt" dir="t"/>
+    </dgm:scene3d>
+    <dgm:sp3d/>
+    <dgm:txPr/>
+    <dgm:style>
+      <a:lnRef idx="2">
+        <a:scrgbClr r="0" g="0" b="0"/>
+      </a:lnRef>
+      <a:fillRef idx="1">
+        <a:scrgbClr r="0" g="0" b="0"/>
+      </a:fillRef>
+      <a:effectRef idx="0">
+        <a:scrgbClr r="0" g="0" b="0"/>
+      </a:effectRef>
+      <a:fontRef idx="minor">
+        <a:schemeClr val="lt1"/>
+      </a:fontRef>
+    </dgm:style>
+  </dgm:styleLbl>
+  <dgm:styleLbl name="lnNode1">
+    <dgm:scene3d>
+      <a:camera prst="orthographicFront"/>
+      <a:lightRig rig="threePt" dir="t"/>
+    </dgm:scene3d>
+    <dgm:sp3d/>
+    <dgm:txPr/>
+    <dgm:style>
+      <a:lnRef idx="2">
+        <a:scrgbClr r="0" g="0" b="0"/>
+      </a:lnRef>
+      <a:fillRef idx="1">
+        <a:scrgbClr r="0" g="0" b="0"/>
+      </a:fillRef>
+      <a:effectRef idx="0">
+        <a:scrgbClr r="0" g="0" b="0"/>
+      </a:effectRef>
+      <a:fontRef idx="minor">
+        <a:schemeClr val="lt1"/>
+      </a:fontRef>
+    </dgm:style>
+  </dgm:styleLbl>
+  <dgm:styleLbl name="vennNode1">
+    <dgm:scene3d>
+      <a:camera prst="orthographicFront"/>
+      <a:lightRig rig="threePt" dir="t"/>
+    </dgm:scene3d>
+    <dgm:sp3d/>
+    <dgm:txPr/>
+    <dgm:style>
+      <a:lnRef idx="2">
+        <a:scrgbClr r="0" g="0" b="0"/>
+      </a:lnRef>
+      <a:fillRef idx="1">
+        <a:scrgbClr r="0" g="0" b="0"/>
+      </a:fillRef>
+      <a:effectRef idx="0">
+        <a:scrgbClr r="0" g="0" b="0"/>
+      </a:effectRef>
+      <a:fontRef idx="minor">
+        <a:schemeClr val="tx1"/>
+      </a:fontRef>
+    </dgm:style>
+  </dgm:styleLbl>
+  <dgm:styleLbl name="alignNode1">
+    <dgm:scene3d>
+      <a:camera prst="orthographicFront"/>
+      <a:lightRig rig="threePt" dir="t"/>
+    </dgm:scene3d>
+    <dgm:sp3d/>
+    <dgm:txPr/>
+    <dgm:style>
+      <a:lnRef idx="2">
+        <a:scrgbClr r="0" g="0" b="0"/>
+      </a:lnRef>
+      <a:fillRef idx="1">
+        <a:scrgbClr r="0" g="0" b="0"/>
+      </a:fillRef>
+      <a:effectRef idx="0">
+        <a:scrgbClr r="0" g="0" b="0"/>
+      </a:effectRef>
+      <a:fontRef idx="minor">
+        <a:schemeClr val="lt1"/>
+      </a:fontRef>
+    </dgm:style>
+  </dgm:styleLbl>
+  <dgm:styleLbl name="node1">
+    <dgm:scene3d>
+      <a:camera prst="orthographicFront"/>
+      <a:lightRig rig="threePt" dir="t"/>
+    </dgm:scene3d>
+    <dgm:sp3d/>
+    <dgm:txPr/>
+    <dgm:style>
+      <a:lnRef idx="2">
+        <a:scrgbClr r="0" g="0" b="0"/>
+      </a:lnRef>
+      <a:fillRef idx="1">
+        <a:scrgbClr r="0" g="0" b="0"/>
+      </a:fillRef>
+      <a:effectRef idx="0">
+        <a:scrgbClr r="0" g="0" b="0"/>
+      </a:effectRef>
+      <a:fontRef idx="minor">
+        <a:schemeClr val="lt1"/>
+      </a:fontRef>
+    </dgm:style>
+  </dgm:styleLbl>
+  <dgm:styleLbl name="node2">
+    <dgm:scene3d>
+      <a:camera prst="orthographicFront"/>
+      <a:lightRig rig="threePt" dir="t"/>
+    </dgm:scene3d>
+    <dgm:sp3d/>
+    <dgm:txPr/>
+    <dgm:style>
+      <a:lnRef idx="2">
+        <a:scrgbClr r="0" g="0" b="0"/>
+      </a:lnRef>
+      <a:fillRef idx="1">
+        <a:scrgbClr r="0" g="0" b="0"/>
+      </a:fillRef>
+      <a:effectRef idx="0">
+        <a:scrgbClr r="0" g="0" b="0"/>
+      </a:effectRef>
+      <a:fontRef idx="minor">
+        <a:schemeClr val="lt1"/>
+      </a:fontRef>
+    </dgm:style>
+  </dgm:styleLbl>
+  <dgm:styleLbl name="node3">
+    <dgm:scene3d>
+      <a:camera prst="orthographicFront"/>
+      <a:lightRig rig="threePt" dir="t"/>
+    </dgm:scene3d>
+    <dgm:sp3d/>
+    <dgm:txPr/>
+    <dgm:style>
+      <a:lnRef idx="2">
+        <a:scrgbClr r="0" g="0" b="0"/>
+      </a:lnRef>
+      <a:fillRef idx="1">
+        <a:scrgbClr r="0" g="0" b="0"/>
+      </a:fillRef>
+      <a:effectRef idx="0">
+        <a:scrgbClr r="0" g="0" b="0"/>
+      </a:effectRef>
+      <a:fontRef idx="minor">
+        <a:schemeClr val="lt1"/>
+      </a:fontRef>
+    </dgm:style>
+  </dgm:styleLbl>
+  <dgm:styleLbl name="node4">
+    <dgm:scene3d>
+      <a:camera prst="orthographicFront"/>
+      <a:lightRig rig="threePt" dir="t"/>
+    </dgm:scene3d>
+    <dgm:sp3d/>
+    <dgm:txPr/>
+    <dgm:style>
+      <a:lnRef idx="2">
+        <a:scrgbClr r="0" g="0" b="0"/>
+      </a:lnRef>
+      <a:fillRef idx="1">
+        <a:scrgbClr r="0" g="0" b="0"/>
+      </a:fillRef>
+      <a:effectRef idx="0">
+        <a:scrgbClr r="0" g="0" b="0"/>
+      </a:effectRef>
+      <a:fontRef idx="minor">
+        <a:schemeClr val="lt1"/>
+      </a:fontRef>
+    </dgm:style>
+  </dgm:styleLbl>
+  <dgm:styleLbl name="fgImgPlace1">
+    <dgm:scene3d>
+      <a:camera prst="orthographicFront"/>
+      <a:lightRig rig="threePt" dir="t"/>
+    </dgm:scene3d>
+    <dgm:sp3d/>
+    <dgm:txPr/>
+    <dgm:style>
+      <a:lnRef idx="2">
+        <a:scrgbClr r="0" g="0" b="0"/>
+      </a:lnRef>
+      <a:fillRef idx="1">
+        <a:scrgbClr r="0" g="0" b="0"/>
+      </a:fillRef>
+      <a:effectRef idx="0">
+        <a:scrgbClr r="0" g="0" b="0"/>
+      </a:effectRef>
+      <a:fontRef idx="minor"/>
+    </dgm:style>
+  </dgm:styleLbl>
+  <dgm:styleLbl name="alignImgPlace1">
+    <dgm:scene3d>
+      <a:camera prst="orthographicFront"/>
+      <a:lightRig rig="threePt" dir="t"/>
+    </dgm:scene3d>
+    <dgm:sp3d/>
+    <dgm:txPr/>
+    <dgm:style>
+      <a:lnRef idx="2">
+        <a:scrgbClr r="0" g="0" b="0"/>
+      </a:lnRef>
+      <a:fillRef idx="1">
+        <a:scrgbClr r="0" g="0" b="0"/>
+      </a:fillRef>
+      <a:effectRef idx="0">
+        <a:scrgbClr r="0" g="0" b="0"/>
+      </a:effectRef>
+      <a:fontRef idx="minor"/>
+    </dgm:style>
+  </dgm:styleLbl>
+  <dgm:styleLbl name="bgImgPlace1">
+    <dgm:scene3d>
+      <a:camera prst="orthographicFront"/>
+      <a:lightRig rig="threePt" dir="t"/>
+    </dgm:scene3d>
+    <dgm:sp3d/>
+    <dgm:txPr/>
+    <dgm:style>
+      <a:lnRef idx="2">
+        <a:scrgbClr r="0" g="0" b="0"/>
+      </a:lnRef>
+      <a:fillRef idx="1">
+        <a:scrgbClr r="0" g="0" b="0"/>
+      </a:fillRef>
+      <a:effectRef idx="0">
+        <a:scrgbClr r="0" g="0" b="0"/>
+      </a:effectRef>
+      <a:fontRef idx="minor"/>
+    </dgm:style>
+  </dgm:styleLbl>
+  <dgm:styleLbl name="sibTrans2D1">
+    <dgm:scene3d>
+      <a:camera prst="orthographicFront"/>
+      <a:lightRig rig="threePt" dir="t"/>
+    </dgm:scene3d>
+    <dgm:sp3d/>
+    <dgm:txPr/>
+    <dgm:style>
+      <a:lnRef idx="0">
+        <a:scrgbClr r="0" g="0" b="0"/>
+      </a:lnRef>
+      <a:fillRef idx="1">
+        <a:scrgbClr r="0" g="0" b="0"/>
+      </a:fillRef>
+      <a:effectRef idx="0">
+        <a:scrgbClr r="0" g="0" b="0"/>
+      </a:effectRef>
+      <a:fontRef idx="minor">
+        <a:schemeClr val="lt1"/>
+      </a:fontRef>
+    </dgm:style>
+  </dgm:styleLbl>
+  <dgm:styleLbl name="fgSibTrans2D1">
+    <dgm:scene3d>
+      <a:camera prst="orthographicFront"/>
+      <a:lightRig rig="threePt" dir="t"/>
+    </dgm:scene3d>
+    <dgm:sp3d/>
+    <dgm:txPr/>
+    <dgm:style>
+      <a:lnRef idx="0">
+        <a:scrgbClr r="0" g="0" b="0"/>
+      </a:lnRef>
+      <a:fillRef idx="1">
+        <a:scrgbClr r="0" g="0" b="0"/>
+      </a:fillRef>
+      <a:effectRef idx="0">
+        <a:scrgbClr r="0" g="0" b="0"/>
+      </a:effectRef>
+      <a:fontRef idx="minor">
+        <a:schemeClr val="lt1"/>
+      </a:fontRef>
+    </dgm:style>
+  </dgm:styleLbl>
+  <dgm:styleLbl name="bgSibTrans2D1">
+    <dgm:scene3d>
+      <a:camera prst="orthographicFront"/>
+      <a:lightRig rig="threePt" dir="t"/>
+    </dgm:scene3d>
+    <dgm:sp3d/>
+    <dgm:txPr/>
+    <dgm:style>
+      <a:lnRef idx="0">
+        <a:scrgbClr r="0" g="0" b="0"/>
+      </a:lnRef>
+      <a:fillRef idx="1">
+        <a:scrgbClr r="0" g="0" b="0"/>
+      </a:fillRef>
+      <a:effectRef idx="0">
+        <a:scrgbClr r="0" g="0" b="0"/>
+      </a:effectRef>
+      <a:fontRef idx="minor">
+        <a:schemeClr val="lt1"/>
+      </a:fontRef>
+    </dgm:style>
+  </dgm:styleLbl>
+  <dgm:styleLbl name="sibTrans1D1">
+    <dgm:scene3d>
+      <a:camera prst="orthographicFront"/>
+      <a:lightRig rig="threePt" dir="t"/>
+    </dgm:scene3d>
+    <dgm:sp3d/>
+    <dgm:txPr/>
+    <dgm:style>
+      <a:lnRef idx="1">
+        <a:scrgbClr r="0" g="0" b="0"/>
+      </a:lnRef>
+      <a:fillRef idx="0">
+        <a:scrgbClr r="0" g="0" b="0"/>
+      </a:fillRef>
+      <a:effectRef idx="0">
+        <a:scrgbClr r="0" g="0" b="0"/>
+      </a:effectRef>
+      <a:fontRef idx="minor"/>
+    </dgm:style>
+  </dgm:styleLbl>
+  <dgm:styleLbl name="callout">
+    <dgm:scene3d>
+      <a:camera prst="orthographicFront"/>
+      <a:lightRig rig="threePt" dir="t"/>
+    </dgm:scene3d>
+    <dgm:sp3d/>
+    <dgm:txPr/>
+    <dgm:style>
+      <a:lnRef idx="2">
+        <a:scrgbClr r="0" g="0" b="0"/>
+      </a:lnRef>
+      <a:fillRef idx="1">
+        <a:scrgbClr r="0" g="0" b="0"/>
+      </a:fillRef>
+      <a:effectRef idx="0">
+        <a:scrgbClr r="0" g="0" b="0"/>
+      </a:effectRef>
+      <a:fontRef idx="minor"/>
+    </dgm:style>
+  </dgm:styleLbl>
+  <dgm:styleLbl name="asst0">
+    <dgm:scene3d>
+      <a:camera prst="orthographicFront"/>
+      <a:lightRig rig="threePt" dir="t"/>
+    </dgm:scene3d>
+    <dgm:sp3d/>
+    <dgm:txPr/>
+    <dgm:style>
+      <a:lnRef idx="2">
+        <a:scrgbClr r="0" g="0" b="0"/>
+      </a:lnRef>
+      <a:fillRef idx="1">
+        <a:scrgbClr r="0" g="0" b="0"/>
+      </a:fillRef>
+      <a:effectRef idx="0">
+        <a:scrgbClr r="0" g="0" b="0"/>
+      </a:effectRef>
+      <a:fontRef idx="minor">
+        <a:schemeClr val="lt1"/>
+      </a:fontRef>
+    </dgm:style>
+  </dgm:styleLbl>
+  <dgm:styleLbl name="asst1">
+    <dgm:scene3d>
+      <a:camera prst="orthographicFront"/>
+      <a:lightRig rig="threePt" dir="t"/>
+    </dgm:scene3d>
+    <dgm:sp3d/>
+    <dgm:txPr/>
+    <dgm:style>
+      <a:lnRef idx="2">
+        <a:scrgbClr r="0" g="0" b="0"/>
+      </a:lnRef>
+      <a:fillRef idx="1">
+        <a:scrgbClr r="0" g="0" b="0"/>
+      </a:fillRef>
+      <a:effectRef idx="0">
+        <a:scrgbClr r="0" g="0" b="0"/>
+      </a:effectRef>
+      <a:fontRef idx="minor">
+        <a:schemeClr val="lt1"/>
+      </a:fontRef>
+    </dgm:style>
+  </dgm:styleLbl>
+  <dgm:styleLbl name="asst2">
+    <dgm:scene3d>
+      <a:camera prst="orthographicFront"/>
+      <a:lightRig rig="threePt" dir="t"/>
+    </dgm:scene3d>
+    <dgm:sp3d/>
+    <dgm:txPr/>
+    <dgm:style>
+      <a:lnRef idx="2">
+        <a:scrgbClr r="0" g="0" b="0"/>
+      </a:lnRef>
+      <a:fillRef idx="1">
+        <a:scrgbClr r="0" g="0" b="0"/>
+      </a:fillRef>
+      <a:effectRef idx="0">
+        <a:scrgbClr r="0" g="0" b="0"/>
+      </a:effectRef>
+      <a:fontRef idx="minor">
+        <a:schemeClr val="lt1"/>
+      </a:fontRef>
+    </dgm:style>
+  </dgm:styleLbl>
+  <dgm:styleLbl name="asst3">
+    <dgm:scene3d>
+      <a:camera prst="orthographicFront"/>
+      <a:lightRig rig="threePt" dir="t"/>
+    </dgm:scene3d>
+    <dgm:sp3d/>
+    <dgm:txPr/>
+    <dgm:style>
+      <a:lnRef idx="2">
+        <a:scrgbClr r="0" g="0" b="0"/>
+      </a:lnRef>
+      <a:fillRef idx="1">
+        <a:scrgbClr r="0" g="0" b="0"/>
+      </a:fillRef>
+      <a:effectRef idx="0">
+        <a:scrgbClr r="0" g="0" b="0"/>
+      </a:effectRef>
+      <a:fontRef idx="minor">
+        <a:schemeClr val="lt1"/>
+      </a:fontRef>
+    </dgm:style>
+  </dgm:styleLbl>
+  <dgm:styleLbl name="asst4">
+    <dgm:scene3d>
+      <a:camera prst="orthographicFront"/>
+      <a:lightRig rig="threePt" dir="t"/>
+    </dgm:scene3d>
+    <dgm:sp3d/>
+    <dgm:txPr/>
+    <dgm:style>
+      <a:lnRef idx="2">
+        <a:scrgbClr r="0" g="0" b="0"/>
+      </a:lnRef>
+      <a:fillRef idx="1">
+        <a:scrgbClr r="0" g="0" b="0"/>
+      </a:fillRef>
+      <a:effectRef idx="0">
+        <a:scrgbClr r="0" g="0" b="0"/>
+      </a:effectRef>
+      <a:fontRef idx="minor">
+        <a:schemeClr val="lt1"/>
+      </a:fontRef>
+    </dgm:style>
+  </dgm:styleLbl>
+  <dgm:styleLbl name="parChTrans2D1">
+    <dgm:scene3d>
+      <a:camera prst="orthographicFront"/>
+      <a:lightRig rig="threePt" dir="t"/>
+    </dgm:scene3d>
+    <dgm:sp3d/>
+    <dgm:txPr/>
+    <dgm:style>
+      <a:lnRef idx="2">
+        <a:scrgbClr r="0" g="0" b="0"/>
+      </a:lnRef>
+      <a:fillRef idx="1">
+        <a:scrgbClr r="0" g="0" b="0"/>
+      </a:fillRef>
+      <a:effectRef idx="0">
+        <a:scrgbClr r="0" g="0" b="0"/>
+      </a:effectRef>
+      <a:fontRef idx="minor">
+        <a:schemeClr val="lt1"/>
+      </a:fontRef>
+    </dgm:style>
+  </dgm:styleLbl>
+  <dgm:styleLbl name="parChTrans2D2">
+    <dgm:scene3d>
+      <a:camera prst="orthographicFront"/>
+      <a:lightRig rig="threePt" dir="t"/>
+    </dgm:scene3d>
+    <dgm:sp3d/>
+    <dgm:txPr/>
+    <dgm:style>
+      <a:lnRef idx="2">
+        <a:scrgbClr r="0" g="0" b="0"/>
+      </a:lnRef>
+      <a:fillRef idx="1">
+        <a:scrgbClr r="0" g="0" b="0"/>
+      </a:fillRef>
+      <a:effectRef idx="0">
+        <a:scrgbClr r="0" g="0" b="0"/>
+      </a:effectRef>
+      <a:fontRef idx="minor">
+        <a:schemeClr val="lt1"/>
+      </a:fontRef>
+    </dgm:style>
+  </dgm:styleLbl>
+  <dgm:styleLbl name="parChTrans2D3">
+    <dgm:scene3d>
+      <a:camera prst="orthographicFront"/>
+      <a:lightRig rig="threePt" dir="t"/>
+    </dgm:scene3d>
+    <dgm:sp3d/>
+    <dgm:txPr/>
+    <dgm:style>
+      <a:lnRef idx="2">
+        <a:scrgbClr r="0" g="0" b="0"/>
+      </a:lnRef>
+      <a:fillRef idx="1">
+        <a:scrgbClr r="0" g="0" b="0"/>
+      </a:fillRef>
+      <a:effectRef idx="0">
+        <a:scrgbClr r="0" g="0" b="0"/>
+      </a:effectRef>
+      <a:fontRef idx="minor">
+        <a:schemeClr val="lt1"/>
+      </a:fontRef>
+    </dgm:style>
+  </dgm:styleLbl>
+  <dgm:styleLbl name="parChTrans2D4">
+    <dgm:scene3d>
+      <a:camera prst="orthographicFront"/>
+      <a:lightRig rig="threePt" dir="t"/>
+    </dgm:scene3d>
+    <dgm:sp3d/>
+    <dgm:txPr/>
+    <dgm:style>
+      <a:lnRef idx="2">
+        <a:scrgbClr r="0" g="0" b="0"/>
+      </a:lnRef>
+      <a:fillRef idx="1">
+        <a:scrgbClr r="0" g="0" b="0"/>
+      </a:fillRef>
+      <a:effectRef idx="0">
+        <a:scrgbClr r="0" g="0" b="0"/>
+      </a:effectRef>
+      <a:fontRef idx="minor">
+        <a:schemeClr val="lt1"/>
+      </a:fontRef>
+    </dgm:style>
+  </dgm:styleLbl>
+  <dgm:styleLbl name="parChTrans1D1">
+    <dgm:scene3d>
+      <a:camera prst="orthographicFront"/>
+      <a:lightRig rig="threePt" dir="t"/>
+    </dgm:scene3d>
+    <dgm:sp3d/>
+    <dgm:txPr/>
+    <dgm:style>
+      <a:lnRef idx="2">
+        <a:scrgbClr r="0" g="0" b="0"/>
+      </a:lnRef>
+      <a:fillRef idx="0">
+        <a:scrgbClr r="0" g="0" b="0"/>
+      </a:fillRef>
+      <a:effectRef idx="0">
+        <a:scrgbClr r="0" g="0" b="0"/>
+      </a:effectRef>
+      <a:fontRef idx="minor"/>
+    </dgm:style>
+  </dgm:styleLbl>
+  <dgm:styleLbl name="parChTrans1D2">
+    <dgm:scene3d>
+      <a:camera prst="orthographicFront"/>
+      <a:lightRig rig="threePt" dir="t"/>
+    </dgm:scene3d>
+    <dgm:sp3d/>
+    <dgm:txPr/>
+    <dgm:style>
+      <a:lnRef idx="2">
+        <a:scrgbClr r="0" g="0" b="0"/>
+      </a:lnRef>
+      <a:fillRef idx="0">
+        <a:scrgbClr r="0" g="0" b="0"/>
+      </a:fillRef>
+      <a:effectRef idx="0">
+        <a:scrgbClr r="0" g="0" b="0"/>
+      </a:effectRef>
+      <a:fontRef idx="minor"/>
+    </dgm:style>
+  </dgm:styleLbl>
+  <dgm:styleLbl name="parChTrans1D3">
+    <dgm:scene3d>
+      <a:camera prst="orthographicFront"/>
+      <a:lightRig rig="threePt" dir="t"/>
+    </dgm:scene3d>
+    <dgm:sp3d/>
+    <dgm:txPr/>
+    <dgm:style>
+      <a:lnRef idx="2">
+        <a:scrgbClr r="0" g="0" b="0"/>
+      </a:lnRef>
+      <a:fillRef idx="0">
+        <a:scrgbClr r="0" g="0" b="0"/>
+      </a:fillRef>
+      <a:effectRef idx="0">
+        <a:scrgbClr r="0" g="0" b="0"/>
+      </a:effectRef>
+      <a:fontRef idx="minor"/>
+    </dgm:style>
+  </dgm:styleLbl>
+  <dgm:styleLbl name="parChTrans1D4">
+    <dgm:scene3d>
+      <a:camera prst="orthographicFront"/>
+      <a:lightRig rig="threePt" dir="t"/>
+    </dgm:scene3d>
+    <dgm:sp3d/>
+    <dgm:txPr/>
+    <dgm:style>
+      <a:lnRef idx="2">
+        <a:scrgbClr r="0" g="0" b="0"/>
+      </a:lnRef>
+      <a:fillRef idx="0">
+        <a:scrgbClr r="0" g="0" b="0"/>
+      </a:fillRef>
+      <a:effectRef idx="0">
+        <a:scrgbClr r="0" g="0" b="0"/>
+      </a:effectRef>
+      <a:fontRef idx="minor"/>
+    </dgm:style>
+  </dgm:styleLbl>
+  <dgm:styleLbl name="fgAcc1">
+    <dgm:scene3d>
+      <a:camera prst="orthographicFront"/>
+      <a:lightRig rig="threePt" dir="t"/>
+    </dgm:scene3d>
+    <dgm:sp3d/>
+    <dgm:txPr/>
+    <dgm:style>
+      <a:lnRef idx="2">
+        <a:scrgbClr r="0" g="0" b="0"/>
+      </a:lnRef>
+      <a:fillRef idx="1">
+        <a:scrgbClr r="0" g="0" b="0"/>
+      </a:fillRef>
+      <a:effectRef idx="0">
+        <a:scrgbClr r="0" g="0" b="0"/>
+      </a:effectRef>
+      <a:fontRef idx="minor"/>
+    </dgm:style>
+  </dgm:styleLbl>
+  <dgm:styleLbl name="conFgAcc1">
+    <dgm:scene3d>
+      <a:camera prst="orthographicFront"/>
+      <a:lightRig rig="threePt" dir="t"/>
+    </dgm:scene3d>
+    <dgm:sp3d/>
+    <dgm:txPr/>
+    <dgm:style>
+      <a:lnRef idx="2">
+        <a:scrgbClr r="0" g="0" b="0"/>
+      </a:lnRef>
+      <a:fillRef idx="1">
+        <a:scrgbClr r="0" g="0" b="0"/>
+      </a:fillRef>
+      <a:effectRef idx="0">
+        <a:scrgbClr r="0" g="0" b="0"/>
+      </a:effectRef>
+      <a:fontRef idx="minor"/>
+    </dgm:style>
+  </dgm:styleLbl>
+  <dgm:styleLbl name="alignAcc1">
+    <dgm:scene3d>
+      <a:camera prst="orthographicFront"/>
+      <a:lightRig rig="threePt" dir="t"/>
+    </dgm:scene3d>
+    <dgm:sp3d/>
+    <dgm:txPr/>
+    <dgm:style>
+      <a:lnRef idx="2">
+        <a:scrgbClr r="0" g="0" b="0"/>
+      </a:lnRef>
+      <a:fillRef idx="1">
+        <a:scrgbClr r="0" g="0" b="0"/>
+      </a:fillRef>
+      <a:effectRef idx="0">
+        <a:scrgbClr r="0" g="0" b="0"/>
+      </a:effectRef>
+      <a:fontRef idx="minor"/>
+    </dgm:style>
+  </dgm:styleLbl>
+  <dgm:styleLbl name="trAlignAcc1">
+    <dgm:scene3d>
+      <a:camera prst="orthographicFront"/>
+      <a:lightRig rig="threePt" dir="t"/>
+    </dgm:scene3d>
+    <dgm:sp3d/>
+    <dgm:txPr/>
+    <dgm:style>
+      <a:lnRef idx="1">
+        <a:scrgbClr r="0" g="0" b="0"/>
+      </a:lnRef>
+      <a:fillRef idx="1">
+        <a:scrgbClr r="0" g="0" b="0"/>
+      </a:fillRef>
+      <a:effectRef idx="0">
+        <a:scrgbClr r="0" g="0" b="0"/>
+      </a:effectRef>
+      <a:fontRef idx="minor"/>
+    </dgm:style>
+  </dgm:styleLbl>
+  <dgm:styleLbl name="bgAcc1">
+    <dgm:scene3d>
+      <a:camera prst="orthographicFront"/>
+      <a:lightRig rig="threePt" dir="t"/>
+    </dgm:scene3d>
+    <dgm:sp3d/>
+    <dgm:txPr/>
+    <dgm:style>
+      <a:lnRef idx="2">
+        <a:scrgbClr r="0" g="0" b="0"/>
+      </a:lnRef>
+      <a:fillRef idx="1">
+        <a:scrgbClr r="0" g="0" b="0"/>
+      </a:fillRef>
+      <a:effectRef idx="0">
+        <a:scrgbClr r="0" g="0" b="0"/>
+      </a:effectRef>
+      <a:fontRef idx="minor"/>
+    </dgm:style>
+  </dgm:styleLbl>
+  <dgm:styleLbl name="solidFgAcc1">
+    <dgm:scene3d>
+      <a:camera prst="orthographicFront"/>
+      <a:lightRig rig="threePt" dir="t"/>
+    </dgm:scene3d>
+    <dgm:sp3d/>
+    <dgm:txPr/>
+    <dgm:style>
+      <a:lnRef idx="2">
+        <a:scrgbClr r="0" g="0" b="0"/>
+      </a:lnRef>
+      <a:fillRef idx="1">
+        <a:scrgbClr r="0" g="0" b="0"/>
+      </a:fillRef>
+      <a:effectRef idx="0">
+        <a:scrgbClr r="0" g="0" b="0"/>
+      </a:effectRef>
+      <a:fontRef idx="minor"/>
+    </dgm:style>
+  </dgm:styleLbl>
+  <dgm:styleLbl name="solidAlignAcc1">
+    <dgm:scene3d>
+      <a:camera prst="orthographicFront"/>
+      <a:lightRig rig="threePt" dir="t"/>
+    </dgm:scene3d>
+    <dgm:sp3d/>
+    <dgm:txPr/>
+    <dgm:style>
+      <a:lnRef idx="2">
+        <a:scrgbClr r="0" g="0" b="0"/>
+      </a:lnRef>
+      <a:fillRef idx="1">
+        <a:scrgbClr r="0" g="0" b="0"/>
+      </a:fillRef>
+      <a:effectRef idx="0">
+        <a:scrgbClr r="0" g="0" b="0"/>
+      </a:effectRef>
+      <a:fontRef idx="minor"/>
+    </dgm:style>
+  </dgm:styleLbl>
+  <dgm:styleLbl name="solidBgAcc1">
+    <dgm:scene3d>
+      <a:camera prst="orthographicFront"/>
+      <a:lightRig rig="threePt" dir="t"/>
+    </dgm:scene3d>
+    <dgm:sp3d/>
+    <dgm:txPr/>
+    <dgm:style>
+      <a:lnRef idx="2">
+        <a:scrgbClr r="0" g="0" b="0"/>
+      </a:lnRef>
+      <a:fillRef idx="1">
+        <a:scrgbClr r="0" g="0" b="0"/>
+      </a:fillRef>
+      <a:effectRef idx="0">
+        <a:scrgbClr r="0" g="0" b="0"/>
+      </a:effectRef>
+      <a:fontRef idx="minor"/>
+    </dgm:style>
+  </dgm:styleLbl>
+  <dgm:styleLbl name="fgAccFollowNode1">
+    <dgm:scene3d>
+      <a:camera prst="orthographicFront"/>
+      <a:lightRig rig="threePt" dir="t"/>
+    </dgm:scene3d>
+    <dgm:sp3d/>
+    <dgm:txPr/>
+    <dgm:style>
+      <a:lnRef idx="2">
+        <a:scrgbClr r="0" g="0" b="0"/>
+      </a:lnRef>
+      <a:fillRef idx="1">
+        <a:scrgbClr r="0" g="0" b="0"/>
+      </a:fillRef>
+      <a:effectRef idx="0">
+        <a:scrgbClr r="0" g="0" b="0"/>
+      </a:effectRef>
+      <a:fontRef idx="minor"/>
+    </dgm:style>
+  </dgm:styleLbl>
+  <dgm:styleLbl name="alignAccFollowNode1">
+    <dgm:scene3d>
+      <a:camera prst="orthographicFront"/>
+      <a:lightRig rig="threePt" dir="t"/>
+    </dgm:scene3d>
+    <dgm:sp3d/>
+    <dgm:txPr/>
+    <dgm:style>
+      <a:lnRef idx="2">
+        <a:scrgbClr r="0" g="0" b="0"/>
+      </a:lnRef>
+      <a:fillRef idx="1">
+        <a:scrgbClr r="0" g="0" b="0"/>
+      </a:fillRef>
+      <a:effectRef idx="0">
+        <a:scrgbClr r="0" g="0" b="0"/>
+      </a:effectRef>
+      <a:fontRef idx="minor"/>
+    </dgm:style>
+  </dgm:styleLbl>
+  <dgm:styleLbl name="bgAccFollowNode1">
+    <dgm:scene3d>
+      <a:camera prst="orthographicFront"/>
+      <a:lightRig rig="threePt" dir="t"/>
+    </dgm:scene3d>
+    <dgm:sp3d/>
+    <dgm:txPr/>
+    <dgm:style>
+      <a:lnRef idx="2">
+        <a:scrgbClr r="0" g="0" b="0"/>
+      </a:lnRef>
+      <a:fillRef idx="1">
+        <a:scrgbClr r="0" g="0" b="0"/>
+      </a:fillRef>
+      <a:effectRef idx="0">
+        <a:scrgbClr r="0" g="0" b="0"/>
+      </a:effectRef>
+      <a:fontRef idx="minor"/>
+    </dgm:style>
+  </dgm:styleLbl>
+  <dgm:styleLbl name="fgAcc0">
+    <dgm:scene3d>
+      <a:camera prst="orthographicFront"/>
+      <a:lightRig rig="threePt" dir="t"/>
+    </dgm:scene3d>
+    <dgm:sp3d/>
+    <dgm:txPr/>
+    <dgm:style>
+      <a:lnRef idx="2">
+        <a:scrgbClr r="0" g="0" b="0"/>
+      </a:lnRef>
+      <a:fillRef idx="1">
+        <a:scrgbClr r="0" g="0" b="0"/>
+      </a:fillRef>
+      <a:effectRef idx="0">
+        <a:scrgbClr r="0" g="0" b="0"/>
+      </a:effectRef>
+      <a:fontRef idx="minor"/>
+    </dgm:style>
+  </dgm:styleLbl>
+  <dgm:styleLbl name="fgAcc2">
+    <dgm:scene3d>
+      <a:camera prst="orthographicFront"/>
+      <a:lightRig rig="threePt" dir="t"/>
+    </dgm:scene3d>
+    <dgm:sp3d/>
+    <dgm:txPr/>
+    <dgm:style>
+      <a:lnRef idx="2">
+        <a:scrgbClr r="0" g="0" b="0"/>
+      </a:lnRef>
+      <a:fillRef idx="1">
+        <a:scrgbClr r="0" g="0" b="0"/>
+      </a:fillRef>
+      <a:effectRef idx="0">
+        <a:scrgbClr r="0" g="0" b="0"/>
+      </a:effectRef>
+      <a:fontRef idx="minor"/>
+    </dgm:style>
+  </dgm:styleLbl>
+  <dgm:styleLbl name="fgAcc3">
+    <dgm:scene3d>
+      <a:camera prst="orthographicFront"/>
+      <a:lightRig rig="threePt" dir="t"/>
+    </dgm:scene3d>
+    <dgm:sp3d/>
+    <dgm:txPr/>
+    <dgm:style>
+      <a:lnRef idx="2">
+        <a:scrgbClr r="0" g="0" b="0"/>
+      </a:lnRef>
+      <a:fillRef idx="1">
+        <a:scrgbClr r="0" g="0" b="0"/>
+      </a:fillRef>
+      <a:effectRef idx="0">
+        <a:scrgbClr r="0" g="0" b="0"/>
+      </a:effectRef>
+      <a:fontRef idx="minor"/>
+    </dgm:style>
+  </dgm:styleLbl>
+  <dgm:styleLbl name="fgAcc4">
+    <dgm:scene3d>
+      <a:camera prst="orthographicFront"/>
+      <a:lightRig rig="threePt" dir="t"/>
+    </dgm:scene3d>
+    <dgm:sp3d/>
+    <dgm:txPr/>
+    <dgm:style>
+      <a:lnRef idx="2">
+        <a:scrgbClr r="0" g="0" b="0"/>
+      </a:lnRef>
+      <a:fillRef idx="1">
+        <a:scrgbClr r="0" g="0" b="0"/>
+      </a:fillRef>
+      <a:effectRef idx="0">
+        <a:scrgbClr r="0" g="0" b="0"/>
+      </a:effectRef>
+      <a:fontRef idx="minor"/>
+    </dgm:style>
+  </dgm:styleLbl>
+  <dgm:styleLbl name="bgShp">
+    <dgm:scene3d>
+      <a:camera prst="orthographicFront"/>
+      <a:lightRig rig="threePt" dir="t"/>
+    </dgm:scene3d>
+    <dgm:sp3d/>
+    <dgm:txPr/>
+    <dgm:style>
+      <a:lnRef idx="0">
+        <a:scrgbClr r="0" g="0" b="0"/>
+      </a:lnRef>
+      <a:fillRef idx="1">
+        <a:scrgbClr r="0" g="0" b="0"/>
+      </a:fillRef>
+      <a:effectRef idx="0">
+        <a:scrgbClr r="0" g="0" b="0"/>
+      </a:effectRef>
+      <a:fontRef idx="minor"/>
+    </dgm:style>
+  </dgm:styleLbl>
+  <dgm:styleLbl name="dkBgShp">
+    <dgm:scene3d>
+      <a:camera prst="orthographicFront"/>
+      <a:lightRig rig="threePt" dir="t"/>
+    </dgm:scene3d>
+    <dgm:sp3d/>
+    <dgm:txPr/>
+    <dgm:style>
+      <a:lnRef idx="0">
+        <a:scrgbClr r="0" g="0" b="0"/>
+      </a:lnRef>
+      <a:fillRef idx="1">
+        <a:scrgbClr r="0" g="0" b="0"/>
+      </a:fillRef>
+      <a:effectRef idx="0">
+        <a:scrgbClr r="0" g="0" b="0"/>
+      </a:effectRef>
+      <a:fontRef idx="minor"/>
+    </dgm:style>
+  </dgm:styleLbl>
+  <dgm:styleLbl name="trBgShp">
+    <dgm:scene3d>
+      <a:camera prst="orthographicFront"/>
+      <a:lightRig rig="threePt" dir="t"/>
+    </dgm:scene3d>
+    <dgm:sp3d/>
+    <dgm:txPr/>
+    <dgm:style>
+      <a:lnRef idx="0">
+        <a:scrgbClr r="0" g="0" b="0"/>
+      </a:lnRef>
+      <a:fillRef idx="1">
+        <a:scrgbClr r="0" g="0" b="0"/>
+      </a:fillRef>
+      <a:effectRef idx="0">
+        <a:scrgbClr r="0" g="0" b="0"/>
+      </a:effectRef>
+      <a:fontRef idx="minor"/>
+    </dgm:style>
+  </dgm:styleLbl>
+  <dgm:styleLbl name="fgShp">
+    <dgm:scene3d>
+      <a:camera prst="orthographicFront"/>
+      <a:lightRig rig="threePt" dir="t"/>
+    </dgm:scene3d>
+    <dgm:sp3d/>
+    <dgm:txPr/>
+    <dgm:style>
+      <a:lnRef idx="2">
+        <a:scrgbClr r="0" g="0" b="0"/>
+      </a:lnRef>
+      <a:fillRef idx="1">
+        <a:scrgbClr r="0" g="0" b="0"/>
+      </a:fillRef>
+      <a:effectRef idx="0">
+        <a:scrgbClr r="0" g="0" b="0"/>
+      </a:effectRef>
+      <a:fontRef idx="minor"/>
+    </dgm:style>
+  </dgm:styleLbl>
+  <dgm:styleLbl name="revTx">
+    <dgm:scene3d>
+      <a:camera prst="orthographicFront"/>
+      <a:lightRig rig="threePt" dir="t"/>
+    </dgm:scene3d>
+    <dgm:sp3d/>
+    <dgm:txPr/>
+    <dgm:style>
+      <a:lnRef idx="0">
+        <a:scrgbClr r="0" g="0" b="0"/>
+      </a:lnRef>
+      <a:fillRef idx="0">
+        <a:scrgbClr r="0" g="0" b="0"/>
+      </a:fillRef>
+      <a:effectRef idx="0">
+        <a:scrgbClr r="0" g="0" b="0"/>
+      </a:effectRef>
+      <a:fontRef idx="minor"/>
+    </dgm:style>
+  </dgm:styleLbl>
+</dgm:styleDef>
+</file>
+
+<file path=ppt/diagrams/quickStyle6.xml><?xml version="1.0" encoding="utf-8"?>
 <dgm:styleDef xmlns:dgm="http://schemas.openxmlformats.org/drawingml/2006/diagram" xmlns:a="http://schemas.openxmlformats.org/drawingml/2006/main" uniqueId="urn:microsoft.com/office/officeart/2005/8/quickstyle/simple1">
   <dgm:title val=""/>
   <dgm:desc val=""/>
@@ -17468,6 +24272,122 @@
 </p:sld>
 </file>
 
+<file path=ppt/slides/slide5.xml><?xml version="1.0" encoding="utf-8"?>
+<p:sld xmlns:a="http://schemas.openxmlformats.org/drawingml/2006/main" xmlns:r="http://schemas.openxmlformats.org/officeDocument/2006/relationships" xmlns:p="http://schemas.openxmlformats.org/presentationml/2006/main">
+  <p:cSld>
+    <p:spTree>
+      <p:nvGrpSpPr>
+        <p:cNvPr id="1" name=""/>
+        <p:cNvGrpSpPr/>
+        <p:nvPr/>
+      </p:nvGrpSpPr>
+      <p:grpSpPr>
+        <a:xfrm>
+          <a:off x="0" y="0"/>
+          <a:ext cx="0" cy="0"/>
+          <a:chOff x="0" y="0"/>
+          <a:chExt cx="0" cy="0"/>
+        </a:xfrm>
+      </p:grpSpPr>
+      <p:graphicFrame>
+        <p:nvGraphicFramePr>
+          <p:cNvPr id="6" name="Diagram 5">
+            <a:extLst>
+              <a:ext uri="{FF2B5EF4-FFF2-40B4-BE49-F238E27FC236}">
+                <a16:creationId xmlns:a16="http://schemas.microsoft.com/office/drawing/2014/main" id="{BCC160AF-2C60-4B0F-B745-D8B025CEB7F2}"/>
+              </a:ext>
+            </a:extLst>
+          </p:cNvPr>
+          <p:cNvGraphicFramePr/>
+          <p:nvPr>
+            <p:extLst>
+              <p:ext uri="{D42A27DB-BD31-4B8C-83A1-F6EECF244321}">
+                <p14:modId xmlns:p14="http://schemas.microsoft.com/office/powerpoint/2010/main" val="859034398"/>
+              </p:ext>
+            </p:extLst>
+          </p:nvPr>
+        </p:nvGraphicFramePr>
+        <p:xfrm>
+          <a:off x="2032000" y="719666"/>
+          <a:ext cx="8128000" cy="5418667"/>
+        </p:xfrm>
+        <a:graphic>
+          <a:graphicData uri="http://schemas.openxmlformats.org/drawingml/2006/diagram">
+            <dgm:relIds xmlns:dgm="http://schemas.openxmlformats.org/drawingml/2006/diagram" xmlns:r="http://schemas.openxmlformats.org/officeDocument/2006/relationships" r:dm="rId2" r:lo="rId3" r:qs="rId4" r:cs="rId5"/>
+          </a:graphicData>
+        </a:graphic>
+      </p:graphicFrame>
+    </p:spTree>
+    <p:extLst>
+      <p:ext uri="{BB962C8B-B14F-4D97-AF65-F5344CB8AC3E}">
+        <p14:creationId xmlns:p14="http://schemas.microsoft.com/office/powerpoint/2010/main" val="2694244416"/>
+      </p:ext>
+    </p:extLst>
+  </p:cSld>
+  <p:clrMapOvr>
+    <a:masterClrMapping/>
+  </p:clrMapOvr>
+</p:sld>
+</file>
+
+<file path=ppt/slides/slide6.xml><?xml version="1.0" encoding="utf-8"?>
+<p:sld xmlns:a="http://schemas.openxmlformats.org/drawingml/2006/main" xmlns:r="http://schemas.openxmlformats.org/officeDocument/2006/relationships" xmlns:p="http://schemas.openxmlformats.org/presentationml/2006/main">
+  <p:cSld>
+    <p:spTree>
+      <p:nvGrpSpPr>
+        <p:cNvPr id="1" name=""/>
+        <p:cNvGrpSpPr/>
+        <p:nvPr/>
+      </p:nvGrpSpPr>
+      <p:grpSpPr>
+        <a:xfrm>
+          <a:off x="0" y="0"/>
+          <a:ext cx="0" cy="0"/>
+          <a:chOff x="0" y="0"/>
+          <a:chExt cx="0" cy="0"/>
+        </a:xfrm>
+      </p:grpSpPr>
+      <p:graphicFrame>
+        <p:nvGraphicFramePr>
+          <p:cNvPr id="6" name="Diagram 5">
+            <a:extLst>
+              <a:ext uri="{FF2B5EF4-FFF2-40B4-BE49-F238E27FC236}">
+                <a16:creationId xmlns:a16="http://schemas.microsoft.com/office/drawing/2014/main" id="{BCC160AF-2C60-4B0F-B745-D8B025CEB7F2}"/>
+              </a:ext>
+            </a:extLst>
+          </p:cNvPr>
+          <p:cNvGraphicFramePr/>
+          <p:nvPr>
+            <p:extLst>
+              <p:ext uri="{D42A27DB-BD31-4B8C-83A1-F6EECF244321}">
+                <p14:modId xmlns:p14="http://schemas.microsoft.com/office/powerpoint/2010/main" val="3483884371"/>
+              </p:ext>
+            </p:extLst>
+          </p:nvPr>
+        </p:nvGraphicFramePr>
+        <p:xfrm>
+          <a:off x="2032000" y="719666"/>
+          <a:ext cx="8128000" cy="5418667"/>
+        </p:xfrm>
+        <a:graphic>
+          <a:graphicData uri="http://schemas.openxmlformats.org/drawingml/2006/diagram">
+            <dgm:relIds xmlns:dgm="http://schemas.openxmlformats.org/drawingml/2006/diagram" xmlns:r="http://schemas.openxmlformats.org/officeDocument/2006/relationships" r:dm="rId2" r:lo="rId3" r:qs="rId4" r:cs="rId5"/>
+          </a:graphicData>
+        </a:graphic>
+      </p:graphicFrame>
+    </p:spTree>
+    <p:extLst>
+      <p:ext uri="{BB962C8B-B14F-4D97-AF65-F5344CB8AC3E}">
+        <p14:creationId xmlns:p14="http://schemas.microsoft.com/office/powerpoint/2010/main" val="3989963938"/>
+      </p:ext>
+    </p:extLst>
+  </p:cSld>
+  <p:clrMapOvr>
+    <a:masterClrMapping/>
+  </p:clrMapOvr>
+</p:sld>
+</file>
+
 <file path=ppt/theme/theme1.xml><?xml version="1.0" encoding="utf-8"?>
 <a:theme xmlns:a="http://schemas.openxmlformats.org/drawingml/2006/main" name="Office Theme">
   <a:themeElements>

--- a/graphics/Workflow.pptx
+++ b/graphics/Workflow.pptx
@@ -5122,6 +5122,13 @@
         </dgm:presLayoutVars>
       </dgm:prSet>
       <dgm:spPr/>
+      <dgm:t>
+        <a:bodyPr/>
+        <a:lstStyle/>
+        <a:p>
+          <a:endParaRPr lang="en-US"/>
+        </a:p>
+      </dgm:t>
     </dgm:pt>
     <dgm:pt modelId="{4D46CCB9-E0D7-49E4-8700-7CE19FB27C88}" type="pres">
       <dgm:prSet presAssocID="{15A2342C-342E-4AF1-ABFE-6D641BAF41A1}" presName="composite" presStyleCnt="0"/>
@@ -5135,6 +5142,13 @@
         </dgm:presLayoutVars>
       </dgm:prSet>
       <dgm:spPr/>
+      <dgm:t>
+        <a:bodyPr/>
+        <a:lstStyle/>
+        <a:p>
+          <a:endParaRPr lang="en-US"/>
+        </a:p>
+      </dgm:t>
     </dgm:pt>
     <dgm:pt modelId="{5FDFAD45-BE3A-42C7-96F9-147D175477B9}" type="pres">
       <dgm:prSet presAssocID="{15A2342C-342E-4AF1-ABFE-6D641BAF41A1}" presName="descendantText" presStyleLbl="alignAcc1" presStyleIdx="0" presStyleCnt="3">
@@ -5143,6 +5157,13 @@
         </dgm:presLayoutVars>
       </dgm:prSet>
       <dgm:spPr/>
+      <dgm:t>
+        <a:bodyPr/>
+        <a:lstStyle/>
+        <a:p>
+          <a:endParaRPr lang="en-US"/>
+        </a:p>
+      </dgm:t>
     </dgm:pt>
     <dgm:pt modelId="{0B93D529-6A78-4555-B1DB-9F922703E6C7}" type="pres">
       <dgm:prSet presAssocID="{3091C5B6-412E-4FA9-921C-1CCBB20FB078}" presName="sp" presStyleCnt="0"/>
@@ -5160,6 +5181,13 @@
         </dgm:presLayoutVars>
       </dgm:prSet>
       <dgm:spPr/>
+      <dgm:t>
+        <a:bodyPr/>
+        <a:lstStyle/>
+        <a:p>
+          <a:endParaRPr lang="en-US"/>
+        </a:p>
+      </dgm:t>
     </dgm:pt>
     <dgm:pt modelId="{3EE3D444-F1E2-4D81-B343-EEB78C9B7BC2}" type="pres">
       <dgm:prSet presAssocID="{A21E80E9-3E30-4727-979B-CC3F1A7A22C5}" presName="descendantText" presStyleLbl="alignAcc1" presStyleIdx="1" presStyleCnt="3">
@@ -5168,6 +5196,13 @@
         </dgm:presLayoutVars>
       </dgm:prSet>
       <dgm:spPr/>
+      <dgm:t>
+        <a:bodyPr/>
+        <a:lstStyle/>
+        <a:p>
+          <a:endParaRPr lang="en-US"/>
+        </a:p>
+      </dgm:t>
     </dgm:pt>
     <dgm:pt modelId="{56499CC1-1A65-4B3A-8A68-E81F41293563}" type="pres">
       <dgm:prSet presAssocID="{2E128CC8-58D8-49C7-B524-7F998825E08C}" presName="sp" presStyleCnt="0"/>
@@ -5185,6 +5220,13 @@
         </dgm:presLayoutVars>
       </dgm:prSet>
       <dgm:spPr/>
+      <dgm:t>
+        <a:bodyPr/>
+        <a:lstStyle/>
+        <a:p>
+          <a:endParaRPr lang="en-US"/>
+        </a:p>
+      </dgm:t>
     </dgm:pt>
     <dgm:pt modelId="{8FBC2C5D-9E47-4B2D-8CC0-0827ADC6EE57}" type="pres">
       <dgm:prSet presAssocID="{FDFD6E2B-DBAB-4056-BC28-C138724F0441}" presName="descendantText" presStyleLbl="alignAcc1" presStyleIdx="2" presStyleCnt="3">
@@ -5193,30 +5235,37 @@
         </dgm:presLayoutVars>
       </dgm:prSet>
       <dgm:spPr/>
+      <dgm:t>
+        <a:bodyPr/>
+        <a:lstStyle/>
+        <a:p>
+          <a:endParaRPr lang="en-US"/>
+        </a:p>
+      </dgm:t>
     </dgm:pt>
   </dgm:ptLst>
   <dgm:cxnLst>
+    <dgm:cxn modelId="{28F4B55F-1626-4A11-B2A3-6C5FBCF466EE}" type="presOf" srcId="{CBA4680F-B921-4539-96E8-73E248B26438}" destId="{5FDFAD45-BE3A-42C7-96F9-147D175477B9}" srcOrd="0" destOrd="0" presId="urn:microsoft.com/office/officeart/2005/8/layout/chevron2"/>
+    <dgm:cxn modelId="{890C6129-FED3-4F32-A1CE-803923CC13FB}" srcId="{B56C8652-49D2-40A6-9CA3-CE8DCF0946F5}" destId="{A21E80E9-3E30-4727-979B-CC3F1A7A22C5}" srcOrd="1" destOrd="0" parTransId="{5C40DCA5-A5ED-48F4-971B-7B525589E1B6}" sibTransId="{2E128CC8-58D8-49C7-B524-7F998825E08C}"/>
+    <dgm:cxn modelId="{CBE38C60-2AAF-4767-AECB-3298EFA7C80C}" type="presOf" srcId="{15A2342C-342E-4AF1-ABFE-6D641BAF41A1}" destId="{049C38D1-B597-49E9-8B00-78FB12FB25CF}" srcOrd="0" destOrd="0" presId="urn:microsoft.com/office/officeart/2005/8/layout/chevron2"/>
+    <dgm:cxn modelId="{E914BB3B-B500-4A5E-9DB8-004BB6465C45}" type="presOf" srcId="{F13B17A0-86C6-45C8-A1A1-58051CE11C6F}" destId="{5FDFAD45-BE3A-42C7-96F9-147D175477B9}" srcOrd="0" destOrd="2" presId="urn:microsoft.com/office/officeart/2005/8/layout/chevron2"/>
+    <dgm:cxn modelId="{82F94CF7-E0DE-440A-B1D1-883572629C8B}" type="presOf" srcId="{A21E80E9-3E30-4727-979B-CC3F1A7A22C5}" destId="{8EB604FD-2448-4F33-9F96-EAFE912047E9}" srcOrd="0" destOrd="0" presId="urn:microsoft.com/office/officeart/2005/8/layout/chevron2"/>
+    <dgm:cxn modelId="{02A4D1AF-EDD8-439D-A484-025FCC6A980C}" type="presOf" srcId="{8C104665-B997-48CE-83A4-95BF6FDE6B49}" destId="{5FDFAD45-BE3A-42C7-96F9-147D175477B9}" srcOrd="0" destOrd="3" presId="urn:microsoft.com/office/officeart/2005/8/layout/chevron2"/>
+    <dgm:cxn modelId="{98E93161-C30E-43AA-AF6B-299C6C6168AE}" srcId="{A21E80E9-3E30-4727-979B-CC3F1A7A22C5}" destId="{7251001A-0584-4766-A6D7-0E44BBBBDC12}" srcOrd="0" destOrd="0" parTransId="{FE219C25-7519-49A1-80FC-88DBD277BE7B}" sibTransId="{3A3E3377-B627-44C2-A026-04B55D885A13}"/>
+    <dgm:cxn modelId="{C42BD982-C504-4914-9E0C-E8ABC64B4230}" type="presOf" srcId="{C9116064-21A2-4229-B71C-C859A81DBAAF}" destId="{5FDFAD45-BE3A-42C7-96F9-147D175477B9}" srcOrd="0" destOrd="4" presId="urn:microsoft.com/office/officeart/2005/8/layout/chevron2"/>
+    <dgm:cxn modelId="{42A2C57A-441E-40C1-B0DD-ADED530A699C}" type="presOf" srcId="{958DC5F8-13C6-4060-9DA7-572015EE948E}" destId="{5FDFAD45-BE3A-42C7-96F9-147D175477B9}" srcOrd="0" destOrd="1" presId="urn:microsoft.com/office/officeart/2005/8/layout/chevron2"/>
+    <dgm:cxn modelId="{0326A130-63ED-4980-A431-4DB3F63EF895}" srcId="{15A2342C-342E-4AF1-ABFE-6D641BAF41A1}" destId="{958DC5F8-13C6-4060-9DA7-572015EE948E}" srcOrd="1" destOrd="0" parTransId="{92C2B2B2-DF39-4F92-9E36-6142C56C5522}" sibTransId="{BDE7F979-986D-43E2-824A-8A00B1EF1534}"/>
+    <dgm:cxn modelId="{26A054A0-1AB4-43B6-8F58-0FC6C712A2A4}" srcId="{15A2342C-342E-4AF1-ABFE-6D641BAF41A1}" destId="{CBA4680F-B921-4539-96E8-73E248B26438}" srcOrd="0" destOrd="0" parTransId="{CFA20A3C-0F95-4996-A60F-CD8C5D7EA0C8}" sibTransId="{66C95EC4-2BD0-44E1-98AF-5AEB75A287A4}"/>
+    <dgm:cxn modelId="{0AA7C964-F08A-434D-849D-CB60E50F510C}" type="presOf" srcId="{FDFD6E2B-DBAB-4056-BC28-C138724F0441}" destId="{0837024A-932D-4B89-A5B5-1646702B04D6}" srcOrd="0" destOrd="0" presId="urn:microsoft.com/office/officeart/2005/8/layout/chevron2"/>
+    <dgm:cxn modelId="{C1044540-A92A-40C4-BA69-87FED51784FA}" srcId="{15A2342C-342E-4AF1-ABFE-6D641BAF41A1}" destId="{8C104665-B997-48CE-83A4-95BF6FDE6B49}" srcOrd="3" destOrd="0" parTransId="{7736473E-7777-46AD-BAD9-D9CB0C1D99EF}" sibTransId="{840E658A-66F6-4286-8627-B78AF6905D03}"/>
+    <dgm:cxn modelId="{B9F397F0-7A59-4437-81F7-0BEB182623E3}" srcId="{FDFD6E2B-DBAB-4056-BC28-C138724F0441}" destId="{1693A56B-51EB-4EEE-B5A0-2587A76BB504}" srcOrd="0" destOrd="0" parTransId="{71605052-445C-4B49-9A4B-2DCF504AD115}" sibTransId="{84E281FA-B092-4FA8-A2AE-CFCEA05B4214}"/>
     <dgm:cxn modelId="{58890E05-AD91-4C6E-AFAF-1570690574EA}" type="presOf" srcId="{B56C8652-49D2-40A6-9CA3-CE8DCF0946F5}" destId="{142F673A-C255-456D-9E41-60A8F8DECB23}" srcOrd="0" destOrd="0" presId="urn:microsoft.com/office/officeart/2005/8/layout/chevron2"/>
-    <dgm:cxn modelId="{890C6129-FED3-4F32-A1CE-803923CC13FB}" srcId="{B56C8652-49D2-40A6-9CA3-CE8DCF0946F5}" destId="{A21E80E9-3E30-4727-979B-CC3F1A7A22C5}" srcOrd="1" destOrd="0" parTransId="{5C40DCA5-A5ED-48F4-971B-7B525589E1B6}" sibTransId="{2E128CC8-58D8-49C7-B524-7F998825E08C}"/>
-    <dgm:cxn modelId="{0326A130-63ED-4980-A431-4DB3F63EF895}" srcId="{15A2342C-342E-4AF1-ABFE-6D641BAF41A1}" destId="{958DC5F8-13C6-4060-9DA7-572015EE948E}" srcOrd="1" destOrd="0" parTransId="{92C2B2B2-DF39-4F92-9E36-6142C56C5522}" sibTransId="{BDE7F979-986D-43E2-824A-8A00B1EF1534}"/>
-    <dgm:cxn modelId="{E914BB3B-B500-4A5E-9DB8-004BB6465C45}" type="presOf" srcId="{F13B17A0-86C6-45C8-A1A1-58051CE11C6F}" destId="{5FDFAD45-BE3A-42C7-96F9-147D175477B9}" srcOrd="0" destOrd="2" presId="urn:microsoft.com/office/officeart/2005/8/layout/chevron2"/>
-    <dgm:cxn modelId="{C1044540-A92A-40C4-BA69-87FED51784FA}" srcId="{15A2342C-342E-4AF1-ABFE-6D641BAF41A1}" destId="{8C104665-B997-48CE-83A4-95BF6FDE6B49}" srcOrd="3" destOrd="0" parTransId="{7736473E-7777-46AD-BAD9-D9CB0C1D99EF}" sibTransId="{840E658A-66F6-4286-8627-B78AF6905D03}"/>
-    <dgm:cxn modelId="{28F4B55F-1626-4A11-B2A3-6C5FBCF466EE}" type="presOf" srcId="{CBA4680F-B921-4539-96E8-73E248B26438}" destId="{5FDFAD45-BE3A-42C7-96F9-147D175477B9}" srcOrd="0" destOrd="0" presId="urn:microsoft.com/office/officeart/2005/8/layout/chevron2"/>
-    <dgm:cxn modelId="{CBE38C60-2AAF-4767-AECB-3298EFA7C80C}" type="presOf" srcId="{15A2342C-342E-4AF1-ABFE-6D641BAF41A1}" destId="{049C38D1-B597-49E9-8B00-78FB12FB25CF}" srcOrd="0" destOrd="0" presId="urn:microsoft.com/office/officeart/2005/8/layout/chevron2"/>
-    <dgm:cxn modelId="{98E93161-C30E-43AA-AF6B-299C6C6168AE}" srcId="{A21E80E9-3E30-4727-979B-CC3F1A7A22C5}" destId="{7251001A-0584-4766-A6D7-0E44BBBBDC12}" srcOrd="0" destOrd="0" parTransId="{FE219C25-7519-49A1-80FC-88DBD277BE7B}" sibTransId="{3A3E3377-B627-44C2-A026-04B55D885A13}"/>
-    <dgm:cxn modelId="{0AA7C964-F08A-434D-849D-CB60E50F510C}" type="presOf" srcId="{FDFD6E2B-DBAB-4056-BC28-C138724F0441}" destId="{0837024A-932D-4B89-A5B5-1646702B04D6}" srcOrd="0" destOrd="0" presId="urn:microsoft.com/office/officeart/2005/8/layout/chevron2"/>
+    <dgm:cxn modelId="{EAC19F7A-4058-462D-BC2A-CCD988A0C013}" srcId="{15A2342C-342E-4AF1-ABFE-6D641BAF41A1}" destId="{C9116064-21A2-4229-B71C-C859A81DBAAF}" srcOrd="4" destOrd="0" parTransId="{8E91FA9C-B690-418C-9C39-9E36C456564E}" sibTransId="{BCBA8B8F-0B61-49A8-8D63-95CEF6D428EC}"/>
     <dgm:cxn modelId="{331E5267-3B46-40FC-807B-5869C9435943}" srcId="{B56C8652-49D2-40A6-9CA3-CE8DCF0946F5}" destId="{FDFD6E2B-DBAB-4056-BC28-C138724F0441}" srcOrd="2" destOrd="0" parTransId="{A185C7BD-8F3D-48FC-AACD-370FC7051347}" sibTransId="{2EAE1DED-33EB-4BB9-B279-4AEA7E7C396D}"/>
-    <dgm:cxn modelId="{EAC19F7A-4058-462D-BC2A-CCD988A0C013}" srcId="{15A2342C-342E-4AF1-ABFE-6D641BAF41A1}" destId="{C9116064-21A2-4229-B71C-C859A81DBAAF}" srcOrd="4" destOrd="0" parTransId="{8E91FA9C-B690-418C-9C39-9E36C456564E}" sibTransId="{BCBA8B8F-0B61-49A8-8D63-95CEF6D428EC}"/>
-    <dgm:cxn modelId="{42A2C57A-441E-40C1-B0DD-ADED530A699C}" type="presOf" srcId="{958DC5F8-13C6-4060-9DA7-572015EE948E}" destId="{5FDFAD45-BE3A-42C7-96F9-147D175477B9}" srcOrd="0" destOrd="1" presId="urn:microsoft.com/office/officeart/2005/8/layout/chevron2"/>
+    <dgm:cxn modelId="{473431EE-F39C-48EA-A045-B86C38621641}" srcId="{15A2342C-342E-4AF1-ABFE-6D641BAF41A1}" destId="{F13B17A0-86C6-45C8-A1A1-58051CE11C6F}" srcOrd="2" destOrd="0" parTransId="{B2B47FC7-5958-4A44-A4CE-453C0A0BC836}" sibTransId="{82F0F7A3-3707-4B24-8D7E-99D069D182AB}"/>
+    <dgm:cxn modelId="{86D5B1B6-FC3B-40C9-B662-895EFF0C484F}" type="presOf" srcId="{1693A56B-51EB-4EEE-B5A0-2587A76BB504}" destId="{8FBC2C5D-9E47-4B2D-8CC0-0827ADC6EE57}" srcOrd="0" destOrd="0" presId="urn:microsoft.com/office/officeart/2005/8/layout/chevron2"/>
     <dgm:cxn modelId="{FD15FF7D-7615-413A-936D-840A88CEEF81}" type="presOf" srcId="{7251001A-0584-4766-A6D7-0E44BBBBDC12}" destId="{3EE3D444-F1E2-4D81-B343-EEB78C9B7BC2}" srcOrd="0" destOrd="0" presId="urn:microsoft.com/office/officeart/2005/8/layout/chevron2"/>
-    <dgm:cxn modelId="{C42BD982-C504-4914-9E0C-E8ABC64B4230}" type="presOf" srcId="{C9116064-21A2-4229-B71C-C859A81DBAAF}" destId="{5FDFAD45-BE3A-42C7-96F9-147D175477B9}" srcOrd="0" destOrd="4" presId="urn:microsoft.com/office/officeart/2005/8/layout/chevron2"/>
     <dgm:cxn modelId="{2A878A9C-A599-4E25-8F35-179342BC54EF}" srcId="{B56C8652-49D2-40A6-9CA3-CE8DCF0946F5}" destId="{15A2342C-342E-4AF1-ABFE-6D641BAF41A1}" srcOrd="0" destOrd="0" parTransId="{3113E09E-2B5D-47FE-89F9-BC4D9A8CB38B}" sibTransId="{3091C5B6-412E-4FA9-921C-1CCBB20FB078}"/>
-    <dgm:cxn modelId="{26A054A0-1AB4-43B6-8F58-0FC6C712A2A4}" srcId="{15A2342C-342E-4AF1-ABFE-6D641BAF41A1}" destId="{CBA4680F-B921-4539-96E8-73E248B26438}" srcOrd="0" destOrd="0" parTransId="{CFA20A3C-0F95-4996-A60F-CD8C5D7EA0C8}" sibTransId="{66C95EC4-2BD0-44E1-98AF-5AEB75A287A4}"/>
-    <dgm:cxn modelId="{02A4D1AF-EDD8-439D-A484-025FCC6A980C}" type="presOf" srcId="{8C104665-B997-48CE-83A4-95BF6FDE6B49}" destId="{5FDFAD45-BE3A-42C7-96F9-147D175477B9}" srcOrd="0" destOrd="3" presId="urn:microsoft.com/office/officeart/2005/8/layout/chevron2"/>
-    <dgm:cxn modelId="{86D5B1B6-FC3B-40C9-B662-895EFF0C484F}" type="presOf" srcId="{1693A56B-51EB-4EEE-B5A0-2587A76BB504}" destId="{8FBC2C5D-9E47-4B2D-8CC0-0827ADC6EE57}" srcOrd="0" destOrd="0" presId="urn:microsoft.com/office/officeart/2005/8/layout/chevron2"/>
-    <dgm:cxn modelId="{473431EE-F39C-48EA-A045-B86C38621641}" srcId="{15A2342C-342E-4AF1-ABFE-6D641BAF41A1}" destId="{F13B17A0-86C6-45C8-A1A1-58051CE11C6F}" srcOrd="2" destOrd="0" parTransId="{B2B47FC7-5958-4A44-A4CE-453C0A0BC836}" sibTransId="{82F0F7A3-3707-4B24-8D7E-99D069D182AB}"/>
-    <dgm:cxn modelId="{B9F397F0-7A59-4437-81F7-0BEB182623E3}" srcId="{FDFD6E2B-DBAB-4056-BC28-C138724F0441}" destId="{1693A56B-51EB-4EEE-B5A0-2587A76BB504}" srcOrd="0" destOrd="0" parTransId="{71605052-445C-4B49-9A4B-2DCF504AD115}" sibTransId="{84E281FA-B092-4FA8-A2AE-CFCEA05B4214}"/>
-    <dgm:cxn modelId="{82F94CF7-E0DE-440A-B1D1-883572629C8B}" type="presOf" srcId="{A21E80E9-3E30-4727-979B-CC3F1A7A22C5}" destId="{8EB604FD-2448-4F33-9F96-EAFE912047E9}" srcOrd="0" destOrd="0" presId="urn:microsoft.com/office/officeart/2005/8/layout/chevron2"/>
     <dgm:cxn modelId="{13250355-16DD-4CD2-9C12-90DB9DA37F12}" type="presParOf" srcId="{142F673A-C255-456D-9E41-60A8F8DECB23}" destId="{4D46CCB9-E0D7-49E4-8700-7CE19FB27C88}" srcOrd="0" destOrd="0" presId="urn:microsoft.com/office/officeart/2005/8/layout/chevron2"/>
     <dgm:cxn modelId="{817BC056-467A-4A41-A953-E66324C2905D}" type="presParOf" srcId="{4D46CCB9-E0D7-49E4-8700-7CE19FB27C88}" destId="{049C38D1-B597-49E9-8B00-78FB12FB25CF}" srcOrd="0" destOrd="0" presId="urn:microsoft.com/office/officeart/2005/8/layout/chevron2"/>
     <dgm:cxn modelId="{9630092D-D071-4A9D-86C1-D2F2FD525441}" type="presParOf" srcId="{4D46CCB9-E0D7-49E4-8700-7CE19FB27C88}" destId="{5FDFAD45-BE3A-42C7-96F9-147D175477B9}" srcOrd="1" destOrd="0" presId="urn:microsoft.com/office/officeart/2005/8/layout/chevron2"/>
@@ -5950,6 +5999,13 @@
         </dgm:presLayoutVars>
       </dgm:prSet>
       <dgm:spPr/>
+      <dgm:t>
+        <a:bodyPr/>
+        <a:lstStyle/>
+        <a:p>
+          <a:endParaRPr lang="en-US"/>
+        </a:p>
+      </dgm:t>
     </dgm:pt>
     <dgm:pt modelId="{4D46CCB9-E0D7-49E4-8700-7CE19FB27C88}" type="pres">
       <dgm:prSet presAssocID="{15A2342C-342E-4AF1-ABFE-6D641BAF41A1}" presName="composite" presStyleCnt="0"/>
@@ -5963,6 +6019,13 @@
         </dgm:presLayoutVars>
       </dgm:prSet>
       <dgm:spPr/>
+      <dgm:t>
+        <a:bodyPr/>
+        <a:lstStyle/>
+        <a:p>
+          <a:endParaRPr lang="en-US"/>
+        </a:p>
+      </dgm:t>
     </dgm:pt>
     <dgm:pt modelId="{5FDFAD45-BE3A-42C7-96F9-147D175477B9}" type="pres">
       <dgm:prSet presAssocID="{15A2342C-342E-4AF1-ABFE-6D641BAF41A1}" presName="descendantText" presStyleLbl="alignAcc1" presStyleIdx="0" presStyleCnt="3" custScaleY="146752">
@@ -5971,6 +6034,13 @@
         </dgm:presLayoutVars>
       </dgm:prSet>
       <dgm:spPr/>
+      <dgm:t>
+        <a:bodyPr/>
+        <a:lstStyle/>
+        <a:p>
+          <a:endParaRPr lang="en-US"/>
+        </a:p>
+      </dgm:t>
     </dgm:pt>
     <dgm:pt modelId="{0B93D529-6A78-4555-B1DB-9F922703E6C7}" type="pres">
       <dgm:prSet presAssocID="{3091C5B6-412E-4FA9-921C-1CCBB20FB078}" presName="sp" presStyleCnt="0"/>
@@ -5988,6 +6058,13 @@
         </dgm:presLayoutVars>
       </dgm:prSet>
       <dgm:spPr/>
+      <dgm:t>
+        <a:bodyPr/>
+        <a:lstStyle/>
+        <a:p>
+          <a:endParaRPr lang="en-US"/>
+        </a:p>
+      </dgm:t>
     </dgm:pt>
     <dgm:pt modelId="{3EE3D444-F1E2-4D81-B343-EEB78C9B7BC2}" type="pres">
       <dgm:prSet presAssocID="{A21E80E9-3E30-4727-979B-CC3F1A7A22C5}" presName="descendantText" presStyleLbl="alignAcc1" presStyleIdx="1" presStyleCnt="3" custScaleY="62177">
@@ -5996,6 +6073,13 @@
         </dgm:presLayoutVars>
       </dgm:prSet>
       <dgm:spPr/>
+      <dgm:t>
+        <a:bodyPr/>
+        <a:lstStyle/>
+        <a:p>
+          <a:endParaRPr lang="en-US"/>
+        </a:p>
+      </dgm:t>
     </dgm:pt>
     <dgm:pt modelId="{56499CC1-1A65-4B3A-8A68-E81F41293563}" type="pres">
       <dgm:prSet presAssocID="{2E128CC8-58D8-49C7-B524-7F998825E08C}" presName="sp" presStyleCnt="0"/>
@@ -6013,6 +6097,13 @@
         </dgm:presLayoutVars>
       </dgm:prSet>
       <dgm:spPr/>
+      <dgm:t>
+        <a:bodyPr/>
+        <a:lstStyle/>
+        <a:p>
+          <a:endParaRPr lang="en-US"/>
+        </a:p>
+      </dgm:t>
     </dgm:pt>
     <dgm:pt modelId="{8FBC2C5D-9E47-4B2D-8CC0-0827ADC6EE57}" type="pres">
       <dgm:prSet presAssocID="{FDFD6E2B-DBAB-4056-BC28-C138724F0441}" presName="descendantText" presStyleLbl="alignAcc1" presStyleIdx="2" presStyleCnt="3">
@@ -6021,34 +6112,41 @@
         </dgm:presLayoutVars>
       </dgm:prSet>
       <dgm:spPr/>
+      <dgm:t>
+        <a:bodyPr/>
+        <a:lstStyle/>
+        <a:p>
+          <a:endParaRPr lang="en-US"/>
+        </a:p>
+      </dgm:t>
     </dgm:pt>
   </dgm:ptLst>
   <dgm:cxnLst>
-    <dgm:cxn modelId="{54E23B04-EBDA-49FD-A57B-ED784953900B}" type="presOf" srcId="{1B400580-387B-477D-B6CD-F03B562FFDEB}" destId="{5FDFAD45-BE3A-42C7-96F9-147D175477B9}" srcOrd="0" destOrd="4" presId="urn:microsoft.com/office/officeart/2005/8/layout/chevron2"/>
+    <dgm:cxn modelId="{568B338E-C01A-4183-B358-64ABEC2FA744}" srcId="{15A2342C-342E-4AF1-ABFE-6D641BAF41A1}" destId="{159996C0-C186-47AC-929E-A443A05B8EE2}" srcOrd="2" destOrd="0" parTransId="{9F097138-0FA0-4BE1-A055-212832A7FBA8}" sibTransId="{595A0788-22C0-4703-BEB9-875D76F2EC36}"/>
+    <dgm:cxn modelId="{F22C141A-69B6-40DE-A472-6626C4828479}" type="presOf" srcId="{E5914A3E-2FF2-4103-BB73-210968ACD4FF}" destId="{5FDFAD45-BE3A-42C7-96F9-147D175477B9}" srcOrd="0" destOrd="1" presId="urn:microsoft.com/office/officeart/2005/8/layout/chevron2"/>
+    <dgm:cxn modelId="{331E5267-3B46-40FC-807B-5869C9435943}" srcId="{B56C8652-49D2-40A6-9CA3-CE8DCF0946F5}" destId="{FDFD6E2B-DBAB-4056-BC28-C138724F0441}" srcOrd="2" destOrd="0" parTransId="{A185C7BD-8F3D-48FC-AACD-370FC7051347}" sibTransId="{2EAE1DED-33EB-4BB9-B279-4AEA7E7C396D}"/>
+    <dgm:cxn modelId="{98E93161-C30E-43AA-AF6B-299C6C6168AE}" srcId="{A21E80E9-3E30-4727-979B-CC3F1A7A22C5}" destId="{7251001A-0584-4766-A6D7-0E44BBBBDC12}" srcOrd="0" destOrd="0" parTransId="{FE219C25-7519-49A1-80FC-88DBD277BE7B}" sibTransId="{3A3E3377-B627-44C2-A026-04B55D885A13}"/>
+    <dgm:cxn modelId="{A697311E-22B0-4FFC-AF29-057B14ACB750}" srcId="{15A2342C-342E-4AF1-ABFE-6D641BAF41A1}" destId="{8CF37F4E-83B8-4FFC-BD35-CC471D511404}" srcOrd="3" destOrd="0" parTransId="{2F7622B6-0118-4188-B88B-704251D3E0DF}" sibTransId="{59AACFF3-A00E-43E9-B40C-86339226C464}"/>
+    <dgm:cxn modelId="{22CB0B06-577B-44AA-871D-7C89685CB994}" srcId="{FDFD6E2B-DBAB-4056-BC28-C138724F0441}" destId="{ED2CBCA3-C118-4300-8B50-F8AB498C3DE3}" srcOrd="1" destOrd="0" parTransId="{5B6B7A99-CBEC-4341-B419-E72AACBD5EAC}" sibTransId="{E02FD231-FF87-40B8-999F-E2705281C140}"/>
+    <dgm:cxn modelId="{A3194125-723F-473E-9D0F-658E28BBB962}" type="presOf" srcId="{8CF37F4E-83B8-4FFC-BD35-CC471D511404}" destId="{5FDFAD45-BE3A-42C7-96F9-147D175477B9}" srcOrd="0" destOrd="3" presId="urn:microsoft.com/office/officeart/2005/8/layout/chevron2"/>
+    <dgm:cxn modelId="{82F94CF7-E0DE-440A-B1D1-883572629C8B}" type="presOf" srcId="{A21E80E9-3E30-4727-979B-CC3F1A7A22C5}" destId="{8EB604FD-2448-4F33-9F96-EAFE912047E9}" srcOrd="0" destOrd="0" presId="urn:microsoft.com/office/officeart/2005/8/layout/chevron2"/>
+    <dgm:cxn modelId="{86D5B1B6-FC3B-40C9-B662-895EFF0C484F}" type="presOf" srcId="{1693A56B-51EB-4EEE-B5A0-2587A76BB504}" destId="{8FBC2C5D-9E47-4B2D-8CC0-0827ADC6EE57}" srcOrd="0" destOrd="0" presId="urn:microsoft.com/office/officeart/2005/8/layout/chevron2"/>
     <dgm:cxn modelId="{58890E05-AD91-4C6E-AFAF-1570690574EA}" type="presOf" srcId="{B56C8652-49D2-40A6-9CA3-CE8DCF0946F5}" destId="{142F673A-C255-456D-9E41-60A8F8DECB23}" srcOrd="0" destOrd="0" presId="urn:microsoft.com/office/officeart/2005/8/layout/chevron2"/>
-    <dgm:cxn modelId="{22CB0B06-577B-44AA-871D-7C89685CB994}" srcId="{FDFD6E2B-DBAB-4056-BC28-C138724F0441}" destId="{ED2CBCA3-C118-4300-8B50-F8AB498C3DE3}" srcOrd="1" destOrd="0" parTransId="{5B6B7A99-CBEC-4341-B419-E72AACBD5EAC}" sibTransId="{E02FD231-FF87-40B8-999F-E2705281C140}"/>
-    <dgm:cxn modelId="{F22C141A-69B6-40DE-A472-6626C4828479}" type="presOf" srcId="{E5914A3E-2FF2-4103-BB73-210968ACD4FF}" destId="{5FDFAD45-BE3A-42C7-96F9-147D175477B9}" srcOrd="0" destOrd="1" presId="urn:microsoft.com/office/officeart/2005/8/layout/chevron2"/>
-    <dgm:cxn modelId="{A697311E-22B0-4FFC-AF29-057B14ACB750}" srcId="{15A2342C-342E-4AF1-ABFE-6D641BAF41A1}" destId="{8CF37F4E-83B8-4FFC-BD35-CC471D511404}" srcOrd="3" destOrd="0" parTransId="{2F7622B6-0118-4188-B88B-704251D3E0DF}" sibTransId="{59AACFF3-A00E-43E9-B40C-86339226C464}"/>
-    <dgm:cxn modelId="{A3194125-723F-473E-9D0F-658E28BBB962}" type="presOf" srcId="{8CF37F4E-83B8-4FFC-BD35-CC471D511404}" destId="{5FDFAD45-BE3A-42C7-96F9-147D175477B9}" srcOrd="0" destOrd="3" presId="urn:microsoft.com/office/officeart/2005/8/layout/chevron2"/>
+    <dgm:cxn modelId="{B9F397F0-7A59-4437-81F7-0BEB182623E3}" srcId="{FDFD6E2B-DBAB-4056-BC28-C138724F0441}" destId="{1693A56B-51EB-4EEE-B5A0-2587A76BB504}" srcOrd="0" destOrd="0" parTransId="{71605052-445C-4B49-9A4B-2DCF504AD115}" sibTransId="{84E281FA-B092-4FA8-A2AE-CFCEA05B4214}"/>
+    <dgm:cxn modelId="{0AA7C964-F08A-434D-849D-CB60E50F510C}" type="presOf" srcId="{FDFD6E2B-DBAB-4056-BC28-C138724F0441}" destId="{0837024A-932D-4B89-A5B5-1646702B04D6}" srcOrd="0" destOrd="0" presId="urn:microsoft.com/office/officeart/2005/8/layout/chevron2"/>
+    <dgm:cxn modelId="{C16B3C40-8104-4248-9B16-0226FC236EFD}" type="presOf" srcId="{AE734D0A-6694-40AA-8661-A4F047D5E4D9}" destId="{5FDFAD45-BE3A-42C7-96F9-147D175477B9}" srcOrd="0" destOrd="5" presId="urn:microsoft.com/office/officeart/2005/8/layout/chevron2"/>
+    <dgm:cxn modelId="{91728458-F258-4C8F-99ED-30D1F4445A8A}" srcId="{15A2342C-342E-4AF1-ABFE-6D641BAF41A1}" destId="{E5914A3E-2FF2-4103-BB73-210968ACD4FF}" srcOrd="1" destOrd="0" parTransId="{3B473786-671B-4428-9483-DB6860F2E8A7}" sibTransId="{6594EE38-4CAC-4566-8527-BB2F0A086459}"/>
+    <dgm:cxn modelId="{771EF266-2DA7-4E41-A3AB-05E2E82547C1}" srcId="{15A2342C-342E-4AF1-ABFE-6D641BAF41A1}" destId="{1B400580-387B-477D-B6CD-F03B562FFDEB}" srcOrd="4" destOrd="0" parTransId="{5002C619-6CC7-4A97-88F7-753FD20E0C39}" sibTransId="{1F350EBD-C646-4C85-AAB7-6D20FDA364C5}"/>
+    <dgm:cxn modelId="{864443B7-827D-40CA-9151-FBD8FCDA144A}" srcId="{15A2342C-342E-4AF1-ABFE-6D641BAF41A1}" destId="{AE734D0A-6694-40AA-8661-A4F047D5E4D9}" srcOrd="5" destOrd="0" parTransId="{CCB97636-127D-4739-A837-C723B7836880}" sibTransId="{158A9BB4-6738-46A4-AC17-D8A26414D5F7}"/>
+    <dgm:cxn modelId="{CBE38C60-2AAF-4767-AECB-3298EFA7C80C}" type="presOf" srcId="{15A2342C-342E-4AF1-ABFE-6D641BAF41A1}" destId="{049C38D1-B597-49E9-8B00-78FB12FB25CF}" srcOrd="0" destOrd="0" presId="urn:microsoft.com/office/officeart/2005/8/layout/chevron2"/>
     <dgm:cxn modelId="{890C6129-FED3-4F32-A1CE-803923CC13FB}" srcId="{B56C8652-49D2-40A6-9CA3-CE8DCF0946F5}" destId="{A21E80E9-3E30-4727-979B-CC3F1A7A22C5}" srcOrd="1" destOrd="0" parTransId="{5C40DCA5-A5ED-48F4-971B-7B525589E1B6}" sibTransId="{2E128CC8-58D8-49C7-B524-7F998825E08C}"/>
-    <dgm:cxn modelId="{C16B3C40-8104-4248-9B16-0226FC236EFD}" type="presOf" srcId="{AE734D0A-6694-40AA-8661-A4F047D5E4D9}" destId="{5FDFAD45-BE3A-42C7-96F9-147D175477B9}" srcOrd="0" destOrd="5" presId="urn:microsoft.com/office/officeart/2005/8/layout/chevron2"/>
-    <dgm:cxn modelId="{3A1E4C5D-DEA7-4C78-9A3C-14BBD0CB60A8}" type="presOf" srcId="{159996C0-C186-47AC-929E-A443A05B8EE2}" destId="{5FDFAD45-BE3A-42C7-96F9-147D175477B9}" srcOrd="0" destOrd="2" presId="urn:microsoft.com/office/officeart/2005/8/layout/chevron2"/>
-    <dgm:cxn modelId="{28F4B55F-1626-4A11-B2A3-6C5FBCF466EE}" type="presOf" srcId="{CBA4680F-B921-4539-96E8-73E248B26438}" destId="{5FDFAD45-BE3A-42C7-96F9-147D175477B9}" srcOrd="0" destOrd="0" presId="urn:microsoft.com/office/officeart/2005/8/layout/chevron2"/>
-    <dgm:cxn modelId="{CBE38C60-2AAF-4767-AECB-3298EFA7C80C}" type="presOf" srcId="{15A2342C-342E-4AF1-ABFE-6D641BAF41A1}" destId="{049C38D1-B597-49E9-8B00-78FB12FB25CF}" srcOrd="0" destOrd="0" presId="urn:microsoft.com/office/officeart/2005/8/layout/chevron2"/>
-    <dgm:cxn modelId="{98E93161-C30E-43AA-AF6B-299C6C6168AE}" srcId="{A21E80E9-3E30-4727-979B-CC3F1A7A22C5}" destId="{7251001A-0584-4766-A6D7-0E44BBBBDC12}" srcOrd="0" destOrd="0" parTransId="{FE219C25-7519-49A1-80FC-88DBD277BE7B}" sibTransId="{3A3E3377-B627-44C2-A026-04B55D885A13}"/>
-    <dgm:cxn modelId="{0AA7C964-F08A-434D-849D-CB60E50F510C}" type="presOf" srcId="{FDFD6E2B-DBAB-4056-BC28-C138724F0441}" destId="{0837024A-932D-4B89-A5B5-1646702B04D6}" srcOrd="0" destOrd="0" presId="urn:microsoft.com/office/officeart/2005/8/layout/chevron2"/>
-    <dgm:cxn modelId="{771EF266-2DA7-4E41-A3AB-05E2E82547C1}" srcId="{15A2342C-342E-4AF1-ABFE-6D641BAF41A1}" destId="{1B400580-387B-477D-B6CD-F03B562FFDEB}" srcOrd="4" destOrd="0" parTransId="{5002C619-6CC7-4A97-88F7-753FD20E0C39}" sibTransId="{1F350EBD-C646-4C85-AAB7-6D20FDA364C5}"/>
-    <dgm:cxn modelId="{331E5267-3B46-40FC-807B-5869C9435943}" srcId="{B56C8652-49D2-40A6-9CA3-CE8DCF0946F5}" destId="{FDFD6E2B-DBAB-4056-BC28-C138724F0441}" srcOrd="2" destOrd="0" parTransId="{A185C7BD-8F3D-48FC-AACD-370FC7051347}" sibTransId="{2EAE1DED-33EB-4BB9-B279-4AEA7E7C396D}"/>
-    <dgm:cxn modelId="{91728458-F258-4C8F-99ED-30D1F4445A8A}" srcId="{15A2342C-342E-4AF1-ABFE-6D641BAF41A1}" destId="{E5914A3E-2FF2-4103-BB73-210968ACD4FF}" srcOrd="1" destOrd="0" parTransId="{3B473786-671B-4428-9483-DB6860F2E8A7}" sibTransId="{6594EE38-4CAC-4566-8527-BB2F0A086459}"/>
     <dgm:cxn modelId="{FD15FF7D-7615-413A-936D-840A88CEEF81}" type="presOf" srcId="{7251001A-0584-4766-A6D7-0E44BBBBDC12}" destId="{3EE3D444-F1E2-4D81-B343-EEB78C9B7BC2}" srcOrd="0" destOrd="0" presId="urn:microsoft.com/office/officeart/2005/8/layout/chevron2"/>
-    <dgm:cxn modelId="{568B338E-C01A-4183-B358-64ABEC2FA744}" srcId="{15A2342C-342E-4AF1-ABFE-6D641BAF41A1}" destId="{159996C0-C186-47AC-929E-A443A05B8EE2}" srcOrd="2" destOrd="0" parTransId="{9F097138-0FA0-4BE1-A055-212832A7FBA8}" sibTransId="{595A0788-22C0-4703-BEB9-875D76F2EC36}"/>
+    <dgm:cxn modelId="{B6519FAA-D129-4204-90AF-C489A014883B}" type="presOf" srcId="{ED2CBCA3-C118-4300-8B50-F8AB498C3DE3}" destId="{8FBC2C5D-9E47-4B2D-8CC0-0827ADC6EE57}" srcOrd="0" destOrd="1" presId="urn:microsoft.com/office/officeart/2005/8/layout/chevron2"/>
     <dgm:cxn modelId="{2A878A9C-A599-4E25-8F35-179342BC54EF}" srcId="{B56C8652-49D2-40A6-9CA3-CE8DCF0946F5}" destId="{15A2342C-342E-4AF1-ABFE-6D641BAF41A1}" srcOrd="0" destOrd="0" parTransId="{3113E09E-2B5D-47FE-89F9-BC4D9A8CB38B}" sibTransId="{3091C5B6-412E-4FA9-921C-1CCBB20FB078}"/>
     <dgm:cxn modelId="{26A054A0-1AB4-43B6-8F58-0FC6C712A2A4}" srcId="{15A2342C-342E-4AF1-ABFE-6D641BAF41A1}" destId="{CBA4680F-B921-4539-96E8-73E248B26438}" srcOrd="0" destOrd="0" parTransId="{CFA20A3C-0F95-4996-A60F-CD8C5D7EA0C8}" sibTransId="{66C95EC4-2BD0-44E1-98AF-5AEB75A287A4}"/>
-    <dgm:cxn modelId="{B6519FAA-D129-4204-90AF-C489A014883B}" type="presOf" srcId="{ED2CBCA3-C118-4300-8B50-F8AB498C3DE3}" destId="{8FBC2C5D-9E47-4B2D-8CC0-0827ADC6EE57}" srcOrd="0" destOrd="1" presId="urn:microsoft.com/office/officeart/2005/8/layout/chevron2"/>
-    <dgm:cxn modelId="{86D5B1B6-FC3B-40C9-B662-895EFF0C484F}" type="presOf" srcId="{1693A56B-51EB-4EEE-B5A0-2587A76BB504}" destId="{8FBC2C5D-9E47-4B2D-8CC0-0827ADC6EE57}" srcOrd="0" destOrd="0" presId="urn:microsoft.com/office/officeart/2005/8/layout/chevron2"/>
-    <dgm:cxn modelId="{864443B7-827D-40CA-9151-FBD8FCDA144A}" srcId="{15A2342C-342E-4AF1-ABFE-6D641BAF41A1}" destId="{AE734D0A-6694-40AA-8661-A4F047D5E4D9}" srcOrd="5" destOrd="0" parTransId="{CCB97636-127D-4739-A837-C723B7836880}" sibTransId="{158A9BB4-6738-46A4-AC17-D8A26414D5F7}"/>
-    <dgm:cxn modelId="{B9F397F0-7A59-4437-81F7-0BEB182623E3}" srcId="{FDFD6E2B-DBAB-4056-BC28-C138724F0441}" destId="{1693A56B-51EB-4EEE-B5A0-2587A76BB504}" srcOrd="0" destOrd="0" parTransId="{71605052-445C-4B49-9A4B-2DCF504AD115}" sibTransId="{84E281FA-B092-4FA8-A2AE-CFCEA05B4214}"/>
-    <dgm:cxn modelId="{82F94CF7-E0DE-440A-B1D1-883572629C8B}" type="presOf" srcId="{A21E80E9-3E30-4727-979B-CC3F1A7A22C5}" destId="{8EB604FD-2448-4F33-9F96-EAFE912047E9}" srcOrd="0" destOrd="0" presId="urn:microsoft.com/office/officeart/2005/8/layout/chevron2"/>
+    <dgm:cxn modelId="{28F4B55F-1626-4A11-B2A3-6C5FBCF466EE}" type="presOf" srcId="{CBA4680F-B921-4539-96E8-73E248B26438}" destId="{5FDFAD45-BE3A-42C7-96F9-147D175477B9}" srcOrd="0" destOrd="0" presId="urn:microsoft.com/office/officeart/2005/8/layout/chevron2"/>
+    <dgm:cxn modelId="{54E23B04-EBDA-49FD-A57B-ED784953900B}" type="presOf" srcId="{1B400580-387B-477D-B6CD-F03B562FFDEB}" destId="{5FDFAD45-BE3A-42C7-96F9-147D175477B9}" srcOrd="0" destOrd="4" presId="urn:microsoft.com/office/officeart/2005/8/layout/chevron2"/>
+    <dgm:cxn modelId="{3A1E4C5D-DEA7-4C78-9A3C-14BBD0CB60A8}" type="presOf" srcId="{159996C0-C186-47AC-929E-A443A05B8EE2}" destId="{5FDFAD45-BE3A-42C7-96F9-147D175477B9}" srcOrd="0" destOrd="2" presId="urn:microsoft.com/office/officeart/2005/8/layout/chevron2"/>
     <dgm:cxn modelId="{13250355-16DD-4CD2-9C12-90DB9DA37F12}" type="presParOf" srcId="{142F673A-C255-456D-9E41-60A8F8DECB23}" destId="{4D46CCB9-E0D7-49E4-8700-7CE19FB27C88}" srcOrd="0" destOrd="0" presId="urn:microsoft.com/office/officeart/2005/8/layout/chevron2"/>
     <dgm:cxn modelId="{817BC056-467A-4A41-A953-E66324C2905D}" type="presParOf" srcId="{4D46CCB9-E0D7-49E4-8700-7CE19FB27C88}" destId="{049C38D1-B597-49E9-8B00-78FB12FB25CF}" srcOrd="0" destOrd="0" presId="urn:microsoft.com/office/officeart/2005/8/layout/chevron2"/>
     <dgm:cxn modelId="{9630092D-D071-4A9D-86C1-D2F2FD525441}" type="presParOf" srcId="{4D46CCB9-E0D7-49E4-8700-7CE19FB27C88}" destId="{5FDFAD45-BE3A-42C7-96F9-147D175477B9}" srcOrd="1" destOrd="0" presId="urn:microsoft.com/office/officeart/2005/8/layout/chevron2"/>
@@ -6794,6 +6892,13 @@
         </dgm:presLayoutVars>
       </dgm:prSet>
       <dgm:spPr/>
+      <dgm:t>
+        <a:bodyPr/>
+        <a:lstStyle/>
+        <a:p>
+          <a:endParaRPr lang="en-US"/>
+        </a:p>
+      </dgm:t>
     </dgm:pt>
     <dgm:pt modelId="{4D46CCB9-E0D7-49E4-8700-7CE19FB27C88}" type="pres">
       <dgm:prSet presAssocID="{15A2342C-342E-4AF1-ABFE-6D641BAF41A1}" presName="composite" presStyleCnt="0"/>
@@ -6807,6 +6912,13 @@
         </dgm:presLayoutVars>
       </dgm:prSet>
       <dgm:spPr/>
+      <dgm:t>
+        <a:bodyPr/>
+        <a:lstStyle/>
+        <a:p>
+          <a:endParaRPr lang="en-US"/>
+        </a:p>
+      </dgm:t>
     </dgm:pt>
     <dgm:pt modelId="{5FDFAD45-BE3A-42C7-96F9-147D175477B9}" type="pres">
       <dgm:prSet presAssocID="{15A2342C-342E-4AF1-ABFE-6D641BAF41A1}" presName="descendantText" presStyleLbl="alignAcc1" presStyleIdx="0" presStyleCnt="3" custScaleY="100000" custLinFactNeighborX="-170" custLinFactNeighborY="-2821">
@@ -6815,6 +6927,13 @@
         </dgm:presLayoutVars>
       </dgm:prSet>
       <dgm:spPr/>
+      <dgm:t>
+        <a:bodyPr/>
+        <a:lstStyle/>
+        <a:p>
+          <a:endParaRPr lang="en-US"/>
+        </a:p>
+      </dgm:t>
     </dgm:pt>
     <dgm:pt modelId="{0B93D529-6A78-4555-B1DB-9F922703E6C7}" type="pres">
       <dgm:prSet presAssocID="{3091C5B6-412E-4FA9-921C-1CCBB20FB078}" presName="sp" presStyleCnt="0"/>
@@ -6832,6 +6951,13 @@
         </dgm:presLayoutVars>
       </dgm:prSet>
       <dgm:spPr/>
+      <dgm:t>
+        <a:bodyPr/>
+        <a:lstStyle/>
+        <a:p>
+          <a:endParaRPr lang="en-US"/>
+        </a:p>
+      </dgm:t>
     </dgm:pt>
     <dgm:pt modelId="{3EE3D444-F1E2-4D81-B343-EEB78C9B7BC2}" type="pres">
       <dgm:prSet presAssocID="{A21E80E9-3E30-4727-979B-CC3F1A7A22C5}" presName="descendantText" presStyleLbl="alignAcc1" presStyleIdx="1" presStyleCnt="3" custScaleY="30919">
@@ -6840,6 +6966,13 @@
         </dgm:presLayoutVars>
       </dgm:prSet>
       <dgm:spPr/>
+      <dgm:t>
+        <a:bodyPr/>
+        <a:lstStyle/>
+        <a:p>
+          <a:endParaRPr lang="en-US"/>
+        </a:p>
+      </dgm:t>
     </dgm:pt>
     <dgm:pt modelId="{56499CC1-1A65-4B3A-8A68-E81F41293563}" type="pres">
       <dgm:prSet presAssocID="{2E128CC8-58D8-49C7-B524-7F998825E08C}" presName="sp" presStyleCnt="0"/>
@@ -6857,6 +6990,13 @@
         </dgm:presLayoutVars>
       </dgm:prSet>
       <dgm:spPr/>
+      <dgm:t>
+        <a:bodyPr/>
+        <a:lstStyle/>
+        <a:p>
+          <a:endParaRPr lang="en-US"/>
+        </a:p>
+      </dgm:t>
     </dgm:pt>
     <dgm:pt modelId="{8FBC2C5D-9E47-4B2D-8CC0-0827ADC6EE57}" type="pres">
       <dgm:prSet presAssocID="{FDFD6E2B-DBAB-4056-BC28-C138724F0441}" presName="descendantText" presStyleLbl="alignAcc1" presStyleIdx="2" presStyleCnt="3" custScaleY="235335">
@@ -6865,36 +7005,43 @@
         </dgm:presLayoutVars>
       </dgm:prSet>
       <dgm:spPr/>
+      <dgm:t>
+        <a:bodyPr/>
+        <a:lstStyle/>
+        <a:p>
+          <a:endParaRPr lang="en-US"/>
+        </a:p>
+      </dgm:t>
     </dgm:pt>
   </dgm:ptLst>
   <dgm:cxnLst>
+    <dgm:cxn modelId="{28F4B55F-1626-4A11-B2A3-6C5FBCF466EE}" type="presOf" srcId="{CBA4680F-B921-4539-96E8-73E248B26438}" destId="{5FDFAD45-BE3A-42C7-96F9-147D175477B9}" srcOrd="0" destOrd="0" presId="urn:microsoft.com/office/officeart/2005/8/layout/chevron2"/>
+    <dgm:cxn modelId="{A1DC73D2-C866-4AF8-8F66-31BBE9AE94F7}" type="presOf" srcId="{732042B1-94D3-42FA-A258-6BB06EBE3E3B}" destId="{8FBC2C5D-9E47-4B2D-8CC0-0827ADC6EE57}" srcOrd="0" destOrd="4" presId="urn:microsoft.com/office/officeart/2005/8/layout/chevron2"/>
+    <dgm:cxn modelId="{890C6129-FED3-4F32-A1CE-803923CC13FB}" srcId="{B56C8652-49D2-40A6-9CA3-CE8DCF0946F5}" destId="{A21E80E9-3E30-4727-979B-CC3F1A7A22C5}" srcOrd="1" destOrd="0" parTransId="{5C40DCA5-A5ED-48F4-971B-7B525589E1B6}" sibTransId="{2E128CC8-58D8-49C7-B524-7F998825E08C}"/>
+    <dgm:cxn modelId="{CBE38C60-2AAF-4767-AECB-3298EFA7C80C}" type="presOf" srcId="{15A2342C-342E-4AF1-ABFE-6D641BAF41A1}" destId="{049C38D1-B597-49E9-8B00-78FB12FB25CF}" srcOrd="0" destOrd="0" presId="urn:microsoft.com/office/officeart/2005/8/layout/chevron2"/>
+    <dgm:cxn modelId="{82F94CF7-E0DE-440A-B1D1-883572629C8B}" type="presOf" srcId="{A21E80E9-3E30-4727-979B-CC3F1A7A22C5}" destId="{8EB604FD-2448-4F33-9F96-EAFE912047E9}" srcOrd="0" destOrd="0" presId="urn:microsoft.com/office/officeart/2005/8/layout/chevron2"/>
+    <dgm:cxn modelId="{8F2FDC48-E40A-425B-870D-62187B5D42A9}" srcId="{FDFD6E2B-DBAB-4056-BC28-C138724F0441}" destId="{5FE0594D-1D7D-4AA8-819B-A2C743D5CEF2}" srcOrd="3" destOrd="0" parTransId="{1CA14089-09CF-4046-9D0C-3DFC6A05542D}" sibTransId="{F95BCFE4-CFE1-4C2D-8293-9326323C655E}"/>
+    <dgm:cxn modelId="{F5DA283E-18B8-4545-BA85-552B99631C05}" type="presOf" srcId="{5EEE87EF-CC69-46CA-991B-C6EF45468841}" destId="{8FBC2C5D-9E47-4B2D-8CC0-0827ADC6EE57}" srcOrd="0" destOrd="5" presId="urn:microsoft.com/office/officeart/2005/8/layout/chevron2"/>
+    <dgm:cxn modelId="{F72680C9-96BF-47B8-9EA1-790C7398DC53}" srcId="{FDFD6E2B-DBAB-4056-BC28-C138724F0441}" destId="{08DDB7E5-F95F-4C23-8B95-48DA1C9E93D2}" srcOrd="6" destOrd="0" parTransId="{17D3B376-5FA3-4529-8A20-009F64A5009F}" sibTransId="{2211239D-722D-4F53-AAEA-314BB74C3C5C}"/>
+    <dgm:cxn modelId="{DBC7E407-9897-43CC-9C3A-E44E5BA3D393}" srcId="{FDFD6E2B-DBAB-4056-BC28-C138724F0441}" destId="{5EEE87EF-CC69-46CA-991B-C6EF45468841}" srcOrd="5" destOrd="0" parTransId="{3991E14B-A14C-40AF-9607-91EE68B84F4F}" sibTransId="{B0172526-43A0-4BDC-8318-EC52C2D54827}"/>
+    <dgm:cxn modelId="{B51378A4-5D0E-4C4B-B23C-D4EAD7678B6D}" type="presOf" srcId="{5FE0594D-1D7D-4AA8-819B-A2C743D5CEF2}" destId="{8FBC2C5D-9E47-4B2D-8CC0-0827ADC6EE57}" srcOrd="0" destOrd="3" presId="urn:microsoft.com/office/officeart/2005/8/layout/chevron2"/>
+    <dgm:cxn modelId="{98E93161-C30E-43AA-AF6B-299C6C6168AE}" srcId="{A21E80E9-3E30-4727-979B-CC3F1A7A22C5}" destId="{7251001A-0584-4766-A6D7-0E44BBBBDC12}" srcOrd="0" destOrd="0" parTransId="{FE219C25-7519-49A1-80FC-88DBD277BE7B}" sibTransId="{3A3E3377-B627-44C2-A026-04B55D885A13}"/>
+    <dgm:cxn modelId="{864443B7-827D-40CA-9151-FBD8FCDA144A}" srcId="{15A2342C-342E-4AF1-ABFE-6D641BAF41A1}" destId="{AE734D0A-6694-40AA-8661-A4F047D5E4D9}" srcOrd="1" destOrd="0" parTransId="{CCB97636-127D-4739-A837-C723B7836880}" sibTransId="{158A9BB4-6738-46A4-AC17-D8A26414D5F7}"/>
+    <dgm:cxn modelId="{7F4D6DDB-3D42-4FF2-B68F-28BE1A3A21C0}" type="presOf" srcId="{08DDB7E5-F95F-4C23-8B95-48DA1C9E93D2}" destId="{8FBC2C5D-9E47-4B2D-8CC0-0827ADC6EE57}" srcOrd="0" destOrd="6" presId="urn:microsoft.com/office/officeart/2005/8/layout/chevron2"/>
+    <dgm:cxn modelId="{26A054A0-1AB4-43B6-8F58-0FC6C712A2A4}" srcId="{15A2342C-342E-4AF1-ABFE-6D641BAF41A1}" destId="{CBA4680F-B921-4539-96E8-73E248B26438}" srcOrd="0" destOrd="0" parTransId="{CFA20A3C-0F95-4996-A60F-CD8C5D7EA0C8}" sibTransId="{66C95EC4-2BD0-44E1-98AF-5AEB75A287A4}"/>
+    <dgm:cxn modelId="{0AA7C964-F08A-434D-849D-CB60E50F510C}" type="presOf" srcId="{FDFD6E2B-DBAB-4056-BC28-C138724F0441}" destId="{0837024A-932D-4B89-A5B5-1646702B04D6}" srcOrd="0" destOrd="0" presId="urn:microsoft.com/office/officeart/2005/8/layout/chevron2"/>
+    <dgm:cxn modelId="{3F563856-5C53-4991-879E-670B56271005}" srcId="{FDFD6E2B-DBAB-4056-BC28-C138724F0441}" destId="{45C4846E-AAF6-4414-A05E-6E85D7726DF6}" srcOrd="2" destOrd="0" parTransId="{83ABFF28-F69F-4FC1-AB0A-416CFB4266E6}" sibTransId="{671C2D96-D26C-4FB6-9BA5-31D234280E86}"/>
+    <dgm:cxn modelId="{0F1FCF35-87E1-46EF-BBCE-B90273773B0D}" type="presOf" srcId="{991745B4-1DA6-4357-834D-E175CBA5F7FF}" destId="{8FBC2C5D-9E47-4B2D-8CC0-0827ADC6EE57}" srcOrd="0" destOrd="1" presId="urn:microsoft.com/office/officeart/2005/8/layout/chevron2"/>
+    <dgm:cxn modelId="{AA9F0954-E312-4F59-A538-78CB15CA0648}" srcId="{FDFD6E2B-DBAB-4056-BC28-C138724F0441}" destId="{732042B1-94D3-42FA-A258-6BB06EBE3E3B}" srcOrd="4" destOrd="0" parTransId="{EAAEE230-65A9-4651-A41F-BB57449114C8}" sibTransId="{D2C603BD-ADB1-4E88-A685-49632CB1E3B4}"/>
+    <dgm:cxn modelId="{C16B3C40-8104-4248-9B16-0226FC236EFD}" type="presOf" srcId="{AE734D0A-6694-40AA-8661-A4F047D5E4D9}" destId="{5FDFAD45-BE3A-42C7-96F9-147D175477B9}" srcOrd="0" destOrd="1" presId="urn:microsoft.com/office/officeart/2005/8/layout/chevron2"/>
+    <dgm:cxn modelId="{B9F397F0-7A59-4437-81F7-0BEB182623E3}" srcId="{FDFD6E2B-DBAB-4056-BC28-C138724F0441}" destId="{1693A56B-51EB-4EEE-B5A0-2587A76BB504}" srcOrd="0" destOrd="0" parTransId="{71605052-445C-4B49-9A4B-2DCF504AD115}" sibTransId="{84E281FA-B092-4FA8-A2AE-CFCEA05B4214}"/>
+    <dgm:cxn modelId="{6A1FF4D6-2CF6-4582-BEEF-FA9D275C9BB3}" type="presOf" srcId="{45C4846E-AAF6-4414-A05E-6E85D7726DF6}" destId="{8FBC2C5D-9E47-4B2D-8CC0-0827ADC6EE57}" srcOrd="0" destOrd="2" presId="urn:microsoft.com/office/officeart/2005/8/layout/chevron2"/>
     <dgm:cxn modelId="{58890E05-AD91-4C6E-AFAF-1570690574EA}" type="presOf" srcId="{B56C8652-49D2-40A6-9CA3-CE8DCF0946F5}" destId="{142F673A-C255-456D-9E41-60A8F8DECB23}" srcOrd="0" destOrd="0" presId="urn:microsoft.com/office/officeart/2005/8/layout/chevron2"/>
-    <dgm:cxn modelId="{DBC7E407-9897-43CC-9C3A-E44E5BA3D393}" srcId="{FDFD6E2B-DBAB-4056-BC28-C138724F0441}" destId="{5EEE87EF-CC69-46CA-991B-C6EF45468841}" srcOrd="5" destOrd="0" parTransId="{3991E14B-A14C-40AF-9607-91EE68B84F4F}" sibTransId="{B0172526-43A0-4BDC-8318-EC52C2D54827}"/>
-    <dgm:cxn modelId="{890C6129-FED3-4F32-A1CE-803923CC13FB}" srcId="{B56C8652-49D2-40A6-9CA3-CE8DCF0946F5}" destId="{A21E80E9-3E30-4727-979B-CC3F1A7A22C5}" srcOrd="1" destOrd="0" parTransId="{5C40DCA5-A5ED-48F4-971B-7B525589E1B6}" sibTransId="{2E128CC8-58D8-49C7-B524-7F998825E08C}"/>
-    <dgm:cxn modelId="{0F1FCF35-87E1-46EF-BBCE-B90273773B0D}" type="presOf" srcId="{991745B4-1DA6-4357-834D-E175CBA5F7FF}" destId="{8FBC2C5D-9E47-4B2D-8CC0-0827ADC6EE57}" srcOrd="0" destOrd="1" presId="urn:microsoft.com/office/officeart/2005/8/layout/chevron2"/>
-    <dgm:cxn modelId="{F5DA283E-18B8-4545-BA85-552B99631C05}" type="presOf" srcId="{5EEE87EF-CC69-46CA-991B-C6EF45468841}" destId="{8FBC2C5D-9E47-4B2D-8CC0-0827ADC6EE57}" srcOrd="0" destOrd="5" presId="urn:microsoft.com/office/officeart/2005/8/layout/chevron2"/>
-    <dgm:cxn modelId="{C16B3C40-8104-4248-9B16-0226FC236EFD}" type="presOf" srcId="{AE734D0A-6694-40AA-8661-A4F047D5E4D9}" destId="{5FDFAD45-BE3A-42C7-96F9-147D175477B9}" srcOrd="0" destOrd="1" presId="urn:microsoft.com/office/officeart/2005/8/layout/chevron2"/>
-    <dgm:cxn modelId="{28F4B55F-1626-4A11-B2A3-6C5FBCF466EE}" type="presOf" srcId="{CBA4680F-B921-4539-96E8-73E248B26438}" destId="{5FDFAD45-BE3A-42C7-96F9-147D175477B9}" srcOrd="0" destOrd="0" presId="urn:microsoft.com/office/officeart/2005/8/layout/chevron2"/>
-    <dgm:cxn modelId="{CBE38C60-2AAF-4767-AECB-3298EFA7C80C}" type="presOf" srcId="{15A2342C-342E-4AF1-ABFE-6D641BAF41A1}" destId="{049C38D1-B597-49E9-8B00-78FB12FB25CF}" srcOrd="0" destOrd="0" presId="urn:microsoft.com/office/officeart/2005/8/layout/chevron2"/>
-    <dgm:cxn modelId="{98E93161-C30E-43AA-AF6B-299C6C6168AE}" srcId="{A21E80E9-3E30-4727-979B-CC3F1A7A22C5}" destId="{7251001A-0584-4766-A6D7-0E44BBBBDC12}" srcOrd="0" destOrd="0" parTransId="{FE219C25-7519-49A1-80FC-88DBD277BE7B}" sibTransId="{3A3E3377-B627-44C2-A026-04B55D885A13}"/>
-    <dgm:cxn modelId="{0AA7C964-F08A-434D-849D-CB60E50F510C}" type="presOf" srcId="{FDFD6E2B-DBAB-4056-BC28-C138724F0441}" destId="{0837024A-932D-4B89-A5B5-1646702B04D6}" srcOrd="0" destOrd="0" presId="urn:microsoft.com/office/officeart/2005/8/layout/chevron2"/>
     <dgm:cxn modelId="{331E5267-3B46-40FC-807B-5869C9435943}" srcId="{B56C8652-49D2-40A6-9CA3-CE8DCF0946F5}" destId="{FDFD6E2B-DBAB-4056-BC28-C138724F0441}" srcOrd="2" destOrd="0" parTransId="{A185C7BD-8F3D-48FC-AACD-370FC7051347}" sibTransId="{2EAE1DED-33EB-4BB9-B279-4AEA7E7C396D}"/>
-    <dgm:cxn modelId="{8F2FDC48-E40A-425B-870D-62187B5D42A9}" srcId="{FDFD6E2B-DBAB-4056-BC28-C138724F0441}" destId="{5FE0594D-1D7D-4AA8-819B-A2C743D5CEF2}" srcOrd="3" destOrd="0" parTransId="{1CA14089-09CF-4046-9D0C-3DFC6A05542D}" sibTransId="{F95BCFE4-CFE1-4C2D-8293-9326323C655E}"/>
+    <dgm:cxn modelId="{86D5B1B6-FC3B-40C9-B662-895EFF0C484F}" type="presOf" srcId="{1693A56B-51EB-4EEE-B5A0-2587A76BB504}" destId="{8FBC2C5D-9E47-4B2D-8CC0-0827ADC6EE57}" srcOrd="0" destOrd="0" presId="urn:microsoft.com/office/officeart/2005/8/layout/chevron2"/>
     <dgm:cxn modelId="{076CC86B-D690-4BFD-AA13-22E5FF304401}" srcId="{FDFD6E2B-DBAB-4056-BC28-C138724F0441}" destId="{991745B4-1DA6-4357-834D-E175CBA5F7FF}" srcOrd="1" destOrd="0" parTransId="{7F7C2FE2-A92E-4E57-852A-1760217EC7AA}" sibTransId="{80503291-0CA3-4264-9D8A-213B3DAD3BF7}"/>
-    <dgm:cxn modelId="{AA9F0954-E312-4F59-A538-78CB15CA0648}" srcId="{FDFD6E2B-DBAB-4056-BC28-C138724F0441}" destId="{732042B1-94D3-42FA-A258-6BB06EBE3E3B}" srcOrd="4" destOrd="0" parTransId="{EAAEE230-65A9-4651-A41F-BB57449114C8}" sibTransId="{D2C603BD-ADB1-4E88-A685-49632CB1E3B4}"/>
-    <dgm:cxn modelId="{3F563856-5C53-4991-879E-670B56271005}" srcId="{FDFD6E2B-DBAB-4056-BC28-C138724F0441}" destId="{45C4846E-AAF6-4414-A05E-6E85D7726DF6}" srcOrd="2" destOrd="0" parTransId="{83ABFF28-F69F-4FC1-AB0A-416CFB4266E6}" sibTransId="{671C2D96-D26C-4FB6-9BA5-31D234280E86}"/>
     <dgm:cxn modelId="{FD15FF7D-7615-413A-936D-840A88CEEF81}" type="presOf" srcId="{7251001A-0584-4766-A6D7-0E44BBBBDC12}" destId="{3EE3D444-F1E2-4D81-B343-EEB78C9B7BC2}" srcOrd="0" destOrd="0" presId="urn:microsoft.com/office/officeart/2005/8/layout/chevron2"/>
     <dgm:cxn modelId="{2A878A9C-A599-4E25-8F35-179342BC54EF}" srcId="{B56C8652-49D2-40A6-9CA3-CE8DCF0946F5}" destId="{15A2342C-342E-4AF1-ABFE-6D641BAF41A1}" srcOrd="0" destOrd="0" parTransId="{3113E09E-2B5D-47FE-89F9-BC4D9A8CB38B}" sibTransId="{3091C5B6-412E-4FA9-921C-1CCBB20FB078}"/>
-    <dgm:cxn modelId="{26A054A0-1AB4-43B6-8F58-0FC6C712A2A4}" srcId="{15A2342C-342E-4AF1-ABFE-6D641BAF41A1}" destId="{CBA4680F-B921-4539-96E8-73E248B26438}" srcOrd="0" destOrd="0" parTransId="{CFA20A3C-0F95-4996-A60F-CD8C5D7EA0C8}" sibTransId="{66C95EC4-2BD0-44E1-98AF-5AEB75A287A4}"/>
-    <dgm:cxn modelId="{B51378A4-5D0E-4C4B-B23C-D4EAD7678B6D}" type="presOf" srcId="{5FE0594D-1D7D-4AA8-819B-A2C743D5CEF2}" destId="{8FBC2C5D-9E47-4B2D-8CC0-0827ADC6EE57}" srcOrd="0" destOrd="3" presId="urn:microsoft.com/office/officeart/2005/8/layout/chevron2"/>
-    <dgm:cxn modelId="{86D5B1B6-FC3B-40C9-B662-895EFF0C484F}" type="presOf" srcId="{1693A56B-51EB-4EEE-B5A0-2587A76BB504}" destId="{8FBC2C5D-9E47-4B2D-8CC0-0827ADC6EE57}" srcOrd="0" destOrd="0" presId="urn:microsoft.com/office/officeart/2005/8/layout/chevron2"/>
-    <dgm:cxn modelId="{864443B7-827D-40CA-9151-FBD8FCDA144A}" srcId="{15A2342C-342E-4AF1-ABFE-6D641BAF41A1}" destId="{AE734D0A-6694-40AA-8661-A4F047D5E4D9}" srcOrd="1" destOrd="0" parTransId="{CCB97636-127D-4739-A837-C723B7836880}" sibTransId="{158A9BB4-6738-46A4-AC17-D8A26414D5F7}"/>
-    <dgm:cxn modelId="{F72680C9-96BF-47B8-9EA1-790C7398DC53}" srcId="{FDFD6E2B-DBAB-4056-BC28-C138724F0441}" destId="{08DDB7E5-F95F-4C23-8B95-48DA1C9E93D2}" srcOrd="6" destOrd="0" parTransId="{17D3B376-5FA3-4529-8A20-009F64A5009F}" sibTransId="{2211239D-722D-4F53-AAEA-314BB74C3C5C}"/>
-    <dgm:cxn modelId="{A1DC73D2-C866-4AF8-8F66-31BBE9AE94F7}" type="presOf" srcId="{732042B1-94D3-42FA-A258-6BB06EBE3E3B}" destId="{8FBC2C5D-9E47-4B2D-8CC0-0827ADC6EE57}" srcOrd="0" destOrd="4" presId="urn:microsoft.com/office/officeart/2005/8/layout/chevron2"/>
-    <dgm:cxn modelId="{6A1FF4D6-2CF6-4582-BEEF-FA9D275C9BB3}" type="presOf" srcId="{45C4846E-AAF6-4414-A05E-6E85D7726DF6}" destId="{8FBC2C5D-9E47-4B2D-8CC0-0827ADC6EE57}" srcOrd="0" destOrd="2" presId="urn:microsoft.com/office/officeart/2005/8/layout/chevron2"/>
-    <dgm:cxn modelId="{7F4D6DDB-3D42-4FF2-B68F-28BE1A3A21C0}" type="presOf" srcId="{08DDB7E5-F95F-4C23-8B95-48DA1C9E93D2}" destId="{8FBC2C5D-9E47-4B2D-8CC0-0827ADC6EE57}" srcOrd="0" destOrd="6" presId="urn:microsoft.com/office/officeart/2005/8/layout/chevron2"/>
-    <dgm:cxn modelId="{B9F397F0-7A59-4437-81F7-0BEB182623E3}" srcId="{FDFD6E2B-DBAB-4056-BC28-C138724F0441}" destId="{1693A56B-51EB-4EEE-B5A0-2587A76BB504}" srcOrd="0" destOrd="0" parTransId="{71605052-445C-4B49-9A4B-2DCF504AD115}" sibTransId="{84E281FA-B092-4FA8-A2AE-CFCEA05B4214}"/>
-    <dgm:cxn modelId="{82F94CF7-E0DE-440A-B1D1-883572629C8B}" type="presOf" srcId="{A21E80E9-3E30-4727-979B-CC3F1A7A22C5}" destId="{8EB604FD-2448-4F33-9F96-EAFE912047E9}" srcOrd="0" destOrd="0" presId="urn:microsoft.com/office/officeart/2005/8/layout/chevron2"/>
     <dgm:cxn modelId="{13250355-16DD-4CD2-9C12-90DB9DA37F12}" type="presParOf" srcId="{142F673A-C255-456D-9E41-60A8F8DECB23}" destId="{4D46CCB9-E0D7-49E4-8700-7CE19FB27C88}" srcOrd="0" destOrd="0" presId="urn:microsoft.com/office/officeart/2005/8/layout/chevron2"/>
     <dgm:cxn modelId="{817BC056-467A-4A41-A953-E66324C2905D}" type="presParOf" srcId="{4D46CCB9-E0D7-49E4-8700-7CE19FB27C88}" destId="{049C38D1-B597-49E9-8B00-78FB12FB25CF}" srcOrd="0" destOrd="0" presId="urn:microsoft.com/office/officeart/2005/8/layout/chevron2"/>
     <dgm:cxn modelId="{9630092D-D071-4A9D-86C1-D2F2FD525441}" type="presParOf" srcId="{4D46CCB9-E0D7-49E4-8700-7CE19FB27C88}" destId="{5FDFAD45-BE3A-42C7-96F9-147D175477B9}" srcOrd="1" destOrd="0" presId="urn:microsoft.com/office/officeart/2005/8/layout/chevron2"/>
@@ -6974,17 +7121,100 @@
         <a:bodyPr/>
         <a:lstStyle/>
         <a:p>
+          <a:pPr algn="l">
+            <a:buNone/>
+          </a:pPr>
+          <a:r>
+            <a:rPr lang="en-US" sz="1800" u="sng" dirty="0"/>
+            <a:t>~/data/processed/</a:t>
+          </a:r>
+        </a:p>
+      </dgm:t>
+    </dgm:pt>
+    <dgm:pt modelId="{CFA20A3C-0F95-4996-A60F-CD8C5D7EA0C8}" type="parTrans" cxnId="{26A054A0-1AB4-43B6-8F58-0FC6C712A2A4}">
+      <dgm:prSet/>
+      <dgm:spPr/>
+      <dgm:t>
+        <a:bodyPr/>
+        <a:lstStyle/>
+        <a:p>
+          <a:endParaRPr lang="en-US"/>
+        </a:p>
+      </dgm:t>
+    </dgm:pt>
+    <dgm:pt modelId="{66C95EC4-2BD0-44E1-98AF-5AEB75A287A4}" type="sibTrans" cxnId="{26A054A0-1AB4-43B6-8F58-0FC6C712A2A4}">
+      <dgm:prSet/>
+      <dgm:spPr/>
+      <dgm:t>
+        <a:bodyPr/>
+        <a:lstStyle/>
+        <a:p>
+          <a:endParaRPr lang="en-US"/>
+        </a:p>
+      </dgm:t>
+    </dgm:pt>
+    <dgm:pt modelId="{A21E80E9-3E30-4727-979B-CC3F1A7A22C5}">
+      <dgm:prSet phldrT="[Text]"/>
+      <dgm:spPr/>
+      <dgm:t>
+        <a:bodyPr/>
+        <a:lstStyle/>
+        <a:p>
+          <a:r>
+            <a:rPr lang="en-US" dirty="0"/>
+            <a:t>Script Program</a:t>
+          </a:r>
+        </a:p>
+      </dgm:t>
+    </dgm:pt>
+    <dgm:pt modelId="{5C40DCA5-A5ED-48F4-971B-7B525589E1B6}" type="parTrans" cxnId="{890C6129-FED3-4F32-A1CE-803923CC13FB}">
+      <dgm:prSet/>
+      <dgm:spPr/>
+      <dgm:t>
+        <a:bodyPr/>
+        <a:lstStyle/>
+        <a:p>
+          <a:endParaRPr lang="en-US"/>
+        </a:p>
+      </dgm:t>
+    </dgm:pt>
+    <dgm:pt modelId="{2E128CC8-58D8-49C7-B524-7F998825E08C}" type="sibTrans" cxnId="{890C6129-FED3-4F32-A1CE-803923CC13FB}">
+      <dgm:prSet/>
+      <dgm:spPr/>
+      <dgm:t>
+        <a:bodyPr/>
+        <a:lstStyle/>
+        <a:p>
+          <a:endParaRPr lang="en-US"/>
+        </a:p>
+      </dgm:t>
+    </dgm:pt>
+    <dgm:pt modelId="{7251001A-0584-4766-A6D7-0E44BBBBDC12}">
+      <dgm:prSet phldrT="[Text]" custT="1"/>
+      <dgm:spPr/>
+      <dgm:t>
+        <a:bodyPr/>
+        <a:lstStyle/>
+        <a:p>
           <a:pPr>
             <a:buNone/>
           </a:pPr>
           <a:r>
-            <a:rPr lang="en-US" sz="1400" u="sng" dirty="0"/>
-            <a:t>~/data/processed/</a:t>
+            <a:rPr lang="en-US" sz="2000" u="none" dirty="0"/>
+            <a:t>~/</a:t>
+          </a:r>
+          <a:r>
+            <a:rPr lang="en-US" sz="2000" dirty="0" err="1"/>
+            <a:t>analysis_scripts</a:t>
+          </a:r>
+          <a:r>
+            <a:rPr lang="en-US" sz="2000" dirty="0"/>
+            <a:t>/2A_optimization_data.R</a:t>
           </a:r>
         </a:p>
       </dgm:t>
     </dgm:pt>
-    <dgm:pt modelId="{CFA20A3C-0F95-4996-A60F-CD8C5D7EA0C8}" type="parTrans" cxnId="{26A054A0-1AB4-43B6-8F58-0FC6C712A2A4}">
+    <dgm:pt modelId="{FE219C25-7519-49A1-80FC-88DBD277BE7B}" type="parTrans" cxnId="{98E93161-C30E-43AA-AF6B-299C6C6168AE}">
       <dgm:prSet/>
       <dgm:spPr/>
       <dgm:t>
@@ -6995,7 +7225,7 @@
         </a:p>
       </dgm:t>
     </dgm:pt>
-    <dgm:pt modelId="{66C95EC4-2BD0-44E1-98AF-5AEB75A287A4}" type="sibTrans" cxnId="{26A054A0-1AB4-43B6-8F58-0FC6C712A2A4}">
+    <dgm:pt modelId="{3A3E3377-B627-44C2-A026-04B55D885A13}" type="sibTrans" cxnId="{98E93161-C30E-43AA-AF6B-299C6C6168AE}">
       <dgm:prSet/>
       <dgm:spPr/>
       <dgm:t>
@@ -7006,7 +7236,7 @@
         </a:p>
       </dgm:t>
     </dgm:pt>
-    <dgm:pt modelId="{A21E80E9-3E30-4727-979B-CC3F1A7A22C5}">
+    <dgm:pt modelId="{FDFD6E2B-DBAB-4056-BC28-C138724F0441}">
       <dgm:prSet phldrT="[Text]"/>
       <dgm:spPr/>
       <dgm:t>
@@ -7015,12 +7245,12 @@
         <a:p>
           <a:r>
             <a:rPr lang="en-US" dirty="0"/>
-            <a:t>Script Program</a:t>
+            <a:t>Output</a:t>
           </a:r>
         </a:p>
       </dgm:t>
     </dgm:pt>
-    <dgm:pt modelId="{5C40DCA5-A5ED-48F4-971B-7B525589E1B6}" type="parTrans" cxnId="{890C6129-FED3-4F32-A1CE-803923CC13FB}">
+    <dgm:pt modelId="{A185C7BD-8F3D-48FC-AACD-370FC7051347}" type="parTrans" cxnId="{331E5267-3B46-40FC-807B-5869C9435943}">
       <dgm:prSet/>
       <dgm:spPr/>
       <dgm:t>
@@ -7031,7 +7261,7 @@
         </a:p>
       </dgm:t>
     </dgm:pt>
-    <dgm:pt modelId="{2E128CC8-58D8-49C7-B524-7F998825E08C}" type="sibTrans" cxnId="{890C6129-FED3-4F32-A1CE-803923CC13FB}">
+    <dgm:pt modelId="{2EAE1DED-33EB-4BB9-B279-4AEA7E7C396D}" type="sibTrans" cxnId="{331E5267-3B46-40FC-807B-5869C9435943}">
       <dgm:prSet/>
       <dgm:spPr/>
       <dgm:t>
@@ -7042,7 +7272,7 @@
         </a:p>
       </dgm:t>
     </dgm:pt>
-    <dgm:pt modelId="{7251001A-0584-4766-A6D7-0E44BBBBDC12}">
+    <dgm:pt modelId="{1693A56B-51EB-4EEE-B5A0-2587A76BB504}">
       <dgm:prSet phldrT="[Text]" custT="1"/>
       <dgm:spPr/>
       <dgm:t>
@@ -7053,21 +7283,28 @@
             <a:buNone/>
           </a:pPr>
           <a:r>
-            <a:rPr lang="en-US" sz="2000" u="none" dirty="0"/>
+            <a:rPr lang="en-US" sz="1600" u="none" dirty="0"/>
             <a:t>~/</a:t>
           </a:r>
           <a:r>
-            <a:rPr lang="en-US" sz="2000" dirty="0" err="1"/>
-            <a:t>analysis_scripts</a:t>
-          </a:r>
-          <a:r>
-            <a:rPr lang="en-US" sz="2000" dirty="0"/>
-            <a:t>/2A_optimization_data.R</a:t>
-          </a:r>
+            <a:rPr lang="en-US" sz="1600" dirty="0"/>
+            <a:t>data/processed</a:t>
+          </a:r>
+          <a:r>
+            <a:rPr lang="en-US" sz="1600" dirty="0" smtClean="0"/>
+            <a:t>/</a:t>
+          </a:r>
+          <a:endParaRPr lang="en-US" sz="1600" dirty="0">
+            <a:solidFill>
+              <a:schemeClr val="bg1">
+                <a:lumMod val="50000"/>
+              </a:schemeClr>
+            </a:solidFill>
+          </a:endParaRPr>
         </a:p>
       </dgm:t>
     </dgm:pt>
-    <dgm:pt modelId="{FE219C25-7519-49A1-80FC-88DBD277BE7B}" type="parTrans" cxnId="{98E93161-C30E-43AA-AF6B-299C6C6168AE}">
+    <dgm:pt modelId="{71605052-445C-4B49-9A4B-2DCF504AD115}" type="parTrans" cxnId="{B9F397F0-7A59-4437-81F7-0BEB182623E3}">
       <dgm:prSet/>
       <dgm:spPr/>
       <dgm:t>
@@ -7078,7 +7315,7 @@
         </a:p>
       </dgm:t>
     </dgm:pt>
-    <dgm:pt modelId="{3A3E3377-B627-44C2-A026-04B55D885A13}" type="sibTrans" cxnId="{98E93161-C30E-43AA-AF6B-299C6C6168AE}">
+    <dgm:pt modelId="{84E281FA-B092-4FA8-A2AE-CFCEA05B4214}" type="sibTrans" cxnId="{B9F397F0-7A59-4437-81F7-0BEB182623E3}">
       <dgm:prSet/>
       <dgm:spPr/>
       <dgm:t>
@@ -7089,21 +7326,55 @@
         </a:p>
       </dgm:t>
     </dgm:pt>
-    <dgm:pt modelId="{FDFD6E2B-DBAB-4056-BC28-C138724F0441}">
-      <dgm:prSet phldrT="[Text]"/>
+    <dgm:pt modelId="{958DC5F8-13C6-4060-9DA7-572015EE948E}">
+      <dgm:prSet phldrT="[Text]" custT="1"/>
       <dgm:spPr/>
       <dgm:t>
         <a:bodyPr/>
         <a:lstStyle/>
         <a:p>
-          <a:r>
-            <a:rPr lang="en-US" dirty="0"/>
-            <a:t>Output</a:t>
-          </a:r>
+          <a:pPr algn="l">
+            <a:buNone/>
+          </a:pPr>
+          <a:r>
+            <a:rPr lang="en-US" sz="1800" u="none" dirty="0" err="1" smtClean="0"/>
+            <a:t>grid_goa.RData</a:t>
+          </a:r>
+          <a:r>
+            <a:rPr lang="en-US" sz="1800" u="none" dirty="0"/>
+            <a:t>: </a:t>
+          </a:r>
+          <a:r>
+            <a:rPr lang="en-US" sz="1800" i="0" u="none" dirty="0">
+              <a:solidFill>
+                <a:schemeClr val="bg1">
+                  <a:lumMod val="50000"/>
+                </a:schemeClr>
+              </a:solidFill>
+            </a:rPr>
+            <a:t>goa grid with </a:t>
+          </a:r>
+          <a:r>
+            <a:rPr lang="en-US" sz="1800" i="0" u="none" dirty="0" smtClean="0">
+              <a:solidFill>
+                <a:schemeClr val="bg1">
+                  <a:lumMod val="50000"/>
+                </a:schemeClr>
+              </a:solidFill>
+            </a:rPr>
+            <a:t>bathymetry</a:t>
+          </a:r>
+          <a:endParaRPr lang="en-US" sz="1800" i="0" u="none" dirty="0">
+            <a:solidFill>
+              <a:schemeClr val="bg1">
+                <a:lumMod val="50000"/>
+              </a:schemeClr>
+            </a:solidFill>
+          </a:endParaRPr>
         </a:p>
       </dgm:t>
     </dgm:pt>
-    <dgm:pt modelId="{A185C7BD-8F3D-48FC-AACD-370FC7051347}" type="parTrans" cxnId="{331E5267-3B46-40FC-807B-5869C9435943}">
+    <dgm:pt modelId="{92C2B2B2-DF39-4F92-9E36-6142C56C5522}" type="parTrans" cxnId="{0326A130-63ED-4980-A431-4DB3F63EF895}">
       <dgm:prSet/>
       <dgm:spPr/>
       <dgm:t>
@@ -7114,7 +7385,7 @@
         </a:p>
       </dgm:t>
     </dgm:pt>
-    <dgm:pt modelId="{2EAE1DED-33EB-4BB9-B279-4AEA7E7C396D}" type="sibTrans" cxnId="{331E5267-3B46-40FC-807B-5869C9435943}">
+    <dgm:pt modelId="{BDE7F979-986D-43E2-824A-8A00B1EF1534}" type="sibTrans" cxnId="{0326A130-63ED-4980-A431-4DB3F63EF895}">
       <dgm:prSet/>
       <dgm:spPr/>
       <dgm:t>
@@ -7125,7 +7396,79 @@
         </a:p>
       </dgm:t>
     </dgm:pt>
-    <dgm:pt modelId="{1693A56B-51EB-4EEE-B5A0-2587A76BB504}">
+    <dgm:pt modelId="{DD72F1AC-36A9-4FC9-B3DD-284B7304268B}">
+      <dgm:prSet phldrT="[Text]" custT="1"/>
+      <dgm:spPr/>
+      <dgm:t>
+        <a:bodyPr/>
+        <a:lstStyle/>
+        <a:p>
+          <a:pPr algn="l">
+            <a:buNone/>
+          </a:pPr>
+          <a:r>
+            <a:rPr lang="en-US" sz="1800" i="0" u="none" dirty="0" err="1" smtClean="0">
+              <a:solidFill>
+                <a:schemeClr val="tx1"/>
+              </a:solidFill>
+            </a:rPr>
+            <a:t>prednll_VAST_models.Rdata</a:t>
+          </a:r>
+          <a:r>
+            <a:rPr lang="en-US" sz="1800" i="0" u="none" dirty="0" smtClean="0">
+              <a:solidFill>
+                <a:schemeClr val="tx1"/>
+              </a:solidFill>
+            </a:rPr>
+            <a:t>: </a:t>
+          </a:r>
+          <a:r>
+            <a:rPr lang="en-US" sz="1800" i="0" u="none" dirty="0" err="1" smtClean="0">
+              <a:solidFill>
+                <a:schemeClr val="tx1"/>
+              </a:solidFill>
+            </a:rPr>
+            <a:t>dataframe</a:t>
+          </a:r>
+          <a:r>
+            <a:rPr lang="en-US" sz="1800" i="0" u="none" dirty="0" smtClean="0">
+              <a:solidFill>
+                <a:schemeClr val="tx1"/>
+              </a:solidFill>
+            </a:rPr>
+            <a:t> with VAST 10-fold cross-validation results for each species</a:t>
+          </a:r>
+          <a:endParaRPr lang="en-US" sz="1800" i="0" u="none" dirty="0">
+            <a:solidFill>
+              <a:schemeClr val="tx1"/>
+            </a:solidFill>
+          </a:endParaRPr>
+        </a:p>
+      </dgm:t>
+    </dgm:pt>
+    <dgm:pt modelId="{278A84E8-AB0B-498A-88F0-D7815C0E6EBE}" type="parTrans" cxnId="{8F292043-0AE3-4A7F-922F-280AA19022B7}">
+      <dgm:prSet/>
+      <dgm:spPr/>
+      <dgm:t>
+        <a:bodyPr/>
+        <a:lstStyle/>
+        <a:p>
+          <a:endParaRPr lang="en-US"/>
+        </a:p>
+      </dgm:t>
+    </dgm:pt>
+    <dgm:pt modelId="{52B77427-3B7D-4B9E-B3D0-BFAE29C78F62}" type="sibTrans" cxnId="{8F292043-0AE3-4A7F-922F-280AA19022B7}">
+      <dgm:prSet/>
+      <dgm:spPr/>
+      <dgm:t>
+        <a:bodyPr/>
+        <a:lstStyle/>
+        <a:p>
+          <a:endParaRPr lang="en-US"/>
+        </a:p>
+      </dgm:t>
+    </dgm:pt>
+    <dgm:pt modelId="{4891FD67-D496-43B1-AAAA-FB43CACB8134}">
       <dgm:prSet phldrT="[Text]" custT="1"/>
       <dgm:spPr/>
       <dgm:t>
@@ -7136,23 +7479,73 @@
             <a:buNone/>
           </a:pPr>
           <a:r>
-            <a:rPr lang="en-US" sz="1800" u="none" dirty="0"/>
-            <a:t>~/</a:t>
-          </a:r>
-          <a:r>
-            <a:rPr lang="en-US" sz="1800" dirty="0"/>
-            <a:t>data/processed/</a:t>
-          </a:r>
-          <a:r>
-            <a:rPr lang="en-US" sz="1800" dirty="0" err="1"/>
+            <a:rPr lang="en-US" sz="1600" dirty="0" err="1" smtClean="0">
+              <a:solidFill>
+                <a:schemeClr val="tx1"/>
+              </a:solidFill>
+            </a:rPr>
+            <a:t>dens_vals_measurement.RData</a:t>
+          </a:r>
+          <a:r>
+            <a:rPr lang="en-US" sz="1600" dirty="0" smtClean="0">
+              <a:solidFill>
+                <a:schemeClr val="tx1"/>
+              </a:solidFill>
+            </a:rPr>
+            <a:t>: predicted density based on the simulating measurement error conditioned on the fixed and random effects from VAST</a:t>
+          </a:r>
+          <a:endParaRPr lang="en-US" sz="1600" dirty="0">
+            <a:solidFill>
+              <a:schemeClr val="bg1">
+                <a:lumMod val="50000"/>
+              </a:schemeClr>
+            </a:solidFill>
+          </a:endParaRPr>
+        </a:p>
+      </dgm:t>
+    </dgm:pt>
+    <dgm:pt modelId="{521644B0-E40C-4932-B70C-C9278B62866E}" type="parTrans" cxnId="{2B3F665E-6C26-4C8C-8925-3FA18AD3448C}">
+      <dgm:prSet/>
+      <dgm:spPr/>
+      <dgm:t>
+        <a:bodyPr/>
+        <a:lstStyle/>
+        <a:p>
+          <a:endParaRPr lang="en-US"/>
+        </a:p>
+      </dgm:t>
+    </dgm:pt>
+    <dgm:pt modelId="{921942D5-F19D-4E5F-B814-4F4FA6126DFC}" type="sibTrans" cxnId="{2B3F665E-6C26-4C8C-8925-3FA18AD3448C}">
+      <dgm:prSet/>
+      <dgm:spPr/>
+      <dgm:t>
+        <a:bodyPr/>
+        <a:lstStyle/>
+        <a:p>
+          <a:endParaRPr lang="en-US"/>
+        </a:p>
+      </dgm:t>
+    </dgm:pt>
+    <dgm:pt modelId="{ABAAE8DB-E2CC-43CB-8D93-71DC9EFC3D10}">
+      <dgm:prSet phldrT="[Text]" custT="1"/>
+      <dgm:spPr/>
+      <dgm:t>
+        <a:bodyPr/>
+        <a:lstStyle/>
+        <a:p>
+          <a:pPr>
+            <a:buNone/>
+          </a:pPr>
+          <a:r>
+            <a:rPr lang="en-US" sz="1600" dirty="0" err="1" smtClean="0"/>
             <a:t>optimization_data.RData</a:t>
           </a:r>
           <a:r>
-            <a:rPr lang="en-US" sz="1800" dirty="0"/>
+            <a:rPr lang="en-US" sz="1600" dirty="0"/>
             <a:t>: </a:t>
           </a:r>
           <a:r>
-            <a:rPr lang="en-US" sz="1800" dirty="0">
+            <a:rPr lang="en-US" sz="1600" dirty="0">
               <a:solidFill>
                 <a:schemeClr val="bg1">
                   <a:lumMod val="50000"/>
@@ -7164,7 +7557,7 @@
         </a:p>
       </dgm:t>
     </dgm:pt>
-    <dgm:pt modelId="{71605052-445C-4B49-9A4B-2DCF504AD115}" type="parTrans" cxnId="{B9F397F0-7A59-4437-81F7-0BEB182623E3}">
+    <dgm:pt modelId="{8A59B9EC-BD07-4456-A8DF-54771CAB9EB4}" type="parTrans" cxnId="{CCF631FA-41A2-4046-B2DC-3AA7FEA2E47F}">
       <dgm:prSet/>
       <dgm:spPr/>
       <dgm:t>
@@ -7175,7 +7568,7 @@
         </a:p>
       </dgm:t>
     </dgm:pt>
-    <dgm:pt modelId="{84E281FA-B092-4FA8-A2AE-CFCEA05B4214}" type="sibTrans" cxnId="{B9F397F0-7A59-4437-81F7-0BEB182623E3}">
+    <dgm:pt modelId="{2FE575B9-B4B2-43A2-A60A-5BACBE0F9C57}" type="sibTrans" cxnId="{CCF631FA-41A2-4046-B2DC-3AA7FEA2E47F}">
       <dgm:prSet/>
       <dgm:spPr/>
       <dgm:t>
@@ -7186,7 +7579,7 @@
         </a:p>
       </dgm:t>
     </dgm:pt>
-    <dgm:pt modelId="{958DC5F8-13C6-4060-9DA7-572015EE948E}">
+    <dgm:pt modelId="{C7F13D55-EA84-4653-9F8F-927870A64E81}">
       <dgm:prSet phldrT="[Text]" custT="1"/>
       <dgm:spPr/>
       <dgm:t>
@@ -7197,157 +7590,88 @@
             <a:buNone/>
           </a:pPr>
           <a:r>
-            <a:rPr lang="en-US" sz="1400" u="none" dirty="0"/>
-            <a:t>- </a:t>
-          </a:r>
-          <a:r>
-            <a:rPr lang="en-US" sz="1400" u="none" dirty="0" err="1"/>
-            <a:t>grid_goa.RData</a:t>
-          </a:r>
-          <a:r>
-            <a:rPr lang="en-US" sz="1400" u="none" dirty="0"/>
-            <a:t>: </a:t>
-          </a:r>
-          <a:r>
-            <a:rPr lang="en-US" sz="1400" i="0" u="none" dirty="0">
-              <a:solidFill>
-                <a:schemeClr val="bg1">
-                  <a:lumMod val="50000"/>
-                </a:schemeClr>
-              </a:solidFill>
-            </a:rPr>
-            <a:t>goa grid with bathymetry</a:t>
-          </a:r>
-        </a:p>
-      </dgm:t>
-    </dgm:pt>
-    <dgm:pt modelId="{92C2B2B2-DF39-4F92-9E36-6142C56C5522}" type="parTrans" cxnId="{0326A130-63ED-4980-A431-4DB3F63EF895}">
-      <dgm:prSet/>
-      <dgm:spPr/>
-      <dgm:t>
-        <a:bodyPr/>
-        <a:lstStyle/>
-        <a:p>
-          <a:endParaRPr lang="en-US"/>
-        </a:p>
-      </dgm:t>
-    </dgm:pt>
-    <dgm:pt modelId="{BDE7F979-986D-43E2-824A-8A00B1EF1534}" type="sibTrans" cxnId="{0326A130-63ED-4980-A431-4DB3F63EF895}">
-      <dgm:prSet/>
-      <dgm:spPr/>
-      <dgm:t>
-        <a:bodyPr/>
-        <a:lstStyle/>
-        <a:p>
-          <a:endParaRPr lang="en-US"/>
-        </a:p>
-      </dgm:t>
-    </dgm:pt>
-    <dgm:pt modelId="{F13B17A0-86C6-45C8-A1A1-58051CE11C6F}">
-      <dgm:prSet phldrT="[Text]" custT="1"/>
-      <dgm:spPr/>
-      <dgm:t>
-        <a:bodyPr/>
-        <a:lstStyle/>
-        <a:p>
-          <a:pPr>
-            <a:buNone/>
-          </a:pPr>
-          <a:r>
-            <a:rPr lang="en-US" sz="1400" u="none" dirty="0"/>
-            <a:t>- </a:t>
-          </a:r>
-          <a:r>
-            <a:rPr lang="en-US" sz="1400" u="none" dirty="0" err="1"/>
-            <a:t>VAST_fit_D_gct.Rdata</a:t>
-          </a:r>
-          <a:r>
-            <a:rPr lang="en-US" sz="1400" u="none" dirty="0"/>
-            <a:t>: </a:t>
-          </a:r>
-          <a:r>
-            <a:rPr lang="en-US" sz="1400" u="none" dirty="0">
-              <a:solidFill>
-                <a:schemeClr val="bg1">
-                  <a:lumMod val="50000"/>
-                </a:schemeClr>
-              </a:solidFill>
-            </a:rPr>
-            <a:t>“best” single-species predicted density for each cell (g), species (c) and year (t) in one 3-D array</a:t>
-          </a:r>
-        </a:p>
-      </dgm:t>
-    </dgm:pt>
-    <dgm:pt modelId="{B2B47FC7-5958-4A44-A4CE-453C0A0BC836}" type="parTrans" cxnId="{473431EE-F39C-48EA-A045-B86C38621641}">
-      <dgm:prSet/>
-      <dgm:spPr/>
-      <dgm:t>
-        <a:bodyPr/>
-        <a:lstStyle/>
-        <a:p>
-          <a:endParaRPr lang="en-US"/>
-        </a:p>
-      </dgm:t>
-    </dgm:pt>
-    <dgm:pt modelId="{82F0F7A3-3707-4B24-8D7E-99D069D182AB}" type="sibTrans" cxnId="{473431EE-F39C-48EA-A045-B86C38621641}">
-      <dgm:prSet/>
-      <dgm:spPr/>
-      <dgm:t>
-        <a:bodyPr/>
-        <a:lstStyle/>
-        <a:p>
-          <a:endParaRPr lang="en-US"/>
-        </a:p>
-      </dgm:t>
-    </dgm:pt>
-    <dgm:pt modelId="{AAB741E9-0A62-4A1A-88D2-E166C54108A7}">
-      <dgm:prSet phldrT="[Text]" custT="1"/>
-      <dgm:spPr/>
-      <dgm:t>
-        <a:bodyPr/>
-        <a:lstStyle/>
-        <a:p>
-          <a:pPr>
-            <a:buNone/>
-          </a:pPr>
-          <a:r>
-            <a:rPr lang="en-US" sz="1400" u="none" dirty="0">
+            <a:rPr lang="en-US" sz="1600" dirty="0" err="1" smtClean="0">
               <a:solidFill>
                 <a:schemeClr val="tx1"/>
               </a:solidFill>
             </a:rPr>
-            <a:t>-</a:t>
-          </a:r>
-          <a:r>
-            <a:rPr lang="en-US" sz="1400" u="none" dirty="0" err="1">
+            <a:t>dens_vals_MLE.RData</a:t>
+          </a:r>
+          <a:r>
+            <a:rPr lang="en-US" sz="1600" dirty="0" smtClean="0">
               <a:solidFill>
                 <a:schemeClr val="tx1"/>
               </a:solidFill>
             </a:rPr>
-            <a:t>VAST_fit_I_gct.Rdata</a:t>
-          </a:r>
-          <a:r>
-            <a:rPr lang="en-US" sz="1400" u="none" dirty="0">
+            <a:t>: predicted density based on the maximum likelihood estimates of the fixed and random parameters from VAST</a:t>
+          </a:r>
+          <a:endParaRPr lang="en-US" sz="1600" dirty="0">
+            <a:solidFill>
+              <a:schemeClr val="tx1"/>
+            </a:solidFill>
+          </a:endParaRPr>
+        </a:p>
+      </dgm:t>
+    </dgm:pt>
+    <dgm:pt modelId="{DE372AD7-AE8A-4A5C-85EF-7BBFC4EAD400}" type="parTrans" cxnId="{0A6F4B5C-ED9F-4872-8178-50FFCE0A26DC}">
+      <dgm:prSet/>
+      <dgm:spPr/>
+      <dgm:t>
+        <a:bodyPr/>
+        <a:lstStyle/>
+        <a:p>
+          <a:endParaRPr lang="en-US"/>
+        </a:p>
+      </dgm:t>
+    </dgm:pt>
+    <dgm:pt modelId="{F7D59EE5-C62A-46EB-A804-C93760F2FF41}" type="sibTrans" cxnId="{0A6F4B5C-ED9F-4872-8178-50FFCE0A26DC}">
+      <dgm:prSet/>
+      <dgm:spPr/>
+      <dgm:t>
+        <a:bodyPr/>
+        <a:lstStyle/>
+        <a:p>
+          <a:endParaRPr lang="en-US"/>
+        </a:p>
+      </dgm:t>
+    </dgm:pt>
+    <dgm:pt modelId="{DC7F1DFF-09BB-4B4C-B671-9F3BA266632A}">
+      <dgm:prSet phldrT="[Text]" custT="1"/>
+      <dgm:spPr/>
+      <dgm:t>
+        <a:bodyPr/>
+        <a:lstStyle/>
+        <a:p>
+          <a:pPr>
+            <a:buNone/>
+          </a:pPr>
+          <a:r>
+            <a:rPr lang="en-US" sz="1600" dirty="0" err="1" smtClean="0">
               <a:solidFill>
                 <a:schemeClr val="tx1"/>
               </a:solidFill>
             </a:rPr>
-            <a:t>: </a:t>
-          </a:r>
-          <a:r>
-            <a:rPr lang="en-US" sz="1400" u="none" dirty="0">
+            <a:t>dens_vals_fixed_random.RData</a:t>
+          </a:r>
+          <a:r>
+            <a:rPr lang="en-US" sz="1600" dirty="0" smtClean="0">
               <a:solidFill>
-                <a:schemeClr val="bg1">
-                  <a:lumMod val="50000"/>
-                </a:schemeClr>
+                <a:schemeClr val="tx1"/>
               </a:solidFill>
             </a:rPr>
-            <a:t>“best” single-species predicted abundance for each cell (g), species (c) and year (t) in one 3-D array</a:t>
-          </a:r>
+            <a:t>: predicted density based on the simulating fixed and random effects from VAST</a:t>
+          </a:r>
+          <a:endParaRPr lang="en-US" sz="1600" dirty="0">
+            <a:solidFill>
+              <a:schemeClr val="bg1">
+                <a:lumMod val="50000"/>
+              </a:schemeClr>
+            </a:solidFill>
+          </a:endParaRPr>
         </a:p>
       </dgm:t>
     </dgm:pt>
-    <dgm:pt modelId="{F302E746-C63C-4CF2-BB91-51B229830F31}" type="parTrans" cxnId="{21BAFE6C-EC35-448A-B410-9FE4C9A64DC0}">
+    <dgm:pt modelId="{BBB28F1D-194C-4571-9A62-A6B6EA846AE0}" type="parTrans" cxnId="{B7053CA3-5B0E-459E-92A0-4BCA05754ED6}">
       <dgm:prSet/>
       <dgm:spPr/>
       <dgm:t>
@@ -7358,7 +7682,7 @@
         </a:p>
       </dgm:t>
     </dgm:pt>
-    <dgm:pt modelId="{1B53089C-3F7E-4E98-ADDE-EEC2D993585E}" type="sibTrans" cxnId="{21BAFE6C-EC35-448A-B410-9FE4C9A64DC0}">
+    <dgm:pt modelId="{2B60A694-34C4-4DCD-A380-60E51B32C261}" type="sibTrans" cxnId="{B7053CA3-5B0E-459E-92A0-4BCA05754ED6}">
       <dgm:prSet/>
       <dgm:spPr/>
       <dgm:t>
@@ -7378,6 +7702,13 @@
         </dgm:presLayoutVars>
       </dgm:prSet>
       <dgm:spPr/>
+      <dgm:t>
+        <a:bodyPr/>
+        <a:lstStyle/>
+        <a:p>
+          <a:endParaRPr lang="en-US"/>
+        </a:p>
+      </dgm:t>
     </dgm:pt>
     <dgm:pt modelId="{4D46CCB9-E0D7-49E4-8700-7CE19FB27C88}" type="pres">
       <dgm:prSet presAssocID="{15A2342C-342E-4AF1-ABFE-6D641BAF41A1}" presName="composite" presStyleCnt="0"/>
@@ -7391,14 +7722,28 @@
         </dgm:presLayoutVars>
       </dgm:prSet>
       <dgm:spPr/>
+      <dgm:t>
+        <a:bodyPr/>
+        <a:lstStyle/>
+        <a:p>
+          <a:endParaRPr lang="en-US"/>
+        </a:p>
+      </dgm:t>
     </dgm:pt>
     <dgm:pt modelId="{5FDFAD45-BE3A-42C7-96F9-147D175477B9}" type="pres">
-      <dgm:prSet presAssocID="{15A2342C-342E-4AF1-ABFE-6D641BAF41A1}" presName="descendantText" presStyleLbl="alignAcc1" presStyleIdx="0" presStyleCnt="3" custScaleY="144459">
+      <dgm:prSet presAssocID="{15A2342C-342E-4AF1-ABFE-6D641BAF41A1}" presName="descendantText" presStyleLbl="alignAcc1" presStyleIdx="0" presStyleCnt="3" custScaleY="152854">
         <dgm:presLayoutVars>
           <dgm:bulletEnabled val="1"/>
         </dgm:presLayoutVars>
       </dgm:prSet>
       <dgm:spPr/>
+      <dgm:t>
+        <a:bodyPr/>
+        <a:lstStyle/>
+        <a:p>
+          <a:endParaRPr lang="en-US"/>
+        </a:p>
+      </dgm:t>
     </dgm:pt>
     <dgm:pt modelId="{0B93D529-6A78-4555-B1DB-9F922703E6C7}" type="pres">
       <dgm:prSet presAssocID="{3091C5B6-412E-4FA9-921C-1CCBB20FB078}" presName="sp" presStyleCnt="0"/>
@@ -7416,6 +7761,13 @@
         </dgm:presLayoutVars>
       </dgm:prSet>
       <dgm:spPr/>
+      <dgm:t>
+        <a:bodyPr/>
+        <a:lstStyle/>
+        <a:p>
+          <a:endParaRPr lang="en-US"/>
+        </a:p>
+      </dgm:t>
     </dgm:pt>
     <dgm:pt modelId="{3EE3D444-F1E2-4D81-B343-EEB78C9B7BC2}" type="pres">
       <dgm:prSet presAssocID="{A21E80E9-3E30-4727-979B-CC3F1A7A22C5}" presName="descendantText" presStyleLbl="alignAcc1" presStyleIdx="1" presStyleCnt="3" custScaleY="35851">
@@ -7424,6 +7776,13 @@
         </dgm:presLayoutVars>
       </dgm:prSet>
       <dgm:spPr/>
+      <dgm:t>
+        <a:bodyPr/>
+        <a:lstStyle/>
+        <a:p>
+          <a:endParaRPr lang="en-US"/>
+        </a:p>
+      </dgm:t>
     </dgm:pt>
     <dgm:pt modelId="{56499CC1-1A65-4B3A-8A68-E81F41293563}" type="pres">
       <dgm:prSet presAssocID="{2E128CC8-58D8-49C7-B524-7F998825E08C}" presName="sp" presStyleCnt="0"/>
@@ -7441,36 +7800,56 @@
         </dgm:presLayoutVars>
       </dgm:prSet>
       <dgm:spPr/>
+      <dgm:t>
+        <a:bodyPr/>
+        <a:lstStyle/>
+        <a:p>
+          <a:endParaRPr lang="en-US"/>
+        </a:p>
+      </dgm:t>
     </dgm:pt>
     <dgm:pt modelId="{8FBC2C5D-9E47-4B2D-8CC0-0827ADC6EE57}" type="pres">
-      <dgm:prSet presAssocID="{FDFD6E2B-DBAB-4056-BC28-C138724F0441}" presName="descendantText" presStyleLbl="alignAcc1" presStyleIdx="2" presStyleCnt="3">
+      <dgm:prSet presAssocID="{FDFD6E2B-DBAB-4056-BC28-C138724F0441}" presName="descendantText" presStyleLbl="alignAcc1" presStyleIdx="2" presStyleCnt="3" custScaleY="284064">
         <dgm:presLayoutVars>
           <dgm:bulletEnabled val="1"/>
         </dgm:presLayoutVars>
       </dgm:prSet>
       <dgm:spPr/>
+      <dgm:t>
+        <a:bodyPr/>
+        <a:lstStyle/>
+        <a:p>
+          <a:endParaRPr lang="en-US"/>
+        </a:p>
+      </dgm:t>
     </dgm:pt>
   </dgm:ptLst>
   <dgm:cxnLst>
+    <dgm:cxn modelId="{28F4B55F-1626-4A11-B2A3-6C5FBCF466EE}" type="presOf" srcId="{CBA4680F-B921-4539-96E8-73E248B26438}" destId="{5FDFAD45-BE3A-42C7-96F9-147D175477B9}" srcOrd="0" destOrd="0" presId="urn:microsoft.com/office/officeart/2005/8/layout/chevron2"/>
+    <dgm:cxn modelId="{890C6129-FED3-4F32-A1CE-803923CC13FB}" srcId="{B56C8652-49D2-40A6-9CA3-CE8DCF0946F5}" destId="{A21E80E9-3E30-4727-979B-CC3F1A7A22C5}" srcOrd="1" destOrd="0" parTransId="{5C40DCA5-A5ED-48F4-971B-7B525589E1B6}" sibTransId="{2E128CC8-58D8-49C7-B524-7F998825E08C}"/>
+    <dgm:cxn modelId="{CBE38C60-2AAF-4767-AECB-3298EFA7C80C}" type="presOf" srcId="{15A2342C-342E-4AF1-ABFE-6D641BAF41A1}" destId="{049C38D1-B597-49E9-8B00-78FB12FB25CF}" srcOrd="0" destOrd="0" presId="urn:microsoft.com/office/officeart/2005/8/layout/chevron2"/>
+    <dgm:cxn modelId="{0A6F4B5C-ED9F-4872-8178-50FFCE0A26DC}" srcId="{1693A56B-51EB-4EEE-B5A0-2587A76BB504}" destId="{C7F13D55-EA84-4653-9F8F-927870A64E81}" srcOrd="1" destOrd="0" parTransId="{DE372AD7-AE8A-4A5C-85EF-7BBFC4EAD400}" sibTransId="{F7D59EE5-C62A-46EB-A804-C93760F2FF41}"/>
+    <dgm:cxn modelId="{82F94CF7-E0DE-440A-B1D1-883572629C8B}" type="presOf" srcId="{A21E80E9-3E30-4727-979B-CC3F1A7A22C5}" destId="{8EB604FD-2448-4F33-9F96-EAFE912047E9}" srcOrd="0" destOrd="0" presId="urn:microsoft.com/office/officeart/2005/8/layout/chevron2"/>
+    <dgm:cxn modelId="{8F292043-0AE3-4A7F-922F-280AA19022B7}" srcId="{CBA4680F-B921-4539-96E8-73E248B26438}" destId="{DD72F1AC-36A9-4FC9-B3DD-284B7304268B}" srcOrd="1" destOrd="0" parTransId="{278A84E8-AB0B-498A-88F0-D7815C0E6EBE}" sibTransId="{52B77427-3B7D-4B9E-B3D0-BFAE29C78F62}"/>
+    <dgm:cxn modelId="{2B3F665E-6C26-4C8C-8925-3FA18AD3448C}" srcId="{1693A56B-51EB-4EEE-B5A0-2587A76BB504}" destId="{4891FD67-D496-43B1-AAAA-FB43CACB8134}" srcOrd="2" destOrd="0" parTransId="{521644B0-E40C-4932-B70C-C9278B62866E}" sibTransId="{921942D5-F19D-4E5F-B814-4F4FA6126DFC}"/>
+    <dgm:cxn modelId="{98E93161-C30E-43AA-AF6B-299C6C6168AE}" srcId="{A21E80E9-3E30-4727-979B-CC3F1A7A22C5}" destId="{7251001A-0584-4766-A6D7-0E44BBBBDC12}" srcOrd="0" destOrd="0" parTransId="{FE219C25-7519-49A1-80FC-88DBD277BE7B}" sibTransId="{3A3E3377-B627-44C2-A026-04B55D885A13}"/>
+    <dgm:cxn modelId="{77CC48A9-7F58-4588-B078-1F5FB409FA61}" type="presOf" srcId="{ABAAE8DB-E2CC-43CB-8D93-71DC9EFC3D10}" destId="{8FBC2C5D-9E47-4B2D-8CC0-0827ADC6EE57}" srcOrd="0" destOrd="1" presId="urn:microsoft.com/office/officeart/2005/8/layout/chevron2"/>
+    <dgm:cxn modelId="{B7053CA3-5B0E-459E-92A0-4BCA05754ED6}" srcId="{1693A56B-51EB-4EEE-B5A0-2587A76BB504}" destId="{DC7F1DFF-09BB-4B4C-B671-9F3BA266632A}" srcOrd="3" destOrd="0" parTransId="{BBB28F1D-194C-4571-9A62-A6B6EA846AE0}" sibTransId="{2B60A694-34C4-4DCD-A380-60E51B32C261}"/>
+    <dgm:cxn modelId="{42A2C57A-441E-40C1-B0DD-ADED530A699C}" type="presOf" srcId="{958DC5F8-13C6-4060-9DA7-572015EE948E}" destId="{5FDFAD45-BE3A-42C7-96F9-147D175477B9}" srcOrd="0" destOrd="1" presId="urn:microsoft.com/office/officeart/2005/8/layout/chevron2"/>
+    <dgm:cxn modelId="{CCF631FA-41A2-4046-B2DC-3AA7FEA2E47F}" srcId="{1693A56B-51EB-4EEE-B5A0-2587A76BB504}" destId="{ABAAE8DB-E2CC-43CB-8D93-71DC9EFC3D10}" srcOrd="0" destOrd="0" parTransId="{8A59B9EC-BD07-4456-A8DF-54771CAB9EB4}" sibTransId="{2FE575B9-B4B2-43A2-A60A-5BACBE0F9C57}"/>
+    <dgm:cxn modelId="{0AA5C12A-35F9-4293-BE1B-E1E5AC07E9AF}" type="presOf" srcId="{DC7F1DFF-09BB-4B4C-B671-9F3BA266632A}" destId="{8FBC2C5D-9E47-4B2D-8CC0-0827ADC6EE57}" srcOrd="0" destOrd="4" presId="urn:microsoft.com/office/officeart/2005/8/layout/chevron2"/>
+    <dgm:cxn modelId="{FDE1C7A9-B83A-4B23-BD5B-352FE6846570}" type="presOf" srcId="{DD72F1AC-36A9-4FC9-B3DD-284B7304268B}" destId="{5FDFAD45-BE3A-42C7-96F9-147D175477B9}" srcOrd="0" destOrd="2" presId="urn:microsoft.com/office/officeart/2005/8/layout/chevron2"/>
+    <dgm:cxn modelId="{0326A130-63ED-4980-A431-4DB3F63EF895}" srcId="{CBA4680F-B921-4539-96E8-73E248B26438}" destId="{958DC5F8-13C6-4060-9DA7-572015EE948E}" srcOrd="0" destOrd="0" parTransId="{92C2B2B2-DF39-4F92-9E36-6142C56C5522}" sibTransId="{BDE7F979-986D-43E2-824A-8A00B1EF1534}"/>
+    <dgm:cxn modelId="{26A054A0-1AB4-43B6-8F58-0FC6C712A2A4}" srcId="{15A2342C-342E-4AF1-ABFE-6D641BAF41A1}" destId="{CBA4680F-B921-4539-96E8-73E248B26438}" srcOrd="0" destOrd="0" parTransId="{CFA20A3C-0F95-4996-A60F-CD8C5D7EA0C8}" sibTransId="{66C95EC4-2BD0-44E1-98AF-5AEB75A287A4}"/>
+    <dgm:cxn modelId="{66B94978-2CF8-4782-9F42-CE809C56F64F}" type="presOf" srcId="{4891FD67-D496-43B1-AAAA-FB43CACB8134}" destId="{8FBC2C5D-9E47-4B2D-8CC0-0827ADC6EE57}" srcOrd="0" destOrd="3" presId="urn:microsoft.com/office/officeart/2005/8/layout/chevron2"/>
+    <dgm:cxn modelId="{0AA7C964-F08A-434D-849D-CB60E50F510C}" type="presOf" srcId="{FDFD6E2B-DBAB-4056-BC28-C138724F0441}" destId="{0837024A-932D-4B89-A5B5-1646702B04D6}" srcOrd="0" destOrd="0" presId="urn:microsoft.com/office/officeart/2005/8/layout/chevron2"/>
+    <dgm:cxn modelId="{B9F397F0-7A59-4437-81F7-0BEB182623E3}" srcId="{FDFD6E2B-DBAB-4056-BC28-C138724F0441}" destId="{1693A56B-51EB-4EEE-B5A0-2587A76BB504}" srcOrd="0" destOrd="0" parTransId="{71605052-445C-4B49-9A4B-2DCF504AD115}" sibTransId="{84E281FA-B092-4FA8-A2AE-CFCEA05B4214}"/>
     <dgm:cxn modelId="{58890E05-AD91-4C6E-AFAF-1570690574EA}" type="presOf" srcId="{B56C8652-49D2-40A6-9CA3-CE8DCF0946F5}" destId="{142F673A-C255-456D-9E41-60A8F8DECB23}" srcOrd="0" destOrd="0" presId="urn:microsoft.com/office/officeart/2005/8/layout/chevron2"/>
-    <dgm:cxn modelId="{385FB91F-288F-4FC3-A6FF-5DDEB4CCCBFE}" type="presOf" srcId="{AAB741E9-0A62-4A1A-88D2-E166C54108A7}" destId="{5FDFAD45-BE3A-42C7-96F9-147D175477B9}" srcOrd="0" destOrd="3" presId="urn:microsoft.com/office/officeart/2005/8/layout/chevron2"/>
-    <dgm:cxn modelId="{890C6129-FED3-4F32-A1CE-803923CC13FB}" srcId="{B56C8652-49D2-40A6-9CA3-CE8DCF0946F5}" destId="{A21E80E9-3E30-4727-979B-CC3F1A7A22C5}" srcOrd="1" destOrd="0" parTransId="{5C40DCA5-A5ED-48F4-971B-7B525589E1B6}" sibTransId="{2E128CC8-58D8-49C7-B524-7F998825E08C}"/>
-    <dgm:cxn modelId="{0326A130-63ED-4980-A431-4DB3F63EF895}" srcId="{15A2342C-342E-4AF1-ABFE-6D641BAF41A1}" destId="{958DC5F8-13C6-4060-9DA7-572015EE948E}" srcOrd="1" destOrd="0" parTransId="{92C2B2B2-DF39-4F92-9E36-6142C56C5522}" sibTransId="{BDE7F979-986D-43E2-824A-8A00B1EF1534}"/>
-    <dgm:cxn modelId="{E914BB3B-B500-4A5E-9DB8-004BB6465C45}" type="presOf" srcId="{F13B17A0-86C6-45C8-A1A1-58051CE11C6F}" destId="{5FDFAD45-BE3A-42C7-96F9-147D175477B9}" srcOrd="0" destOrd="2" presId="urn:microsoft.com/office/officeart/2005/8/layout/chevron2"/>
-    <dgm:cxn modelId="{28F4B55F-1626-4A11-B2A3-6C5FBCF466EE}" type="presOf" srcId="{CBA4680F-B921-4539-96E8-73E248B26438}" destId="{5FDFAD45-BE3A-42C7-96F9-147D175477B9}" srcOrd="0" destOrd="0" presId="urn:microsoft.com/office/officeart/2005/8/layout/chevron2"/>
-    <dgm:cxn modelId="{CBE38C60-2AAF-4767-AECB-3298EFA7C80C}" type="presOf" srcId="{15A2342C-342E-4AF1-ABFE-6D641BAF41A1}" destId="{049C38D1-B597-49E9-8B00-78FB12FB25CF}" srcOrd="0" destOrd="0" presId="urn:microsoft.com/office/officeart/2005/8/layout/chevron2"/>
-    <dgm:cxn modelId="{98E93161-C30E-43AA-AF6B-299C6C6168AE}" srcId="{A21E80E9-3E30-4727-979B-CC3F1A7A22C5}" destId="{7251001A-0584-4766-A6D7-0E44BBBBDC12}" srcOrd="0" destOrd="0" parTransId="{FE219C25-7519-49A1-80FC-88DBD277BE7B}" sibTransId="{3A3E3377-B627-44C2-A026-04B55D885A13}"/>
-    <dgm:cxn modelId="{0AA7C964-F08A-434D-849D-CB60E50F510C}" type="presOf" srcId="{FDFD6E2B-DBAB-4056-BC28-C138724F0441}" destId="{0837024A-932D-4B89-A5B5-1646702B04D6}" srcOrd="0" destOrd="0" presId="urn:microsoft.com/office/officeart/2005/8/layout/chevron2"/>
     <dgm:cxn modelId="{331E5267-3B46-40FC-807B-5869C9435943}" srcId="{B56C8652-49D2-40A6-9CA3-CE8DCF0946F5}" destId="{FDFD6E2B-DBAB-4056-BC28-C138724F0441}" srcOrd="2" destOrd="0" parTransId="{A185C7BD-8F3D-48FC-AACD-370FC7051347}" sibTransId="{2EAE1DED-33EB-4BB9-B279-4AEA7E7C396D}"/>
-    <dgm:cxn modelId="{21BAFE6C-EC35-448A-B410-9FE4C9A64DC0}" srcId="{15A2342C-342E-4AF1-ABFE-6D641BAF41A1}" destId="{AAB741E9-0A62-4A1A-88D2-E166C54108A7}" srcOrd="3" destOrd="0" parTransId="{F302E746-C63C-4CF2-BB91-51B229830F31}" sibTransId="{1B53089C-3F7E-4E98-ADDE-EEC2D993585E}"/>
-    <dgm:cxn modelId="{42A2C57A-441E-40C1-B0DD-ADED530A699C}" type="presOf" srcId="{958DC5F8-13C6-4060-9DA7-572015EE948E}" destId="{5FDFAD45-BE3A-42C7-96F9-147D175477B9}" srcOrd="0" destOrd="1" presId="urn:microsoft.com/office/officeart/2005/8/layout/chevron2"/>
+    <dgm:cxn modelId="{86D5B1B6-FC3B-40C9-B662-895EFF0C484F}" type="presOf" srcId="{1693A56B-51EB-4EEE-B5A0-2587A76BB504}" destId="{8FBC2C5D-9E47-4B2D-8CC0-0827ADC6EE57}" srcOrd="0" destOrd="0" presId="urn:microsoft.com/office/officeart/2005/8/layout/chevron2"/>
+    <dgm:cxn modelId="{8EEC9CF2-D120-4C04-BC12-101E42BC9E21}" type="presOf" srcId="{C7F13D55-EA84-4653-9F8F-927870A64E81}" destId="{8FBC2C5D-9E47-4B2D-8CC0-0827ADC6EE57}" srcOrd="0" destOrd="2" presId="urn:microsoft.com/office/officeart/2005/8/layout/chevron2"/>
     <dgm:cxn modelId="{FD15FF7D-7615-413A-936D-840A88CEEF81}" type="presOf" srcId="{7251001A-0584-4766-A6D7-0E44BBBBDC12}" destId="{3EE3D444-F1E2-4D81-B343-EEB78C9B7BC2}" srcOrd="0" destOrd="0" presId="urn:microsoft.com/office/officeart/2005/8/layout/chevron2"/>
     <dgm:cxn modelId="{2A878A9C-A599-4E25-8F35-179342BC54EF}" srcId="{B56C8652-49D2-40A6-9CA3-CE8DCF0946F5}" destId="{15A2342C-342E-4AF1-ABFE-6D641BAF41A1}" srcOrd="0" destOrd="0" parTransId="{3113E09E-2B5D-47FE-89F9-BC4D9A8CB38B}" sibTransId="{3091C5B6-412E-4FA9-921C-1CCBB20FB078}"/>
-    <dgm:cxn modelId="{26A054A0-1AB4-43B6-8F58-0FC6C712A2A4}" srcId="{15A2342C-342E-4AF1-ABFE-6D641BAF41A1}" destId="{CBA4680F-B921-4539-96E8-73E248B26438}" srcOrd="0" destOrd="0" parTransId="{CFA20A3C-0F95-4996-A60F-CD8C5D7EA0C8}" sibTransId="{66C95EC4-2BD0-44E1-98AF-5AEB75A287A4}"/>
-    <dgm:cxn modelId="{86D5B1B6-FC3B-40C9-B662-895EFF0C484F}" type="presOf" srcId="{1693A56B-51EB-4EEE-B5A0-2587A76BB504}" destId="{8FBC2C5D-9E47-4B2D-8CC0-0827ADC6EE57}" srcOrd="0" destOrd="0" presId="urn:microsoft.com/office/officeart/2005/8/layout/chevron2"/>
-    <dgm:cxn modelId="{473431EE-F39C-48EA-A045-B86C38621641}" srcId="{15A2342C-342E-4AF1-ABFE-6D641BAF41A1}" destId="{F13B17A0-86C6-45C8-A1A1-58051CE11C6F}" srcOrd="2" destOrd="0" parTransId="{B2B47FC7-5958-4A44-A4CE-453C0A0BC836}" sibTransId="{82F0F7A3-3707-4B24-8D7E-99D069D182AB}"/>
-    <dgm:cxn modelId="{B9F397F0-7A59-4437-81F7-0BEB182623E3}" srcId="{FDFD6E2B-DBAB-4056-BC28-C138724F0441}" destId="{1693A56B-51EB-4EEE-B5A0-2587A76BB504}" srcOrd="0" destOrd="0" parTransId="{71605052-445C-4B49-9A4B-2DCF504AD115}" sibTransId="{84E281FA-B092-4FA8-A2AE-CFCEA05B4214}"/>
-    <dgm:cxn modelId="{82F94CF7-E0DE-440A-B1D1-883572629C8B}" type="presOf" srcId="{A21E80E9-3E30-4727-979B-CC3F1A7A22C5}" destId="{8EB604FD-2448-4F33-9F96-EAFE912047E9}" srcOrd="0" destOrd="0" presId="urn:microsoft.com/office/officeart/2005/8/layout/chevron2"/>
     <dgm:cxn modelId="{13250355-16DD-4CD2-9C12-90DB9DA37F12}" type="presParOf" srcId="{142F673A-C255-456D-9E41-60A8F8DECB23}" destId="{4D46CCB9-E0D7-49E4-8700-7CE19FB27C88}" srcOrd="0" destOrd="0" presId="urn:microsoft.com/office/officeart/2005/8/layout/chevron2"/>
     <dgm:cxn modelId="{817BC056-467A-4A41-A953-E66324C2905D}" type="presParOf" srcId="{4D46CCB9-E0D7-49E4-8700-7CE19FB27C88}" destId="{049C38D1-B597-49E9-8B00-78FB12FB25CF}" srcOrd="0" destOrd="0" presId="urn:microsoft.com/office/officeart/2005/8/layout/chevron2"/>
     <dgm:cxn modelId="{9630092D-D071-4A9D-86C1-D2F2FD525441}" type="presParOf" srcId="{4D46CCB9-E0D7-49E4-8700-7CE19FB27C88}" destId="{5FDFAD45-BE3A-42C7-96F9-147D175477B9}" srcOrd="1" destOrd="0" presId="urn:microsoft.com/office/officeart/2005/8/layout/chevron2"/>
@@ -8040,6 +8419,13 @@
         </dgm:presLayoutVars>
       </dgm:prSet>
       <dgm:spPr/>
+      <dgm:t>
+        <a:bodyPr/>
+        <a:lstStyle/>
+        <a:p>
+          <a:endParaRPr lang="en-US"/>
+        </a:p>
+      </dgm:t>
     </dgm:pt>
     <dgm:pt modelId="{4D46CCB9-E0D7-49E4-8700-7CE19FB27C88}" type="pres">
       <dgm:prSet presAssocID="{15A2342C-342E-4AF1-ABFE-6D641BAF41A1}" presName="composite" presStyleCnt="0"/>
@@ -8053,6 +8439,13 @@
         </dgm:presLayoutVars>
       </dgm:prSet>
       <dgm:spPr/>
+      <dgm:t>
+        <a:bodyPr/>
+        <a:lstStyle/>
+        <a:p>
+          <a:endParaRPr lang="en-US"/>
+        </a:p>
+      </dgm:t>
     </dgm:pt>
     <dgm:pt modelId="{5FDFAD45-BE3A-42C7-96F9-147D175477B9}" type="pres">
       <dgm:prSet presAssocID="{15A2342C-342E-4AF1-ABFE-6D641BAF41A1}" presName="descendantText" presStyleLbl="alignAcc1" presStyleIdx="0" presStyleCnt="3" custScaleY="100000">
@@ -8061,6 +8454,13 @@
         </dgm:presLayoutVars>
       </dgm:prSet>
       <dgm:spPr/>
+      <dgm:t>
+        <a:bodyPr/>
+        <a:lstStyle/>
+        <a:p>
+          <a:endParaRPr lang="en-US"/>
+        </a:p>
+      </dgm:t>
     </dgm:pt>
     <dgm:pt modelId="{0B93D529-6A78-4555-B1DB-9F922703E6C7}" type="pres">
       <dgm:prSet presAssocID="{3091C5B6-412E-4FA9-921C-1CCBB20FB078}" presName="sp" presStyleCnt="0"/>
@@ -8078,6 +8478,13 @@
         </dgm:presLayoutVars>
       </dgm:prSet>
       <dgm:spPr/>
+      <dgm:t>
+        <a:bodyPr/>
+        <a:lstStyle/>
+        <a:p>
+          <a:endParaRPr lang="en-US"/>
+        </a:p>
+      </dgm:t>
     </dgm:pt>
     <dgm:pt modelId="{3EE3D444-F1E2-4D81-B343-EEB78C9B7BC2}" type="pres">
       <dgm:prSet presAssocID="{A21E80E9-3E30-4727-979B-CC3F1A7A22C5}" presName="descendantText" presStyleLbl="alignAcc1" presStyleIdx="1" presStyleCnt="3" custScaleY="35851">
@@ -8086,6 +8493,13 @@
         </dgm:presLayoutVars>
       </dgm:prSet>
       <dgm:spPr/>
+      <dgm:t>
+        <a:bodyPr/>
+        <a:lstStyle/>
+        <a:p>
+          <a:endParaRPr lang="en-US"/>
+        </a:p>
+      </dgm:t>
     </dgm:pt>
     <dgm:pt modelId="{56499CC1-1A65-4B3A-8A68-E81F41293563}" type="pres">
       <dgm:prSet presAssocID="{2E128CC8-58D8-49C7-B524-7F998825E08C}" presName="sp" presStyleCnt="0"/>
@@ -8103,6 +8517,13 @@
         </dgm:presLayoutVars>
       </dgm:prSet>
       <dgm:spPr/>
+      <dgm:t>
+        <a:bodyPr/>
+        <a:lstStyle/>
+        <a:p>
+          <a:endParaRPr lang="en-US"/>
+        </a:p>
+      </dgm:t>
     </dgm:pt>
     <dgm:pt modelId="{8FBC2C5D-9E47-4B2D-8CC0-0827ADC6EE57}" type="pres">
       <dgm:prSet presAssocID="{FDFD6E2B-DBAB-4056-BC28-C138724F0441}" presName="descendantText" presStyleLbl="alignAcc1" presStyleIdx="2" presStyleCnt="3">
@@ -8111,30 +8532,37 @@
         </dgm:presLayoutVars>
       </dgm:prSet>
       <dgm:spPr/>
+      <dgm:t>
+        <a:bodyPr/>
+        <a:lstStyle/>
+        <a:p>
+          <a:endParaRPr lang="en-US"/>
+        </a:p>
+      </dgm:t>
     </dgm:pt>
   </dgm:ptLst>
   <dgm:cxnLst>
+    <dgm:cxn modelId="{28F4B55F-1626-4A11-B2A3-6C5FBCF466EE}" type="presOf" srcId="{CBA4680F-B921-4539-96E8-73E248B26438}" destId="{5FDFAD45-BE3A-42C7-96F9-147D175477B9}" srcOrd="0" destOrd="0" presId="urn:microsoft.com/office/officeart/2005/8/layout/chevron2"/>
+    <dgm:cxn modelId="{890C6129-FED3-4F32-A1CE-803923CC13FB}" srcId="{B56C8652-49D2-40A6-9CA3-CE8DCF0946F5}" destId="{A21E80E9-3E30-4727-979B-CC3F1A7A22C5}" srcOrd="1" destOrd="0" parTransId="{5C40DCA5-A5ED-48F4-971B-7B525589E1B6}" sibTransId="{2E128CC8-58D8-49C7-B524-7F998825E08C}"/>
+    <dgm:cxn modelId="{CBE38C60-2AAF-4767-AECB-3298EFA7C80C}" type="presOf" srcId="{15A2342C-342E-4AF1-ABFE-6D641BAF41A1}" destId="{049C38D1-B597-49E9-8B00-78FB12FB25CF}" srcOrd="0" destOrd="0" presId="urn:microsoft.com/office/officeart/2005/8/layout/chevron2"/>
+    <dgm:cxn modelId="{E914BB3B-B500-4A5E-9DB8-004BB6465C45}" type="presOf" srcId="{F13B17A0-86C6-45C8-A1A1-58051CE11C6F}" destId="{5FDFAD45-BE3A-42C7-96F9-147D175477B9}" srcOrd="0" destOrd="1" presId="urn:microsoft.com/office/officeart/2005/8/layout/chevron2"/>
+    <dgm:cxn modelId="{82F94CF7-E0DE-440A-B1D1-883572629C8B}" type="presOf" srcId="{A21E80E9-3E30-4727-979B-CC3F1A7A22C5}" destId="{8EB604FD-2448-4F33-9F96-EAFE912047E9}" srcOrd="0" destOrd="0" presId="urn:microsoft.com/office/officeart/2005/8/layout/chevron2"/>
+    <dgm:cxn modelId="{5A9ED1DB-6162-451D-A6D9-04B0C3753391}" type="presOf" srcId="{D2F9CDA6-554C-4AD5-966D-376750FE9990}" destId="{8FBC2C5D-9E47-4B2D-8CC0-0827ADC6EE57}" srcOrd="0" destOrd="3" presId="urn:microsoft.com/office/officeart/2005/8/layout/chevron2"/>
+    <dgm:cxn modelId="{98E93161-C30E-43AA-AF6B-299C6C6168AE}" srcId="{A21E80E9-3E30-4727-979B-CC3F1A7A22C5}" destId="{7251001A-0584-4766-A6D7-0E44BBBBDC12}" srcOrd="0" destOrd="0" parTransId="{FE219C25-7519-49A1-80FC-88DBD277BE7B}" sibTransId="{3A3E3377-B627-44C2-A026-04B55D885A13}"/>
+    <dgm:cxn modelId="{E588DDCA-B8F5-490F-9C79-2C1FDDC6873C}" srcId="{FDFD6E2B-DBAB-4056-BC28-C138724F0441}" destId="{46805B83-CCE2-49B4-94D7-34BF1805A1F1}" srcOrd="2" destOrd="0" parTransId="{E2B4C28A-E9E0-4C65-AC26-D901DDA7289A}" sibTransId="{DCDC50B2-6E66-4671-B741-82D8D8280796}"/>
+    <dgm:cxn modelId="{8AC5DF0C-260E-43E4-A62F-C504A94FD039}" srcId="{FDFD6E2B-DBAB-4056-BC28-C138724F0441}" destId="{D2F9CDA6-554C-4AD5-966D-376750FE9990}" srcOrd="3" destOrd="0" parTransId="{00A1B110-6DA3-420C-9E70-D9970CFF9FF0}" sibTransId="{1AD3BD3B-DE56-46C8-9696-50FAF0C96F7C}"/>
+    <dgm:cxn modelId="{3202A8C2-5279-4A81-941D-2141F021A171}" type="presOf" srcId="{B4460C5C-2EEC-4D27-88F3-8A3DBFE4D343}" destId="{8FBC2C5D-9E47-4B2D-8CC0-0827ADC6EE57}" srcOrd="0" destOrd="1" presId="urn:microsoft.com/office/officeart/2005/8/layout/chevron2"/>
+    <dgm:cxn modelId="{26A054A0-1AB4-43B6-8F58-0FC6C712A2A4}" srcId="{15A2342C-342E-4AF1-ABFE-6D641BAF41A1}" destId="{CBA4680F-B921-4539-96E8-73E248B26438}" srcOrd="0" destOrd="0" parTransId="{CFA20A3C-0F95-4996-A60F-CD8C5D7EA0C8}" sibTransId="{66C95EC4-2BD0-44E1-98AF-5AEB75A287A4}"/>
+    <dgm:cxn modelId="{0AA7C964-F08A-434D-849D-CB60E50F510C}" type="presOf" srcId="{FDFD6E2B-DBAB-4056-BC28-C138724F0441}" destId="{0837024A-932D-4B89-A5B5-1646702B04D6}" srcOrd="0" destOrd="0" presId="urn:microsoft.com/office/officeart/2005/8/layout/chevron2"/>
+    <dgm:cxn modelId="{A105D458-9A63-4941-8C72-3207DE7EFBAC}" type="presOf" srcId="{46805B83-CCE2-49B4-94D7-34BF1805A1F1}" destId="{8FBC2C5D-9E47-4B2D-8CC0-0827ADC6EE57}" srcOrd="0" destOrd="2" presId="urn:microsoft.com/office/officeart/2005/8/layout/chevron2"/>
+    <dgm:cxn modelId="{B9F397F0-7A59-4437-81F7-0BEB182623E3}" srcId="{FDFD6E2B-DBAB-4056-BC28-C138724F0441}" destId="{1693A56B-51EB-4EEE-B5A0-2587A76BB504}" srcOrd="0" destOrd="0" parTransId="{71605052-445C-4B49-9A4B-2DCF504AD115}" sibTransId="{84E281FA-B092-4FA8-A2AE-CFCEA05B4214}"/>
+    <dgm:cxn modelId="{1305294E-46C4-46DE-943F-47C066193AA4}" srcId="{FDFD6E2B-DBAB-4056-BC28-C138724F0441}" destId="{B4460C5C-2EEC-4D27-88F3-8A3DBFE4D343}" srcOrd="1" destOrd="0" parTransId="{8A8A54DB-6A96-4B36-BCD0-B837B772F2DB}" sibTransId="{72452706-6E93-4C8C-AD07-5D4795D82101}"/>
     <dgm:cxn modelId="{58890E05-AD91-4C6E-AFAF-1570690574EA}" type="presOf" srcId="{B56C8652-49D2-40A6-9CA3-CE8DCF0946F5}" destId="{142F673A-C255-456D-9E41-60A8F8DECB23}" srcOrd="0" destOrd="0" presId="urn:microsoft.com/office/officeart/2005/8/layout/chevron2"/>
-    <dgm:cxn modelId="{8AC5DF0C-260E-43E4-A62F-C504A94FD039}" srcId="{FDFD6E2B-DBAB-4056-BC28-C138724F0441}" destId="{D2F9CDA6-554C-4AD5-966D-376750FE9990}" srcOrd="3" destOrd="0" parTransId="{00A1B110-6DA3-420C-9E70-D9970CFF9FF0}" sibTransId="{1AD3BD3B-DE56-46C8-9696-50FAF0C96F7C}"/>
-    <dgm:cxn modelId="{890C6129-FED3-4F32-A1CE-803923CC13FB}" srcId="{B56C8652-49D2-40A6-9CA3-CE8DCF0946F5}" destId="{A21E80E9-3E30-4727-979B-CC3F1A7A22C5}" srcOrd="1" destOrd="0" parTransId="{5C40DCA5-A5ED-48F4-971B-7B525589E1B6}" sibTransId="{2E128CC8-58D8-49C7-B524-7F998825E08C}"/>
-    <dgm:cxn modelId="{E914BB3B-B500-4A5E-9DB8-004BB6465C45}" type="presOf" srcId="{F13B17A0-86C6-45C8-A1A1-58051CE11C6F}" destId="{5FDFAD45-BE3A-42C7-96F9-147D175477B9}" srcOrd="0" destOrd="1" presId="urn:microsoft.com/office/officeart/2005/8/layout/chevron2"/>
-    <dgm:cxn modelId="{28F4B55F-1626-4A11-B2A3-6C5FBCF466EE}" type="presOf" srcId="{CBA4680F-B921-4539-96E8-73E248B26438}" destId="{5FDFAD45-BE3A-42C7-96F9-147D175477B9}" srcOrd="0" destOrd="0" presId="urn:microsoft.com/office/officeart/2005/8/layout/chevron2"/>
-    <dgm:cxn modelId="{CBE38C60-2AAF-4767-AECB-3298EFA7C80C}" type="presOf" srcId="{15A2342C-342E-4AF1-ABFE-6D641BAF41A1}" destId="{049C38D1-B597-49E9-8B00-78FB12FB25CF}" srcOrd="0" destOrd="0" presId="urn:microsoft.com/office/officeart/2005/8/layout/chevron2"/>
-    <dgm:cxn modelId="{98E93161-C30E-43AA-AF6B-299C6C6168AE}" srcId="{A21E80E9-3E30-4727-979B-CC3F1A7A22C5}" destId="{7251001A-0584-4766-A6D7-0E44BBBBDC12}" srcOrd="0" destOrd="0" parTransId="{FE219C25-7519-49A1-80FC-88DBD277BE7B}" sibTransId="{3A3E3377-B627-44C2-A026-04B55D885A13}"/>
-    <dgm:cxn modelId="{0AA7C964-F08A-434D-849D-CB60E50F510C}" type="presOf" srcId="{FDFD6E2B-DBAB-4056-BC28-C138724F0441}" destId="{0837024A-932D-4B89-A5B5-1646702B04D6}" srcOrd="0" destOrd="0" presId="urn:microsoft.com/office/officeart/2005/8/layout/chevron2"/>
     <dgm:cxn modelId="{331E5267-3B46-40FC-807B-5869C9435943}" srcId="{B56C8652-49D2-40A6-9CA3-CE8DCF0946F5}" destId="{FDFD6E2B-DBAB-4056-BC28-C138724F0441}" srcOrd="2" destOrd="0" parTransId="{A185C7BD-8F3D-48FC-AACD-370FC7051347}" sibTransId="{2EAE1DED-33EB-4BB9-B279-4AEA7E7C396D}"/>
-    <dgm:cxn modelId="{1305294E-46C4-46DE-943F-47C066193AA4}" srcId="{FDFD6E2B-DBAB-4056-BC28-C138724F0441}" destId="{B4460C5C-2EEC-4D27-88F3-8A3DBFE4D343}" srcOrd="1" destOrd="0" parTransId="{8A8A54DB-6A96-4B36-BCD0-B837B772F2DB}" sibTransId="{72452706-6E93-4C8C-AD07-5D4795D82101}"/>
-    <dgm:cxn modelId="{A105D458-9A63-4941-8C72-3207DE7EFBAC}" type="presOf" srcId="{46805B83-CCE2-49B4-94D7-34BF1805A1F1}" destId="{8FBC2C5D-9E47-4B2D-8CC0-0827ADC6EE57}" srcOrd="0" destOrd="2" presId="urn:microsoft.com/office/officeart/2005/8/layout/chevron2"/>
+    <dgm:cxn modelId="{473431EE-F39C-48EA-A045-B86C38621641}" srcId="{15A2342C-342E-4AF1-ABFE-6D641BAF41A1}" destId="{F13B17A0-86C6-45C8-A1A1-58051CE11C6F}" srcOrd="1" destOrd="0" parTransId="{B2B47FC7-5958-4A44-A4CE-453C0A0BC836}" sibTransId="{82F0F7A3-3707-4B24-8D7E-99D069D182AB}"/>
+    <dgm:cxn modelId="{86D5B1B6-FC3B-40C9-B662-895EFF0C484F}" type="presOf" srcId="{1693A56B-51EB-4EEE-B5A0-2587A76BB504}" destId="{8FBC2C5D-9E47-4B2D-8CC0-0827ADC6EE57}" srcOrd="0" destOrd="0" presId="urn:microsoft.com/office/officeart/2005/8/layout/chevron2"/>
     <dgm:cxn modelId="{FD15FF7D-7615-413A-936D-840A88CEEF81}" type="presOf" srcId="{7251001A-0584-4766-A6D7-0E44BBBBDC12}" destId="{3EE3D444-F1E2-4D81-B343-EEB78C9B7BC2}" srcOrd="0" destOrd="0" presId="urn:microsoft.com/office/officeart/2005/8/layout/chevron2"/>
     <dgm:cxn modelId="{2A878A9C-A599-4E25-8F35-179342BC54EF}" srcId="{B56C8652-49D2-40A6-9CA3-CE8DCF0946F5}" destId="{15A2342C-342E-4AF1-ABFE-6D641BAF41A1}" srcOrd="0" destOrd="0" parTransId="{3113E09E-2B5D-47FE-89F9-BC4D9A8CB38B}" sibTransId="{3091C5B6-412E-4FA9-921C-1CCBB20FB078}"/>
-    <dgm:cxn modelId="{26A054A0-1AB4-43B6-8F58-0FC6C712A2A4}" srcId="{15A2342C-342E-4AF1-ABFE-6D641BAF41A1}" destId="{CBA4680F-B921-4539-96E8-73E248B26438}" srcOrd="0" destOrd="0" parTransId="{CFA20A3C-0F95-4996-A60F-CD8C5D7EA0C8}" sibTransId="{66C95EC4-2BD0-44E1-98AF-5AEB75A287A4}"/>
-    <dgm:cxn modelId="{86D5B1B6-FC3B-40C9-B662-895EFF0C484F}" type="presOf" srcId="{1693A56B-51EB-4EEE-B5A0-2587A76BB504}" destId="{8FBC2C5D-9E47-4B2D-8CC0-0827ADC6EE57}" srcOrd="0" destOrd="0" presId="urn:microsoft.com/office/officeart/2005/8/layout/chevron2"/>
-    <dgm:cxn modelId="{3202A8C2-5279-4A81-941D-2141F021A171}" type="presOf" srcId="{B4460C5C-2EEC-4D27-88F3-8A3DBFE4D343}" destId="{8FBC2C5D-9E47-4B2D-8CC0-0827ADC6EE57}" srcOrd="0" destOrd="1" presId="urn:microsoft.com/office/officeart/2005/8/layout/chevron2"/>
-    <dgm:cxn modelId="{E588DDCA-B8F5-490F-9C79-2C1FDDC6873C}" srcId="{FDFD6E2B-DBAB-4056-BC28-C138724F0441}" destId="{46805B83-CCE2-49B4-94D7-34BF1805A1F1}" srcOrd="2" destOrd="0" parTransId="{E2B4C28A-E9E0-4C65-AC26-D901DDA7289A}" sibTransId="{DCDC50B2-6E66-4671-B741-82D8D8280796}"/>
-    <dgm:cxn modelId="{5A9ED1DB-6162-451D-A6D9-04B0C3753391}" type="presOf" srcId="{D2F9CDA6-554C-4AD5-966D-376750FE9990}" destId="{8FBC2C5D-9E47-4B2D-8CC0-0827ADC6EE57}" srcOrd="0" destOrd="3" presId="urn:microsoft.com/office/officeart/2005/8/layout/chevron2"/>
-    <dgm:cxn modelId="{473431EE-F39C-48EA-A045-B86C38621641}" srcId="{15A2342C-342E-4AF1-ABFE-6D641BAF41A1}" destId="{F13B17A0-86C6-45C8-A1A1-58051CE11C6F}" srcOrd="1" destOrd="0" parTransId="{B2B47FC7-5958-4A44-A4CE-453C0A0BC836}" sibTransId="{82F0F7A3-3707-4B24-8D7E-99D069D182AB}"/>
-    <dgm:cxn modelId="{B9F397F0-7A59-4437-81F7-0BEB182623E3}" srcId="{FDFD6E2B-DBAB-4056-BC28-C138724F0441}" destId="{1693A56B-51EB-4EEE-B5A0-2587A76BB504}" srcOrd="0" destOrd="0" parTransId="{71605052-445C-4B49-9A4B-2DCF504AD115}" sibTransId="{84E281FA-B092-4FA8-A2AE-CFCEA05B4214}"/>
-    <dgm:cxn modelId="{82F94CF7-E0DE-440A-B1D1-883572629C8B}" type="presOf" srcId="{A21E80E9-3E30-4727-979B-CC3F1A7A22C5}" destId="{8EB604FD-2448-4F33-9F96-EAFE912047E9}" srcOrd="0" destOrd="0" presId="urn:microsoft.com/office/officeart/2005/8/layout/chevron2"/>
     <dgm:cxn modelId="{13250355-16DD-4CD2-9C12-90DB9DA37F12}" type="presParOf" srcId="{142F673A-C255-456D-9E41-60A8F8DECB23}" destId="{4D46CCB9-E0D7-49E4-8700-7CE19FB27C88}" srcOrd="0" destOrd="0" presId="urn:microsoft.com/office/officeart/2005/8/layout/chevron2"/>
     <dgm:cxn modelId="{817BC056-467A-4A41-A953-E66324C2905D}" type="presParOf" srcId="{4D46CCB9-E0D7-49E4-8700-7CE19FB27C88}" destId="{049C38D1-B597-49E9-8B00-78FB12FB25CF}" srcOrd="0" destOrd="0" presId="urn:microsoft.com/office/officeart/2005/8/layout/chevron2"/>
     <dgm:cxn modelId="{9630092D-D071-4A9D-86C1-D2F2FD525441}" type="presParOf" srcId="{4D46CCB9-E0D7-49E4-8700-7CE19FB27C88}" destId="{5FDFAD45-BE3A-42C7-96F9-147D175477B9}" srcOrd="1" destOrd="0" presId="urn:microsoft.com/office/officeart/2005/8/layout/chevron2"/>
@@ -8708,6 +9136,13 @@
         </dgm:presLayoutVars>
       </dgm:prSet>
       <dgm:spPr/>
+      <dgm:t>
+        <a:bodyPr/>
+        <a:lstStyle/>
+        <a:p>
+          <a:endParaRPr lang="en-US"/>
+        </a:p>
+      </dgm:t>
     </dgm:pt>
     <dgm:pt modelId="{4D46CCB9-E0D7-49E4-8700-7CE19FB27C88}" type="pres">
       <dgm:prSet presAssocID="{15A2342C-342E-4AF1-ABFE-6D641BAF41A1}" presName="composite" presStyleCnt="0"/>
@@ -8721,6 +9156,13 @@
         </dgm:presLayoutVars>
       </dgm:prSet>
       <dgm:spPr/>
+      <dgm:t>
+        <a:bodyPr/>
+        <a:lstStyle/>
+        <a:p>
+          <a:endParaRPr lang="en-US"/>
+        </a:p>
+      </dgm:t>
     </dgm:pt>
     <dgm:pt modelId="{5FDFAD45-BE3A-42C7-96F9-147D175477B9}" type="pres">
       <dgm:prSet presAssocID="{15A2342C-342E-4AF1-ABFE-6D641BAF41A1}" presName="descendantText" presStyleLbl="alignAcc1" presStyleIdx="0" presStyleCnt="3" custScaleY="100000">
@@ -8729,6 +9171,13 @@
         </dgm:presLayoutVars>
       </dgm:prSet>
       <dgm:spPr/>
+      <dgm:t>
+        <a:bodyPr/>
+        <a:lstStyle/>
+        <a:p>
+          <a:endParaRPr lang="en-US"/>
+        </a:p>
+      </dgm:t>
     </dgm:pt>
     <dgm:pt modelId="{0B93D529-6A78-4555-B1DB-9F922703E6C7}" type="pres">
       <dgm:prSet presAssocID="{3091C5B6-412E-4FA9-921C-1CCBB20FB078}" presName="sp" presStyleCnt="0"/>
@@ -8746,6 +9195,13 @@
         </dgm:presLayoutVars>
       </dgm:prSet>
       <dgm:spPr/>
+      <dgm:t>
+        <a:bodyPr/>
+        <a:lstStyle/>
+        <a:p>
+          <a:endParaRPr lang="en-US"/>
+        </a:p>
+      </dgm:t>
     </dgm:pt>
     <dgm:pt modelId="{3EE3D444-F1E2-4D81-B343-EEB78C9B7BC2}" type="pres">
       <dgm:prSet presAssocID="{A21E80E9-3E30-4727-979B-CC3F1A7A22C5}" presName="descendantText" presStyleLbl="alignAcc1" presStyleIdx="1" presStyleCnt="3" custScaleY="35851">
@@ -8754,6 +9210,13 @@
         </dgm:presLayoutVars>
       </dgm:prSet>
       <dgm:spPr/>
+      <dgm:t>
+        <a:bodyPr/>
+        <a:lstStyle/>
+        <a:p>
+          <a:endParaRPr lang="en-US"/>
+        </a:p>
+      </dgm:t>
     </dgm:pt>
     <dgm:pt modelId="{56499CC1-1A65-4B3A-8A68-E81F41293563}" type="pres">
       <dgm:prSet presAssocID="{2E128CC8-58D8-49C7-B524-7F998825E08C}" presName="sp" presStyleCnt="0"/>
@@ -8771,6 +9234,13 @@
         </dgm:presLayoutVars>
       </dgm:prSet>
       <dgm:spPr/>
+      <dgm:t>
+        <a:bodyPr/>
+        <a:lstStyle/>
+        <a:p>
+          <a:endParaRPr lang="en-US"/>
+        </a:p>
+      </dgm:t>
     </dgm:pt>
     <dgm:pt modelId="{8FBC2C5D-9E47-4B2D-8CC0-0827ADC6EE57}" type="pres">
       <dgm:prSet presAssocID="{FDFD6E2B-DBAB-4056-BC28-C138724F0441}" presName="descendantText" presStyleLbl="alignAcc1" presStyleIdx="2" presStyleCnt="3">
@@ -8779,30 +9249,37 @@
         </dgm:presLayoutVars>
       </dgm:prSet>
       <dgm:spPr/>
+      <dgm:t>
+        <a:bodyPr/>
+        <a:lstStyle/>
+        <a:p>
+          <a:endParaRPr lang="en-US"/>
+        </a:p>
+      </dgm:t>
     </dgm:pt>
   </dgm:ptLst>
   <dgm:cxnLst>
+    <dgm:cxn modelId="{28F4B55F-1626-4A11-B2A3-6C5FBCF466EE}" type="presOf" srcId="{CBA4680F-B921-4539-96E8-73E248B26438}" destId="{5FDFAD45-BE3A-42C7-96F9-147D175477B9}" srcOrd="0" destOrd="0" presId="urn:microsoft.com/office/officeart/2005/8/layout/chevron2"/>
+    <dgm:cxn modelId="{890C6129-FED3-4F32-A1CE-803923CC13FB}" srcId="{B56C8652-49D2-40A6-9CA3-CE8DCF0946F5}" destId="{A21E80E9-3E30-4727-979B-CC3F1A7A22C5}" srcOrd="1" destOrd="0" parTransId="{5C40DCA5-A5ED-48F4-971B-7B525589E1B6}" sibTransId="{2E128CC8-58D8-49C7-B524-7F998825E08C}"/>
+    <dgm:cxn modelId="{CBE38C60-2AAF-4767-AECB-3298EFA7C80C}" type="presOf" srcId="{15A2342C-342E-4AF1-ABFE-6D641BAF41A1}" destId="{049C38D1-B597-49E9-8B00-78FB12FB25CF}" srcOrd="0" destOrd="0" presId="urn:microsoft.com/office/officeart/2005/8/layout/chevron2"/>
+    <dgm:cxn modelId="{E914BB3B-B500-4A5E-9DB8-004BB6465C45}" type="presOf" srcId="{F13B17A0-86C6-45C8-A1A1-58051CE11C6F}" destId="{5FDFAD45-BE3A-42C7-96F9-147D175477B9}" srcOrd="0" destOrd="1" presId="urn:microsoft.com/office/officeart/2005/8/layout/chevron2"/>
+    <dgm:cxn modelId="{82F94CF7-E0DE-440A-B1D1-883572629C8B}" type="presOf" srcId="{A21E80E9-3E30-4727-979B-CC3F1A7A22C5}" destId="{8EB604FD-2448-4F33-9F96-EAFE912047E9}" srcOrd="0" destOrd="0" presId="urn:microsoft.com/office/officeart/2005/8/layout/chevron2"/>
+    <dgm:cxn modelId="{5A9ED1DB-6162-451D-A6D9-04B0C3753391}" type="presOf" srcId="{D2F9CDA6-554C-4AD5-966D-376750FE9990}" destId="{8FBC2C5D-9E47-4B2D-8CC0-0827ADC6EE57}" srcOrd="0" destOrd="3" presId="urn:microsoft.com/office/officeart/2005/8/layout/chevron2"/>
+    <dgm:cxn modelId="{98E93161-C30E-43AA-AF6B-299C6C6168AE}" srcId="{A21E80E9-3E30-4727-979B-CC3F1A7A22C5}" destId="{7251001A-0584-4766-A6D7-0E44BBBBDC12}" srcOrd="0" destOrd="0" parTransId="{FE219C25-7519-49A1-80FC-88DBD277BE7B}" sibTransId="{3A3E3377-B627-44C2-A026-04B55D885A13}"/>
+    <dgm:cxn modelId="{E588DDCA-B8F5-490F-9C79-2C1FDDC6873C}" srcId="{FDFD6E2B-DBAB-4056-BC28-C138724F0441}" destId="{46805B83-CCE2-49B4-94D7-34BF1805A1F1}" srcOrd="2" destOrd="0" parTransId="{E2B4C28A-E9E0-4C65-AC26-D901DDA7289A}" sibTransId="{DCDC50B2-6E66-4671-B741-82D8D8280796}"/>
+    <dgm:cxn modelId="{8AC5DF0C-260E-43E4-A62F-C504A94FD039}" srcId="{FDFD6E2B-DBAB-4056-BC28-C138724F0441}" destId="{D2F9CDA6-554C-4AD5-966D-376750FE9990}" srcOrd="3" destOrd="0" parTransId="{00A1B110-6DA3-420C-9E70-D9970CFF9FF0}" sibTransId="{1AD3BD3B-DE56-46C8-9696-50FAF0C96F7C}"/>
+    <dgm:cxn modelId="{3202A8C2-5279-4A81-941D-2141F021A171}" type="presOf" srcId="{B4460C5C-2EEC-4D27-88F3-8A3DBFE4D343}" destId="{8FBC2C5D-9E47-4B2D-8CC0-0827ADC6EE57}" srcOrd="0" destOrd="1" presId="urn:microsoft.com/office/officeart/2005/8/layout/chevron2"/>
+    <dgm:cxn modelId="{26A054A0-1AB4-43B6-8F58-0FC6C712A2A4}" srcId="{15A2342C-342E-4AF1-ABFE-6D641BAF41A1}" destId="{CBA4680F-B921-4539-96E8-73E248B26438}" srcOrd="0" destOrd="0" parTransId="{CFA20A3C-0F95-4996-A60F-CD8C5D7EA0C8}" sibTransId="{66C95EC4-2BD0-44E1-98AF-5AEB75A287A4}"/>
+    <dgm:cxn modelId="{0AA7C964-F08A-434D-849D-CB60E50F510C}" type="presOf" srcId="{FDFD6E2B-DBAB-4056-BC28-C138724F0441}" destId="{0837024A-932D-4B89-A5B5-1646702B04D6}" srcOrd="0" destOrd="0" presId="urn:microsoft.com/office/officeart/2005/8/layout/chevron2"/>
+    <dgm:cxn modelId="{A105D458-9A63-4941-8C72-3207DE7EFBAC}" type="presOf" srcId="{46805B83-CCE2-49B4-94D7-34BF1805A1F1}" destId="{8FBC2C5D-9E47-4B2D-8CC0-0827ADC6EE57}" srcOrd="0" destOrd="2" presId="urn:microsoft.com/office/officeart/2005/8/layout/chevron2"/>
+    <dgm:cxn modelId="{B9F397F0-7A59-4437-81F7-0BEB182623E3}" srcId="{FDFD6E2B-DBAB-4056-BC28-C138724F0441}" destId="{1693A56B-51EB-4EEE-B5A0-2587A76BB504}" srcOrd="0" destOrd="0" parTransId="{71605052-445C-4B49-9A4B-2DCF504AD115}" sibTransId="{84E281FA-B092-4FA8-A2AE-CFCEA05B4214}"/>
+    <dgm:cxn modelId="{1305294E-46C4-46DE-943F-47C066193AA4}" srcId="{FDFD6E2B-DBAB-4056-BC28-C138724F0441}" destId="{B4460C5C-2EEC-4D27-88F3-8A3DBFE4D343}" srcOrd="1" destOrd="0" parTransId="{8A8A54DB-6A96-4B36-BCD0-B837B772F2DB}" sibTransId="{72452706-6E93-4C8C-AD07-5D4795D82101}"/>
     <dgm:cxn modelId="{58890E05-AD91-4C6E-AFAF-1570690574EA}" type="presOf" srcId="{B56C8652-49D2-40A6-9CA3-CE8DCF0946F5}" destId="{142F673A-C255-456D-9E41-60A8F8DECB23}" srcOrd="0" destOrd="0" presId="urn:microsoft.com/office/officeart/2005/8/layout/chevron2"/>
-    <dgm:cxn modelId="{8AC5DF0C-260E-43E4-A62F-C504A94FD039}" srcId="{FDFD6E2B-DBAB-4056-BC28-C138724F0441}" destId="{D2F9CDA6-554C-4AD5-966D-376750FE9990}" srcOrd="3" destOrd="0" parTransId="{00A1B110-6DA3-420C-9E70-D9970CFF9FF0}" sibTransId="{1AD3BD3B-DE56-46C8-9696-50FAF0C96F7C}"/>
-    <dgm:cxn modelId="{890C6129-FED3-4F32-A1CE-803923CC13FB}" srcId="{B56C8652-49D2-40A6-9CA3-CE8DCF0946F5}" destId="{A21E80E9-3E30-4727-979B-CC3F1A7A22C5}" srcOrd="1" destOrd="0" parTransId="{5C40DCA5-A5ED-48F4-971B-7B525589E1B6}" sibTransId="{2E128CC8-58D8-49C7-B524-7F998825E08C}"/>
-    <dgm:cxn modelId="{E914BB3B-B500-4A5E-9DB8-004BB6465C45}" type="presOf" srcId="{F13B17A0-86C6-45C8-A1A1-58051CE11C6F}" destId="{5FDFAD45-BE3A-42C7-96F9-147D175477B9}" srcOrd="0" destOrd="1" presId="urn:microsoft.com/office/officeart/2005/8/layout/chevron2"/>
-    <dgm:cxn modelId="{28F4B55F-1626-4A11-B2A3-6C5FBCF466EE}" type="presOf" srcId="{CBA4680F-B921-4539-96E8-73E248B26438}" destId="{5FDFAD45-BE3A-42C7-96F9-147D175477B9}" srcOrd="0" destOrd="0" presId="urn:microsoft.com/office/officeart/2005/8/layout/chevron2"/>
-    <dgm:cxn modelId="{CBE38C60-2AAF-4767-AECB-3298EFA7C80C}" type="presOf" srcId="{15A2342C-342E-4AF1-ABFE-6D641BAF41A1}" destId="{049C38D1-B597-49E9-8B00-78FB12FB25CF}" srcOrd="0" destOrd="0" presId="urn:microsoft.com/office/officeart/2005/8/layout/chevron2"/>
-    <dgm:cxn modelId="{98E93161-C30E-43AA-AF6B-299C6C6168AE}" srcId="{A21E80E9-3E30-4727-979B-CC3F1A7A22C5}" destId="{7251001A-0584-4766-A6D7-0E44BBBBDC12}" srcOrd="0" destOrd="0" parTransId="{FE219C25-7519-49A1-80FC-88DBD277BE7B}" sibTransId="{3A3E3377-B627-44C2-A026-04B55D885A13}"/>
-    <dgm:cxn modelId="{0AA7C964-F08A-434D-849D-CB60E50F510C}" type="presOf" srcId="{FDFD6E2B-DBAB-4056-BC28-C138724F0441}" destId="{0837024A-932D-4B89-A5B5-1646702B04D6}" srcOrd="0" destOrd="0" presId="urn:microsoft.com/office/officeart/2005/8/layout/chevron2"/>
     <dgm:cxn modelId="{331E5267-3B46-40FC-807B-5869C9435943}" srcId="{B56C8652-49D2-40A6-9CA3-CE8DCF0946F5}" destId="{FDFD6E2B-DBAB-4056-BC28-C138724F0441}" srcOrd="2" destOrd="0" parTransId="{A185C7BD-8F3D-48FC-AACD-370FC7051347}" sibTransId="{2EAE1DED-33EB-4BB9-B279-4AEA7E7C396D}"/>
-    <dgm:cxn modelId="{1305294E-46C4-46DE-943F-47C066193AA4}" srcId="{FDFD6E2B-DBAB-4056-BC28-C138724F0441}" destId="{B4460C5C-2EEC-4D27-88F3-8A3DBFE4D343}" srcOrd="1" destOrd="0" parTransId="{8A8A54DB-6A96-4B36-BCD0-B837B772F2DB}" sibTransId="{72452706-6E93-4C8C-AD07-5D4795D82101}"/>
-    <dgm:cxn modelId="{A105D458-9A63-4941-8C72-3207DE7EFBAC}" type="presOf" srcId="{46805B83-CCE2-49B4-94D7-34BF1805A1F1}" destId="{8FBC2C5D-9E47-4B2D-8CC0-0827ADC6EE57}" srcOrd="0" destOrd="2" presId="urn:microsoft.com/office/officeart/2005/8/layout/chevron2"/>
+    <dgm:cxn modelId="{473431EE-F39C-48EA-A045-B86C38621641}" srcId="{15A2342C-342E-4AF1-ABFE-6D641BAF41A1}" destId="{F13B17A0-86C6-45C8-A1A1-58051CE11C6F}" srcOrd="1" destOrd="0" parTransId="{B2B47FC7-5958-4A44-A4CE-453C0A0BC836}" sibTransId="{82F0F7A3-3707-4B24-8D7E-99D069D182AB}"/>
+    <dgm:cxn modelId="{86D5B1B6-FC3B-40C9-B662-895EFF0C484F}" type="presOf" srcId="{1693A56B-51EB-4EEE-B5A0-2587A76BB504}" destId="{8FBC2C5D-9E47-4B2D-8CC0-0827ADC6EE57}" srcOrd="0" destOrd="0" presId="urn:microsoft.com/office/officeart/2005/8/layout/chevron2"/>
     <dgm:cxn modelId="{FD15FF7D-7615-413A-936D-840A88CEEF81}" type="presOf" srcId="{7251001A-0584-4766-A6D7-0E44BBBBDC12}" destId="{3EE3D444-F1E2-4D81-B343-EEB78C9B7BC2}" srcOrd="0" destOrd="0" presId="urn:microsoft.com/office/officeart/2005/8/layout/chevron2"/>
     <dgm:cxn modelId="{2A878A9C-A599-4E25-8F35-179342BC54EF}" srcId="{B56C8652-49D2-40A6-9CA3-CE8DCF0946F5}" destId="{15A2342C-342E-4AF1-ABFE-6D641BAF41A1}" srcOrd="0" destOrd="0" parTransId="{3113E09E-2B5D-47FE-89F9-BC4D9A8CB38B}" sibTransId="{3091C5B6-412E-4FA9-921C-1CCBB20FB078}"/>
-    <dgm:cxn modelId="{26A054A0-1AB4-43B6-8F58-0FC6C712A2A4}" srcId="{15A2342C-342E-4AF1-ABFE-6D641BAF41A1}" destId="{CBA4680F-B921-4539-96E8-73E248B26438}" srcOrd="0" destOrd="0" parTransId="{CFA20A3C-0F95-4996-A60F-CD8C5D7EA0C8}" sibTransId="{66C95EC4-2BD0-44E1-98AF-5AEB75A287A4}"/>
-    <dgm:cxn modelId="{86D5B1B6-FC3B-40C9-B662-895EFF0C484F}" type="presOf" srcId="{1693A56B-51EB-4EEE-B5A0-2587A76BB504}" destId="{8FBC2C5D-9E47-4B2D-8CC0-0827ADC6EE57}" srcOrd="0" destOrd="0" presId="urn:microsoft.com/office/officeart/2005/8/layout/chevron2"/>
-    <dgm:cxn modelId="{3202A8C2-5279-4A81-941D-2141F021A171}" type="presOf" srcId="{B4460C5C-2EEC-4D27-88F3-8A3DBFE4D343}" destId="{8FBC2C5D-9E47-4B2D-8CC0-0827ADC6EE57}" srcOrd="0" destOrd="1" presId="urn:microsoft.com/office/officeart/2005/8/layout/chevron2"/>
-    <dgm:cxn modelId="{E588DDCA-B8F5-490F-9C79-2C1FDDC6873C}" srcId="{FDFD6E2B-DBAB-4056-BC28-C138724F0441}" destId="{46805B83-CCE2-49B4-94D7-34BF1805A1F1}" srcOrd="2" destOrd="0" parTransId="{E2B4C28A-E9E0-4C65-AC26-D901DDA7289A}" sibTransId="{DCDC50B2-6E66-4671-B741-82D8D8280796}"/>
-    <dgm:cxn modelId="{5A9ED1DB-6162-451D-A6D9-04B0C3753391}" type="presOf" srcId="{D2F9CDA6-554C-4AD5-966D-376750FE9990}" destId="{8FBC2C5D-9E47-4B2D-8CC0-0827ADC6EE57}" srcOrd="0" destOrd="3" presId="urn:microsoft.com/office/officeart/2005/8/layout/chevron2"/>
-    <dgm:cxn modelId="{473431EE-F39C-48EA-A045-B86C38621641}" srcId="{15A2342C-342E-4AF1-ABFE-6D641BAF41A1}" destId="{F13B17A0-86C6-45C8-A1A1-58051CE11C6F}" srcOrd="1" destOrd="0" parTransId="{B2B47FC7-5958-4A44-A4CE-453C0A0BC836}" sibTransId="{82F0F7A3-3707-4B24-8D7E-99D069D182AB}"/>
-    <dgm:cxn modelId="{B9F397F0-7A59-4437-81F7-0BEB182623E3}" srcId="{FDFD6E2B-DBAB-4056-BC28-C138724F0441}" destId="{1693A56B-51EB-4EEE-B5A0-2587A76BB504}" srcOrd="0" destOrd="0" parTransId="{71605052-445C-4B49-9A4B-2DCF504AD115}" sibTransId="{84E281FA-B092-4FA8-A2AE-CFCEA05B4214}"/>
-    <dgm:cxn modelId="{82F94CF7-E0DE-440A-B1D1-883572629C8B}" type="presOf" srcId="{A21E80E9-3E30-4727-979B-CC3F1A7A22C5}" destId="{8EB604FD-2448-4F33-9F96-EAFE912047E9}" srcOrd="0" destOrd="0" presId="urn:microsoft.com/office/officeart/2005/8/layout/chevron2"/>
     <dgm:cxn modelId="{13250355-16DD-4CD2-9C12-90DB9DA37F12}" type="presParOf" srcId="{142F673A-C255-456D-9E41-60A8F8DECB23}" destId="{4D46CCB9-E0D7-49E4-8700-7CE19FB27C88}" srcOrd="0" destOrd="0" presId="urn:microsoft.com/office/officeart/2005/8/layout/chevron2"/>
     <dgm:cxn modelId="{817BC056-467A-4A41-A953-E66324C2905D}" type="presParOf" srcId="{4D46CCB9-E0D7-49E4-8700-7CE19FB27C88}" destId="{049C38D1-B597-49E9-8B00-78FB12FB25CF}" srcOrd="0" destOrd="0" presId="urn:microsoft.com/office/officeart/2005/8/layout/chevron2"/>
     <dgm:cxn modelId="{9630092D-D071-4A9D-86C1-D2F2FD525441}" type="presParOf" srcId="{4D46CCB9-E0D7-49E4-8700-7CE19FB27C88}" destId="{5FDFAD45-BE3A-42C7-96F9-147D175477B9}" srcOrd="1" destOrd="0" presId="urn:microsoft.com/office/officeart/2005/8/layout/chevron2"/>
@@ -8888,7 +9365,7 @@
         </a:bodyPr>
         <a:lstStyle/>
         <a:p>
-          <a:pPr marL="0" lvl="0" indent="0" algn="ctr" defTabSz="844550">
+          <a:pPr lvl="0" algn="ctr" defTabSz="844550">
             <a:lnSpc>
               <a:spcPct val="90000"/>
             </a:lnSpc>
@@ -8898,7 +9375,6 @@
             <a:spcAft>
               <a:spcPct val="35000"/>
             </a:spcAft>
-            <a:buNone/>
           </a:pPr>
           <a:r>
             <a:rPr lang="en-US" sz="1900" kern="1200" dirty="0"/>
@@ -8975,7 +9451,7 @@
             <a:spcAft>
               <a:spcPct val="15000"/>
             </a:spcAft>
-            <a:buNone/>
+            <a:buChar char="••"/>
           </a:pPr>
           <a:r>
             <a:rPr lang="en-US" sz="1400" u="sng" kern="1200" dirty="0"/>
@@ -9001,7 +9477,7 @@
             <a:spcAft>
               <a:spcPct val="15000"/>
             </a:spcAft>
-            <a:buNone/>
+            <a:buChar char="••"/>
           </a:pPr>
           <a:r>
             <a:rPr lang="en-US" sz="1400" u="none" kern="1200" dirty="0"/>
@@ -9029,7 +9505,7 @@
             <a:spcAft>
               <a:spcPct val="15000"/>
             </a:spcAft>
-            <a:buNone/>
+            <a:buChar char="••"/>
           </a:pPr>
           <a:r>
             <a:rPr lang="en-US" sz="1400" u="none" kern="1200" dirty="0"/>
@@ -9057,7 +9533,7 @@
             <a:spcAft>
               <a:spcPct val="15000"/>
             </a:spcAft>
-            <a:buNone/>
+            <a:buChar char="••"/>
           </a:pPr>
           <a:r>
             <a:rPr lang="en-US" sz="1400" u="none" kern="1200" dirty="0"/>
@@ -9085,7 +9561,7 @@
             <a:spcAft>
               <a:spcPct val="15000"/>
             </a:spcAft>
-            <a:buNone/>
+            <a:buChar char="••"/>
           </a:pPr>
           <a:r>
             <a:rPr lang="en-US" sz="1400" u="none" kern="1200" dirty="0"/>
@@ -9188,7 +9664,7 @@
         </a:bodyPr>
         <a:lstStyle/>
         <a:p>
-          <a:pPr marL="0" lvl="0" indent="0" algn="ctr" defTabSz="844550">
+          <a:pPr lvl="0" algn="ctr" defTabSz="844550">
             <a:lnSpc>
               <a:spcPct val="90000"/>
             </a:lnSpc>
@@ -9198,7 +9674,6 @@
             <a:spcAft>
               <a:spcPct val="35000"/>
             </a:spcAft>
-            <a:buNone/>
           </a:pPr>
           <a:r>
             <a:rPr lang="en-US" sz="1900" kern="1200" dirty="0"/>
@@ -9275,7 +9750,7 @@
             <a:spcAft>
               <a:spcPct val="15000"/>
             </a:spcAft>
-            <a:buNone/>
+            <a:buChar char="••"/>
           </a:pPr>
           <a:r>
             <a:rPr lang="en-US" sz="2000" u="none" kern="1200" dirty="0"/>
@@ -9351,7 +9826,7 @@
         </a:bodyPr>
         <a:lstStyle/>
         <a:p>
-          <a:pPr marL="0" lvl="0" indent="0" algn="ctr" defTabSz="844550">
+          <a:pPr lvl="0" algn="ctr" defTabSz="844550">
             <a:lnSpc>
               <a:spcPct val="90000"/>
             </a:lnSpc>
@@ -9361,7 +9836,6 @@
             <a:spcAft>
               <a:spcPct val="35000"/>
             </a:spcAft>
-            <a:buNone/>
           </a:pPr>
           <a:r>
             <a:rPr lang="en-US" sz="1900" kern="1200" dirty="0"/>
@@ -9438,7 +9912,7 @@
             <a:spcAft>
               <a:spcPct val="15000"/>
             </a:spcAft>
-            <a:buNone/>
+            <a:buChar char="••"/>
           </a:pPr>
           <a:r>
             <a:rPr lang="en-US" sz="1800" u="none" kern="1200" dirty="0"/>
@@ -9532,7 +10006,7 @@
         </a:bodyPr>
         <a:lstStyle/>
         <a:p>
-          <a:pPr marL="0" lvl="0" indent="0" algn="ctr" defTabSz="800100">
+          <a:pPr lvl="0" algn="ctr" defTabSz="800100">
             <a:lnSpc>
               <a:spcPct val="90000"/>
             </a:lnSpc>
@@ -9542,7 +10016,6 @@
             <a:spcAft>
               <a:spcPct val="35000"/>
             </a:spcAft>
-            <a:buNone/>
           </a:pPr>
           <a:r>
             <a:rPr lang="en-US" sz="1800" kern="1200" dirty="0"/>
@@ -9619,7 +10092,7 @@
             <a:spcAft>
               <a:spcPct val="15000"/>
             </a:spcAft>
-            <a:buNone/>
+            <a:buChar char="••"/>
           </a:pPr>
           <a:r>
             <a:rPr lang="en-US" sz="1400" u="none" kern="1200" dirty="0"/>
@@ -9674,7 +10147,7 @@
             <a:spcAft>
               <a:spcPct val="15000"/>
             </a:spcAft>
-            <a:buNone/>
+            <a:buChar char="••"/>
           </a:pPr>
           <a:r>
             <a:rPr lang="en-US" sz="1400" u="none" kern="1200" dirty="0"/>
@@ -9710,7 +10183,7 @@
             <a:spcAft>
               <a:spcPct val="15000"/>
             </a:spcAft>
-            <a:buNone/>
+            <a:buChar char="••"/>
           </a:pPr>
           <a:r>
             <a:rPr lang="en-US" sz="1400" u="none" kern="1200" dirty="0"/>
@@ -9746,7 +10219,7 @@
             <a:spcAft>
               <a:spcPct val="15000"/>
             </a:spcAft>
-            <a:buNone/>
+            <a:buChar char="••"/>
           </a:pPr>
           <a:r>
             <a:rPr lang="en-US" sz="1400" u="none" kern="1200" dirty="0"/>
@@ -9802,7 +10275,7 @@
             <a:spcAft>
               <a:spcPct val="15000"/>
             </a:spcAft>
-            <a:buNone/>
+            <a:buChar char="••"/>
           </a:pPr>
           <a:r>
             <a:rPr lang="en-US" sz="1400" u="none" kern="1200" dirty="0">
@@ -9860,7 +10333,7 @@
             <a:spcAft>
               <a:spcPct val="15000"/>
             </a:spcAft>
-            <a:buNone/>
+            <a:buChar char="••"/>
           </a:pPr>
           <a:r>
             <a:rPr lang="en-US" sz="1400" u="none" kern="1200" dirty="0">
@@ -9942,7 +10415,7 @@
         </a:bodyPr>
         <a:lstStyle/>
         <a:p>
-          <a:pPr marL="0" lvl="0" indent="0" algn="ctr" defTabSz="800100">
+          <a:pPr lvl="0" algn="ctr" defTabSz="800100">
             <a:lnSpc>
               <a:spcPct val="90000"/>
             </a:lnSpc>
@@ -9952,7 +10425,6 @@
             <a:spcAft>
               <a:spcPct val="35000"/>
             </a:spcAft>
-            <a:buNone/>
           </a:pPr>
           <a:r>
             <a:rPr lang="en-US" sz="1800" kern="1200" dirty="0"/>
@@ -10029,7 +10501,7 @@
             <a:spcAft>
               <a:spcPct val="15000"/>
             </a:spcAft>
-            <a:buNone/>
+            <a:buChar char="••"/>
           </a:pPr>
           <a:r>
             <a:rPr lang="en-US" sz="2000" u="none" kern="1200" dirty="0"/>
@@ -10105,7 +10577,7 @@
         </a:bodyPr>
         <a:lstStyle/>
         <a:p>
-          <a:pPr marL="0" lvl="0" indent="0" algn="ctr" defTabSz="800100">
+          <a:pPr lvl="0" algn="ctr" defTabSz="800100">
             <a:lnSpc>
               <a:spcPct val="90000"/>
             </a:lnSpc>
@@ -10115,7 +10587,6 @@
             <a:spcAft>
               <a:spcPct val="35000"/>
             </a:spcAft>
-            <a:buNone/>
           </a:pPr>
           <a:r>
             <a:rPr lang="en-US" sz="1800" kern="1200" dirty="0"/>
@@ -10192,7 +10663,7 @@
             <a:spcAft>
               <a:spcPct val="15000"/>
             </a:spcAft>
-            <a:buNone/>
+            <a:buChar char="••"/>
           </a:pPr>
           <a:r>
             <a:rPr lang="en-US" sz="1800" u="none" kern="1200" dirty="0"/>
@@ -10242,7 +10713,7 @@
             <a:spcAft>
               <a:spcPct val="15000"/>
             </a:spcAft>
-            <a:buNone/>
+            <a:buChar char="••"/>
           </a:pPr>
           <a:r>
             <a:rPr lang="en-US" sz="1800" u="none" kern="1200" dirty="0"/>
@@ -10346,7 +10817,7 @@
         </a:bodyPr>
         <a:lstStyle/>
         <a:p>
-          <a:pPr marL="0" lvl="0" indent="0" algn="ctr" defTabSz="800100">
+          <a:pPr lvl="0" algn="ctr" defTabSz="800100">
             <a:lnSpc>
               <a:spcPct val="90000"/>
             </a:lnSpc>
@@ -10356,7 +10827,6 @@
             <a:spcAft>
               <a:spcPct val="35000"/>
             </a:spcAft>
-            <a:buNone/>
           </a:pPr>
           <a:r>
             <a:rPr lang="en-US" sz="1800" kern="1200" dirty="0"/>
@@ -10433,7 +10903,7 @@
             <a:spcAft>
               <a:spcPct val="15000"/>
             </a:spcAft>
-            <a:buNone/>
+            <a:buChar char="••"/>
           </a:pPr>
           <a:r>
             <a:rPr lang="en-US" sz="1800" u="none" kern="1200" dirty="0"/>
@@ -10484,7 +10954,7 @@
             <a:spcAft>
               <a:spcPct val="15000"/>
             </a:spcAft>
-            <a:buNone/>
+            <a:buChar char="••"/>
           </a:pPr>
           <a:r>
             <a:rPr lang="en-US" sz="1800" u="none" kern="1200" dirty="0">
@@ -10566,7 +11036,7 @@
         </a:bodyPr>
         <a:lstStyle/>
         <a:p>
-          <a:pPr marL="0" lvl="0" indent="0" algn="ctr" defTabSz="800100">
+          <a:pPr lvl="0" algn="ctr" defTabSz="800100">
             <a:lnSpc>
               <a:spcPct val="90000"/>
             </a:lnSpc>
@@ -10576,7 +11046,6 @@
             <a:spcAft>
               <a:spcPct val="35000"/>
             </a:spcAft>
-            <a:buNone/>
           </a:pPr>
           <a:r>
             <a:rPr lang="en-US" sz="1800" kern="1200" dirty="0"/>
@@ -10653,7 +11122,7 @@
             <a:spcAft>
               <a:spcPct val="15000"/>
             </a:spcAft>
-            <a:buNone/>
+            <a:buChar char="••"/>
           </a:pPr>
           <a:r>
             <a:rPr lang="en-US" sz="1800" u="none" kern="1200" dirty="0"/>
@@ -10729,7 +11198,7 @@
         </a:bodyPr>
         <a:lstStyle/>
         <a:p>
-          <a:pPr marL="0" lvl="0" indent="0" algn="ctr" defTabSz="800100">
+          <a:pPr lvl="0" algn="ctr" defTabSz="800100">
             <a:lnSpc>
               <a:spcPct val="90000"/>
             </a:lnSpc>
@@ -10739,7 +11208,6 @@
             <a:spcAft>
               <a:spcPct val="35000"/>
             </a:spcAft>
-            <a:buNone/>
           </a:pPr>
           <a:r>
             <a:rPr lang="en-US" sz="1800" kern="1200" dirty="0"/>
@@ -10816,7 +11284,7 @@
             <a:spcAft>
               <a:spcPct val="15000"/>
             </a:spcAft>
-            <a:buNone/>
+            <a:buChar char="••"/>
           </a:pPr>
           <a:r>
             <a:rPr lang="en-US" sz="1600" u="sng" kern="1200" dirty="0" err="1">
@@ -10878,7 +11346,7 @@
             <a:spcAft>
               <a:spcPct val="15000"/>
             </a:spcAft>
-            <a:buNone/>
+            <a:buChar char="••"/>
           </a:pPr>
           <a:r>
             <a:rPr lang="en-US" sz="1600" kern="1200" dirty="0" err="1">
@@ -10918,7 +11386,7 @@
             <a:spcAft>
               <a:spcPct val="15000"/>
             </a:spcAft>
-            <a:buNone/>
+            <a:buChar char="••"/>
           </a:pPr>
           <a:r>
             <a:rPr lang="en-US" sz="1600" kern="1200" dirty="0">
@@ -10966,7 +11434,7 @@
             <a:spcAft>
               <a:spcPct val="15000"/>
             </a:spcAft>
-            <a:buNone/>
+            <a:buChar char="••"/>
           </a:pPr>
           <a:r>
             <a:rPr lang="en-US" sz="1600" kern="1200" dirty="0">
@@ -10998,7 +11466,7 @@
             <a:spcAft>
               <a:spcPct val="15000"/>
             </a:spcAft>
-            <a:buNone/>
+            <a:buChar char="••"/>
           </a:pPr>
           <a:r>
             <a:rPr lang="en-US" sz="1600" kern="1200" dirty="0" err="1">
@@ -11038,7 +11506,7 @@
             <a:spcAft>
               <a:spcPct val="15000"/>
             </a:spcAft>
-            <a:buNone/>
+            <a:buChar char="••"/>
           </a:pPr>
           <a:r>
             <a:rPr lang="en-US" sz="1600" kern="1200" dirty="0">
@@ -11070,7 +11538,7 @@
             <a:spcAft>
               <a:spcPct val="15000"/>
             </a:spcAft>
-            <a:buNone/>
+            <a:buChar char="••"/>
           </a:pPr>
           <a:endParaRPr lang="en-US" sz="1600" kern="1200" dirty="0">
             <a:solidFill>
@@ -11103,8 +11571,8 @@
       </dsp:nvSpPr>
       <dsp:spPr>
         <a:xfrm rot="5400000">
-          <a:off x="-274369" y="552981"/>
-          <a:ext cx="1829128" cy="1280390"/>
+          <a:off x="-204191" y="547002"/>
+          <a:ext cx="1361273" cy="952891"/>
         </a:xfrm>
         <a:prstGeom prst="chevron">
           <a:avLst/>
@@ -11146,12 +11614,12 @@
         </a:fontRef>
       </dsp:style>
       <dsp:txBody>
-        <a:bodyPr spcFirstLastPara="0" vert="horz" wrap="square" lIns="11430" tIns="11430" rIns="11430" bIns="11430" numCol="1" spcCol="1270" anchor="ctr" anchorCtr="0">
+        <a:bodyPr spcFirstLastPara="0" vert="horz" wrap="square" lIns="8255" tIns="8255" rIns="8255" bIns="8255" numCol="1" spcCol="1270" anchor="ctr" anchorCtr="0">
           <a:noAutofit/>
         </a:bodyPr>
         <a:lstStyle/>
         <a:p>
-          <a:pPr marL="0" lvl="0" indent="0" algn="ctr" defTabSz="800100">
+          <a:pPr lvl="0" algn="ctr" defTabSz="577850">
             <a:lnSpc>
               <a:spcPct val="90000"/>
             </a:lnSpc>
@@ -11161,17 +11629,16 @@
             <a:spcAft>
               <a:spcPct val="35000"/>
             </a:spcAft>
-            <a:buNone/>
           </a:pPr>
           <a:r>
-            <a:rPr lang="en-US" sz="1800" kern="1200" dirty="0"/>
+            <a:rPr lang="en-US" sz="1300" kern="1200" dirty="0"/>
             <a:t>Input data</a:t>
           </a:r>
         </a:p>
       </dsp:txBody>
       <dsp:txXfrm rot="-5400000">
-        <a:off x="0" y="918807"/>
-        <a:ext cx="1280390" cy="548738"/>
+        <a:off x="1" y="819257"/>
+        <a:ext cx="952891" cy="408382"/>
       </dsp:txXfrm>
     </dsp:sp>
     <dsp:sp modelId="{5FDFAD45-BE3A-42C7-96F9-147D175477B9}">
@@ -11181,8 +11648,8 @@
       </dsp:nvSpPr>
       <dsp:spPr>
         <a:xfrm rot="5400000">
-          <a:off x="3845434" y="-2550726"/>
-          <a:ext cx="1717521" cy="6847609"/>
+          <a:off x="3864198" y="-2802329"/>
+          <a:ext cx="1352494" cy="7175108"/>
         </a:xfrm>
         <a:prstGeom prst="round2SameRect">
           <a:avLst/>
@@ -11223,12 +11690,12 @@
         <a:fontRef idx="minor"/>
       </dsp:style>
       <dsp:txBody>
-        <a:bodyPr spcFirstLastPara="0" vert="horz" wrap="square" lIns="99568" tIns="8890" rIns="8890" bIns="8890" numCol="1" spcCol="1270" anchor="ctr" anchorCtr="0">
+        <a:bodyPr spcFirstLastPara="0" vert="horz" wrap="square" lIns="128016" tIns="11430" rIns="11430" bIns="11430" numCol="1" spcCol="1270" anchor="ctr" anchorCtr="0">
           <a:noAutofit/>
         </a:bodyPr>
         <a:lstStyle/>
         <a:p>
-          <a:pPr marL="114300" lvl="1" indent="-114300" algn="l" defTabSz="622300">
+          <a:pPr marL="171450" lvl="1" indent="-171450" algn="l" defTabSz="800100">
             <a:lnSpc>
               <a:spcPct val="90000"/>
             </a:lnSpc>
@@ -11238,15 +11705,15 @@
             <a:spcAft>
               <a:spcPct val="15000"/>
             </a:spcAft>
-            <a:buNone/>
+            <a:buChar char="••"/>
           </a:pPr>
           <a:r>
-            <a:rPr lang="en-US" sz="1400" u="sng" kern="1200" dirty="0"/>
+            <a:rPr lang="en-US" sz="1800" u="sng" kern="1200" dirty="0"/>
             <a:t>~/data/processed/</a:t>
           </a:r>
         </a:p>
         <a:p>
-          <a:pPr marL="114300" lvl="1" indent="-114300" algn="l" defTabSz="622300">
+          <a:pPr marL="342900" lvl="2" indent="-171450" algn="l" defTabSz="800100">
             <a:lnSpc>
               <a:spcPct val="90000"/>
             </a:lnSpc>
@@ -11256,33 +11723,46 @@
             <a:spcAft>
               <a:spcPct val="15000"/>
             </a:spcAft>
-            <a:buNone/>
+            <a:buChar char="••"/>
           </a:pPr>
           <a:r>
-            <a:rPr lang="en-US" sz="1400" u="none" kern="1200" dirty="0"/>
-            <a:t>- </a:t>
-          </a:r>
-          <a:r>
-            <a:rPr lang="en-US" sz="1400" u="none" kern="1200" dirty="0" err="1"/>
+            <a:rPr lang="en-US" sz="1800" u="none" kern="1200" dirty="0" err="1" smtClean="0"/>
             <a:t>grid_goa.RData</a:t>
           </a:r>
           <a:r>
-            <a:rPr lang="en-US" sz="1400" u="none" kern="1200" dirty="0"/>
+            <a:rPr lang="en-US" sz="1800" u="none" kern="1200" dirty="0"/>
             <a:t>: </a:t>
           </a:r>
           <a:r>
-            <a:rPr lang="en-US" sz="1400" i="0" u="none" kern="1200" dirty="0">
+            <a:rPr lang="en-US" sz="1800" i="0" u="none" kern="1200" dirty="0">
               <a:solidFill>
                 <a:schemeClr val="bg1">
                   <a:lumMod val="50000"/>
                 </a:schemeClr>
               </a:solidFill>
             </a:rPr>
-            <a:t>goa grid with bathymetry</a:t>
-          </a:r>
-        </a:p>
-        <a:p>
-          <a:pPr marL="114300" lvl="1" indent="-114300" algn="l" defTabSz="622300">
+            <a:t>goa grid with </a:t>
+          </a:r>
+          <a:r>
+            <a:rPr lang="en-US" sz="1800" i="0" u="none" kern="1200" dirty="0" smtClean="0">
+              <a:solidFill>
+                <a:schemeClr val="bg1">
+                  <a:lumMod val="50000"/>
+                </a:schemeClr>
+              </a:solidFill>
+            </a:rPr>
+            <a:t>bathymetry</a:t>
+          </a:r>
+          <a:endParaRPr lang="en-US" sz="1800" i="0" u="none" kern="1200" dirty="0">
+            <a:solidFill>
+              <a:schemeClr val="bg1">
+                <a:lumMod val="50000"/>
+              </a:schemeClr>
+            </a:solidFill>
+          </a:endParaRPr>
+        </a:p>
+        <a:p>
+          <a:pPr marL="342900" lvl="2" indent="-171450" algn="l" defTabSz="800100">
             <a:lnSpc>
               <a:spcPct val="90000"/>
             </a:lnSpc>
@@ -11292,62 +11772,18 @@
             <a:spcAft>
               <a:spcPct val="15000"/>
             </a:spcAft>
-            <a:buNone/>
+            <a:buChar char="••"/>
           </a:pPr>
           <a:r>
-            <a:rPr lang="en-US" sz="1400" u="none" kern="1200" dirty="0"/>
-            <a:t>- </a:t>
-          </a:r>
-          <a:r>
-            <a:rPr lang="en-US" sz="1400" u="none" kern="1200" dirty="0" err="1"/>
-            <a:t>VAST_fit_D_gct.Rdata</a:t>
-          </a:r>
-          <a:r>
-            <a:rPr lang="en-US" sz="1400" u="none" kern="1200" dirty="0"/>
-            <a:t>: </a:t>
-          </a:r>
-          <a:r>
-            <a:rPr lang="en-US" sz="1400" u="none" kern="1200" dirty="0">
-              <a:solidFill>
-                <a:schemeClr val="bg1">
-                  <a:lumMod val="50000"/>
-                </a:schemeClr>
-              </a:solidFill>
-            </a:rPr>
-            <a:t>“best” single-species predicted density for each cell (g), species (c) and year (t) in one 3-D array</a:t>
-          </a:r>
-        </a:p>
-        <a:p>
-          <a:pPr marL="114300" lvl="1" indent="-114300" algn="l" defTabSz="622300">
-            <a:lnSpc>
-              <a:spcPct val="90000"/>
-            </a:lnSpc>
-            <a:spcBef>
-              <a:spcPct val="0"/>
-            </a:spcBef>
-            <a:spcAft>
-              <a:spcPct val="15000"/>
-            </a:spcAft>
-            <a:buNone/>
-          </a:pPr>
-          <a:r>
-            <a:rPr lang="en-US" sz="1400" u="none" kern="1200" dirty="0">
+            <a:rPr lang="en-US" sz="1800" i="0" u="none" kern="1200" dirty="0" err="1" smtClean="0">
               <a:solidFill>
                 <a:schemeClr val="tx1"/>
               </a:solidFill>
             </a:rPr>
-            <a:t>-</a:t>
-          </a:r>
-          <a:r>
-            <a:rPr lang="en-US" sz="1400" u="none" kern="1200" dirty="0" err="1">
-              <a:solidFill>
-                <a:schemeClr val="tx1"/>
-              </a:solidFill>
-            </a:rPr>
-            <a:t>VAST_fit_I_gct.Rdata</a:t>
-          </a:r>
-          <a:r>
-            <a:rPr lang="en-US" sz="1400" u="none" kern="1200" dirty="0">
+            <a:t>prednll_VAST_models.Rdata</a:t>
+          </a:r>
+          <a:r>
+            <a:rPr lang="en-US" sz="1800" i="0" u="none" kern="1200" dirty="0" smtClean="0">
               <a:solidFill>
                 <a:schemeClr val="tx1"/>
               </a:solidFill>
@@ -11355,20 +11791,31 @@
             <a:t>: </a:t>
           </a:r>
           <a:r>
-            <a:rPr lang="en-US" sz="1400" u="none" kern="1200" dirty="0">
+            <a:rPr lang="en-US" sz="1800" i="0" u="none" kern="1200" dirty="0" err="1" smtClean="0">
               <a:solidFill>
-                <a:schemeClr val="bg1">
-                  <a:lumMod val="50000"/>
-                </a:schemeClr>
+                <a:schemeClr val="tx1"/>
               </a:solidFill>
             </a:rPr>
-            <a:t>“best” single-species predicted abundance for each cell (g), species (c) and year (t) in one 3-D array</a:t>
-          </a:r>
+            <a:t>dataframe</a:t>
+          </a:r>
+          <a:r>
+            <a:rPr lang="en-US" sz="1800" i="0" u="none" kern="1200" dirty="0" smtClean="0">
+              <a:solidFill>
+                <a:schemeClr val="tx1"/>
+              </a:solidFill>
+            </a:rPr>
+            <a:t> with VAST 10-fold cross-validation results for each species</a:t>
+          </a:r>
+          <a:endParaRPr lang="en-US" sz="1800" i="0" u="none" kern="1200" dirty="0">
+            <a:solidFill>
+              <a:schemeClr val="tx1"/>
+            </a:solidFill>
+          </a:endParaRPr>
         </a:p>
       </dsp:txBody>
       <dsp:txXfrm rot="-5400000">
-        <a:off x="1280390" y="98160"/>
-        <a:ext cx="6763767" cy="1549837"/>
+        <a:off x="952892" y="175000"/>
+        <a:ext cx="7109085" cy="1220448"/>
       </dsp:txXfrm>
     </dsp:sp>
     <dsp:sp modelId="{8EB604FD-2448-4F33-9F96-EAFE912047E9}">
@@ -11378,8 +11825,8 @@
       </dsp:nvSpPr>
       <dsp:spPr>
         <a:xfrm rot="5400000">
-          <a:off x="-274369" y="2201285"/>
-          <a:ext cx="1829128" cy="1280390"/>
+          <a:off x="-204191" y="1773702"/>
+          <a:ext cx="1361273" cy="952891"/>
         </a:xfrm>
         <a:prstGeom prst="chevron">
           <a:avLst/>
@@ -11421,12 +11868,12 @@
         </a:fontRef>
       </dsp:style>
       <dsp:txBody>
-        <a:bodyPr spcFirstLastPara="0" vert="horz" wrap="square" lIns="11430" tIns="11430" rIns="11430" bIns="11430" numCol="1" spcCol="1270" anchor="ctr" anchorCtr="0">
+        <a:bodyPr spcFirstLastPara="0" vert="horz" wrap="square" lIns="8255" tIns="8255" rIns="8255" bIns="8255" numCol="1" spcCol="1270" anchor="ctr" anchorCtr="0">
           <a:noAutofit/>
         </a:bodyPr>
         <a:lstStyle/>
         <a:p>
-          <a:pPr marL="0" lvl="0" indent="0" algn="ctr" defTabSz="800100">
+          <a:pPr lvl="0" algn="ctr" defTabSz="577850">
             <a:lnSpc>
               <a:spcPct val="90000"/>
             </a:lnSpc>
@@ -11436,17 +11883,16 @@
             <a:spcAft>
               <a:spcPct val="35000"/>
             </a:spcAft>
-            <a:buNone/>
           </a:pPr>
           <a:r>
-            <a:rPr lang="en-US" sz="1800" kern="1200" dirty="0"/>
+            <a:rPr lang="en-US" sz="1300" kern="1200" dirty="0"/>
             <a:t>Script Program</a:t>
           </a:r>
         </a:p>
       </dsp:txBody>
       <dsp:txXfrm rot="-5400000">
-        <a:off x="0" y="2567111"/>
-        <a:ext cx="1280390" cy="548738"/>
+        <a:off x="1" y="2045957"/>
+        <a:ext cx="952891" cy="408382"/>
       </dsp:txXfrm>
     </dsp:sp>
     <dsp:sp modelId="{3EE3D444-F1E2-4D81-B343-EEB78C9B7BC2}">
@@ -11456,8 +11902,8 @@
       </dsp:nvSpPr>
       <dsp:spPr>
         <a:xfrm rot="5400000">
-          <a:off x="4491072" y="-902421"/>
-          <a:ext cx="426244" cy="6847609"/>
+          <a:off x="4381752" y="-1575396"/>
+          <a:ext cx="317386" cy="7175108"/>
         </a:xfrm>
         <a:prstGeom prst="round2SameRect">
           <a:avLst/>
@@ -11513,7 +11959,7 @@
             <a:spcAft>
               <a:spcPct val="15000"/>
             </a:spcAft>
-            <a:buNone/>
+            <a:buChar char="••"/>
           </a:pPr>
           <a:r>
             <a:rPr lang="en-US" sz="2000" u="none" kern="1200" dirty="0"/>
@@ -11530,8 +11976,8 @@
         </a:p>
       </dsp:txBody>
       <dsp:txXfrm rot="-5400000">
-        <a:off x="1280390" y="2329069"/>
-        <a:ext cx="6826801" cy="384628"/>
+        <a:off x="952891" y="1868959"/>
+        <a:ext cx="7159614" cy="286398"/>
       </dsp:txXfrm>
     </dsp:sp>
     <dsp:sp modelId="{0837024A-932D-4B89-A5B5-1646702B04D6}">
@@ -11541,8 +11987,8 @@
       </dsp:nvSpPr>
       <dsp:spPr>
         <a:xfrm rot="5400000">
-          <a:off x="-274369" y="3849589"/>
-          <a:ext cx="1829128" cy="1280390"/>
+          <a:off x="-204191" y="3814727"/>
+          <a:ext cx="1361273" cy="952891"/>
         </a:xfrm>
         <a:prstGeom prst="chevron">
           <a:avLst/>
@@ -11584,12 +12030,12 @@
         </a:fontRef>
       </dsp:style>
       <dsp:txBody>
-        <a:bodyPr spcFirstLastPara="0" vert="horz" wrap="square" lIns="11430" tIns="11430" rIns="11430" bIns="11430" numCol="1" spcCol="1270" anchor="ctr" anchorCtr="0">
+        <a:bodyPr spcFirstLastPara="0" vert="horz" wrap="square" lIns="8255" tIns="8255" rIns="8255" bIns="8255" numCol="1" spcCol="1270" anchor="ctr" anchorCtr="0">
           <a:noAutofit/>
         </a:bodyPr>
         <a:lstStyle/>
         <a:p>
-          <a:pPr marL="0" lvl="0" indent="0" algn="ctr" defTabSz="800100">
+          <a:pPr lvl="0" algn="ctr" defTabSz="577850">
             <a:lnSpc>
               <a:spcPct val="90000"/>
             </a:lnSpc>
@@ -11599,17 +12045,16 @@
             <a:spcAft>
               <a:spcPct val="35000"/>
             </a:spcAft>
-            <a:buNone/>
           </a:pPr>
           <a:r>
-            <a:rPr lang="en-US" sz="1800" kern="1200" dirty="0"/>
+            <a:rPr lang="en-US" sz="1300" kern="1200" dirty="0"/>
             <a:t>Output</a:t>
           </a:r>
         </a:p>
       </dsp:txBody>
       <dsp:txXfrm rot="-5400000">
-        <a:off x="0" y="4215415"/>
-        <a:ext cx="1280390" cy="548738"/>
+        <a:off x="1" y="4086982"/>
+        <a:ext cx="952891" cy="408382"/>
       </dsp:txXfrm>
     </dsp:sp>
     <dsp:sp modelId="{8FBC2C5D-9E47-4B2D-8CC0-0827ADC6EE57}">
@@ -11619,8 +12064,8 @@
       </dsp:nvSpPr>
       <dsp:spPr>
         <a:xfrm rot="5400000">
-          <a:off x="4109728" y="745882"/>
-          <a:ext cx="1188933" cy="6847609"/>
+          <a:off x="3283707" y="465396"/>
+          <a:ext cx="2513477" cy="7175108"/>
         </a:xfrm>
         <a:prstGeom prst="round2SameRect">
           <a:avLst/>
@@ -11661,12 +12106,12 @@
         <a:fontRef idx="minor"/>
       </dsp:style>
       <dsp:txBody>
-        <a:bodyPr spcFirstLastPara="0" vert="horz" wrap="square" lIns="128016" tIns="11430" rIns="11430" bIns="11430" numCol="1" spcCol="1270" anchor="ctr" anchorCtr="0">
+        <a:bodyPr spcFirstLastPara="0" vert="horz" wrap="square" lIns="113792" tIns="10160" rIns="10160" bIns="10160" numCol="1" spcCol="1270" anchor="ctr" anchorCtr="0">
           <a:noAutofit/>
         </a:bodyPr>
         <a:lstStyle/>
         <a:p>
-          <a:pPr marL="171450" lvl="1" indent="-171450" algn="l" defTabSz="800100">
+          <a:pPr marL="171450" lvl="1" indent="-171450" algn="l" defTabSz="711200">
             <a:lnSpc>
               <a:spcPct val="90000"/>
             </a:lnSpc>
@@ -11676,26 +12121,51 @@
             <a:spcAft>
               <a:spcPct val="15000"/>
             </a:spcAft>
-            <a:buNone/>
+            <a:buChar char="••"/>
           </a:pPr>
           <a:r>
-            <a:rPr lang="en-US" sz="1800" u="none" kern="1200" dirty="0"/>
+            <a:rPr lang="en-US" sz="1600" u="none" kern="1200" dirty="0"/>
             <a:t>~/</a:t>
           </a:r>
           <a:r>
-            <a:rPr lang="en-US" sz="1800" kern="1200" dirty="0"/>
-            <a:t>data/processed/</a:t>
-          </a:r>
-          <a:r>
-            <a:rPr lang="en-US" sz="1800" kern="1200" dirty="0" err="1"/>
+            <a:rPr lang="en-US" sz="1600" kern="1200" dirty="0"/>
+            <a:t>data/processed</a:t>
+          </a:r>
+          <a:r>
+            <a:rPr lang="en-US" sz="1600" kern="1200" dirty="0" smtClean="0"/>
+            <a:t>/</a:t>
+          </a:r>
+          <a:endParaRPr lang="en-US" sz="1600" kern="1200" dirty="0">
+            <a:solidFill>
+              <a:schemeClr val="bg1">
+                <a:lumMod val="50000"/>
+              </a:schemeClr>
+            </a:solidFill>
+          </a:endParaRPr>
+        </a:p>
+        <a:p>
+          <a:pPr marL="342900" lvl="2" indent="-171450" algn="l" defTabSz="711200">
+            <a:lnSpc>
+              <a:spcPct val="90000"/>
+            </a:lnSpc>
+            <a:spcBef>
+              <a:spcPct val="0"/>
+            </a:spcBef>
+            <a:spcAft>
+              <a:spcPct val="15000"/>
+            </a:spcAft>
+            <a:buChar char="••"/>
+          </a:pPr>
+          <a:r>
+            <a:rPr lang="en-US" sz="1600" kern="1200" dirty="0" err="1" smtClean="0"/>
             <a:t>optimization_data.RData</a:t>
           </a:r>
           <a:r>
-            <a:rPr lang="en-US" sz="1800" kern="1200" dirty="0"/>
+            <a:rPr lang="en-US" sz="1600" kern="1200" dirty="0"/>
             <a:t>: </a:t>
           </a:r>
           <a:r>
-            <a:rPr lang="en-US" sz="1800" kern="1200" dirty="0">
+            <a:rPr lang="en-US" sz="1600" kern="1200" dirty="0">
               <a:solidFill>
                 <a:schemeClr val="bg1">
                   <a:lumMod val="50000"/>
@@ -11705,10 +12175,119 @@
             <a:t>main survey optimization data input, constants used throughout the rest of the analysis and in figures</a:t>
           </a:r>
         </a:p>
+        <a:p>
+          <a:pPr marL="342900" lvl="2" indent="-171450" algn="l" defTabSz="711200">
+            <a:lnSpc>
+              <a:spcPct val="90000"/>
+            </a:lnSpc>
+            <a:spcBef>
+              <a:spcPct val="0"/>
+            </a:spcBef>
+            <a:spcAft>
+              <a:spcPct val="15000"/>
+            </a:spcAft>
+            <a:buChar char="••"/>
+          </a:pPr>
+          <a:r>
+            <a:rPr lang="en-US" sz="1600" kern="1200" dirty="0" err="1" smtClean="0">
+              <a:solidFill>
+                <a:schemeClr val="tx1"/>
+              </a:solidFill>
+            </a:rPr>
+            <a:t>dens_vals_MLE.RData</a:t>
+          </a:r>
+          <a:r>
+            <a:rPr lang="en-US" sz="1600" kern="1200" dirty="0" smtClean="0">
+              <a:solidFill>
+                <a:schemeClr val="tx1"/>
+              </a:solidFill>
+            </a:rPr>
+            <a:t>: predicted density based on the maximum likelihood estimates of the fixed and random parameters from VAST</a:t>
+          </a:r>
+          <a:endParaRPr lang="en-US" sz="1600" kern="1200" dirty="0">
+            <a:solidFill>
+              <a:schemeClr val="tx1"/>
+            </a:solidFill>
+          </a:endParaRPr>
+        </a:p>
+        <a:p>
+          <a:pPr marL="342900" lvl="2" indent="-171450" algn="l" defTabSz="711200">
+            <a:lnSpc>
+              <a:spcPct val="90000"/>
+            </a:lnSpc>
+            <a:spcBef>
+              <a:spcPct val="0"/>
+            </a:spcBef>
+            <a:spcAft>
+              <a:spcPct val="15000"/>
+            </a:spcAft>
+            <a:buChar char="••"/>
+          </a:pPr>
+          <a:r>
+            <a:rPr lang="en-US" sz="1600" kern="1200" dirty="0" err="1" smtClean="0">
+              <a:solidFill>
+                <a:schemeClr val="tx1"/>
+              </a:solidFill>
+            </a:rPr>
+            <a:t>dens_vals_measurement.RData</a:t>
+          </a:r>
+          <a:r>
+            <a:rPr lang="en-US" sz="1600" kern="1200" dirty="0" smtClean="0">
+              <a:solidFill>
+                <a:schemeClr val="tx1"/>
+              </a:solidFill>
+            </a:rPr>
+            <a:t>: predicted density based on the simulating measurement error conditioned on the fixed and random effects from VAST</a:t>
+          </a:r>
+          <a:endParaRPr lang="en-US" sz="1600" kern="1200" dirty="0">
+            <a:solidFill>
+              <a:schemeClr val="bg1">
+                <a:lumMod val="50000"/>
+              </a:schemeClr>
+            </a:solidFill>
+          </a:endParaRPr>
+        </a:p>
+        <a:p>
+          <a:pPr marL="342900" lvl="2" indent="-171450" algn="l" defTabSz="711200">
+            <a:lnSpc>
+              <a:spcPct val="90000"/>
+            </a:lnSpc>
+            <a:spcBef>
+              <a:spcPct val="0"/>
+            </a:spcBef>
+            <a:spcAft>
+              <a:spcPct val="15000"/>
+            </a:spcAft>
+            <a:buChar char="••"/>
+          </a:pPr>
+          <a:r>
+            <a:rPr lang="en-US" sz="1600" kern="1200" dirty="0" err="1" smtClean="0">
+              <a:solidFill>
+                <a:schemeClr val="tx1"/>
+              </a:solidFill>
+            </a:rPr>
+            <a:t>dens_vals_fixed_random.RData</a:t>
+          </a:r>
+          <a:r>
+            <a:rPr lang="en-US" sz="1600" kern="1200" dirty="0" smtClean="0">
+              <a:solidFill>
+                <a:schemeClr val="tx1"/>
+              </a:solidFill>
+            </a:rPr>
+            <a:t>: predicted density based on the simulating fixed and random effects from VAST</a:t>
+          </a:r>
+          <a:endParaRPr lang="en-US" sz="1600" kern="1200" dirty="0">
+            <a:solidFill>
+              <a:schemeClr val="bg1">
+                <a:lumMod val="50000"/>
+              </a:schemeClr>
+            </a:solidFill>
+          </a:endParaRPr>
+        </a:p>
       </dsp:txBody>
       <dsp:txXfrm rot="-5400000">
-        <a:off x="1280391" y="3633259"/>
-        <a:ext cx="6789570" cy="1072855"/>
+        <a:off x="952892" y="2918909"/>
+        <a:ext cx="7052410" cy="2268081"/>
       </dsp:txXfrm>
     </dsp:sp>
   </dsp:spTree>
@@ -11778,7 +12357,7 @@
         </a:bodyPr>
         <a:lstStyle/>
         <a:p>
-          <a:pPr marL="0" lvl="0" indent="0" algn="ctr" defTabSz="844550">
+          <a:pPr lvl="0" algn="ctr" defTabSz="844550">
             <a:lnSpc>
               <a:spcPct val="90000"/>
             </a:lnSpc>
@@ -11788,7 +12367,6 @@
             <a:spcAft>
               <a:spcPct val="35000"/>
             </a:spcAft>
-            <a:buNone/>
           </a:pPr>
           <a:r>
             <a:rPr lang="en-US" sz="1900" kern="1200" dirty="0"/>
@@ -11865,7 +12443,7 @@
             <a:spcAft>
               <a:spcPct val="15000"/>
             </a:spcAft>
-            <a:buNone/>
+            <a:buChar char="••"/>
           </a:pPr>
           <a:r>
             <a:rPr lang="en-US" sz="1800" u="none" kern="1200" dirty="0"/>
@@ -11902,7 +12480,7 @@
             <a:spcAft>
               <a:spcPct val="15000"/>
             </a:spcAft>
-            <a:buNone/>
+            <a:buChar char="••"/>
           </a:pPr>
           <a:r>
             <a:rPr lang="en-US" sz="1800" u="none" kern="1200" dirty="0"/>
@@ -11988,7 +12566,7 @@
         </a:bodyPr>
         <a:lstStyle/>
         <a:p>
-          <a:pPr marL="0" lvl="0" indent="0" algn="ctr" defTabSz="844550">
+          <a:pPr lvl="0" algn="ctr" defTabSz="844550">
             <a:lnSpc>
               <a:spcPct val="90000"/>
             </a:lnSpc>
@@ -11998,7 +12576,6 @@
             <a:spcAft>
               <a:spcPct val="35000"/>
             </a:spcAft>
-            <a:buNone/>
           </a:pPr>
           <a:r>
             <a:rPr lang="en-US" sz="1900" kern="1200" dirty="0"/>
@@ -12075,7 +12652,7 @@
             <a:spcAft>
               <a:spcPct val="15000"/>
             </a:spcAft>
-            <a:buNone/>
+            <a:buChar char="••"/>
           </a:pPr>
           <a:r>
             <a:rPr lang="en-US" sz="1800" u="none" kern="1200" dirty="0"/>
@@ -12156,7 +12733,7 @@
         </a:bodyPr>
         <a:lstStyle/>
         <a:p>
-          <a:pPr marL="0" lvl="0" indent="0" algn="ctr" defTabSz="844550">
+          <a:pPr lvl="0" algn="ctr" defTabSz="844550">
             <a:lnSpc>
               <a:spcPct val="90000"/>
             </a:lnSpc>
@@ -12166,7 +12743,6 @@
             <a:spcAft>
               <a:spcPct val="35000"/>
             </a:spcAft>
-            <a:buNone/>
           </a:pPr>
           <a:r>
             <a:rPr lang="en-US" sz="1900" kern="1200" dirty="0"/>
@@ -12243,7 +12819,7 @@
             <a:spcAft>
               <a:spcPct val="15000"/>
             </a:spcAft>
-            <a:buNone/>
+            <a:buChar char="••"/>
           </a:pPr>
           <a:r>
             <a:rPr lang="en-US" sz="1400" u="none" kern="1200" dirty="0"/>
@@ -12300,7 +12876,7 @@
             <a:spcAft>
               <a:spcPct val="15000"/>
             </a:spcAft>
-            <a:buNone/>
+            <a:buChar char="••"/>
           </a:pPr>
           <a:r>
             <a:rPr lang="en-US" sz="1400" kern="1200" dirty="0">
@@ -12344,7 +12920,7 @@
             <a:spcAft>
               <a:spcPct val="15000"/>
             </a:spcAft>
-            <a:buNone/>
+            <a:buChar char="••"/>
           </a:pPr>
           <a:r>
             <a:rPr lang="en-US" sz="1400" kern="1200" dirty="0">
@@ -12376,7 +12952,7 @@
             <a:spcAft>
               <a:spcPct val="15000"/>
             </a:spcAft>
-            <a:buNone/>
+            <a:buChar char="••"/>
           </a:pPr>
           <a:r>
             <a:rPr lang="en-US" sz="1400" kern="1200" dirty="0">
@@ -12470,7 +13046,7 @@
         </a:bodyPr>
         <a:lstStyle/>
         <a:p>
-          <a:pPr marL="0" lvl="0" indent="0" algn="ctr" defTabSz="844550">
+          <a:pPr lvl="0" algn="ctr" defTabSz="844550">
             <a:lnSpc>
               <a:spcPct val="90000"/>
             </a:lnSpc>
@@ -12480,7 +13056,6 @@
             <a:spcAft>
               <a:spcPct val="35000"/>
             </a:spcAft>
-            <a:buNone/>
           </a:pPr>
           <a:r>
             <a:rPr lang="en-US" sz="1900" kern="1200" dirty="0"/>
@@ -12557,7 +13132,7 @@
             <a:spcAft>
               <a:spcPct val="15000"/>
             </a:spcAft>
-            <a:buNone/>
+            <a:buChar char="••"/>
           </a:pPr>
           <a:r>
             <a:rPr lang="en-US" sz="1800" u="none" kern="1200" dirty="0"/>
@@ -12594,7 +13169,7 @@
             <a:spcAft>
               <a:spcPct val="15000"/>
             </a:spcAft>
-            <a:buNone/>
+            <a:buChar char="••"/>
           </a:pPr>
           <a:r>
             <a:rPr lang="en-US" sz="1800" u="none" kern="1200" dirty="0"/>
@@ -12680,7 +13255,7 @@
         </a:bodyPr>
         <a:lstStyle/>
         <a:p>
-          <a:pPr marL="0" lvl="0" indent="0" algn="ctr" defTabSz="844550">
+          <a:pPr lvl="0" algn="ctr" defTabSz="844550">
             <a:lnSpc>
               <a:spcPct val="90000"/>
             </a:lnSpc>
@@ -12690,7 +13265,6 @@
             <a:spcAft>
               <a:spcPct val="35000"/>
             </a:spcAft>
-            <a:buNone/>
           </a:pPr>
           <a:r>
             <a:rPr lang="en-US" sz="1900" kern="1200" dirty="0"/>
@@ -12767,7 +13341,7 @@
             <a:spcAft>
               <a:spcPct val="15000"/>
             </a:spcAft>
-            <a:buNone/>
+            <a:buChar char="••"/>
           </a:pPr>
           <a:r>
             <a:rPr lang="en-US" sz="1800" u="none" kern="1200" dirty="0"/>
@@ -12852,7 +13426,7 @@
         </a:bodyPr>
         <a:lstStyle/>
         <a:p>
-          <a:pPr marL="0" lvl="0" indent="0" algn="ctr" defTabSz="844550">
+          <a:pPr lvl="0" algn="ctr" defTabSz="844550">
             <a:lnSpc>
               <a:spcPct val="90000"/>
             </a:lnSpc>
@@ -12862,7 +13436,6 @@
             <a:spcAft>
               <a:spcPct val="35000"/>
             </a:spcAft>
-            <a:buNone/>
           </a:pPr>
           <a:r>
             <a:rPr lang="en-US" sz="1900" kern="1200" dirty="0"/>
@@ -12939,7 +13512,7 @@
             <a:spcAft>
               <a:spcPct val="15000"/>
             </a:spcAft>
-            <a:buNone/>
+            <a:buChar char="••"/>
           </a:pPr>
           <a:r>
             <a:rPr lang="en-US" sz="1400" u="none" kern="1200" dirty="0"/>
@@ -12996,7 +13569,7 @@
             <a:spcAft>
               <a:spcPct val="15000"/>
             </a:spcAft>
-            <a:buNone/>
+            <a:buChar char="••"/>
           </a:pPr>
           <a:r>
             <a:rPr lang="en-US" sz="1400" kern="1200" dirty="0">
@@ -13040,7 +13613,7 @@
             <a:spcAft>
               <a:spcPct val="15000"/>
             </a:spcAft>
-            <a:buNone/>
+            <a:buChar char="••"/>
           </a:pPr>
           <a:r>
             <a:rPr lang="en-US" sz="1400" kern="1200" dirty="0">
@@ -13072,7 +13645,7 @@
             <a:spcAft>
               <a:spcPct val="15000"/>
             </a:spcAft>
-            <a:buNone/>
+            <a:buChar char="••"/>
           </a:pPr>
           <a:r>
             <a:rPr lang="en-US" sz="1400" kern="1200" dirty="0">
@@ -20990,7 +21563,7 @@
           <a:p>
             <a:fld id="{4287AB04-1197-4202-8E42-EAEF50D51202}" type="datetimeFigureOut">
               <a:rPr lang="en-US" smtClean="0"/>
-              <a:t>6/18/2021</a:t>
+              <a:t>10/17/2021</a:t>
             </a:fld>
             <a:endParaRPr lang="en-US"/>
           </a:p>
@@ -21188,7 +21761,7 @@
           <a:p>
             <a:fld id="{4287AB04-1197-4202-8E42-EAEF50D51202}" type="datetimeFigureOut">
               <a:rPr lang="en-US" smtClean="0"/>
-              <a:t>6/18/2021</a:t>
+              <a:t>10/17/2021</a:t>
             </a:fld>
             <a:endParaRPr lang="en-US"/>
           </a:p>
@@ -21396,7 +21969,7 @@
           <a:p>
             <a:fld id="{4287AB04-1197-4202-8E42-EAEF50D51202}" type="datetimeFigureOut">
               <a:rPr lang="en-US" smtClean="0"/>
-              <a:t>6/18/2021</a:t>
+              <a:t>10/17/2021</a:t>
             </a:fld>
             <a:endParaRPr lang="en-US"/>
           </a:p>
@@ -21594,7 +22167,7 @@
           <a:p>
             <a:fld id="{4287AB04-1197-4202-8E42-EAEF50D51202}" type="datetimeFigureOut">
               <a:rPr lang="en-US" smtClean="0"/>
-              <a:t>6/18/2021</a:t>
+              <a:t>10/17/2021</a:t>
             </a:fld>
             <a:endParaRPr lang="en-US"/>
           </a:p>
@@ -21869,7 +22442,7 @@
           <a:p>
             <a:fld id="{4287AB04-1197-4202-8E42-EAEF50D51202}" type="datetimeFigureOut">
               <a:rPr lang="en-US" smtClean="0"/>
-              <a:t>6/18/2021</a:t>
+              <a:t>10/17/2021</a:t>
             </a:fld>
             <a:endParaRPr lang="en-US"/>
           </a:p>
@@ -22134,7 +22707,7 @@
           <a:p>
             <a:fld id="{4287AB04-1197-4202-8E42-EAEF50D51202}" type="datetimeFigureOut">
               <a:rPr lang="en-US" smtClean="0"/>
-              <a:t>6/18/2021</a:t>
+              <a:t>10/17/2021</a:t>
             </a:fld>
             <a:endParaRPr lang="en-US"/>
           </a:p>
@@ -22546,7 +23119,7 @@
           <a:p>
             <a:fld id="{4287AB04-1197-4202-8E42-EAEF50D51202}" type="datetimeFigureOut">
               <a:rPr lang="en-US" smtClean="0"/>
-              <a:t>6/18/2021</a:t>
+              <a:t>10/17/2021</a:t>
             </a:fld>
             <a:endParaRPr lang="en-US"/>
           </a:p>
@@ -22687,7 +23260,7 @@
           <a:p>
             <a:fld id="{4287AB04-1197-4202-8E42-EAEF50D51202}" type="datetimeFigureOut">
               <a:rPr lang="en-US" smtClean="0"/>
-              <a:t>6/18/2021</a:t>
+              <a:t>10/17/2021</a:t>
             </a:fld>
             <a:endParaRPr lang="en-US"/>
           </a:p>
@@ -22800,7 +23373,7 @@
           <a:p>
             <a:fld id="{4287AB04-1197-4202-8E42-EAEF50D51202}" type="datetimeFigureOut">
               <a:rPr lang="en-US" smtClean="0"/>
-              <a:t>6/18/2021</a:t>
+              <a:t>10/17/2021</a:t>
             </a:fld>
             <a:endParaRPr lang="en-US"/>
           </a:p>
@@ -23111,7 +23684,7 @@
           <a:p>
             <a:fld id="{4287AB04-1197-4202-8E42-EAEF50D51202}" type="datetimeFigureOut">
               <a:rPr lang="en-US" smtClean="0"/>
-              <a:t>6/18/2021</a:t>
+              <a:t>10/17/2021</a:t>
             </a:fld>
             <a:endParaRPr lang="en-US"/>
           </a:p>
@@ -23399,7 +23972,7 @@
           <a:p>
             <a:fld id="{4287AB04-1197-4202-8E42-EAEF50D51202}" type="datetimeFigureOut">
               <a:rPr lang="en-US" smtClean="0"/>
-              <a:t>6/18/2021</a:t>
+              <a:t>10/17/2021</a:t>
             </a:fld>
             <a:endParaRPr lang="en-US"/>
           </a:p>
@@ -23640,7 +24213,7 @@
           <a:p>
             <a:fld id="{4287AB04-1197-4202-8E42-EAEF50D51202}" type="datetimeFigureOut">
               <a:rPr lang="en-US" smtClean="0"/>
-              <a:t>6/18/2021</a:t>
+              <a:t>10/17/2021</a:t>
             </a:fld>
             <a:endParaRPr lang="en-US"/>
           </a:p>
@@ -24244,7 +24817,7 @@
           <p:nvPr>
             <p:extLst>
               <p:ext uri="{D42A27DB-BD31-4B8C-83A1-F6EECF244321}">
-                <p14:modId xmlns:p14="http://schemas.microsoft.com/office/powerpoint/2010/main" val="4142498060"/>
+                <p14:modId xmlns:p14="http://schemas.microsoft.com/office/powerpoint/2010/main" val="2321834933"/>
               </p:ext>
             </p:extLst>
           </p:nvPr>

--- a/graphics/Workflow.pptx
+++ b/graphics/Workflow.pptx
@@ -5248,8 +5248,8 @@
     <dgm:cxn modelId="{28F4B55F-1626-4A11-B2A3-6C5FBCF466EE}" type="presOf" srcId="{CBA4680F-B921-4539-96E8-73E248B26438}" destId="{5FDFAD45-BE3A-42C7-96F9-147D175477B9}" srcOrd="0" destOrd="0" presId="urn:microsoft.com/office/officeart/2005/8/layout/chevron2"/>
     <dgm:cxn modelId="{890C6129-FED3-4F32-A1CE-803923CC13FB}" srcId="{B56C8652-49D2-40A6-9CA3-CE8DCF0946F5}" destId="{A21E80E9-3E30-4727-979B-CC3F1A7A22C5}" srcOrd="1" destOrd="0" parTransId="{5C40DCA5-A5ED-48F4-971B-7B525589E1B6}" sibTransId="{2E128CC8-58D8-49C7-B524-7F998825E08C}"/>
     <dgm:cxn modelId="{CBE38C60-2AAF-4767-AECB-3298EFA7C80C}" type="presOf" srcId="{15A2342C-342E-4AF1-ABFE-6D641BAF41A1}" destId="{049C38D1-B597-49E9-8B00-78FB12FB25CF}" srcOrd="0" destOrd="0" presId="urn:microsoft.com/office/officeart/2005/8/layout/chevron2"/>
+    <dgm:cxn modelId="{82F94CF7-E0DE-440A-B1D1-883572629C8B}" type="presOf" srcId="{A21E80E9-3E30-4727-979B-CC3F1A7A22C5}" destId="{8EB604FD-2448-4F33-9F96-EAFE912047E9}" srcOrd="0" destOrd="0" presId="urn:microsoft.com/office/officeart/2005/8/layout/chevron2"/>
     <dgm:cxn modelId="{E914BB3B-B500-4A5E-9DB8-004BB6465C45}" type="presOf" srcId="{F13B17A0-86C6-45C8-A1A1-58051CE11C6F}" destId="{5FDFAD45-BE3A-42C7-96F9-147D175477B9}" srcOrd="0" destOrd="2" presId="urn:microsoft.com/office/officeart/2005/8/layout/chevron2"/>
-    <dgm:cxn modelId="{82F94CF7-E0DE-440A-B1D1-883572629C8B}" type="presOf" srcId="{A21E80E9-3E30-4727-979B-CC3F1A7A22C5}" destId="{8EB604FD-2448-4F33-9F96-EAFE912047E9}" srcOrd="0" destOrd="0" presId="urn:microsoft.com/office/officeart/2005/8/layout/chevron2"/>
     <dgm:cxn modelId="{02A4D1AF-EDD8-439D-A484-025FCC6A980C}" type="presOf" srcId="{8C104665-B997-48CE-83A4-95BF6FDE6B49}" destId="{5FDFAD45-BE3A-42C7-96F9-147D175477B9}" srcOrd="0" destOrd="3" presId="urn:microsoft.com/office/officeart/2005/8/layout/chevron2"/>
     <dgm:cxn modelId="{98E93161-C30E-43AA-AF6B-299C6C6168AE}" srcId="{A21E80E9-3E30-4727-979B-CC3F1A7A22C5}" destId="{7251001A-0584-4766-A6D7-0E44BBBBDC12}" srcOrd="0" destOrd="0" parTransId="{FE219C25-7519-49A1-80FC-88DBD277BE7B}" sibTransId="{3A3E3377-B627-44C2-A026-04B55D885A13}"/>
     <dgm:cxn modelId="{C42BD982-C504-4914-9E0C-E8ABC64B4230}" type="presOf" srcId="{C9116064-21A2-4229-B71C-C859A81DBAAF}" destId="{5FDFAD45-BE3A-42C7-96F9-147D175477B9}" srcOrd="0" destOrd="4" presId="urn:microsoft.com/office/officeart/2005/8/layout/chevron2"/>
@@ -7023,8 +7023,8 @@
     <dgm:cxn modelId="{8F2FDC48-E40A-425B-870D-62187B5D42A9}" srcId="{FDFD6E2B-DBAB-4056-BC28-C138724F0441}" destId="{5FE0594D-1D7D-4AA8-819B-A2C743D5CEF2}" srcOrd="3" destOrd="0" parTransId="{1CA14089-09CF-4046-9D0C-3DFC6A05542D}" sibTransId="{F95BCFE4-CFE1-4C2D-8293-9326323C655E}"/>
     <dgm:cxn modelId="{F5DA283E-18B8-4545-BA85-552B99631C05}" type="presOf" srcId="{5EEE87EF-CC69-46CA-991B-C6EF45468841}" destId="{8FBC2C5D-9E47-4B2D-8CC0-0827ADC6EE57}" srcOrd="0" destOrd="5" presId="urn:microsoft.com/office/officeart/2005/8/layout/chevron2"/>
     <dgm:cxn modelId="{F72680C9-96BF-47B8-9EA1-790C7398DC53}" srcId="{FDFD6E2B-DBAB-4056-BC28-C138724F0441}" destId="{08DDB7E5-F95F-4C23-8B95-48DA1C9E93D2}" srcOrd="6" destOrd="0" parTransId="{17D3B376-5FA3-4529-8A20-009F64A5009F}" sibTransId="{2211239D-722D-4F53-AAEA-314BB74C3C5C}"/>
+    <dgm:cxn modelId="{B51378A4-5D0E-4C4B-B23C-D4EAD7678B6D}" type="presOf" srcId="{5FE0594D-1D7D-4AA8-819B-A2C743D5CEF2}" destId="{8FBC2C5D-9E47-4B2D-8CC0-0827ADC6EE57}" srcOrd="0" destOrd="3" presId="urn:microsoft.com/office/officeart/2005/8/layout/chevron2"/>
     <dgm:cxn modelId="{DBC7E407-9897-43CC-9C3A-E44E5BA3D393}" srcId="{FDFD6E2B-DBAB-4056-BC28-C138724F0441}" destId="{5EEE87EF-CC69-46CA-991B-C6EF45468841}" srcOrd="5" destOrd="0" parTransId="{3991E14B-A14C-40AF-9607-91EE68B84F4F}" sibTransId="{B0172526-43A0-4BDC-8318-EC52C2D54827}"/>
-    <dgm:cxn modelId="{B51378A4-5D0E-4C4B-B23C-D4EAD7678B6D}" type="presOf" srcId="{5FE0594D-1D7D-4AA8-819B-A2C743D5CEF2}" destId="{8FBC2C5D-9E47-4B2D-8CC0-0827ADC6EE57}" srcOrd="0" destOrd="3" presId="urn:microsoft.com/office/officeart/2005/8/layout/chevron2"/>
     <dgm:cxn modelId="{98E93161-C30E-43AA-AF6B-299C6C6168AE}" srcId="{A21E80E9-3E30-4727-979B-CC3F1A7A22C5}" destId="{7251001A-0584-4766-A6D7-0E44BBBBDC12}" srcOrd="0" destOrd="0" parTransId="{FE219C25-7519-49A1-80FC-88DBD277BE7B}" sibTransId="{3A3E3377-B627-44C2-A026-04B55D885A13}"/>
     <dgm:cxn modelId="{864443B7-827D-40CA-9151-FBD8FCDA144A}" srcId="{15A2342C-342E-4AF1-ABFE-6D641BAF41A1}" destId="{AE734D0A-6694-40AA-8661-A4F047D5E4D9}" srcOrd="1" destOrd="0" parTransId="{CCB97636-127D-4739-A837-C723B7836880}" sibTransId="{158A9BB4-6738-46A4-AC17-D8A26414D5F7}"/>
     <dgm:cxn modelId="{7F4D6DDB-3D42-4FF2-B68F-28BE1A3A21C0}" type="presOf" srcId="{08DDB7E5-F95F-4C23-8B95-48DA1C9E93D2}" destId="{8FBC2C5D-9E47-4B2D-8CC0-0827ADC6EE57}" srcOrd="0" destOrd="6" presId="urn:microsoft.com/office/officeart/2005/8/layout/chevron2"/>
@@ -7086,9 +7086,10 @@
         <a:lstStyle/>
         <a:p>
           <a:r>
-            <a:rPr lang="en-US" dirty="0"/>
-            <a:t>Input data</a:t>
-          </a:r>
+            <a:rPr lang="en-US" dirty="0" smtClean="0"/>
+            <a:t>Script Input</a:t>
+          </a:r>
+          <a:endParaRPr lang="en-US" dirty="0"/>
         </a:p>
       </dgm:t>
     </dgm:pt>
@@ -7125,7 +7126,7 @@
             <a:buNone/>
           </a:pPr>
           <a:r>
-            <a:rPr lang="en-US" sz="1800" u="sng" dirty="0"/>
+            <a:rPr lang="en-US" sz="2000" u="sng" dirty="0"/>
             <a:t>~/data/processed/</a:t>
           </a:r>
         </a:p>
@@ -7244,9 +7245,10 @@
         <a:lstStyle/>
         <a:p>
           <a:r>
-            <a:rPr lang="en-US" dirty="0"/>
-            <a:t>Output</a:t>
-          </a:r>
+            <a:rPr lang="en-US" dirty="0" smtClean="0"/>
+            <a:t>Script Output</a:t>
+          </a:r>
+          <a:endParaRPr lang="en-US" dirty="0"/>
         </a:p>
       </dgm:t>
     </dgm:pt>
@@ -7283,18 +7285,18 @@
             <a:buNone/>
           </a:pPr>
           <a:r>
-            <a:rPr lang="en-US" sz="1600" u="none" dirty="0"/>
+            <a:rPr lang="en-US" sz="2000" u="none" dirty="0"/>
             <a:t>~/</a:t>
           </a:r>
           <a:r>
-            <a:rPr lang="en-US" sz="1600" dirty="0"/>
+            <a:rPr lang="en-US" sz="2000" dirty="0"/>
             <a:t>data/processed</a:t>
           </a:r>
           <a:r>
-            <a:rPr lang="en-US" sz="1600" dirty="0" smtClean="0"/>
+            <a:rPr lang="en-US" sz="2000" dirty="0" smtClean="0"/>
             <a:t>/</a:t>
           </a:r>
-          <a:endParaRPr lang="en-US" sz="1600" dirty="0">
+          <a:endParaRPr lang="en-US" sz="2000" dirty="0">
             <a:solidFill>
               <a:schemeClr val="bg1">
                 <a:lumMod val="50000"/>
@@ -7337,34 +7339,10 @@
             <a:buNone/>
           </a:pPr>
           <a:r>
-            <a:rPr lang="en-US" sz="1800" u="none" dirty="0" err="1" smtClean="0"/>
+            <a:rPr lang="en-US" sz="2000" u="none" dirty="0" err="1" smtClean="0"/>
             <a:t>grid_goa.RData</a:t>
           </a:r>
-          <a:r>
-            <a:rPr lang="en-US" sz="1800" u="none" dirty="0"/>
-            <a:t>: </a:t>
-          </a:r>
-          <a:r>
-            <a:rPr lang="en-US" sz="1800" i="0" u="none" dirty="0">
-              <a:solidFill>
-                <a:schemeClr val="bg1">
-                  <a:lumMod val="50000"/>
-                </a:schemeClr>
-              </a:solidFill>
-            </a:rPr>
-            <a:t>goa grid with </a:t>
-          </a:r>
-          <a:r>
-            <a:rPr lang="en-US" sz="1800" i="0" u="none" dirty="0" smtClean="0">
-              <a:solidFill>
-                <a:schemeClr val="bg1">
-                  <a:lumMod val="50000"/>
-                </a:schemeClr>
-              </a:solidFill>
-            </a:rPr>
-            <a:t>bathymetry</a:t>
-          </a:r>
-          <a:endParaRPr lang="en-US" sz="1800" i="0" u="none" dirty="0">
+          <a:endParaRPr lang="en-US" sz="2000" i="0" u="none" dirty="0">
             <a:solidFill>
               <a:schemeClr val="bg1">
                 <a:lumMod val="50000"/>
@@ -7396,79 +7374,7 @@
         </a:p>
       </dgm:t>
     </dgm:pt>
-    <dgm:pt modelId="{DD72F1AC-36A9-4FC9-B3DD-284B7304268B}">
-      <dgm:prSet phldrT="[Text]" custT="1"/>
-      <dgm:spPr/>
-      <dgm:t>
-        <a:bodyPr/>
-        <a:lstStyle/>
-        <a:p>
-          <a:pPr algn="l">
-            <a:buNone/>
-          </a:pPr>
-          <a:r>
-            <a:rPr lang="en-US" sz="1800" i="0" u="none" dirty="0" err="1" smtClean="0">
-              <a:solidFill>
-                <a:schemeClr val="tx1"/>
-              </a:solidFill>
-            </a:rPr>
-            <a:t>prednll_VAST_models.Rdata</a:t>
-          </a:r>
-          <a:r>
-            <a:rPr lang="en-US" sz="1800" i="0" u="none" dirty="0" smtClean="0">
-              <a:solidFill>
-                <a:schemeClr val="tx1"/>
-              </a:solidFill>
-            </a:rPr>
-            <a:t>: </a:t>
-          </a:r>
-          <a:r>
-            <a:rPr lang="en-US" sz="1800" i="0" u="none" dirty="0" err="1" smtClean="0">
-              <a:solidFill>
-                <a:schemeClr val="tx1"/>
-              </a:solidFill>
-            </a:rPr>
-            <a:t>dataframe</a:t>
-          </a:r>
-          <a:r>
-            <a:rPr lang="en-US" sz="1800" i="0" u="none" dirty="0" smtClean="0">
-              <a:solidFill>
-                <a:schemeClr val="tx1"/>
-              </a:solidFill>
-            </a:rPr>
-            <a:t> with VAST 10-fold cross-validation results for each species</a:t>
-          </a:r>
-          <a:endParaRPr lang="en-US" sz="1800" i="0" u="none" dirty="0">
-            <a:solidFill>
-              <a:schemeClr val="tx1"/>
-            </a:solidFill>
-          </a:endParaRPr>
-        </a:p>
-      </dgm:t>
-    </dgm:pt>
-    <dgm:pt modelId="{278A84E8-AB0B-498A-88F0-D7815C0E6EBE}" type="parTrans" cxnId="{8F292043-0AE3-4A7F-922F-280AA19022B7}">
-      <dgm:prSet/>
-      <dgm:spPr/>
-      <dgm:t>
-        <a:bodyPr/>
-        <a:lstStyle/>
-        <a:p>
-          <a:endParaRPr lang="en-US"/>
-        </a:p>
-      </dgm:t>
-    </dgm:pt>
-    <dgm:pt modelId="{52B77427-3B7D-4B9E-B3D0-BFAE29C78F62}" type="sibTrans" cxnId="{8F292043-0AE3-4A7F-922F-280AA19022B7}">
-      <dgm:prSet/>
-      <dgm:spPr/>
-      <dgm:t>
-        <a:bodyPr/>
-        <a:lstStyle/>
-        <a:p>
-          <a:endParaRPr lang="en-US"/>
-        </a:p>
-      </dgm:t>
-    </dgm:pt>
-    <dgm:pt modelId="{4891FD67-D496-43B1-AAAA-FB43CACB8134}">
+    <dgm:pt modelId="{ABAAE8DB-E2CC-43CB-8D93-71DC9EFC3D10}">
       <dgm:prSet phldrT="[Text]" custT="1"/>
       <dgm:spPr/>
       <dgm:t>
@@ -7479,22 +7385,10 @@
             <a:buNone/>
           </a:pPr>
           <a:r>
-            <a:rPr lang="en-US" sz="1600" dirty="0" err="1" smtClean="0">
-              <a:solidFill>
-                <a:schemeClr val="tx1"/>
-              </a:solidFill>
-            </a:rPr>
-            <a:t>dens_vals_measurement.RData</a:t>
-          </a:r>
-          <a:r>
-            <a:rPr lang="en-US" sz="1600" dirty="0" smtClean="0">
-              <a:solidFill>
-                <a:schemeClr val="tx1"/>
-              </a:solidFill>
-            </a:rPr>
-            <a:t>: predicted density based on the simulating measurement error conditioned on the fixed and random effects from VAST</a:t>
-          </a:r>
-          <a:endParaRPr lang="en-US" sz="1600" dirty="0">
+            <a:rPr lang="en-US" sz="2000" dirty="0" err="1" smtClean="0"/>
+            <a:t>optimization_data.RData</a:t>
+          </a:r>
+          <a:endParaRPr lang="en-US" sz="2000" dirty="0">
             <a:solidFill>
               <a:schemeClr val="bg1">
                 <a:lumMod val="50000"/>
@@ -7504,7 +7398,7 @@
         </a:p>
       </dgm:t>
     </dgm:pt>
-    <dgm:pt modelId="{521644B0-E40C-4932-B70C-C9278B62866E}" type="parTrans" cxnId="{2B3F665E-6C26-4C8C-8925-3FA18AD3448C}">
+    <dgm:pt modelId="{8A59B9EC-BD07-4456-A8DF-54771CAB9EB4}" type="parTrans" cxnId="{CCF631FA-41A2-4046-B2DC-3AA7FEA2E47F}">
       <dgm:prSet/>
       <dgm:spPr/>
       <dgm:t>
@@ -7515,7 +7409,7 @@
         </a:p>
       </dgm:t>
     </dgm:pt>
-    <dgm:pt modelId="{921942D5-F19D-4E5F-B814-4F4FA6126DFC}" type="sibTrans" cxnId="{2B3F665E-6C26-4C8C-8925-3FA18AD3448C}">
+    <dgm:pt modelId="{2FE575B9-B4B2-43A2-A60A-5BACBE0F9C57}" type="sibTrans" cxnId="{CCF631FA-41A2-4046-B2DC-3AA7FEA2E47F}">
       <dgm:prSet/>
       <dgm:spPr/>
       <dgm:t>
@@ -7526,7 +7420,7 @@
         </a:p>
       </dgm:t>
     </dgm:pt>
-    <dgm:pt modelId="{ABAAE8DB-E2CC-43CB-8D93-71DC9EFC3D10}">
+    <dgm:pt modelId="{C7F13D55-EA84-4653-9F8F-927870A64E81}">
       <dgm:prSet phldrT="[Text]" custT="1"/>
       <dgm:spPr/>
       <dgm:t>
@@ -7537,75 +7431,14 @@
             <a:buNone/>
           </a:pPr>
           <a:r>
-            <a:rPr lang="en-US" sz="1600" dirty="0" err="1" smtClean="0"/>
-            <a:t>optimization_data.RData</a:t>
-          </a:r>
-          <a:r>
-            <a:rPr lang="en-US" sz="1600" dirty="0"/>
-            <a:t>: </a:t>
-          </a:r>
-          <a:r>
-            <a:rPr lang="en-US" sz="1600" dirty="0">
-              <a:solidFill>
-                <a:schemeClr val="bg1">
-                  <a:lumMod val="50000"/>
-                </a:schemeClr>
-              </a:solidFill>
-            </a:rPr>
-            <a:t>main survey optimization data input, constants used throughout the rest of the analysis and in figures</a:t>
-          </a:r>
-        </a:p>
-      </dgm:t>
-    </dgm:pt>
-    <dgm:pt modelId="{8A59B9EC-BD07-4456-A8DF-54771CAB9EB4}" type="parTrans" cxnId="{CCF631FA-41A2-4046-B2DC-3AA7FEA2E47F}">
-      <dgm:prSet/>
-      <dgm:spPr/>
-      <dgm:t>
-        <a:bodyPr/>
-        <a:lstStyle/>
-        <a:p>
-          <a:endParaRPr lang="en-US"/>
-        </a:p>
-      </dgm:t>
-    </dgm:pt>
-    <dgm:pt modelId="{2FE575B9-B4B2-43A2-A60A-5BACBE0F9C57}" type="sibTrans" cxnId="{CCF631FA-41A2-4046-B2DC-3AA7FEA2E47F}">
-      <dgm:prSet/>
-      <dgm:spPr/>
-      <dgm:t>
-        <a:bodyPr/>
-        <a:lstStyle/>
-        <a:p>
-          <a:endParaRPr lang="en-US"/>
-        </a:p>
-      </dgm:t>
-    </dgm:pt>
-    <dgm:pt modelId="{C7F13D55-EA84-4653-9F8F-927870A64E81}">
-      <dgm:prSet phldrT="[Text]" custT="1"/>
-      <dgm:spPr/>
-      <dgm:t>
-        <a:bodyPr/>
-        <a:lstStyle/>
-        <a:p>
-          <a:pPr>
-            <a:buNone/>
-          </a:pPr>
-          <a:r>
-            <a:rPr lang="en-US" sz="1600" dirty="0" err="1" smtClean="0">
+            <a:rPr lang="en-US" sz="2000" dirty="0" err="1" smtClean="0">
               <a:solidFill>
                 <a:schemeClr val="tx1"/>
               </a:solidFill>
             </a:rPr>
             <a:t>dens_vals_MLE.RData</a:t>
           </a:r>
-          <a:r>
-            <a:rPr lang="en-US" sz="1600" dirty="0" smtClean="0">
-              <a:solidFill>
-                <a:schemeClr val="tx1"/>
-              </a:solidFill>
-            </a:rPr>
-            <a:t>: predicted density based on the maximum likelihood estimates of the fixed and random parameters from VAST</a:t>
-          </a:r>
-          <a:endParaRPr lang="en-US" sz="1600" dirty="0">
+          <a:endParaRPr lang="en-US" sz="2000" dirty="0">
             <a:solidFill>
               <a:schemeClr val="tx1"/>
             </a:solidFill>
@@ -7635,7 +7468,7 @@
         </a:p>
       </dgm:t>
     </dgm:pt>
-    <dgm:pt modelId="{DC7F1DFF-09BB-4B4C-B671-9F3BA266632A}">
+    <dgm:pt modelId="{F94ECB6F-E4E1-4D13-8682-E2FA7DE428F3}">
       <dgm:prSet phldrT="[Text]" custT="1"/>
       <dgm:spPr/>
       <dgm:t>
@@ -7646,22 +7479,14 @@
             <a:buNone/>
           </a:pPr>
           <a:r>
-            <a:rPr lang="en-US" sz="1600" dirty="0" err="1" smtClean="0">
+            <a:rPr lang="en-US" sz="2000" dirty="0" err="1" smtClean="0">
               <a:solidFill>
                 <a:schemeClr val="tx1"/>
               </a:solidFill>
             </a:rPr>
             <a:t>dens_vals_fixed_random.RData</a:t>
           </a:r>
-          <a:r>
-            <a:rPr lang="en-US" sz="1600" dirty="0" smtClean="0">
-              <a:solidFill>
-                <a:schemeClr val="tx1"/>
-              </a:solidFill>
-            </a:rPr>
-            <a:t>: predicted density based on the simulating fixed and random effects from VAST</a:t>
-          </a:r>
-          <a:endParaRPr lang="en-US" sz="1600" dirty="0">
+          <a:endParaRPr lang="en-US" sz="2000" dirty="0">
             <a:solidFill>
               <a:schemeClr val="bg1">
                 <a:lumMod val="50000"/>
@@ -7671,7 +7496,7 @@
         </a:p>
       </dgm:t>
     </dgm:pt>
-    <dgm:pt modelId="{BBB28F1D-194C-4571-9A62-A6B6EA846AE0}" type="parTrans" cxnId="{B7053CA3-5B0E-459E-92A0-4BCA05754ED6}">
+    <dgm:pt modelId="{6AD74C5E-6C89-4F14-8665-D7F8C7FCEF65}" type="parTrans" cxnId="{4299D2A4-9130-4A71-956A-4B1E6C2E7EC7}">
       <dgm:prSet/>
       <dgm:spPr/>
       <dgm:t>
@@ -7682,7 +7507,113 @@
         </a:p>
       </dgm:t>
     </dgm:pt>
-    <dgm:pt modelId="{2B60A694-34C4-4DCD-A380-60E51B32C261}" type="sibTrans" cxnId="{B7053CA3-5B0E-459E-92A0-4BCA05754ED6}">
+    <dgm:pt modelId="{3AD3C8C4-9F22-45E6-B58D-337985AC2C67}" type="sibTrans" cxnId="{4299D2A4-9130-4A71-956A-4B1E6C2E7EC7}">
+      <dgm:prSet/>
+      <dgm:spPr/>
+      <dgm:t>
+        <a:bodyPr/>
+        <a:lstStyle/>
+        <a:p>
+          <a:endParaRPr lang="en-US"/>
+        </a:p>
+      </dgm:t>
+    </dgm:pt>
+    <dgm:pt modelId="{2C2FA253-18CD-49B1-A437-21286D9594B5}">
+      <dgm:prSet phldrT="[Text]" custT="1"/>
+      <dgm:spPr/>
+      <dgm:t>
+        <a:bodyPr/>
+        <a:lstStyle/>
+        <a:p>
+          <a:pPr>
+            <a:buNone/>
+          </a:pPr>
+          <a:r>
+            <a:rPr lang="en-US" sz="2000" dirty="0" err="1" smtClean="0">
+              <a:solidFill>
+                <a:schemeClr val="tx1"/>
+              </a:solidFill>
+            </a:rPr>
+            <a:t>dens_vals_measurement.RData</a:t>
+          </a:r>
+          <a:endParaRPr lang="en-US" sz="2000" dirty="0">
+            <a:solidFill>
+              <a:schemeClr val="tx1"/>
+            </a:solidFill>
+          </a:endParaRPr>
+        </a:p>
+      </dgm:t>
+    </dgm:pt>
+    <dgm:pt modelId="{070FA609-4080-46C1-BDB2-E1875E98BCB2}" type="parTrans" cxnId="{841D3D0F-1DB3-472F-8E63-3386F542F668}">
+      <dgm:prSet/>
+      <dgm:spPr/>
+      <dgm:t>
+        <a:bodyPr/>
+        <a:lstStyle/>
+        <a:p>
+          <a:endParaRPr lang="en-US"/>
+        </a:p>
+      </dgm:t>
+    </dgm:pt>
+    <dgm:pt modelId="{474C629F-EB93-498B-9202-E58025D2478C}" type="sibTrans" cxnId="{841D3D0F-1DB3-472F-8E63-3386F542F668}">
+      <dgm:prSet/>
+      <dgm:spPr/>
+      <dgm:t>
+        <a:bodyPr/>
+        <a:lstStyle/>
+        <a:p>
+          <a:endParaRPr lang="en-US"/>
+        </a:p>
+      </dgm:t>
+    </dgm:pt>
+    <dgm:pt modelId="{20F01373-D06A-4360-B5E0-C61DEF2E7385}">
+      <dgm:prSet phldrT="[Text]" custT="1"/>
+      <dgm:spPr/>
+      <dgm:t>
+        <a:bodyPr/>
+        <a:lstStyle/>
+        <a:p>
+          <a:pPr algn="l">
+            <a:buNone/>
+          </a:pPr>
+          <a:r>
+            <a:rPr lang="en-US" sz="2000" i="0" u="none" dirty="0" err="1" smtClean="0">
+              <a:solidFill>
+                <a:schemeClr val="tx1"/>
+              </a:solidFill>
+            </a:rPr>
+            <a:t>prednll_VAST_models.RData</a:t>
+          </a:r>
+          <a:r>
+            <a:rPr lang="en-US" sz="2000" i="0" u="none" dirty="0" smtClean="0">
+              <a:solidFill>
+                <a:schemeClr val="tx1"/>
+              </a:solidFill>
+            </a:rPr>
+            <a:t>:</a:t>
+          </a:r>
+          <a:endParaRPr lang="en-US" sz="2000" i="0" u="none" dirty="0">
+            <a:solidFill>
+              <a:schemeClr val="bg1">
+                <a:lumMod val="50000"/>
+              </a:schemeClr>
+            </a:solidFill>
+          </a:endParaRPr>
+        </a:p>
+      </dgm:t>
+    </dgm:pt>
+    <dgm:pt modelId="{01C26FAF-810B-49E9-9756-2103E233A160}" type="parTrans" cxnId="{B625634A-843B-4E55-9811-CDCBDBE6C67A}">
+      <dgm:prSet/>
+      <dgm:spPr/>
+      <dgm:t>
+        <a:bodyPr/>
+        <a:lstStyle/>
+        <a:p>
+          <a:endParaRPr lang="en-US"/>
+        </a:p>
+      </dgm:t>
+    </dgm:pt>
+    <dgm:pt modelId="{7986FF14-E23C-4165-9433-A6F2C2A050C1}" type="sibTrans" cxnId="{B625634A-843B-4E55-9811-CDCBDBE6C67A}">
       <dgm:prSet/>
       <dgm:spPr/>
       <dgm:t>
@@ -7731,7 +7662,7 @@
       </dgm:t>
     </dgm:pt>
     <dgm:pt modelId="{5FDFAD45-BE3A-42C7-96F9-147D175477B9}" type="pres">
-      <dgm:prSet presAssocID="{15A2342C-342E-4AF1-ABFE-6D641BAF41A1}" presName="descendantText" presStyleLbl="alignAcc1" presStyleIdx="0" presStyleCnt="3" custScaleY="152854">
+      <dgm:prSet presAssocID="{15A2342C-342E-4AF1-ABFE-6D641BAF41A1}" presName="descendantText" presStyleLbl="alignAcc1" presStyleIdx="0" presStyleCnt="3" custScaleY="100000">
         <dgm:presLayoutVars>
           <dgm:bulletEnabled val="1"/>
         </dgm:presLayoutVars>
@@ -7809,7 +7740,7 @@
       </dgm:t>
     </dgm:pt>
     <dgm:pt modelId="{8FBC2C5D-9E47-4B2D-8CC0-0827ADC6EE57}" type="pres">
-      <dgm:prSet presAssocID="{FDFD6E2B-DBAB-4056-BC28-C138724F0441}" presName="descendantText" presStyleLbl="alignAcc1" presStyleIdx="2" presStyleCnt="3" custScaleY="284064">
+      <dgm:prSet presAssocID="{FDFD6E2B-DBAB-4056-BC28-C138724F0441}" presName="descendantText" presStyleLbl="alignAcc1" presStyleIdx="2" presStyleCnt="3" custScaleY="148106">
         <dgm:presLayoutVars>
           <dgm:bulletEnabled val="1"/>
         </dgm:presLayoutVars>
@@ -7825,29 +7756,29 @@
     </dgm:pt>
   </dgm:ptLst>
   <dgm:cxnLst>
+    <dgm:cxn modelId="{4299D2A4-9130-4A71-956A-4B1E6C2E7EC7}" srcId="{1693A56B-51EB-4EEE-B5A0-2587A76BB504}" destId="{F94ECB6F-E4E1-4D13-8682-E2FA7DE428F3}" srcOrd="3" destOrd="0" parTransId="{6AD74C5E-6C89-4F14-8665-D7F8C7FCEF65}" sibTransId="{3AD3C8C4-9F22-45E6-B58D-337985AC2C67}"/>
     <dgm:cxn modelId="{28F4B55F-1626-4A11-B2A3-6C5FBCF466EE}" type="presOf" srcId="{CBA4680F-B921-4539-96E8-73E248B26438}" destId="{5FDFAD45-BE3A-42C7-96F9-147D175477B9}" srcOrd="0" destOrd="0" presId="urn:microsoft.com/office/officeart/2005/8/layout/chevron2"/>
     <dgm:cxn modelId="{890C6129-FED3-4F32-A1CE-803923CC13FB}" srcId="{B56C8652-49D2-40A6-9CA3-CE8DCF0946F5}" destId="{A21E80E9-3E30-4727-979B-CC3F1A7A22C5}" srcOrd="1" destOrd="0" parTransId="{5C40DCA5-A5ED-48F4-971B-7B525589E1B6}" sibTransId="{2E128CC8-58D8-49C7-B524-7F998825E08C}"/>
     <dgm:cxn modelId="{CBE38C60-2AAF-4767-AECB-3298EFA7C80C}" type="presOf" srcId="{15A2342C-342E-4AF1-ABFE-6D641BAF41A1}" destId="{049C38D1-B597-49E9-8B00-78FB12FB25CF}" srcOrd="0" destOrd="0" presId="urn:microsoft.com/office/officeart/2005/8/layout/chevron2"/>
     <dgm:cxn modelId="{0A6F4B5C-ED9F-4872-8178-50FFCE0A26DC}" srcId="{1693A56B-51EB-4EEE-B5A0-2587A76BB504}" destId="{C7F13D55-EA84-4653-9F8F-927870A64E81}" srcOrd="1" destOrd="0" parTransId="{DE372AD7-AE8A-4A5C-85EF-7BBFC4EAD400}" sibTransId="{F7D59EE5-C62A-46EB-A804-C93760F2FF41}"/>
     <dgm:cxn modelId="{82F94CF7-E0DE-440A-B1D1-883572629C8B}" type="presOf" srcId="{A21E80E9-3E30-4727-979B-CC3F1A7A22C5}" destId="{8EB604FD-2448-4F33-9F96-EAFE912047E9}" srcOrd="0" destOrd="0" presId="urn:microsoft.com/office/officeart/2005/8/layout/chevron2"/>
-    <dgm:cxn modelId="{8F292043-0AE3-4A7F-922F-280AA19022B7}" srcId="{CBA4680F-B921-4539-96E8-73E248B26438}" destId="{DD72F1AC-36A9-4FC9-B3DD-284B7304268B}" srcOrd="1" destOrd="0" parTransId="{278A84E8-AB0B-498A-88F0-D7815C0E6EBE}" sibTransId="{52B77427-3B7D-4B9E-B3D0-BFAE29C78F62}"/>
-    <dgm:cxn modelId="{2B3F665E-6C26-4C8C-8925-3FA18AD3448C}" srcId="{1693A56B-51EB-4EEE-B5A0-2587A76BB504}" destId="{4891FD67-D496-43B1-AAAA-FB43CACB8134}" srcOrd="2" destOrd="0" parTransId="{521644B0-E40C-4932-B70C-C9278B62866E}" sibTransId="{921942D5-F19D-4E5F-B814-4F4FA6126DFC}"/>
+    <dgm:cxn modelId="{A873340D-8347-4BFC-A9F8-E24362CF2110}" type="presOf" srcId="{F94ECB6F-E4E1-4D13-8682-E2FA7DE428F3}" destId="{8FBC2C5D-9E47-4B2D-8CC0-0827ADC6EE57}" srcOrd="0" destOrd="4" presId="urn:microsoft.com/office/officeart/2005/8/layout/chevron2"/>
     <dgm:cxn modelId="{98E93161-C30E-43AA-AF6B-299C6C6168AE}" srcId="{A21E80E9-3E30-4727-979B-CC3F1A7A22C5}" destId="{7251001A-0584-4766-A6D7-0E44BBBBDC12}" srcOrd="0" destOrd="0" parTransId="{FE219C25-7519-49A1-80FC-88DBD277BE7B}" sibTransId="{3A3E3377-B627-44C2-A026-04B55D885A13}"/>
     <dgm:cxn modelId="{77CC48A9-7F58-4588-B078-1F5FB409FA61}" type="presOf" srcId="{ABAAE8DB-E2CC-43CB-8D93-71DC9EFC3D10}" destId="{8FBC2C5D-9E47-4B2D-8CC0-0827ADC6EE57}" srcOrd="0" destOrd="1" presId="urn:microsoft.com/office/officeart/2005/8/layout/chevron2"/>
-    <dgm:cxn modelId="{B7053CA3-5B0E-459E-92A0-4BCA05754ED6}" srcId="{1693A56B-51EB-4EEE-B5A0-2587A76BB504}" destId="{DC7F1DFF-09BB-4B4C-B671-9F3BA266632A}" srcOrd="3" destOrd="0" parTransId="{BBB28F1D-194C-4571-9A62-A6B6EA846AE0}" sibTransId="{2B60A694-34C4-4DCD-A380-60E51B32C261}"/>
     <dgm:cxn modelId="{42A2C57A-441E-40C1-B0DD-ADED530A699C}" type="presOf" srcId="{958DC5F8-13C6-4060-9DA7-572015EE948E}" destId="{5FDFAD45-BE3A-42C7-96F9-147D175477B9}" srcOrd="0" destOrd="1" presId="urn:microsoft.com/office/officeart/2005/8/layout/chevron2"/>
     <dgm:cxn modelId="{CCF631FA-41A2-4046-B2DC-3AA7FEA2E47F}" srcId="{1693A56B-51EB-4EEE-B5A0-2587A76BB504}" destId="{ABAAE8DB-E2CC-43CB-8D93-71DC9EFC3D10}" srcOrd="0" destOrd="0" parTransId="{8A59B9EC-BD07-4456-A8DF-54771CAB9EB4}" sibTransId="{2FE575B9-B4B2-43A2-A60A-5BACBE0F9C57}"/>
-    <dgm:cxn modelId="{0AA5C12A-35F9-4293-BE1B-E1E5AC07E9AF}" type="presOf" srcId="{DC7F1DFF-09BB-4B4C-B671-9F3BA266632A}" destId="{8FBC2C5D-9E47-4B2D-8CC0-0827ADC6EE57}" srcOrd="0" destOrd="4" presId="urn:microsoft.com/office/officeart/2005/8/layout/chevron2"/>
-    <dgm:cxn modelId="{FDE1C7A9-B83A-4B23-BD5B-352FE6846570}" type="presOf" srcId="{DD72F1AC-36A9-4FC9-B3DD-284B7304268B}" destId="{5FDFAD45-BE3A-42C7-96F9-147D175477B9}" srcOrd="0" destOrd="2" presId="urn:microsoft.com/office/officeart/2005/8/layout/chevron2"/>
     <dgm:cxn modelId="{0326A130-63ED-4980-A431-4DB3F63EF895}" srcId="{CBA4680F-B921-4539-96E8-73E248B26438}" destId="{958DC5F8-13C6-4060-9DA7-572015EE948E}" srcOrd="0" destOrd="0" parTransId="{92C2B2B2-DF39-4F92-9E36-6142C56C5522}" sibTransId="{BDE7F979-986D-43E2-824A-8A00B1EF1534}"/>
     <dgm:cxn modelId="{26A054A0-1AB4-43B6-8F58-0FC6C712A2A4}" srcId="{15A2342C-342E-4AF1-ABFE-6D641BAF41A1}" destId="{CBA4680F-B921-4539-96E8-73E248B26438}" srcOrd="0" destOrd="0" parTransId="{CFA20A3C-0F95-4996-A60F-CD8C5D7EA0C8}" sibTransId="{66C95EC4-2BD0-44E1-98AF-5AEB75A287A4}"/>
-    <dgm:cxn modelId="{66B94978-2CF8-4782-9F42-CE809C56F64F}" type="presOf" srcId="{4891FD67-D496-43B1-AAAA-FB43CACB8134}" destId="{8FBC2C5D-9E47-4B2D-8CC0-0827ADC6EE57}" srcOrd="0" destOrd="3" presId="urn:microsoft.com/office/officeart/2005/8/layout/chevron2"/>
+    <dgm:cxn modelId="{841D3D0F-1DB3-472F-8E63-3386F542F668}" srcId="{1693A56B-51EB-4EEE-B5A0-2587A76BB504}" destId="{2C2FA253-18CD-49B1-A437-21286D9594B5}" srcOrd="2" destOrd="0" parTransId="{070FA609-4080-46C1-BDB2-E1875E98BCB2}" sibTransId="{474C629F-EB93-498B-9202-E58025D2478C}"/>
     <dgm:cxn modelId="{0AA7C964-F08A-434D-849D-CB60E50F510C}" type="presOf" srcId="{FDFD6E2B-DBAB-4056-BC28-C138724F0441}" destId="{0837024A-932D-4B89-A5B5-1646702B04D6}" srcOrd="0" destOrd="0" presId="urn:microsoft.com/office/officeart/2005/8/layout/chevron2"/>
+    <dgm:cxn modelId="{B625634A-843B-4E55-9811-CDCBDBE6C67A}" srcId="{CBA4680F-B921-4539-96E8-73E248B26438}" destId="{20F01373-D06A-4360-B5E0-C61DEF2E7385}" srcOrd="1" destOrd="0" parTransId="{01C26FAF-810B-49E9-9756-2103E233A160}" sibTransId="{7986FF14-E23C-4165-9433-A6F2C2A050C1}"/>
     <dgm:cxn modelId="{B9F397F0-7A59-4437-81F7-0BEB182623E3}" srcId="{FDFD6E2B-DBAB-4056-BC28-C138724F0441}" destId="{1693A56B-51EB-4EEE-B5A0-2587A76BB504}" srcOrd="0" destOrd="0" parTransId="{71605052-445C-4B49-9A4B-2DCF504AD115}" sibTransId="{84E281FA-B092-4FA8-A2AE-CFCEA05B4214}"/>
+    <dgm:cxn modelId="{4220DB8C-21F4-44A2-925D-A25CA66FDA92}" type="presOf" srcId="{2C2FA253-18CD-49B1-A437-21286D9594B5}" destId="{8FBC2C5D-9E47-4B2D-8CC0-0827ADC6EE57}" srcOrd="0" destOrd="3" presId="urn:microsoft.com/office/officeart/2005/8/layout/chevron2"/>
     <dgm:cxn modelId="{58890E05-AD91-4C6E-AFAF-1570690574EA}" type="presOf" srcId="{B56C8652-49D2-40A6-9CA3-CE8DCF0946F5}" destId="{142F673A-C255-456D-9E41-60A8F8DECB23}" srcOrd="0" destOrd="0" presId="urn:microsoft.com/office/officeart/2005/8/layout/chevron2"/>
     <dgm:cxn modelId="{331E5267-3B46-40FC-807B-5869C9435943}" srcId="{B56C8652-49D2-40A6-9CA3-CE8DCF0946F5}" destId="{FDFD6E2B-DBAB-4056-BC28-C138724F0441}" srcOrd="2" destOrd="0" parTransId="{A185C7BD-8F3D-48FC-AACD-370FC7051347}" sibTransId="{2EAE1DED-33EB-4BB9-B279-4AEA7E7C396D}"/>
     <dgm:cxn modelId="{86D5B1B6-FC3B-40C9-B662-895EFF0C484F}" type="presOf" srcId="{1693A56B-51EB-4EEE-B5A0-2587A76BB504}" destId="{8FBC2C5D-9E47-4B2D-8CC0-0827ADC6EE57}" srcOrd="0" destOrd="0" presId="urn:microsoft.com/office/officeart/2005/8/layout/chevron2"/>
     <dgm:cxn modelId="{8EEC9CF2-D120-4C04-BC12-101E42BC9E21}" type="presOf" srcId="{C7F13D55-EA84-4653-9F8F-927870A64E81}" destId="{8FBC2C5D-9E47-4B2D-8CC0-0827ADC6EE57}" srcOrd="0" destOrd="2" presId="urn:microsoft.com/office/officeart/2005/8/layout/chevron2"/>
+    <dgm:cxn modelId="{65E57F0D-DE5B-4C82-A6A8-840C26478EEC}" type="presOf" srcId="{20F01373-D06A-4360-B5E0-C61DEF2E7385}" destId="{5FDFAD45-BE3A-42C7-96F9-147D175477B9}" srcOrd="0" destOrd="2" presId="urn:microsoft.com/office/officeart/2005/8/layout/chevron2"/>
     <dgm:cxn modelId="{FD15FF7D-7615-413A-936D-840A88CEEF81}" type="presOf" srcId="{7251001A-0584-4766-A6D7-0E44BBBBDC12}" destId="{3EE3D444-F1E2-4D81-B343-EEB78C9B7BC2}" srcOrd="0" destOrd="0" presId="urn:microsoft.com/office/officeart/2005/8/layout/chevron2"/>
     <dgm:cxn modelId="{2A878A9C-A599-4E25-8F35-179342BC54EF}" srcId="{B56C8652-49D2-40A6-9CA3-CE8DCF0946F5}" destId="{15A2342C-342E-4AF1-ABFE-6D641BAF41A1}" srcOrd="0" destOrd="0" parTransId="{3113E09E-2B5D-47FE-89F9-BC4D9A8CB38B}" sibTransId="{3091C5B6-412E-4FA9-921C-1CCBB20FB078}"/>
     <dgm:cxn modelId="{13250355-16DD-4CD2-9C12-90DB9DA37F12}" type="presParOf" srcId="{142F673A-C255-456D-9E41-60A8F8DECB23}" destId="{4D46CCB9-E0D7-49E4-8700-7CE19FB27C88}" srcOrd="0" destOrd="0" presId="urn:microsoft.com/office/officeart/2005/8/layout/chevron2"/>
@@ -11571,8 +11502,8 @@
       </dsp:nvSpPr>
       <dsp:spPr>
         <a:xfrm rot="5400000">
-          <a:off x="-204191" y="547002"/>
-          <a:ext cx="1361273" cy="952891"/>
+          <a:off x="-273179" y="288388"/>
+          <a:ext cx="1821199" cy="1274839"/>
         </a:xfrm>
         <a:prstGeom prst="chevron">
           <a:avLst/>
@@ -11614,12 +11545,12 @@
         </a:fontRef>
       </dsp:style>
       <dsp:txBody>
-        <a:bodyPr spcFirstLastPara="0" vert="horz" wrap="square" lIns="8255" tIns="8255" rIns="8255" bIns="8255" numCol="1" spcCol="1270" anchor="ctr" anchorCtr="0">
+        <a:bodyPr spcFirstLastPara="0" vert="horz" wrap="square" lIns="11430" tIns="11430" rIns="11430" bIns="11430" numCol="1" spcCol="1270" anchor="ctr" anchorCtr="0">
           <a:noAutofit/>
         </a:bodyPr>
         <a:lstStyle/>
         <a:p>
-          <a:pPr lvl="0" algn="ctr" defTabSz="577850">
+          <a:pPr lvl="0" algn="ctr" defTabSz="800100">
             <a:lnSpc>
               <a:spcPct val="90000"/>
             </a:lnSpc>
@@ -11631,14 +11562,15 @@
             </a:spcAft>
           </a:pPr>
           <a:r>
-            <a:rPr lang="en-US" sz="1300" kern="1200" dirty="0"/>
-            <a:t>Input data</a:t>
-          </a:r>
+            <a:rPr lang="en-US" sz="1800" kern="1200" dirty="0" smtClean="0"/>
+            <a:t>Script Input</a:t>
+          </a:r>
+          <a:endParaRPr lang="en-US" sz="1800" kern="1200" dirty="0"/>
         </a:p>
       </dsp:txBody>
       <dsp:txXfrm rot="-5400000">
-        <a:off x="1" y="819257"/>
-        <a:ext cx="952891" cy="408382"/>
+        <a:off x="2" y="652628"/>
+        <a:ext cx="1274839" cy="546360"/>
       </dsp:txXfrm>
     </dsp:sp>
     <dsp:sp modelId="{5FDFAD45-BE3A-42C7-96F9-147D175477B9}">
@@ -11648,262 +11580,8 @@
       </dsp:nvSpPr>
       <dsp:spPr>
         <a:xfrm rot="5400000">
-          <a:off x="3864198" y="-2802329"/>
-          <a:ext cx="1352494" cy="7175108"/>
-        </a:xfrm>
-        <a:prstGeom prst="round2SameRect">
-          <a:avLst/>
-        </a:prstGeom>
-        <a:solidFill>
-          <a:schemeClr val="lt2">
-            <a:alpha val="90000"/>
-            <a:hueOff val="0"/>
-            <a:satOff val="0"/>
-            <a:lumOff val="0"/>
-            <a:alphaOff val="0"/>
-          </a:schemeClr>
-        </a:solidFill>
-        <a:ln w="12700" cap="flat" cmpd="sng" algn="ctr">
-          <a:solidFill>
-            <a:schemeClr val="dk2">
-              <a:hueOff val="0"/>
-              <a:satOff val="0"/>
-              <a:lumOff val="0"/>
-              <a:alphaOff val="0"/>
-            </a:schemeClr>
-          </a:solidFill>
-          <a:prstDash val="solid"/>
-          <a:miter lim="800000"/>
-        </a:ln>
-        <a:effectLst/>
-      </dsp:spPr>
-      <dsp:style>
-        <a:lnRef idx="2">
-          <a:scrgbClr r="0" g="0" b="0"/>
-        </a:lnRef>
-        <a:fillRef idx="1">
-          <a:scrgbClr r="0" g="0" b="0"/>
-        </a:fillRef>
-        <a:effectRef idx="0">
-          <a:scrgbClr r="0" g="0" b="0"/>
-        </a:effectRef>
-        <a:fontRef idx="minor"/>
-      </dsp:style>
-      <dsp:txBody>
-        <a:bodyPr spcFirstLastPara="0" vert="horz" wrap="square" lIns="128016" tIns="11430" rIns="11430" bIns="11430" numCol="1" spcCol="1270" anchor="ctr" anchorCtr="0">
-          <a:noAutofit/>
-        </a:bodyPr>
-        <a:lstStyle/>
-        <a:p>
-          <a:pPr marL="171450" lvl="1" indent="-171450" algn="l" defTabSz="800100">
-            <a:lnSpc>
-              <a:spcPct val="90000"/>
-            </a:lnSpc>
-            <a:spcBef>
-              <a:spcPct val="0"/>
-            </a:spcBef>
-            <a:spcAft>
-              <a:spcPct val="15000"/>
-            </a:spcAft>
-            <a:buChar char="••"/>
-          </a:pPr>
-          <a:r>
-            <a:rPr lang="en-US" sz="1800" u="sng" kern="1200" dirty="0"/>
-            <a:t>~/data/processed/</a:t>
-          </a:r>
-        </a:p>
-        <a:p>
-          <a:pPr marL="342900" lvl="2" indent="-171450" algn="l" defTabSz="800100">
-            <a:lnSpc>
-              <a:spcPct val="90000"/>
-            </a:lnSpc>
-            <a:spcBef>
-              <a:spcPct val="0"/>
-            </a:spcBef>
-            <a:spcAft>
-              <a:spcPct val="15000"/>
-            </a:spcAft>
-            <a:buChar char="••"/>
-          </a:pPr>
-          <a:r>
-            <a:rPr lang="en-US" sz="1800" u="none" kern="1200" dirty="0" err="1" smtClean="0"/>
-            <a:t>grid_goa.RData</a:t>
-          </a:r>
-          <a:r>
-            <a:rPr lang="en-US" sz="1800" u="none" kern="1200" dirty="0"/>
-            <a:t>: </a:t>
-          </a:r>
-          <a:r>
-            <a:rPr lang="en-US" sz="1800" i="0" u="none" kern="1200" dirty="0">
-              <a:solidFill>
-                <a:schemeClr val="bg1">
-                  <a:lumMod val="50000"/>
-                </a:schemeClr>
-              </a:solidFill>
-            </a:rPr>
-            <a:t>goa grid with </a:t>
-          </a:r>
-          <a:r>
-            <a:rPr lang="en-US" sz="1800" i="0" u="none" kern="1200" dirty="0" smtClean="0">
-              <a:solidFill>
-                <a:schemeClr val="bg1">
-                  <a:lumMod val="50000"/>
-                </a:schemeClr>
-              </a:solidFill>
-            </a:rPr>
-            <a:t>bathymetry</a:t>
-          </a:r>
-          <a:endParaRPr lang="en-US" sz="1800" i="0" u="none" kern="1200" dirty="0">
-            <a:solidFill>
-              <a:schemeClr val="bg1">
-                <a:lumMod val="50000"/>
-              </a:schemeClr>
-            </a:solidFill>
-          </a:endParaRPr>
-        </a:p>
-        <a:p>
-          <a:pPr marL="342900" lvl="2" indent="-171450" algn="l" defTabSz="800100">
-            <a:lnSpc>
-              <a:spcPct val="90000"/>
-            </a:lnSpc>
-            <a:spcBef>
-              <a:spcPct val="0"/>
-            </a:spcBef>
-            <a:spcAft>
-              <a:spcPct val="15000"/>
-            </a:spcAft>
-            <a:buChar char="••"/>
-          </a:pPr>
-          <a:r>
-            <a:rPr lang="en-US" sz="1800" i="0" u="none" kern="1200" dirty="0" err="1" smtClean="0">
-              <a:solidFill>
-                <a:schemeClr val="tx1"/>
-              </a:solidFill>
-            </a:rPr>
-            <a:t>prednll_VAST_models.Rdata</a:t>
-          </a:r>
-          <a:r>
-            <a:rPr lang="en-US" sz="1800" i="0" u="none" kern="1200" dirty="0" smtClean="0">
-              <a:solidFill>
-                <a:schemeClr val="tx1"/>
-              </a:solidFill>
-            </a:rPr>
-            <a:t>: </a:t>
-          </a:r>
-          <a:r>
-            <a:rPr lang="en-US" sz="1800" i="0" u="none" kern="1200" dirty="0" err="1" smtClean="0">
-              <a:solidFill>
-                <a:schemeClr val="tx1"/>
-              </a:solidFill>
-            </a:rPr>
-            <a:t>dataframe</a:t>
-          </a:r>
-          <a:r>
-            <a:rPr lang="en-US" sz="1800" i="0" u="none" kern="1200" dirty="0" smtClean="0">
-              <a:solidFill>
-                <a:schemeClr val="tx1"/>
-              </a:solidFill>
-            </a:rPr>
-            <a:t> with VAST 10-fold cross-validation results for each species</a:t>
-          </a:r>
-          <a:endParaRPr lang="en-US" sz="1800" i="0" u="none" kern="1200" dirty="0">
-            <a:solidFill>
-              <a:schemeClr val="tx1"/>
-            </a:solidFill>
-          </a:endParaRPr>
-        </a:p>
-      </dsp:txBody>
-      <dsp:txXfrm rot="-5400000">
-        <a:off x="952892" y="175000"/>
-        <a:ext cx="7109085" cy="1220448"/>
-      </dsp:txXfrm>
-    </dsp:sp>
-    <dsp:sp modelId="{8EB604FD-2448-4F33-9F96-EAFE912047E9}">
-      <dsp:nvSpPr>
-        <dsp:cNvPr id="0" name=""/>
-        <dsp:cNvSpPr/>
-      </dsp:nvSpPr>
-      <dsp:spPr>
-        <a:xfrm rot="5400000">
-          <a:off x="-204191" y="1773702"/>
-          <a:ext cx="1361273" cy="952891"/>
-        </a:xfrm>
-        <a:prstGeom prst="chevron">
-          <a:avLst/>
-        </a:prstGeom>
-        <a:solidFill>
-          <a:schemeClr val="dk2">
-            <a:hueOff val="0"/>
-            <a:satOff val="0"/>
-            <a:lumOff val="0"/>
-            <a:alphaOff val="0"/>
-          </a:schemeClr>
-        </a:solidFill>
-        <a:ln w="12700" cap="flat" cmpd="sng" algn="ctr">
-          <a:solidFill>
-            <a:schemeClr val="dk2">
-              <a:hueOff val="0"/>
-              <a:satOff val="0"/>
-              <a:lumOff val="0"/>
-              <a:alphaOff val="0"/>
-            </a:schemeClr>
-          </a:solidFill>
-          <a:prstDash val="solid"/>
-          <a:miter lim="800000"/>
-        </a:ln>
-        <a:effectLst/>
-      </dsp:spPr>
-      <dsp:style>
-        <a:lnRef idx="2">
-          <a:scrgbClr r="0" g="0" b="0"/>
-        </a:lnRef>
-        <a:fillRef idx="1">
-          <a:scrgbClr r="0" g="0" b="0"/>
-        </a:fillRef>
-        <a:effectRef idx="0">
-          <a:scrgbClr r="0" g="0" b="0"/>
-        </a:effectRef>
-        <a:fontRef idx="minor">
-          <a:schemeClr val="lt1"/>
-        </a:fontRef>
-      </dsp:style>
-      <dsp:txBody>
-        <a:bodyPr spcFirstLastPara="0" vert="horz" wrap="square" lIns="8255" tIns="8255" rIns="8255" bIns="8255" numCol="1" spcCol="1270" anchor="ctr" anchorCtr="0">
-          <a:noAutofit/>
-        </a:bodyPr>
-        <a:lstStyle/>
-        <a:p>
-          <a:pPr lvl="0" algn="ctr" defTabSz="577850">
-            <a:lnSpc>
-              <a:spcPct val="90000"/>
-            </a:lnSpc>
-            <a:spcBef>
-              <a:spcPct val="0"/>
-            </a:spcBef>
-            <a:spcAft>
-              <a:spcPct val="35000"/>
-            </a:spcAft>
-          </a:pPr>
-          <a:r>
-            <a:rPr lang="en-US" sz="1300" kern="1200" dirty="0"/>
-            <a:t>Script Program</a:t>
-          </a:r>
-        </a:p>
-      </dsp:txBody>
-      <dsp:txXfrm rot="-5400000">
-        <a:off x="1" y="2045957"/>
-        <a:ext cx="952891" cy="408382"/>
-      </dsp:txXfrm>
-    </dsp:sp>
-    <dsp:sp modelId="{3EE3D444-F1E2-4D81-B343-EEB78C9B7BC2}">
-      <dsp:nvSpPr>
-        <dsp:cNvPr id="0" name=""/>
-        <dsp:cNvSpPr/>
-      </dsp:nvSpPr>
-      <dsp:spPr>
-        <a:xfrm rot="5400000">
-          <a:off x="4381752" y="-1575396"/>
-          <a:ext cx="317386" cy="7175108"/>
+          <a:off x="4109529" y="-2819482"/>
+          <a:ext cx="1183779" cy="6853160"/>
         </a:xfrm>
         <a:prstGeom prst="round2SameRect">
           <a:avLst/>
@@ -11962,33 +11640,87 @@
             <a:buChar char="••"/>
           </a:pPr>
           <a:r>
-            <a:rPr lang="en-US" sz="2000" u="none" kern="1200" dirty="0"/>
-            <a:t>~/</a:t>
-          </a:r>
-          <a:r>
-            <a:rPr lang="en-US" sz="2000" kern="1200" dirty="0" err="1"/>
-            <a:t>analysis_scripts</a:t>
-          </a:r>
-          <a:r>
-            <a:rPr lang="en-US" sz="2000" kern="1200" dirty="0"/>
-            <a:t>/2A_optimization_data.R</a:t>
-          </a:r>
+            <a:rPr lang="en-US" sz="2000" u="sng" kern="1200" dirty="0"/>
+            <a:t>~/data/processed/</a:t>
+          </a:r>
+        </a:p>
+        <a:p>
+          <a:pPr marL="457200" lvl="2" indent="-228600" algn="l" defTabSz="889000">
+            <a:lnSpc>
+              <a:spcPct val="90000"/>
+            </a:lnSpc>
+            <a:spcBef>
+              <a:spcPct val="0"/>
+            </a:spcBef>
+            <a:spcAft>
+              <a:spcPct val="15000"/>
+            </a:spcAft>
+            <a:buChar char="••"/>
+          </a:pPr>
+          <a:r>
+            <a:rPr lang="en-US" sz="2000" u="none" kern="1200" dirty="0" err="1" smtClean="0"/>
+            <a:t>grid_goa.RData</a:t>
+          </a:r>
+          <a:endParaRPr lang="en-US" sz="2000" i="0" u="none" kern="1200" dirty="0">
+            <a:solidFill>
+              <a:schemeClr val="bg1">
+                <a:lumMod val="50000"/>
+              </a:schemeClr>
+            </a:solidFill>
+          </a:endParaRPr>
+        </a:p>
+        <a:p>
+          <a:pPr marL="457200" lvl="2" indent="-228600" algn="l" defTabSz="889000">
+            <a:lnSpc>
+              <a:spcPct val="90000"/>
+            </a:lnSpc>
+            <a:spcBef>
+              <a:spcPct val="0"/>
+            </a:spcBef>
+            <a:spcAft>
+              <a:spcPct val="15000"/>
+            </a:spcAft>
+            <a:buChar char="••"/>
+          </a:pPr>
+          <a:r>
+            <a:rPr lang="en-US" sz="2000" i="0" u="none" kern="1200" dirty="0" err="1" smtClean="0">
+              <a:solidFill>
+                <a:schemeClr val="tx1"/>
+              </a:solidFill>
+            </a:rPr>
+            <a:t>prednll_VAST_models.RData</a:t>
+          </a:r>
+          <a:r>
+            <a:rPr lang="en-US" sz="2000" i="0" u="none" kern="1200" dirty="0" smtClean="0">
+              <a:solidFill>
+                <a:schemeClr val="tx1"/>
+              </a:solidFill>
+            </a:rPr>
+            <a:t>:</a:t>
+          </a:r>
+          <a:endParaRPr lang="en-US" sz="2000" i="0" u="none" kern="1200" dirty="0">
+            <a:solidFill>
+              <a:schemeClr val="bg1">
+                <a:lumMod val="50000"/>
+              </a:schemeClr>
+            </a:solidFill>
+          </a:endParaRPr>
         </a:p>
       </dsp:txBody>
       <dsp:txXfrm rot="-5400000">
-        <a:off x="952891" y="1868959"/>
-        <a:ext cx="7159614" cy="286398"/>
+        <a:off x="1274839" y="72995"/>
+        <a:ext cx="6795373" cy="1068205"/>
       </dsp:txXfrm>
     </dsp:sp>
-    <dsp:sp modelId="{0837024A-932D-4B89-A5B5-1646702B04D6}">
+    <dsp:sp modelId="{8EB604FD-2448-4F33-9F96-EAFE912047E9}">
       <dsp:nvSpPr>
         <dsp:cNvPr id="0" name=""/>
         <dsp:cNvSpPr/>
       </dsp:nvSpPr>
       <dsp:spPr>
         <a:xfrm rot="5400000">
-          <a:off x="-204191" y="3814727"/>
-          <a:ext cx="1361273" cy="952891"/>
+          <a:off x="-273179" y="1929546"/>
+          <a:ext cx="1821199" cy="1274839"/>
         </a:xfrm>
         <a:prstGeom prst="chevron">
           <a:avLst/>
@@ -12030,12 +11762,12 @@
         </a:fontRef>
       </dsp:style>
       <dsp:txBody>
-        <a:bodyPr spcFirstLastPara="0" vert="horz" wrap="square" lIns="8255" tIns="8255" rIns="8255" bIns="8255" numCol="1" spcCol="1270" anchor="ctr" anchorCtr="0">
+        <a:bodyPr spcFirstLastPara="0" vert="horz" wrap="square" lIns="11430" tIns="11430" rIns="11430" bIns="11430" numCol="1" spcCol="1270" anchor="ctr" anchorCtr="0">
           <a:noAutofit/>
         </a:bodyPr>
         <a:lstStyle/>
         <a:p>
-          <a:pPr lvl="0" algn="ctr" defTabSz="577850">
+          <a:pPr lvl="0" algn="ctr" defTabSz="800100">
             <a:lnSpc>
               <a:spcPct val="90000"/>
             </a:lnSpc>
@@ -12047,25 +11779,25 @@
             </a:spcAft>
           </a:pPr>
           <a:r>
-            <a:rPr lang="en-US" sz="1300" kern="1200" dirty="0"/>
-            <a:t>Output</a:t>
+            <a:rPr lang="en-US" sz="1800" kern="1200" dirty="0"/>
+            <a:t>Script Program</a:t>
           </a:r>
         </a:p>
       </dsp:txBody>
       <dsp:txXfrm rot="-5400000">
-        <a:off x="1" y="4086982"/>
-        <a:ext cx="952891" cy="408382"/>
+        <a:off x="2" y="2293786"/>
+        <a:ext cx="1274839" cy="546360"/>
       </dsp:txXfrm>
     </dsp:sp>
-    <dsp:sp modelId="{8FBC2C5D-9E47-4B2D-8CC0-0827ADC6EE57}">
+    <dsp:sp modelId="{3EE3D444-F1E2-4D81-B343-EEB78C9B7BC2}">
       <dsp:nvSpPr>
         <dsp:cNvPr id="0" name=""/>
         <dsp:cNvSpPr/>
       </dsp:nvSpPr>
       <dsp:spPr>
         <a:xfrm rot="5400000">
-          <a:off x="3283707" y="465396"/>
-          <a:ext cx="2513477" cy="7175108"/>
+          <a:off x="4489221" y="-1178323"/>
+          <a:ext cx="424396" cy="6853160"/>
         </a:xfrm>
         <a:prstGeom prst="round2SameRect">
           <a:avLst/>
@@ -12106,12 +11838,12 @@
         <a:fontRef idx="minor"/>
       </dsp:style>
       <dsp:txBody>
-        <a:bodyPr spcFirstLastPara="0" vert="horz" wrap="square" lIns="113792" tIns="10160" rIns="10160" bIns="10160" numCol="1" spcCol="1270" anchor="ctr" anchorCtr="0">
+        <a:bodyPr spcFirstLastPara="0" vert="horz" wrap="square" lIns="142240" tIns="12700" rIns="12700" bIns="12700" numCol="1" spcCol="1270" anchor="ctr" anchorCtr="0">
           <a:noAutofit/>
         </a:bodyPr>
         <a:lstStyle/>
         <a:p>
-          <a:pPr marL="171450" lvl="1" indent="-171450" algn="l" defTabSz="711200">
+          <a:pPr marL="228600" lvl="1" indent="-228600" algn="l" defTabSz="889000">
             <a:lnSpc>
               <a:spcPct val="90000"/>
             </a:lnSpc>
@@ -12124,27 +11856,157 @@
             <a:buChar char="••"/>
           </a:pPr>
           <a:r>
-            <a:rPr lang="en-US" sz="1600" u="none" kern="1200" dirty="0"/>
+            <a:rPr lang="en-US" sz="2000" u="none" kern="1200" dirty="0"/>
             <a:t>~/</a:t>
           </a:r>
           <a:r>
-            <a:rPr lang="en-US" sz="1600" kern="1200" dirty="0"/>
-            <a:t>data/processed</a:t>
-          </a:r>
-          <a:r>
-            <a:rPr lang="en-US" sz="1600" kern="1200" dirty="0" smtClean="0"/>
-            <a:t>/</a:t>
-          </a:r>
-          <a:endParaRPr lang="en-US" sz="1600" kern="1200" dirty="0">
-            <a:solidFill>
-              <a:schemeClr val="bg1">
-                <a:lumMod val="50000"/>
-              </a:schemeClr>
-            </a:solidFill>
-          </a:endParaRPr>
-        </a:p>
-        <a:p>
-          <a:pPr marL="342900" lvl="2" indent="-171450" algn="l" defTabSz="711200">
+            <a:rPr lang="en-US" sz="2000" kern="1200" dirty="0" err="1"/>
+            <a:t>analysis_scripts</a:t>
+          </a:r>
+          <a:r>
+            <a:rPr lang="en-US" sz="2000" kern="1200" dirty="0"/>
+            <a:t>/2A_optimization_data.R</a:t>
+          </a:r>
+        </a:p>
+      </dsp:txBody>
+      <dsp:txXfrm rot="-5400000">
+        <a:off x="1274840" y="2056775"/>
+        <a:ext cx="6832443" cy="382962"/>
+      </dsp:txXfrm>
+    </dsp:sp>
+    <dsp:sp modelId="{0837024A-932D-4B89-A5B5-1646702B04D6}">
+      <dsp:nvSpPr>
+        <dsp:cNvPr id="0" name=""/>
+        <dsp:cNvSpPr/>
+      </dsp:nvSpPr>
+      <dsp:spPr>
+        <a:xfrm rot="5400000">
+          <a:off x="-273179" y="3855439"/>
+          <a:ext cx="1821199" cy="1274839"/>
+        </a:xfrm>
+        <a:prstGeom prst="chevron">
+          <a:avLst/>
+        </a:prstGeom>
+        <a:solidFill>
+          <a:schemeClr val="dk2">
+            <a:hueOff val="0"/>
+            <a:satOff val="0"/>
+            <a:lumOff val="0"/>
+            <a:alphaOff val="0"/>
+          </a:schemeClr>
+        </a:solidFill>
+        <a:ln w="12700" cap="flat" cmpd="sng" algn="ctr">
+          <a:solidFill>
+            <a:schemeClr val="dk2">
+              <a:hueOff val="0"/>
+              <a:satOff val="0"/>
+              <a:lumOff val="0"/>
+              <a:alphaOff val="0"/>
+            </a:schemeClr>
+          </a:solidFill>
+          <a:prstDash val="solid"/>
+          <a:miter lim="800000"/>
+        </a:ln>
+        <a:effectLst/>
+      </dsp:spPr>
+      <dsp:style>
+        <a:lnRef idx="2">
+          <a:scrgbClr r="0" g="0" b="0"/>
+        </a:lnRef>
+        <a:fillRef idx="1">
+          <a:scrgbClr r="0" g="0" b="0"/>
+        </a:fillRef>
+        <a:effectRef idx="0">
+          <a:scrgbClr r="0" g="0" b="0"/>
+        </a:effectRef>
+        <a:fontRef idx="minor">
+          <a:schemeClr val="lt1"/>
+        </a:fontRef>
+      </dsp:style>
+      <dsp:txBody>
+        <a:bodyPr spcFirstLastPara="0" vert="horz" wrap="square" lIns="11430" tIns="11430" rIns="11430" bIns="11430" numCol="1" spcCol="1270" anchor="ctr" anchorCtr="0">
+          <a:noAutofit/>
+        </a:bodyPr>
+        <a:lstStyle/>
+        <a:p>
+          <a:pPr lvl="0" algn="ctr" defTabSz="800100">
+            <a:lnSpc>
+              <a:spcPct val="90000"/>
+            </a:lnSpc>
+            <a:spcBef>
+              <a:spcPct val="0"/>
+            </a:spcBef>
+            <a:spcAft>
+              <a:spcPct val="35000"/>
+            </a:spcAft>
+          </a:pPr>
+          <a:r>
+            <a:rPr lang="en-US" sz="1800" kern="1200" dirty="0" smtClean="0"/>
+            <a:t>Script Output</a:t>
+          </a:r>
+          <a:endParaRPr lang="en-US" sz="1800" kern="1200" dirty="0"/>
+        </a:p>
+      </dsp:txBody>
+      <dsp:txXfrm rot="-5400000">
+        <a:off x="2" y="4219679"/>
+        <a:ext cx="1274839" cy="546360"/>
+      </dsp:txXfrm>
+    </dsp:sp>
+    <dsp:sp modelId="{8FBC2C5D-9E47-4B2D-8CC0-0827ADC6EE57}">
+      <dsp:nvSpPr>
+        <dsp:cNvPr id="0" name=""/>
+        <dsp:cNvSpPr/>
+      </dsp:nvSpPr>
+      <dsp:spPr>
+        <a:xfrm rot="5400000">
+          <a:off x="3824795" y="747569"/>
+          <a:ext cx="1753248" cy="6853160"/>
+        </a:xfrm>
+        <a:prstGeom prst="round2SameRect">
+          <a:avLst/>
+        </a:prstGeom>
+        <a:solidFill>
+          <a:schemeClr val="lt2">
+            <a:alpha val="90000"/>
+            <a:hueOff val="0"/>
+            <a:satOff val="0"/>
+            <a:lumOff val="0"/>
+            <a:alphaOff val="0"/>
+          </a:schemeClr>
+        </a:solidFill>
+        <a:ln w="12700" cap="flat" cmpd="sng" algn="ctr">
+          <a:solidFill>
+            <a:schemeClr val="dk2">
+              <a:hueOff val="0"/>
+              <a:satOff val="0"/>
+              <a:lumOff val="0"/>
+              <a:alphaOff val="0"/>
+            </a:schemeClr>
+          </a:solidFill>
+          <a:prstDash val="solid"/>
+          <a:miter lim="800000"/>
+        </a:ln>
+        <a:effectLst/>
+      </dsp:spPr>
+      <dsp:style>
+        <a:lnRef idx="2">
+          <a:scrgbClr r="0" g="0" b="0"/>
+        </a:lnRef>
+        <a:fillRef idx="1">
+          <a:scrgbClr r="0" g="0" b="0"/>
+        </a:fillRef>
+        <a:effectRef idx="0">
+          <a:scrgbClr r="0" g="0" b="0"/>
+        </a:effectRef>
+        <a:fontRef idx="minor"/>
+      </dsp:style>
+      <dsp:txBody>
+        <a:bodyPr spcFirstLastPara="0" vert="horz" wrap="square" lIns="142240" tIns="12700" rIns="12700" bIns="12700" numCol="1" spcCol="1270" anchor="ctr" anchorCtr="0">
+          <a:noAutofit/>
+        </a:bodyPr>
+        <a:lstStyle/>
+        <a:p>
+          <a:pPr marL="228600" lvl="1" indent="-228600" algn="l" defTabSz="889000">
             <a:lnSpc>
               <a:spcPct val="90000"/>
             </a:lnSpc>
@@ -12157,26 +12019,27 @@
             <a:buChar char="••"/>
           </a:pPr>
           <a:r>
-            <a:rPr lang="en-US" sz="1600" kern="1200" dirty="0" err="1" smtClean="0"/>
-            <a:t>optimization_data.RData</a:t>
-          </a:r>
-          <a:r>
-            <a:rPr lang="en-US" sz="1600" kern="1200" dirty="0"/>
-            <a:t>: </a:t>
-          </a:r>
-          <a:r>
-            <a:rPr lang="en-US" sz="1600" kern="1200" dirty="0">
-              <a:solidFill>
-                <a:schemeClr val="bg1">
-                  <a:lumMod val="50000"/>
-                </a:schemeClr>
-              </a:solidFill>
-            </a:rPr>
-            <a:t>main survey optimization data input, constants used throughout the rest of the analysis and in figures</a:t>
-          </a:r>
-        </a:p>
-        <a:p>
-          <a:pPr marL="342900" lvl="2" indent="-171450" algn="l" defTabSz="711200">
+            <a:rPr lang="en-US" sz="2000" u="none" kern="1200" dirty="0"/>
+            <a:t>~/</a:t>
+          </a:r>
+          <a:r>
+            <a:rPr lang="en-US" sz="2000" kern="1200" dirty="0"/>
+            <a:t>data/processed</a:t>
+          </a:r>
+          <a:r>
+            <a:rPr lang="en-US" sz="2000" kern="1200" dirty="0" smtClean="0"/>
+            <a:t>/</a:t>
+          </a:r>
+          <a:endParaRPr lang="en-US" sz="2000" kern="1200" dirty="0">
+            <a:solidFill>
+              <a:schemeClr val="bg1">
+                <a:lumMod val="50000"/>
+              </a:schemeClr>
+            </a:solidFill>
+          </a:endParaRPr>
+        </a:p>
+        <a:p>
+          <a:pPr marL="457200" lvl="2" indent="-228600" algn="l" defTabSz="889000">
             <a:lnSpc>
               <a:spcPct val="90000"/>
             </a:lnSpc>
@@ -12189,29 +12052,19 @@
             <a:buChar char="••"/>
           </a:pPr>
           <a:r>
-            <a:rPr lang="en-US" sz="1600" kern="1200" dirty="0" err="1" smtClean="0">
-              <a:solidFill>
-                <a:schemeClr val="tx1"/>
-              </a:solidFill>
-            </a:rPr>
-            <a:t>dens_vals_MLE.RData</a:t>
-          </a:r>
-          <a:r>
-            <a:rPr lang="en-US" sz="1600" kern="1200" dirty="0" smtClean="0">
-              <a:solidFill>
-                <a:schemeClr val="tx1"/>
-              </a:solidFill>
-            </a:rPr>
-            <a:t>: predicted density based on the maximum likelihood estimates of the fixed and random parameters from VAST</a:t>
-          </a:r>
-          <a:endParaRPr lang="en-US" sz="1600" kern="1200" dirty="0">
+            <a:rPr lang="en-US" sz="2000" kern="1200" dirty="0" err="1" smtClean="0"/>
+            <a:t>optimization_data.RData</a:t>
+          </a:r>
+          <a:endParaRPr lang="en-US" sz="2000" kern="1200" dirty="0">
             <a:solidFill>
-              <a:schemeClr val="tx1"/>
+              <a:schemeClr val="bg1">
+                <a:lumMod val="50000"/>
+              </a:schemeClr>
             </a:solidFill>
           </a:endParaRPr>
         </a:p>
         <a:p>
-          <a:pPr marL="342900" lvl="2" indent="-171450" algn="l" defTabSz="711200">
+          <a:pPr marL="457200" lvl="2" indent="-228600" algn="l" defTabSz="889000">
             <a:lnSpc>
               <a:spcPct val="90000"/>
             </a:lnSpc>
@@ -12224,31 +12077,21 @@
             <a:buChar char="••"/>
           </a:pPr>
           <a:r>
-            <a:rPr lang="en-US" sz="1600" kern="1200" dirty="0" err="1" smtClean="0">
+            <a:rPr lang="en-US" sz="2000" kern="1200" dirty="0" err="1" smtClean="0">
               <a:solidFill>
                 <a:schemeClr val="tx1"/>
               </a:solidFill>
             </a:rPr>
-            <a:t>dens_vals_measurement.RData</a:t>
-          </a:r>
-          <a:r>
-            <a:rPr lang="en-US" sz="1600" kern="1200" dirty="0" smtClean="0">
-              <a:solidFill>
-                <a:schemeClr val="tx1"/>
-              </a:solidFill>
-            </a:rPr>
-            <a:t>: predicted density based on the simulating measurement error conditioned on the fixed and random effects from VAST</a:t>
-          </a:r>
-          <a:endParaRPr lang="en-US" sz="1600" kern="1200" dirty="0">
+            <a:t>dens_vals_MLE.RData</a:t>
+          </a:r>
+          <a:endParaRPr lang="en-US" sz="2000" kern="1200" dirty="0">
             <a:solidFill>
-              <a:schemeClr val="bg1">
-                <a:lumMod val="50000"/>
-              </a:schemeClr>
+              <a:schemeClr val="tx1"/>
             </a:solidFill>
           </a:endParaRPr>
         </a:p>
         <a:p>
-          <a:pPr marL="342900" lvl="2" indent="-171450" algn="l" defTabSz="711200">
+          <a:pPr marL="457200" lvl="2" indent="-228600" algn="l" defTabSz="889000">
             <a:lnSpc>
               <a:spcPct val="90000"/>
             </a:lnSpc>
@@ -12261,22 +12104,41 @@
             <a:buChar char="••"/>
           </a:pPr>
           <a:r>
-            <a:rPr lang="en-US" sz="1600" kern="1200" dirty="0" err="1" smtClean="0">
+            <a:rPr lang="en-US" sz="2000" kern="1200" dirty="0" err="1" smtClean="0">
+              <a:solidFill>
+                <a:schemeClr val="tx1"/>
+              </a:solidFill>
+            </a:rPr>
+            <a:t>dens_vals_measurement.RData</a:t>
+          </a:r>
+          <a:endParaRPr lang="en-US" sz="2000" kern="1200" dirty="0">
+            <a:solidFill>
+              <a:schemeClr val="tx1"/>
+            </a:solidFill>
+          </a:endParaRPr>
+        </a:p>
+        <a:p>
+          <a:pPr marL="457200" lvl="2" indent="-228600" algn="l" defTabSz="889000">
+            <a:lnSpc>
+              <a:spcPct val="90000"/>
+            </a:lnSpc>
+            <a:spcBef>
+              <a:spcPct val="0"/>
+            </a:spcBef>
+            <a:spcAft>
+              <a:spcPct val="15000"/>
+            </a:spcAft>
+            <a:buChar char="••"/>
+          </a:pPr>
+          <a:r>
+            <a:rPr lang="en-US" sz="2000" kern="1200" dirty="0" err="1" smtClean="0">
               <a:solidFill>
                 <a:schemeClr val="tx1"/>
               </a:solidFill>
             </a:rPr>
             <a:t>dens_vals_fixed_random.RData</a:t>
           </a:r>
-          <a:r>
-            <a:rPr lang="en-US" sz="1600" kern="1200" dirty="0" smtClean="0">
-              <a:solidFill>
-                <a:schemeClr val="tx1"/>
-              </a:solidFill>
-            </a:rPr>
-            <a:t>: predicted density based on the simulating fixed and random effects from VAST</a:t>
-          </a:r>
-          <a:endParaRPr lang="en-US" sz="1600" kern="1200" dirty="0">
+          <a:endParaRPr lang="en-US" sz="2000" kern="1200" dirty="0">
             <a:solidFill>
               <a:schemeClr val="bg1">
                 <a:lumMod val="50000"/>
@@ -12286,8 +12148,8 @@
         </a:p>
       </dsp:txBody>
       <dsp:txXfrm rot="-5400000">
-        <a:off x="952892" y="2918909"/>
-        <a:ext cx="7052410" cy="2268081"/>
+        <a:off x="1274840" y="3383112"/>
+        <a:ext cx="6767573" cy="1582074"/>
       </dsp:txXfrm>
     </dsp:sp>
   </dsp:spTree>
@@ -24817,7 +24679,7 @@
           <p:nvPr>
             <p:extLst>
               <p:ext uri="{D42A27DB-BD31-4B8C-83A1-F6EECF244321}">
-                <p14:modId xmlns:p14="http://schemas.microsoft.com/office/powerpoint/2010/main" val="2321834933"/>
+                <p14:modId xmlns:p14="http://schemas.microsoft.com/office/powerpoint/2010/main" val="3262912312"/>
               </p:ext>
             </p:extLst>
           </p:nvPr>
